--- a/ressources/presentation/PresentationPER_Desbarats_V3.pptx
+++ b/ressources/presentation/PresentationPER_Desbarats_V3.pptx
@@ -207,7 +207,6 @@
           </a:p>
         </c:rich>
       </c:tx>
-      <c:layout/>
       <c:overlay val="0"/>
       <c:spPr>
         <a:noFill/>
@@ -792,8 +791,8 @@
           <c:showBubbleSize val="0"/>
         </c:dLbls>
         <c:smooth val="0"/>
-        <c:axId val="-1339666256"/>
-        <c:axId val="-1339663536"/>
+        <c:axId val="-812629888"/>
+        <c:axId val="-812637504"/>
         <c:extLst>
           <c:ext xmlns:c15="http://schemas.microsoft.com/office/drawing/2012/chart" uri="{02D57815-91ED-43cb-92C2-25804820EDAC}">
             <c15:filteredLineSeries>
@@ -992,7 +991,7 @@
         </c:extLst>
       </c:lineChart>
       <c:catAx>
-        <c:axId val="-1339666256"/>
+        <c:axId val="-812629888"/>
         <c:scaling>
           <c:orientation val="minMax"/>
         </c:scaling>
@@ -1035,7 +1034,7 @@
             <a:endParaRPr lang="fr-FR"/>
           </a:p>
         </c:txPr>
-        <c:crossAx val="-1339663536"/>
+        <c:crossAx val="-812637504"/>
         <c:crosses val="autoZero"/>
         <c:auto val="1"/>
         <c:lblAlgn val="ctr"/>
@@ -1043,7 +1042,7 @@
         <c:noMultiLvlLbl val="0"/>
       </c:catAx>
       <c:valAx>
-        <c:axId val="-1339663536"/>
+        <c:axId val="-812637504"/>
         <c:scaling>
           <c:orientation val="minMax"/>
           <c:max val="100"/>
@@ -1095,7 +1094,7 @@
             <a:endParaRPr lang="fr-FR"/>
           </a:p>
         </c:txPr>
-        <c:crossAx val="-1339666256"/>
+        <c:crossAx val="-812629888"/>
         <c:crosses val="autoZero"/>
         <c:crossBetween val="between"/>
       </c:valAx>
@@ -1109,7 +1108,6 @@
     </c:plotArea>
     <c:legend>
       <c:legendPos val="b"/>
-      <c:layout/>
       <c:overlay val="0"/>
       <c:spPr>
         <a:noFill/>
@@ -10865,11 +10863,7 @@
             </a:r>
             <a:r>
               <a:rPr lang="fr-FR" sz="2400" dirty="0" smtClean="0"/>
-              <a:t> </a:t>
-            </a:r>
-            <a:r>
-              <a:rPr lang="fr-FR" sz="2400" dirty="0" smtClean="0"/>
-              <a:t>: </a:t>
+              <a:t> : </a:t>
             </a:r>
           </a:p>
           <a:p>
@@ -10884,15 +10878,15 @@
             <a:pPr lvl="1"/>
             <a:r>
               <a:rPr lang="fr-FR" sz="2400" dirty="0" smtClean="0"/>
-              <a:t>Scan </a:t>
+              <a:t>Scan the area in </a:t>
             </a:r>
             <a:r>
               <a:rPr lang="fr-FR" sz="2400" dirty="0" smtClean="0"/>
-              <a:t>the area in </a:t>
-            </a:r>
-            <a:r>
-              <a:rPr lang="fr-FR" sz="2400" dirty="0"/>
-              <a:t>18 </a:t>
+              <a:t>40</a:t>
+            </a:r>
+            <a:r>
+              <a:rPr lang="fr-FR" sz="2400" dirty="0" smtClean="0"/>
+              <a:t> </a:t>
             </a:r>
             <a:r>
               <a:rPr lang="fr-FR" sz="2400" dirty="0" smtClean="0"/>
@@ -12678,7 +12672,7 @@
         </p:nvSpPr>
         <p:spPr>
           <a:xfrm>
-            <a:off x="1619673" y="1843054"/>
+            <a:off x="1619673" y="2524213"/>
             <a:ext cx="4479776" cy="1938992"/>
           </a:xfrm>
           <a:prstGeom prst="rect">
@@ -12806,7 +12800,7 @@
         </p:nvSpPr>
         <p:spPr>
           <a:xfrm>
-            <a:off x="2223304" y="1294336"/>
+            <a:off x="2223304" y="1975495"/>
             <a:ext cx="1704313" cy="523220"/>
           </a:xfrm>
           <a:prstGeom prst="rect">
@@ -12840,7 +12834,7 @@
         </p:nvSpPr>
         <p:spPr>
           <a:xfrm>
-            <a:off x="6099448" y="1294336"/>
+            <a:off x="6099448" y="1975495"/>
             <a:ext cx="2895986" cy="523220"/>
           </a:xfrm>
           <a:prstGeom prst="rect">
@@ -12874,7 +12868,7 @@
         </p:nvSpPr>
         <p:spPr>
           <a:xfrm>
-            <a:off x="5846178" y="1879677"/>
+            <a:off x="5846178" y="2560836"/>
             <a:ext cx="2993022" cy="2308324"/>
           </a:xfrm>
           <a:prstGeom prst="rect">
@@ -12950,7 +12944,7 @@
         </p:nvCxnSpPr>
         <p:spPr>
           <a:xfrm>
-            <a:off x="5148064" y="1294336"/>
+            <a:off x="5148064" y="1975495"/>
             <a:ext cx="0" cy="2487710"/>
           </a:xfrm>
           <a:prstGeom prst="line">
@@ -15811,11 +15805,7 @@
             </a:r>
             <a:r>
               <a:rPr lang="fr-FR" sz="2800" dirty="0" smtClean="0"/>
-              <a:t>scenario</a:t>
-            </a:r>
-            <a:r>
-              <a:rPr lang="fr-FR" sz="2800" dirty="0" smtClean="0"/>
-              <a:t>.</a:t>
+              <a:t>scenario.</a:t>
             </a:r>
           </a:p>
           <a:p>
@@ -15840,11 +15830,7 @@
             </a:r>
             <a:r>
               <a:rPr lang="fr-FR" sz="2800" dirty="0" err="1" smtClean="0"/>
-              <a:t>un</a:t>
-            </a:r>
-            <a:r>
-              <a:rPr lang="fr-FR" sz="2800" dirty="0" err="1" smtClean="0"/>
-              <a:t>realistic</a:t>
+              <a:t>unrealistic</a:t>
             </a:r>
             <a:endParaRPr lang="fr-FR" sz="2800" dirty="0" smtClean="0"/>
           </a:p>
@@ -16630,11 +16616,7 @@
             </a:pPr>
             <a:r>
               <a:rPr lang="fr-FR" sz="1400" dirty="0" smtClean="0"/>
-              <a:t>"</a:t>
-            </a:r>
-            <a:r>
-              <a:rPr lang="fr-FR" sz="1400" dirty="0" smtClean="0"/>
-              <a:t>http</a:t>
+              <a:t>"http</a:t>
             </a:r>
             <a:r>
               <a:rPr lang="fr-FR" sz="1400" dirty="0"/>
@@ -16656,7 +16638,6 @@
               <a:rPr lang="fr-FR" dirty="0" smtClean="0"/>
               <a:t>  </a:t>
             </a:r>
-            <a:endParaRPr lang="fr-FR" dirty="0" smtClean="0"/>
           </a:p>
           <a:p>
             <a:pPr marL="0" indent="0">

--- a/ressources/presentation/PresentationPER_Desbarats_V3.pptx
+++ b/ressources/presentation/PresentationPER_Desbarats_V3.pptx
@@ -791,8 +791,8 @@
           <c:showBubbleSize val="0"/>
         </c:dLbls>
         <c:smooth val="0"/>
-        <c:axId val="-812629888"/>
-        <c:axId val="-812637504"/>
+        <c:axId val="1709276736"/>
+        <c:axId val="1709270208"/>
         <c:extLst>
           <c:ext xmlns:c15="http://schemas.microsoft.com/office/drawing/2012/chart" uri="{02D57815-91ED-43cb-92C2-25804820EDAC}">
             <c15:filteredLineSeries>
@@ -991,7 +991,7 @@
         </c:extLst>
       </c:lineChart>
       <c:catAx>
-        <c:axId val="-812629888"/>
+        <c:axId val="1709276736"/>
         <c:scaling>
           <c:orientation val="minMax"/>
         </c:scaling>
@@ -1034,7 +1034,7 @@
             <a:endParaRPr lang="fr-FR"/>
           </a:p>
         </c:txPr>
-        <c:crossAx val="-812637504"/>
+        <c:crossAx val="1709270208"/>
         <c:crosses val="autoZero"/>
         <c:auto val="1"/>
         <c:lblAlgn val="ctr"/>
@@ -1042,7 +1042,7 @@
         <c:noMultiLvlLbl val="0"/>
       </c:catAx>
       <c:valAx>
-        <c:axId val="-812637504"/>
+        <c:axId val="1709270208"/>
         <c:scaling>
           <c:orientation val="minMax"/>
           <c:max val="100"/>
@@ -1094,7 +1094,7 @@
             <a:endParaRPr lang="fr-FR"/>
           </a:p>
         </c:txPr>
-        <c:crossAx val="-812629888"/>
+        <c:crossAx val="1709276736"/>
         <c:crosses val="autoZero"/>
         <c:crossBetween val="between"/>
       </c:valAx>
@@ -10878,19 +10878,7 @@
             <a:pPr lvl="1"/>
             <a:r>
               <a:rPr lang="fr-FR" sz="2400" dirty="0" smtClean="0"/>
-              <a:t>Scan the area in </a:t>
-            </a:r>
-            <a:r>
-              <a:rPr lang="fr-FR" sz="2400" dirty="0" smtClean="0"/>
-              <a:t>40</a:t>
-            </a:r>
-            <a:r>
-              <a:rPr lang="fr-FR" sz="2400" dirty="0" smtClean="0"/>
-              <a:t> </a:t>
-            </a:r>
-            <a:r>
-              <a:rPr lang="fr-FR" sz="2400" dirty="0" smtClean="0"/>
-              <a:t>min</a:t>
+              <a:t>Scan the area in 40 min</a:t>
             </a:r>
           </a:p>
           <a:p>
@@ -14705,7 +14693,7 @@
       </p:sp>
       <p:pic>
         <p:nvPicPr>
-          <p:cNvPr id="12" name="Image 11"/>
+          <p:cNvPr id="5" name="Image 4"/>
           <p:cNvPicPr>
             <a:picLocks noChangeAspect="1"/>
           </p:cNvPicPr>
@@ -14719,8 +14707,8 @@
         </p:blipFill>
         <p:spPr>
           <a:xfrm>
-            <a:off x="1035885" y="2049171"/>
-            <a:ext cx="3787697" cy="3946463"/>
+            <a:off x="4938962" y="2318393"/>
+            <a:ext cx="4171502" cy="3408017"/>
           </a:xfrm>
           <a:prstGeom prst="rect">
             <a:avLst/>
@@ -14729,7 +14717,7 @@
       </p:pic>
       <p:pic>
         <p:nvPicPr>
-          <p:cNvPr id="5" name="Image 4"/>
+          <p:cNvPr id="3" name="Image 2"/>
           <p:cNvPicPr>
             <a:picLocks noChangeAspect="1"/>
           </p:cNvPicPr>
@@ -14743,8 +14731,8 @@
         </p:blipFill>
         <p:spPr>
           <a:xfrm>
-            <a:off x="4938962" y="2318393"/>
-            <a:ext cx="4171502" cy="3408017"/>
+            <a:off x="335062" y="2012551"/>
+            <a:ext cx="4009380" cy="4201097"/>
           </a:xfrm>
           <a:prstGeom prst="rect">
             <a:avLst/>

--- a/ressources/presentation/PresentationPER_Desbarats_V3.pptx
+++ b/ressources/presentation/PresentationPER_Desbarats_V3.pptx
@@ -5,10 +5,10 @@
     <p:sldMasterId id="2147483648" r:id="rId1"/>
   </p:sldMasterIdLst>
   <p:notesMasterIdLst>
-    <p:notesMasterId r:id="rId27"/>
+    <p:notesMasterId r:id="rId28"/>
   </p:notesMasterIdLst>
   <p:handoutMasterIdLst>
-    <p:handoutMasterId r:id="rId28"/>
+    <p:handoutMasterId r:id="rId29"/>
   </p:handoutMasterIdLst>
   <p:sldIdLst>
     <p:sldId id="259" r:id="rId2"/>
@@ -33,9 +33,10 @@
     <p:sldId id="323" r:id="rId21"/>
     <p:sldId id="324" r:id="rId22"/>
     <p:sldId id="326" r:id="rId23"/>
-    <p:sldId id="305" r:id="rId24"/>
-    <p:sldId id="296" r:id="rId25"/>
-    <p:sldId id="276" r:id="rId26"/>
+    <p:sldId id="328" r:id="rId24"/>
+    <p:sldId id="305" r:id="rId25"/>
+    <p:sldId id="296" r:id="rId26"/>
+    <p:sldId id="276" r:id="rId27"/>
   </p:sldIdLst>
   <p:sldSz cx="9144000" cy="6858000" type="screen4x3"/>
   <p:notesSz cx="6858000" cy="9144000"/>
@@ -207,6 +208,7 @@
           </a:p>
         </c:rich>
       </c:tx>
+      <c:layout/>
       <c:overlay val="0"/>
       <c:spPr>
         <a:noFill/>
@@ -270,14 +272,7 @@
           </c:marker>
           <c:cat>
             <c:numRef>
-              <c:extLst>
-                <c:ext xmlns:c15="http://schemas.microsoft.com/office/drawing/2012/chart" uri="{02D57815-91ED-43cb-92C2-25804820EDAC}">
-                  <c15:fullRef>
-                    <c15:sqref>Feuil1!$C$5:$C$25</c15:sqref>
-                  </c15:fullRef>
-                </c:ext>
-              </c:extLst>
-              <c:f>Feuil1!$C$5:$C$24</c:f>
+              <c:f>Feuil1!$C$5:$C$25</c:f>
               <c:numCache>
                 <c:formatCode>General</c:formatCode>
                 <c:ptCount val="20"/>
@@ -342,18 +337,12 @@
                   <c:v>22</c:v>
                 </c:pt>
               </c:numCache>
+              <c:extLst/>
             </c:numRef>
           </c:cat>
           <c:val>
             <c:numRef>
-              <c:extLst>
-                <c:ext xmlns:c15="http://schemas.microsoft.com/office/drawing/2012/chart" uri="{02D57815-91ED-43cb-92C2-25804820EDAC}">
-                  <c15:fullRef>
-                    <c15:sqref>Feuil1!$D$5:$D$25</c15:sqref>
-                  </c15:fullRef>
-                </c:ext>
-              </c:extLst>
-              <c:f>Feuil1!$D$5:$D$24</c:f>
+              <c:f>Feuil1!$D$5:$D$25</c:f>
               <c:numCache>
                 <c:formatCode>General</c:formatCode>
                 <c:ptCount val="20"/>
@@ -418,6 +407,7 @@
                   <c:v>96.3</c:v>
                 </c:pt>
               </c:numCache>
+              <c:extLst/>
             </c:numRef>
           </c:val>
           <c:smooth val="0"/>
@@ -450,14 +440,7 @@
           </c:marker>
           <c:cat>
             <c:numRef>
-              <c:extLst>
-                <c:ext xmlns:c15="http://schemas.microsoft.com/office/drawing/2012/chart" uri="{02D57815-91ED-43cb-92C2-25804820EDAC}">
-                  <c15:fullRef>
-                    <c15:sqref>Feuil1!$C$5:$C$25</c15:sqref>
-                  </c15:fullRef>
-                </c:ext>
-              </c:extLst>
-              <c:f>Feuil1!$C$5:$C$24</c:f>
+              <c:f>Feuil1!$C$5:$C$25</c:f>
               <c:numCache>
                 <c:formatCode>General</c:formatCode>
                 <c:ptCount val="20"/>
@@ -522,18 +505,12 @@
                   <c:v>22</c:v>
                 </c:pt>
               </c:numCache>
+              <c:extLst/>
             </c:numRef>
           </c:cat>
           <c:val>
             <c:numRef>
-              <c:extLst>
-                <c:ext xmlns:c15="http://schemas.microsoft.com/office/drawing/2012/chart" uri="{02D57815-91ED-43cb-92C2-25804820EDAC}">
-                  <c15:fullRef>
-                    <c15:sqref>Feuil1!$E$5:$E$25</c15:sqref>
-                  </c15:fullRef>
-                </c:ext>
-              </c:extLst>
-              <c:f>Feuil1!$E$5:$E$24</c:f>
+              <c:f>Feuil1!$E$5:$E$25</c:f>
               <c:numCache>
                 <c:formatCode>General</c:formatCode>
                 <c:ptCount val="20"/>
@@ -598,6 +575,7 @@
                   <c:v>90</c:v>
                 </c:pt>
               </c:numCache>
+              <c:extLst/>
             </c:numRef>
           </c:val>
           <c:smooth val="0"/>
@@ -630,14 +608,7 @@
           </c:marker>
           <c:cat>
             <c:numRef>
-              <c:extLst>
-                <c:ext xmlns:c15="http://schemas.microsoft.com/office/drawing/2012/chart" uri="{02D57815-91ED-43cb-92C2-25804820EDAC}">
-                  <c15:fullRef>
-                    <c15:sqref>Feuil1!$C$5:$C$25</c15:sqref>
-                  </c15:fullRef>
-                </c:ext>
-              </c:extLst>
-              <c:f>Feuil1!$C$5:$C$24</c:f>
+              <c:f>Feuil1!$C$5:$C$25</c:f>
               <c:numCache>
                 <c:formatCode>General</c:formatCode>
                 <c:ptCount val="20"/>
@@ -702,18 +673,12 @@
                   <c:v>22</c:v>
                 </c:pt>
               </c:numCache>
+              <c:extLst/>
             </c:numRef>
           </c:cat>
           <c:val>
             <c:numRef>
-              <c:extLst>
-                <c:ext xmlns:c15="http://schemas.microsoft.com/office/drawing/2012/chart" uri="{02D57815-91ED-43cb-92C2-25804820EDAC}">
-                  <c15:fullRef>
-                    <c15:sqref>Feuil1!$F$5:$F$25</c15:sqref>
-                  </c15:fullRef>
-                </c:ext>
-              </c:extLst>
-              <c:f>Feuil1!$F$5:$F$24</c:f>
+              <c:f>Feuil1!$F$5:$F$25</c:f>
               <c:numCache>
                 <c:formatCode>General</c:formatCode>
                 <c:ptCount val="20"/>
@@ -778,6 +743,7 @@
                   <c:v>98</c:v>
                 </c:pt>
               </c:numCache>
+              <c:extLst/>
             </c:numRef>
           </c:val>
           <c:smooth val="0"/>
@@ -791,8 +757,8 @@
           <c:showBubbleSize val="0"/>
         </c:dLbls>
         <c:smooth val="0"/>
-        <c:axId val="1709276736"/>
-        <c:axId val="1709270208"/>
+        <c:axId val="208652544"/>
+        <c:axId val="208658816"/>
         <c:extLst>
           <c:ext xmlns:c15="http://schemas.microsoft.com/office/drawing/2012/chart" uri="{02D57815-91ED-43cb-92C2-25804820EDAC}">
             <c15:filteredLineSeries>
@@ -832,11 +798,8 @@
                   <c:numRef>
                     <c:extLst>
                       <c:ext uri="{02D57815-91ED-43cb-92C2-25804820EDAC}">
-                        <c15:fullRef>
+                        <c15:formulaRef>
                           <c15:sqref>Feuil1!$C$5:$C$25</c15:sqref>
-                        </c15:fullRef>
-                        <c15:formulaRef>
-                          <c15:sqref>Feuil1!$C$5:$C$24</c15:sqref>
                         </c15:formulaRef>
                       </c:ext>
                     </c:extLst>
@@ -910,11 +873,8 @@
                   <c:numRef>
                     <c:extLst>
                       <c:ext uri="{02D57815-91ED-43cb-92C2-25804820EDAC}">
-                        <c15:fullRef>
+                        <c15:formulaRef>
                           <c15:sqref>Feuil1!$C$5:$C$25</c15:sqref>
-                        </c15:fullRef>
-                        <c15:formulaRef>
-                          <c15:sqref>Feuil1!$C$5:$C$24</c15:sqref>
                         </c15:formulaRef>
                       </c:ext>
                     </c:extLst>
@@ -991,7 +951,7 @@
         </c:extLst>
       </c:lineChart>
       <c:catAx>
-        <c:axId val="1709276736"/>
+        <c:axId val="208652544"/>
         <c:scaling>
           <c:orientation val="minMax"/>
         </c:scaling>
@@ -1034,7 +994,7 @@
             <a:endParaRPr lang="fr-FR"/>
           </a:p>
         </c:txPr>
-        <c:crossAx val="1709270208"/>
+        <c:crossAx val="208658816"/>
         <c:crosses val="autoZero"/>
         <c:auto val="1"/>
         <c:lblAlgn val="ctr"/>
@@ -1042,7 +1002,7 @@
         <c:noMultiLvlLbl val="0"/>
       </c:catAx>
       <c:valAx>
-        <c:axId val="1709270208"/>
+        <c:axId val="208658816"/>
         <c:scaling>
           <c:orientation val="minMax"/>
           <c:max val="100"/>
@@ -1094,7 +1054,7 @@
             <a:endParaRPr lang="fr-FR"/>
           </a:p>
         </c:txPr>
-        <c:crossAx val="1709276736"/>
+        <c:crossAx val="208652544"/>
         <c:crosses val="autoZero"/>
         <c:crossBetween val="between"/>
       </c:valAx>
@@ -1108,6 +1068,7 @@
     </c:plotArea>
     <c:legend>
       <c:legendPos val="b"/>
+      <c:layout/>
       <c:overlay val="0"/>
       <c:spPr>
         <a:noFill/>
@@ -1924,7 +1885,7 @@
             <a:fld id="{D83FDC75-7F73-4A4A-A77C-09AADF00E0EA}" type="datetimeFigureOut">
               <a:rPr lang="fr-FR" smtClean="0"/>
               <a:pPr/>
-              <a:t>14/01/2014</a:t>
+              <a:t>15/01/2014</a:t>
             </a:fld>
             <a:endParaRPr lang="fr-FR" dirty="0"/>
           </a:p>
@@ -2091,7 +2052,7 @@
           <a:p>
             <a:fld id="{48AEF76B-3757-4A0B-AF93-28494465C1DD}" type="datetimeFigureOut">
               <a:pPr/>
-              <a:t>14/01/2014</a:t>
+              <a:t>15/01/2014</a:t>
             </a:fld>
             <a:endParaRPr lang="fr-FR"/>
           </a:p>
@@ -3718,7 +3679,7 @@
     </p:spTree>
     <p:extLst>
       <p:ext uri="{BB962C8B-B14F-4D97-AF65-F5344CB8AC3E}">
-        <p14:creationId xmlns:p14="http://schemas.microsoft.com/office/powerpoint/2010/main" val="1556863962"/>
+        <p14:creationId xmlns:p14="http://schemas.microsoft.com/office/powerpoint/2010/main" val="1393244623"/>
       </p:ext>
     </p:extLst>
   </p:cSld>
@@ -3747,135 +3708,63 @@
       </p:grpSpPr>
       <p:sp>
         <p:nvSpPr>
-          <p:cNvPr id="41986" name="Rectangle 23"/>
+          <p:cNvPr id="2" name="Slide Image Placeholder 1"/>
           <p:cNvSpPr>
-            <a:spLocks noGrp="1" noChangeArrowheads="1"/>
-          </p:cNvSpPr>
-          <p:nvPr>
-            <p:ph type="hdr" sz="quarter"/>
-          </p:nvPr>
-        </p:nvSpPr>
-        <p:spPr>
-          <a:noFill/>
-        </p:spPr>
+            <a:spLocks noGrp="1" noRot="1" noChangeAspect="1"/>
+          </p:cNvSpPr>
+          <p:nvPr>
+            <p:ph type="sldImg"/>
+          </p:nvPr>
+        </p:nvSpPr>
+        <p:spPr/>
+      </p:sp>
+      <p:sp>
+        <p:nvSpPr>
+          <p:cNvPr id="3" name="Notes Placeholder 2"/>
+          <p:cNvSpPr>
+            <a:spLocks noGrp="1"/>
+          </p:cNvSpPr>
+          <p:nvPr>
+            <p:ph type="body" idx="1"/>
+          </p:nvPr>
+        </p:nvSpPr>
+        <p:spPr/>
         <p:txBody>
           <a:bodyPr/>
           <a:lstStyle/>
           <a:p>
-            <a:r>
-              <a:rPr lang="fr-FR" dirty="0" smtClean="0"/>
-              <a:t>Microsoft </a:t>
-            </a:r>
-            <a:r>
-              <a:rPr lang="fr-FR" b="1" dirty="0" smtClean="0"/>
-              <a:t>Excellence en ingénierie</a:t>
-            </a:r>
-            <a:endParaRPr lang="fr-FR" dirty="0" smtClean="0"/>
-          </a:p>
-        </p:txBody>
-      </p:sp>
-      <p:sp>
-        <p:nvSpPr>
-          <p:cNvPr id="41987" name="Rectangle 25"/>
+            <a:endParaRPr lang="fr-FR" dirty="0"/>
+          </a:p>
+        </p:txBody>
+      </p:sp>
+      <p:sp>
+        <p:nvSpPr>
+          <p:cNvPr id="4" name="Slide Number Placeholder 3"/>
           <p:cNvSpPr>
-            <a:spLocks noGrp="1" noChangeArrowheads="1"/>
-          </p:cNvSpPr>
-          <p:nvPr>
-            <p:ph type="ftr" sz="quarter" idx="4"/>
-          </p:nvPr>
-        </p:nvSpPr>
-        <p:spPr>
-          <a:noFill/>
-        </p:spPr>
+            <a:spLocks noGrp="1"/>
+          </p:cNvSpPr>
+          <p:nvPr>
+            <p:ph type="sldNum" sz="quarter" idx="10"/>
+          </p:nvPr>
+        </p:nvSpPr>
+        <p:spPr/>
         <p:txBody>
           <a:bodyPr/>
           <a:lstStyle/>
           <a:p>
-            <a:r>
-              <a:rPr lang="fr-FR" dirty="0" smtClean="0"/>
-              <a:t>Microsoft Confidentiel</a:t>
-            </a:r>
-          </a:p>
-        </p:txBody>
-      </p:sp>
-      <p:sp>
-        <p:nvSpPr>
-          <p:cNvPr id="41988" name="Rectangle 26"/>
-          <p:cNvSpPr>
-            <a:spLocks noGrp="1" noChangeArrowheads="1"/>
-          </p:cNvSpPr>
-          <p:nvPr>
-            <p:ph type="sldNum" sz="quarter" idx="5"/>
-          </p:nvPr>
-        </p:nvSpPr>
-        <p:spPr>
-          <a:noFill/>
-        </p:spPr>
-        <p:txBody>
-          <a:bodyPr/>
-          <a:lstStyle/>
-          <a:p>
-            <a:fld id="{B2B44A5F-6CE4-493C-A0D7-6834FF76660C}" type="slidenum">
+            <a:fld id="{75693FD4-8F83-4EF7-AC3F-0DC0388986B0}" type="slidenum">
               <a:rPr lang="fr-FR" smtClean="0"/>
               <a:pPr/>
               <a:t>24</a:t>
             </a:fld>
-            <a:endParaRPr lang="fr-FR" dirty="0" smtClean="0"/>
-          </a:p>
-        </p:txBody>
-      </p:sp>
-      <p:sp>
-        <p:nvSpPr>
-          <p:cNvPr id="41989" name="Rectangle 2"/>
-          <p:cNvSpPr>
-            <a:spLocks noGrp="1" noRot="1" noChangeAspect="1" noChangeArrowheads="1" noTextEdit="1"/>
-          </p:cNvSpPr>
-          <p:nvPr>
-            <p:ph type="sldImg"/>
-          </p:nvPr>
-        </p:nvSpPr>
-        <p:spPr>
-          <a:xfrm>
-            <a:off x="1143000" y="450850"/>
-            <a:ext cx="4572000" cy="3429000"/>
-          </a:xfrm>
-          <a:ln/>
-        </p:spPr>
-      </p:sp>
-      <p:sp>
-        <p:nvSpPr>
-          <p:cNvPr id="41990" name="Rectangle 3"/>
-          <p:cNvSpPr>
-            <a:spLocks noGrp="1" noChangeArrowheads="1"/>
-          </p:cNvSpPr>
-          <p:nvPr>
-            <p:ph type="body" idx="1"/>
-          </p:nvPr>
-        </p:nvSpPr>
-        <p:spPr>
-          <a:xfrm>
-            <a:off x="307492" y="4130104"/>
-            <a:ext cx="6261652" cy="4554823"/>
-          </a:xfrm>
-          <a:noFill/>
-          <a:ln/>
-        </p:spPr>
-        <p:txBody>
-          <a:bodyPr/>
-          <a:lstStyle/>
-          <a:p>
-            <a:pPr>
-              <a:buFontTx/>
-              <a:buNone/>
-            </a:pPr>
-            <a:endParaRPr lang="fr-FR" dirty="0" smtClean="0"/>
+            <a:endParaRPr lang="fr-FR"/>
           </a:p>
         </p:txBody>
       </p:sp>
     </p:spTree>
     <p:extLst>
       <p:ext uri="{BB962C8B-B14F-4D97-AF65-F5344CB8AC3E}">
-        <p14:creationId xmlns:p14="http://schemas.microsoft.com/office/powerpoint/2010/main" val="3144267350"/>
+        <p14:creationId xmlns:p14="http://schemas.microsoft.com/office/powerpoint/2010/main" val="1556863962"/>
       </p:ext>
     </p:extLst>
   </p:cSld>
@@ -3904,6 +3793,163 @@
       </p:grpSpPr>
       <p:sp>
         <p:nvSpPr>
+          <p:cNvPr id="41986" name="Rectangle 23"/>
+          <p:cNvSpPr>
+            <a:spLocks noGrp="1" noChangeArrowheads="1"/>
+          </p:cNvSpPr>
+          <p:nvPr>
+            <p:ph type="hdr" sz="quarter"/>
+          </p:nvPr>
+        </p:nvSpPr>
+        <p:spPr>
+          <a:noFill/>
+        </p:spPr>
+        <p:txBody>
+          <a:bodyPr/>
+          <a:lstStyle/>
+          <a:p>
+            <a:r>
+              <a:rPr lang="fr-FR" dirty="0" smtClean="0"/>
+              <a:t>Microsoft </a:t>
+            </a:r>
+            <a:r>
+              <a:rPr lang="fr-FR" b="1" dirty="0" smtClean="0"/>
+              <a:t>Excellence en ingénierie</a:t>
+            </a:r>
+            <a:endParaRPr lang="fr-FR" dirty="0" smtClean="0"/>
+          </a:p>
+        </p:txBody>
+      </p:sp>
+      <p:sp>
+        <p:nvSpPr>
+          <p:cNvPr id="41987" name="Rectangle 25"/>
+          <p:cNvSpPr>
+            <a:spLocks noGrp="1" noChangeArrowheads="1"/>
+          </p:cNvSpPr>
+          <p:nvPr>
+            <p:ph type="ftr" sz="quarter" idx="4"/>
+          </p:nvPr>
+        </p:nvSpPr>
+        <p:spPr>
+          <a:noFill/>
+        </p:spPr>
+        <p:txBody>
+          <a:bodyPr/>
+          <a:lstStyle/>
+          <a:p>
+            <a:r>
+              <a:rPr lang="fr-FR" dirty="0" smtClean="0"/>
+              <a:t>Microsoft Confidentiel</a:t>
+            </a:r>
+          </a:p>
+        </p:txBody>
+      </p:sp>
+      <p:sp>
+        <p:nvSpPr>
+          <p:cNvPr id="41988" name="Rectangle 26"/>
+          <p:cNvSpPr>
+            <a:spLocks noGrp="1" noChangeArrowheads="1"/>
+          </p:cNvSpPr>
+          <p:nvPr>
+            <p:ph type="sldNum" sz="quarter" idx="5"/>
+          </p:nvPr>
+        </p:nvSpPr>
+        <p:spPr>
+          <a:noFill/>
+        </p:spPr>
+        <p:txBody>
+          <a:bodyPr/>
+          <a:lstStyle/>
+          <a:p>
+            <a:fld id="{B2B44A5F-6CE4-493C-A0D7-6834FF76660C}" type="slidenum">
+              <a:rPr lang="fr-FR" smtClean="0"/>
+              <a:pPr/>
+              <a:t>25</a:t>
+            </a:fld>
+            <a:endParaRPr lang="fr-FR" dirty="0" smtClean="0"/>
+          </a:p>
+        </p:txBody>
+      </p:sp>
+      <p:sp>
+        <p:nvSpPr>
+          <p:cNvPr id="41989" name="Rectangle 2"/>
+          <p:cNvSpPr>
+            <a:spLocks noGrp="1" noRot="1" noChangeAspect="1" noChangeArrowheads="1" noTextEdit="1"/>
+          </p:cNvSpPr>
+          <p:nvPr>
+            <p:ph type="sldImg"/>
+          </p:nvPr>
+        </p:nvSpPr>
+        <p:spPr>
+          <a:xfrm>
+            <a:off x="1143000" y="450850"/>
+            <a:ext cx="4572000" cy="3429000"/>
+          </a:xfrm>
+          <a:ln/>
+        </p:spPr>
+      </p:sp>
+      <p:sp>
+        <p:nvSpPr>
+          <p:cNvPr id="41990" name="Rectangle 3"/>
+          <p:cNvSpPr>
+            <a:spLocks noGrp="1" noChangeArrowheads="1"/>
+          </p:cNvSpPr>
+          <p:nvPr>
+            <p:ph type="body" idx="1"/>
+          </p:nvPr>
+        </p:nvSpPr>
+        <p:spPr>
+          <a:xfrm>
+            <a:off x="307492" y="4130104"/>
+            <a:ext cx="6261652" cy="4554823"/>
+          </a:xfrm>
+          <a:noFill/>
+          <a:ln/>
+        </p:spPr>
+        <p:txBody>
+          <a:bodyPr/>
+          <a:lstStyle/>
+          <a:p>
+            <a:pPr>
+              <a:buFontTx/>
+              <a:buNone/>
+            </a:pPr>
+            <a:endParaRPr lang="fr-FR" dirty="0" smtClean="0"/>
+          </a:p>
+        </p:txBody>
+      </p:sp>
+    </p:spTree>
+    <p:extLst>
+      <p:ext uri="{BB962C8B-B14F-4D97-AF65-F5344CB8AC3E}">
+        <p14:creationId xmlns:p14="http://schemas.microsoft.com/office/powerpoint/2010/main" val="3144267350"/>
+      </p:ext>
+    </p:extLst>
+  </p:cSld>
+  <p:clrMapOvr>
+    <a:masterClrMapping/>
+  </p:clrMapOvr>
+</p:notes>
+</file>
+
+<file path=ppt/notesSlides/notesSlide26.xml><?xml version="1.0" encoding="utf-8"?>
+<p:notes xmlns:a="http://schemas.openxmlformats.org/drawingml/2006/main" xmlns:r="http://schemas.openxmlformats.org/officeDocument/2006/relationships" xmlns:p="http://schemas.openxmlformats.org/presentationml/2006/main">
+  <p:cSld>
+    <p:spTree>
+      <p:nvGrpSpPr>
+        <p:cNvPr id="1" name=""/>
+        <p:cNvGrpSpPr/>
+        <p:nvPr/>
+      </p:nvGrpSpPr>
+      <p:grpSpPr>
+        <a:xfrm>
+          <a:off x="0" y="0"/>
+          <a:ext cx="0" cy="0"/>
+          <a:chOff x="0" y="0"/>
+          <a:chExt cx="0" cy="0"/>
+        </a:xfrm>
+      </p:grpSpPr>
+      <p:sp>
+        <p:nvSpPr>
           <p:cNvPr id="40962" name="Rectangle 23"/>
           <p:cNvSpPr>
             <a:spLocks noGrp="1" noChangeArrowheads="1"/>
@@ -3975,7 +4021,7 @@
             <a:fld id="{85CEDE57-F8FE-4B43-B511-2E9F76624F74}" type="slidenum">
               <a:rPr lang="fr-FR" smtClean="0"/>
               <a:pPr/>
-              <a:t>25</a:t>
+              <a:t>26</a:t>
             </a:fld>
             <a:endParaRPr lang="fr-FR" dirty="0" smtClean="0"/>
           </a:p>
@@ -8894,7 +8940,7 @@
             </a:fld>
             <a:r>
               <a:rPr lang="fr-FR" dirty="0" smtClean="0"/>
-              <a:t>/25</a:t>
+              <a:t>/26</a:t>
             </a:r>
             <a:endParaRPr lang="fr-FR" dirty="0"/>
           </a:p>
@@ -9391,7 +9437,7 @@
             </a:fld>
             <a:r>
               <a:rPr lang="fr-FR" dirty="0" smtClean="0"/>
-              <a:t>/25</a:t>
+              <a:t>/26</a:t>
             </a:r>
             <a:endParaRPr lang="fr-FR" dirty="0"/>
           </a:p>
@@ -9817,7 +9863,7 @@
             </a:fld>
             <a:r>
               <a:rPr lang="fr-FR" dirty="0" smtClean="0"/>
-              <a:t>/25</a:t>
+              <a:t>/26</a:t>
             </a:r>
             <a:endParaRPr lang="fr-FR" dirty="0"/>
           </a:p>
@@ -10276,7 +10322,7 @@
             </a:fld>
             <a:r>
               <a:rPr lang="fr-FR" dirty="0" smtClean="0"/>
-              <a:t>/25</a:t>
+              <a:t>/26</a:t>
             </a:r>
             <a:endParaRPr lang="fr-FR" dirty="0"/>
           </a:p>
@@ -10364,7 +10410,7 @@
         </p:nvSpPr>
         <p:spPr>
           <a:xfrm>
-            <a:off x="2270364" y="1412633"/>
+            <a:off x="2270364" y="1047508"/>
             <a:ext cx="6873636" cy="5308842"/>
           </a:xfrm>
           <a:prstGeom prst="rect">
@@ -10617,10 +10663,6 @@
             </a:endParaRPr>
           </a:p>
           <a:p>
-            <a:pPr marL="342900" indent="-342900">
-              <a:buFont typeface="Courier New" panose="02070309020205020404" pitchFamily="49" charset="0"/>
-              <a:buChar char="o"/>
-            </a:pPr>
             <a:endParaRPr lang="en-US" sz="2800" dirty="0" smtClean="0"/>
           </a:p>
         </p:txBody>
@@ -10746,7 +10788,7 @@
             </a:fld>
             <a:r>
               <a:rPr lang="fr-FR" dirty="0" smtClean="0"/>
-              <a:t>/25</a:t>
+              <a:t>/26</a:t>
             </a:r>
             <a:endParaRPr lang="fr-FR" dirty="0"/>
           </a:p>
@@ -11505,7 +11547,7 @@
             </a:fld>
             <a:r>
               <a:rPr lang="fr-FR" dirty="0" smtClean="0"/>
-              <a:t>/25</a:t>
+              <a:t>/26</a:t>
             </a:r>
             <a:endParaRPr lang="fr-FR" dirty="0"/>
           </a:p>
@@ -11990,7 +12032,7 @@
             </a:fld>
             <a:r>
               <a:rPr lang="fr-FR" dirty="0" smtClean="0"/>
-              <a:t>/25</a:t>
+              <a:t>/26</a:t>
             </a:r>
             <a:endParaRPr lang="fr-FR" dirty="0"/>
           </a:p>
@@ -12519,7 +12561,7 @@
             </a:fld>
             <a:r>
               <a:rPr lang="fr-FR" dirty="0" smtClean="0"/>
-              <a:t>/25</a:t>
+              <a:t>/26</a:t>
             </a:r>
             <a:endParaRPr lang="fr-FR" dirty="0"/>
           </a:p>
@@ -13075,7 +13117,7 @@
             </a:fld>
             <a:r>
               <a:rPr lang="fr-FR" dirty="0" smtClean="0"/>
-              <a:t>/25</a:t>
+              <a:t>/26</a:t>
             </a:r>
             <a:endParaRPr lang="fr-FR" dirty="0"/>
           </a:p>
@@ -13441,7 +13483,7 @@
             </a:fld>
             <a:r>
               <a:rPr lang="fr-FR" dirty="0" smtClean="0"/>
-              <a:t>/25</a:t>
+              <a:t>/26</a:t>
             </a:r>
             <a:endParaRPr lang="fr-FR" dirty="0"/>
           </a:p>
@@ -13756,7 +13798,7 @@
             </a:fld>
             <a:r>
               <a:rPr lang="fr-FR" dirty="0" smtClean="0"/>
-              <a:t>/25</a:t>
+              <a:t>/26</a:t>
             </a:r>
             <a:endParaRPr kumimoji="0" lang="fr-FR" dirty="0"/>
           </a:p>
@@ -14486,7 +14528,7 @@
             </a:fld>
             <a:r>
               <a:rPr lang="fr-FR" dirty="0" smtClean="0"/>
-              <a:t>/25</a:t>
+              <a:t>/26</a:t>
             </a:r>
             <a:endParaRPr lang="fr-FR" dirty="0"/>
           </a:p>
@@ -14860,7 +14902,7 @@
             </a:fld>
             <a:r>
               <a:rPr lang="fr-FR" dirty="0" smtClean="0"/>
-              <a:t>/25</a:t>
+              <a:t>/26</a:t>
             </a:r>
             <a:endParaRPr lang="fr-FR" dirty="0"/>
           </a:p>
@@ -15339,7 +15381,7 @@
             </a:fld>
             <a:r>
               <a:rPr lang="fr-FR" dirty="0" smtClean="0"/>
-              <a:t>/25</a:t>
+              <a:t>/26</a:t>
             </a:r>
             <a:endParaRPr lang="fr-FR" dirty="0"/>
           </a:p>
@@ -15602,6 +15644,35 @@
           <a:chExt cx="0" cy="0"/>
         </a:xfrm>
       </p:grpSpPr>
+      <p:pic>
+        <p:nvPicPr>
+          <p:cNvPr id="13" name="Picture 12"/>
+          <p:cNvPicPr>
+            <a:picLocks noChangeAspect="1"/>
+          </p:cNvPicPr>
+          <p:nvPr/>
+        </p:nvPicPr>
+        <p:blipFill rotWithShape="1">
+          <a:blip r:embed="rId5" cstate="email">
+            <a:extLst>
+              <a:ext uri="{28A0092B-C50C-407E-A947-70E740481C1C}">
+                <a14:useLocalDpi xmlns:a14="http://schemas.microsoft.com/office/drawing/2010/main"/>
+              </a:ext>
+            </a:extLst>
+          </a:blip>
+          <a:srcRect/>
+          <a:stretch/>
+        </p:blipFill>
+        <p:spPr>
+          <a:xfrm rot="20753331" flipH="1">
+            <a:off x="-316178" y="3748237"/>
+            <a:ext cx="2895600" cy="3390489"/>
+          </a:xfrm>
+          <a:prstGeom prst="rect">
+            <a:avLst/>
+          </a:prstGeom>
+        </p:spPr>
+      </p:pic>
       <p:sp>
         <p:nvSpPr>
           <p:cNvPr id="2" name="Espace réservé du numéro de diapositive 1"/>
@@ -15624,7 +15695,670 @@
             </a:fld>
             <a:r>
               <a:rPr lang="fr-FR" dirty="0" smtClean="0"/>
-              <a:t>/25</a:t>
+              <a:t>/26</a:t>
+            </a:r>
+            <a:endParaRPr lang="fr-FR" dirty="0"/>
+          </a:p>
+        </p:txBody>
+      </p:sp>
+      <p:sp>
+        <p:nvSpPr>
+          <p:cNvPr id="9" name="Espace réservé du pied de page 8"/>
+          <p:cNvSpPr>
+            <a:spLocks noGrp="1"/>
+          </p:cNvSpPr>
+          <p:nvPr>
+            <p:ph type="ftr" sz="quarter" idx="11"/>
+          </p:nvPr>
+        </p:nvSpPr>
+        <p:spPr>
+          <a:xfrm>
+            <a:off x="3203848" y="6356350"/>
+            <a:ext cx="2895600" cy="365125"/>
+          </a:xfrm>
+        </p:spPr>
+        <p:txBody>
+          <a:bodyPr/>
+          <a:lstStyle/>
+          <a:p>
+            <a:r>
+              <a:rPr kumimoji="0" lang="fr-FR" dirty="0" smtClean="0"/>
+              <a:t>Master 2 – Computer Science – </a:t>
+            </a:r>
+            <a:r>
+              <a:rPr kumimoji="0" lang="fr-FR" dirty="0" err="1" smtClean="0"/>
+              <a:t>Authors</a:t>
+            </a:r>
+            <a:r>
+              <a:rPr kumimoji="0" lang="fr-FR" dirty="0" smtClean="0"/>
+              <a:t> : </a:t>
+            </a:r>
+            <a:r>
+              <a:rPr kumimoji="0" lang="fr-FR" dirty="0" err="1" smtClean="0"/>
+              <a:t>fcastagn</a:t>
+            </a:r>
+            <a:r>
+              <a:rPr kumimoji="0" lang="fr-FR" dirty="0" smtClean="0"/>
+              <a:t>, </a:t>
+            </a:r>
+            <a:r>
+              <a:rPr kumimoji="0" lang="fr-FR" dirty="0" err="1" smtClean="0"/>
+              <a:t>jetcheve</a:t>
+            </a:r>
+            <a:r>
+              <a:rPr kumimoji="0" lang="fr-FR" dirty="0" smtClean="0"/>
+              <a:t>, </a:t>
+            </a:r>
+            <a:r>
+              <a:rPr kumimoji="0" lang="fr-FR" dirty="0" err="1" smtClean="0"/>
+              <a:t>hpaziews</a:t>
+            </a:r>
+            <a:r>
+              <a:rPr kumimoji="0" lang="fr-FR" dirty="0" smtClean="0"/>
+              <a:t>, </a:t>
+            </a:r>
+            <a:r>
+              <a:rPr kumimoji="0" lang="fr-FR" dirty="0" err="1" smtClean="0"/>
+              <a:t>altessie</a:t>
+            </a:r>
+            <a:r>
+              <a:rPr kumimoji="0" lang="fr-FR" dirty="0" smtClean="0"/>
+              <a:t> &amp; </a:t>
+            </a:r>
+            <a:r>
+              <a:rPr kumimoji="0" lang="fr-FR" dirty="0" err="1" smtClean="0"/>
+              <a:t>mtesta</a:t>
+            </a:r>
+            <a:endParaRPr kumimoji="0" lang="fr-FR" dirty="0"/>
+          </a:p>
+        </p:txBody>
+      </p:sp>
+      <p:pic>
+        <p:nvPicPr>
+          <p:cNvPr id="10" name="Picture 5"/>
+          <p:cNvPicPr>
+            <a:picLocks noChangeAspect="1"/>
+          </p:cNvPicPr>
+          <p:nvPr/>
+        </p:nvPicPr>
+        <p:blipFill>
+          <a:blip r:embed="rId6" cstate="email">
+            <a:extLst>
+              <a:ext uri="{28A0092B-C50C-407E-A947-70E740481C1C}">
+                <a14:useLocalDpi xmlns:a14="http://schemas.microsoft.com/office/drawing/2010/main"/>
+              </a:ext>
+            </a:extLst>
+          </a:blip>
+          <a:stretch>
+            <a:fillRect/>
+          </a:stretch>
+        </p:blipFill>
+        <p:spPr>
+          <a:xfrm>
+            <a:off x="-4898841" y="-6940152"/>
+            <a:ext cx="7765662" cy="16476125"/>
+          </a:xfrm>
+          <a:prstGeom prst="rect">
+            <a:avLst/>
+          </a:prstGeom>
+        </p:spPr>
+      </p:pic>
+      <p:graphicFrame>
+        <p:nvGraphicFramePr>
+          <p:cNvPr id="5" name="Tableau 4"/>
+          <p:cNvGraphicFramePr>
+            <a:graphicFrameLocks noGrp="1"/>
+          </p:cNvGraphicFramePr>
+          <p:nvPr>
+            <p:extLst>
+              <p:ext uri="{D42A27DB-BD31-4B8C-83A1-F6EECF244321}">
+                <p14:modId xmlns:p14="http://schemas.microsoft.com/office/powerpoint/2010/main" val="3068316738"/>
+              </p:ext>
+            </p:extLst>
+          </p:nvPr>
+        </p:nvGraphicFramePr>
+        <p:xfrm>
+          <a:off x="2339752" y="2060848"/>
+          <a:ext cx="6096000" cy="3139440"/>
+        </p:xfrm>
+        <a:graphic>
+          <a:graphicData uri="http://schemas.openxmlformats.org/drawingml/2006/table">
+            <a:tbl>
+              <a:tblPr firstRow="1" bandRow="1">
+                <a:tableStyleId>{5C22544A-7EE6-4342-B048-85BDC9FD1C3A}</a:tableStyleId>
+              </a:tblPr>
+              <a:tblGrid>
+                <a:gridCol w="1524000"/>
+                <a:gridCol w="1524000"/>
+                <a:gridCol w="1524000"/>
+                <a:gridCol w="1524000"/>
+              </a:tblGrid>
+              <a:tr h="1311584">
+                <a:tc>
+                  <a:txBody>
+                    <a:bodyPr/>
+                    <a:lstStyle/>
+                    <a:p>
+                      <a:pPr algn="r"/>
+                      <a:r>
+                        <a:rPr lang="fr-FR" dirty="0" smtClean="0"/>
+                        <a:t>     </a:t>
+                      </a:r>
+                      <a:r>
+                        <a:rPr lang="fr-FR" dirty="0" err="1" smtClean="0"/>
+                        <a:t>Mobility</a:t>
+                      </a:r>
+                      <a:r>
+                        <a:rPr lang="fr-FR" dirty="0" smtClean="0"/>
+                        <a:t> Model</a:t>
+                      </a:r>
+                    </a:p>
+                    <a:p>
+                      <a:pPr algn="l"/>
+                      <a:endParaRPr lang="fr-FR" dirty="0" smtClean="0"/>
+                    </a:p>
+                    <a:p>
+                      <a:pPr algn="l"/>
+                      <a:r>
+                        <a:rPr lang="fr-FR" dirty="0" smtClean="0"/>
+                        <a:t>Scenarios</a:t>
+                      </a:r>
+                    </a:p>
+                    <a:p>
+                      <a:endParaRPr lang="fr-FR" dirty="0"/>
+                    </a:p>
+                  </a:txBody>
+                  <a:tcPr>
+                    <a:lnTlToBr w="12700" cap="flat" cmpd="sng" algn="ctr">
+                      <a:solidFill>
+                        <a:schemeClr val="tx1"/>
+                      </a:solidFill>
+                      <a:prstDash val="solid"/>
+                      <a:round/>
+                      <a:headEnd type="none" w="med" len="med"/>
+                      <a:tailEnd type="none" w="med" len="med"/>
+                    </a:lnTlToBr>
+                  </a:tcPr>
+                </a:tc>
+                <a:tc>
+                  <a:txBody>
+                    <a:bodyPr/>
+                    <a:lstStyle/>
+                    <a:p>
+                      <a:r>
+                        <a:rPr lang="fr-FR" dirty="0" smtClean="0"/>
+                        <a:t>Semi-</a:t>
+                      </a:r>
+                      <a:r>
+                        <a:rPr lang="fr-FR" dirty="0" err="1" smtClean="0"/>
+                        <a:t>Random</a:t>
+                      </a:r>
+                      <a:r>
+                        <a:rPr lang="fr-FR" dirty="0" smtClean="0"/>
+                        <a:t>-</a:t>
+                      </a:r>
+                      <a:r>
+                        <a:rPr lang="fr-FR" dirty="0" err="1" smtClean="0"/>
+                        <a:t>Circular-Movement</a:t>
+                      </a:r>
+                      <a:endParaRPr lang="fr-FR" dirty="0"/>
+                    </a:p>
+                  </a:txBody>
+                  <a:tcPr/>
+                </a:tc>
+                <a:tc>
+                  <a:txBody>
+                    <a:bodyPr/>
+                    <a:lstStyle/>
+                    <a:p>
+                      <a:r>
+                        <a:rPr lang="fr-FR" dirty="0" err="1" smtClean="0"/>
+                        <a:t>Distributed</a:t>
+                      </a:r>
+                      <a:r>
+                        <a:rPr lang="fr-FR" dirty="0" smtClean="0"/>
+                        <a:t> </a:t>
+                      </a:r>
+                      <a:r>
+                        <a:rPr lang="fr-FR" dirty="0" err="1" smtClean="0"/>
+                        <a:t>Pheromone</a:t>
+                      </a:r>
+                      <a:r>
+                        <a:rPr lang="fr-FR" dirty="0" smtClean="0"/>
+                        <a:t> </a:t>
+                      </a:r>
+                      <a:r>
+                        <a:rPr lang="fr-FR" dirty="0" err="1" smtClean="0"/>
+                        <a:t>Repel</a:t>
+                      </a:r>
+                      <a:endParaRPr lang="fr-FR" dirty="0"/>
+                    </a:p>
+                  </a:txBody>
+                  <a:tcPr/>
+                </a:tc>
+                <a:tc>
+                  <a:txBody>
+                    <a:bodyPr/>
+                    <a:lstStyle/>
+                    <a:p>
+                      <a:r>
+                        <a:rPr lang="fr-FR" dirty="0" smtClean="0"/>
+                        <a:t> </a:t>
+                      </a:r>
+                      <a:r>
+                        <a:rPr lang="fr-FR" dirty="0" err="1" smtClean="0"/>
+                        <a:t>Smooth</a:t>
+                      </a:r>
+                      <a:r>
+                        <a:rPr lang="fr-FR" dirty="0" smtClean="0"/>
+                        <a:t> </a:t>
+                      </a:r>
+                      <a:r>
+                        <a:rPr lang="fr-FR" dirty="0" err="1" smtClean="0"/>
+                        <a:t>turn</a:t>
+                      </a:r>
+                      <a:endParaRPr lang="fr-FR" dirty="0"/>
+                    </a:p>
+                  </a:txBody>
+                  <a:tcPr/>
+                </a:tc>
+              </a:tr>
+              <a:tr h="603568">
+                <a:tc>
+                  <a:txBody>
+                    <a:bodyPr/>
+                    <a:lstStyle/>
+                    <a:p>
+                      <a:r>
+                        <a:rPr lang="fr-FR" b="1" dirty="0" smtClean="0">
+                          <a:solidFill>
+                            <a:schemeClr val="bg1"/>
+                          </a:solidFill>
+                        </a:rPr>
+                        <a:t>Scan </a:t>
+                      </a:r>
+                      <a:r>
+                        <a:rPr lang="fr-FR" b="1" dirty="0" err="1" smtClean="0">
+                          <a:solidFill>
+                            <a:schemeClr val="bg1"/>
+                          </a:solidFill>
+                        </a:rPr>
+                        <a:t>Coverage</a:t>
+                      </a:r>
+                      <a:endParaRPr lang="fr-FR" b="1" dirty="0">
+                        <a:solidFill>
+                          <a:schemeClr val="bg1"/>
+                        </a:solidFill>
+                      </a:endParaRPr>
+                    </a:p>
+                  </a:txBody>
+                  <a:tcPr>
+                    <a:solidFill>
+                      <a:schemeClr val="accent1"/>
+                    </a:solidFill>
+                  </a:tcPr>
+                </a:tc>
+                <a:tc>
+                  <a:txBody>
+                    <a:bodyPr/>
+                    <a:lstStyle/>
+                    <a:p>
+                      <a:pPr marL="0" marR="0" indent="0" algn="ctr" defTabSz="914400" rtl="0" eaLnBrk="1" fontAlgn="auto" latinLnBrk="0" hangingPunct="1">
+                        <a:lnSpc>
+                          <a:spcPct val="100000"/>
+                        </a:lnSpc>
+                        <a:spcBef>
+                          <a:spcPts val="0"/>
+                        </a:spcBef>
+                        <a:spcAft>
+                          <a:spcPts val="0"/>
+                        </a:spcAft>
+                        <a:buClrTx/>
+                        <a:buSzTx/>
+                        <a:buFontTx/>
+                        <a:buNone/>
+                        <a:tabLst/>
+                        <a:defRPr/>
+                      </a:pPr>
+                      <a:r>
+                        <a:rPr lang="fr-FR" sz="4000" b="1" dirty="0" smtClean="0"/>
+                        <a:t>X</a:t>
+                      </a:r>
+                    </a:p>
+                    <a:p>
+                      <a:endParaRPr lang="fr-FR" dirty="0"/>
+                    </a:p>
+                  </a:txBody>
+                  <a:tcPr>
+                    <a:solidFill>
+                      <a:schemeClr val="tx2">
+                        <a:lumMod val="20000"/>
+                        <a:lumOff val="80000"/>
+                      </a:schemeClr>
+                    </a:solidFill>
+                  </a:tcPr>
+                </a:tc>
+                <a:tc>
+                  <a:txBody>
+                    <a:bodyPr/>
+                    <a:lstStyle/>
+                    <a:p>
+                      <a:pPr algn="ctr"/>
+                      <a:r>
+                        <a:rPr lang="fr-FR" sz="4000" b="1" dirty="0" smtClean="0"/>
+                        <a:t>X</a:t>
+                      </a:r>
+                      <a:endParaRPr lang="fr-FR" sz="4000" b="1" dirty="0"/>
+                    </a:p>
+                  </a:txBody>
+                  <a:tcPr>
+                    <a:solidFill>
+                      <a:schemeClr val="tx2">
+                        <a:lumMod val="20000"/>
+                        <a:lumOff val="80000"/>
+                      </a:schemeClr>
+                    </a:solidFill>
+                  </a:tcPr>
+                </a:tc>
+                <a:tc>
+                  <a:txBody>
+                    <a:bodyPr/>
+                    <a:lstStyle/>
+                    <a:p>
+                      <a:endParaRPr lang="fr-FR"/>
+                    </a:p>
+                  </a:txBody>
+                  <a:tcPr>
+                    <a:solidFill>
+                      <a:schemeClr val="tx2">
+                        <a:lumMod val="20000"/>
+                        <a:lumOff val="80000"/>
+                      </a:schemeClr>
+                    </a:solidFill>
+                  </a:tcPr>
+                </a:tc>
+              </a:tr>
+              <a:tr h="603568">
+                <a:tc>
+                  <a:txBody>
+                    <a:bodyPr/>
+                    <a:lstStyle/>
+                    <a:p>
+                      <a:r>
+                        <a:rPr lang="fr-FR" b="1" dirty="0" err="1" smtClean="0">
+                          <a:solidFill>
+                            <a:schemeClr val="bg1"/>
+                          </a:solidFill>
+                        </a:rPr>
+                        <a:t>Airborne</a:t>
+                      </a:r>
+                      <a:r>
+                        <a:rPr lang="fr-FR" b="1" baseline="0" dirty="0" smtClean="0">
+                          <a:solidFill>
+                            <a:schemeClr val="bg1"/>
+                          </a:solidFill>
+                        </a:rPr>
+                        <a:t> Networks</a:t>
+                      </a:r>
+                      <a:endParaRPr lang="fr-FR" b="1" dirty="0">
+                        <a:solidFill>
+                          <a:schemeClr val="bg1"/>
+                        </a:solidFill>
+                      </a:endParaRPr>
+                    </a:p>
+                  </a:txBody>
+                  <a:tcPr>
+                    <a:solidFill>
+                      <a:schemeClr val="accent1"/>
+                    </a:solidFill>
+                  </a:tcPr>
+                </a:tc>
+                <a:tc>
+                  <a:txBody>
+                    <a:bodyPr/>
+                    <a:lstStyle/>
+                    <a:p>
+                      <a:endParaRPr lang="fr-FR"/>
+                    </a:p>
+                  </a:txBody>
+                  <a:tcPr>
+                    <a:solidFill>
+                      <a:schemeClr val="tx2">
+                        <a:lumMod val="20000"/>
+                        <a:lumOff val="80000"/>
+                      </a:schemeClr>
+                    </a:solidFill>
+                  </a:tcPr>
+                </a:tc>
+                <a:tc>
+                  <a:txBody>
+                    <a:bodyPr/>
+                    <a:lstStyle/>
+                    <a:p>
+                      <a:endParaRPr lang="fr-FR" dirty="0"/>
+                    </a:p>
+                  </a:txBody>
+                  <a:tcPr>
+                    <a:solidFill>
+                      <a:schemeClr val="tx2">
+                        <a:lumMod val="20000"/>
+                        <a:lumOff val="80000"/>
+                      </a:schemeClr>
+                    </a:solidFill>
+                  </a:tcPr>
+                </a:tc>
+                <a:tc>
+                  <a:txBody>
+                    <a:bodyPr/>
+                    <a:lstStyle/>
+                    <a:p>
+                      <a:pPr algn="ctr"/>
+                      <a:r>
+                        <a:rPr lang="fr-FR" sz="4000" b="1" dirty="0" smtClean="0"/>
+                        <a:t>X</a:t>
+                      </a:r>
+                      <a:endParaRPr lang="fr-FR" sz="4000" b="1" dirty="0"/>
+                    </a:p>
+                  </a:txBody>
+                  <a:tcPr>
+                    <a:solidFill>
+                      <a:schemeClr val="tx2">
+                        <a:lumMod val="20000"/>
+                        <a:lumOff val="80000"/>
+                      </a:schemeClr>
+                    </a:solidFill>
+                  </a:tcPr>
+                </a:tc>
+              </a:tr>
+            </a:tbl>
+          </a:graphicData>
+        </a:graphic>
+      </p:graphicFrame>
+      <p:sp>
+        <p:nvSpPr>
+          <p:cNvPr id="11" name="Title 1"/>
+          <p:cNvSpPr txBox="1">
+            <a:spLocks/>
+          </p:cNvSpPr>
+          <p:nvPr>
+            <p:custDataLst>
+              <p:tags r:id="rId1"/>
+            </p:custDataLst>
+          </p:nvPr>
+        </p:nvSpPr>
+        <p:spPr>
+          <a:xfrm>
+            <a:off x="1475656" y="1262142"/>
+            <a:ext cx="8077200" cy="711096"/>
+          </a:xfrm>
+          <a:prstGeom prst="rect">
+            <a:avLst/>
+          </a:prstGeom>
+        </p:spPr>
+        <p:txBody>
+          <a:bodyPr>
+            <a:noAutofit/>
+          </a:bodyPr>
+          <a:lstStyle>
+            <a:lvl1pPr algn="l" defTabSz="914400" rtl="0" eaLnBrk="1" latinLnBrk="0" hangingPunct="1">
+              <a:spcBef>
+                <a:spcPct val="0"/>
+              </a:spcBef>
+              <a:buNone/>
+              <a:defRPr kumimoji="0" lang="fr-FR" sz="4400" kern="1200">
+                <a:solidFill>
+                  <a:schemeClr val="tx1"/>
+                </a:solidFill>
+                <a:latin typeface="+mj-lt"/>
+                <a:ea typeface="+mj-ea"/>
+                <a:cs typeface="+mj-cs"/>
+              </a:defRPr>
+            </a:lvl1pPr>
+          </a:lstStyle>
+          <a:p>
+            <a:pPr algn="ctr"/>
+            <a:r>
+              <a:rPr lang="fr-FR" sz="2800" dirty="0" smtClean="0"/>
+              <a:t>Importance of the </a:t>
+            </a:r>
+            <a:r>
+              <a:rPr lang="fr-FR" sz="2800" dirty="0" err="1" smtClean="0"/>
+              <a:t>Mobility</a:t>
+            </a:r>
+            <a:r>
+              <a:rPr lang="fr-FR" sz="2800" dirty="0" smtClean="0"/>
+              <a:t> Model </a:t>
+            </a:r>
+            <a:r>
+              <a:rPr lang="fr-FR" sz="2800" dirty="0" err="1" smtClean="0"/>
+              <a:t>choosen</a:t>
+            </a:r>
+            <a:r>
+              <a:rPr lang="fr-FR" sz="2800" dirty="0" smtClean="0"/>
+              <a:t> </a:t>
+            </a:r>
+            <a:endParaRPr lang="fr-FR" sz="2800" dirty="0"/>
+          </a:p>
+        </p:txBody>
+      </p:sp>
+      <p:sp>
+        <p:nvSpPr>
+          <p:cNvPr id="12" name="Title 1"/>
+          <p:cNvSpPr txBox="1">
+            <a:spLocks/>
+          </p:cNvSpPr>
+          <p:nvPr>
+            <p:custDataLst>
+              <p:tags r:id="rId2"/>
+            </p:custDataLst>
+          </p:nvPr>
+        </p:nvSpPr>
+        <p:spPr>
+          <a:xfrm>
+            <a:off x="683568" y="188640"/>
+            <a:ext cx="8077200" cy="711096"/>
+          </a:xfrm>
+          <a:prstGeom prst="rect">
+            <a:avLst/>
+          </a:prstGeom>
+        </p:spPr>
+        <p:txBody>
+          <a:bodyPr>
+            <a:normAutofit lnSpcReduction="10000"/>
+          </a:bodyPr>
+          <a:lstStyle>
+            <a:lvl1pPr algn="l" defTabSz="914400" rtl="0" eaLnBrk="1" latinLnBrk="0" hangingPunct="1">
+              <a:spcBef>
+                <a:spcPct val="0"/>
+              </a:spcBef>
+              <a:buNone/>
+              <a:defRPr kumimoji="0" lang="fr-FR" sz="4400" kern="1200">
+                <a:solidFill>
+                  <a:schemeClr val="tx1"/>
+                </a:solidFill>
+                <a:latin typeface="+mj-lt"/>
+                <a:ea typeface="+mj-ea"/>
+                <a:cs typeface="+mj-cs"/>
+              </a:defRPr>
+            </a:lvl1pPr>
+          </a:lstStyle>
+          <a:p>
+            <a:pPr algn="ctr"/>
+            <a:r>
+              <a:rPr lang="fr-FR" dirty="0"/>
+              <a:t>Our </a:t>
+            </a:r>
+            <a:r>
+              <a:rPr lang="fr-FR" dirty="0" err="1"/>
+              <a:t>Implementation</a:t>
+            </a:r>
+            <a:endParaRPr lang="fr-FR" dirty="0"/>
+          </a:p>
+        </p:txBody>
+      </p:sp>
+    </p:spTree>
+    <p:extLst>
+      <p:ext uri="{BB962C8B-B14F-4D97-AF65-F5344CB8AC3E}">
+        <p14:creationId xmlns:p14="http://schemas.microsoft.com/office/powerpoint/2010/main" val="2527388060"/>
+      </p:ext>
+    </p:extLst>
+  </p:cSld>
+  <p:clrMapOvr>
+    <a:masterClrMapping/>
+  </p:clrMapOvr>
+  <p:transition spd="slow">
+    <p:push dir="u"/>
+  </p:transition>
+  <p:timing>
+    <p:tnLst>
+      <p:par>
+        <p:cTn id="1" dur="indefinite" restart="never" nodeType="tmRoot"/>
+      </p:par>
+    </p:tnLst>
+  </p:timing>
+</p:sld>
+</file>
+
+<file path=ppt/slides/slide24.xml><?xml version="1.0" encoding="utf-8"?>
+<p:sld xmlns:a="http://schemas.openxmlformats.org/drawingml/2006/main" xmlns:r="http://schemas.openxmlformats.org/officeDocument/2006/relationships" xmlns:p="http://schemas.openxmlformats.org/presentationml/2006/main">
+  <p:cSld>
+    <p:spTree>
+      <p:nvGrpSpPr>
+        <p:cNvPr id="1" name=""/>
+        <p:cNvGrpSpPr/>
+        <p:nvPr/>
+      </p:nvGrpSpPr>
+      <p:grpSpPr>
+        <a:xfrm>
+          <a:off x="0" y="0"/>
+          <a:ext cx="0" cy="0"/>
+          <a:chOff x="0" y="0"/>
+          <a:chExt cx="0" cy="0"/>
+        </a:xfrm>
+      </p:grpSpPr>
+      <p:sp>
+        <p:nvSpPr>
+          <p:cNvPr id="2" name="Espace réservé du numéro de diapositive 1"/>
+          <p:cNvSpPr>
+            <a:spLocks noGrp="1"/>
+          </p:cNvSpPr>
+          <p:nvPr>
+            <p:ph type="sldNum" sz="quarter" idx="12"/>
+          </p:nvPr>
+        </p:nvSpPr>
+        <p:spPr/>
+        <p:txBody>
+          <a:bodyPr/>
+          <a:lstStyle/>
+          <a:p>
+            <a:fld id="{33D6E5A2-EC83-451F-A719-9AC1370DD5CF}" type="slidenum">
+              <a:rPr lang="fr-FR" smtClean="0"/>
+              <a:pPr/>
+              <a:t>24</a:t>
+            </a:fld>
+            <a:r>
+              <a:rPr lang="fr-FR" dirty="0" smtClean="0"/>
+              <a:t>/26</a:t>
             </a:r>
             <a:endParaRPr lang="fr-FR" dirty="0"/>
           </a:p>
@@ -16098,7 +16832,7 @@
 </p:sld>
 </file>
 
-<file path=ppt/slides/slide24.xml><?xml version="1.0" encoding="utf-8"?>
+<file path=ppt/slides/slide25.xml><?xml version="1.0" encoding="utf-8"?>
 <p:sld xmlns:a="http://schemas.openxmlformats.org/drawingml/2006/main" xmlns:r="http://schemas.openxmlformats.org/officeDocument/2006/relationships" xmlns:p="http://schemas.openxmlformats.org/presentationml/2006/main">
   <p:cSld>
     <p:spTree>
@@ -16188,11 +16922,11 @@
             <a:fld id="{33D6E5A2-EC83-451F-A719-9AC1370DD5CF}" type="slidenum">
               <a:rPr lang="fr-FR" smtClean="0"/>
               <a:pPr/>
-              <a:t>24</a:t>
+              <a:t>25</a:t>
             </a:fld>
             <a:r>
               <a:rPr lang="fr-FR" dirty="0" smtClean="0"/>
-              <a:t>/25</a:t>
+              <a:t>/26</a:t>
             </a:r>
             <a:endParaRPr lang="fr-FR" dirty="0"/>
           </a:p>
@@ -16438,7 +17172,7 @@
 </p:sld>
 </file>
 
-<file path=ppt/slides/slide25.xml><?xml version="1.0" encoding="utf-8"?>
+<file path=ppt/slides/slide26.xml><?xml version="1.0" encoding="utf-8"?>
 <p:sld xmlns:a="http://schemas.openxmlformats.org/drawingml/2006/main" xmlns:r="http://schemas.openxmlformats.org/officeDocument/2006/relationships" xmlns:p="http://schemas.openxmlformats.org/presentationml/2006/main">
   <p:cSld>
     <p:spTree>
@@ -16870,11 +17604,11 @@
             <a:fld id="{33D6E5A2-EC83-451F-A719-9AC1370DD5CF}" type="slidenum">
               <a:rPr lang="fr-FR" smtClean="0"/>
               <a:pPr/>
-              <a:t>25</a:t>
+              <a:t>26</a:t>
             </a:fld>
             <a:r>
               <a:rPr lang="fr-FR" dirty="0" smtClean="0"/>
-              <a:t>/25</a:t>
+              <a:t>/26</a:t>
             </a:r>
             <a:endParaRPr lang="fr-FR" dirty="0"/>
           </a:p>
@@ -16963,7 +17697,7 @@
             </a:fld>
             <a:r>
               <a:rPr lang="fr-FR" dirty="0" smtClean="0"/>
-              <a:t>/25</a:t>
+              <a:t>/26</a:t>
             </a:r>
             <a:endParaRPr lang="fr-FR" dirty="0"/>
           </a:p>
@@ -17571,7 +18305,7 @@
             </a:fld>
             <a:r>
               <a:rPr lang="fr-FR" dirty="0" smtClean="0"/>
-              <a:t>/25</a:t>
+              <a:t>/26</a:t>
             </a:r>
             <a:endParaRPr lang="fr-FR" dirty="0"/>
           </a:p>
@@ -18170,7 +18904,7 @@
             </a:fld>
             <a:r>
               <a:rPr lang="fr-FR" dirty="0" smtClean="0"/>
-              <a:t>/25</a:t>
+              <a:t>/26</a:t>
             </a:r>
             <a:endParaRPr lang="fr-FR" dirty="0"/>
           </a:p>
@@ -18647,7 +19381,7 @@
             </a:fld>
             <a:r>
               <a:rPr lang="fr-FR" dirty="0" smtClean="0"/>
-              <a:t>/25</a:t>
+              <a:t>/26</a:t>
             </a:r>
             <a:endParaRPr lang="fr-FR" dirty="0"/>
           </a:p>
@@ -19131,7 +19865,7 @@
             </a:fld>
             <a:r>
               <a:rPr lang="fr-FR" dirty="0" smtClean="0"/>
-              <a:t>/25</a:t>
+              <a:t>/26</a:t>
             </a:r>
             <a:endParaRPr lang="fr-FR" dirty="0"/>
           </a:p>
@@ -19811,7 +20545,7 @@
             </a:fld>
             <a:r>
               <a:rPr lang="fr-FR" dirty="0" smtClean="0"/>
-              <a:t>/25</a:t>
+              <a:t>/26</a:t>
             </a:r>
             <a:endParaRPr lang="fr-FR" dirty="0"/>
           </a:p>
@@ -20316,7 +21050,7 @@
             </a:fld>
             <a:r>
               <a:rPr lang="fr-FR" dirty="0" smtClean="0"/>
-              <a:t>/25</a:t>
+              <a:t>/26</a:t>
             </a:r>
             <a:endParaRPr lang="fr-FR" dirty="0"/>
           </a:p>
@@ -20840,25 +21574,25 @@
 
 <file path=ppt/tags/tag36.xml><?xml version="1.0" encoding="utf-8"?>
 <p:tagLst xmlns:a="http://schemas.openxmlformats.org/drawingml/2006/main" xmlns:r="http://schemas.openxmlformats.org/officeDocument/2006/relationships" xmlns:p="http://schemas.openxmlformats.org/presentationml/2006/main">
-  <p:tag name="DVSECTIONID" val="ezdaKHeWyBnZyZ2cDqRSoa"/>
+  <p:tag name="DVSHAPEID" val="InkrlxYPS4jAzciXk8ToAM"/>
 </p:tagLst>
 </file>
 
 <file path=ppt/tags/tag37.xml><?xml version="1.0" encoding="utf-8"?>
 <p:tagLst xmlns:a="http://schemas.openxmlformats.org/drawingml/2006/main" xmlns:r="http://schemas.openxmlformats.org/officeDocument/2006/relationships" xmlns:p="http://schemas.openxmlformats.org/presentationml/2006/main">
-  <p:tag name="DVSHAPEID" val="LRMR96J2MVd0CGe2e5htjk"/>
+  <p:tag name="DVSHAPEID" val="InkrlxYPS4jAzciXk8ToAM"/>
 </p:tagLst>
 </file>
 
 <file path=ppt/tags/tag38.xml><?xml version="1.0" encoding="utf-8"?>
 <p:tagLst xmlns:a="http://schemas.openxmlformats.org/drawingml/2006/main" xmlns:r="http://schemas.openxmlformats.org/officeDocument/2006/relationships" xmlns:p="http://schemas.openxmlformats.org/presentationml/2006/main">
-  <p:tag name="DVSECTIONID" val="OOKFAmQ6LnTdkKqqzhwoax"/>
+  <p:tag name="DVSECTIONID" val="ezdaKHeWyBnZyZ2cDqRSoa"/>
 </p:tagLst>
 </file>
 
 <file path=ppt/tags/tag39.xml><?xml version="1.0" encoding="utf-8"?>
 <p:tagLst xmlns:a="http://schemas.openxmlformats.org/drawingml/2006/main" xmlns:r="http://schemas.openxmlformats.org/officeDocument/2006/relationships" xmlns:p="http://schemas.openxmlformats.org/presentationml/2006/main">
-  <p:tag name="DVSHAPEID" val="XuPQogmzKvTp1YV9ymQ2ZW"/>
+  <p:tag name="DVSHAPEID" val="LRMR96J2MVd0CGe2e5htjk"/>
 </p:tagLst>
 </file>
 
@@ -20869,6 +21603,18 @@
 </file>
 
 <file path=ppt/tags/tag40.xml><?xml version="1.0" encoding="utf-8"?>
+<p:tagLst xmlns:a="http://schemas.openxmlformats.org/drawingml/2006/main" xmlns:r="http://schemas.openxmlformats.org/officeDocument/2006/relationships" xmlns:p="http://schemas.openxmlformats.org/presentationml/2006/main">
+  <p:tag name="DVSECTIONID" val="OOKFAmQ6LnTdkKqqzhwoax"/>
+</p:tagLst>
+</file>
+
+<file path=ppt/tags/tag41.xml><?xml version="1.0" encoding="utf-8"?>
+<p:tagLst xmlns:a="http://schemas.openxmlformats.org/drawingml/2006/main" xmlns:r="http://schemas.openxmlformats.org/officeDocument/2006/relationships" xmlns:p="http://schemas.openxmlformats.org/presentationml/2006/main">
+  <p:tag name="DVSHAPEID" val="XuPQogmzKvTp1YV9ymQ2ZW"/>
+</p:tagLst>
+</file>
+
+<file path=ppt/tags/tag42.xml><?xml version="1.0" encoding="utf-8"?>
 <p:tagLst xmlns:a="http://schemas.openxmlformats.org/drawingml/2006/main" xmlns:r="http://schemas.openxmlformats.org/officeDocument/2006/relationships" xmlns:p="http://schemas.openxmlformats.org/presentationml/2006/main">
   <p:tag name="DVSHAPEID" val="S8Cm1higbyIl35Abad2Rjv"/>
 </p:tagLst>

--- a/ressources/presentation/PresentationPER_Desbarats_V3.pptx
+++ b/ressources/presentation/PresentationPER_Desbarats_V3.pptx
@@ -757,8 +757,8 @@
           <c:showBubbleSize val="0"/>
         </c:dLbls>
         <c:smooth val="0"/>
-        <c:axId val="208652544"/>
-        <c:axId val="208658816"/>
+        <c:axId val="199555712"/>
+        <c:axId val="199556104"/>
         <c:extLst>
           <c:ext xmlns:c15="http://schemas.microsoft.com/office/drawing/2012/chart" uri="{02D57815-91ED-43cb-92C2-25804820EDAC}">
             <c15:filteredLineSeries>
@@ -951,7 +951,7 @@
         </c:extLst>
       </c:lineChart>
       <c:catAx>
-        <c:axId val="208652544"/>
+        <c:axId val="199555712"/>
         <c:scaling>
           <c:orientation val="minMax"/>
         </c:scaling>
@@ -994,7 +994,7 @@
             <a:endParaRPr lang="fr-FR"/>
           </a:p>
         </c:txPr>
-        <c:crossAx val="208658816"/>
+        <c:crossAx val="199556104"/>
         <c:crosses val="autoZero"/>
         <c:auto val="1"/>
         <c:lblAlgn val="ctr"/>
@@ -1002,7 +1002,7 @@
         <c:noMultiLvlLbl val="0"/>
       </c:catAx>
       <c:valAx>
-        <c:axId val="208658816"/>
+        <c:axId val="199556104"/>
         <c:scaling>
           <c:orientation val="minMax"/>
           <c:max val="100"/>
@@ -1054,7 +1054,7 @@
             <a:endParaRPr lang="fr-FR"/>
           </a:p>
         </c:txPr>
-        <c:crossAx val="208652544"/>
+        <c:crossAx val="199555712"/>
         <c:crosses val="autoZero"/>
         <c:crossBetween val="between"/>
       </c:valAx>
@@ -1885,7 +1885,7 @@
             <a:fld id="{D83FDC75-7F73-4A4A-A77C-09AADF00E0EA}" type="datetimeFigureOut">
               <a:rPr lang="fr-FR" smtClean="0"/>
               <a:pPr/>
-              <a:t>15/01/2014</a:t>
+              <a:t>16/01/2014</a:t>
             </a:fld>
             <a:endParaRPr lang="fr-FR" dirty="0"/>
           </a:p>
@@ -2052,7 +2052,7 @@
           <a:p>
             <a:fld id="{48AEF76B-3757-4A0B-AF93-28494465C1DD}" type="datetimeFigureOut">
               <a:pPr/>
-              <a:t>15/01/2014</a:t>
+              <a:t>16/01/2014</a:t>
             </a:fld>
             <a:endParaRPr lang="fr-FR"/>
           </a:p>
@@ -8323,39 +8323,36 @@
         </p:nvSpPr>
         <p:spPr>
           <a:xfrm>
-            <a:off x="3779912" y="4517876"/>
+            <a:off x="3937464" y="4327362"/>
             <a:ext cx="4738992" cy="990600"/>
           </a:xfrm>
         </p:spPr>
         <p:txBody>
           <a:bodyPr>
-            <a:normAutofit fontScale="62500" lnSpcReduction="20000"/>
+            <a:noAutofit/>
           </a:bodyPr>
           <a:lstStyle/>
           <a:p>
             <a:r>
-              <a:rPr lang="fr-FR" sz="2400" i="1" dirty="0" smtClean="0">
+              <a:rPr lang="fr-FR" i="1" dirty="0" smtClean="0">
                 <a:latin typeface="+mn-lt"/>
               </a:rPr>
               <a:t>By </a:t>
             </a:r>
             <a:r>
-              <a:rPr lang="fr-FR" sz="2400" i="1" dirty="0">
-                <a:solidFill>
-                  <a:prstClr val="black"/>
-                </a:solidFill>
+              <a:rPr lang="fr-FR" i="1" dirty="0" err="1" smtClean="0">
                 <a:latin typeface="+mn-lt"/>
               </a:rPr>
-              <a:t>Paziewski </a:t>
-            </a:r>
-            <a:r>
-              <a:rPr lang="fr-FR" sz="2400" i="1" dirty="0" smtClean="0">
+              <a:t>Castagnet</a:t>
+            </a:r>
+            <a:r>
+              <a:rPr lang="fr-FR" i="1" dirty="0" smtClean="0">
                 <a:latin typeface="+mn-lt"/>
               </a:rPr>
-              <a:t>Hayley, </a:t>
-            </a:r>
-            <a:r>
-              <a:rPr lang="fr-FR" sz="2400" i="1" dirty="0" err="1">
+              <a:t> Florian, </a:t>
+            </a:r>
+            <a:r>
+              <a:rPr lang="fr-FR" i="1" dirty="0" err="1">
                 <a:solidFill>
                   <a:prstClr val="black"/>
                 </a:solidFill>
@@ -8364,7 +8361,7 @@
               <a:t>Etcheverry</a:t>
             </a:r>
             <a:r>
-              <a:rPr lang="fr-FR" sz="2400" i="1" dirty="0">
+              <a:rPr lang="fr-FR" i="1" dirty="0">
                 <a:solidFill>
                   <a:prstClr val="black"/>
                 </a:solidFill>
@@ -8373,13 +8370,31 @@
               <a:t> </a:t>
             </a:r>
             <a:r>
-              <a:rPr lang="fr-FR" sz="2400" i="1" dirty="0" smtClean="0">
+              <a:rPr lang="fr-FR" i="1" dirty="0" smtClean="0">
                 <a:latin typeface="+mn-lt"/>
               </a:rPr>
-              <a:t>Jérémy, </a:t>
-            </a:r>
-            <a:r>
-              <a:rPr lang="fr-FR" sz="2400" i="1" dirty="0">
+              <a:t>Jérémy</a:t>
+            </a:r>
+            <a:r>
+              <a:rPr lang="fr-FR" i="1" dirty="0" smtClean="0">
+                <a:latin typeface="+mn-lt"/>
+              </a:rPr>
+              <a:t>, </a:t>
+            </a:r>
+            <a:r>
+              <a:rPr lang="fr-FR" i="1" dirty="0" err="1" smtClean="0">
+                <a:latin typeface="+mn-lt"/>
+              </a:rPr>
+              <a:t>Paziewski</a:t>
+            </a:r>
+            <a:r>
+              <a:rPr lang="fr-FR" i="1" dirty="0" smtClean="0">
+                <a:latin typeface="+mn-lt"/>
+              </a:rPr>
+              <a:t> Hayley, </a:t>
+            </a:r>
+            <a:r>
+              <a:rPr lang="fr-FR" i="1" dirty="0" smtClean="0">
                 <a:solidFill>
                   <a:prstClr val="black"/>
                 </a:solidFill>
@@ -8388,52 +8403,46 @@
               <a:t>Tessier </a:t>
             </a:r>
             <a:r>
-              <a:rPr lang="fr-FR" sz="2400" i="1" dirty="0" smtClean="0">
+              <a:rPr lang="fr-FR" i="1" dirty="0" err="1" smtClean="0">
                 <a:latin typeface="+mn-lt"/>
               </a:rPr>
-              <a:t>Alexis, </a:t>
-            </a:r>
-            <a:r>
-              <a:rPr lang="fr-FR" sz="2400" i="1" dirty="0">
+              <a:t>Alexis,</a:t>
+            </a:r>
+            <a:r>
+              <a:rPr lang="fr-FR" i="1" dirty="0" err="1" smtClean="0">
                 <a:solidFill>
                   <a:prstClr val="black"/>
                 </a:solidFill>
                 <a:latin typeface="+mn-lt"/>
               </a:rPr>
-              <a:t>Testa </a:t>
-            </a:r>
-            <a:r>
-              <a:rPr lang="fr-FR" sz="2400" i="1" dirty="0" smtClean="0">
+              <a:t>Testa</a:t>
+            </a:r>
+            <a:r>
+              <a:rPr lang="fr-FR" i="1" dirty="0" smtClean="0">
+                <a:solidFill>
+                  <a:prstClr val="black"/>
+                </a:solidFill>
                 <a:latin typeface="+mn-lt"/>
               </a:rPr>
-              <a:t>Mickaël, </a:t>
-            </a:r>
-            <a:r>
-              <a:rPr lang="fr-FR" sz="2400" i="1" dirty="0" err="1" smtClean="0">
+              <a:t> </a:t>
+            </a:r>
+            <a:r>
+              <a:rPr lang="fr-FR" i="1" dirty="0" smtClean="0">
                 <a:latin typeface="+mn-lt"/>
               </a:rPr>
-              <a:t>Castagnet</a:t>
-            </a:r>
-            <a:r>
-              <a:rPr lang="fr-FR" sz="2400" i="1" dirty="0" smtClean="0">
-                <a:latin typeface="+mn-lt"/>
-              </a:rPr>
-              <a:t> Florian </a:t>
-            </a:r>
-          </a:p>
-          <a:p>
-            <a:endParaRPr lang="fr-FR" sz="2400" dirty="0">
+              <a:t>Mickaël </a:t>
+            </a:r>
+            <a:endParaRPr lang="fr-FR" i="1" dirty="0" smtClean="0">
               <a:latin typeface="+mn-lt"/>
             </a:endParaRPr>
           </a:p>
           <a:p>
-            <a:r>
-              <a:rPr lang="fr-FR" sz="2400" dirty="0" smtClean="0">
-                <a:latin typeface="+mn-lt"/>
-              </a:rPr>
-              <a:t>22/01/2014</a:t>
-            </a:r>
-            <a:endParaRPr lang="fr-FR" sz="2400" dirty="0">
+            <a:endParaRPr lang="fr-FR" dirty="0">
+              <a:latin typeface="+mn-lt"/>
+            </a:endParaRPr>
+          </a:p>
+          <a:p>
+            <a:endParaRPr lang="fr-FR" dirty="0">
               <a:latin typeface="+mn-lt"/>
             </a:endParaRPr>
           </a:p>
@@ -8447,8 +8456,8 @@
         </p:nvSpPr>
         <p:spPr>
           <a:xfrm>
-            <a:off x="107504" y="6381328"/>
-            <a:ext cx="2808312" cy="338554"/>
+            <a:off x="106842" y="6135107"/>
+            <a:ext cx="2808312" cy="584775"/>
           </a:xfrm>
           <a:prstGeom prst="rect">
             <a:avLst/>
@@ -8463,7 +8472,15 @@
           <a:p>
             <a:r>
               <a:rPr lang="fr-FR" sz="1600" b="1" dirty="0" smtClean="0"/>
-              <a:t>Master 2 Computer Science</a:t>
+              <a:t>Master 2 Computer </a:t>
+            </a:r>
+            <a:r>
+              <a:rPr lang="fr-FR" sz="1600" b="1" dirty="0" smtClean="0"/>
+              <a:t>Science, Network, System and </a:t>
+            </a:r>
+            <a:r>
+              <a:rPr lang="fr-FR" sz="1600" b="1" dirty="0" err="1" smtClean="0"/>
+              <a:t>Mobility</a:t>
             </a:r>
             <a:endParaRPr lang="fr-FR" sz="1600" b="1" dirty="0"/>
           </a:p>
@@ -8477,8 +8494,8 @@
         </p:nvSpPr>
         <p:spPr>
           <a:xfrm>
-            <a:off x="3491880" y="6381328"/>
-            <a:ext cx="2808312" cy="338554"/>
+            <a:off x="1259632" y="1064327"/>
+            <a:ext cx="5616624" cy="523220"/>
           </a:xfrm>
           <a:prstGeom prst="rect">
             <a:avLst/>
@@ -8492,21 +8509,34 @@
           <a:lstStyle/>
           <a:p>
             <a:r>
-              <a:rPr lang="fr-FR" sz="1600" b="1" dirty="0" err="1"/>
+              <a:rPr lang="fr-FR" sz="2800" b="1" dirty="0" err="1"/>
               <a:t>Study</a:t>
             </a:r>
             <a:r>
-              <a:rPr lang="fr-FR" sz="1600" b="1" dirty="0"/>
+              <a:rPr lang="fr-FR" sz="2800" b="1" dirty="0"/>
               <a:t> and </a:t>
             </a:r>
             <a:r>
-              <a:rPr lang="fr-FR" sz="1600" b="1" dirty="0" err="1"/>
+              <a:rPr lang="fr-FR" sz="2800" b="1" dirty="0" err="1"/>
               <a:t>Research</a:t>
             </a:r>
             <a:r>
-              <a:rPr lang="fr-FR" sz="1600" b="1" dirty="0"/>
-              <a:t> Project </a:t>
-            </a:r>
+              <a:rPr lang="fr-FR" sz="2800" b="1" dirty="0"/>
+              <a:t> </a:t>
+            </a:r>
+            <a:r>
+              <a:rPr lang="fr-FR" sz="2800" b="1" dirty="0" smtClean="0"/>
+              <a:t>Project on </a:t>
+            </a:r>
+            <a:r>
+              <a:rPr lang="fr-FR" sz="2800" b="1" dirty="0" err="1" smtClean="0"/>
+              <a:t>paper</a:t>
+            </a:r>
+            <a:r>
+              <a:rPr lang="fr-FR" sz="2800" b="1" dirty="0" smtClean="0"/>
+              <a:t> </a:t>
+            </a:r>
+            <a:endParaRPr lang="fr-FR" sz="2800" b="1" dirty="0"/>
           </a:p>
         </p:txBody>
       </p:sp>
@@ -8540,85 +8570,6 @@
           </a:p>
         </p:txBody>
       </p:sp>
-      <p:sp>
-        <p:nvSpPr>
-          <p:cNvPr id="8" name="ZoneTexte 7"/>
-          <p:cNvSpPr txBox="1"/>
-          <p:nvPr/>
-        </p:nvSpPr>
-        <p:spPr>
-          <a:xfrm>
-            <a:off x="2195736" y="122848"/>
-            <a:ext cx="5112568" cy="338554"/>
-          </a:xfrm>
-          <a:prstGeom prst="rect">
-            <a:avLst/>
-          </a:prstGeom>
-          <a:noFill/>
-        </p:spPr>
-        <p:txBody>
-          <a:bodyPr wrap="square" rtlCol="0">
-            <a:spAutoFit/>
-          </a:bodyPr>
-          <a:lstStyle/>
-          <a:p>
-            <a:r>
-              <a:rPr lang="en-US" sz="1600" b="1" dirty="0"/>
-              <a:t>University of </a:t>
-            </a:r>
-            <a:r>
-              <a:rPr lang="en-US" sz="1600" b="1" dirty="0" smtClean="0"/>
-              <a:t>Bordeaux 1 - Science </a:t>
-            </a:r>
-            <a:r>
-              <a:rPr lang="en-US" sz="1600" b="1" dirty="0"/>
-              <a:t>and Technology</a:t>
-            </a:r>
-            <a:endParaRPr lang="fr-FR" sz="1600" b="1" dirty="0"/>
-          </a:p>
-        </p:txBody>
-      </p:sp>
-      <p:pic>
-        <p:nvPicPr>
-          <p:cNvPr id="1026" name="Picture 2" descr="C:\Users\Hayley\Downloads\LogoBx1.jpg"/>
-          <p:cNvPicPr>
-            <a:picLocks noChangeAspect="1" noChangeArrowheads="1"/>
-          </p:cNvPicPr>
-          <p:nvPr/>
-        </p:nvPicPr>
-        <p:blipFill>
-          <a:blip r:embed="rId6" cstate="email">
-            <a:extLst>
-              <a:ext uri="{28A0092B-C50C-407E-A947-70E740481C1C}">
-                <a14:useLocalDpi xmlns:a14="http://schemas.microsoft.com/office/drawing/2010/main" val="0"/>
-              </a:ext>
-            </a:extLst>
-          </a:blip>
-          <a:srcRect/>
-          <a:stretch>
-            <a:fillRect/>
-          </a:stretch>
-        </p:blipFill>
-        <p:spPr bwMode="auto">
-          <a:xfrm>
-            <a:off x="257058" y="122848"/>
-            <a:ext cx="1224136" cy="1365526"/>
-          </a:xfrm>
-          <a:prstGeom prst="rect">
-            <a:avLst/>
-          </a:prstGeom>
-          <a:noFill/>
-          <a:extLst>
-            <a:ext uri="{909E8E84-426E-40DD-AFC4-6F175D3DCCD1}">
-              <a14:hiddenFill xmlns:a14="http://schemas.microsoft.com/office/drawing/2010/main">
-                <a:solidFill>
-                  <a:srgbClr val="FFFFFF"/>
-                </a:solidFill>
-              </a14:hiddenFill>
-            </a:ext>
-          </a:extLst>
-        </p:spPr>
-      </p:pic>
       <p:pic>
         <p:nvPicPr>
           <p:cNvPr id="1027" name="Picture 3" descr="C:\Users\Hayley\Downloads\logo-LaBRI-2011.jpg"/>
@@ -8628,7 +8579,7 @@
           <p:nvPr/>
         </p:nvPicPr>
         <p:blipFill>
-          <a:blip r:embed="rId7" cstate="email">
+          <a:blip r:embed="rId6" cstate="email">
             <a:extLst>
               <a:ext uri="{28A0092B-C50C-407E-A947-70E740481C1C}">
                 <a14:useLocalDpi xmlns:a14="http://schemas.microsoft.com/office/drawing/2010/main" val="0"/>
@@ -8683,12 +8634,8 @@
           <a:lstStyle/>
           <a:p>
             <a:r>
-              <a:rPr lang="en-US" sz="1400" b="1" dirty="0"/>
-              <a:t>Responsible of Directed Works </a:t>
-            </a:r>
-            <a:r>
               <a:rPr lang="en-US" sz="1400" b="1" dirty="0" smtClean="0"/>
-              <a:t>:</a:t>
+              <a:t>Directors of tutorial classes :</a:t>
             </a:r>
             <a:endParaRPr lang="fr-FR" sz="1400" b="1" dirty="0"/>
           </a:p>
@@ -8702,7 +8649,7 @@
         </p:nvSpPr>
         <p:spPr>
           <a:xfrm>
-            <a:off x="6444208" y="5661248"/>
+            <a:off x="6261509" y="5669246"/>
             <a:ext cx="2520280" cy="523220"/>
           </a:xfrm>
           <a:prstGeom prst="rect">
@@ -8718,11 +8665,7 @@
           <a:p>
             <a:r>
               <a:rPr lang="en-US" sz="1400" dirty="0"/>
-              <a:t>CHAUMETTE Serge </a:t>
-            </a:r>
-            <a:r>
-              <a:rPr lang="en-US" sz="1400" dirty="0" smtClean="0"/>
-              <a:t> and AUTEFAGE Vincent</a:t>
+              <a:t>AUTEFAGE Vincent and CHAUMETTE Serge</a:t>
             </a:r>
             <a:endParaRPr lang="fr-FR" sz="1400" dirty="0"/>
           </a:p>
@@ -8736,8 +8679,8 @@
         </p:nvSpPr>
         <p:spPr>
           <a:xfrm>
-            <a:off x="4499992" y="3645023"/>
-            <a:ext cx="4018912" cy="646331"/>
+            <a:off x="3243851" y="3608128"/>
+            <a:ext cx="4018912" cy="584775"/>
           </a:xfrm>
           <a:prstGeom prst="rect">
             <a:avLst/>
@@ -8751,76 +8694,127 @@
           <a:lstStyle/>
           <a:p>
             <a:r>
-              <a:rPr lang="fr-FR" i="1" dirty="0" smtClean="0"/>
+              <a:rPr lang="fr-FR" sz="1600" i="1" dirty="0" smtClean="0"/>
               <a:t>Erik Kuiper &amp; </a:t>
             </a:r>
             <a:r>
-              <a:rPr lang="fr-FR" i="1" dirty="0" err="1" smtClean="0"/>
+              <a:rPr lang="fr-FR" sz="1600" i="1" dirty="0" err="1" smtClean="0"/>
               <a:t>Simin</a:t>
             </a:r>
             <a:r>
-              <a:rPr lang="fr-FR" i="1" dirty="0" smtClean="0"/>
+              <a:rPr lang="fr-FR" sz="1600" i="1" dirty="0" smtClean="0"/>
               <a:t> </a:t>
             </a:r>
             <a:r>
-              <a:rPr lang="fr-FR" i="1" dirty="0" err="1" smtClean="0"/>
+              <a:rPr lang="fr-FR" sz="1600" i="1" dirty="0" err="1" smtClean="0"/>
               <a:t>Nadjm</a:t>
             </a:r>
             <a:r>
-              <a:rPr lang="fr-FR" i="1" dirty="0" smtClean="0"/>
+              <a:rPr lang="fr-FR" sz="1600" i="1" dirty="0" smtClean="0"/>
               <a:t>-Tehrani</a:t>
             </a:r>
           </a:p>
           <a:p>
             <a:r>
-              <a:rPr lang="fr-FR" i="1" dirty="0" smtClean="0"/>
-              <a:t>IEEE lecture 2006</a:t>
-            </a:r>
-            <a:endParaRPr lang="fr-FR" i="1" dirty="0"/>
+              <a:rPr lang="fr-FR" sz="1600" i="1" dirty="0" smtClean="0"/>
+              <a:t>ICWM 2006</a:t>
+            </a:r>
+            <a:endParaRPr lang="fr-FR" sz="1600" i="1" dirty="0"/>
           </a:p>
         </p:txBody>
       </p:sp>
       <p:pic>
         <p:nvPicPr>
-          <p:cNvPr id="1028" name="Picture 4" descr="http://pao.univ-lorraine.fr/img/logos/Universite-Bordeaux.jpg"/>
+          <p:cNvPr id="12" name="Image 11"/>
           <p:cNvPicPr>
-            <a:picLocks noChangeAspect="1" noChangeArrowheads="1"/>
+            <a:picLocks noChangeAspect="1"/>
           </p:cNvPicPr>
           <p:nvPr/>
         </p:nvPicPr>
         <p:blipFill>
-          <a:blip r:embed="rId8" cstate="email">
+          <a:blip r:embed="rId7" cstate="email">
             <a:extLst>
               <a:ext uri="{28A0092B-C50C-407E-A947-70E740481C1C}">
                 <a14:useLocalDpi xmlns:a14="http://schemas.microsoft.com/office/drawing/2010/main" val="0"/>
               </a:ext>
             </a:extLst>
           </a:blip>
-          <a:srcRect/>
           <a:stretch>
             <a:fillRect/>
           </a:stretch>
         </p:blipFill>
-        <p:spPr bwMode="auto">
+        <p:spPr>
           <a:xfrm>
-            <a:off x="257058" y="5334155"/>
-            <a:ext cx="1176065" cy="1016231"/>
+            <a:off x="322536" y="145929"/>
+            <a:ext cx="2376925" cy="831924"/>
+          </a:xfrm>
+          <a:prstGeom prst="rect">
+            <a:avLst/>
+          </a:prstGeom>
+        </p:spPr>
+      </p:pic>
+      <p:cxnSp>
+        <p:nvCxnSpPr>
+          <p:cNvPr id="14" name="Connecteur droit 13"/>
+          <p:cNvCxnSpPr/>
+          <p:nvPr/>
+        </p:nvCxnSpPr>
+        <p:spPr>
+          <a:xfrm>
+            <a:off x="3203848" y="1587547"/>
+            <a:ext cx="0" cy="2642251"/>
+          </a:xfrm>
+          <a:prstGeom prst="line">
+            <a:avLst/>
+          </a:prstGeom>
+          <a:ln/>
+        </p:spPr>
+        <p:style>
+          <a:lnRef idx="2">
+            <a:schemeClr val="dk1"/>
+          </a:lnRef>
+          <a:fillRef idx="0">
+            <a:schemeClr val="dk1"/>
+          </a:fillRef>
+          <a:effectRef idx="1">
+            <a:schemeClr val="dk1"/>
+          </a:effectRef>
+          <a:fontRef idx="minor">
+            <a:schemeClr val="tx1"/>
+          </a:fontRef>
+        </p:style>
+      </p:cxnSp>
+      <p:sp>
+        <p:nvSpPr>
+          <p:cNvPr id="20" name="ZoneTexte 19"/>
+          <p:cNvSpPr txBox="1"/>
+          <p:nvPr/>
+        </p:nvSpPr>
+        <p:spPr>
+          <a:xfrm>
+            <a:off x="3741229" y="6415906"/>
+            <a:ext cx="2520280" cy="338554"/>
           </a:xfrm>
           <a:prstGeom prst="rect">
             <a:avLst/>
           </a:prstGeom>
           <a:noFill/>
-          <a:extLst>
-            <a:ext uri="{909E8E84-426E-40DD-AFC4-6F175D3DCCD1}">
-              <a14:hiddenFill xmlns:a14="http://schemas.microsoft.com/office/drawing/2010/main">
-                <a:solidFill>
-                  <a:srgbClr val="FFFFFF"/>
-                </a:solidFill>
-              </a14:hiddenFill>
-            </a:ext>
-          </a:extLst>
         </p:spPr>
-      </p:pic>
+        <p:txBody>
+          <a:bodyPr wrap="square" rtlCol="0">
+            <a:spAutoFit/>
+          </a:bodyPr>
+          <a:lstStyle/>
+          <a:p>
+            <a:pPr algn="ctr"/>
+            <a:r>
+              <a:rPr lang="en-US" sz="1600" b="1" dirty="0" smtClean="0"/>
+              <a:t>22/01/2014</a:t>
+            </a:r>
+            <a:endParaRPr lang="fr-FR" sz="1600" b="1" dirty="0"/>
+          </a:p>
+        </p:txBody>
+      </p:sp>
     </p:spTree>
     <p:custDataLst>
       <p:tags r:id="rId1"/>
@@ -9232,13 +9226,23 @@
               <a:buChar char="•"/>
             </a:pPr>
             <a:r>
-              <a:rPr lang="fr-FR" sz="2800" dirty="0" err="1" smtClean="0"/>
-              <a:t>Dynamic</a:t>
-            </a:r>
-            <a:r>
               <a:rPr lang="fr-FR" sz="2800" dirty="0" smtClean="0"/>
-              <a:t> UAV</a:t>
-            </a:r>
+              <a:t>Adaptative</a:t>
+            </a:r>
+            <a:r>
+              <a:rPr lang="fr-FR" sz="2800" dirty="0" smtClean="0"/>
+              <a:t> </a:t>
+            </a:r>
+          </a:p>
+          <a:p>
+            <a:pPr marL="457200" lvl="1" indent="0">
+              <a:buNone/>
+            </a:pPr>
+            <a:r>
+              <a:rPr lang="fr-FR" sz="2800" dirty="0" smtClean="0"/>
+              <a:t>                     UAV</a:t>
+            </a:r>
+            <a:endParaRPr lang="fr-FR" sz="2800" dirty="0" smtClean="0"/>
           </a:p>
         </p:txBody>
       </p:sp>
@@ -9313,6 +9317,86 @@
               <a:t>mtesta</a:t>
             </a:r>
             <a:endParaRPr kumimoji="0" lang="fr-FR" dirty="0"/>
+          </a:p>
+        </p:txBody>
+      </p:sp>
+      <p:pic>
+        <p:nvPicPr>
+          <p:cNvPr id="10" name="Image 9"/>
+          <p:cNvPicPr>
+            <a:picLocks noChangeAspect="1"/>
+          </p:cNvPicPr>
+          <p:nvPr/>
+        </p:nvPicPr>
+        <p:blipFill>
+          <a:blip r:embed="rId7" cstate="email">
+            <a:extLst>
+              <a:ext uri="{28A0092B-C50C-407E-A947-70E740481C1C}">
+                <a14:useLocalDpi xmlns:a14="http://schemas.microsoft.com/office/drawing/2010/main" val="0"/>
+              </a:ext>
+            </a:extLst>
+          </a:blip>
+          <a:stretch>
+            <a:fillRect/>
+          </a:stretch>
+        </p:blipFill>
+        <p:spPr>
+          <a:xfrm>
+            <a:off x="4980484" y="2996952"/>
+            <a:ext cx="4143465" cy="2678965"/>
+          </a:xfrm>
+          <a:prstGeom prst="rect">
+            <a:avLst/>
+          </a:prstGeom>
+        </p:spPr>
+      </p:pic>
+      <p:sp>
+        <p:nvSpPr>
+          <p:cNvPr id="11" name="ZoneTexte 10"/>
+          <p:cNvSpPr txBox="1"/>
+          <p:nvPr/>
+        </p:nvSpPr>
+        <p:spPr>
+          <a:xfrm>
+            <a:off x="5268609" y="5675917"/>
+            <a:ext cx="2704651" cy="276999"/>
+          </a:xfrm>
+          <a:prstGeom prst="rect">
+            <a:avLst/>
+          </a:prstGeom>
+          <a:noFill/>
+        </p:spPr>
+        <p:txBody>
+          <a:bodyPr wrap="none" rtlCol="0">
+            <a:spAutoFit/>
+          </a:bodyPr>
+          <a:lstStyle/>
+          <a:p>
+            <a:r>
+              <a:rPr lang="fr-FR" sz="1200" dirty="0" smtClean="0"/>
+              <a:t>[2] : </a:t>
+            </a:r>
+            <a:r>
+              <a:rPr lang="fr-FR" sz="1200" dirty="0" err="1" smtClean="0"/>
+              <a:t>Result</a:t>
+            </a:r>
+            <a:r>
+              <a:rPr lang="fr-FR" sz="1200" dirty="0" smtClean="0"/>
+              <a:t> pattern of </a:t>
+            </a:r>
+            <a:r>
+              <a:rPr lang="fr-FR" sz="1200" dirty="0" err="1" smtClean="0"/>
+              <a:t>Random</a:t>
+            </a:r>
+            <a:r>
+              <a:rPr lang="fr-FR" sz="1200" dirty="0" smtClean="0"/>
+              <a:t> </a:t>
+            </a:r>
+            <a:r>
+              <a:rPr lang="fr-FR" sz="1200" dirty="0" err="1" smtClean="0"/>
+              <a:t>Waypoint</a:t>
+            </a:r>
+            <a:endParaRPr lang="fr-FR" sz="1200" dirty="0"/>
           </a:p>
         </p:txBody>
       </p:sp>
@@ -9720,7 +9804,7 @@
                   <a:srgbClr val="000000"/>
                 </a:solidFill>
               </a:rPr>
-              <a:t>Broadcast </a:t>
+              <a:t>Regularly broadcast a </a:t>
             </a:r>
             <a:r>
               <a:rPr lang="en-US" sz="2800" dirty="0">
@@ -9728,7 +9812,7 @@
                   <a:srgbClr val="000000"/>
                 </a:solidFill>
               </a:rPr>
-              <a:t>regularly a local area pheromone </a:t>
+              <a:t>local area pheromone </a:t>
             </a:r>
             <a:r>
               <a:rPr lang="en-US" sz="2800" dirty="0" smtClean="0">
@@ -9736,7 +9820,15 @@
                   <a:srgbClr val="000000"/>
                 </a:solidFill>
               </a:rPr>
-              <a:t>map (when a distance is inferior to 8 km)</a:t>
+              <a:t>map (when a distance is inferior to 8 </a:t>
+            </a:r>
+            <a:r>
+              <a:rPr lang="en-US" sz="2800" dirty="0" smtClean="0">
+                <a:solidFill>
+                  <a:srgbClr val="000000"/>
+                </a:solidFill>
+              </a:rPr>
+              <a:t>km between two UAVs)</a:t>
             </a:r>
             <a:endParaRPr lang="en-US" sz="2800" dirty="0"/>
           </a:p>
@@ -10607,6 +10699,11 @@
               </a:rPr>
               <a:t>C&amp;C</a:t>
             </a:r>
+            <a:endParaRPr lang="en-US" sz="2800" dirty="0" smtClean="0">
+              <a:solidFill>
+                <a:srgbClr val="000000"/>
+              </a:solidFill>
+            </a:endParaRPr>
           </a:p>
           <a:p>
             <a:pPr lvl="2" indent="-457200">
@@ -10643,7 +10740,15 @@
                   <a:srgbClr val="000000"/>
                 </a:solidFill>
               </a:rPr>
-              <a:t>     (communication of 1 message/s/UAV)</a:t>
+              <a:t>     </a:t>
+            </a:r>
+            <a:r>
+              <a:rPr lang="fr-FR" sz="2800" dirty="0" smtClean="0">
+                <a:solidFill>
+                  <a:srgbClr val="000000"/>
+                </a:solidFill>
+              </a:rPr>
+              <a:t>(no quantification in the article)</a:t>
             </a:r>
             <a:endParaRPr lang="en-US" sz="2800" dirty="0" smtClean="0">
               <a:solidFill>
@@ -10664,6 +10769,74 @@
           </a:p>
           <a:p>
             <a:endParaRPr lang="en-US" sz="2800" dirty="0" smtClean="0"/>
+          </a:p>
+        </p:txBody>
+      </p:sp>
+      <p:sp>
+        <p:nvSpPr>
+          <p:cNvPr id="5" name="ZoneTexte 4"/>
+          <p:cNvSpPr txBox="1"/>
+          <p:nvPr/>
+        </p:nvSpPr>
+        <p:spPr>
+          <a:xfrm>
+            <a:off x="8172400" y="4005064"/>
+            <a:ext cx="216024" cy="369332"/>
+          </a:xfrm>
+          <a:prstGeom prst="rect">
+            <a:avLst/>
+          </a:prstGeom>
+          <a:noFill/>
+        </p:spPr>
+        <p:txBody>
+          <a:bodyPr wrap="square" rtlCol="0">
+            <a:spAutoFit/>
+          </a:bodyPr>
+          <a:lstStyle/>
+          <a:p>
+            <a:r>
+              <a:rPr lang="fr-FR" dirty="0" smtClean="0"/>
+              <a:t>1</a:t>
+            </a:r>
+            <a:endParaRPr lang="fr-FR" dirty="0"/>
+          </a:p>
+        </p:txBody>
+      </p:sp>
+      <p:sp>
+        <p:nvSpPr>
+          <p:cNvPr id="9" name="ZoneTexte 8"/>
+          <p:cNvSpPr txBox="1"/>
+          <p:nvPr/>
+        </p:nvSpPr>
+        <p:spPr>
+          <a:xfrm>
+            <a:off x="3244788" y="5661248"/>
+            <a:ext cx="2767372" cy="307777"/>
+          </a:xfrm>
+          <a:prstGeom prst="rect">
+            <a:avLst/>
+          </a:prstGeom>
+          <a:noFill/>
+        </p:spPr>
+        <p:txBody>
+          <a:bodyPr wrap="square" rtlCol="0">
+            <a:spAutoFit/>
+          </a:bodyPr>
+          <a:lstStyle/>
+          <a:p>
+            <a:r>
+              <a:rPr lang="fr-FR" sz="1400" dirty="0" smtClean="0"/>
+              <a:t>1 : Command and </a:t>
+            </a:r>
+            <a:r>
+              <a:rPr lang="fr-FR" sz="1400" dirty="0" err="1" smtClean="0"/>
+              <a:t>Controler</a:t>
+            </a:r>
+            <a:r>
+              <a:rPr lang="fr-FR" sz="1400" dirty="0" smtClean="0"/>
+              <a:t> center  </a:t>
+            </a:r>
+            <a:endParaRPr lang="fr-FR" sz="1400" dirty="0"/>
           </a:p>
         </p:txBody>
       </p:sp>
@@ -10946,7 +11119,7 @@
           <p:nvPr>
             <p:extLst>
               <p:ext uri="{D42A27DB-BD31-4B8C-83A1-F6EECF244321}">
-                <p14:modId xmlns:p14="http://schemas.microsoft.com/office/powerpoint/2010/main" val="2614095949"/>
+                <p14:modId xmlns:p14="http://schemas.microsoft.com/office/powerpoint/2010/main" val="2335120858"/>
               </p:ext>
             </p:extLst>
           </p:nvPr>
@@ -11049,7 +11222,7 @@
                           <a:ea typeface="+mn-ea"/>
                           <a:cs typeface="+mn-cs"/>
                         </a:rPr>
-                        <a:t>RandomWayPoint</a:t>
+                        <a:t>RandomWalk</a:t>
                       </a:r>
                       <a:endParaRPr kumimoji="0" lang="fr-FR" sz="1400" b="1" kern="1200" dirty="0">
                         <a:solidFill>
@@ -11618,8 +11791,2423 @@
         </p:nvSpPr>
         <p:spPr>
           <a:xfrm>
-            <a:off x="2483768" y="1772817"/>
-            <a:ext cx="6355432" cy="3600400"/>
+            <a:off x="2483768" y="1322936"/>
+            <a:ext cx="6355432" cy="4770360"/>
+          </a:xfrm>
+          <a:prstGeom prst="rect">
+            <a:avLst/>
+          </a:prstGeom>
+        </p:spPr>
+        <p:txBody>
+          <a:bodyPr>
+            <a:normAutofit fontScale="92500"/>
+          </a:bodyPr>
+          <a:lstStyle>
+            <a:lvl1pPr marL="342900" indent="-342900" algn="l" defTabSz="914400" rtl="0" eaLnBrk="1" latinLnBrk="0" hangingPunct="1">
+              <a:spcBef>
+                <a:spcPct val="20000"/>
+              </a:spcBef>
+              <a:buFont typeface="Arial" pitchFamily="34" charset="0"/>
+              <a:buChar char="•"/>
+              <a:defRPr kumimoji="0" lang="fr-FR" sz="2800" kern="1200">
+                <a:solidFill>
+                  <a:schemeClr val="tx1"/>
+                </a:solidFill>
+                <a:latin typeface="+mn-lt"/>
+                <a:ea typeface="+mn-ea"/>
+                <a:cs typeface="+mn-cs"/>
+              </a:defRPr>
+            </a:lvl1pPr>
+            <a:lvl2pPr marL="742950" indent="-285750" algn="l" defTabSz="914400" rtl="0" eaLnBrk="1" latinLnBrk="0" hangingPunct="1">
+              <a:spcBef>
+                <a:spcPct val="20000"/>
+              </a:spcBef>
+              <a:buFont typeface="Arial" pitchFamily="34" charset="0"/>
+              <a:buChar char="–"/>
+              <a:defRPr kumimoji="0" lang="fr-FR" sz="2400" kern="1200">
+                <a:solidFill>
+                  <a:schemeClr val="tx1"/>
+                </a:solidFill>
+                <a:latin typeface="+mn-lt"/>
+                <a:ea typeface="+mn-ea"/>
+                <a:cs typeface="+mn-cs"/>
+              </a:defRPr>
+            </a:lvl2pPr>
+            <a:lvl3pPr marL="1143000" indent="-228600" algn="l" defTabSz="914400" rtl="0" eaLnBrk="1" latinLnBrk="0" hangingPunct="1">
+              <a:spcBef>
+                <a:spcPct val="20000"/>
+              </a:spcBef>
+              <a:buFont typeface="Arial" pitchFamily="34" charset="0"/>
+              <a:buChar char="•"/>
+              <a:defRPr kumimoji="0" lang="fr-FR" sz="2000" kern="1200">
+                <a:solidFill>
+                  <a:schemeClr val="tx1"/>
+                </a:solidFill>
+                <a:latin typeface="+mn-lt"/>
+                <a:ea typeface="+mn-ea"/>
+                <a:cs typeface="+mn-cs"/>
+              </a:defRPr>
+            </a:lvl3pPr>
+            <a:lvl4pPr marL="1600200" indent="-228600" algn="l" defTabSz="914400" rtl="0" eaLnBrk="1" latinLnBrk="0" hangingPunct="1">
+              <a:spcBef>
+                <a:spcPct val="20000"/>
+              </a:spcBef>
+              <a:buFont typeface="Arial" pitchFamily="34" charset="0"/>
+              <a:buChar char="–"/>
+              <a:defRPr kumimoji="0" lang="fr-FR" sz="1800" kern="1200">
+                <a:solidFill>
+                  <a:schemeClr val="tx1"/>
+                </a:solidFill>
+                <a:latin typeface="+mn-lt"/>
+                <a:ea typeface="+mn-ea"/>
+                <a:cs typeface="+mn-cs"/>
+              </a:defRPr>
+            </a:lvl4pPr>
+            <a:lvl5pPr marL="2057400" indent="-228600" algn="l" defTabSz="914400" rtl="0" eaLnBrk="1" latinLnBrk="0" hangingPunct="1">
+              <a:spcBef>
+                <a:spcPct val="20000"/>
+              </a:spcBef>
+              <a:buFont typeface="Arial" pitchFamily="34" charset="0"/>
+              <a:buChar char="»"/>
+              <a:defRPr kumimoji="0" lang="fr-FR" sz="1800" kern="1200">
+                <a:solidFill>
+                  <a:schemeClr val="tx1"/>
+                </a:solidFill>
+                <a:latin typeface="+mn-lt"/>
+                <a:ea typeface="+mn-ea"/>
+                <a:cs typeface="+mn-cs"/>
+              </a:defRPr>
+            </a:lvl5pPr>
+            <a:lvl6pPr marL="2514600" indent="-228600" algn="l" defTabSz="914400" rtl="0" eaLnBrk="1" latinLnBrk="0" hangingPunct="1">
+              <a:spcBef>
+                <a:spcPct val="20000"/>
+              </a:spcBef>
+              <a:buFont typeface="Arial" pitchFamily="34" charset="0"/>
+              <a:buChar char="•"/>
+              <a:defRPr kumimoji="0" lang="fr-FR" sz="2000" kern="1200">
+                <a:solidFill>
+                  <a:schemeClr val="tx1"/>
+                </a:solidFill>
+                <a:latin typeface="+mn-lt"/>
+                <a:ea typeface="+mn-ea"/>
+                <a:cs typeface="+mn-cs"/>
+              </a:defRPr>
+            </a:lvl6pPr>
+            <a:lvl7pPr marL="2971800" indent="-228600" algn="l" defTabSz="914400" rtl="0" eaLnBrk="1" latinLnBrk="0" hangingPunct="1">
+              <a:spcBef>
+                <a:spcPct val="20000"/>
+              </a:spcBef>
+              <a:buFont typeface="Arial" pitchFamily="34" charset="0"/>
+              <a:buChar char="•"/>
+              <a:defRPr kumimoji="0" lang="fr-FR" sz="2000" kern="1200">
+                <a:solidFill>
+                  <a:schemeClr val="tx1"/>
+                </a:solidFill>
+                <a:latin typeface="+mn-lt"/>
+                <a:ea typeface="+mn-ea"/>
+                <a:cs typeface="+mn-cs"/>
+              </a:defRPr>
+            </a:lvl7pPr>
+            <a:lvl8pPr marL="3429000" indent="-228600" algn="l" defTabSz="914400" rtl="0" eaLnBrk="1" latinLnBrk="0" hangingPunct="1">
+              <a:spcBef>
+                <a:spcPct val="20000"/>
+              </a:spcBef>
+              <a:buFont typeface="Arial" pitchFamily="34" charset="0"/>
+              <a:buChar char="•"/>
+              <a:defRPr kumimoji="0" lang="fr-FR" sz="2000" kern="1200">
+                <a:solidFill>
+                  <a:schemeClr val="tx1"/>
+                </a:solidFill>
+                <a:latin typeface="+mn-lt"/>
+                <a:ea typeface="+mn-ea"/>
+                <a:cs typeface="+mn-cs"/>
+              </a:defRPr>
+            </a:lvl8pPr>
+            <a:lvl9pPr marL="3886200" indent="-228600" algn="l" defTabSz="914400" rtl="0" eaLnBrk="1" latinLnBrk="0" hangingPunct="1">
+              <a:spcBef>
+                <a:spcPct val="20000"/>
+              </a:spcBef>
+              <a:buFont typeface="Arial" pitchFamily="34" charset="0"/>
+              <a:buChar char="•"/>
+              <a:defRPr kumimoji="0" lang="fr-FR" sz="2000" kern="1200">
+                <a:solidFill>
+                  <a:schemeClr val="tx1"/>
+                </a:solidFill>
+                <a:latin typeface="+mn-lt"/>
+                <a:ea typeface="+mn-ea"/>
+                <a:cs typeface="+mn-cs"/>
+              </a:defRPr>
+            </a:lvl9pPr>
+          </a:lstStyle>
+          <a:p>
+            <a:pPr marL="457200" lvl="1" indent="0">
+              <a:buNone/>
+            </a:pPr>
+            <a:r>
+              <a:rPr lang="fr-FR" sz="3200" dirty="0" smtClean="0"/>
+              <a:t>Our point of </a:t>
+            </a:r>
+            <a:r>
+              <a:rPr lang="fr-FR" sz="3200" dirty="0" err="1" smtClean="0"/>
+              <a:t>view</a:t>
+            </a:r>
+            <a:r>
+              <a:rPr lang="fr-FR" sz="3200" dirty="0" smtClean="0"/>
+              <a:t> </a:t>
+            </a:r>
+            <a:r>
+              <a:rPr lang="fr-FR" sz="3200" dirty="0" smtClean="0"/>
+              <a:t>about l</a:t>
+            </a:r>
+            <a:r>
+              <a:rPr lang="fr-FR" sz="3200" dirty="0" smtClean="0"/>
+              <a:t>imitations</a:t>
+            </a:r>
+          </a:p>
+          <a:p>
+            <a:pPr marL="457200" lvl="1" indent="0">
+              <a:buNone/>
+            </a:pPr>
+            <a:endParaRPr lang="fr-FR" dirty="0" smtClean="0"/>
+          </a:p>
+          <a:p>
+            <a:pPr lvl="1">
+              <a:buFont typeface="Arial" panose="020B0604020202020204" pitchFamily="34" charset="0"/>
+              <a:buChar char="•"/>
+            </a:pPr>
+            <a:r>
+              <a:rPr lang="en-US" sz="2800" dirty="0"/>
+              <a:t>Speed and </a:t>
+            </a:r>
+            <a:r>
+              <a:rPr lang="en-US" sz="2800" dirty="0" smtClean="0"/>
+              <a:t>shift (direction)</a:t>
+            </a:r>
+          </a:p>
+          <a:p>
+            <a:pPr lvl="1">
+              <a:buFont typeface="Arial" panose="020B0604020202020204" pitchFamily="34" charset="0"/>
+              <a:buChar char="•"/>
+            </a:pPr>
+            <a:r>
+              <a:rPr lang="fr-FR" sz="2800" dirty="0" err="1" smtClean="0"/>
+              <a:t>Coverage</a:t>
+            </a:r>
+            <a:r>
+              <a:rPr lang="fr-FR" sz="2800" dirty="0" smtClean="0"/>
+              <a:t> </a:t>
+            </a:r>
+            <a:r>
+              <a:rPr lang="fr-FR" sz="2800" dirty="0"/>
+              <a:t>and </a:t>
+            </a:r>
+            <a:r>
+              <a:rPr lang="fr-FR" sz="2800" dirty="0" err="1"/>
+              <a:t>connectivity</a:t>
+            </a:r>
+            <a:r>
+              <a:rPr lang="fr-FR" sz="2800" dirty="0"/>
+              <a:t> of communications are </a:t>
+            </a:r>
+            <a:r>
+              <a:rPr lang="fr-FR" sz="2800" dirty="0" err="1"/>
+              <a:t>two</a:t>
+            </a:r>
+            <a:r>
+              <a:rPr lang="fr-FR" sz="2800" dirty="0"/>
+              <a:t> </a:t>
+            </a:r>
+            <a:r>
+              <a:rPr lang="fr-FR" sz="2800" dirty="0" err="1"/>
+              <a:t>conflicting</a:t>
+            </a:r>
+            <a:r>
+              <a:rPr lang="fr-FR" sz="2800" dirty="0"/>
+              <a:t> objectives</a:t>
+            </a:r>
+            <a:r>
+              <a:rPr lang="fr-FR" sz="2800" dirty="0" smtClean="0"/>
+              <a:t>.</a:t>
+            </a:r>
+          </a:p>
+          <a:p>
+            <a:pPr lvl="1">
+              <a:buFont typeface="Arial" panose="020B0604020202020204" pitchFamily="34" charset="0"/>
+              <a:buChar char="•"/>
+            </a:pPr>
+            <a:r>
+              <a:rPr lang="fr-FR" sz="2800" dirty="0" err="1" smtClean="0"/>
+              <a:t>Comparison</a:t>
+            </a:r>
+            <a:r>
+              <a:rPr lang="fr-FR" sz="2800" dirty="0" smtClean="0"/>
+              <a:t> </a:t>
+            </a:r>
+            <a:r>
+              <a:rPr lang="fr-FR" sz="2800" dirty="0" err="1" smtClean="0"/>
+              <a:t>between</a:t>
+            </a:r>
+            <a:r>
+              <a:rPr lang="fr-FR" sz="2800" dirty="0" smtClean="0"/>
+              <a:t> </a:t>
+            </a:r>
+            <a:r>
+              <a:rPr lang="fr-FR" sz="2800" dirty="0" err="1" smtClean="0"/>
+              <a:t>pheromone</a:t>
+            </a:r>
+            <a:r>
+              <a:rPr lang="fr-FR" sz="2800" dirty="0" smtClean="0"/>
+              <a:t> and </a:t>
+            </a:r>
+            <a:r>
+              <a:rPr lang="fr-FR" sz="2800" dirty="0" err="1" smtClean="0"/>
+              <a:t>random</a:t>
+            </a:r>
+            <a:r>
+              <a:rPr lang="fr-FR" sz="2800" dirty="0" smtClean="0"/>
+              <a:t> model not </a:t>
+            </a:r>
+            <a:r>
+              <a:rPr lang="fr-FR" sz="2800" dirty="0" err="1" smtClean="0"/>
+              <a:t>adapted</a:t>
+            </a:r>
+            <a:endParaRPr lang="fr-FR" sz="2800" dirty="0" smtClean="0"/>
+          </a:p>
+          <a:p>
+            <a:pPr lvl="1">
+              <a:buFont typeface="Arial" panose="020B0604020202020204" pitchFamily="34" charset="0"/>
+              <a:buChar char="•"/>
+            </a:pPr>
+            <a:r>
+              <a:rPr lang="fr-FR" sz="2800" dirty="0" smtClean="0"/>
+              <a:t>Communication </a:t>
+            </a:r>
+            <a:r>
+              <a:rPr lang="fr-FR" sz="2800" dirty="0" err="1" smtClean="0"/>
+              <a:t>between</a:t>
+            </a:r>
+            <a:r>
+              <a:rPr lang="fr-FR" sz="2800" dirty="0" smtClean="0"/>
+              <a:t> </a:t>
+            </a:r>
+            <a:r>
+              <a:rPr lang="fr-FR" sz="2800" dirty="0" err="1" smtClean="0"/>
+              <a:t>UAVs</a:t>
+            </a:r>
+            <a:r>
+              <a:rPr lang="fr-FR" sz="2800" dirty="0" smtClean="0"/>
+              <a:t> are </a:t>
+            </a:r>
+            <a:r>
+              <a:rPr lang="fr-FR" sz="2800" dirty="0" err="1" smtClean="0"/>
+              <a:t>unrealistic</a:t>
+            </a:r>
+            <a:endParaRPr lang="fr-FR" sz="2800" dirty="0" smtClean="0"/>
+          </a:p>
+          <a:p>
+            <a:pPr lvl="1">
+              <a:buFont typeface="Arial" panose="020B0604020202020204" pitchFamily="34" charset="0"/>
+              <a:buChar char="•"/>
+            </a:pPr>
+            <a:endParaRPr lang="fr-FR" sz="2800" dirty="0" smtClean="0"/>
+          </a:p>
+          <a:p>
+            <a:pPr lvl="1">
+              <a:buFont typeface="Arial" panose="020B0604020202020204" pitchFamily="34" charset="0"/>
+              <a:buChar char="•"/>
+            </a:pPr>
+            <a:endParaRPr lang="fr-FR" sz="2800" dirty="0"/>
+          </a:p>
+          <a:p>
+            <a:pPr lvl="1">
+              <a:buFont typeface="Arial" panose="020B0604020202020204" pitchFamily="34" charset="0"/>
+              <a:buChar char="•"/>
+            </a:pPr>
+            <a:endParaRPr lang="fr-FR" dirty="0" smtClean="0"/>
+          </a:p>
+          <a:p>
+            <a:pPr marL="457200" lvl="1" indent="0">
+              <a:buNone/>
+            </a:pPr>
+            <a:endParaRPr lang="fr-FR" dirty="0"/>
+          </a:p>
+        </p:txBody>
+      </p:sp>
+      <p:sp>
+        <p:nvSpPr>
+          <p:cNvPr id="3" name="Espace réservé du pied de page 2"/>
+          <p:cNvSpPr>
+            <a:spLocks noGrp="1"/>
+          </p:cNvSpPr>
+          <p:nvPr>
+            <p:ph type="ftr" sz="quarter" idx="11"/>
+          </p:nvPr>
+        </p:nvSpPr>
+        <p:spPr/>
+        <p:txBody>
+          <a:bodyPr/>
+          <a:lstStyle/>
+          <a:p>
+            <a:r>
+              <a:rPr kumimoji="0" lang="fr-FR" smtClean="0"/>
+              <a:t>Master 2 – Computer Science – Authors : fcastagn, jetcheve, hpaziews, altessie &amp; mtesta</a:t>
+            </a:r>
+            <a:endParaRPr kumimoji="0" lang="fr-FR"/>
+          </a:p>
+        </p:txBody>
+      </p:sp>
+    </p:spTree>
+    <p:extLst>
+      <p:ext uri="{BB962C8B-B14F-4D97-AF65-F5344CB8AC3E}">
+        <p14:creationId xmlns:p14="http://schemas.microsoft.com/office/powerpoint/2010/main" val="3618246336"/>
+      </p:ext>
+    </p:extLst>
+  </p:cSld>
+  <p:clrMapOvr>
+    <a:masterClrMapping/>
+  </p:clrMapOvr>
+  <p:transition spd="slow">
+    <p:push dir="u"/>
+  </p:transition>
+  <p:timing>
+    <p:tnLst>
+      <p:par>
+        <p:cTn id="1" dur="indefinite" restart="never" nodeType="tmRoot"/>
+      </p:par>
+    </p:tnLst>
+  </p:timing>
+</p:sld>
+</file>
+
+<file path=ppt/slides/slide16.xml><?xml version="1.0" encoding="utf-8"?>
+<p:sld xmlns:a="http://schemas.openxmlformats.org/drawingml/2006/main" xmlns:r="http://schemas.openxmlformats.org/officeDocument/2006/relationships" xmlns:p="http://schemas.openxmlformats.org/presentationml/2006/main">
+  <p:cSld>
+    <p:spTree>
+      <p:nvGrpSpPr>
+        <p:cNvPr id="1" name=""/>
+        <p:cNvGrpSpPr/>
+        <p:nvPr/>
+      </p:nvGrpSpPr>
+      <p:grpSpPr>
+        <a:xfrm>
+          <a:off x="0" y="0"/>
+          <a:ext cx="0" cy="0"/>
+          <a:chOff x="0" y="0"/>
+          <a:chExt cx="0" cy="0"/>
+        </a:xfrm>
+      </p:grpSpPr>
+      <p:pic>
+        <p:nvPicPr>
+          <p:cNvPr id="6" name="Picture 5"/>
+          <p:cNvPicPr>
+            <a:picLocks noChangeAspect="1"/>
+          </p:cNvPicPr>
+          <p:nvPr/>
+        </p:nvPicPr>
+        <p:blipFill>
+          <a:blip r:embed="rId4" cstate="email">
+            <a:extLst>
+              <a:ext uri="{28A0092B-C50C-407E-A947-70E740481C1C}">
+                <a14:useLocalDpi xmlns:a14="http://schemas.microsoft.com/office/drawing/2010/main"/>
+              </a:ext>
+            </a:extLst>
+          </a:blip>
+          <a:stretch>
+            <a:fillRect/>
+          </a:stretch>
+        </p:blipFill>
+        <p:spPr>
+          <a:xfrm>
+            <a:off x="-4963332" y="-6858000"/>
+            <a:ext cx="7765662" cy="16476125"/>
+          </a:xfrm>
+          <a:prstGeom prst="rect">
+            <a:avLst/>
+          </a:prstGeom>
+        </p:spPr>
+      </p:pic>
+      <p:pic>
+        <p:nvPicPr>
+          <p:cNvPr id="13" name="Picture 12"/>
+          <p:cNvPicPr>
+            <a:picLocks noChangeAspect="1"/>
+          </p:cNvPicPr>
+          <p:nvPr/>
+        </p:nvPicPr>
+        <p:blipFill rotWithShape="1">
+          <a:blip r:embed="rId5" cstate="email">
+            <a:extLst>
+              <a:ext uri="{28A0092B-C50C-407E-A947-70E740481C1C}">
+                <a14:useLocalDpi xmlns:a14="http://schemas.microsoft.com/office/drawing/2010/main"/>
+              </a:ext>
+            </a:extLst>
+          </a:blip>
+          <a:srcRect/>
+          <a:stretch/>
+        </p:blipFill>
+        <p:spPr>
+          <a:xfrm rot="20753331" flipH="1">
+            <a:off x="-316180" y="3775286"/>
+            <a:ext cx="2895600" cy="3390489"/>
+          </a:xfrm>
+          <a:prstGeom prst="rect">
+            <a:avLst/>
+          </a:prstGeom>
+        </p:spPr>
+      </p:pic>
+      <p:sp>
+        <p:nvSpPr>
+          <p:cNvPr id="2" name="Espace réservé du numéro de diapositive 1"/>
+          <p:cNvSpPr>
+            <a:spLocks noGrp="1"/>
+          </p:cNvSpPr>
+          <p:nvPr>
+            <p:ph type="sldNum" sz="quarter" idx="12"/>
+          </p:nvPr>
+        </p:nvSpPr>
+        <p:spPr/>
+        <p:txBody>
+          <a:bodyPr/>
+          <a:lstStyle/>
+          <a:p>
+            <a:fld id="{33D6E5A2-EC83-451F-A719-9AC1370DD5CF}" type="slidenum">
+              <a:rPr lang="fr-FR" smtClean="0"/>
+              <a:pPr/>
+              <a:t>16</a:t>
+            </a:fld>
+            <a:r>
+              <a:rPr lang="fr-FR" dirty="0" smtClean="0"/>
+              <a:t>/26</a:t>
+            </a:r>
+            <a:endParaRPr lang="fr-FR" dirty="0"/>
+          </a:p>
+        </p:txBody>
+      </p:sp>
+      <p:sp>
+        <p:nvSpPr>
+          <p:cNvPr id="8" name="Title 1"/>
+          <p:cNvSpPr txBox="1">
+            <a:spLocks/>
+          </p:cNvSpPr>
+          <p:nvPr>
+            <p:custDataLst>
+              <p:tags r:id="rId1"/>
+            </p:custDataLst>
+          </p:nvPr>
+        </p:nvSpPr>
+        <p:spPr>
+          <a:xfrm>
+            <a:off x="771663" y="152455"/>
+            <a:ext cx="8077200" cy="903535"/>
+          </a:xfrm>
+          <a:prstGeom prst="rect">
+            <a:avLst/>
+          </a:prstGeom>
+        </p:spPr>
+        <p:txBody>
+          <a:bodyPr>
+            <a:normAutofit/>
+          </a:bodyPr>
+          <a:lstStyle>
+            <a:lvl1pPr algn="l" defTabSz="914400" rtl="0" eaLnBrk="1" latinLnBrk="0" hangingPunct="1">
+              <a:spcBef>
+                <a:spcPct val="0"/>
+              </a:spcBef>
+              <a:buNone/>
+              <a:defRPr kumimoji="0" lang="fr-FR" sz="4400" kern="1200">
+                <a:solidFill>
+                  <a:schemeClr val="tx1"/>
+                </a:solidFill>
+                <a:latin typeface="+mj-lt"/>
+                <a:ea typeface="+mj-ea"/>
+                <a:cs typeface="+mj-cs"/>
+              </a:defRPr>
+            </a:lvl1pPr>
+          </a:lstStyle>
+          <a:p>
+            <a:pPr algn="ctr"/>
+            <a:r>
+              <a:rPr lang="fr-FR" dirty="0" err="1"/>
+              <a:t>Comparison</a:t>
+            </a:r>
+            <a:r>
+              <a:rPr lang="fr-FR" dirty="0"/>
+              <a:t> of 2 </a:t>
+            </a:r>
+            <a:r>
+              <a:rPr lang="fr-FR" dirty="0" err="1"/>
+              <a:t>models</a:t>
+            </a:r>
+            <a:endParaRPr lang="fr-FR" dirty="0"/>
+          </a:p>
+        </p:txBody>
+      </p:sp>
+      <p:sp>
+        <p:nvSpPr>
+          <p:cNvPr id="3" name="Espace réservé du pied de page 2"/>
+          <p:cNvSpPr>
+            <a:spLocks noGrp="1"/>
+          </p:cNvSpPr>
+          <p:nvPr>
+            <p:ph type="ftr" sz="quarter" idx="11"/>
+          </p:nvPr>
+        </p:nvSpPr>
+        <p:spPr>
+          <a:xfrm>
+            <a:off x="2699792" y="6448251"/>
+            <a:ext cx="5256584" cy="365125"/>
+          </a:xfrm>
+        </p:spPr>
+        <p:txBody>
+          <a:bodyPr/>
+          <a:lstStyle/>
+          <a:p>
+            <a:r>
+              <a:rPr kumimoji="0" lang="fr-FR" dirty="0" smtClean="0"/>
+              <a:t>Master 2 – Computer Science – </a:t>
+            </a:r>
+            <a:r>
+              <a:rPr kumimoji="0" lang="fr-FR" dirty="0" err="1" smtClean="0"/>
+              <a:t>Authors</a:t>
+            </a:r>
+            <a:r>
+              <a:rPr kumimoji="0" lang="fr-FR" dirty="0" smtClean="0"/>
+              <a:t> : </a:t>
+            </a:r>
+          </a:p>
+          <a:p>
+            <a:r>
+              <a:rPr kumimoji="0" lang="fr-FR" dirty="0" err="1" smtClean="0"/>
+              <a:t>fcastagn</a:t>
+            </a:r>
+            <a:r>
+              <a:rPr kumimoji="0" lang="fr-FR" dirty="0" smtClean="0"/>
+              <a:t>, </a:t>
+            </a:r>
+            <a:r>
+              <a:rPr kumimoji="0" lang="fr-FR" dirty="0" err="1" smtClean="0"/>
+              <a:t>jetcheve</a:t>
+            </a:r>
+            <a:r>
+              <a:rPr kumimoji="0" lang="fr-FR" dirty="0" smtClean="0"/>
+              <a:t>, </a:t>
+            </a:r>
+            <a:r>
+              <a:rPr kumimoji="0" lang="fr-FR" dirty="0" err="1" smtClean="0"/>
+              <a:t>hpaziews</a:t>
+            </a:r>
+            <a:r>
+              <a:rPr kumimoji="0" lang="fr-FR" dirty="0" smtClean="0"/>
+              <a:t>, </a:t>
+            </a:r>
+            <a:r>
+              <a:rPr kumimoji="0" lang="fr-FR" dirty="0" err="1" smtClean="0"/>
+              <a:t>altessie</a:t>
+            </a:r>
+            <a:r>
+              <a:rPr kumimoji="0" lang="fr-FR" dirty="0" smtClean="0"/>
+              <a:t> &amp; </a:t>
+            </a:r>
+            <a:r>
+              <a:rPr kumimoji="0" lang="fr-FR" dirty="0" err="1" smtClean="0"/>
+              <a:t>mtesta</a:t>
+            </a:r>
+            <a:endParaRPr kumimoji="0" lang="fr-FR" dirty="0"/>
+          </a:p>
+        </p:txBody>
+      </p:sp>
+      <p:pic>
+        <p:nvPicPr>
+          <p:cNvPr id="10" name="Picture 3"/>
+          <p:cNvPicPr>
+            <a:picLocks noChangeAspect="1" noChangeArrowheads="1"/>
+          </p:cNvPicPr>
+          <p:nvPr/>
+        </p:nvPicPr>
+        <p:blipFill>
+          <a:blip r:embed="rId6" cstate="email">
+            <a:extLst>
+              <a:ext uri="{28A0092B-C50C-407E-A947-70E740481C1C}">
+                <a14:useLocalDpi xmlns:a14="http://schemas.microsoft.com/office/drawing/2010/main" val="0"/>
+              </a:ext>
+            </a:extLst>
+          </a:blip>
+          <a:srcRect/>
+          <a:stretch>
+            <a:fillRect/>
+          </a:stretch>
+        </p:blipFill>
+        <p:spPr bwMode="auto">
+          <a:xfrm>
+            <a:off x="2847729" y="3140968"/>
+            <a:ext cx="4329844" cy="946445"/>
+          </a:xfrm>
+          <a:prstGeom prst="rect">
+            <a:avLst/>
+          </a:prstGeom>
+          <a:noFill/>
+          <a:ln>
+            <a:noFill/>
+          </a:ln>
+          <a:extLst>
+            <a:ext uri="{909E8E84-426E-40DD-AFC4-6F175D3DCCD1}">
+              <a14:hiddenFill xmlns:a14="http://schemas.microsoft.com/office/drawing/2010/main">
+                <a:solidFill>
+                  <a:schemeClr val="accent1"/>
+                </a:solidFill>
+              </a14:hiddenFill>
+            </a:ext>
+            <a:ext uri="{91240B29-F687-4F45-9708-019B960494DF}">
+              <a14:hiddenLine xmlns:a14="http://schemas.microsoft.com/office/drawing/2010/main" w="9525">
+                <a:solidFill>
+                  <a:schemeClr val="tx1"/>
+                </a:solidFill>
+                <a:miter lim="800000"/>
+                <a:headEnd/>
+                <a:tailEnd/>
+              </a14:hiddenLine>
+            </a:ext>
+          </a:extLst>
+        </p:spPr>
+      </p:pic>
+      <p:sp>
+        <p:nvSpPr>
+          <p:cNvPr id="15" name="ZoneTexte 14"/>
+          <p:cNvSpPr txBox="1"/>
+          <p:nvPr/>
+        </p:nvSpPr>
+        <p:spPr>
+          <a:xfrm>
+            <a:off x="2587346" y="1556792"/>
+            <a:ext cx="4752528" cy="1354217"/>
+          </a:xfrm>
+          <a:prstGeom prst="rect">
+            <a:avLst/>
+          </a:prstGeom>
+          <a:noFill/>
+        </p:spPr>
+        <p:txBody>
+          <a:bodyPr wrap="square" rtlCol="0">
+            <a:spAutoFit/>
+          </a:bodyPr>
+          <a:lstStyle/>
+          <a:p>
+            <a:r>
+              <a:rPr lang="fr-FR" sz="2400" i="1" u="sng" dirty="0" smtClean="0"/>
+              <a:t>Scan </a:t>
+            </a:r>
+            <a:r>
+              <a:rPr lang="fr-FR" sz="2400" i="1" u="sng" dirty="0" err="1" smtClean="0"/>
+              <a:t>characteristic</a:t>
+            </a:r>
+            <a:endParaRPr lang="fr-FR" sz="2400" i="1" u="sng" dirty="0" smtClean="0"/>
+          </a:p>
+          <a:p>
+            <a:endParaRPr lang="fr-FR" dirty="0"/>
+          </a:p>
+          <a:p>
+            <a:r>
+              <a:rPr lang="fr-FR" sz="2000" dirty="0" err="1" smtClean="0"/>
+              <a:t>Both</a:t>
+            </a:r>
+            <a:r>
+              <a:rPr lang="fr-FR" sz="2000" dirty="0" smtClean="0"/>
+              <a:t> </a:t>
+            </a:r>
+            <a:r>
+              <a:rPr lang="fr-FR" sz="2000" dirty="0" err="1" smtClean="0"/>
+              <a:t>models</a:t>
+            </a:r>
+            <a:r>
+              <a:rPr lang="fr-FR" sz="2000" dirty="0" smtClean="0"/>
+              <a:t> manage </a:t>
+            </a:r>
+            <a:r>
+              <a:rPr lang="fr-FR" sz="2000" dirty="0" err="1" smtClean="0"/>
+              <a:t>quite</a:t>
+            </a:r>
+            <a:r>
+              <a:rPr lang="fr-FR" sz="2000" dirty="0" smtClean="0"/>
+              <a:t> </a:t>
+            </a:r>
+            <a:r>
+              <a:rPr lang="fr-FR" sz="2000" dirty="0" err="1" smtClean="0"/>
+              <a:t>well</a:t>
+            </a:r>
+            <a:r>
+              <a:rPr lang="fr-FR" sz="2000" dirty="0" smtClean="0"/>
+              <a:t> to </a:t>
+            </a:r>
+            <a:r>
+              <a:rPr lang="fr-FR" sz="2000" dirty="0" err="1" smtClean="0"/>
+              <a:t>avoid</a:t>
+            </a:r>
+            <a:r>
+              <a:rPr lang="fr-FR" sz="2000" dirty="0" smtClean="0"/>
+              <a:t> </a:t>
+            </a:r>
+            <a:r>
+              <a:rPr lang="fr-FR" sz="2000" dirty="0" err="1" smtClean="0"/>
+              <a:t>rescanning</a:t>
+            </a:r>
+            <a:r>
+              <a:rPr lang="fr-FR" sz="2000" dirty="0" smtClean="0"/>
+              <a:t> a </a:t>
+            </a:r>
+            <a:r>
+              <a:rPr lang="fr-FR" sz="2000" dirty="0" err="1" smtClean="0"/>
+              <a:t>recently</a:t>
+            </a:r>
+            <a:r>
+              <a:rPr lang="fr-FR" sz="2000" dirty="0" smtClean="0"/>
+              <a:t> </a:t>
+            </a:r>
+            <a:r>
+              <a:rPr lang="fr-FR" sz="2000" dirty="0" err="1" smtClean="0"/>
+              <a:t>scanned</a:t>
+            </a:r>
+            <a:r>
+              <a:rPr lang="fr-FR" sz="2000" dirty="0" smtClean="0"/>
+              <a:t> area.</a:t>
+            </a:r>
+          </a:p>
+        </p:txBody>
+      </p:sp>
+      <p:sp>
+        <p:nvSpPr>
+          <p:cNvPr id="17" name="TextShape 5"/>
+          <p:cNvSpPr txBox="1"/>
+          <p:nvPr/>
+        </p:nvSpPr>
+        <p:spPr>
+          <a:xfrm>
+            <a:off x="2802330" y="4365003"/>
+            <a:ext cx="5615928" cy="520200"/>
+          </a:xfrm>
+          <a:prstGeom prst="rect">
+            <a:avLst/>
+          </a:prstGeom>
+        </p:spPr>
+        <p:txBody>
+          <a:bodyPr wrap="none" lIns="90000" tIns="45000" rIns="90000" bIns="45000"/>
+          <a:lstStyle/>
+          <a:p>
+            <a:r>
+              <a:rPr lang="fr-FR" sz="1500" b="1" i="1" dirty="0" err="1"/>
+              <a:t>From</a:t>
+            </a:r>
+            <a:r>
+              <a:rPr lang="fr-FR" sz="1500" b="1" i="1" dirty="0"/>
+              <a:t> :</a:t>
+            </a:r>
+            <a:r>
+              <a:rPr lang="fr-FR" sz="1500" dirty="0"/>
+              <a:t> </a:t>
+            </a:r>
+            <a:r>
+              <a:rPr lang="fr-FR" sz="1500" dirty="0">
+                <a:latin typeface="Arial"/>
+                <a:ea typeface="Arial"/>
+              </a:rPr>
+              <a:t>“</a:t>
+            </a:r>
+            <a:r>
+              <a:rPr lang="fr-FR" sz="1500" i="1" dirty="0" err="1"/>
+              <a:t>Mobility</a:t>
+            </a:r>
+            <a:r>
+              <a:rPr lang="fr-FR" sz="1500" i="1" dirty="0"/>
+              <a:t> </a:t>
+            </a:r>
+            <a:r>
+              <a:rPr lang="fr-FR" sz="1500" i="1" dirty="0" err="1"/>
+              <a:t>Models</a:t>
+            </a:r>
+            <a:r>
+              <a:rPr lang="fr-FR" sz="1500" i="1" dirty="0"/>
+              <a:t> for UAV Group Reconnaissance Applications</a:t>
+            </a:r>
+            <a:r>
+              <a:rPr lang="fr-FR" sz="1500" i="1" dirty="0">
+                <a:latin typeface="Arial"/>
+                <a:ea typeface="Arial"/>
+              </a:rPr>
+              <a:t>”</a:t>
+            </a:r>
+            <a:endParaRPr dirty="0"/>
+          </a:p>
+          <a:p>
+            <a:r>
+              <a:rPr lang="fr-FR" sz="1500" b="1" i="1" dirty="0">
+                <a:latin typeface="Calibri (Corps)"/>
+                <a:ea typeface="Arial"/>
+              </a:rPr>
+              <a:t>By :</a:t>
+            </a:r>
+            <a:r>
+              <a:rPr lang="fr-FR" sz="1500" i="1" dirty="0">
+                <a:latin typeface="Calibri (Corps)"/>
+                <a:ea typeface="Arial"/>
+              </a:rPr>
+              <a:t> </a:t>
+            </a:r>
+            <a:r>
+              <a:rPr lang="fr-FR" sz="1500" i="1" dirty="0" smtClean="0">
+                <a:latin typeface="Calibri (Corps)"/>
+                <a:ea typeface="Arial"/>
+              </a:rPr>
+              <a:t>E</a:t>
+            </a:r>
+            <a:r>
+              <a:rPr lang="fr-FR" sz="1500" i="1" dirty="0">
+                <a:latin typeface="Calibri (Corps)"/>
+                <a:ea typeface="Arial"/>
+              </a:rPr>
+              <a:t>. Kuiper and S. </a:t>
+            </a:r>
+            <a:r>
+              <a:rPr lang="fr-FR" sz="1500" i="1" dirty="0" err="1">
+                <a:latin typeface="Calibri (Corps)"/>
+                <a:ea typeface="Arial"/>
+              </a:rPr>
+              <a:t>Nadjm</a:t>
+            </a:r>
+            <a:r>
+              <a:rPr lang="fr-FR" sz="1500" i="1" dirty="0">
+                <a:latin typeface="Calibri (Corps)"/>
+                <a:ea typeface="Arial"/>
+              </a:rPr>
+              <a:t>-Tehrani. </a:t>
+            </a:r>
+            <a:endParaRPr dirty="0">
+              <a:latin typeface="Calibri (Corps)"/>
+            </a:endParaRPr>
+          </a:p>
+        </p:txBody>
+      </p:sp>
+    </p:spTree>
+    <p:extLst>
+      <p:ext uri="{BB962C8B-B14F-4D97-AF65-F5344CB8AC3E}">
+        <p14:creationId xmlns:p14="http://schemas.microsoft.com/office/powerpoint/2010/main" val="1942935411"/>
+      </p:ext>
+    </p:extLst>
+  </p:cSld>
+  <p:clrMapOvr>
+    <a:masterClrMapping/>
+  </p:clrMapOvr>
+  <p:transition spd="slow">
+    <p:push dir="u"/>
+  </p:transition>
+  <p:timing>
+    <p:tnLst>
+      <p:par>
+        <p:cTn id="1" dur="indefinite" restart="never" nodeType="tmRoot"/>
+      </p:par>
+    </p:tnLst>
+  </p:timing>
+</p:sld>
+</file>
+
+<file path=ppt/slides/slide17.xml><?xml version="1.0" encoding="utf-8"?>
+<p:sld xmlns:a="http://schemas.openxmlformats.org/drawingml/2006/main" xmlns:r="http://schemas.openxmlformats.org/officeDocument/2006/relationships" xmlns:p="http://schemas.openxmlformats.org/presentationml/2006/main">
+  <p:cSld>
+    <p:spTree>
+      <p:nvGrpSpPr>
+        <p:cNvPr id="1" name=""/>
+        <p:cNvGrpSpPr/>
+        <p:nvPr/>
+      </p:nvGrpSpPr>
+      <p:grpSpPr>
+        <a:xfrm>
+          <a:off x="0" y="0"/>
+          <a:ext cx="0" cy="0"/>
+          <a:chOff x="0" y="0"/>
+          <a:chExt cx="0" cy="0"/>
+        </a:xfrm>
+      </p:grpSpPr>
+      <p:pic>
+        <p:nvPicPr>
+          <p:cNvPr id="6" name="Picture 5"/>
+          <p:cNvPicPr>
+            <a:picLocks noChangeAspect="1"/>
+          </p:cNvPicPr>
+          <p:nvPr/>
+        </p:nvPicPr>
+        <p:blipFill>
+          <a:blip r:embed="rId4" cstate="email">
+            <a:extLst>
+              <a:ext uri="{28A0092B-C50C-407E-A947-70E740481C1C}">
+                <a14:useLocalDpi xmlns:a14="http://schemas.microsoft.com/office/drawing/2010/main"/>
+              </a:ext>
+            </a:extLst>
+          </a:blip>
+          <a:stretch>
+            <a:fillRect/>
+          </a:stretch>
+        </p:blipFill>
+        <p:spPr>
+          <a:xfrm>
+            <a:off x="-4963332" y="-6858000"/>
+            <a:ext cx="7765662" cy="16476125"/>
+          </a:xfrm>
+          <a:prstGeom prst="rect">
+            <a:avLst/>
+          </a:prstGeom>
+        </p:spPr>
+      </p:pic>
+      <p:pic>
+        <p:nvPicPr>
+          <p:cNvPr id="13" name="Picture 12"/>
+          <p:cNvPicPr>
+            <a:picLocks noChangeAspect="1"/>
+          </p:cNvPicPr>
+          <p:nvPr/>
+        </p:nvPicPr>
+        <p:blipFill rotWithShape="1">
+          <a:blip r:embed="rId5" cstate="email">
+            <a:extLst>
+              <a:ext uri="{28A0092B-C50C-407E-A947-70E740481C1C}">
+                <a14:useLocalDpi xmlns:a14="http://schemas.microsoft.com/office/drawing/2010/main"/>
+              </a:ext>
+            </a:extLst>
+          </a:blip>
+          <a:srcRect/>
+          <a:stretch/>
+        </p:blipFill>
+        <p:spPr>
+          <a:xfrm rot="20753331" flipH="1">
+            <a:off x="-316178" y="3748237"/>
+            <a:ext cx="2895600" cy="3390489"/>
+          </a:xfrm>
+          <a:prstGeom prst="rect">
+            <a:avLst/>
+          </a:prstGeom>
+        </p:spPr>
+      </p:pic>
+      <p:sp>
+        <p:nvSpPr>
+          <p:cNvPr id="2" name="Espace réservé du numéro de diapositive 1"/>
+          <p:cNvSpPr>
+            <a:spLocks noGrp="1"/>
+          </p:cNvSpPr>
+          <p:nvPr>
+            <p:ph type="sldNum" sz="quarter" idx="12"/>
+          </p:nvPr>
+        </p:nvSpPr>
+        <p:spPr/>
+        <p:txBody>
+          <a:bodyPr/>
+          <a:lstStyle/>
+          <a:p>
+            <a:fld id="{33D6E5A2-EC83-451F-A719-9AC1370DD5CF}" type="slidenum">
+              <a:rPr lang="fr-FR" smtClean="0"/>
+              <a:pPr/>
+              <a:t>17</a:t>
+            </a:fld>
+            <a:r>
+              <a:rPr lang="fr-FR" dirty="0" smtClean="0"/>
+              <a:t>/26</a:t>
+            </a:r>
+            <a:endParaRPr lang="fr-FR" dirty="0"/>
+          </a:p>
+        </p:txBody>
+      </p:sp>
+      <p:sp>
+        <p:nvSpPr>
+          <p:cNvPr id="8" name="Title 1"/>
+          <p:cNvSpPr txBox="1">
+            <a:spLocks/>
+          </p:cNvSpPr>
+          <p:nvPr>
+            <p:custDataLst>
+              <p:tags r:id="rId1"/>
+            </p:custDataLst>
+          </p:nvPr>
+        </p:nvSpPr>
+        <p:spPr>
+          <a:xfrm>
+            <a:off x="683568" y="188640"/>
+            <a:ext cx="8077200" cy="711096"/>
+          </a:xfrm>
+          <a:prstGeom prst="rect">
+            <a:avLst/>
+          </a:prstGeom>
+        </p:spPr>
+        <p:txBody>
+          <a:bodyPr>
+            <a:normAutofit lnSpcReduction="10000"/>
+          </a:bodyPr>
+          <a:lstStyle>
+            <a:lvl1pPr algn="l" defTabSz="914400" rtl="0" eaLnBrk="1" latinLnBrk="0" hangingPunct="1">
+              <a:spcBef>
+                <a:spcPct val="0"/>
+              </a:spcBef>
+              <a:buNone/>
+              <a:defRPr kumimoji="0" lang="fr-FR" sz="4400" kern="1200">
+                <a:solidFill>
+                  <a:schemeClr val="tx1"/>
+                </a:solidFill>
+                <a:latin typeface="+mj-lt"/>
+                <a:ea typeface="+mj-ea"/>
+                <a:cs typeface="+mj-cs"/>
+              </a:defRPr>
+            </a:lvl1pPr>
+          </a:lstStyle>
+          <a:p>
+            <a:pPr algn="ctr"/>
+            <a:r>
+              <a:rPr lang="fr-FR" dirty="0"/>
+              <a:t>Our </a:t>
+            </a:r>
+            <a:r>
+              <a:rPr lang="fr-FR" dirty="0" err="1"/>
+              <a:t>Implementation</a:t>
+            </a:r>
+            <a:endParaRPr lang="fr-FR" dirty="0"/>
+          </a:p>
+        </p:txBody>
+      </p:sp>
+      <p:sp>
+        <p:nvSpPr>
+          <p:cNvPr id="9" name="Espace réservé du pied de page 8"/>
+          <p:cNvSpPr>
+            <a:spLocks noGrp="1"/>
+          </p:cNvSpPr>
+          <p:nvPr>
+            <p:ph type="ftr" sz="quarter" idx="11"/>
+          </p:nvPr>
+        </p:nvSpPr>
+        <p:spPr>
+          <a:xfrm>
+            <a:off x="3203848" y="6356350"/>
+            <a:ext cx="2895600" cy="365125"/>
+          </a:xfrm>
+        </p:spPr>
+        <p:txBody>
+          <a:bodyPr/>
+          <a:lstStyle/>
+          <a:p>
+            <a:r>
+              <a:rPr kumimoji="0" lang="fr-FR" dirty="0" smtClean="0"/>
+              <a:t>Master 2 – Computer Science – </a:t>
+            </a:r>
+            <a:r>
+              <a:rPr kumimoji="0" lang="fr-FR" dirty="0" err="1" smtClean="0"/>
+              <a:t>Authors</a:t>
+            </a:r>
+            <a:r>
+              <a:rPr kumimoji="0" lang="fr-FR" dirty="0" smtClean="0"/>
+              <a:t> : </a:t>
+            </a:r>
+            <a:r>
+              <a:rPr kumimoji="0" lang="fr-FR" dirty="0" err="1" smtClean="0"/>
+              <a:t>fcastagn</a:t>
+            </a:r>
+            <a:r>
+              <a:rPr kumimoji="0" lang="fr-FR" dirty="0" smtClean="0"/>
+              <a:t>, </a:t>
+            </a:r>
+            <a:r>
+              <a:rPr kumimoji="0" lang="fr-FR" dirty="0" err="1" smtClean="0"/>
+              <a:t>jetcheve</a:t>
+            </a:r>
+            <a:r>
+              <a:rPr kumimoji="0" lang="fr-FR" dirty="0" smtClean="0"/>
+              <a:t>, </a:t>
+            </a:r>
+            <a:r>
+              <a:rPr kumimoji="0" lang="fr-FR" dirty="0" err="1" smtClean="0"/>
+              <a:t>hpaziews</a:t>
+            </a:r>
+            <a:r>
+              <a:rPr kumimoji="0" lang="fr-FR" dirty="0" smtClean="0"/>
+              <a:t>, </a:t>
+            </a:r>
+            <a:r>
+              <a:rPr kumimoji="0" lang="fr-FR" dirty="0" err="1" smtClean="0"/>
+              <a:t>altessie</a:t>
+            </a:r>
+            <a:r>
+              <a:rPr kumimoji="0" lang="fr-FR" dirty="0" smtClean="0"/>
+              <a:t> &amp; </a:t>
+            </a:r>
+            <a:r>
+              <a:rPr kumimoji="0" lang="fr-FR" dirty="0" err="1" smtClean="0"/>
+              <a:t>mtesta</a:t>
+            </a:r>
+            <a:endParaRPr kumimoji="0" lang="fr-FR" dirty="0"/>
+          </a:p>
+        </p:txBody>
+      </p:sp>
+      <p:sp>
+        <p:nvSpPr>
+          <p:cNvPr id="3" name="ZoneTexte 2"/>
+          <p:cNvSpPr txBox="1"/>
+          <p:nvPr/>
+        </p:nvSpPr>
+        <p:spPr>
+          <a:xfrm>
+            <a:off x="1619673" y="2524213"/>
+            <a:ext cx="4479776" cy="1938992"/>
+          </a:xfrm>
+          <a:prstGeom prst="rect">
+            <a:avLst/>
+          </a:prstGeom>
+          <a:noFill/>
+        </p:spPr>
+        <p:txBody>
+          <a:bodyPr wrap="square" rtlCol="0">
+            <a:spAutoFit/>
+          </a:bodyPr>
+          <a:lstStyle/>
+          <a:p>
+            <a:pPr marL="285750" indent="-285750">
+              <a:buFont typeface="Arial" panose="020B0604020202020204" pitchFamily="34" charset="0"/>
+              <a:buChar char="•"/>
+            </a:pPr>
+            <a:r>
+              <a:rPr lang="fr-FR" sz="2400" dirty="0" err="1"/>
+              <a:t>Everything</a:t>
+            </a:r>
+            <a:r>
+              <a:rPr lang="fr-FR" sz="2400" dirty="0"/>
+              <a:t> </a:t>
+            </a:r>
+            <a:r>
+              <a:rPr lang="fr-FR" sz="2400" dirty="0" err="1"/>
+              <a:t>was</a:t>
+            </a:r>
+            <a:r>
+              <a:rPr lang="fr-FR" sz="2400" dirty="0"/>
+              <a:t> </a:t>
+            </a:r>
+            <a:r>
+              <a:rPr lang="fr-FR" sz="2400" dirty="0" err="1" smtClean="0"/>
+              <a:t>done</a:t>
+            </a:r>
+            <a:endParaRPr lang="fr-FR" sz="2400" dirty="0" smtClean="0"/>
+          </a:p>
+          <a:p>
+            <a:pPr marL="285750" indent="-285750">
+              <a:buFont typeface="Arial" panose="020B0604020202020204" pitchFamily="34" charset="0"/>
+              <a:buChar char="•"/>
+            </a:pPr>
+            <a:r>
+              <a:rPr lang="fr-FR" sz="2400" dirty="0" smtClean="0"/>
+              <a:t>10 </a:t>
+            </a:r>
+            <a:r>
+              <a:rPr lang="fr-FR" sz="2400" dirty="0" err="1" smtClean="0"/>
+              <a:t>nodes</a:t>
+            </a:r>
+            <a:r>
+              <a:rPr lang="fr-FR" sz="2400" dirty="0" smtClean="0"/>
+              <a:t>/</a:t>
+            </a:r>
+            <a:r>
+              <a:rPr lang="fr-FR" sz="2400" dirty="0" err="1" smtClean="0"/>
+              <a:t>models</a:t>
+            </a:r>
+            <a:endParaRPr lang="fr-FR" sz="2400" dirty="0" smtClean="0"/>
+          </a:p>
+          <a:p>
+            <a:pPr marL="285750" indent="-285750">
+              <a:buFont typeface="Arial" panose="020B0604020202020204" pitchFamily="34" charset="0"/>
+              <a:buChar char="•"/>
+            </a:pPr>
+            <a:r>
+              <a:rPr lang="fr-FR" sz="2400" dirty="0" err="1" smtClean="0"/>
+              <a:t>Margin</a:t>
+            </a:r>
+            <a:r>
+              <a:rPr lang="fr-FR" sz="2400" dirty="0" smtClean="0"/>
+              <a:t> </a:t>
+            </a:r>
+            <a:r>
+              <a:rPr lang="fr-FR" sz="2400" dirty="0" err="1" smtClean="0"/>
+              <a:t>calculation</a:t>
+            </a:r>
+            <a:endParaRPr lang="fr-FR" sz="2400" dirty="0" smtClean="0"/>
+          </a:p>
+          <a:p>
+            <a:pPr marL="285750" indent="-285750">
+              <a:buFont typeface="Arial" panose="020B0604020202020204" pitchFamily="34" charset="0"/>
+              <a:buChar char="•"/>
+            </a:pPr>
+            <a:r>
+              <a:rPr lang="fr-FR" sz="2400" dirty="0" err="1" smtClean="0"/>
+              <a:t>Percentage</a:t>
+            </a:r>
+            <a:r>
+              <a:rPr lang="fr-FR" sz="2400" dirty="0" smtClean="0"/>
+              <a:t> </a:t>
+            </a:r>
+            <a:r>
+              <a:rPr lang="fr-FR" sz="2400" dirty="0"/>
+              <a:t>of </a:t>
+            </a:r>
+            <a:r>
+              <a:rPr lang="fr-FR" sz="2400" dirty="0" smtClean="0"/>
+              <a:t>scan</a:t>
+            </a:r>
+          </a:p>
+          <a:p>
+            <a:pPr marL="285750" indent="-285750">
+              <a:buFont typeface="Arial" panose="020B0604020202020204" pitchFamily="34" charset="0"/>
+              <a:buChar char="•"/>
+            </a:pPr>
+            <a:r>
+              <a:rPr lang="fr-FR" sz="2400" dirty="0" err="1" smtClean="0"/>
+              <a:t>Tracking</a:t>
+            </a:r>
+            <a:r>
+              <a:rPr lang="fr-FR" sz="2400" dirty="0" smtClean="0"/>
+              <a:t> display</a:t>
+            </a:r>
+          </a:p>
+        </p:txBody>
+      </p:sp>
+      <p:sp>
+        <p:nvSpPr>
+          <p:cNvPr id="4" name="ZoneTexte 3"/>
+          <p:cNvSpPr txBox="1"/>
+          <p:nvPr/>
+        </p:nvSpPr>
+        <p:spPr>
+          <a:xfrm>
+            <a:off x="2223304" y="1975495"/>
+            <a:ext cx="1704313" cy="523220"/>
+          </a:xfrm>
+          <a:prstGeom prst="rect">
+            <a:avLst/>
+          </a:prstGeom>
+          <a:noFill/>
+        </p:spPr>
+        <p:txBody>
+          <a:bodyPr wrap="none" rtlCol="0">
+            <a:spAutoFit/>
+          </a:bodyPr>
+          <a:lstStyle/>
+          <a:p>
+            <a:r>
+              <a:rPr lang="fr-FR" sz="2800" dirty="0" smtClean="0"/>
+              <a:t>All </a:t>
+            </a:r>
+            <a:r>
+              <a:rPr lang="fr-FR" sz="2800" dirty="0" err="1" smtClean="0"/>
+              <a:t>models</a:t>
+            </a:r>
+            <a:endParaRPr lang="fr-FR" sz="2800" dirty="0"/>
+          </a:p>
+        </p:txBody>
+      </p:sp>
+      <p:sp>
+        <p:nvSpPr>
+          <p:cNvPr id="5" name="ZoneTexte 4"/>
+          <p:cNvSpPr txBox="1"/>
+          <p:nvPr/>
+        </p:nvSpPr>
+        <p:spPr>
+          <a:xfrm>
+            <a:off x="6099448" y="1975495"/>
+            <a:ext cx="2895986" cy="523220"/>
+          </a:xfrm>
+          <a:prstGeom prst="rect">
+            <a:avLst/>
+          </a:prstGeom>
+          <a:noFill/>
+        </p:spPr>
+        <p:txBody>
+          <a:bodyPr wrap="none" rtlCol="0">
+            <a:spAutoFit/>
+          </a:bodyPr>
+          <a:lstStyle/>
+          <a:p>
+            <a:r>
+              <a:rPr lang="fr-FR" sz="2800" dirty="0" err="1" smtClean="0"/>
+              <a:t>Pheromone</a:t>
+            </a:r>
+            <a:r>
+              <a:rPr lang="fr-FR" sz="2800" dirty="0" smtClean="0"/>
+              <a:t> model</a:t>
+            </a:r>
+            <a:endParaRPr lang="fr-FR" sz="2800" dirty="0"/>
+          </a:p>
+        </p:txBody>
+      </p:sp>
+      <p:sp>
+        <p:nvSpPr>
+          <p:cNvPr id="11" name="ZoneTexte 10"/>
+          <p:cNvSpPr txBox="1"/>
+          <p:nvPr/>
+        </p:nvSpPr>
+        <p:spPr>
+          <a:xfrm>
+            <a:off x="5846178" y="2560836"/>
+            <a:ext cx="2993022" cy="2308324"/>
+          </a:xfrm>
+          <a:prstGeom prst="rect">
+            <a:avLst/>
+          </a:prstGeom>
+          <a:noFill/>
+        </p:spPr>
+        <p:txBody>
+          <a:bodyPr wrap="square" rtlCol="0">
+            <a:spAutoFit/>
+          </a:bodyPr>
+          <a:lstStyle/>
+          <a:p>
+            <a:pPr marL="342900" indent="-342900">
+              <a:buFont typeface="Arial" panose="020B0604020202020204" pitchFamily="34" charset="0"/>
+              <a:buChar char="•"/>
+            </a:pPr>
+            <a:r>
+              <a:rPr lang="fr-FR" sz="2400" dirty="0" err="1">
+                <a:solidFill>
+                  <a:srgbClr val="FF0000"/>
+                </a:solidFill>
+              </a:rPr>
+              <a:t>Presence</a:t>
+            </a:r>
+            <a:r>
+              <a:rPr lang="fr-FR" sz="2400" dirty="0">
+                <a:solidFill>
+                  <a:srgbClr val="FF0000"/>
+                </a:solidFill>
+              </a:rPr>
+              <a:t> of C&amp;C </a:t>
+            </a:r>
+            <a:r>
+              <a:rPr lang="fr-FR" sz="2400" dirty="0" err="1">
+                <a:solidFill>
+                  <a:srgbClr val="FF0000"/>
+                </a:solidFill>
+              </a:rPr>
+              <a:t>does</a:t>
+            </a:r>
+            <a:r>
+              <a:rPr lang="fr-FR" sz="2400" dirty="0">
+                <a:solidFill>
+                  <a:srgbClr val="FF0000"/>
+                </a:solidFill>
+              </a:rPr>
+              <a:t> not </a:t>
+            </a:r>
+            <a:r>
+              <a:rPr lang="fr-FR" sz="2400" dirty="0" smtClean="0">
+                <a:solidFill>
+                  <a:srgbClr val="FF0000"/>
+                </a:solidFill>
+              </a:rPr>
+              <a:t>move</a:t>
+            </a:r>
+          </a:p>
+          <a:p>
+            <a:pPr marL="342900" indent="-342900">
+              <a:buFont typeface="Arial" panose="020B0604020202020204" pitchFamily="34" charset="0"/>
+              <a:buChar char="•"/>
+            </a:pPr>
+            <a:r>
+              <a:rPr lang="fr-FR" sz="2400" dirty="0"/>
+              <a:t>Communication </a:t>
+            </a:r>
+          </a:p>
+          <a:p>
+            <a:pPr marL="342900" indent="-342900">
+              <a:buFont typeface="Arial" panose="020B0604020202020204" pitchFamily="34" charset="0"/>
+              <a:buChar char="•"/>
+            </a:pPr>
+            <a:endParaRPr lang="fr-FR" sz="2400" dirty="0" smtClean="0"/>
+          </a:p>
+          <a:p>
+            <a:pPr marL="342900" indent="-342900">
+              <a:buFont typeface="Arial" panose="020B0604020202020204" pitchFamily="34" charset="0"/>
+              <a:buChar char="•"/>
+            </a:pPr>
+            <a:endParaRPr lang="fr-FR" sz="2400" dirty="0"/>
+          </a:p>
+          <a:p>
+            <a:endParaRPr lang="fr-FR" sz="2400" dirty="0"/>
+          </a:p>
+        </p:txBody>
+      </p:sp>
+      <p:cxnSp>
+        <p:nvCxnSpPr>
+          <p:cNvPr id="14" name="Connecteur droit 13"/>
+          <p:cNvCxnSpPr/>
+          <p:nvPr/>
+        </p:nvCxnSpPr>
+        <p:spPr>
+          <a:xfrm>
+            <a:off x="5148064" y="1975495"/>
+            <a:ext cx="0" cy="2487710"/>
+          </a:xfrm>
+          <a:prstGeom prst="line">
+            <a:avLst/>
+          </a:prstGeom>
+        </p:spPr>
+        <p:style>
+          <a:lnRef idx="3">
+            <a:schemeClr val="dk1"/>
+          </a:lnRef>
+          <a:fillRef idx="0">
+            <a:schemeClr val="dk1"/>
+          </a:fillRef>
+          <a:effectRef idx="2">
+            <a:schemeClr val="dk1"/>
+          </a:effectRef>
+          <a:fontRef idx="minor">
+            <a:schemeClr val="tx1"/>
+          </a:fontRef>
+        </p:style>
+      </p:cxnSp>
+    </p:spTree>
+    <p:extLst>
+      <p:ext uri="{BB962C8B-B14F-4D97-AF65-F5344CB8AC3E}">
+        <p14:creationId xmlns:p14="http://schemas.microsoft.com/office/powerpoint/2010/main" val="3103741905"/>
+      </p:ext>
+    </p:extLst>
+  </p:cSld>
+  <p:clrMapOvr>
+    <a:masterClrMapping/>
+  </p:clrMapOvr>
+  <p:transition spd="slow">
+    <p:push dir="u"/>
+  </p:transition>
+  <p:timing>
+    <p:tnLst>
+      <p:par>
+        <p:cTn id="1" dur="indefinite" restart="never" nodeType="tmRoot"/>
+      </p:par>
+    </p:tnLst>
+  </p:timing>
+</p:sld>
+</file>
+
+<file path=ppt/slides/slide18.xml><?xml version="1.0" encoding="utf-8"?>
+<p:sld xmlns:a="http://schemas.openxmlformats.org/drawingml/2006/main" xmlns:r="http://schemas.openxmlformats.org/officeDocument/2006/relationships" xmlns:p="http://schemas.openxmlformats.org/presentationml/2006/main">
+  <p:cSld>
+    <p:spTree>
+      <p:nvGrpSpPr>
+        <p:cNvPr id="1" name=""/>
+        <p:cNvGrpSpPr/>
+        <p:nvPr/>
+      </p:nvGrpSpPr>
+      <p:grpSpPr>
+        <a:xfrm>
+          <a:off x="0" y="0"/>
+          <a:ext cx="0" cy="0"/>
+          <a:chOff x="0" y="0"/>
+          <a:chExt cx="0" cy="0"/>
+        </a:xfrm>
+      </p:grpSpPr>
+      <p:pic>
+        <p:nvPicPr>
+          <p:cNvPr id="6" name="Picture 5"/>
+          <p:cNvPicPr>
+            <a:picLocks noChangeAspect="1"/>
+          </p:cNvPicPr>
+          <p:nvPr/>
+        </p:nvPicPr>
+        <p:blipFill>
+          <a:blip r:embed="rId4" cstate="email">
+            <a:extLst>
+              <a:ext uri="{28A0092B-C50C-407E-A947-70E740481C1C}">
+                <a14:useLocalDpi xmlns:a14="http://schemas.microsoft.com/office/drawing/2010/main"/>
+              </a:ext>
+            </a:extLst>
+          </a:blip>
+          <a:stretch>
+            <a:fillRect/>
+          </a:stretch>
+        </p:blipFill>
+        <p:spPr>
+          <a:xfrm>
+            <a:off x="-4963332" y="-6858000"/>
+            <a:ext cx="7765662" cy="16476125"/>
+          </a:xfrm>
+          <a:prstGeom prst="rect">
+            <a:avLst/>
+          </a:prstGeom>
+        </p:spPr>
+      </p:pic>
+      <p:pic>
+        <p:nvPicPr>
+          <p:cNvPr id="13" name="Picture 12"/>
+          <p:cNvPicPr>
+            <a:picLocks noChangeAspect="1"/>
+          </p:cNvPicPr>
+          <p:nvPr/>
+        </p:nvPicPr>
+        <p:blipFill rotWithShape="1">
+          <a:blip r:embed="rId5" cstate="email">
+            <a:extLst>
+              <a:ext uri="{28A0092B-C50C-407E-A947-70E740481C1C}">
+                <a14:useLocalDpi xmlns:a14="http://schemas.microsoft.com/office/drawing/2010/main"/>
+              </a:ext>
+            </a:extLst>
+          </a:blip>
+          <a:srcRect/>
+          <a:stretch/>
+        </p:blipFill>
+        <p:spPr>
+          <a:xfrm rot="20753331" flipH="1">
+            <a:off x="-316178" y="3748237"/>
+            <a:ext cx="2895600" cy="3390489"/>
+          </a:xfrm>
+          <a:prstGeom prst="rect">
+            <a:avLst/>
+          </a:prstGeom>
+        </p:spPr>
+      </p:pic>
+      <p:sp>
+        <p:nvSpPr>
+          <p:cNvPr id="2" name="Espace réservé du numéro de diapositive 1"/>
+          <p:cNvSpPr>
+            <a:spLocks noGrp="1"/>
+          </p:cNvSpPr>
+          <p:nvPr>
+            <p:ph type="sldNum" sz="quarter" idx="12"/>
+          </p:nvPr>
+        </p:nvSpPr>
+        <p:spPr/>
+        <p:txBody>
+          <a:bodyPr/>
+          <a:lstStyle/>
+          <a:p>
+            <a:fld id="{33D6E5A2-EC83-451F-A719-9AC1370DD5CF}" type="slidenum">
+              <a:rPr lang="fr-FR" smtClean="0"/>
+              <a:pPr/>
+              <a:t>18</a:t>
+            </a:fld>
+            <a:r>
+              <a:rPr lang="fr-FR" dirty="0" smtClean="0"/>
+              <a:t>/26</a:t>
+            </a:r>
+            <a:endParaRPr lang="fr-FR" dirty="0"/>
+          </a:p>
+        </p:txBody>
+      </p:sp>
+      <p:sp>
+        <p:nvSpPr>
+          <p:cNvPr id="8" name="Title 1"/>
+          <p:cNvSpPr txBox="1">
+            <a:spLocks/>
+          </p:cNvSpPr>
+          <p:nvPr>
+            <p:custDataLst>
+              <p:tags r:id="rId1"/>
+            </p:custDataLst>
+          </p:nvPr>
+        </p:nvSpPr>
+        <p:spPr>
+          <a:xfrm>
+            <a:off x="683568" y="188640"/>
+            <a:ext cx="8077200" cy="711096"/>
+          </a:xfrm>
+          <a:prstGeom prst="rect">
+            <a:avLst/>
+          </a:prstGeom>
+        </p:spPr>
+        <p:txBody>
+          <a:bodyPr>
+            <a:normAutofit lnSpcReduction="10000"/>
+          </a:bodyPr>
+          <a:lstStyle>
+            <a:lvl1pPr algn="l" defTabSz="914400" rtl="0" eaLnBrk="1" latinLnBrk="0" hangingPunct="1">
+              <a:spcBef>
+                <a:spcPct val="0"/>
+              </a:spcBef>
+              <a:buNone/>
+              <a:defRPr kumimoji="0" lang="fr-FR" sz="4400" kern="1200">
+                <a:solidFill>
+                  <a:schemeClr val="tx1"/>
+                </a:solidFill>
+                <a:latin typeface="+mj-lt"/>
+                <a:ea typeface="+mj-ea"/>
+                <a:cs typeface="+mj-cs"/>
+              </a:defRPr>
+            </a:lvl1pPr>
+          </a:lstStyle>
+          <a:p>
+            <a:pPr algn="ctr"/>
+            <a:r>
+              <a:rPr lang="fr-FR" dirty="0"/>
+              <a:t>Our </a:t>
+            </a:r>
+            <a:r>
+              <a:rPr lang="fr-FR" dirty="0" err="1"/>
+              <a:t>Implementation</a:t>
+            </a:r>
+            <a:endParaRPr lang="fr-FR" dirty="0"/>
+          </a:p>
+        </p:txBody>
+      </p:sp>
+      <p:sp>
+        <p:nvSpPr>
+          <p:cNvPr id="9" name="Espace réservé du pied de page 8"/>
+          <p:cNvSpPr>
+            <a:spLocks noGrp="1"/>
+          </p:cNvSpPr>
+          <p:nvPr>
+            <p:ph type="ftr" sz="quarter" idx="11"/>
+          </p:nvPr>
+        </p:nvSpPr>
+        <p:spPr>
+          <a:xfrm>
+            <a:off x="3203848" y="6356350"/>
+            <a:ext cx="2895600" cy="365125"/>
+          </a:xfrm>
+        </p:spPr>
+        <p:txBody>
+          <a:bodyPr/>
+          <a:lstStyle/>
+          <a:p>
+            <a:r>
+              <a:rPr kumimoji="0" lang="fr-FR" dirty="0" smtClean="0"/>
+              <a:t>Master 2 – Computer Science – </a:t>
+            </a:r>
+            <a:r>
+              <a:rPr kumimoji="0" lang="fr-FR" dirty="0" err="1" smtClean="0"/>
+              <a:t>Authors</a:t>
+            </a:r>
+            <a:r>
+              <a:rPr kumimoji="0" lang="fr-FR" dirty="0" smtClean="0"/>
+              <a:t> : </a:t>
+            </a:r>
+            <a:r>
+              <a:rPr kumimoji="0" lang="fr-FR" dirty="0" err="1" smtClean="0"/>
+              <a:t>fcastagn</a:t>
+            </a:r>
+            <a:r>
+              <a:rPr kumimoji="0" lang="fr-FR" dirty="0" smtClean="0"/>
+              <a:t>, </a:t>
+            </a:r>
+            <a:r>
+              <a:rPr kumimoji="0" lang="fr-FR" dirty="0" err="1" smtClean="0"/>
+              <a:t>jetcheve</a:t>
+            </a:r>
+            <a:r>
+              <a:rPr kumimoji="0" lang="fr-FR" dirty="0" smtClean="0"/>
+              <a:t>, </a:t>
+            </a:r>
+            <a:r>
+              <a:rPr kumimoji="0" lang="fr-FR" dirty="0" err="1" smtClean="0"/>
+              <a:t>hpaziews</a:t>
+            </a:r>
+            <a:r>
+              <a:rPr kumimoji="0" lang="fr-FR" dirty="0" smtClean="0"/>
+              <a:t>, </a:t>
+            </a:r>
+            <a:r>
+              <a:rPr kumimoji="0" lang="fr-FR" dirty="0" err="1" smtClean="0"/>
+              <a:t>altessie</a:t>
+            </a:r>
+            <a:r>
+              <a:rPr kumimoji="0" lang="fr-FR" dirty="0" smtClean="0"/>
+              <a:t> &amp; </a:t>
+            </a:r>
+            <a:r>
+              <a:rPr kumimoji="0" lang="fr-FR" dirty="0" err="1" smtClean="0"/>
+              <a:t>mtesta</a:t>
+            </a:r>
+            <a:endParaRPr kumimoji="0" lang="fr-FR" dirty="0"/>
+          </a:p>
+        </p:txBody>
+      </p:sp>
+      <p:sp>
+        <p:nvSpPr>
+          <p:cNvPr id="4" name="ZoneTexte 3"/>
+          <p:cNvSpPr txBox="1"/>
+          <p:nvPr/>
+        </p:nvSpPr>
+        <p:spPr>
+          <a:xfrm>
+            <a:off x="2339752" y="1285073"/>
+            <a:ext cx="1337226" cy="523220"/>
+          </a:xfrm>
+          <a:prstGeom prst="rect">
+            <a:avLst/>
+          </a:prstGeom>
+          <a:noFill/>
+        </p:spPr>
+        <p:txBody>
+          <a:bodyPr wrap="none" rtlCol="0">
+            <a:spAutoFit/>
+          </a:bodyPr>
+          <a:lstStyle/>
+          <a:p>
+            <a:r>
+              <a:rPr lang="fr-FR" sz="2800" dirty="0" err="1" smtClean="0"/>
+              <a:t>JBotSim</a:t>
+            </a:r>
+            <a:endParaRPr lang="fr-FR" sz="2800" dirty="0"/>
+          </a:p>
+        </p:txBody>
+      </p:sp>
+      <p:pic>
+        <p:nvPicPr>
+          <p:cNvPr id="7" name="Image 6"/>
+          <p:cNvPicPr>
+            <a:picLocks noChangeAspect="1"/>
+          </p:cNvPicPr>
+          <p:nvPr/>
+        </p:nvPicPr>
+        <p:blipFill>
+          <a:blip r:embed="rId6"/>
+          <a:stretch>
+            <a:fillRect/>
+          </a:stretch>
+        </p:blipFill>
+        <p:spPr>
+          <a:xfrm>
+            <a:off x="1192219" y="2157399"/>
+            <a:ext cx="3768452" cy="3910517"/>
+          </a:xfrm>
+          <a:prstGeom prst="rect">
+            <a:avLst/>
+          </a:prstGeom>
+        </p:spPr>
+      </p:pic>
+      <p:sp>
+        <p:nvSpPr>
+          <p:cNvPr id="12" name="ZoneTexte 11"/>
+          <p:cNvSpPr txBox="1"/>
+          <p:nvPr/>
+        </p:nvSpPr>
+        <p:spPr>
+          <a:xfrm>
+            <a:off x="4722168" y="1346628"/>
+            <a:ext cx="3018184" cy="523220"/>
+          </a:xfrm>
+          <a:prstGeom prst="rect">
+            <a:avLst/>
+          </a:prstGeom>
+          <a:noFill/>
+        </p:spPr>
+        <p:txBody>
+          <a:bodyPr wrap="square" rtlCol="0">
+            <a:spAutoFit/>
+          </a:bodyPr>
+          <a:lstStyle/>
+          <a:p>
+            <a:r>
+              <a:rPr lang="fr-FR" sz="2800" dirty="0" err="1" smtClean="0"/>
+              <a:t>Pheromone</a:t>
+            </a:r>
+            <a:r>
+              <a:rPr lang="fr-FR" sz="2800" dirty="0" smtClean="0"/>
+              <a:t> model</a:t>
+            </a:r>
+            <a:endParaRPr lang="fr-FR" sz="2800" dirty="0"/>
+          </a:p>
+        </p:txBody>
+      </p:sp>
+      <p:pic>
+        <p:nvPicPr>
+          <p:cNvPr id="14" name="Image 13"/>
+          <p:cNvPicPr>
+            <a:picLocks noChangeAspect="1"/>
+          </p:cNvPicPr>
+          <p:nvPr/>
+        </p:nvPicPr>
+        <p:blipFill>
+          <a:blip r:embed="rId7"/>
+          <a:stretch>
+            <a:fillRect/>
+          </a:stretch>
+        </p:blipFill>
+        <p:spPr>
+          <a:xfrm>
+            <a:off x="5041606" y="2492896"/>
+            <a:ext cx="3916275" cy="3202316"/>
+          </a:xfrm>
+          <a:prstGeom prst="rect">
+            <a:avLst/>
+          </a:prstGeom>
+        </p:spPr>
+      </p:pic>
+    </p:spTree>
+    <p:extLst>
+      <p:ext uri="{BB962C8B-B14F-4D97-AF65-F5344CB8AC3E}">
+        <p14:creationId xmlns:p14="http://schemas.microsoft.com/office/powerpoint/2010/main" val="3478600129"/>
+      </p:ext>
+    </p:extLst>
+  </p:cSld>
+  <p:clrMapOvr>
+    <a:masterClrMapping/>
+  </p:clrMapOvr>
+  <p:transition spd="slow">
+    <p:push dir="u"/>
+  </p:transition>
+  <p:timing>
+    <p:tnLst>
+      <p:par>
+        <p:cTn id="1" dur="indefinite" restart="never" nodeType="tmRoot"/>
+      </p:par>
+    </p:tnLst>
+  </p:timing>
+</p:sld>
+</file>
+
+<file path=ppt/slides/slide19.xml><?xml version="1.0" encoding="utf-8"?>
+<p:sld xmlns:a="http://schemas.openxmlformats.org/drawingml/2006/main" xmlns:r="http://schemas.openxmlformats.org/officeDocument/2006/relationships" xmlns:p="http://schemas.openxmlformats.org/presentationml/2006/main">
+  <p:cSld>
+    <p:spTree>
+      <p:nvGrpSpPr>
+        <p:cNvPr id="1" name=""/>
+        <p:cNvGrpSpPr/>
+        <p:nvPr/>
+      </p:nvGrpSpPr>
+      <p:grpSpPr>
+        <a:xfrm>
+          <a:off x="0" y="0"/>
+          <a:ext cx="0" cy="0"/>
+          <a:chOff x="0" y="0"/>
+          <a:chExt cx="0" cy="0"/>
+        </a:xfrm>
+      </p:grpSpPr>
+      <p:pic>
+        <p:nvPicPr>
+          <p:cNvPr id="6" name="Picture 5"/>
+          <p:cNvPicPr>
+            <a:picLocks noChangeAspect="1"/>
+          </p:cNvPicPr>
+          <p:nvPr/>
+        </p:nvPicPr>
+        <p:blipFill>
+          <a:blip r:embed="rId4" cstate="email">
+            <a:extLst>
+              <a:ext uri="{28A0092B-C50C-407E-A947-70E740481C1C}">
+                <a14:useLocalDpi xmlns:a14="http://schemas.microsoft.com/office/drawing/2010/main"/>
+              </a:ext>
+            </a:extLst>
+          </a:blip>
+          <a:stretch>
+            <a:fillRect/>
+          </a:stretch>
+        </p:blipFill>
+        <p:spPr>
+          <a:xfrm>
+            <a:off x="-4963332" y="-6858000"/>
+            <a:ext cx="7765662" cy="16476125"/>
+          </a:xfrm>
+          <a:prstGeom prst="rect">
+            <a:avLst/>
+          </a:prstGeom>
+        </p:spPr>
+      </p:pic>
+      <p:pic>
+        <p:nvPicPr>
+          <p:cNvPr id="13" name="Picture 12"/>
+          <p:cNvPicPr>
+            <a:picLocks noChangeAspect="1"/>
+          </p:cNvPicPr>
+          <p:nvPr/>
+        </p:nvPicPr>
+        <p:blipFill rotWithShape="1">
+          <a:blip r:embed="rId5" cstate="email">
+            <a:extLst>
+              <a:ext uri="{28A0092B-C50C-407E-A947-70E740481C1C}">
+                <a14:useLocalDpi xmlns:a14="http://schemas.microsoft.com/office/drawing/2010/main"/>
+              </a:ext>
+            </a:extLst>
+          </a:blip>
+          <a:srcRect/>
+          <a:stretch/>
+        </p:blipFill>
+        <p:spPr>
+          <a:xfrm rot="20753331" flipH="1">
+            <a:off x="-316178" y="3748237"/>
+            <a:ext cx="2895600" cy="3390489"/>
+          </a:xfrm>
+          <a:prstGeom prst="rect">
+            <a:avLst/>
+          </a:prstGeom>
+        </p:spPr>
+      </p:pic>
+      <p:sp>
+        <p:nvSpPr>
+          <p:cNvPr id="2" name="Espace réservé du numéro de diapositive 1"/>
+          <p:cNvSpPr>
+            <a:spLocks noGrp="1"/>
+          </p:cNvSpPr>
+          <p:nvPr>
+            <p:ph type="sldNum" sz="quarter" idx="12"/>
+          </p:nvPr>
+        </p:nvSpPr>
+        <p:spPr/>
+        <p:txBody>
+          <a:bodyPr/>
+          <a:lstStyle/>
+          <a:p>
+            <a:fld id="{33D6E5A2-EC83-451F-A719-9AC1370DD5CF}" type="slidenum">
+              <a:rPr lang="fr-FR" smtClean="0"/>
+              <a:pPr/>
+              <a:t>19</a:t>
+            </a:fld>
+            <a:r>
+              <a:rPr lang="fr-FR" dirty="0" smtClean="0"/>
+              <a:t>/26</a:t>
+            </a:r>
+            <a:endParaRPr lang="fr-FR" dirty="0"/>
+          </a:p>
+        </p:txBody>
+      </p:sp>
+      <p:sp>
+        <p:nvSpPr>
+          <p:cNvPr id="8" name="Title 1"/>
+          <p:cNvSpPr txBox="1">
+            <a:spLocks/>
+          </p:cNvSpPr>
+          <p:nvPr>
+            <p:custDataLst>
+              <p:tags r:id="rId1"/>
+            </p:custDataLst>
+          </p:nvPr>
+        </p:nvSpPr>
+        <p:spPr>
+          <a:xfrm>
+            <a:off x="683568" y="188640"/>
+            <a:ext cx="8077200" cy="711096"/>
+          </a:xfrm>
+          <a:prstGeom prst="rect">
+            <a:avLst/>
+          </a:prstGeom>
+        </p:spPr>
+        <p:txBody>
+          <a:bodyPr>
+            <a:normAutofit lnSpcReduction="10000"/>
+          </a:bodyPr>
+          <a:lstStyle>
+            <a:lvl1pPr algn="l" defTabSz="914400" rtl="0" eaLnBrk="1" latinLnBrk="0" hangingPunct="1">
+              <a:spcBef>
+                <a:spcPct val="0"/>
+              </a:spcBef>
+              <a:buNone/>
+              <a:defRPr kumimoji="0" lang="fr-FR" sz="4400" kern="1200">
+                <a:solidFill>
+                  <a:schemeClr val="tx1"/>
+                </a:solidFill>
+                <a:latin typeface="+mj-lt"/>
+                <a:ea typeface="+mj-ea"/>
+                <a:cs typeface="+mj-cs"/>
+              </a:defRPr>
+            </a:lvl1pPr>
+          </a:lstStyle>
+          <a:p>
+            <a:pPr algn="ctr"/>
+            <a:r>
+              <a:rPr lang="fr-FR" dirty="0"/>
+              <a:t>Our </a:t>
+            </a:r>
+            <a:r>
+              <a:rPr lang="fr-FR" dirty="0" err="1"/>
+              <a:t>Implementation</a:t>
+            </a:r>
+            <a:endParaRPr lang="fr-FR" dirty="0"/>
+          </a:p>
+        </p:txBody>
+      </p:sp>
+      <p:sp>
+        <p:nvSpPr>
+          <p:cNvPr id="9" name="Espace réservé du pied de page 8"/>
+          <p:cNvSpPr>
+            <a:spLocks noGrp="1"/>
+          </p:cNvSpPr>
+          <p:nvPr>
+            <p:ph type="ftr" sz="quarter" idx="11"/>
+          </p:nvPr>
+        </p:nvSpPr>
+        <p:spPr>
+          <a:xfrm>
+            <a:off x="3203848" y="6356350"/>
+            <a:ext cx="2895600" cy="365125"/>
+          </a:xfrm>
+        </p:spPr>
+        <p:txBody>
+          <a:bodyPr/>
+          <a:lstStyle/>
+          <a:p>
+            <a:r>
+              <a:rPr kumimoji="0" lang="fr-FR" dirty="0" smtClean="0"/>
+              <a:t>Master 2 – Computer Science – </a:t>
+            </a:r>
+            <a:r>
+              <a:rPr kumimoji="0" lang="fr-FR" dirty="0" err="1" smtClean="0"/>
+              <a:t>Authors</a:t>
+            </a:r>
+            <a:r>
+              <a:rPr kumimoji="0" lang="fr-FR" dirty="0" smtClean="0"/>
+              <a:t> : </a:t>
+            </a:r>
+            <a:r>
+              <a:rPr kumimoji="0" lang="fr-FR" dirty="0" err="1" smtClean="0"/>
+              <a:t>fcastagn</a:t>
+            </a:r>
+            <a:r>
+              <a:rPr kumimoji="0" lang="fr-FR" dirty="0" smtClean="0"/>
+              <a:t>, </a:t>
+            </a:r>
+            <a:r>
+              <a:rPr kumimoji="0" lang="fr-FR" dirty="0" err="1" smtClean="0"/>
+              <a:t>jetcheve</a:t>
+            </a:r>
+            <a:r>
+              <a:rPr kumimoji="0" lang="fr-FR" dirty="0" smtClean="0"/>
+              <a:t>, </a:t>
+            </a:r>
+            <a:r>
+              <a:rPr kumimoji="0" lang="fr-FR" dirty="0" err="1" smtClean="0"/>
+              <a:t>hpaziews</a:t>
+            </a:r>
+            <a:r>
+              <a:rPr kumimoji="0" lang="fr-FR" dirty="0" smtClean="0"/>
+              <a:t>, </a:t>
+            </a:r>
+            <a:r>
+              <a:rPr kumimoji="0" lang="fr-FR" dirty="0" err="1" smtClean="0"/>
+              <a:t>altessie</a:t>
+            </a:r>
+            <a:r>
+              <a:rPr kumimoji="0" lang="fr-FR" dirty="0" smtClean="0"/>
+              <a:t> &amp; </a:t>
+            </a:r>
+            <a:r>
+              <a:rPr kumimoji="0" lang="fr-FR" dirty="0" err="1" smtClean="0"/>
+              <a:t>mtesta</a:t>
+            </a:r>
+            <a:endParaRPr kumimoji="0" lang="fr-FR" dirty="0"/>
+          </a:p>
+        </p:txBody>
+      </p:sp>
+      <p:sp>
+        <p:nvSpPr>
+          <p:cNvPr id="4" name="ZoneTexte 3"/>
+          <p:cNvSpPr txBox="1"/>
+          <p:nvPr/>
+        </p:nvSpPr>
+        <p:spPr>
+          <a:xfrm>
+            <a:off x="2339752" y="1285073"/>
+            <a:ext cx="1337226" cy="523220"/>
+          </a:xfrm>
+          <a:prstGeom prst="rect">
+            <a:avLst/>
+          </a:prstGeom>
+          <a:noFill/>
+        </p:spPr>
+        <p:txBody>
+          <a:bodyPr wrap="none" rtlCol="0">
+            <a:spAutoFit/>
+          </a:bodyPr>
+          <a:lstStyle/>
+          <a:p>
+            <a:r>
+              <a:rPr lang="fr-FR" sz="2800" dirty="0" err="1" smtClean="0"/>
+              <a:t>JBotSim</a:t>
+            </a:r>
+            <a:endParaRPr lang="fr-FR" sz="2800" dirty="0"/>
+          </a:p>
+        </p:txBody>
+      </p:sp>
+      <p:sp>
+        <p:nvSpPr>
+          <p:cNvPr id="10" name="ZoneTexte 9"/>
+          <p:cNvSpPr txBox="1"/>
+          <p:nvPr/>
+        </p:nvSpPr>
+        <p:spPr>
+          <a:xfrm>
+            <a:off x="4722168" y="1346628"/>
+            <a:ext cx="3666256" cy="523220"/>
+          </a:xfrm>
+          <a:prstGeom prst="rect">
+            <a:avLst/>
+          </a:prstGeom>
+          <a:noFill/>
+        </p:spPr>
+        <p:txBody>
+          <a:bodyPr wrap="square" rtlCol="0">
+            <a:spAutoFit/>
+          </a:bodyPr>
+          <a:lstStyle/>
+          <a:p>
+            <a:r>
+              <a:rPr lang="fr-FR" sz="2800" dirty="0" err="1" smtClean="0"/>
+              <a:t>Random</a:t>
+            </a:r>
+            <a:r>
+              <a:rPr lang="fr-FR" sz="2800" dirty="0" smtClean="0"/>
+              <a:t> </a:t>
+            </a:r>
+            <a:r>
+              <a:rPr lang="fr-FR" sz="2800" dirty="0" err="1" smtClean="0"/>
+              <a:t>Walk</a:t>
+            </a:r>
+            <a:r>
+              <a:rPr lang="fr-FR" sz="2800" dirty="0" smtClean="0"/>
+              <a:t> model</a:t>
+            </a:r>
+            <a:endParaRPr lang="fr-FR" sz="2800" dirty="0"/>
+          </a:p>
+        </p:txBody>
+      </p:sp>
+      <p:pic>
+        <p:nvPicPr>
+          <p:cNvPr id="3" name="Image 2"/>
+          <p:cNvPicPr>
+            <a:picLocks noChangeAspect="1"/>
+          </p:cNvPicPr>
+          <p:nvPr/>
+        </p:nvPicPr>
+        <p:blipFill>
+          <a:blip r:embed="rId6"/>
+          <a:stretch>
+            <a:fillRect/>
+          </a:stretch>
+        </p:blipFill>
+        <p:spPr>
+          <a:xfrm>
+            <a:off x="705260" y="2025787"/>
+            <a:ext cx="4016908" cy="4112572"/>
+          </a:xfrm>
+          <a:prstGeom prst="rect">
+            <a:avLst/>
+          </a:prstGeom>
+        </p:spPr>
+      </p:pic>
+      <p:pic>
+        <p:nvPicPr>
+          <p:cNvPr id="12" name="Image 11"/>
+          <p:cNvPicPr>
+            <a:picLocks noChangeAspect="1"/>
+          </p:cNvPicPr>
+          <p:nvPr/>
+        </p:nvPicPr>
+        <p:blipFill>
+          <a:blip r:embed="rId7"/>
+          <a:stretch>
+            <a:fillRect/>
+          </a:stretch>
+        </p:blipFill>
+        <p:spPr>
+          <a:xfrm>
+            <a:off x="4860032" y="2316740"/>
+            <a:ext cx="4051642" cy="3466645"/>
+          </a:xfrm>
+          <a:prstGeom prst="rect">
+            <a:avLst/>
+          </a:prstGeom>
+        </p:spPr>
+      </p:pic>
+    </p:spTree>
+    <p:extLst>
+      <p:ext uri="{BB962C8B-B14F-4D97-AF65-F5344CB8AC3E}">
+        <p14:creationId xmlns:p14="http://schemas.microsoft.com/office/powerpoint/2010/main" val="1874154443"/>
+      </p:ext>
+    </p:extLst>
+  </p:cSld>
+  <p:clrMapOvr>
+    <a:masterClrMapping/>
+  </p:clrMapOvr>
+  <p:transition spd="slow">
+    <p:push dir="u"/>
+  </p:transition>
+  <p:timing>
+    <p:tnLst>
+      <p:par>
+        <p:cTn id="1" dur="indefinite" restart="never" nodeType="tmRoot"/>
+      </p:par>
+    </p:tnLst>
+  </p:timing>
+</p:sld>
+</file>
+
+<file path=ppt/slides/slide2.xml><?xml version="1.0" encoding="utf-8"?>
+<p:sld xmlns:a="http://schemas.openxmlformats.org/drawingml/2006/main" xmlns:r="http://schemas.openxmlformats.org/officeDocument/2006/relationships" xmlns:p="http://schemas.openxmlformats.org/presentationml/2006/main">
+  <p:cSld>
+    <p:spTree>
+      <p:nvGrpSpPr>
+        <p:cNvPr id="1" name=""/>
+        <p:cNvGrpSpPr/>
+        <p:nvPr/>
+      </p:nvGrpSpPr>
+      <p:grpSpPr>
+        <a:xfrm>
+          <a:off x="0" y="0"/>
+          <a:ext cx="0" cy="0"/>
+          <a:chOff x="0" y="0"/>
+          <a:chExt cx="0" cy="0"/>
+        </a:xfrm>
+      </p:grpSpPr>
+      <p:sp>
+        <p:nvSpPr>
+          <p:cNvPr id="3" name="Espace réservé du numéro de diapositive 2"/>
+          <p:cNvSpPr>
+            <a:spLocks noGrp="1"/>
+          </p:cNvSpPr>
+          <p:nvPr>
+            <p:ph type="sldNum" sz="quarter" idx="12"/>
+          </p:nvPr>
+        </p:nvSpPr>
+        <p:spPr/>
+        <p:txBody>
+          <a:bodyPr/>
+          <a:lstStyle/>
+          <a:p>
+            <a:fld id="{33D6E5A2-EC83-451F-A719-9AC1370DD5CF}" type="slidenum">
+              <a:rPr lang="fr-FR" smtClean="0"/>
+              <a:pPr/>
+              <a:t>2</a:t>
+            </a:fld>
+            <a:r>
+              <a:rPr lang="fr-FR" dirty="0" smtClean="0"/>
+              <a:t>/26</a:t>
+            </a:r>
+            <a:endParaRPr kumimoji="0" lang="fr-FR" dirty="0"/>
+          </a:p>
+        </p:txBody>
+      </p:sp>
+      <p:sp>
+        <p:nvSpPr>
+          <p:cNvPr id="6" name="Espace réservé du pied de page 5"/>
+          <p:cNvSpPr>
+            <a:spLocks noGrp="1"/>
+          </p:cNvSpPr>
+          <p:nvPr>
+            <p:ph type="ftr" sz="quarter" idx="11"/>
+          </p:nvPr>
+        </p:nvSpPr>
+        <p:spPr>
+          <a:xfrm>
+            <a:off x="3352800" y="6356350"/>
+            <a:ext cx="3235424" cy="365125"/>
+          </a:xfrm>
+        </p:spPr>
+        <p:txBody>
+          <a:bodyPr/>
+          <a:lstStyle/>
+          <a:p>
+            <a:r>
+              <a:rPr kumimoji="0" lang="fr-FR" dirty="0" smtClean="0"/>
+              <a:t>Master 2 – Computer Science – </a:t>
+            </a:r>
+            <a:r>
+              <a:rPr kumimoji="0" lang="fr-FR" dirty="0" err="1" smtClean="0"/>
+              <a:t>Authors</a:t>
+            </a:r>
+            <a:r>
+              <a:rPr kumimoji="0" lang="fr-FR" dirty="0" smtClean="0"/>
+              <a:t> : </a:t>
+            </a:r>
+            <a:r>
+              <a:rPr kumimoji="0" lang="fr-FR" dirty="0" err="1" smtClean="0"/>
+              <a:t>fcastagn</a:t>
+            </a:r>
+            <a:r>
+              <a:rPr kumimoji="0" lang="fr-FR" dirty="0" smtClean="0"/>
+              <a:t>, </a:t>
+            </a:r>
+            <a:r>
+              <a:rPr kumimoji="0" lang="fr-FR" dirty="0" err="1" smtClean="0"/>
+              <a:t>jetcheve</a:t>
+            </a:r>
+            <a:r>
+              <a:rPr kumimoji="0" lang="fr-FR" dirty="0" smtClean="0"/>
+              <a:t>, </a:t>
+            </a:r>
+            <a:r>
+              <a:rPr kumimoji="0" lang="fr-FR" dirty="0" err="1" smtClean="0"/>
+              <a:t>hpaziews</a:t>
+            </a:r>
+            <a:r>
+              <a:rPr kumimoji="0" lang="fr-FR" dirty="0" smtClean="0"/>
+              <a:t>, </a:t>
+            </a:r>
+            <a:r>
+              <a:rPr kumimoji="0" lang="fr-FR" dirty="0" err="1" smtClean="0"/>
+              <a:t>altessie</a:t>
+            </a:r>
+            <a:r>
+              <a:rPr kumimoji="0" lang="fr-FR" dirty="0" smtClean="0"/>
+              <a:t> &amp; </a:t>
+            </a:r>
+            <a:r>
+              <a:rPr kumimoji="0" lang="fr-FR" dirty="0" err="1" smtClean="0"/>
+              <a:t>mtesta</a:t>
+            </a:r>
+            <a:endParaRPr kumimoji="0" lang="fr-FR" dirty="0"/>
+          </a:p>
+        </p:txBody>
+      </p:sp>
+      <p:sp>
+        <p:nvSpPr>
+          <p:cNvPr id="11" name="Title 1"/>
+          <p:cNvSpPr txBox="1">
+            <a:spLocks/>
+          </p:cNvSpPr>
+          <p:nvPr>
+            <p:custDataLst>
+              <p:tags r:id="rId2"/>
+            </p:custDataLst>
+          </p:nvPr>
+        </p:nvSpPr>
+        <p:spPr>
+          <a:xfrm>
+            <a:off x="762000" y="116632"/>
+            <a:ext cx="8077200" cy="711097"/>
+          </a:xfrm>
+          <a:prstGeom prst="rect">
+            <a:avLst/>
+          </a:prstGeom>
+        </p:spPr>
+        <p:txBody>
+          <a:bodyPr>
+            <a:normAutofit lnSpcReduction="10000"/>
+          </a:bodyPr>
+          <a:lstStyle>
+            <a:lvl1pPr algn="l" defTabSz="914400" rtl="0" eaLnBrk="1" latinLnBrk="0" hangingPunct="1">
+              <a:spcBef>
+                <a:spcPct val="0"/>
+              </a:spcBef>
+              <a:buNone/>
+              <a:defRPr kumimoji="0" lang="fr-FR" sz="4400" kern="1200">
+                <a:solidFill>
+                  <a:schemeClr val="tx1"/>
+                </a:solidFill>
+                <a:latin typeface="+mj-lt"/>
+                <a:ea typeface="+mj-ea"/>
+                <a:cs typeface="+mj-cs"/>
+              </a:defRPr>
+            </a:lvl1pPr>
+          </a:lstStyle>
+          <a:p>
+            <a:pPr algn="ctr"/>
+            <a:r>
+              <a:rPr lang="fr-FR" dirty="0" err="1" smtClean="0"/>
+              <a:t>Outline</a:t>
+            </a:r>
+            <a:endParaRPr lang="fr-FR" dirty="0"/>
+          </a:p>
+        </p:txBody>
+      </p:sp>
+      <p:sp>
+        <p:nvSpPr>
+          <p:cNvPr id="12" name="Content Placeholder 4"/>
+          <p:cNvSpPr txBox="1">
+            <a:spLocks/>
+          </p:cNvSpPr>
+          <p:nvPr>
+            <p:custDataLst>
+              <p:tags r:id="rId3"/>
+            </p:custDataLst>
+          </p:nvPr>
+        </p:nvSpPr>
+        <p:spPr>
+          <a:xfrm>
+            <a:off x="762000" y="1596413"/>
+            <a:ext cx="8077200" cy="4297363"/>
           </a:xfrm>
           <a:prstGeom prst="rect">
             <a:avLst/>
@@ -11767,2329 +14355,6 @@
             </a:lvl9pPr>
           </a:lstStyle>
           <a:p>
-            <a:pPr marL="457200" lvl="1" indent="0">
-              <a:buNone/>
-            </a:pPr>
-            <a:r>
-              <a:rPr lang="fr-FR" sz="3200" dirty="0" smtClean="0"/>
-              <a:t>Limitations</a:t>
-            </a:r>
-            <a:endParaRPr lang="fr-FR" dirty="0" smtClean="0"/>
-          </a:p>
-          <a:p>
-            <a:pPr lvl="1">
-              <a:buFont typeface="Arial" panose="020B0604020202020204" pitchFamily="34" charset="0"/>
-              <a:buChar char="•"/>
-            </a:pPr>
-            <a:r>
-              <a:rPr lang="en-US" sz="2800" dirty="0"/>
-              <a:t>Speed and </a:t>
-            </a:r>
-            <a:r>
-              <a:rPr lang="en-US" sz="2800" dirty="0" smtClean="0"/>
-              <a:t>shift (direction)</a:t>
-            </a:r>
-          </a:p>
-          <a:p>
-            <a:pPr lvl="1">
-              <a:buFont typeface="Arial" panose="020B0604020202020204" pitchFamily="34" charset="0"/>
-              <a:buChar char="•"/>
-            </a:pPr>
-            <a:r>
-              <a:rPr lang="fr-FR" sz="2800" dirty="0" err="1" smtClean="0"/>
-              <a:t>Coverage</a:t>
-            </a:r>
-            <a:r>
-              <a:rPr lang="fr-FR" sz="2800" dirty="0" smtClean="0"/>
-              <a:t> </a:t>
-            </a:r>
-            <a:r>
-              <a:rPr lang="fr-FR" sz="2800" dirty="0"/>
-              <a:t>and </a:t>
-            </a:r>
-            <a:r>
-              <a:rPr lang="fr-FR" sz="2800" dirty="0" err="1"/>
-              <a:t>connectivity</a:t>
-            </a:r>
-            <a:r>
-              <a:rPr lang="fr-FR" sz="2800" dirty="0"/>
-              <a:t> of communications are </a:t>
-            </a:r>
-            <a:r>
-              <a:rPr lang="fr-FR" sz="2800" dirty="0" err="1"/>
-              <a:t>two</a:t>
-            </a:r>
-            <a:r>
-              <a:rPr lang="fr-FR" sz="2800" dirty="0"/>
-              <a:t> </a:t>
-            </a:r>
-            <a:r>
-              <a:rPr lang="fr-FR" sz="2800" dirty="0" err="1"/>
-              <a:t>conflicting</a:t>
-            </a:r>
-            <a:r>
-              <a:rPr lang="fr-FR" sz="2800" dirty="0"/>
-              <a:t> objectives</a:t>
-            </a:r>
-            <a:r>
-              <a:rPr lang="fr-FR" sz="2800" dirty="0" smtClean="0"/>
-              <a:t>.</a:t>
-            </a:r>
-          </a:p>
-          <a:p>
-            <a:pPr lvl="1">
-              <a:buFont typeface="Arial" panose="020B0604020202020204" pitchFamily="34" charset="0"/>
-              <a:buChar char="•"/>
-            </a:pPr>
-            <a:r>
-              <a:rPr lang="fr-FR" sz="2800" dirty="0" err="1"/>
-              <a:t>Absolutely</a:t>
-            </a:r>
-            <a:r>
-              <a:rPr lang="fr-FR" sz="2800" dirty="0"/>
-              <a:t> </a:t>
-            </a:r>
-            <a:r>
-              <a:rPr lang="fr-FR" sz="2800" dirty="0" err="1" smtClean="0"/>
-              <a:t>unrealistic</a:t>
-            </a:r>
-            <a:r>
-              <a:rPr lang="fr-FR" sz="2800" dirty="0" smtClean="0"/>
-              <a:t> !!!!!!</a:t>
-            </a:r>
-            <a:endParaRPr lang="fr-FR" sz="2800" dirty="0"/>
-          </a:p>
-          <a:p>
-            <a:pPr lvl="1">
-              <a:buFont typeface="Arial" panose="020B0604020202020204" pitchFamily="34" charset="0"/>
-              <a:buChar char="•"/>
-            </a:pPr>
-            <a:endParaRPr lang="fr-FR" sz="2800" dirty="0" smtClean="0"/>
-          </a:p>
-          <a:p>
-            <a:pPr lvl="1">
-              <a:buFont typeface="Arial" panose="020B0604020202020204" pitchFamily="34" charset="0"/>
-              <a:buChar char="•"/>
-            </a:pPr>
-            <a:endParaRPr lang="fr-FR" sz="2800" dirty="0"/>
-          </a:p>
-          <a:p>
-            <a:pPr lvl="1">
-              <a:buFont typeface="Arial" panose="020B0604020202020204" pitchFamily="34" charset="0"/>
-              <a:buChar char="•"/>
-            </a:pPr>
-            <a:endParaRPr lang="fr-FR" dirty="0" smtClean="0"/>
-          </a:p>
-          <a:p>
-            <a:pPr marL="457200" lvl="1" indent="0">
-              <a:buNone/>
-            </a:pPr>
-            <a:endParaRPr lang="fr-FR" dirty="0"/>
-          </a:p>
-        </p:txBody>
-      </p:sp>
-      <p:sp>
-        <p:nvSpPr>
-          <p:cNvPr id="3" name="Espace réservé du pied de page 2"/>
-          <p:cNvSpPr>
-            <a:spLocks noGrp="1"/>
-          </p:cNvSpPr>
-          <p:nvPr>
-            <p:ph type="ftr" sz="quarter" idx="11"/>
-          </p:nvPr>
-        </p:nvSpPr>
-        <p:spPr/>
-        <p:txBody>
-          <a:bodyPr/>
-          <a:lstStyle/>
-          <a:p>
-            <a:r>
-              <a:rPr kumimoji="0" lang="fr-FR" smtClean="0"/>
-              <a:t>Master 2 – Computer Science – Authors : fcastagn, jetcheve, hpaziews, altessie &amp; mtesta</a:t>
-            </a:r>
-            <a:endParaRPr kumimoji="0" lang="fr-FR"/>
-          </a:p>
-        </p:txBody>
-      </p:sp>
-    </p:spTree>
-    <p:extLst>
-      <p:ext uri="{BB962C8B-B14F-4D97-AF65-F5344CB8AC3E}">
-        <p14:creationId xmlns:p14="http://schemas.microsoft.com/office/powerpoint/2010/main" val="3618246336"/>
-      </p:ext>
-    </p:extLst>
-  </p:cSld>
-  <p:clrMapOvr>
-    <a:masterClrMapping/>
-  </p:clrMapOvr>
-  <p:transition spd="slow">
-    <p:push dir="u"/>
-  </p:transition>
-  <p:timing>
-    <p:tnLst>
-      <p:par>
-        <p:cTn id="1" dur="indefinite" restart="never" nodeType="tmRoot"/>
-      </p:par>
-    </p:tnLst>
-  </p:timing>
-</p:sld>
-</file>
-
-<file path=ppt/slides/slide16.xml><?xml version="1.0" encoding="utf-8"?>
-<p:sld xmlns:a="http://schemas.openxmlformats.org/drawingml/2006/main" xmlns:r="http://schemas.openxmlformats.org/officeDocument/2006/relationships" xmlns:p="http://schemas.openxmlformats.org/presentationml/2006/main">
-  <p:cSld>
-    <p:spTree>
-      <p:nvGrpSpPr>
-        <p:cNvPr id="1" name=""/>
-        <p:cNvGrpSpPr/>
-        <p:nvPr/>
-      </p:nvGrpSpPr>
-      <p:grpSpPr>
-        <a:xfrm>
-          <a:off x="0" y="0"/>
-          <a:ext cx="0" cy="0"/>
-          <a:chOff x="0" y="0"/>
-          <a:chExt cx="0" cy="0"/>
-        </a:xfrm>
-      </p:grpSpPr>
-      <p:pic>
-        <p:nvPicPr>
-          <p:cNvPr id="6" name="Picture 5"/>
-          <p:cNvPicPr>
-            <a:picLocks noChangeAspect="1"/>
-          </p:cNvPicPr>
-          <p:nvPr/>
-        </p:nvPicPr>
-        <p:blipFill>
-          <a:blip r:embed="rId4" cstate="email">
-            <a:extLst>
-              <a:ext uri="{28A0092B-C50C-407E-A947-70E740481C1C}">
-                <a14:useLocalDpi xmlns:a14="http://schemas.microsoft.com/office/drawing/2010/main"/>
-              </a:ext>
-            </a:extLst>
-          </a:blip>
-          <a:stretch>
-            <a:fillRect/>
-          </a:stretch>
-        </p:blipFill>
-        <p:spPr>
-          <a:xfrm>
-            <a:off x="-4963332" y="-6858000"/>
-            <a:ext cx="7765662" cy="16476125"/>
-          </a:xfrm>
-          <a:prstGeom prst="rect">
-            <a:avLst/>
-          </a:prstGeom>
-        </p:spPr>
-      </p:pic>
-      <p:pic>
-        <p:nvPicPr>
-          <p:cNvPr id="13" name="Picture 12"/>
-          <p:cNvPicPr>
-            <a:picLocks noChangeAspect="1"/>
-          </p:cNvPicPr>
-          <p:nvPr/>
-        </p:nvPicPr>
-        <p:blipFill rotWithShape="1">
-          <a:blip r:embed="rId5" cstate="email">
-            <a:extLst>
-              <a:ext uri="{28A0092B-C50C-407E-A947-70E740481C1C}">
-                <a14:useLocalDpi xmlns:a14="http://schemas.microsoft.com/office/drawing/2010/main"/>
-              </a:ext>
-            </a:extLst>
-          </a:blip>
-          <a:srcRect/>
-          <a:stretch/>
-        </p:blipFill>
-        <p:spPr>
-          <a:xfrm rot="20753331" flipH="1">
-            <a:off x="-316180" y="3775286"/>
-            <a:ext cx="2895600" cy="3390489"/>
-          </a:xfrm>
-          <a:prstGeom prst="rect">
-            <a:avLst/>
-          </a:prstGeom>
-        </p:spPr>
-      </p:pic>
-      <p:sp>
-        <p:nvSpPr>
-          <p:cNvPr id="2" name="Espace réservé du numéro de diapositive 1"/>
-          <p:cNvSpPr>
-            <a:spLocks noGrp="1"/>
-          </p:cNvSpPr>
-          <p:nvPr>
-            <p:ph type="sldNum" sz="quarter" idx="12"/>
-          </p:nvPr>
-        </p:nvSpPr>
-        <p:spPr/>
-        <p:txBody>
-          <a:bodyPr/>
-          <a:lstStyle/>
-          <a:p>
-            <a:fld id="{33D6E5A2-EC83-451F-A719-9AC1370DD5CF}" type="slidenum">
-              <a:rPr lang="fr-FR" smtClean="0"/>
-              <a:pPr/>
-              <a:t>16</a:t>
-            </a:fld>
-            <a:r>
-              <a:rPr lang="fr-FR" dirty="0" smtClean="0"/>
-              <a:t>/26</a:t>
-            </a:r>
-            <a:endParaRPr lang="fr-FR" dirty="0"/>
-          </a:p>
-        </p:txBody>
-      </p:sp>
-      <p:sp>
-        <p:nvSpPr>
-          <p:cNvPr id="8" name="Title 1"/>
-          <p:cNvSpPr txBox="1">
-            <a:spLocks/>
-          </p:cNvSpPr>
-          <p:nvPr>
-            <p:custDataLst>
-              <p:tags r:id="rId1"/>
-            </p:custDataLst>
-          </p:nvPr>
-        </p:nvSpPr>
-        <p:spPr>
-          <a:xfrm>
-            <a:off x="771663" y="152455"/>
-            <a:ext cx="8077200" cy="903535"/>
-          </a:xfrm>
-          <a:prstGeom prst="rect">
-            <a:avLst/>
-          </a:prstGeom>
-        </p:spPr>
-        <p:txBody>
-          <a:bodyPr>
-            <a:normAutofit/>
-          </a:bodyPr>
-          <a:lstStyle>
-            <a:lvl1pPr algn="l" defTabSz="914400" rtl="0" eaLnBrk="1" latinLnBrk="0" hangingPunct="1">
-              <a:spcBef>
-                <a:spcPct val="0"/>
-              </a:spcBef>
-              <a:buNone/>
-              <a:defRPr kumimoji="0" lang="fr-FR" sz="4400" kern="1200">
-                <a:solidFill>
-                  <a:schemeClr val="tx1"/>
-                </a:solidFill>
-                <a:latin typeface="+mj-lt"/>
-                <a:ea typeface="+mj-ea"/>
-                <a:cs typeface="+mj-cs"/>
-              </a:defRPr>
-            </a:lvl1pPr>
-          </a:lstStyle>
-          <a:p>
-            <a:pPr algn="ctr"/>
-            <a:r>
-              <a:rPr lang="fr-FR" dirty="0" err="1"/>
-              <a:t>Comparison</a:t>
-            </a:r>
-            <a:r>
-              <a:rPr lang="fr-FR" dirty="0"/>
-              <a:t> of 2 </a:t>
-            </a:r>
-            <a:r>
-              <a:rPr lang="fr-FR" dirty="0" err="1"/>
-              <a:t>models</a:t>
-            </a:r>
-            <a:endParaRPr lang="fr-FR" dirty="0"/>
-          </a:p>
-        </p:txBody>
-      </p:sp>
-      <p:sp>
-        <p:nvSpPr>
-          <p:cNvPr id="3" name="Espace réservé du pied de page 2"/>
-          <p:cNvSpPr>
-            <a:spLocks noGrp="1"/>
-          </p:cNvSpPr>
-          <p:nvPr>
-            <p:ph type="ftr" sz="quarter" idx="11"/>
-          </p:nvPr>
-        </p:nvSpPr>
-        <p:spPr>
-          <a:xfrm>
-            <a:off x="2699792" y="6448251"/>
-            <a:ext cx="5256584" cy="365125"/>
-          </a:xfrm>
-        </p:spPr>
-        <p:txBody>
-          <a:bodyPr/>
-          <a:lstStyle/>
-          <a:p>
-            <a:r>
-              <a:rPr kumimoji="0" lang="fr-FR" dirty="0" smtClean="0"/>
-              <a:t>Master 2 – Computer Science – </a:t>
-            </a:r>
-            <a:r>
-              <a:rPr kumimoji="0" lang="fr-FR" dirty="0" err="1" smtClean="0"/>
-              <a:t>Authors</a:t>
-            </a:r>
-            <a:r>
-              <a:rPr kumimoji="0" lang="fr-FR" dirty="0" smtClean="0"/>
-              <a:t> : </a:t>
-            </a:r>
-          </a:p>
-          <a:p>
-            <a:r>
-              <a:rPr kumimoji="0" lang="fr-FR" dirty="0" err="1" smtClean="0"/>
-              <a:t>fcastagn</a:t>
-            </a:r>
-            <a:r>
-              <a:rPr kumimoji="0" lang="fr-FR" dirty="0" smtClean="0"/>
-              <a:t>, </a:t>
-            </a:r>
-            <a:r>
-              <a:rPr kumimoji="0" lang="fr-FR" dirty="0" err="1" smtClean="0"/>
-              <a:t>jetcheve</a:t>
-            </a:r>
-            <a:r>
-              <a:rPr kumimoji="0" lang="fr-FR" dirty="0" smtClean="0"/>
-              <a:t>, </a:t>
-            </a:r>
-            <a:r>
-              <a:rPr kumimoji="0" lang="fr-FR" dirty="0" err="1" smtClean="0"/>
-              <a:t>hpaziews</a:t>
-            </a:r>
-            <a:r>
-              <a:rPr kumimoji="0" lang="fr-FR" dirty="0" smtClean="0"/>
-              <a:t>, </a:t>
-            </a:r>
-            <a:r>
-              <a:rPr kumimoji="0" lang="fr-FR" dirty="0" err="1" smtClean="0"/>
-              <a:t>altessie</a:t>
-            </a:r>
-            <a:r>
-              <a:rPr kumimoji="0" lang="fr-FR" dirty="0" smtClean="0"/>
-              <a:t> &amp; </a:t>
-            </a:r>
-            <a:r>
-              <a:rPr kumimoji="0" lang="fr-FR" dirty="0" err="1" smtClean="0"/>
-              <a:t>mtesta</a:t>
-            </a:r>
-            <a:endParaRPr kumimoji="0" lang="fr-FR" dirty="0"/>
-          </a:p>
-        </p:txBody>
-      </p:sp>
-      <p:pic>
-        <p:nvPicPr>
-          <p:cNvPr id="10" name="Picture 3"/>
-          <p:cNvPicPr>
-            <a:picLocks noChangeAspect="1" noChangeArrowheads="1"/>
-          </p:cNvPicPr>
-          <p:nvPr/>
-        </p:nvPicPr>
-        <p:blipFill>
-          <a:blip r:embed="rId6" cstate="email">
-            <a:extLst>
-              <a:ext uri="{28A0092B-C50C-407E-A947-70E740481C1C}">
-                <a14:useLocalDpi xmlns:a14="http://schemas.microsoft.com/office/drawing/2010/main" val="0"/>
-              </a:ext>
-            </a:extLst>
-          </a:blip>
-          <a:srcRect/>
-          <a:stretch>
-            <a:fillRect/>
-          </a:stretch>
-        </p:blipFill>
-        <p:spPr bwMode="auto">
-          <a:xfrm>
-            <a:off x="2847729" y="3140968"/>
-            <a:ext cx="4329844" cy="946445"/>
-          </a:xfrm>
-          <a:prstGeom prst="rect">
-            <a:avLst/>
-          </a:prstGeom>
-          <a:noFill/>
-          <a:ln>
-            <a:noFill/>
-          </a:ln>
-          <a:extLst>
-            <a:ext uri="{909E8E84-426E-40DD-AFC4-6F175D3DCCD1}">
-              <a14:hiddenFill xmlns:a14="http://schemas.microsoft.com/office/drawing/2010/main">
-                <a:solidFill>
-                  <a:schemeClr val="accent1"/>
-                </a:solidFill>
-              </a14:hiddenFill>
-            </a:ext>
-            <a:ext uri="{91240B29-F687-4F45-9708-019B960494DF}">
-              <a14:hiddenLine xmlns:a14="http://schemas.microsoft.com/office/drawing/2010/main" w="9525">
-                <a:solidFill>
-                  <a:schemeClr val="tx1"/>
-                </a:solidFill>
-                <a:miter lim="800000"/>
-                <a:headEnd/>
-                <a:tailEnd/>
-              </a14:hiddenLine>
-            </a:ext>
-          </a:extLst>
-        </p:spPr>
-      </p:pic>
-      <p:sp>
-        <p:nvSpPr>
-          <p:cNvPr id="15" name="ZoneTexte 14"/>
-          <p:cNvSpPr txBox="1"/>
-          <p:nvPr/>
-        </p:nvSpPr>
-        <p:spPr>
-          <a:xfrm>
-            <a:off x="2587346" y="1556792"/>
-            <a:ext cx="4752528" cy="1354217"/>
-          </a:xfrm>
-          <a:prstGeom prst="rect">
-            <a:avLst/>
-          </a:prstGeom>
-          <a:noFill/>
-        </p:spPr>
-        <p:txBody>
-          <a:bodyPr wrap="square" rtlCol="0">
-            <a:spAutoFit/>
-          </a:bodyPr>
-          <a:lstStyle/>
-          <a:p>
-            <a:r>
-              <a:rPr lang="fr-FR" sz="2400" i="1" u="sng" dirty="0" smtClean="0"/>
-              <a:t>Scan </a:t>
-            </a:r>
-            <a:r>
-              <a:rPr lang="fr-FR" sz="2400" i="1" u="sng" dirty="0" err="1" smtClean="0"/>
-              <a:t>characteristic</a:t>
-            </a:r>
-            <a:endParaRPr lang="fr-FR" sz="2400" i="1" u="sng" dirty="0" smtClean="0"/>
-          </a:p>
-          <a:p>
-            <a:endParaRPr lang="fr-FR" dirty="0"/>
-          </a:p>
-          <a:p>
-            <a:r>
-              <a:rPr lang="fr-FR" sz="2000" dirty="0" err="1" smtClean="0"/>
-              <a:t>Both</a:t>
-            </a:r>
-            <a:r>
-              <a:rPr lang="fr-FR" sz="2000" dirty="0" smtClean="0"/>
-              <a:t> </a:t>
-            </a:r>
-            <a:r>
-              <a:rPr lang="fr-FR" sz="2000" dirty="0" err="1" smtClean="0"/>
-              <a:t>models</a:t>
-            </a:r>
-            <a:r>
-              <a:rPr lang="fr-FR" sz="2000" dirty="0" smtClean="0"/>
-              <a:t> manage </a:t>
-            </a:r>
-            <a:r>
-              <a:rPr lang="fr-FR" sz="2000" dirty="0" err="1" smtClean="0"/>
-              <a:t>quite</a:t>
-            </a:r>
-            <a:r>
-              <a:rPr lang="fr-FR" sz="2000" dirty="0" smtClean="0"/>
-              <a:t> </a:t>
-            </a:r>
-            <a:r>
-              <a:rPr lang="fr-FR" sz="2000" dirty="0" err="1" smtClean="0"/>
-              <a:t>well</a:t>
-            </a:r>
-            <a:r>
-              <a:rPr lang="fr-FR" sz="2000" dirty="0" smtClean="0"/>
-              <a:t> to </a:t>
-            </a:r>
-            <a:r>
-              <a:rPr lang="fr-FR" sz="2000" dirty="0" err="1" smtClean="0"/>
-              <a:t>avoid</a:t>
-            </a:r>
-            <a:r>
-              <a:rPr lang="fr-FR" sz="2000" dirty="0" smtClean="0"/>
-              <a:t> </a:t>
-            </a:r>
-            <a:r>
-              <a:rPr lang="fr-FR" sz="2000" dirty="0" err="1" smtClean="0"/>
-              <a:t>rescanning</a:t>
-            </a:r>
-            <a:r>
-              <a:rPr lang="fr-FR" sz="2000" dirty="0" smtClean="0"/>
-              <a:t> a </a:t>
-            </a:r>
-            <a:r>
-              <a:rPr lang="fr-FR" sz="2000" dirty="0" err="1" smtClean="0"/>
-              <a:t>recently</a:t>
-            </a:r>
-            <a:r>
-              <a:rPr lang="fr-FR" sz="2000" dirty="0" smtClean="0"/>
-              <a:t> </a:t>
-            </a:r>
-            <a:r>
-              <a:rPr lang="fr-FR" sz="2000" dirty="0" err="1" smtClean="0"/>
-              <a:t>scanned</a:t>
-            </a:r>
-            <a:r>
-              <a:rPr lang="fr-FR" sz="2000" dirty="0" smtClean="0"/>
-              <a:t> area.</a:t>
-            </a:r>
-          </a:p>
-        </p:txBody>
-      </p:sp>
-      <p:sp>
-        <p:nvSpPr>
-          <p:cNvPr id="17" name="TextShape 5"/>
-          <p:cNvSpPr txBox="1"/>
-          <p:nvPr/>
-        </p:nvSpPr>
-        <p:spPr>
-          <a:xfrm>
-            <a:off x="2802330" y="4365003"/>
-            <a:ext cx="5615928" cy="520200"/>
-          </a:xfrm>
-          <a:prstGeom prst="rect">
-            <a:avLst/>
-          </a:prstGeom>
-        </p:spPr>
-        <p:txBody>
-          <a:bodyPr wrap="none" lIns="90000" tIns="45000" rIns="90000" bIns="45000"/>
-          <a:lstStyle/>
-          <a:p>
-            <a:r>
-              <a:rPr lang="fr-FR" sz="1500" b="1" i="1" dirty="0" err="1"/>
-              <a:t>From</a:t>
-            </a:r>
-            <a:r>
-              <a:rPr lang="fr-FR" sz="1500" b="1" i="1" dirty="0"/>
-              <a:t> :</a:t>
-            </a:r>
-            <a:r>
-              <a:rPr lang="fr-FR" sz="1500" dirty="0"/>
-              <a:t> </a:t>
-            </a:r>
-            <a:r>
-              <a:rPr lang="fr-FR" sz="1500" dirty="0">
-                <a:latin typeface="Arial"/>
-                <a:ea typeface="Arial"/>
-              </a:rPr>
-              <a:t>“</a:t>
-            </a:r>
-            <a:r>
-              <a:rPr lang="fr-FR" sz="1500" i="1" dirty="0" err="1"/>
-              <a:t>Mobility</a:t>
-            </a:r>
-            <a:r>
-              <a:rPr lang="fr-FR" sz="1500" i="1" dirty="0"/>
-              <a:t> </a:t>
-            </a:r>
-            <a:r>
-              <a:rPr lang="fr-FR" sz="1500" i="1" dirty="0" err="1"/>
-              <a:t>Models</a:t>
-            </a:r>
-            <a:r>
-              <a:rPr lang="fr-FR" sz="1500" i="1" dirty="0"/>
-              <a:t> for UAV Group Reconnaissance Applications</a:t>
-            </a:r>
-            <a:r>
-              <a:rPr lang="fr-FR" sz="1500" i="1" dirty="0">
-                <a:latin typeface="Arial"/>
-                <a:ea typeface="Arial"/>
-              </a:rPr>
-              <a:t>”</a:t>
-            </a:r>
-            <a:endParaRPr dirty="0"/>
-          </a:p>
-          <a:p>
-            <a:r>
-              <a:rPr lang="fr-FR" sz="1500" b="1" i="1" dirty="0">
-                <a:latin typeface="Calibri (Corps)"/>
-                <a:ea typeface="Arial"/>
-              </a:rPr>
-              <a:t>By :</a:t>
-            </a:r>
-            <a:r>
-              <a:rPr lang="fr-FR" sz="1500" i="1" dirty="0">
-                <a:latin typeface="Calibri (Corps)"/>
-                <a:ea typeface="Arial"/>
-              </a:rPr>
-              <a:t> </a:t>
-            </a:r>
-            <a:r>
-              <a:rPr lang="fr-FR" sz="1500" i="1" dirty="0" smtClean="0">
-                <a:latin typeface="Calibri (Corps)"/>
-                <a:ea typeface="Arial"/>
-              </a:rPr>
-              <a:t>E</a:t>
-            </a:r>
-            <a:r>
-              <a:rPr lang="fr-FR" sz="1500" i="1" dirty="0">
-                <a:latin typeface="Calibri (Corps)"/>
-                <a:ea typeface="Arial"/>
-              </a:rPr>
-              <a:t>. Kuiper and S. </a:t>
-            </a:r>
-            <a:r>
-              <a:rPr lang="fr-FR" sz="1500" i="1" dirty="0" err="1">
-                <a:latin typeface="Calibri (Corps)"/>
-                <a:ea typeface="Arial"/>
-              </a:rPr>
-              <a:t>Nadjm</a:t>
-            </a:r>
-            <a:r>
-              <a:rPr lang="fr-FR" sz="1500" i="1" dirty="0">
-                <a:latin typeface="Calibri (Corps)"/>
-                <a:ea typeface="Arial"/>
-              </a:rPr>
-              <a:t>-Tehrani. </a:t>
-            </a:r>
-            <a:endParaRPr dirty="0">
-              <a:latin typeface="Calibri (Corps)"/>
-            </a:endParaRPr>
-          </a:p>
-        </p:txBody>
-      </p:sp>
-    </p:spTree>
-    <p:extLst>
-      <p:ext uri="{BB962C8B-B14F-4D97-AF65-F5344CB8AC3E}">
-        <p14:creationId xmlns:p14="http://schemas.microsoft.com/office/powerpoint/2010/main" val="1942935411"/>
-      </p:ext>
-    </p:extLst>
-  </p:cSld>
-  <p:clrMapOvr>
-    <a:masterClrMapping/>
-  </p:clrMapOvr>
-  <p:transition spd="slow">
-    <p:push dir="u"/>
-  </p:transition>
-  <p:timing>
-    <p:tnLst>
-      <p:par>
-        <p:cTn id="1" dur="indefinite" restart="never" nodeType="tmRoot"/>
-      </p:par>
-    </p:tnLst>
-  </p:timing>
-</p:sld>
-</file>
-
-<file path=ppt/slides/slide17.xml><?xml version="1.0" encoding="utf-8"?>
-<p:sld xmlns:a="http://schemas.openxmlformats.org/drawingml/2006/main" xmlns:r="http://schemas.openxmlformats.org/officeDocument/2006/relationships" xmlns:p="http://schemas.openxmlformats.org/presentationml/2006/main">
-  <p:cSld>
-    <p:spTree>
-      <p:nvGrpSpPr>
-        <p:cNvPr id="1" name=""/>
-        <p:cNvGrpSpPr/>
-        <p:nvPr/>
-      </p:nvGrpSpPr>
-      <p:grpSpPr>
-        <a:xfrm>
-          <a:off x="0" y="0"/>
-          <a:ext cx="0" cy="0"/>
-          <a:chOff x="0" y="0"/>
-          <a:chExt cx="0" cy="0"/>
-        </a:xfrm>
-      </p:grpSpPr>
-      <p:pic>
-        <p:nvPicPr>
-          <p:cNvPr id="6" name="Picture 5"/>
-          <p:cNvPicPr>
-            <a:picLocks noChangeAspect="1"/>
-          </p:cNvPicPr>
-          <p:nvPr/>
-        </p:nvPicPr>
-        <p:blipFill>
-          <a:blip r:embed="rId4" cstate="email">
-            <a:extLst>
-              <a:ext uri="{28A0092B-C50C-407E-A947-70E740481C1C}">
-                <a14:useLocalDpi xmlns:a14="http://schemas.microsoft.com/office/drawing/2010/main"/>
-              </a:ext>
-            </a:extLst>
-          </a:blip>
-          <a:stretch>
-            <a:fillRect/>
-          </a:stretch>
-        </p:blipFill>
-        <p:spPr>
-          <a:xfrm>
-            <a:off x="-4963332" y="-6858000"/>
-            <a:ext cx="7765662" cy="16476125"/>
-          </a:xfrm>
-          <a:prstGeom prst="rect">
-            <a:avLst/>
-          </a:prstGeom>
-        </p:spPr>
-      </p:pic>
-      <p:pic>
-        <p:nvPicPr>
-          <p:cNvPr id="13" name="Picture 12"/>
-          <p:cNvPicPr>
-            <a:picLocks noChangeAspect="1"/>
-          </p:cNvPicPr>
-          <p:nvPr/>
-        </p:nvPicPr>
-        <p:blipFill rotWithShape="1">
-          <a:blip r:embed="rId5" cstate="email">
-            <a:extLst>
-              <a:ext uri="{28A0092B-C50C-407E-A947-70E740481C1C}">
-                <a14:useLocalDpi xmlns:a14="http://schemas.microsoft.com/office/drawing/2010/main"/>
-              </a:ext>
-            </a:extLst>
-          </a:blip>
-          <a:srcRect/>
-          <a:stretch/>
-        </p:blipFill>
-        <p:spPr>
-          <a:xfrm rot="20753331" flipH="1">
-            <a:off x="-316178" y="3748237"/>
-            <a:ext cx="2895600" cy="3390489"/>
-          </a:xfrm>
-          <a:prstGeom prst="rect">
-            <a:avLst/>
-          </a:prstGeom>
-        </p:spPr>
-      </p:pic>
-      <p:sp>
-        <p:nvSpPr>
-          <p:cNvPr id="2" name="Espace réservé du numéro de diapositive 1"/>
-          <p:cNvSpPr>
-            <a:spLocks noGrp="1"/>
-          </p:cNvSpPr>
-          <p:nvPr>
-            <p:ph type="sldNum" sz="quarter" idx="12"/>
-          </p:nvPr>
-        </p:nvSpPr>
-        <p:spPr/>
-        <p:txBody>
-          <a:bodyPr/>
-          <a:lstStyle/>
-          <a:p>
-            <a:fld id="{33D6E5A2-EC83-451F-A719-9AC1370DD5CF}" type="slidenum">
-              <a:rPr lang="fr-FR" smtClean="0"/>
-              <a:pPr/>
-              <a:t>17</a:t>
-            </a:fld>
-            <a:r>
-              <a:rPr lang="fr-FR" dirty="0" smtClean="0"/>
-              <a:t>/26</a:t>
-            </a:r>
-            <a:endParaRPr lang="fr-FR" dirty="0"/>
-          </a:p>
-        </p:txBody>
-      </p:sp>
-      <p:sp>
-        <p:nvSpPr>
-          <p:cNvPr id="8" name="Title 1"/>
-          <p:cNvSpPr txBox="1">
-            <a:spLocks/>
-          </p:cNvSpPr>
-          <p:nvPr>
-            <p:custDataLst>
-              <p:tags r:id="rId1"/>
-            </p:custDataLst>
-          </p:nvPr>
-        </p:nvSpPr>
-        <p:spPr>
-          <a:xfrm>
-            <a:off x="683568" y="188640"/>
-            <a:ext cx="8077200" cy="711096"/>
-          </a:xfrm>
-          <a:prstGeom prst="rect">
-            <a:avLst/>
-          </a:prstGeom>
-        </p:spPr>
-        <p:txBody>
-          <a:bodyPr>
-            <a:normAutofit lnSpcReduction="10000"/>
-          </a:bodyPr>
-          <a:lstStyle>
-            <a:lvl1pPr algn="l" defTabSz="914400" rtl="0" eaLnBrk="1" latinLnBrk="0" hangingPunct="1">
-              <a:spcBef>
-                <a:spcPct val="0"/>
-              </a:spcBef>
-              <a:buNone/>
-              <a:defRPr kumimoji="0" lang="fr-FR" sz="4400" kern="1200">
-                <a:solidFill>
-                  <a:schemeClr val="tx1"/>
-                </a:solidFill>
-                <a:latin typeface="+mj-lt"/>
-                <a:ea typeface="+mj-ea"/>
-                <a:cs typeface="+mj-cs"/>
-              </a:defRPr>
-            </a:lvl1pPr>
-          </a:lstStyle>
-          <a:p>
-            <a:pPr algn="ctr"/>
-            <a:r>
-              <a:rPr lang="fr-FR" dirty="0"/>
-              <a:t>Our </a:t>
-            </a:r>
-            <a:r>
-              <a:rPr lang="fr-FR" dirty="0" err="1"/>
-              <a:t>Implementation</a:t>
-            </a:r>
-            <a:endParaRPr lang="fr-FR" dirty="0"/>
-          </a:p>
-        </p:txBody>
-      </p:sp>
-      <p:sp>
-        <p:nvSpPr>
-          <p:cNvPr id="9" name="Espace réservé du pied de page 8"/>
-          <p:cNvSpPr>
-            <a:spLocks noGrp="1"/>
-          </p:cNvSpPr>
-          <p:nvPr>
-            <p:ph type="ftr" sz="quarter" idx="11"/>
-          </p:nvPr>
-        </p:nvSpPr>
-        <p:spPr>
-          <a:xfrm>
-            <a:off x="3203848" y="6356350"/>
-            <a:ext cx="2895600" cy="365125"/>
-          </a:xfrm>
-        </p:spPr>
-        <p:txBody>
-          <a:bodyPr/>
-          <a:lstStyle/>
-          <a:p>
-            <a:r>
-              <a:rPr kumimoji="0" lang="fr-FR" dirty="0" smtClean="0"/>
-              <a:t>Master 2 – Computer Science – </a:t>
-            </a:r>
-            <a:r>
-              <a:rPr kumimoji="0" lang="fr-FR" dirty="0" err="1" smtClean="0"/>
-              <a:t>Authors</a:t>
-            </a:r>
-            <a:r>
-              <a:rPr kumimoji="0" lang="fr-FR" dirty="0" smtClean="0"/>
-              <a:t> : </a:t>
-            </a:r>
-            <a:r>
-              <a:rPr kumimoji="0" lang="fr-FR" dirty="0" err="1" smtClean="0"/>
-              <a:t>fcastagn</a:t>
-            </a:r>
-            <a:r>
-              <a:rPr kumimoji="0" lang="fr-FR" dirty="0" smtClean="0"/>
-              <a:t>, </a:t>
-            </a:r>
-            <a:r>
-              <a:rPr kumimoji="0" lang="fr-FR" dirty="0" err="1" smtClean="0"/>
-              <a:t>jetcheve</a:t>
-            </a:r>
-            <a:r>
-              <a:rPr kumimoji="0" lang="fr-FR" dirty="0" smtClean="0"/>
-              <a:t>, </a:t>
-            </a:r>
-            <a:r>
-              <a:rPr kumimoji="0" lang="fr-FR" dirty="0" err="1" smtClean="0"/>
-              <a:t>hpaziews</a:t>
-            </a:r>
-            <a:r>
-              <a:rPr kumimoji="0" lang="fr-FR" dirty="0" smtClean="0"/>
-              <a:t>, </a:t>
-            </a:r>
-            <a:r>
-              <a:rPr kumimoji="0" lang="fr-FR" dirty="0" err="1" smtClean="0"/>
-              <a:t>altessie</a:t>
-            </a:r>
-            <a:r>
-              <a:rPr kumimoji="0" lang="fr-FR" dirty="0" smtClean="0"/>
-              <a:t> &amp; </a:t>
-            </a:r>
-            <a:r>
-              <a:rPr kumimoji="0" lang="fr-FR" dirty="0" err="1" smtClean="0"/>
-              <a:t>mtesta</a:t>
-            </a:r>
-            <a:endParaRPr kumimoji="0" lang="fr-FR" dirty="0"/>
-          </a:p>
-        </p:txBody>
-      </p:sp>
-      <p:sp>
-        <p:nvSpPr>
-          <p:cNvPr id="3" name="ZoneTexte 2"/>
-          <p:cNvSpPr txBox="1"/>
-          <p:nvPr/>
-        </p:nvSpPr>
-        <p:spPr>
-          <a:xfrm>
-            <a:off x="1619673" y="2524213"/>
-            <a:ext cx="4479776" cy="1938992"/>
-          </a:xfrm>
-          <a:prstGeom prst="rect">
-            <a:avLst/>
-          </a:prstGeom>
-          <a:noFill/>
-        </p:spPr>
-        <p:txBody>
-          <a:bodyPr wrap="square" rtlCol="0">
-            <a:spAutoFit/>
-          </a:bodyPr>
-          <a:lstStyle/>
-          <a:p>
-            <a:pPr marL="285750" indent="-285750">
-              <a:buFont typeface="Arial" panose="020B0604020202020204" pitchFamily="34" charset="0"/>
-              <a:buChar char="•"/>
-            </a:pPr>
-            <a:r>
-              <a:rPr lang="fr-FR" sz="2400" dirty="0" err="1"/>
-              <a:t>Everything</a:t>
-            </a:r>
-            <a:r>
-              <a:rPr lang="fr-FR" sz="2400" dirty="0"/>
-              <a:t> </a:t>
-            </a:r>
-            <a:r>
-              <a:rPr lang="fr-FR" sz="2400" dirty="0" err="1"/>
-              <a:t>was</a:t>
-            </a:r>
-            <a:r>
-              <a:rPr lang="fr-FR" sz="2400" dirty="0"/>
-              <a:t> </a:t>
-            </a:r>
-            <a:r>
-              <a:rPr lang="fr-FR" sz="2400" dirty="0" err="1" smtClean="0"/>
-              <a:t>done</a:t>
-            </a:r>
-            <a:endParaRPr lang="fr-FR" sz="2400" dirty="0" smtClean="0"/>
-          </a:p>
-          <a:p>
-            <a:pPr marL="285750" indent="-285750">
-              <a:buFont typeface="Arial" panose="020B0604020202020204" pitchFamily="34" charset="0"/>
-              <a:buChar char="•"/>
-            </a:pPr>
-            <a:r>
-              <a:rPr lang="fr-FR" sz="2400" dirty="0" smtClean="0"/>
-              <a:t>10 </a:t>
-            </a:r>
-            <a:r>
-              <a:rPr lang="fr-FR" sz="2400" dirty="0" err="1" smtClean="0"/>
-              <a:t>nodes</a:t>
-            </a:r>
-            <a:r>
-              <a:rPr lang="fr-FR" sz="2400" dirty="0" smtClean="0"/>
-              <a:t>/</a:t>
-            </a:r>
-            <a:r>
-              <a:rPr lang="fr-FR" sz="2400" dirty="0" err="1" smtClean="0"/>
-              <a:t>models</a:t>
-            </a:r>
-            <a:endParaRPr lang="fr-FR" sz="2400" dirty="0" smtClean="0"/>
-          </a:p>
-          <a:p>
-            <a:pPr marL="285750" indent="-285750">
-              <a:buFont typeface="Arial" panose="020B0604020202020204" pitchFamily="34" charset="0"/>
-              <a:buChar char="•"/>
-            </a:pPr>
-            <a:r>
-              <a:rPr lang="fr-FR" sz="2400" dirty="0" err="1" smtClean="0"/>
-              <a:t>Margin</a:t>
-            </a:r>
-            <a:r>
-              <a:rPr lang="fr-FR" sz="2400" dirty="0" smtClean="0"/>
-              <a:t> </a:t>
-            </a:r>
-            <a:r>
-              <a:rPr lang="fr-FR" sz="2400" dirty="0" err="1" smtClean="0"/>
-              <a:t>calculation</a:t>
-            </a:r>
-            <a:endParaRPr lang="fr-FR" sz="2400" dirty="0" smtClean="0"/>
-          </a:p>
-          <a:p>
-            <a:pPr marL="285750" indent="-285750">
-              <a:buFont typeface="Arial" panose="020B0604020202020204" pitchFamily="34" charset="0"/>
-              <a:buChar char="•"/>
-            </a:pPr>
-            <a:r>
-              <a:rPr lang="fr-FR" sz="2400" dirty="0" err="1" smtClean="0"/>
-              <a:t>Percentage</a:t>
-            </a:r>
-            <a:r>
-              <a:rPr lang="fr-FR" sz="2400" dirty="0" smtClean="0"/>
-              <a:t> </a:t>
-            </a:r>
-            <a:r>
-              <a:rPr lang="fr-FR" sz="2400" dirty="0"/>
-              <a:t>of </a:t>
-            </a:r>
-            <a:r>
-              <a:rPr lang="fr-FR" sz="2400" dirty="0" smtClean="0"/>
-              <a:t>scan</a:t>
-            </a:r>
-          </a:p>
-          <a:p>
-            <a:pPr marL="285750" indent="-285750">
-              <a:buFont typeface="Arial" panose="020B0604020202020204" pitchFamily="34" charset="0"/>
-              <a:buChar char="•"/>
-            </a:pPr>
-            <a:r>
-              <a:rPr lang="fr-FR" sz="2400" dirty="0" err="1" smtClean="0"/>
-              <a:t>Tracking</a:t>
-            </a:r>
-            <a:r>
-              <a:rPr lang="fr-FR" sz="2400" dirty="0" smtClean="0"/>
-              <a:t> display</a:t>
-            </a:r>
-          </a:p>
-        </p:txBody>
-      </p:sp>
-      <p:sp>
-        <p:nvSpPr>
-          <p:cNvPr id="4" name="ZoneTexte 3"/>
-          <p:cNvSpPr txBox="1"/>
-          <p:nvPr/>
-        </p:nvSpPr>
-        <p:spPr>
-          <a:xfrm>
-            <a:off x="2223304" y="1975495"/>
-            <a:ext cx="1704313" cy="523220"/>
-          </a:xfrm>
-          <a:prstGeom prst="rect">
-            <a:avLst/>
-          </a:prstGeom>
-          <a:noFill/>
-        </p:spPr>
-        <p:txBody>
-          <a:bodyPr wrap="none" rtlCol="0">
-            <a:spAutoFit/>
-          </a:bodyPr>
-          <a:lstStyle/>
-          <a:p>
-            <a:r>
-              <a:rPr lang="fr-FR" sz="2800" dirty="0" smtClean="0"/>
-              <a:t>All </a:t>
-            </a:r>
-            <a:r>
-              <a:rPr lang="fr-FR" sz="2800" dirty="0" err="1" smtClean="0"/>
-              <a:t>models</a:t>
-            </a:r>
-            <a:endParaRPr lang="fr-FR" sz="2800" dirty="0"/>
-          </a:p>
-        </p:txBody>
-      </p:sp>
-      <p:sp>
-        <p:nvSpPr>
-          <p:cNvPr id="5" name="ZoneTexte 4"/>
-          <p:cNvSpPr txBox="1"/>
-          <p:nvPr/>
-        </p:nvSpPr>
-        <p:spPr>
-          <a:xfrm>
-            <a:off x="6099448" y="1975495"/>
-            <a:ext cx="2895986" cy="523220"/>
-          </a:xfrm>
-          <a:prstGeom prst="rect">
-            <a:avLst/>
-          </a:prstGeom>
-          <a:noFill/>
-        </p:spPr>
-        <p:txBody>
-          <a:bodyPr wrap="none" rtlCol="0">
-            <a:spAutoFit/>
-          </a:bodyPr>
-          <a:lstStyle/>
-          <a:p>
-            <a:r>
-              <a:rPr lang="fr-FR" sz="2800" dirty="0" err="1" smtClean="0"/>
-              <a:t>Pheromone</a:t>
-            </a:r>
-            <a:r>
-              <a:rPr lang="fr-FR" sz="2800" dirty="0" smtClean="0"/>
-              <a:t> model</a:t>
-            </a:r>
-            <a:endParaRPr lang="fr-FR" sz="2800" dirty="0"/>
-          </a:p>
-        </p:txBody>
-      </p:sp>
-      <p:sp>
-        <p:nvSpPr>
-          <p:cNvPr id="11" name="ZoneTexte 10"/>
-          <p:cNvSpPr txBox="1"/>
-          <p:nvPr/>
-        </p:nvSpPr>
-        <p:spPr>
-          <a:xfrm>
-            <a:off x="5846178" y="2560836"/>
-            <a:ext cx="2993022" cy="2308324"/>
-          </a:xfrm>
-          <a:prstGeom prst="rect">
-            <a:avLst/>
-          </a:prstGeom>
-          <a:noFill/>
-        </p:spPr>
-        <p:txBody>
-          <a:bodyPr wrap="square" rtlCol="0">
-            <a:spAutoFit/>
-          </a:bodyPr>
-          <a:lstStyle/>
-          <a:p>
-            <a:pPr marL="342900" indent="-342900">
-              <a:buFont typeface="Arial" panose="020B0604020202020204" pitchFamily="34" charset="0"/>
-              <a:buChar char="•"/>
-            </a:pPr>
-            <a:r>
-              <a:rPr lang="fr-FR" sz="2400" dirty="0" err="1"/>
-              <a:t>Presence</a:t>
-            </a:r>
-            <a:r>
-              <a:rPr lang="fr-FR" sz="2400" dirty="0"/>
-              <a:t> of C&amp;C </a:t>
-            </a:r>
-            <a:r>
-              <a:rPr lang="fr-FR" sz="2400" dirty="0" err="1"/>
-              <a:t>does</a:t>
-            </a:r>
-            <a:r>
-              <a:rPr lang="fr-FR" sz="2400" dirty="0"/>
-              <a:t> not </a:t>
-            </a:r>
-            <a:r>
-              <a:rPr lang="fr-FR" sz="2400" dirty="0" smtClean="0"/>
-              <a:t>move</a:t>
-            </a:r>
-          </a:p>
-          <a:p>
-            <a:pPr marL="342900" indent="-342900">
-              <a:buFont typeface="Arial" panose="020B0604020202020204" pitchFamily="34" charset="0"/>
-              <a:buChar char="•"/>
-            </a:pPr>
-            <a:r>
-              <a:rPr lang="fr-FR" sz="2400" dirty="0"/>
-              <a:t>Communication </a:t>
-            </a:r>
-          </a:p>
-          <a:p>
-            <a:pPr marL="342900" indent="-342900">
-              <a:buFont typeface="Arial" panose="020B0604020202020204" pitchFamily="34" charset="0"/>
-              <a:buChar char="•"/>
-            </a:pPr>
-            <a:endParaRPr lang="fr-FR" sz="2400" dirty="0" smtClean="0"/>
-          </a:p>
-          <a:p>
-            <a:pPr marL="342900" indent="-342900">
-              <a:buFont typeface="Arial" panose="020B0604020202020204" pitchFamily="34" charset="0"/>
-              <a:buChar char="•"/>
-            </a:pPr>
-            <a:endParaRPr lang="fr-FR" sz="2400" dirty="0"/>
-          </a:p>
-          <a:p>
-            <a:endParaRPr lang="fr-FR" sz="2400" dirty="0"/>
-          </a:p>
-        </p:txBody>
-      </p:sp>
-      <p:cxnSp>
-        <p:nvCxnSpPr>
-          <p:cNvPr id="14" name="Connecteur droit 13"/>
-          <p:cNvCxnSpPr/>
-          <p:nvPr/>
-        </p:nvCxnSpPr>
-        <p:spPr>
-          <a:xfrm>
-            <a:off x="5148064" y="1975495"/>
-            <a:ext cx="0" cy="2487710"/>
-          </a:xfrm>
-          <a:prstGeom prst="line">
-            <a:avLst/>
-          </a:prstGeom>
-        </p:spPr>
-        <p:style>
-          <a:lnRef idx="3">
-            <a:schemeClr val="dk1"/>
-          </a:lnRef>
-          <a:fillRef idx="0">
-            <a:schemeClr val="dk1"/>
-          </a:fillRef>
-          <a:effectRef idx="2">
-            <a:schemeClr val="dk1"/>
-          </a:effectRef>
-          <a:fontRef idx="minor">
-            <a:schemeClr val="tx1"/>
-          </a:fontRef>
-        </p:style>
-      </p:cxnSp>
-    </p:spTree>
-    <p:extLst>
-      <p:ext uri="{BB962C8B-B14F-4D97-AF65-F5344CB8AC3E}">
-        <p14:creationId xmlns:p14="http://schemas.microsoft.com/office/powerpoint/2010/main" val="3103741905"/>
-      </p:ext>
-    </p:extLst>
-  </p:cSld>
-  <p:clrMapOvr>
-    <a:masterClrMapping/>
-  </p:clrMapOvr>
-  <p:transition spd="slow">
-    <p:push dir="u"/>
-  </p:transition>
-  <p:timing>
-    <p:tnLst>
-      <p:par>
-        <p:cTn id="1" dur="indefinite" restart="never" nodeType="tmRoot"/>
-      </p:par>
-    </p:tnLst>
-  </p:timing>
-</p:sld>
-</file>
-
-<file path=ppt/slides/slide18.xml><?xml version="1.0" encoding="utf-8"?>
-<p:sld xmlns:a="http://schemas.openxmlformats.org/drawingml/2006/main" xmlns:r="http://schemas.openxmlformats.org/officeDocument/2006/relationships" xmlns:p="http://schemas.openxmlformats.org/presentationml/2006/main">
-  <p:cSld>
-    <p:spTree>
-      <p:nvGrpSpPr>
-        <p:cNvPr id="1" name=""/>
-        <p:cNvGrpSpPr/>
-        <p:nvPr/>
-      </p:nvGrpSpPr>
-      <p:grpSpPr>
-        <a:xfrm>
-          <a:off x="0" y="0"/>
-          <a:ext cx="0" cy="0"/>
-          <a:chOff x="0" y="0"/>
-          <a:chExt cx="0" cy="0"/>
-        </a:xfrm>
-      </p:grpSpPr>
-      <p:pic>
-        <p:nvPicPr>
-          <p:cNvPr id="6" name="Picture 5"/>
-          <p:cNvPicPr>
-            <a:picLocks noChangeAspect="1"/>
-          </p:cNvPicPr>
-          <p:nvPr/>
-        </p:nvPicPr>
-        <p:blipFill>
-          <a:blip r:embed="rId4" cstate="email">
-            <a:extLst>
-              <a:ext uri="{28A0092B-C50C-407E-A947-70E740481C1C}">
-                <a14:useLocalDpi xmlns:a14="http://schemas.microsoft.com/office/drawing/2010/main"/>
-              </a:ext>
-            </a:extLst>
-          </a:blip>
-          <a:stretch>
-            <a:fillRect/>
-          </a:stretch>
-        </p:blipFill>
-        <p:spPr>
-          <a:xfrm>
-            <a:off x="-4963332" y="-6858000"/>
-            <a:ext cx="7765662" cy="16476125"/>
-          </a:xfrm>
-          <a:prstGeom prst="rect">
-            <a:avLst/>
-          </a:prstGeom>
-        </p:spPr>
-      </p:pic>
-      <p:pic>
-        <p:nvPicPr>
-          <p:cNvPr id="13" name="Picture 12"/>
-          <p:cNvPicPr>
-            <a:picLocks noChangeAspect="1"/>
-          </p:cNvPicPr>
-          <p:nvPr/>
-        </p:nvPicPr>
-        <p:blipFill rotWithShape="1">
-          <a:blip r:embed="rId5" cstate="email">
-            <a:extLst>
-              <a:ext uri="{28A0092B-C50C-407E-A947-70E740481C1C}">
-                <a14:useLocalDpi xmlns:a14="http://schemas.microsoft.com/office/drawing/2010/main"/>
-              </a:ext>
-            </a:extLst>
-          </a:blip>
-          <a:srcRect/>
-          <a:stretch/>
-        </p:blipFill>
-        <p:spPr>
-          <a:xfrm rot="20753331" flipH="1">
-            <a:off x="-316178" y="3748237"/>
-            <a:ext cx="2895600" cy="3390489"/>
-          </a:xfrm>
-          <a:prstGeom prst="rect">
-            <a:avLst/>
-          </a:prstGeom>
-        </p:spPr>
-      </p:pic>
-      <p:sp>
-        <p:nvSpPr>
-          <p:cNvPr id="2" name="Espace réservé du numéro de diapositive 1"/>
-          <p:cNvSpPr>
-            <a:spLocks noGrp="1"/>
-          </p:cNvSpPr>
-          <p:nvPr>
-            <p:ph type="sldNum" sz="quarter" idx="12"/>
-          </p:nvPr>
-        </p:nvSpPr>
-        <p:spPr/>
-        <p:txBody>
-          <a:bodyPr/>
-          <a:lstStyle/>
-          <a:p>
-            <a:fld id="{33D6E5A2-EC83-451F-A719-9AC1370DD5CF}" type="slidenum">
-              <a:rPr lang="fr-FR" smtClean="0"/>
-              <a:pPr/>
-              <a:t>18</a:t>
-            </a:fld>
-            <a:r>
-              <a:rPr lang="fr-FR" dirty="0" smtClean="0"/>
-              <a:t>/26</a:t>
-            </a:r>
-            <a:endParaRPr lang="fr-FR" dirty="0"/>
-          </a:p>
-        </p:txBody>
-      </p:sp>
-      <p:sp>
-        <p:nvSpPr>
-          <p:cNvPr id="8" name="Title 1"/>
-          <p:cNvSpPr txBox="1">
-            <a:spLocks/>
-          </p:cNvSpPr>
-          <p:nvPr>
-            <p:custDataLst>
-              <p:tags r:id="rId1"/>
-            </p:custDataLst>
-          </p:nvPr>
-        </p:nvSpPr>
-        <p:spPr>
-          <a:xfrm>
-            <a:off x="683568" y="188640"/>
-            <a:ext cx="8077200" cy="711096"/>
-          </a:xfrm>
-          <a:prstGeom prst="rect">
-            <a:avLst/>
-          </a:prstGeom>
-        </p:spPr>
-        <p:txBody>
-          <a:bodyPr>
-            <a:normAutofit lnSpcReduction="10000"/>
-          </a:bodyPr>
-          <a:lstStyle>
-            <a:lvl1pPr algn="l" defTabSz="914400" rtl="0" eaLnBrk="1" latinLnBrk="0" hangingPunct="1">
-              <a:spcBef>
-                <a:spcPct val="0"/>
-              </a:spcBef>
-              <a:buNone/>
-              <a:defRPr kumimoji="0" lang="fr-FR" sz="4400" kern="1200">
-                <a:solidFill>
-                  <a:schemeClr val="tx1"/>
-                </a:solidFill>
-                <a:latin typeface="+mj-lt"/>
-                <a:ea typeface="+mj-ea"/>
-                <a:cs typeface="+mj-cs"/>
-              </a:defRPr>
-            </a:lvl1pPr>
-          </a:lstStyle>
-          <a:p>
-            <a:pPr algn="ctr"/>
-            <a:r>
-              <a:rPr lang="fr-FR" dirty="0"/>
-              <a:t>Our </a:t>
-            </a:r>
-            <a:r>
-              <a:rPr lang="fr-FR" dirty="0" err="1"/>
-              <a:t>Implementation</a:t>
-            </a:r>
-            <a:endParaRPr lang="fr-FR" dirty="0"/>
-          </a:p>
-        </p:txBody>
-      </p:sp>
-      <p:sp>
-        <p:nvSpPr>
-          <p:cNvPr id="9" name="Espace réservé du pied de page 8"/>
-          <p:cNvSpPr>
-            <a:spLocks noGrp="1"/>
-          </p:cNvSpPr>
-          <p:nvPr>
-            <p:ph type="ftr" sz="quarter" idx="11"/>
-          </p:nvPr>
-        </p:nvSpPr>
-        <p:spPr>
-          <a:xfrm>
-            <a:off x="3203848" y="6356350"/>
-            <a:ext cx="2895600" cy="365125"/>
-          </a:xfrm>
-        </p:spPr>
-        <p:txBody>
-          <a:bodyPr/>
-          <a:lstStyle/>
-          <a:p>
-            <a:r>
-              <a:rPr kumimoji="0" lang="fr-FR" dirty="0" smtClean="0"/>
-              <a:t>Master 2 – Computer Science – </a:t>
-            </a:r>
-            <a:r>
-              <a:rPr kumimoji="0" lang="fr-FR" dirty="0" err="1" smtClean="0"/>
-              <a:t>Authors</a:t>
-            </a:r>
-            <a:r>
-              <a:rPr kumimoji="0" lang="fr-FR" dirty="0" smtClean="0"/>
-              <a:t> : </a:t>
-            </a:r>
-            <a:r>
-              <a:rPr kumimoji="0" lang="fr-FR" dirty="0" err="1" smtClean="0"/>
-              <a:t>fcastagn</a:t>
-            </a:r>
-            <a:r>
-              <a:rPr kumimoji="0" lang="fr-FR" dirty="0" smtClean="0"/>
-              <a:t>, </a:t>
-            </a:r>
-            <a:r>
-              <a:rPr kumimoji="0" lang="fr-FR" dirty="0" err="1" smtClean="0"/>
-              <a:t>jetcheve</a:t>
-            </a:r>
-            <a:r>
-              <a:rPr kumimoji="0" lang="fr-FR" dirty="0" smtClean="0"/>
-              <a:t>, </a:t>
-            </a:r>
-            <a:r>
-              <a:rPr kumimoji="0" lang="fr-FR" dirty="0" err="1" smtClean="0"/>
-              <a:t>hpaziews</a:t>
-            </a:r>
-            <a:r>
-              <a:rPr kumimoji="0" lang="fr-FR" dirty="0" smtClean="0"/>
-              <a:t>, </a:t>
-            </a:r>
-            <a:r>
-              <a:rPr kumimoji="0" lang="fr-FR" dirty="0" err="1" smtClean="0"/>
-              <a:t>altessie</a:t>
-            </a:r>
-            <a:r>
-              <a:rPr kumimoji="0" lang="fr-FR" dirty="0" smtClean="0"/>
-              <a:t> &amp; </a:t>
-            </a:r>
-            <a:r>
-              <a:rPr kumimoji="0" lang="fr-FR" dirty="0" err="1" smtClean="0"/>
-              <a:t>mtesta</a:t>
-            </a:r>
-            <a:endParaRPr kumimoji="0" lang="fr-FR" dirty="0"/>
-          </a:p>
-        </p:txBody>
-      </p:sp>
-      <p:sp>
-        <p:nvSpPr>
-          <p:cNvPr id="4" name="ZoneTexte 3"/>
-          <p:cNvSpPr txBox="1"/>
-          <p:nvPr/>
-        </p:nvSpPr>
-        <p:spPr>
-          <a:xfrm>
-            <a:off x="2339752" y="1285073"/>
-            <a:ext cx="1337226" cy="523220"/>
-          </a:xfrm>
-          <a:prstGeom prst="rect">
-            <a:avLst/>
-          </a:prstGeom>
-          <a:noFill/>
-        </p:spPr>
-        <p:txBody>
-          <a:bodyPr wrap="none" rtlCol="0">
-            <a:spAutoFit/>
-          </a:bodyPr>
-          <a:lstStyle/>
-          <a:p>
-            <a:r>
-              <a:rPr lang="fr-FR" sz="2800" dirty="0" err="1" smtClean="0"/>
-              <a:t>JBotSim</a:t>
-            </a:r>
-            <a:endParaRPr lang="fr-FR" sz="2800" dirty="0"/>
-          </a:p>
-        </p:txBody>
-      </p:sp>
-      <p:pic>
-        <p:nvPicPr>
-          <p:cNvPr id="7" name="Image 6"/>
-          <p:cNvPicPr>
-            <a:picLocks noChangeAspect="1"/>
-          </p:cNvPicPr>
-          <p:nvPr/>
-        </p:nvPicPr>
-        <p:blipFill>
-          <a:blip r:embed="rId6"/>
-          <a:stretch>
-            <a:fillRect/>
-          </a:stretch>
-        </p:blipFill>
-        <p:spPr>
-          <a:xfrm>
-            <a:off x="1192219" y="2157399"/>
-            <a:ext cx="3768452" cy="3910517"/>
-          </a:xfrm>
-          <a:prstGeom prst="rect">
-            <a:avLst/>
-          </a:prstGeom>
-        </p:spPr>
-      </p:pic>
-      <p:sp>
-        <p:nvSpPr>
-          <p:cNvPr id="12" name="ZoneTexte 11"/>
-          <p:cNvSpPr txBox="1"/>
-          <p:nvPr/>
-        </p:nvSpPr>
-        <p:spPr>
-          <a:xfrm>
-            <a:off x="4722168" y="1346628"/>
-            <a:ext cx="3018184" cy="523220"/>
-          </a:xfrm>
-          <a:prstGeom prst="rect">
-            <a:avLst/>
-          </a:prstGeom>
-          <a:noFill/>
-        </p:spPr>
-        <p:txBody>
-          <a:bodyPr wrap="square" rtlCol="0">
-            <a:spAutoFit/>
-          </a:bodyPr>
-          <a:lstStyle/>
-          <a:p>
-            <a:r>
-              <a:rPr lang="fr-FR" sz="2800" dirty="0" err="1" smtClean="0"/>
-              <a:t>Pheromone</a:t>
-            </a:r>
-            <a:r>
-              <a:rPr lang="fr-FR" sz="2800" dirty="0" smtClean="0"/>
-              <a:t> model</a:t>
-            </a:r>
-            <a:endParaRPr lang="fr-FR" sz="2800" dirty="0"/>
-          </a:p>
-        </p:txBody>
-      </p:sp>
-      <p:pic>
-        <p:nvPicPr>
-          <p:cNvPr id="14" name="Image 13"/>
-          <p:cNvPicPr>
-            <a:picLocks noChangeAspect="1"/>
-          </p:cNvPicPr>
-          <p:nvPr/>
-        </p:nvPicPr>
-        <p:blipFill>
-          <a:blip r:embed="rId7"/>
-          <a:stretch>
-            <a:fillRect/>
-          </a:stretch>
-        </p:blipFill>
-        <p:spPr>
-          <a:xfrm>
-            <a:off x="5041606" y="2492896"/>
-            <a:ext cx="3916275" cy="3202316"/>
-          </a:xfrm>
-          <a:prstGeom prst="rect">
-            <a:avLst/>
-          </a:prstGeom>
-        </p:spPr>
-      </p:pic>
-    </p:spTree>
-    <p:extLst>
-      <p:ext uri="{BB962C8B-B14F-4D97-AF65-F5344CB8AC3E}">
-        <p14:creationId xmlns:p14="http://schemas.microsoft.com/office/powerpoint/2010/main" val="3478600129"/>
-      </p:ext>
-    </p:extLst>
-  </p:cSld>
-  <p:clrMapOvr>
-    <a:masterClrMapping/>
-  </p:clrMapOvr>
-  <p:transition spd="slow">
-    <p:push dir="u"/>
-  </p:transition>
-  <p:timing>
-    <p:tnLst>
-      <p:par>
-        <p:cTn id="1" dur="indefinite" restart="never" nodeType="tmRoot"/>
-      </p:par>
-    </p:tnLst>
-  </p:timing>
-</p:sld>
-</file>
-
-<file path=ppt/slides/slide19.xml><?xml version="1.0" encoding="utf-8"?>
-<p:sld xmlns:a="http://schemas.openxmlformats.org/drawingml/2006/main" xmlns:r="http://schemas.openxmlformats.org/officeDocument/2006/relationships" xmlns:p="http://schemas.openxmlformats.org/presentationml/2006/main">
-  <p:cSld>
-    <p:spTree>
-      <p:nvGrpSpPr>
-        <p:cNvPr id="1" name=""/>
-        <p:cNvGrpSpPr/>
-        <p:nvPr/>
-      </p:nvGrpSpPr>
-      <p:grpSpPr>
-        <a:xfrm>
-          <a:off x="0" y="0"/>
-          <a:ext cx="0" cy="0"/>
-          <a:chOff x="0" y="0"/>
-          <a:chExt cx="0" cy="0"/>
-        </a:xfrm>
-      </p:grpSpPr>
-      <p:pic>
-        <p:nvPicPr>
-          <p:cNvPr id="6" name="Picture 5"/>
-          <p:cNvPicPr>
-            <a:picLocks noChangeAspect="1"/>
-          </p:cNvPicPr>
-          <p:nvPr/>
-        </p:nvPicPr>
-        <p:blipFill>
-          <a:blip r:embed="rId4" cstate="email">
-            <a:extLst>
-              <a:ext uri="{28A0092B-C50C-407E-A947-70E740481C1C}">
-                <a14:useLocalDpi xmlns:a14="http://schemas.microsoft.com/office/drawing/2010/main"/>
-              </a:ext>
-            </a:extLst>
-          </a:blip>
-          <a:stretch>
-            <a:fillRect/>
-          </a:stretch>
-        </p:blipFill>
-        <p:spPr>
-          <a:xfrm>
-            <a:off x="-4963332" y="-6858000"/>
-            <a:ext cx="7765662" cy="16476125"/>
-          </a:xfrm>
-          <a:prstGeom prst="rect">
-            <a:avLst/>
-          </a:prstGeom>
-        </p:spPr>
-      </p:pic>
-      <p:pic>
-        <p:nvPicPr>
-          <p:cNvPr id="13" name="Picture 12"/>
-          <p:cNvPicPr>
-            <a:picLocks noChangeAspect="1"/>
-          </p:cNvPicPr>
-          <p:nvPr/>
-        </p:nvPicPr>
-        <p:blipFill rotWithShape="1">
-          <a:blip r:embed="rId5" cstate="email">
-            <a:extLst>
-              <a:ext uri="{28A0092B-C50C-407E-A947-70E740481C1C}">
-                <a14:useLocalDpi xmlns:a14="http://schemas.microsoft.com/office/drawing/2010/main"/>
-              </a:ext>
-            </a:extLst>
-          </a:blip>
-          <a:srcRect/>
-          <a:stretch/>
-        </p:blipFill>
-        <p:spPr>
-          <a:xfrm rot="20753331" flipH="1">
-            <a:off x="-316178" y="3748237"/>
-            <a:ext cx="2895600" cy="3390489"/>
-          </a:xfrm>
-          <a:prstGeom prst="rect">
-            <a:avLst/>
-          </a:prstGeom>
-        </p:spPr>
-      </p:pic>
-      <p:sp>
-        <p:nvSpPr>
-          <p:cNvPr id="2" name="Espace réservé du numéro de diapositive 1"/>
-          <p:cNvSpPr>
-            <a:spLocks noGrp="1"/>
-          </p:cNvSpPr>
-          <p:nvPr>
-            <p:ph type="sldNum" sz="quarter" idx="12"/>
-          </p:nvPr>
-        </p:nvSpPr>
-        <p:spPr/>
-        <p:txBody>
-          <a:bodyPr/>
-          <a:lstStyle/>
-          <a:p>
-            <a:fld id="{33D6E5A2-EC83-451F-A719-9AC1370DD5CF}" type="slidenum">
-              <a:rPr lang="fr-FR" smtClean="0"/>
-              <a:pPr/>
-              <a:t>19</a:t>
-            </a:fld>
-            <a:r>
-              <a:rPr lang="fr-FR" dirty="0" smtClean="0"/>
-              <a:t>/26</a:t>
-            </a:r>
-            <a:endParaRPr lang="fr-FR" dirty="0"/>
-          </a:p>
-        </p:txBody>
-      </p:sp>
-      <p:sp>
-        <p:nvSpPr>
-          <p:cNvPr id="8" name="Title 1"/>
-          <p:cNvSpPr txBox="1">
-            <a:spLocks/>
-          </p:cNvSpPr>
-          <p:nvPr>
-            <p:custDataLst>
-              <p:tags r:id="rId1"/>
-            </p:custDataLst>
-          </p:nvPr>
-        </p:nvSpPr>
-        <p:spPr>
-          <a:xfrm>
-            <a:off x="683568" y="188640"/>
-            <a:ext cx="8077200" cy="711096"/>
-          </a:xfrm>
-          <a:prstGeom prst="rect">
-            <a:avLst/>
-          </a:prstGeom>
-        </p:spPr>
-        <p:txBody>
-          <a:bodyPr>
-            <a:normAutofit lnSpcReduction="10000"/>
-          </a:bodyPr>
-          <a:lstStyle>
-            <a:lvl1pPr algn="l" defTabSz="914400" rtl="0" eaLnBrk="1" latinLnBrk="0" hangingPunct="1">
-              <a:spcBef>
-                <a:spcPct val="0"/>
-              </a:spcBef>
-              <a:buNone/>
-              <a:defRPr kumimoji="0" lang="fr-FR" sz="4400" kern="1200">
-                <a:solidFill>
-                  <a:schemeClr val="tx1"/>
-                </a:solidFill>
-                <a:latin typeface="+mj-lt"/>
-                <a:ea typeface="+mj-ea"/>
-                <a:cs typeface="+mj-cs"/>
-              </a:defRPr>
-            </a:lvl1pPr>
-          </a:lstStyle>
-          <a:p>
-            <a:pPr algn="ctr"/>
-            <a:r>
-              <a:rPr lang="fr-FR" dirty="0"/>
-              <a:t>Our </a:t>
-            </a:r>
-            <a:r>
-              <a:rPr lang="fr-FR" dirty="0" err="1"/>
-              <a:t>Implementation</a:t>
-            </a:r>
-            <a:endParaRPr lang="fr-FR" dirty="0"/>
-          </a:p>
-        </p:txBody>
-      </p:sp>
-      <p:sp>
-        <p:nvSpPr>
-          <p:cNvPr id="9" name="Espace réservé du pied de page 8"/>
-          <p:cNvSpPr>
-            <a:spLocks noGrp="1"/>
-          </p:cNvSpPr>
-          <p:nvPr>
-            <p:ph type="ftr" sz="quarter" idx="11"/>
-          </p:nvPr>
-        </p:nvSpPr>
-        <p:spPr>
-          <a:xfrm>
-            <a:off x="3203848" y="6356350"/>
-            <a:ext cx="2895600" cy="365125"/>
-          </a:xfrm>
-        </p:spPr>
-        <p:txBody>
-          <a:bodyPr/>
-          <a:lstStyle/>
-          <a:p>
-            <a:r>
-              <a:rPr kumimoji="0" lang="fr-FR" dirty="0" smtClean="0"/>
-              <a:t>Master 2 – Computer Science – </a:t>
-            </a:r>
-            <a:r>
-              <a:rPr kumimoji="0" lang="fr-FR" dirty="0" err="1" smtClean="0"/>
-              <a:t>Authors</a:t>
-            </a:r>
-            <a:r>
-              <a:rPr kumimoji="0" lang="fr-FR" dirty="0" smtClean="0"/>
-              <a:t> : </a:t>
-            </a:r>
-            <a:r>
-              <a:rPr kumimoji="0" lang="fr-FR" dirty="0" err="1" smtClean="0"/>
-              <a:t>fcastagn</a:t>
-            </a:r>
-            <a:r>
-              <a:rPr kumimoji="0" lang="fr-FR" dirty="0" smtClean="0"/>
-              <a:t>, </a:t>
-            </a:r>
-            <a:r>
-              <a:rPr kumimoji="0" lang="fr-FR" dirty="0" err="1" smtClean="0"/>
-              <a:t>jetcheve</a:t>
-            </a:r>
-            <a:r>
-              <a:rPr kumimoji="0" lang="fr-FR" dirty="0" smtClean="0"/>
-              <a:t>, </a:t>
-            </a:r>
-            <a:r>
-              <a:rPr kumimoji="0" lang="fr-FR" dirty="0" err="1" smtClean="0"/>
-              <a:t>hpaziews</a:t>
-            </a:r>
-            <a:r>
-              <a:rPr kumimoji="0" lang="fr-FR" dirty="0" smtClean="0"/>
-              <a:t>, </a:t>
-            </a:r>
-            <a:r>
-              <a:rPr kumimoji="0" lang="fr-FR" dirty="0" err="1" smtClean="0"/>
-              <a:t>altessie</a:t>
-            </a:r>
-            <a:r>
-              <a:rPr kumimoji="0" lang="fr-FR" dirty="0" smtClean="0"/>
-              <a:t> &amp; </a:t>
-            </a:r>
-            <a:r>
-              <a:rPr kumimoji="0" lang="fr-FR" dirty="0" err="1" smtClean="0"/>
-              <a:t>mtesta</a:t>
-            </a:r>
-            <a:endParaRPr kumimoji="0" lang="fr-FR" dirty="0"/>
-          </a:p>
-        </p:txBody>
-      </p:sp>
-      <p:sp>
-        <p:nvSpPr>
-          <p:cNvPr id="4" name="ZoneTexte 3"/>
-          <p:cNvSpPr txBox="1"/>
-          <p:nvPr/>
-        </p:nvSpPr>
-        <p:spPr>
-          <a:xfrm>
-            <a:off x="2339752" y="1285073"/>
-            <a:ext cx="1337226" cy="523220"/>
-          </a:xfrm>
-          <a:prstGeom prst="rect">
-            <a:avLst/>
-          </a:prstGeom>
-          <a:noFill/>
-        </p:spPr>
-        <p:txBody>
-          <a:bodyPr wrap="none" rtlCol="0">
-            <a:spAutoFit/>
-          </a:bodyPr>
-          <a:lstStyle/>
-          <a:p>
-            <a:r>
-              <a:rPr lang="fr-FR" sz="2800" dirty="0" err="1" smtClean="0"/>
-              <a:t>JBotSim</a:t>
-            </a:r>
-            <a:endParaRPr lang="fr-FR" sz="2800" dirty="0"/>
-          </a:p>
-        </p:txBody>
-      </p:sp>
-      <p:sp>
-        <p:nvSpPr>
-          <p:cNvPr id="10" name="ZoneTexte 9"/>
-          <p:cNvSpPr txBox="1"/>
-          <p:nvPr/>
-        </p:nvSpPr>
-        <p:spPr>
-          <a:xfrm>
-            <a:off x="4722168" y="1346628"/>
-            <a:ext cx="3666256" cy="523220"/>
-          </a:xfrm>
-          <a:prstGeom prst="rect">
-            <a:avLst/>
-          </a:prstGeom>
-          <a:noFill/>
-        </p:spPr>
-        <p:txBody>
-          <a:bodyPr wrap="square" rtlCol="0">
-            <a:spAutoFit/>
-          </a:bodyPr>
-          <a:lstStyle/>
-          <a:p>
-            <a:r>
-              <a:rPr lang="fr-FR" sz="2800" dirty="0" err="1" smtClean="0"/>
-              <a:t>Random</a:t>
-            </a:r>
-            <a:r>
-              <a:rPr lang="fr-FR" sz="2800" dirty="0" smtClean="0"/>
-              <a:t> </a:t>
-            </a:r>
-            <a:r>
-              <a:rPr lang="fr-FR" sz="2800" dirty="0" err="1" smtClean="0"/>
-              <a:t>Walk</a:t>
-            </a:r>
-            <a:r>
-              <a:rPr lang="fr-FR" sz="2800" dirty="0" smtClean="0"/>
-              <a:t> model</a:t>
-            </a:r>
-            <a:endParaRPr lang="fr-FR" sz="2800" dirty="0"/>
-          </a:p>
-        </p:txBody>
-      </p:sp>
-      <p:pic>
-        <p:nvPicPr>
-          <p:cNvPr id="3" name="Image 2"/>
-          <p:cNvPicPr>
-            <a:picLocks noChangeAspect="1"/>
-          </p:cNvPicPr>
-          <p:nvPr/>
-        </p:nvPicPr>
-        <p:blipFill>
-          <a:blip r:embed="rId6"/>
-          <a:stretch>
-            <a:fillRect/>
-          </a:stretch>
-        </p:blipFill>
-        <p:spPr>
-          <a:xfrm>
-            <a:off x="705260" y="2025787"/>
-            <a:ext cx="4016908" cy="4112572"/>
-          </a:xfrm>
-          <a:prstGeom prst="rect">
-            <a:avLst/>
-          </a:prstGeom>
-        </p:spPr>
-      </p:pic>
-      <p:pic>
-        <p:nvPicPr>
-          <p:cNvPr id="12" name="Image 11"/>
-          <p:cNvPicPr>
-            <a:picLocks noChangeAspect="1"/>
-          </p:cNvPicPr>
-          <p:nvPr/>
-        </p:nvPicPr>
-        <p:blipFill>
-          <a:blip r:embed="rId7"/>
-          <a:stretch>
-            <a:fillRect/>
-          </a:stretch>
-        </p:blipFill>
-        <p:spPr>
-          <a:xfrm>
-            <a:off x="4860032" y="2316740"/>
-            <a:ext cx="4051642" cy="3466645"/>
-          </a:xfrm>
-          <a:prstGeom prst="rect">
-            <a:avLst/>
-          </a:prstGeom>
-        </p:spPr>
-      </p:pic>
-    </p:spTree>
-    <p:extLst>
-      <p:ext uri="{BB962C8B-B14F-4D97-AF65-F5344CB8AC3E}">
-        <p14:creationId xmlns:p14="http://schemas.microsoft.com/office/powerpoint/2010/main" val="1874154443"/>
-      </p:ext>
-    </p:extLst>
-  </p:cSld>
-  <p:clrMapOvr>
-    <a:masterClrMapping/>
-  </p:clrMapOvr>
-  <p:transition spd="slow">
-    <p:push dir="u"/>
-  </p:transition>
-  <p:timing>
-    <p:tnLst>
-      <p:par>
-        <p:cTn id="1" dur="indefinite" restart="never" nodeType="tmRoot"/>
-      </p:par>
-    </p:tnLst>
-  </p:timing>
-</p:sld>
-</file>
-
-<file path=ppt/slides/slide2.xml><?xml version="1.0" encoding="utf-8"?>
-<p:sld xmlns:a="http://schemas.openxmlformats.org/drawingml/2006/main" xmlns:r="http://schemas.openxmlformats.org/officeDocument/2006/relationships" xmlns:p="http://schemas.openxmlformats.org/presentationml/2006/main">
-  <p:cSld>
-    <p:spTree>
-      <p:nvGrpSpPr>
-        <p:cNvPr id="1" name=""/>
-        <p:cNvGrpSpPr/>
-        <p:nvPr/>
-      </p:nvGrpSpPr>
-      <p:grpSpPr>
-        <a:xfrm>
-          <a:off x="0" y="0"/>
-          <a:ext cx="0" cy="0"/>
-          <a:chOff x="0" y="0"/>
-          <a:chExt cx="0" cy="0"/>
-        </a:xfrm>
-      </p:grpSpPr>
-      <p:sp>
-        <p:nvSpPr>
-          <p:cNvPr id="3" name="Espace réservé du numéro de diapositive 2"/>
-          <p:cNvSpPr>
-            <a:spLocks noGrp="1"/>
-          </p:cNvSpPr>
-          <p:nvPr>
-            <p:ph type="sldNum" sz="quarter" idx="12"/>
-          </p:nvPr>
-        </p:nvSpPr>
-        <p:spPr/>
-        <p:txBody>
-          <a:bodyPr/>
-          <a:lstStyle/>
-          <a:p>
-            <a:fld id="{33D6E5A2-EC83-451F-A719-9AC1370DD5CF}" type="slidenum">
-              <a:rPr lang="fr-FR" smtClean="0"/>
-              <a:pPr/>
-              <a:t>2</a:t>
-            </a:fld>
-            <a:r>
-              <a:rPr lang="fr-FR" dirty="0" smtClean="0"/>
-              <a:t>/26</a:t>
-            </a:r>
-            <a:endParaRPr kumimoji="0" lang="fr-FR" dirty="0"/>
-          </a:p>
-        </p:txBody>
-      </p:sp>
-      <p:sp>
-        <p:nvSpPr>
-          <p:cNvPr id="6" name="Espace réservé du pied de page 5"/>
-          <p:cNvSpPr>
-            <a:spLocks noGrp="1"/>
-          </p:cNvSpPr>
-          <p:nvPr>
-            <p:ph type="ftr" sz="quarter" idx="11"/>
-          </p:nvPr>
-        </p:nvSpPr>
-        <p:spPr>
-          <a:xfrm>
-            <a:off x="3352800" y="6356350"/>
-            <a:ext cx="3235424" cy="365125"/>
-          </a:xfrm>
-        </p:spPr>
-        <p:txBody>
-          <a:bodyPr/>
-          <a:lstStyle/>
-          <a:p>
-            <a:r>
-              <a:rPr kumimoji="0" lang="fr-FR" dirty="0" smtClean="0"/>
-              <a:t>Master 2 – Computer Science – </a:t>
-            </a:r>
-            <a:r>
-              <a:rPr kumimoji="0" lang="fr-FR" dirty="0" err="1" smtClean="0"/>
-              <a:t>Authors</a:t>
-            </a:r>
-            <a:r>
-              <a:rPr kumimoji="0" lang="fr-FR" dirty="0" smtClean="0"/>
-              <a:t> : </a:t>
-            </a:r>
-            <a:r>
-              <a:rPr kumimoji="0" lang="fr-FR" dirty="0" err="1" smtClean="0"/>
-              <a:t>fcastagn</a:t>
-            </a:r>
-            <a:r>
-              <a:rPr kumimoji="0" lang="fr-FR" dirty="0" smtClean="0"/>
-              <a:t>, </a:t>
-            </a:r>
-            <a:r>
-              <a:rPr kumimoji="0" lang="fr-FR" dirty="0" err="1" smtClean="0"/>
-              <a:t>jetcheve</a:t>
-            </a:r>
-            <a:r>
-              <a:rPr kumimoji="0" lang="fr-FR" dirty="0" smtClean="0"/>
-              <a:t>, </a:t>
-            </a:r>
-            <a:r>
-              <a:rPr kumimoji="0" lang="fr-FR" dirty="0" err="1" smtClean="0"/>
-              <a:t>hpaziews</a:t>
-            </a:r>
-            <a:r>
-              <a:rPr kumimoji="0" lang="fr-FR" dirty="0" smtClean="0"/>
-              <a:t>, </a:t>
-            </a:r>
-            <a:r>
-              <a:rPr kumimoji="0" lang="fr-FR" dirty="0" err="1" smtClean="0"/>
-              <a:t>altessie</a:t>
-            </a:r>
-            <a:r>
-              <a:rPr kumimoji="0" lang="fr-FR" dirty="0" smtClean="0"/>
-              <a:t> &amp; </a:t>
-            </a:r>
-            <a:r>
-              <a:rPr kumimoji="0" lang="fr-FR" dirty="0" err="1" smtClean="0"/>
-              <a:t>mtesta</a:t>
-            </a:r>
-            <a:endParaRPr kumimoji="0" lang="fr-FR" dirty="0"/>
-          </a:p>
-        </p:txBody>
-      </p:sp>
-      <p:sp>
-        <p:nvSpPr>
-          <p:cNvPr id="11" name="Title 1"/>
-          <p:cNvSpPr txBox="1">
-            <a:spLocks/>
-          </p:cNvSpPr>
-          <p:nvPr>
-            <p:custDataLst>
-              <p:tags r:id="rId2"/>
-            </p:custDataLst>
-          </p:nvPr>
-        </p:nvSpPr>
-        <p:spPr>
-          <a:xfrm>
-            <a:off x="762000" y="116632"/>
-            <a:ext cx="8077200" cy="711097"/>
-          </a:xfrm>
-          <a:prstGeom prst="rect">
-            <a:avLst/>
-          </a:prstGeom>
-        </p:spPr>
-        <p:txBody>
-          <a:bodyPr>
-            <a:normAutofit lnSpcReduction="10000"/>
-          </a:bodyPr>
-          <a:lstStyle>
-            <a:lvl1pPr algn="l" defTabSz="914400" rtl="0" eaLnBrk="1" latinLnBrk="0" hangingPunct="1">
-              <a:spcBef>
-                <a:spcPct val="0"/>
-              </a:spcBef>
-              <a:buNone/>
-              <a:defRPr kumimoji="0" lang="fr-FR" sz="4400" kern="1200">
-                <a:solidFill>
-                  <a:schemeClr val="tx1"/>
-                </a:solidFill>
-                <a:latin typeface="+mj-lt"/>
-                <a:ea typeface="+mj-ea"/>
-                <a:cs typeface="+mj-cs"/>
-              </a:defRPr>
-            </a:lvl1pPr>
-          </a:lstStyle>
-          <a:p>
-            <a:pPr algn="ctr"/>
-            <a:r>
-              <a:rPr lang="fr-FR" dirty="0" smtClean="0"/>
-              <a:t>Plan</a:t>
-            </a:r>
-            <a:endParaRPr lang="fr-FR" dirty="0"/>
-          </a:p>
-        </p:txBody>
-      </p:sp>
-      <p:sp>
-        <p:nvSpPr>
-          <p:cNvPr id="12" name="Content Placeholder 4"/>
-          <p:cNvSpPr txBox="1">
-            <a:spLocks/>
-          </p:cNvSpPr>
-          <p:nvPr>
-            <p:custDataLst>
-              <p:tags r:id="rId3"/>
-            </p:custDataLst>
-          </p:nvPr>
-        </p:nvSpPr>
-        <p:spPr>
-          <a:xfrm>
-            <a:off x="762000" y="1596413"/>
-            <a:ext cx="8077200" cy="4297363"/>
-          </a:xfrm>
-          <a:prstGeom prst="rect">
-            <a:avLst/>
-          </a:prstGeom>
-        </p:spPr>
-        <p:txBody>
-          <a:bodyPr>
-            <a:normAutofit/>
-          </a:bodyPr>
-          <a:lstStyle>
-            <a:lvl1pPr marL="342900" indent="-342900" algn="l" defTabSz="914400" rtl="0" eaLnBrk="1" latinLnBrk="0" hangingPunct="1">
-              <a:spcBef>
-                <a:spcPct val="20000"/>
-              </a:spcBef>
-              <a:buFont typeface="Arial" pitchFamily="34" charset="0"/>
-              <a:buChar char="•"/>
-              <a:defRPr kumimoji="0" lang="fr-FR" sz="2800" kern="1200">
-                <a:solidFill>
-                  <a:schemeClr val="tx1"/>
-                </a:solidFill>
-                <a:latin typeface="+mn-lt"/>
-                <a:ea typeface="+mn-ea"/>
-                <a:cs typeface="+mn-cs"/>
-              </a:defRPr>
-            </a:lvl1pPr>
-            <a:lvl2pPr marL="742950" indent="-285750" algn="l" defTabSz="914400" rtl="0" eaLnBrk="1" latinLnBrk="0" hangingPunct="1">
-              <a:spcBef>
-                <a:spcPct val="20000"/>
-              </a:spcBef>
-              <a:buFont typeface="Arial" pitchFamily="34" charset="0"/>
-              <a:buChar char="–"/>
-              <a:defRPr kumimoji="0" lang="fr-FR" sz="2400" kern="1200">
-                <a:solidFill>
-                  <a:schemeClr val="tx1"/>
-                </a:solidFill>
-                <a:latin typeface="+mn-lt"/>
-                <a:ea typeface="+mn-ea"/>
-                <a:cs typeface="+mn-cs"/>
-              </a:defRPr>
-            </a:lvl2pPr>
-            <a:lvl3pPr marL="1143000" indent="-228600" algn="l" defTabSz="914400" rtl="0" eaLnBrk="1" latinLnBrk="0" hangingPunct="1">
-              <a:spcBef>
-                <a:spcPct val="20000"/>
-              </a:spcBef>
-              <a:buFont typeface="Arial" pitchFamily="34" charset="0"/>
-              <a:buChar char="•"/>
-              <a:defRPr kumimoji="0" lang="fr-FR" sz="2000" kern="1200">
-                <a:solidFill>
-                  <a:schemeClr val="tx1"/>
-                </a:solidFill>
-                <a:latin typeface="+mn-lt"/>
-                <a:ea typeface="+mn-ea"/>
-                <a:cs typeface="+mn-cs"/>
-              </a:defRPr>
-            </a:lvl3pPr>
-            <a:lvl4pPr marL="1600200" indent="-228600" algn="l" defTabSz="914400" rtl="0" eaLnBrk="1" latinLnBrk="0" hangingPunct="1">
-              <a:spcBef>
-                <a:spcPct val="20000"/>
-              </a:spcBef>
-              <a:buFont typeface="Arial" pitchFamily="34" charset="0"/>
-              <a:buChar char="–"/>
-              <a:defRPr kumimoji="0" lang="fr-FR" sz="1800" kern="1200">
-                <a:solidFill>
-                  <a:schemeClr val="tx1"/>
-                </a:solidFill>
-                <a:latin typeface="+mn-lt"/>
-                <a:ea typeface="+mn-ea"/>
-                <a:cs typeface="+mn-cs"/>
-              </a:defRPr>
-            </a:lvl4pPr>
-            <a:lvl5pPr marL="2057400" indent="-228600" algn="l" defTabSz="914400" rtl="0" eaLnBrk="1" latinLnBrk="0" hangingPunct="1">
-              <a:spcBef>
-                <a:spcPct val="20000"/>
-              </a:spcBef>
-              <a:buFont typeface="Arial" pitchFamily="34" charset="0"/>
-              <a:buChar char="»"/>
-              <a:defRPr kumimoji="0" lang="fr-FR" sz="1800" kern="1200">
-                <a:solidFill>
-                  <a:schemeClr val="tx1"/>
-                </a:solidFill>
-                <a:latin typeface="+mn-lt"/>
-                <a:ea typeface="+mn-ea"/>
-                <a:cs typeface="+mn-cs"/>
-              </a:defRPr>
-            </a:lvl5pPr>
-            <a:lvl6pPr marL="2514600" indent="-228600" algn="l" defTabSz="914400" rtl="0" eaLnBrk="1" latinLnBrk="0" hangingPunct="1">
-              <a:spcBef>
-                <a:spcPct val="20000"/>
-              </a:spcBef>
-              <a:buFont typeface="Arial" pitchFamily="34" charset="0"/>
-              <a:buChar char="•"/>
-              <a:defRPr kumimoji="0" lang="fr-FR" sz="2000" kern="1200">
-                <a:solidFill>
-                  <a:schemeClr val="tx1"/>
-                </a:solidFill>
-                <a:latin typeface="+mn-lt"/>
-                <a:ea typeface="+mn-ea"/>
-                <a:cs typeface="+mn-cs"/>
-              </a:defRPr>
-            </a:lvl6pPr>
-            <a:lvl7pPr marL="2971800" indent="-228600" algn="l" defTabSz="914400" rtl="0" eaLnBrk="1" latinLnBrk="0" hangingPunct="1">
-              <a:spcBef>
-                <a:spcPct val="20000"/>
-              </a:spcBef>
-              <a:buFont typeface="Arial" pitchFamily="34" charset="0"/>
-              <a:buChar char="•"/>
-              <a:defRPr kumimoji="0" lang="fr-FR" sz="2000" kern="1200">
-                <a:solidFill>
-                  <a:schemeClr val="tx1"/>
-                </a:solidFill>
-                <a:latin typeface="+mn-lt"/>
-                <a:ea typeface="+mn-ea"/>
-                <a:cs typeface="+mn-cs"/>
-              </a:defRPr>
-            </a:lvl7pPr>
-            <a:lvl8pPr marL="3429000" indent="-228600" algn="l" defTabSz="914400" rtl="0" eaLnBrk="1" latinLnBrk="0" hangingPunct="1">
-              <a:spcBef>
-                <a:spcPct val="20000"/>
-              </a:spcBef>
-              <a:buFont typeface="Arial" pitchFamily="34" charset="0"/>
-              <a:buChar char="•"/>
-              <a:defRPr kumimoji="0" lang="fr-FR" sz="2000" kern="1200">
-                <a:solidFill>
-                  <a:schemeClr val="tx1"/>
-                </a:solidFill>
-                <a:latin typeface="+mn-lt"/>
-                <a:ea typeface="+mn-ea"/>
-                <a:cs typeface="+mn-cs"/>
-              </a:defRPr>
-            </a:lvl8pPr>
-            <a:lvl9pPr marL="3886200" indent="-228600" algn="l" defTabSz="914400" rtl="0" eaLnBrk="1" latinLnBrk="0" hangingPunct="1">
-              <a:spcBef>
-                <a:spcPct val="20000"/>
-              </a:spcBef>
-              <a:buFont typeface="Arial" pitchFamily="34" charset="0"/>
-              <a:buChar char="•"/>
-              <a:defRPr kumimoji="0" lang="fr-FR" sz="2000" kern="1200">
-                <a:solidFill>
-                  <a:schemeClr val="tx1"/>
-                </a:solidFill>
-                <a:latin typeface="+mn-lt"/>
-                <a:ea typeface="+mn-ea"/>
-                <a:cs typeface="+mn-cs"/>
-              </a:defRPr>
-            </a:lvl9pPr>
-          </a:lstStyle>
-          <a:p>
             <a:endParaRPr lang="fr-FR" sz="2600" dirty="0" smtClean="0"/>
           </a:p>
           <a:p>
@@ -14270,7 +14535,7 @@
           <a:p>
             <a:r>
               <a:rPr lang="fr-FR" dirty="0" err="1" smtClean="0"/>
-              <a:t>Problematic</a:t>
+              <a:t>Problematics</a:t>
             </a:r>
             <a:endParaRPr lang="fr-FR" dirty="0"/>
           </a:p>
@@ -14300,20 +14565,45 @@
               <a:t>of </a:t>
             </a:r>
             <a:r>
-              <a:rPr lang="fr-FR" dirty="0" err="1">
+              <a:rPr lang="fr-FR" dirty="0" err="1" smtClean="0">
                 <a:solidFill>
                   <a:srgbClr val="000000"/>
                 </a:solidFill>
               </a:rPr>
               <a:t>existing</a:t>
             </a:r>
+            <a:r>
+              <a:rPr lang="fr-FR" dirty="0" smtClean="0">
+                <a:solidFill>
+                  <a:srgbClr val="000000"/>
+                </a:solidFill>
+              </a:rPr>
+              <a:t> </a:t>
+            </a:r>
+            <a:r>
+              <a:rPr lang="fr-FR" dirty="0" err="1" smtClean="0">
+                <a:solidFill>
+                  <a:srgbClr val="000000"/>
+                </a:solidFill>
+              </a:rPr>
+              <a:t>models</a:t>
+            </a:r>
             <a:endParaRPr lang="fr-FR" dirty="0"/>
           </a:p>
           <a:p>
             <a:r>
               <a:rPr lang="fr-FR" dirty="0" smtClean="0"/>
-              <a:t>Our article</a:t>
-            </a:r>
+              <a:t>Our </a:t>
+            </a:r>
+            <a:r>
+              <a:rPr lang="fr-FR" dirty="0" smtClean="0"/>
+              <a:t>article </a:t>
+            </a:r>
+            <a:r>
+              <a:rPr lang="fr-FR" dirty="0" err="1" smtClean="0"/>
+              <a:t>studied</a:t>
+            </a:r>
+            <a:endParaRPr lang="fr-FR" dirty="0" smtClean="0"/>
           </a:p>
           <a:p>
             <a:r>
@@ -15082,7 +15372,7 @@
         <p:spPr>
           <a:xfrm>
             <a:off x="1907704" y="2420888"/>
-            <a:ext cx="6853064" cy="3046988"/>
+            <a:ext cx="6853064" cy="2677656"/>
           </a:xfrm>
           <a:prstGeom prst="rect">
             <a:avLst/>
@@ -15112,16 +15402,24 @@
               <a:t>, </a:t>
             </a:r>
             <a:r>
+              <a:rPr lang="fr-FR" sz="2400" dirty="0" smtClean="0"/>
+              <a:t>the </a:t>
+            </a:r>
+            <a:r>
               <a:rPr lang="fr-FR" sz="2400" dirty="0" err="1" smtClean="0"/>
               <a:t>Random</a:t>
             </a:r>
             <a:r>
               <a:rPr lang="fr-FR" sz="2400" dirty="0" smtClean="0"/>
-              <a:t> model more </a:t>
+              <a:t> </a:t>
             </a:r>
             <a:r>
               <a:rPr lang="fr-FR" sz="2400" dirty="0" err="1" smtClean="0"/>
-              <a:t>efficiency</a:t>
+              <a:t>models</a:t>
+            </a:r>
+            <a:r>
+              <a:rPr lang="fr-FR" sz="2400" dirty="0" smtClean="0"/>
+              <a:t> are more efficients</a:t>
             </a:r>
             <a:endParaRPr lang="fr-FR" sz="2400" dirty="0"/>
           </a:p>
@@ -15132,23 +15430,19 @@
             </a:pPr>
             <a:r>
               <a:rPr lang="fr-FR" sz="2400" dirty="0" err="1" smtClean="0"/>
-              <a:t>Pheromone</a:t>
-            </a:r>
-            <a:r>
-              <a:rPr lang="fr-FR" sz="2400" dirty="0" smtClean="0"/>
-              <a:t> : </a:t>
-            </a:r>
-            <a:r>
-              <a:rPr lang="fr-FR" sz="2400" dirty="0" err="1" smtClean="0"/>
-              <a:t>sharp</a:t>
+              <a:t>At</a:t>
             </a:r>
             <a:r>
               <a:rPr lang="fr-FR" sz="2400" dirty="0" smtClean="0"/>
               <a:t> </a:t>
             </a:r>
             <a:r>
+              <a:rPr lang="fr-FR" sz="2400" dirty="0" smtClean="0"/>
+              <a:t>the end, </a:t>
+            </a:r>
+            <a:r>
               <a:rPr lang="fr-FR" sz="2400" dirty="0" err="1" smtClean="0"/>
-              <a:t>increase</a:t>
+              <a:t>random</a:t>
             </a:r>
             <a:r>
               <a:rPr lang="fr-FR" sz="2400" dirty="0" smtClean="0"/>
@@ -15156,11 +15450,11 @@
             </a:r>
             <a:r>
               <a:rPr lang="fr-FR" sz="2400" dirty="0" err="1" smtClean="0"/>
-              <a:t>because</a:t>
+              <a:t>models</a:t>
             </a:r>
             <a:r>
               <a:rPr lang="fr-FR" sz="2400" dirty="0" smtClean="0"/>
-              <a:t> of C&amp;C communication</a:t>
+              <a:t> are stable</a:t>
             </a:r>
           </a:p>
           <a:p>
@@ -15169,54 +15463,32 @@
               <a:buChar char="•"/>
             </a:pPr>
             <a:r>
+              <a:rPr lang="fr-FR" sz="2400" dirty="0" err="1" smtClean="0"/>
+              <a:t>Pheromone</a:t>
+            </a:r>
+            <a:r>
               <a:rPr lang="fr-FR" sz="2400" dirty="0" smtClean="0"/>
-              <a:t>At the end, </a:t>
+              <a:t> model </a:t>
             </a:r>
             <a:r>
               <a:rPr lang="fr-FR" sz="2400" dirty="0" err="1" smtClean="0"/>
-              <a:t>random</a:t>
+              <a:t>is</a:t>
+            </a:r>
+            <a:r>
+              <a:rPr lang="fr-FR" sz="2400" dirty="0" smtClean="0"/>
+              <a:t> more effective </a:t>
+            </a:r>
+            <a:r>
+              <a:rPr lang="fr-FR" sz="2400" dirty="0" err="1" smtClean="0"/>
+              <a:t>than</a:t>
             </a:r>
             <a:r>
               <a:rPr lang="fr-FR" sz="2400" dirty="0" smtClean="0"/>
               <a:t> </a:t>
             </a:r>
             <a:r>
-              <a:rPr lang="fr-FR" sz="2400" dirty="0" err="1" smtClean="0"/>
-              <a:t>models</a:t>
-            </a:r>
-            <a:r>
               <a:rPr lang="fr-FR" sz="2400" dirty="0" smtClean="0"/>
-              <a:t> are stable</a:t>
-            </a:r>
-          </a:p>
-          <a:p>
-            <a:pPr marL="285750" indent="-285750">
-              <a:buFont typeface="Arial" panose="020B0604020202020204" pitchFamily="34" charset="0"/>
-              <a:buChar char="•"/>
-            </a:pPr>
-            <a:r>
-              <a:rPr lang="fr-FR" sz="2400" dirty="0" err="1" smtClean="0"/>
-              <a:t>Pheromone</a:t>
-            </a:r>
-            <a:r>
-              <a:rPr lang="fr-FR" sz="2400" dirty="0" smtClean="0"/>
-              <a:t> model </a:t>
-            </a:r>
-            <a:r>
-              <a:rPr lang="fr-FR" sz="2400" dirty="0" err="1" smtClean="0"/>
-              <a:t>is</a:t>
-            </a:r>
-            <a:r>
-              <a:rPr lang="fr-FR" sz="2400" dirty="0" smtClean="0"/>
-              <a:t> more effective </a:t>
-            </a:r>
-            <a:r>
-              <a:rPr lang="fr-FR" sz="2400" dirty="0" err="1" smtClean="0"/>
-              <a:t>that</a:t>
-            </a:r>
-            <a:r>
-              <a:rPr lang="fr-FR" sz="2400" dirty="0" smtClean="0"/>
-              <a:t> the </a:t>
+              <a:t>the </a:t>
             </a:r>
             <a:r>
               <a:rPr lang="fr-FR" sz="2400" dirty="0" err="1" smtClean="0"/>
@@ -16495,8 +16767,8 @@
         </p:nvSpPr>
         <p:spPr>
           <a:xfrm>
-            <a:off x="2524794" y="1615440"/>
-            <a:ext cx="6403205" cy="3539430"/>
+            <a:off x="2461643" y="1199534"/>
+            <a:ext cx="6403205" cy="3970318"/>
           </a:xfrm>
           <a:prstGeom prst="rect">
             <a:avLst/>
@@ -16544,11 +16816,27 @@
             </a:pPr>
             <a:r>
               <a:rPr lang="fr-FR" sz="2800" dirty="0" err="1" smtClean="0"/>
-              <a:t>Absolutely</a:t>
+              <a:t>Characteristics</a:t>
             </a:r>
             <a:r>
               <a:rPr lang="fr-FR" sz="2800" dirty="0" smtClean="0"/>
-              <a:t> </a:t>
+              <a:t> of </a:t>
+            </a:r>
+            <a:r>
+              <a:rPr lang="fr-FR" sz="2800" dirty="0" err="1" smtClean="0"/>
+              <a:t>evaluation</a:t>
+            </a:r>
+            <a:r>
+              <a:rPr lang="fr-FR" sz="2800" dirty="0" smtClean="0"/>
+              <a:t> and </a:t>
+            </a:r>
+            <a:r>
+              <a:rPr lang="fr-FR" sz="2800" dirty="0" err="1" smtClean="0"/>
+              <a:t>experiments</a:t>
+            </a:r>
+            <a:r>
+              <a:rPr lang="fr-FR" sz="2800" dirty="0" smtClean="0"/>
+              <a:t> are </a:t>
             </a:r>
             <a:r>
               <a:rPr lang="fr-FR" sz="2800" dirty="0" err="1" smtClean="0"/>
@@ -16569,19 +16857,15 @@
               <a:buChar char="•"/>
             </a:pPr>
             <a:r>
-              <a:rPr lang="fr-FR" sz="2800" dirty="0" err="1"/>
-              <a:t>Possiblity</a:t>
-            </a:r>
-            <a:r>
-              <a:rPr lang="fr-FR" sz="2800" dirty="0"/>
-              <a:t> </a:t>
-            </a:r>
-            <a:r>
-              <a:rPr lang="fr-FR" sz="2800" dirty="0" err="1"/>
-              <a:t>amelioration</a:t>
-            </a:r>
-            <a:r>
-              <a:rPr lang="fr-FR" sz="2800" dirty="0"/>
+              <a:rPr lang="fr-FR" sz="2800" dirty="0" smtClean="0"/>
+              <a:t>Possible </a:t>
+            </a:r>
+            <a:r>
+              <a:rPr lang="fr-FR" sz="2800" dirty="0" err="1" smtClean="0"/>
+              <a:t>improvement</a:t>
+            </a:r>
+            <a:r>
+              <a:rPr lang="fr-FR" sz="2800" dirty="0" smtClean="0"/>
               <a:t> </a:t>
             </a:r>
             <a:r>
@@ -16593,20 +16877,20 @@
               <a:t> to </a:t>
             </a:r>
             <a:r>
-              <a:rPr lang="fr-FR" sz="2800" dirty="0" err="1"/>
-              <a:t>temporary</a:t>
+              <a:rPr lang="fr-FR" sz="2800" dirty="0" smtClean="0"/>
+              <a:t>store and </a:t>
+            </a:r>
+            <a:r>
+              <a:rPr lang="fr-FR" sz="2800" dirty="0" err="1" smtClean="0"/>
+              <a:t>forward</a:t>
+            </a:r>
+            <a:r>
+              <a:rPr lang="fr-FR" sz="2800" dirty="0" smtClean="0"/>
+              <a:t> </a:t>
             </a:r>
             <a:r>
               <a:rPr lang="fr-FR" sz="2800" dirty="0"/>
-              <a:t> </a:t>
-            </a:r>
-            <a:r>
-              <a:rPr lang="fr-FR" sz="2800" dirty="0" err="1"/>
-              <a:t>storage</a:t>
-            </a:r>
-            <a:r>
-              <a:rPr lang="fr-FR" sz="2800" dirty="0"/>
-              <a:t> data and relax the </a:t>
+              <a:t>data and relax the </a:t>
             </a:r>
             <a:r>
               <a:rPr lang="fr-FR" sz="2800" dirty="0" err="1"/>
@@ -16727,11 +17011,23 @@
           <a:p>
             <a:r>
               <a:rPr lang="fr-FR" sz="1400" b="1" dirty="0" smtClean="0"/>
-              <a:t>Figure 3.</a:t>
+              <a:t>Figure </a:t>
+            </a:r>
+            <a:r>
+              <a:rPr lang="fr-FR" sz="1400" b="1" dirty="0"/>
+              <a:t>5</a:t>
+            </a:r>
+            <a:r>
+              <a:rPr lang="fr-FR" sz="1400" b="1" dirty="0" smtClean="0"/>
+              <a:t>.</a:t>
             </a:r>
             <a:r>
               <a:rPr lang="fr-FR" sz="1400" dirty="0" smtClean="0"/>
-              <a:t> Source : </a:t>
+              <a:t> </a:t>
+            </a:r>
+            <a:r>
+              <a:rPr lang="fr-FR" sz="1400" dirty="0" smtClean="0"/>
+              <a:t>Source : </a:t>
             </a:r>
             <a:r>
               <a:rPr lang="fr-FR" sz="1400" dirty="0"/>
@@ -16864,7 +17160,7 @@
         </p:nvSpPr>
         <p:spPr>
           <a:xfrm>
-            <a:off x="4104351" y="3671514"/>
+            <a:off x="1547664" y="3756868"/>
             <a:ext cx="4343400" cy="1362075"/>
           </a:xfrm>
         </p:spPr>
@@ -16955,60 +17251,6 @@
           </a:p>
         </p:txBody>
       </p:sp>
-      <p:pic>
-        <p:nvPicPr>
-          <p:cNvPr id="3074" name="Picture 2"/>
-          <p:cNvPicPr>
-            <a:picLocks noChangeAspect="1" noChangeArrowheads="1"/>
-          </p:cNvPicPr>
-          <p:nvPr/>
-        </p:nvPicPr>
-        <p:blipFill>
-          <a:blip r:embed="rId5">
-            <a:extLst>
-              <a:ext uri="{28A0092B-C50C-407E-A947-70E740481C1C}">
-                <a14:useLocalDpi xmlns:a14="http://schemas.microsoft.com/office/drawing/2010/main" val="0"/>
-              </a:ext>
-            </a:extLst>
-          </a:blip>
-          <a:srcRect/>
-          <a:stretch>
-            <a:fillRect/>
-          </a:stretch>
-        </p:blipFill>
-        <p:spPr bwMode="auto">
-          <a:xfrm>
-            <a:off x="323528" y="4324350"/>
-            <a:ext cx="2562225" cy="1790700"/>
-          </a:xfrm>
-          <a:prstGeom prst="rect">
-            <a:avLst/>
-          </a:prstGeom>
-          <a:noFill/>
-          <a:ln>
-            <a:noFill/>
-          </a:ln>
-          <a:extLst>
-            <a:ext uri="{909E8E84-426E-40DD-AFC4-6F175D3DCCD1}">
-              <a14:hiddenFill xmlns:a14="http://schemas.microsoft.com/office/drawing/2010/main">
-                <a:solidFill>
-                  <a:schemeClr val="accent1"/>
-                </a:solidFill>
-              </a14:hiddenFill>
-            </a:ext>
-            <a:ext uri="{91240B29-F687-4F45-9708-019B960494DF}">
-              <a14:hiddenLine xmlns:a14="http://schemas.microsoft.com/office/drawing/2010/main" w="9525">
-                <a:solidFill>
-                  <a:schemeClr val="tx1"/>
-                </a:solidFill>
-                <a:miter lim="800000"/>
-                <a:headEnd/>
-                <a:tailEnd/>
-              </a14:hiddenLine>
-            </a:ext>
-          </a:extLst>
-        </p:spPr>
-      </p:pic>
       <p:pic>
         <p:nvPicPr>
           <p:cNvPr id="2050" name="Picture 2"/>
@@ -17018,7 +17260,7 @@
           <p:nvPr/>
         </p:nvPicPr>
         <p:blipFill>
-          <a:blip r:embed="rId6" cstate="email">
+          <a:blip r:embed="rId5" cstate="email">
             <a:extLst>
               <a:ext uri="{28A0092B-C50C-407E-A947-70E740481C1C}">
                 <a14:useLocalDpi xmlns:a14="http://schemas.microsoft.com/office/drawing/2010/main" val="0"/>
@@ -17087,7 +17329,11 @@
           <a:p>
             <a:r>
               <a:rPr lang="fr-FR" sz="1400" b="1" dirty="0" smtClean="0"/>
-              <a:t>Figure 5. </a:t>
+              <a:t>Figure </a:t>
+            </a:r>
+            <a:r>
+              <a:rPr lang="fr-FR" sz="1400" b="1" dirty="0" smtClean="0"/>
+              <a:t>6. </a:t>
             </a:r>
             <a:r>
               <a:rPr lang="fr-FR" sz="1400" dirty="0" smtClean="0"/>
@@ -17113,36 +17359,6 @@
               <a:rPr lang="fr-FR" sz="1400" dirty="0"/>
               <a:t> "</a:t>
             </a:r>
-          </a:p>
-        </p:txBody>
-      </p:sp>
-      <p:sp>
-        <p:nvSpPr>
-          <p:cNvPr id="6" name="ZoneTexte 5"/>
-          <p:cNvSpPr txBox="1"/>
-          <p:nvPr/>
-        </p:nvSpPr>
-        <p:spPr>
-          <a:xfrm>
-            <a:off x="298705" y="6098179"/>
-            <a:ext cx="823880" cy="307777"/>
-          </a:xfrm>
-          <a:prstGeom prst="rect">
-            <a:avLst/>
-          </a:prstGeom>
-          <a:noFill/>
-        </p:spPr>
-        <p:txBody>
-          <a:bodyPr wrap="none" rtlCol="0">
-            <a:spAutoFit/>
-          </a:bodyPr>
-          <a:lstStyle/>
-          <a:p>
-            <a:r>
-              <a:rPr lang="fr-FR" sz="1400" b="1" dirty="0" smtClean="0"/>
-              <a:t>Figure 6.</a:t>
-            </a:r>
-            <a:endParaRPr lang="fr-FR" sz="1400" b="1" dirty="0"/>
           </a:p>
         </p:txBody>
       </p:sp>
@@ -17211,9 +17427,10 @@
               <a:defRPr lang="fr-FR"/>
             </a:pPr>
             <a:r>
-              <a:rPr lang="fr-FR" dirty="0"/>
-              <a:t>Ressources</a:t>
-            </a:r>
+              <a:rPr lang="fr-FR" dirty="0" err="1" smtClean="0"/>
+              <a:t>References</a:t>
+            </a:r>
+            <a:endParaRPr lang="fr-FR" dirty="0"/>
           </a:p>
         </p:txBody>
       </p:sp>
@@ -18240,6 +18457,92 @@
           </a:p>
         </p:txBody>
       </p:sp>
+      <p:pic>
+        <p:nvPicPr>
+          <p:cNvPr id="2" name="Image 1"/>
+          <p:cNvPicPr>
+            <a:picLocks noChangeAspect="1"/>
+          </p:cNvPicPr>
+          <p:nvPr/>
+        </p:nvPicPr>
+        <p:blipFill>
+          <a:blip r:embed="rId7" cstate="email">
+            <a:extLst>
+              <a:ext uri="{28A0092B-C50C-407E-A947-70E740481C1C}">
+                <a14:useLocalDpi xmlns:a14="http://schemas.microsoft.com/office/drawing/2010/main" val="0"/>
+              </a:ext>
+            </a:extLst>
+          </a:blip>
+          <a:stretch>
+            <a:fillRect/>
+          </a:stretch>
+        </p:blipFill>
+        <p:spPr>
+          <a:xfrm>
+            <a:off x="4953000" y="1595834"/>
+            <a:ext cx="3782482" cy="2076822"/>
+          </a:xfrm>
+          <a:prstGeom prst="rect">
+            <a:avLst/>
+          </a:prstGeom>
+          <a:effectLst>
+            <a:glow rad="127000">
+              <a:srgbClr val="FDFEF9"/>
+            </a:glow>
+            <a:outerShdw blurRad="50800" dist="50800" dir="5400000" algn="ctr" rotWithShape="0">
+              <a:srgbClr val="000000">
+                <a:alpha val="0"/>
+              </a:srgbClr>
+            </a:outerShdw>
+          </a:effectLst>
+        </p:spPr>
+      </p:pic>
+      <p:sp>
+        <p:nvSpPr>
+          <p:cNvPr id="8" name="ZoneTexte 7"/>
+          <p:cNvSpPr txBox="1"/>
+          <p:nvPr/>
+        </p:nvSpPr>
+        <p:spPr>
+          <a:xfrm>
+            <a:off x="4971091" y="3672656"/>
+            <a:ext cx="3764391" cy="307777"/>
+          </a:xfrm>
+          <a:prstGeom prst="rect">
+            <a:avLst/>
+          </a:prstGeom>
+          <a:noFill/>
+        </p:spPr>
+        <p:txBody>
+          <a:bodyPr wrap="square" rtlCol="0">
+            <a:spAutoFit/>
+          </a:bodyPr>
+          <a:lstStyle/>
+          <a:p>
+            <a:r>
+              <a:rPr lang="fr-FR" sz="1400" b="1" dirty="0" smtClean="0"/>
+              <a:t>Figure </a:t>
+            </a:r>
+            <a:r>
+              <a:rPr lang="fr-FR" sz="1400" b="1" dirty="0" smtClean="0"/>
+              <a:t>1.</a:t>
+            </a:r>
+            <a:r>
+              <a:rPr lang="fr-FR" sz="1400" dirty="0" smtClean="0"/>
+              <a:t> </a:t>
+            </a:r>
+            <a:r>
+              <a:rPr lang="fr-FR" sz="1400" dirty="0" smtClean="0"/>
+              <a:t>Source : </a:t>
+            </a:r>
+            <a:r>
+              <a:rPr lang="fr-FR" sz="1400" dirty="0"/>
+              <a:t>http://rain.aa.washington.edu"</a:t>
+            </a:r>
+            <a:endParaRPr lang="fr-FR" sz="1400" dirty="0"/>
+          </a:p>
+        </p:txBody>
+      </p:sp>
     </p:spTree>
     <p:custDataLst>
       <p:tags r:id="rId1"/>
@@ -18429,8 +18732,8 @@
           <a:p>
             <a:pPr algn="ctr"/>
             <a:r>
-              <a:rPr lang="fr-FR" dirty="0" err="1"/>
-              <a:t>Problematic</a:t>
+              <a:rPr lang="fr-FR" dirty="0" err="1" smtClean="0"/>
+              <a:t>Problematics</a:t>
             </a:r>
             <a:endParaRPr lang="fr-FR" dirty="0"/>
           </a:p>
@@ -18604,7 +18907,23 @@
             </a:pPr>
             <a:r>
               <a:rPr lang="en-US" sz="3200" dirty="0"/>
-              <a:t>How well scan an area ?</a:t>
+              <a:t>How </a:t>
+            </a:r>
+            <a:r>
+              <a:rPr lang="en-US" sz="3200" dirty="0" smtClean="0"/>
+              <a:t>to scan </a:t>
+            </a:r>
+            <a:r>
+              <a:rPr lang="en-US" sz="3200" dirty="0"/>
+              <a:t>an </a:t>
+            </a:r>
+            <a:r>
+              <a:rPr lang="en-US" sz="3200" dirty="0" smtClean="0"/>
+              <a:t>area properly</a:t>
+            </a:r>
+            <a:r>
+              <a:rPr lang="en-US" sz="3200" dirty="0"/>
+              <a:t> ?</a:t>
             </a:r>
             <a:endParaRPr lang="en-US" sz="2400" dirty="0"/>
           </a:p>
@@ -18740,7 +19059,15 @@
           <a:p>
             <a:r>
               <a:rPr lang="fr-FR" sz="1400" b="1" dirty="0" smtClean="0"/>
-              <a:t>Figure 1 . </a:t>
+              <a:t>Figure </a:t>
+            </a:r>
+            <a:r>
+              <a:rPr lang="fr-FR" sz="1400" b="1" dirty="0" smtClean="0"/>
+              <a:t>2 </a:t>
+            </a:r>
+            <a:r>
+              <a:rPr lang="fr-FR" sz="1400" b="1" dirty="0" smtClean="0"/>
+              <a:t>. </a:t>
             </a:r>
             <a:r>
               <a:rPr lang="fr-FR" sz="1400" dirty="0" smtClean="0"/>
@@ -18785,11 +19112,19 @@
           <a:p>
             <a:r>
               <a:rPr lang="fr-FR" sz="1400" b="1" dirty="0" smtClean="0"/>
-              <a:t>Figure 2.</a:t>
+              <a:t>Figure </a:t>
+            </a:r>
+            <a:r>
+              <a:rPr lang="fr-FR" sz="1400" b="1" dirty="0" smtClean="0"/>
+              <a:t>3.</a:t>
             </a:r>
             <a:r>
               <a:rPr lang="fr-FR" sz="1400" dirty="0" smtClean="0"/>
-              <a:t> Source : </a:t>
+              <a:t> </a:t>
+            </a:r>
+            <a:r>
+              <a:rPr lang="fr-FR" sz="1400" dirty="0" smtClean="0"/>
+              <a:t>Source : </a:t>
             </a:r>
             <a:r>
               <a:rPr lang="fr-FR" sz="1400" dirty="0"/>
@@ -19043,6 +19378,24 @@
               </a:rPr>
               <a:t>existing</a:t>
             </a:r>
+            <a:r>
+              <a:rPr lang="fr-FR" sz="4400" dirty="0" smtClean="0">
+                <a:solidFill>
+                  <a:srgbClr val="000000"/>
+                </a:solidFill>
+                <a:latin typeface="Calibri"/>
+              </a:rPr>
+              <a:t> </a:t>
+            </a:r>
+            <a:r>
+              <a:rPr lang="fr-FR" sz="4400" dirty="0" err="1" smtClean="0">
+                <a:solidFill>
+                  <a:srgbClr val="000000"/>
+                </a:solidFill>
+                <a:latin typeface="Calibri"/>
+              </a:rPr>
+              <a:t>models</a:t>
+            </a:r>
             <a:endParaRPr dirty="0"/>
           </a:p>
         </p:txBody>
@@ -19253,7 +19606,7 @@
         <p:spPr>
           <a:xfrm>
             <a:off x="5523640" y="5707192"/>
-            <a:ext cx="2417200" cy="276999"/>
+            <a:ext cx="2704651" cy="276999"/>
           </a:xfrm>
           <a:prstGeom prst="rect">
             <a:avLst/>
@@ -19288,7 +19641,7 @@
             </a:r>
             <a:r>
               <a:rPr lang="fr-FR" sz="1200" dirty="0" err="1" smtClean="0"/>
-              <a:t>Walk</a:t>
+              <a:t>Waypoint</a:t>
             </a:r>
             <a:endParaRPr lang="fr-FR" sz="1200" dirty="0"/>
           </a:p>
@@ -19510,12 +19863,28 @@
               <a:t> of </a:t>
             </a:r>
             <a:r>
-              <a:rPr lang="fr-FR" sz="4400" dirty="0" err="1">
+              <a:rPr lang="fr-FR" sz="4400" dirty="0" err="1" smtClean="0">
                 <a:solidFill>
                   <a:srgbClr val="000000"/>
                 </a:solidFill>
               </a:rPr>
               <a:t>existing</a:t>
+            </a:r>
+            <a:r>
+              <a:rPr lang="fr-FR" sz="4400" dirty="0" smtClean="0">
+                <a:solidFill>
+                  <a:srgbClr val="000000"/>
+                </a:solidFill>
+              </a:rPr>
+              <a:t> </a:t>
+            </a:r>
+            <a:r>
+              <a:rPr lang="fr-FR" sz="4400" dirty="0" err="1" smtClean="0">
+                <a:solidFill>
+                  <a:srgbClr val="000000"/>
+                </a:solidFill>
+              </a:rPr>
+              <a:t>models</a:t>
             </a:r>
             <a:endParaRPr lang="fr-FR" sz="4400" dirty="0"/>
           </a:p>
@@ -19569,7 +19938,7 @@
         <p:spPr>
           <a:xfrm>
             <a:off x="4379322" y="2004798"/>
-            <a:ext cx="4786182" cy="800219"/>
+            <a:ext cx="3970126" cy="800219"/>
           </a:xfrm>
           <a:prstGeom prst="rect">
             <a:avLst/>
@@ -19588,44 +19957,19 @@
             </a:pPr>
             <a:r>
               <a:rPr lang="en-US" sz="2800" dirty="0"/>
-              <a:t>Distributed Pheromone Repel</a:t>
-            </a:r>
+              <a:t>Distributed </a:t>
+            </a:r>
+            <a:r>
+              <a:rPr lang="en-US" sz="2800" dirty="0" smtClean="0"/>
+              <a:t>Pheromone</a:t>
+            </a:r>
+            <a:endParaRPr lang="en-US" sz="2800" dirty="0"/>
           </a:p>
           <a:p>
             <a:endParaRPr lang="fr-FR" dirty="0"/>
           </a:p>
         </p:txBody>
       </p:sp>
-      <p:pic>
-        <p:nvPicPr>
-          <p:cNvPr id="6" name="Image 5"/>
-          <p:cNvPicPr>
-            <a:picLocks noChangeAspect="1"/>
-          </p:cNvPicPr>
-          <p:nvPr/>
-        </p:nvPicPr>
-        <p:blipFill>
-          <a:blip r:embed="rId4">
-            <a:extLst>
-              <a:ext uri="{28A0092B-C50C-407E-A947-70E740481C1C}">
-                <a14:useLocalDpi xmlns:a14="http://schemas.microsoft.com/office/drawing/2010/main" val="0"/>
-              </a:ext>
-            </a:extLst>
-          </a:blip>
-          <a:stretch>
-            <a:fillRect/>
-          </a:stretch>
-        </p:blipFill>
-        <p:spPr>
-          <a:xfrm>
-            <a:off x="784471" y="2538726"/>
-            <a:ext cx="3312368" cy="3712136"/>
-          </a:xfrm>
-          <a:prstGeom prst="rect">
-            <a:avLst/>
-          </a:prstGeom>
-        </p:spPr>
-      </p:pic>
       <p:pic>
         <p:nvPicPr>
           <p:cNvPr id="7" name="Image 6"/>
@@ -19635,7 +19979,7 @@
           <p:nvPr/>
         </p:nvPicPr>
         <p:blipFill>
-          <a:blip r:embed="rId5">
+          <a:blip r:embed="rId4">
             <a:extLst>
               <a:ext uri="{28A0092B-C50C-407E-A947-70E740481C1C}">
                 <a14:useLocalDpi xmlns:a14="http://schemas.microsoft.com/office/drawing/2010/main" val="0"/>
@@ -19705,8 +20049,8 @@
         </p:nvSpPr>
         <p:spPr>
           <a:xfrm>
-            <a:off x="545554" y="5841941"/>
-            <a:ext cx="433132" cy="276999"/>
+            <a:off x="522014" y="5833302"/>
+            <a:ext cx="3117462" cy="461665"/>
           </a:xfrm>
           <a:prstGeom prst="rect">
             <a:avLst/>
@@ -19714,14 +20058,26 @@
           <a:noFill/>
         </p:spPr>
         <p:txBody>
-          <a:bodyPr wrap="none" rtlCol="0">
+          <a:bodyPr wrap="square" rtlCol="0">
             <a:spAutoFit/>
           </a:bodyPr>
           <a:lstStyle/>
           <a:p>
             <a:r>
               <a:rPr lang="fr-FR" sz="1200" dirty="0" smtClean="0"/>
-              <a:t>[3] :</a:t>
+              <a:t>[3] </a:t>
+            </a:r>
+            <a:r>
+              <a:rPr lang="fr-FR" sz="1200" dirty="0" smtClean="0"/>
+              <a:t>: Street scenario </a:t>
+            </a:r>
+            <a:r>
+              <a:rPr lang="fr-FR" sz="1200" dirty="0" err="1" smtClean="0"/>
+              <a:t>corresponding</a:t>
+            </a:r>
+            <a:r>
+              <a:rPr lang="fr-FR" sz="1200" dirty="0" smtClean="0"/>
+              <a:t> to a square area size 1900x1900</a:t>
             </a:r>
             <a:endParaRPr lang="fr-FR" sz="1200" dirty="0"/>
           </a:p>
@@ -19773,6 +20129,30 @@
           </a:p>
         </p:txBody>
       </p:sp>
+      <p:pic>
+        <p:nvPicPr>
+          <p:cNvPr id="11" name="Image 10"/>
+          <p:cNvPicPr>
+            <a:picLocks noChangeAspect="1"/>
+          </p:cNvPicPr>
+          <p:nvPr/>
+        </p:nvPicPr>
+        <p:blipFill>
+          <a:blip r:embed="rId5"/>
+          <a:stretch>
+            <a:fillRect/>
+          </a:stretch>
+        </p:blipFill>
+        <p:spPr>
+          <a:xfrm>
+            <a:off x="522014" y="2527587"/>
+            <a:ext cx="3295650" cy="3295650"/>
+          </a:xfrm>
+          <a:prstGeom prst="rect">
+            <a:avLst/>
+          </a:prstGeom>
+        </p:spPr>
+      </p:pic>
     </p:spTree>
     <p:extLst>
       <p:ext uri="{BB962C8B-B14F-4D97-AF65-F5344CB8AC3E}">
@@ -19990,7 +20370,19 @@
             <a:pPr algn="ctr"/>
             <a:r>
               <a:rPr lang="fr-FR" dirty="0" smtClean="0"/>
-              <a:t>Our Article</a:t>
+              <a:t>Our </a:t>
+            </a:r>
+            <a:r>
+              <a:rPr lang="fr-FR" dirty="0"/>
+              <a:t>a</a:t>
+            </a:r>
+            <a:r>
+              <a:rPr lang="fr-FR" dirty="0" smtClean="0"/>
+              <a:t>rticle </a:t>
+            </a:r>
+            <a:r>
+              <a:rPr lang="fr-FR" dirty="0" err="1" smtClean="0"/>
+              <a:t>studied</a:t>
             </a:r>
             <a:endParaRPr lang="fr-FR" dirty="0"/>
           </a:p>
@@ -20308,7 +20700,7 @@
             </a:r>
             <a:r>
               <a:rPr lang="fr-FR" dirty="0" err="1" smtClean="0"/>
-              <a:t>differents</a:t>
+              <a:t>different</a:t>
             </a:r>
             <a:r>
               <a:rPr lang="fr-FR" dirty="0" smtClean="0"/>
@@ -20316,7 +20708,7 @@
             </a:r>
             <a:r>
               <a:rPr lang="fr-FR" dirty="0" err="1" smtClean="0"/>
-              <a:t>mobilities</a:t>
+              <a:t>mobility</a:t>
             </a:r>
             <a:r>
               <a:rPr lang="fr-FR" dirty="0" smtClean="0"/>
@@ -20890,11 +21282,23 @@
             </a:r>
             <a:r>
               <a:rPr lang="fr-FR" sz="2800" dirty="0" smtClean="0"/>
-              <a:t> drones are </a:t>
+              <a:t> </a:t>
+            </a:r>
+            <a:r>
+              <a:rPr lang="fr-FR" sz="2800" dirty="0" smtClean="0"/>
+              <a:t>drone </a:t>
             </a:r>
             <a:r>
               <a:rPr lang="fr-FR" sz="2800" dirty="0" err="1" smtClean="0"/>
-              <a:t>independant</a:t>
+              <a:t>is</a:t>
+            </a:r>
+            <a:r>
+              <a:rPr lang="fr-FR" sz="2800" dirty="0" smtClean="0"/>
+              <a:t> </a:t>
+            </a:r>
+            <a:r>
+              <a:rPr lang="fr-FR" sz="2800" dirty="0" err="1" smtClean="0"/>
+              <a:t>independent</a:t>
             </a:r>
             <a:endParaRPr lang="fr-FR" sz="2800" dirty="0" smtClean="0"/>
           </a:p>

--- a/ressources/presentation/PresentationPER_Desbarats_V3.pptx
+++ b/ressources/presentation/PresentationPER_Desbarats_V3.pptx
@@ -136,6 +136,72 @@
     </a:lvl9pPr>
   </p:defaultTextStyle>
   <p:extLst>
+    <p:ext uri="{521415D9-36F7-43E2-AB2F-B90AF26B5E84}">
+      <p14:sectionLst xmlns:p14="http://schemas.microsoft.com/office/powerpoint/2010/main">
+        <p14:section name="Section par défaut" id="{7E1294DD-CAAF-4760-9C92-EC250ED16D34}">
+          <p14:sldIdLst>
+            <p14:sldId id="259"/>
+            <p14:sldId id="297"/>
+          </p14:sldIdLst>
+        </p14:section>
+        <p14:section name="Context" id="{C43247B6-566F-4286-AB92-30753D77FBCE}">
+          <p14:sldIdLst>
+            <p14:sldId id="307"/>
+          </p14:sldIdLst>
+        </p14:section>
+        <p14:section name="Problematics" id="{42E3C7F9-5C32-4EA1-B00B-4B5A81599E52}">
+          <p14:sldIdLst>
+            <p14:sldId id="261"/>
+          </p14:sldIdLst>
+        </p14:section>
+        <p14:section name="Study of existing models" id="{5A54BE42-E97D-454F-B0A5-BBC552549795}">
+          <p14:sldIdLst>
+            <p14:sldId id="281"/>
+            <p14:sldId id="318"/>
+          </p14:sldIdLst>
+        </p14:section>
+        <p14:section name="About the article" id="{41126324-10AB-438F-9DF3-F959160C102D}">
+          <p14:sldIdLst>
+            <p14:sldId id="298"/>
+          </p14:sldIdLst>
+        </p14:section>
+        <p14:section name="Models from the article" id="{E7F2C077-0AF6-4938-9EA9-EB27897D7CD6}">
+          <p14:sldIdLst>
+            <p14:sldId id="299"/>
+            <p14:sldId id="312"/>
+            <p14:sldId id="311"/>
+            <p14:sldId id="313"/>
+            <p14:sldId id="315"/>
+          </p14:sldIdLst>
+        </p14:section>
+        <p14:section name="Experiments from the article" id="{9F29786E-1AD9-4323-9FAD-4AE23BE78D95}">
+          <p14:sldIdLst>
+            <p14:sldId id="292"/>
+            <p14:sldId id="317"/>
+            <p14:sldId id="290"/>
+            <p14:sldId id="289"/>
+          </p14:sldIdLst>
+        </p14:section>
+        <p14:section name="Our work" id="{6774C921-6BDB-4BE3-8E2C-73AA037B0D0F}">
+          <p14:sldIdLst>
+            <p14:sldId id="319"/>
+            <p14:sldId id="321"/>
+            <p14:sldId id="322"/>
+            <p14:sldId id="323"/>
+            <p14:sldId id="324"/>
+            <p14:sldId id="326"/>
+            <p14:sldId id="328"/>
+          </p14:sldIdLst>
+        </p14:section>
+        <p14:section name="Conclusion" id="{DE944B8F-B022-406C-A711-C07C5250481A}">
+          <p14:sldIdLst>
+            <p14:sldId id="305"/>
+            <p14:sldId id="296"/>
+            <p14:sldId id="276"/>
+          </p14:sldIdLst>
+        </p14:section>
+      </p14:sectionLst>
+    </p:ext>
     <p:ext uri="{EFAFB233-063F-42B5-8137-9DF3F51BA10A}">
       <p15:sldGuideLst xmlns:p15="http://schemas.microsoft.com/office/powerpoint/2012/main">
         <p15:guide id="1" orient="horz" pos="2160">
@@ -757,8 +823,8 @@
           <c:showBubbleSize val="0"/>
         </c:dLbls>
         <c:smooth val="0"/>
-        <c:axId val="199555712"/>
-        <c:axId val="199556104"/>
+        <c:axId val="182740656"/>
+        <c:axId val="182747320"/>
         <c:extLst>
           <c:ext xmlns:c15="http://schemas.microsoft.com/office/drawing/2012/chart" uri="{02D57815-91ED-43cb-92C2-25804820EDAC}">
             <c15:filteredLineSeries>
@@ -951,7 +1017,7 @@
         </c:extLst>
       </c:lineChart>
       <c:catAx>
-        <c:axId val="199555712"/>
+        <c:axId val="182740656"/>
         <c:scaling>
           <c:orientation val="minMax"/>
         </c:scaling>
@@ -994,7 +1060,7 @@
             <a:endParaRPr lang="fr-FR"/>
           </a:p>
         </c:txPr>
-        <c:crossAx val="199556104"/>
+        <c:crossAx val="182747320"/>
         <c:crosses val="autoZero"/>
         <c:auto val="1"/>
         <c:lblAlgn val="ctr"/>
@@ -1002,7 +1068,7 @@
         <c:noMultiLvlLbl val="0"/>
       </c:catAx>
       <c:valAx>
-        <c:axId val="199556104"/>
+        <c:axId val="182747320"/>
         <c:scaling>
           <c:orientation val="minMax"/>
           <c:max val="100"/>
@@ -1054,7 +1120,7 @@
             <a:endParaRPr lang="fr-FR"/>
           </a:p>
         </c:txPr>
-        <c:crossAx val="199555712"/>
+        <c:crossAx val="182740656"/>
         <c:crosses val="autoZero"/>
         <c:crossBetween val="between"/>
       </c:valAx>
@@ -1885,7 +1951,7 @@
             <a:fld id="{D83FDC75-7F73-4A4A-A77C-09AADF00E0EA}" type="datetimeFigureOut">
               <a:rPr lang="fr-FR" smtClean="0"/>
               <a:pPr/>
-              <a:t>16/01/2014</a:t>
+              <a:t>17/01/2014</a:t>
             </a:fld>
             <a:endParaRPr lang="fr-FR" dirty="0"/>
           </a:p>
@@ -2052,7 +2118,7 @@
           <a:p>
             <a:fld id="{48AEF76B-3757-4A0B-AF93-28494465C1DD}" type="datetimeFigureOut">
               <a:pPr/>
-              <a:t>16/01/2014</a:t>
+              <a:t>17/01/2014</a:t>
             </a:fld>
             <a:endParaRPr lang="fr-FR"/>
           </a:p>
@@ -5421,10 +5487,46 @@
           <a:lstStyle/>
           <a:p>
             <a:r>
-              <a:rPr kumimoji="0" lang="fr-FR" smtClean="0"/>
-              <a:t>Master 2 – Computer Science – Authors : fcastagn, jetcheve, hpaziews, altessie &amp; mtesta</a:t>
-            </a:r>
-            <a:endParaRPr kumimoji="0" lang="fr-FR"/>
+              <a:rPr lang="en-US" dirty="0" smtClean="0"/>
+              <a:t>Master 2 – Computer Science – Authors : </a:t>
+            </a:r>
+            <a:r>
+              <a:rPr lang="en-US" dirty="0" err="1" smtClean="0"/>
+              <a:t>Castagnet</a:t>
+            </a:r>
+            <a:r>
+              <a:rPr lang="en-US" dirty="0" smtClean="0"/>
+              <a:t>, </a:t>
+            </a:r>
+            <a:r>
+              <a:rPr lang="en-US" dirty="0" err="1" smtClean="0"/>
+              <a:t>Etcheverry</a:t>
+            </a:r>
+            <a:r>
+              <a:rPr lang="en-US" dirty="0" smtClean="0"/>
+              <a:t>, </a:t>
+            </a:r>
+            <a:r>
+              <a:rPr lang="en-US" dirty="0" err="1" smtClean="0"/>
+              <a:t>Paziewski</a:t>
+            </a:r>
+            <a:r>
+              <a:rPr lang="en-US" dirty="0" smtClean="0"/>
+              <a:t>, </a:t>
+            </a:r>
+            <a:r>
+              <a:rPr lang="en-US" dirty="0" err="1" smtClean="0"/>
+              <a:t>Testa</a:t>
+            </a:r>
+            <a:r>
+              <a:rPr lang="en-US" dirty="0" smtClean="0"/>
+              <a:t>, </a:t>
+            </a:r>
+            <a:r>
+              <a:rPr lang="en-US" dirty="0" err="1" smtClean="0"/>
+              <a:t>Tessier</a:t>
+            </a:r>
+            <a:endParaRPr lang="en-US" dirty="0"/>
           </a:p>
         </p:txBody>
       </p:sp>
@@ -5865,37 +5967,6 @@
       </p:grpSpPr>
       <p:sp>
         <p:nvSpPr>
-          <p:cNvPr id="2" name="Title 1"/>
-          <p:cNvSpPr>
-            <a:spLocks noGrp="1"/>
-          </p:cNvSpPr>
-          <p:nvPr>
-            <p:ph type="title" hasCustomPrompt="1"/>
-          </p:nvPr>
-        </p:nvSpPr>
-        <p:spPr>
-          <a:xfrm>
-            <a:off x="762000" y="269632"/>
-            <a:ext cx="8077200" cy="1143000"/>
-          </a:xfrm>
-        </p:spPr>
-        <p:txBody>
-          <a:bodyPr anchor="ctr" anchorCtr="0"/>
-          <a:lstStyle>
-            <a:lvl1pPr algn="l" eaLnBrk="1" latinLnBrk="0" hangingPunct="1">
-              <a:defRPr kumimoji="0" lang="fr-FR"/>
-            </a:lvl1pPr>
-          </a:lstStyle>
-          <a:p>
-            <a:r>
-              <a:rPr kumimoji="0" lang="fr-FR"/>
-              <a:t>Modifiez le style du titre</a:t>
-            </a:r>
-          </a:p>
-        </p:txBody>
-      </p:sp>
-      <p:sp>
-        <p:nvSpPr>
           <p:cNvPr id="3" name="Content Placeholder 2"/>
           <p:cNvSpPr>
             <a:spLocks noGrp="1"/>
@@ -5981,7 +6052,7 @@
       </p:sp>
       <p:sp>
         <p:nvSpPr>
-          <p:cNvPr id="4" name="Date Placeholder 3"/>
+          <p:cNvPr id="7" name="Espace réservé de la date 6"/>
           <p:cNvSpPr>
             <a:spLocks noGrp="1"/>
           </p:cNvSpPr>
@@ -6000,7 +6071,7 @@
       </p:sp>
       <p:sp>
         <p:nvSpPr>
-          <p:cNvPr id="5" name="Footer Placeholder 4"/>
+          <p:cNvPr id="8" name="Espace réservé du pied de page 7"/>
           <p:cNvSpPr>
             <a:spLocks noGrp="1"/>
           </p:cNvSpPr>
@@ -6014,16 +6085,16 @@
           <a:lstStyle/>
           <a:p>
             <a:r>
-              <a:rPr kumimoji="0" lang="fr-FR" smtClean="0"/>
-              <a:t>Master 2 – Computer Science – Authors : fcastagn, jetcheve, hpaziews, altessie &amp; mtesta</a:t>
-            </a:r>
-            <a:endParaRPr kumimoji="0" lang="fr-FR"/>
-          </a:p>
-        </p:txBody>
-      </p:sp>
-      <p:sp>
-        <p:nvSpPr>
-          <p:cNvPr id="6" name="Slide Number Placeholder 5"/>
+              <a:rPr lang="en-US" smtClean="0"/>
+              <a:t>Master 2 – Computer Science – Authors : Castagnet, Etcheverry, Paziewski, Testa, Tessier</a:t>
+            </a:r>
+            <a:endParaRPr lang="en-US" dirty="0"/>
+          </a:p>
+        </p:txBody>
+      </p:sp>
+      <p:sp>
+        <p:nvSpPr>
+          <p:cNvPr id="9" name="Espace réservé du numéro de diapositive 8"/>
           <p:cNvSpPr>
             <a:spLocks noGrp="1"/>
           </p:cNvSpPr>
@@ -6031,21 +6102,40 @@
             <p:ph type="sldNum" sz="quarter" idx="12"/>
           </p:nvPr>
         </p:nvSpPr>
-        <p:spPr>
-          <a:xfrm>
-            <a:off x="6705600" y="6356350"/>
-            <a:ext cx="2133600" cy="365125"/>
-          </a:xfrm>
-        </p:spPr>
+        <p:spPr/>
         <p:txBody>
           <a:bodyPr/>
           <a:lstStyle/>
           <a:p>
             <a:fld id="{33D6E5A2-EC83-451F-A719-9AC1370DD5CF}" type="slidenum">
+              <a:rPr lang="fr-FR" smtClean="0"/>
               <a:pPr/>
               <a:t>‹N°›</a:t>
             </a:fld>
             <a:endParaRPr kumimoji="0" lang="fr-FR"/>
+          </a:p>
+        </p:txBody>
+      </p:sp>
+      <p:sp>
+        <p:nvSpPr>
+          <p:cNvPr id="10" name="Titre 9"/>
+          <p:cNvSpPr>
+            <a:spLocks noGrp="1"/>
+          </p:cNvSpPr>
+          <p:nvPr>
+            <p:ph type="title"/>
+          </p:nvPr>
+        </p:nvSpPr>
+        <p:spPr/>
+        <p:txBody>
+          <a:bodyPr/>
+          <a:lstStyle/>
+          <a:p>
+            <a:r>
+              <a:rPr lang="fr-FR" smtClean="0"/>
+              <a:t>Modifiez le style du titre</a:t>
+            </a:r>
+            <a:endParaRPr lang="fr-FR"/>
           </a:p>
         </p:txBody>
       </p:sp>
@@ -7671,7 +7761,7 @@
 </file>
 
 <file path=ppt/slideMasters/slideMaster1.xml><?xml version="1.0" encoding="utf-8"?>
-<p:sldMaster xmlns:a="http://schemas.openxmlformats.org/drawingml/2006/main" xmlns:r="http://schemas.openxmlformats.org/officeDocument/2006/relationships" xmlns:p="http://schemas.openxmlformats.org/presentationml/2006/main">
+<p:sldMaster xmlns:a="http://schemas.openxmlformats.org/drawingml/2006/main" xmlns:r="http://schemas.openxmlformats.org/officeDocument/2006/relationships" xmlns:p="http://schemas.openxmlformats.org/presentationml/2006/main" preserve="1">
   <p:cSld>
     <p:bg>
       <p:bgRef idx="1001">
@@ -7888,10 +7978,46 @@
           </a:lstStyle>
           <a:p>
             <a:r>
-              <a:rPr kumimoji="0" lang="fr-FR" smtClean="0"/>
-              <a:t>Master 2 – Computer Science – Authors : fcastagn, jetcheve, hpaziews, altessie &amp; mtesta</a:t>
-            </a:r>
-            <a:endParaRPr kumimoji="0" lang="fr-FR"/>
+              <a:rPr lang="en-US" dirty="0" smtClean="0"/>
+              <a:t>Master 2 – Computer Science – Authors : </a:t>
+            </a:r>
+            <a:r>
+              <a:rPr lang="en-US" dirty="0" err="1" smtClean="0"/>
+              <a:t>Castagnet</a:t>
+            </a:r>
+            <a:r>
+              <a:rPr lang="en-US" dirty="0" smtClean="0"/>
+              <a:t>, </a:t>
+            </a:r>
+            <a:r>
+              <a:rPr lang="en-US" dirty="0" err="1" smtClean="0"/>
+              <a:t>Etcheverry</a:t>
+            </a:r>
+            <a:r>
+              <a:rPr lang="en-US" dirty="0" smtClean="0"/>
+              <a:t>, </a:t>
+            </a:r>
+            <a:r>
+              <a:rPr lang="en-US" dirty="0" err="1" smtClean="0"/>
+              <a:t>Paziewski</a:t>
+            </a:r>
+            <a:r>
+              <a:rPr lang="en-US" dirty="0" smtClean="0"/>
+              <a:t>, </a:t>
+            </a:r>
+            <a:r>
+              <a:rPr lang="en-US" dirty="0" err="1" smtClean="0"/>
+              <a:t>Testa</a:t>
+            </a:r>
+            <a:r>
+              <a:rPr lang="en-US" dirty="0" smtClean="0"/>
+              <a:t>, </a:t>
+            </a:r>
+            <a:r>
+              <a:rPr lang="en-US" dirty="0" err="1" smtClean="0"/>
+              <a:t>Tessier</a:t>
+            </a:r>
+            <a:endParaRPr lang="en-US" dirty="0"/>
           </a:p>
         </p:txBody>
       </p:sp>
@@ -8373,13 +8499,7 @@
               <a:rPr lang="fr-FR" i="1" dirty="0" smtClean="0">
                 <a:latin typeface="+mn-lt"/>
               </a:rPr>
-              <a:t>Jérémy</a:t>
-            </a:r>
-            <a:r>
-              <a:rPr lang="fr-FR" i="1" dirty="0" smtClean="0">
-                <a:latin typeface="+mn-lt"/>
-              </a:rPr>
-              <a:t>, </a:t>
+              <a:t>Jérémy, </a:t>
             </a:r>
             <a:r>
               <a:rPr lang="fr-FR" i="1" dirty="0" err="1" smtClean="0">
@@ -8432,9 +8552,6 @@
               </a:rPr>
               <a:t>Mickaël </a:t>
             </a:r>
-            <a:endParaRPr lang="fr-FR" i="1" dirty="0" smtClean="0">
-              <a:latin typeface="+mn-lt"/>
-            </a:endParaRPr>
           </a:p>
           <a:p>
             <a:endParaRPr lang="fr-FR" dirty="0">
@@ -8472,11 +8589,7 @@
           <a:p>
             <a:r>
               <a:rPr lang="fr-FR" sz="1600" b="1" dirty="0" smtClean="0"/>
-              <a:t>Master 2 Computer </a:t>
-            </a:r>
-            <a:r>
-              <a:rPr lang="fr-FR" sz="1600" b="1" dirty="0" smtClean="0"/>
-              <a:t>Science, Network, System and </a:t>
+              <a:t>Master 2 Computer Science, Network, System and </a:t>
             </a:r>
             <a:r>
               <a:rPr lang="fr-FR" sz="1600" b="1" dirty="0" err="1" smtClean="0"/>
@@ -9227,11 +9340,7 @@
             </a:pPr>
             <a:r>
               <a:rPr lang="fr-FR" sz="2800" dirty="0" smtClean="0"/>
-              <a:t>Adaptative</a:t>
-            </a:r>
-            <a:r>
-              <a:rPr lang="fr-FR" sz="2800" dirty="0" smtClean="0"/>
-              <a:t> </a:t>
+              <a:t>Adaptative </a:t>
             </a:r>
           </a:p>
           <a:p>
@@ -9242,81 +9351,6 @@
               <a:rPr lang="fr-FR" sz="2800" dirty="0" smtClean="0"/>
               <a:t>                     UAV</a:t>
             </a:r>
-            <a:endParaRPr lang="fr-FR" sz="2800" dirty="0" smtClean="0"/>
-          </a:p>
-        </p:txBody>
-      </p:sp>
-      <p:sp>
-        <p:nvSpPr>
-          <p:cNvPr id="3" name="Espace réservé du pied de page 2"/>
-          <p:cNvSpPr>
-            <a:spLocks noGrp="1"/>
-          </p:cNvSpPr>
-          <p:nvPr>
-            <p:ph type="ftr" sz="quarter" idx="11"/>
-          </p:nvPr>
-        </p:nvSpPr>
-        <p:spPr>
-          <a:xfrm>
-            <a:off x="3352800" y="6356350"/>
-            <a:ext cx="3523456" cy="365125"/>
-          </a:xfrm>
-        </p:spPr>
-        <p:txBody>
-          <a:bodyPr/>
-          <a:lstStyle/>
-          <a:p>
-            <a:r>
-              <a:rPr kumimoji="0" lang="fr-FR" dirty="0" smtClean="0"/>
-              <a:t>Master 2 – Computer Science – </a:t>
-            </a:r>
-            <a:r>
-              <a:rPr kumimoji="0" lang="fr-FR" dirty="0" err="1" smtClean="0"/>
-              <a:t>Authors</a:t>
-            </a:r>
-            <a:r>
-              <a:rPr kumimoji="0" lang="fr-FR" dirty="0" smtClean="0"/>
-              <a:t> : </a:t>
-            </a:r>
-          </a:p>
-          <a:p>
-            <a:r>
-              <a:rPr kumimoji="0" lang="fr-FR" dirty="0" err="1" smtClean="0"/>
-              <a:t>fcastagn</a:t>
-            </a:r>
-            <a:r>
-              <a:rPr kumimoji="0" lang="fr-FR" dirty="0" smtClean="0"/>
-              <a:t>, </a:t>
-            </a:r>
-            <a:r>
-              <a:rPr kumimoji="0" lang="fr-FR" dirty="0" err="1" smtClean="0"/>
-              <a:t>jetcheve</a:t>
-            </a:r>
-            <a:r>
-              <a:rPr kumimoji="0" lang="fr-FR" dirty="0" smtClean="0"/>
-              <a:t>, </a:t>
-            </a:r>
-            <a:r>
-              <a:rPr kumimoji="0" lang="fr-FR" dirty="0" err="1" smtClean="0"/>
-              <a:t>hpaziews</a:t>
-            </a:r>
-            <a:r>
-              <a:rPr kumimoji="0" lang="fr-FR" dirty="0" smtClean="0"/>
-              <a:t>, </a:t>
-            </a:r>
-            <a:r>
-              <a:rPr kumimoji="0" lang="fr-FR" dirty="0" err="1" smtClean="0"/>
-              <a:t>altessie</a:t>
-            </a:r>
-            <a:r>
-              <a:rPr kumimoji="0" lang="fr-FR" dirty="0" smtClean="0"/>
-              <a:t> &amp; </a:t>
-            </a:r>
-            <a:r>
-              <a:rPr kumimoji="0" lang="fr-FR" dirty="0" err="1" smtClean="0"/>
-              <a:t>mtesta</a:t>
-            </a:r>
-            <a:endParaRPr kumimoji="0" lang="fr-FR" dirty="0"/>
           </a:p>
         </p:txBody>
       </p:sp>
@@ -9397,6 +9431,112 @@
               <a:t>Waypoint</a:t>
             </a:r>
             <a:endParaRPr lang="fr-FR" sz="1200" dirty="0"/>
+          </a:p>
+        </p:txBody>
+      </p:sp>
+      <p:sp>
+        <p:nvSpPr>
+          <p:cNvPr id="14" name="Espace réservé du pied de page 5"/>
+          <p:cNvSpPr>
+            <a:spLocks noGrp="1"/>
+          </p:cNvSpPr>
+          <p:nvPr>
+            <p:ph type="ftr" sz="quarter" idx="11"/>
+          </p:nvPr>
+        </p:nvSpPr>
+        <p:spPr>
+          <a:xfrm>
+            <a:off x="3352800" y="6309320"/>
+            <a:ext cx="3235424" cy="365125"/>
+          </a:xfrm>
+        </p:spPr>
+        <p:txBody>
+          <a:bodyPr/>
+          <a:lstStyle/>
+          <a:p>
+            <a:r>
+              <a:rPr lang="en-US" dirty="0"/>
+              <a:t>Master 2 – Computer Science – Authors : </a:t>
+            </a:r>
+            <a:r>
+              <a:rPr lang="en-US" dirty="0" err="1"/>
+              <a:t>Castagnet</a:t>
+            </a:r>
+            <a:r>
+              <a:rPr lang="en-US" dirty="0"/>
+              <a:t>, </a:t>
+            </a:r>
+            <a:r>
+              <a:rPr lang="en-US" dirty="0" err="1"/>
+              <a:t>Etcheverry</a:t>
+            </a:r>
+            <a:r>
+              <a:rPr lang="en-US" dirty="0"/>
+              <a:t>, </a:t>
+            </a:r>
+            <a:r>
+              <a:rPr lang="en-US" dirty="0" err="1"/>
+              <a:t>Paziewski</a:t>
+            </a:r>
+            <a:r>
+              <a:rPr lang="en-US" dirty="0"/>
+              <a:t>, </a:t>
+            </a:r>
+            <a:r>
+              <a:rPr lang="en-US" dirty="0" err="1"/>
+              <a:t>Tessier</a:t>
+            </a:r>
+            <a:r>
+              <a:rPr lang="en-US" dirty="0"/>
+              <a:t>, </a:t>
+            </a:r>
+            <a:r>
+              <a:rPr lang="en-US" dirty="0" err="1"/>
+              <a:t>Testa</a:t>
+            </a:r>
+            <a:endParaRPr lang="en-US" dirty="0"/>
+          </a:p>
+        </p:txBody>
+      </p:sp>
+      <p:sp>
+        <p:nvSpPr>
+          <p:cNvPr id="15" name="ZoneTexte 14"/>
+          <p:cNvSpPr txBox="1"/>
+          <p:nvPr/>
+        </p:nvSpPr>
+        <p:spPr>
+          <a:xfrm>
+            <a:off x="90987" y="0"/>
+            <a:ext cx="2225824" cy="646331"/>
+          </a:xfrm>
+          <a:prstGeom prst="rect">
+            <a:avLst/>
+          </a:prstGeom>
+          <a:noFill/>
+        </p:spPr>
+        <p:txBody>
+          <a:bodyPr wrap="square" rtlCol="0">
+            <a:spAutoFit/>
+          </a:bodyPr>
+          <a:lstStyle/>
+          <a:p>
+            <a:r>
+              <a:rPr lang="fr-FR" dirty="0" err="1" smtClean="0"/>
+              <a:t>Models</a:t>
+            </a:r>
+            <a:r>
+              <a:rPr lang="fr-FR" dirty="0" smtClean="0"/>
+              <a:t> </a:t>
+            </a:r>
+            <a:r>
+              <a:rPr lang="fr-FR" dirty="0" err="1" smtClean="0"/>
+              <a:t>from</a:t>
+            </a:r>
+            <a:r>
+              <a:rPr lang="fr-FR" dirty="0" smtClean="0"/>
+              <a:t> the article</a:t>
+            </a:r>
+            <a:endParaRPr lang="fr-FR" dirty="0"/>
           </a:p>
         </p:txBody>
       </p:sp>
@@ -9596,80 +9736,6 @@
       </p:sp>
       <p:sp>
         <p:nvSpPr>
-          <p:cNvPr id="3" name="Espace réservé du pied de page 2"/>
-          <p:cNvSpPr>
-            <a:spLocks noGrp="1"/>
-          </p:cNvSpPr>
-          <p:nvPr>
-            <p:ph type="ftr" sz="quarter" idx="11"/>
-          </p:nvPr>
-        </p:nvSpPr>
-        <p:spPr>
-          <a:xfrm>
-            <a:off x="3352800" y="6356350"/>
-            <a:ext cx="3667472" cy="365125"/>
-          </a:xfrm>
-        </p:spPr>
-        <p:txBody>
-          <a:bodyPr/>
-          <a:lstStyle/>
-          <a:p>
-            <a:r>
-              <a:rPr kumimoji="0" lang="fr-FR" dirty="0" smtClean="0"/>
-              <a:t>Master 2 – Computer Science – </a:t>
-            </a:r>
-            <a:r>
-              <a:rPr kumimoji="0" lang="fr-FR" dirty="0" err="1" smtClean="0"/>
-              <a:t>Authors</a:t>
-            </a:r>
-            <a:r>
-              <a:rPr kumimoji="0" lang="fr-FR" dirty="0" smtClean="0"/>
-              <a:t> : </a:t>
-            </a:r>
-          </a:p>
-          <a:p>
-            <a:r>
-              <a:rPr kumimoji="0" lang="fr-FR" dirty="0" err="1" smtClean="0"/>
-              <a:t>fcastagn</a:t>
-            </a:r>
-            <a:r>
-              <a:rPr kumimoji="0" lang="fr-FR" dirty="0" smtClean="0"/>
-              <a:t>, </a:t>
-            </a:r>
-            <a:r>
-              <a:rPr kumimoji="0" lang="fr-FR" dirty="0" err="1" smtClean="0"/>
-              <a:t>jetcheve</a:t>
-            </a:r>
-            <a:r>
-              <a:rPr kumimoji="0" lang="fr-FR" dirty="0" smtClean="0"/>
-              <a:t>, </a:t>
-            </a:r>
-            <a:r>
-              <a:rPr kumimoji="0" lang="fr-FR" dirty="0" err="1" smtClean="0"/>
-              <a:t>hpaziews</a:t>
-            </a:r>
-            <a:r>
-              <a:rPr kumimoji="0" lang="fr-FR" dirty="0" smtClean="0"/>
-              <a:t>, </a:t>
-            </a:r>
-            <a:r>
-              <a:rPr kumimoji="0" lang="fr-FR" dirty="0" err="1" smtClean="0"/>
-              <a:t>altessie</a:t>
-            </a:r>
-            <a:r>
-              <a:rPr kumimoji="0" lang="fr-FR" dirty="0" smtClean="0"/>
-              <a:t> &amp; </a:t>
-            </a:r>
-            <a:r>
-              <a:rPr kumimoji="0" lang="fr-FR" dirty="0" err="1" smtClean="0"/>
-              <a:t>mtesta</a:t>
-            </a:r>
-            <a:endParaRPr kumimoji="0" lang="fr-FR" dirty="0"/>
-          </a:p>
-        </p:txBody>
-      </p:sp>
-      <p:sp>
-        <p:nvSpPr>
           <p:cNvPr id="4" name="Rectangle 3"/>
           <p:cNvSpPr/>
           <p:nvPr/>
@@ -9820,17 +9886,115 @@
                   <a:srgbClr val="000000"/>
                 </a:solidFill>
               </a:rPr>
-              <a:t>map (when a distance is inferior to 8 </a:t>
-            </a:r>
-            <a:r>
-              <a:rPr lang="en-US" sz="2800" dirty="0" smtClean="0">
-                <a:solidFill>
-                  <a:srgbClr val="000000"/>
-                </a:solidFill>
-              </a:rPr>
-              <a:t>km between two UAVs)</a:t>
+              <a:t>map (when a distance is inferior to 8 km between two UAVs)</a:t>
             </a:r>
             <a:endParaRPr lang="en-US" sz="2800" dirty="0"/>
+          </a:p>
+        </p:txBody>
+      </p:sp>
+      <p:sp>
+        <p:nvSpPr>
+          <p:cNvPr id="9" name="Espace réservé du pied de page 5"/>
+          <p:cNvSpPr>
+            <a:spLocks noGrp="1"/>
+          </p:cNvSpPr>
+          <p:nvPr>
+            <p:ph type="ftr" sz="quarter" idx="11"/>
+          </p:nvPr>
+        </p:nvSpPr>
+        <p:spPr>
+          <a:xfrm>
+            <a:off x="3352800" y="6356350"/>
+            <a:ext cx="3235424" cy="365125"/>
+          </a:xfrm>
+        </p:spPr>
+        <p:txBody>
+          <a:bodyPr/>
+          <a:lstStyle/>
+          <a:p>
+            <a:r>
+              <a:rPr lang="en-US" dirty="0"/>
+              <a:t>Master 2 – Computer Science – Authors : </a:t>
+            </a:r>
+            <a:r>
+              <a:rPr lang="en-US" dirty="0" err="1"/>
+              <a:t>Castagnet</a:t>
+            </a:r>
+            <a:r>
+              <a:rPr lang="en-US" dirty="0"/>
+              <a:t>, </a:t>
+            </a:r>
+            <a:r>
+              <a:rPr lang="en-US" dirty="0" err="1"/>
+              <a:t>Etcheverry</a:t>
+            </a:r>
+            <a:r>
+              <a:rPr lang="en-US" dirty="0"/>
+              <a:t>, </a:t>
+            </a:r>
+            <a:r>
+              <a:rPr lang="en-US" dirty="0" err="1"/>
+              <a:t>Paziewski</a:t>
+            </a:r>
+            <a:r>
+              <a:rPr lang="en-US" dirty="0"/>
+              <a:t>, </a:t>
+            </a:r>
+            <a:r>
+              <a:rPr lang="en-US" dirty="0" err="1"/>
+              <a:t>Tessier</a:t>
+            </a:r>
+            <a:r>
+              <a:rPr lang="en-US" dirty="0"/>
+              <a:t>, </a:t>
+            </a:r>
+            <a:r>
+              <a:rPr lang="en-US" dirty="0" err="1"/>
+              <a:t>Testa</a:t>
+            </a:r>
+            <a:endParaRPr lang="en-US" dirty="0"/>
+          </a:p>
+        </p:txBody>
+      </p:sp>
+      <p:sp>
+        <p:nvSpPr>
+          <p:cNvPr id="10" name="ZoneTexte 9"/>
+          <p:cNvSpPr txBox="1"/>
+          <p:nvPr/>
+        </p:nvSpPr>
+        <p:spPr>
+          <a:xfrm>
+            <a:off x="90987" y="0"/>
+            <a:ext cx="2225824" cy="646331"/>
+          </a:xfrm>
+          <a:prstGeom prst="rect">
+            <a:avLst/>
+          </a:prstGeom>
+          <a:noFill/>
+        </p:spPr>
+        <p:txBody>
+          <a:bodyPr wrap="square" rtlCol="0">
+            <a:spAutoFit/>
+          </a:bodyPr>
+          <a:lstStyle/>
+          <a:p>
+            <a:r>
+              <a:rPr lang="fr-FR" dirty="0" err="1" smtClean="0"/>
+              <a:t>Models</a:t>
+            </a:r>
+            <a:r>
+              <a:rPr lang="fr-FR" dirty="0" smtClean="0"/>
+              <a:t> </a:t>
+            </a:r>
+            <a:r>
+              <a:rPr lang="fr-FR" dirty="0" err="1" smtClean="0"/>
+              <a:t>from</a:t>
+            </a:r>
+            <a:r>
+              <a:rPr lang="fr-FR" dirty="0" smtClean="0"/>
+              <a:t> the article</a:t>
+            </a:r>
+            <a:endParaRPr lang="fr-FR" dirty="0"/>
           </a:p>
         </p:txBody>
       </p:sp>
@@ -10028,80 +10192,6 @@
           </a:p>
         </p:txBody>
       </p:sp>
-      <p:sp>
-        <p:nvSpPr>
-          <p:cNvPr id="3" name="Espace réservé du pied de page 2"/>
-          <p:cNvSpPr>
-            <a:spLocks noGrp="1"/>
-          </p:cNvSpPr>
-          <p:nvPr>
-            <p:ph type="ftr" sz="quarter" idx="11"/>
-          </p:nvPr>
-        </p:nvSpPr>
-        <p:spPr>
-          <a:xfrm>
-            <a:off x="3352800" y="6356350"/>
-            <a:ext cx="4387552" cy="365125"/>
-          </a:xfrm>
-        </p:spPr>
-        <p:txBody>
-          <a:bodyPr/>
-          <a:lstStyle/>
-          <a:p>
-            <a:r>
-              <a:rPr kumimoji="0" lang="fr-FR" dirty="0" smtClean="0"/>
-              <a:t>Master 2 – Computer Science – </a:t>
-            </a:r>
-            <a:r>
-              <a:rPr kumimoji="0" lang="fr-FR" dirty="0" err="1" smtClean="0"/>
-              <a:t>Authors</a:t>
-            </a:r>
-            <a:r>
-              <a:rPr kumimoji="0" lang="fr-FR" dirty="0" smtClean="0"/>
-              <a:t> : </a:t>
-            </a:r>
-          </a:p>
-          <a:p>
-            <a:r>
-              <a:rPr kumimoji="0" lang="fr-FR" dirty="0" err="1" smtClean="0"/>
-              <a:t>fcastagn</a:t>
-            </a:r>
-            <a:r>
-              <a:rPr kumimoji="0" lang="fr-FR" dirty="0" smtClean="0"/>
-              <a:t>, </a:t>
-            </a:r>
-            <a:r>
-              <a:rPr kumimoji="0" lang="fr-FR" dirty="0" err="1" smtClean="0"/>
-              <a:t>jetcheve</a:t>
-            </a:r>
-            <a:r>
-              <a:rPr kumimoji="0" lang="fr-FR" dirty="0" smtClean="0"/>
-              <a:t>, </a:t>
-            </a:r>
-            <a:r>
-              <a:rPr kumimoji="0" lang="fr-FR" dirty="0" err="1" smtClean="0"/>
-              <a:t>hpaziews</a:t>
-            </a:r>
-            <a:r>
-              <a:rPr kumimoji="0" lang="fr-FR" dirty="0" smtClean="0"/>
-              <a:t>, </a:t>
-            </a:r>
-            <a:r>
-              <a:rPr kumimoji="0" lang="fr-FR" dirty="0" err="1" smtClean="0"/>
-              <a:t>altessie</a:t>
-            </a:r>
-            <a:r>
-              <a:rPr kumimoji="0" lang="fr-FR" dirty="0" smtClean="0"/>
-              <a:t> &amp; </a:t>
-            </a:r>
-            <a:r>
-              <a:rPr kumimoji="0" lang="fr-FR" dirty="0" err="1" smtClean="0"/>
-              <a:t>mtesta</a:t>
-            </a:r>
-            <a:endParaRPr kumimoji="0" lang="fr-FR" dirty="0"/>
-          </a:p>
-        </p:txBody>
-      </p:sp>
       <p:pic>
         <p:nvPicPr>
           <p:cNvPr id="10" name="Picture 2"/>
@@ -10290,6 +10380,112 @@
                 <a:srgbClr val="000000"/>
               </a:solidFill>
             </a:endParaRPr>
+          </a:p>
+        </p:txBody>
+      </p:sp>
+      <p:sp>
+        <p:nvSpPr>
+          <p:cNvPr id="14" name="Espace réservé du pied de page 5"/>
+          <p:cNvSpPr>
+            <a:spLocks noGrp="1"/>
+          </p:cNvSpPr>
+          <p:nvPr>
+            <p:ph type="ftr" sz="quarter" idx="11"/>
+          </p:nvPr>
+        </p:nvSpPr>
+        <p:spPr>
+          <a:xfrm>
+            <a:off x="3352800" y="6356350"/>
+            <a:ext cx="3235424" cy="365125"/>
+          </a:xfrm>
+        </p:spPr>
+        <p:txBody>
+          <a:bodyPr/>
+          <a:lstStyle/>
+          <a:p>
+            <a:r>
+              <a:rPr lang="en-US" dirty="0"/>
+              <a:t>Master 2 – Computer Science – Authors : </a:t>
+            </a:r>
+            <a:r>
+              <a:rPr lang="en-US" dirty="0" err="1"/>
+              <a:t>Castagnet</a:t>
+            </a:r>
+            <a:r>
+              <a:rPr lang="en-US" dirty="0"/>
+              <a:t>, </a:t>
+            </a:r>
+            <a:r>
+              <a:rPr lang="en-US" dirty="0" err="1"/>
+              <a:t>Etcheverry</a:t>
+            </a:r>
+            <a:r>
+              <a:rPr lang="en-US" dirty="0"/>
+              <a:t>, </a:t>
+            </a:r>
+            <a:r>
+              <a:rPr lang="en-US" dirty="0" err="1"/>
+              <a:t>Paziewski</a:t>
+            </a:r>
+            <a:r>
+              <a:rPr lang="en-US" dirty="0"/>
+              <a:t>, </a:t>
+            </a:r>
+            <a:r>
+              <a:rPr lang="en-US" dirty="0" err="1"/>
+              <a:t>Tessier</a:t>
+            </a:r>
+            <a:r>
+              <a:rPr lang="en-US" dirty="0"/>
+              <a:t>, </a:t>
+            </a:r>
+            <a:r>
+              <a:rPr lang="en-US" dirty="0" err="1"/>
+              <a:t>Testa</a:t>
+            </a:r>
+            <a:endParaRPr lang="en-US" dirty="0"/>
+          </a:p>
+        </p:txBody>
+      </p:sp>
+      <p:sp>
+        <p:nvSpPr>
+          <p:cNvPr id="15" name="ZoneTexte 14"/>
+          <p:cNvSpPr txBox="1"/>
+          <p:nvPr/>
+        </p:nvSpPr>
+        <p:spPr>
+          <a:xfrm>
+            <a:off x="90987" y="0"/>
+            <a:ext cx="2225824" cy="646331"/>
+          </a:xfrm>
+          <a:prstGeom prst="rect">
+            <a:avLst/>
+          </a:prstGeom>
+          <a:noFill/>
+        </p:spPr>
+        <p:txBody>
+          <a:bodyPr wrap="square" rtlCol="0">
+            <a:spAutoFit/>
+          </a:bodyPr>
+          <a:lstStyle/>
+          <a:p>
+            <a:r>
+              <a:rPr lang="fr-FR" dirty="0" err="1" smtClean="0"/>
+              <a:t>Models</a:t>
+            </a:r>
+            <a:r>
+              <a:rPr lang="fr-FR" dirty="0" smtClean="0"/>
+              <a:t> </a:t>
+            </a:r>
+            <a:r>
+              <a:rPr lang="fr-FR" dirty="0" err="1" smtClean="0"/>
+              <a:t>from</a:t>
+            </a:r>
+            <a:r>
+              <a:rPr lang="fr-FR" dirty="0" smtClean="0"/>
+              <a:t> the article</a:t>
+            </a:r>
+            <a:endParaRPr lang="fr-FR" dirty="0"/>
           </a:p>
         </p:txBody>
       </p:sp>
@@ -10473,29 +10669,6 @@
       </p:sp>
       <p:sp>
         <p:nvSpPr>
-          <p:cNvPr id="3" name="Espace réservé du pied de page 2"/>
-          <p:cNvSpPr>
-            <a:spLocks noGrp="1"/>
-          </p:cNvSpPr>
-          <p:nvPr>
-            <p:ph type="ftr" sz="quarter" idx="11"/>
-          </p:nvPr>
-        </p:nvSpPr>
-        <p:spPr/>
-        <p:txBody>
-          <a:bodyPr/>
-          <a:lstStyle/>
-          <a:p>
-            <a:r>
-              <a:rPr kumimoji="0" lang="fr-FR" smtClean="0"/>
-              <a:t>Master 2 – Computer Science – Authors : fcastagn, jetcheve, hpaziews, altessie &amp; mtesta</a:t>
-            </a:r>
-            <a:endParaRPr kumimoji="0" lang="fr-FR"/>
-          </a:p>
-        </p:txBody>
-      </p:sp>
-      <p:sp>
-        <p:nvSpPr>
           <p:cNvPr id="4" name="ZoneTexte 3"/>
           <p:cNvSpPr txBox="1"/>
           <p:nvPr/>
@@ -10699,11 +10872,6 @@
               </a:rPr>
               <a:t>C&amp;C</a:t>
             </a:r>
-            <a:endParaRPr lang="en-US" sz="2800" dirty="0" smtClean="0">
-              <a:solidFill>
-                <a:srgbClr val="000000"/>
-              </a:solidFill>
-            </a:endParaRPr>
           </a:p>
           <a:p>
             <a:pPr lvl="2" indent="-457200">
@@ -10740,15 +10908,7 @@
                   <a:srgbClr val="000000"/>
                 </a:solidFill>
               </a:rPr>
-              <a:t>     </a:t>
-            </a:r>
-            <a:r>
-              <a:rPr lang="fr-FR" sz="2800" dirty="0" smtClean="0">
-                <a:solidFill>
-                  <a:srgbClr val="000000"/>
-                </a:solidFill>
-              </a:rPr>
-              <a:t>(no quantification in the article)</a:t>
+              <a:t>     (no quantification in the article)</a:t>
             </a:r>
             <a:endParaRPr lang="en-US" sz="2800" dirty="0" smtClean="0">
               <a:solidFill>
@@ -10837,6 +10997,112 @@
               <a:t> center  </a:t>
             </a:r>
             <a:endParaRPr lang="fr-FR" sz="1400" dirty="0"/>
+          </a:p>
+        </p:txBody>
+      </p:sp>
+      <p:sp>
+        <p:nvSpPr>
+          <p:cNvPr id="10" name="Espace réservé du pied de page 5"/>
+          <p:cNvSpPr>
+            <a:spLocks noGrp="1"/>
+          </p:cNvSpPr>
+          <p:nvPr>
+            <p:ph type="ftr" sz="quarter" idx="11"/>
+          </p:nvPr>
+        </p:nvSpPr>
+        <p:spPr>
+          <a:xfrm>
+            <a:off x="3352800" y="6356350"/>
+            <a:ext cx="3235424" cy="365125"/>
+          </a:xfrm>
+        </p:spPr>
+        <p:txBody>
+          <a:bodyPr/>
+          <a:lstStyle/>
+          <a:p>
+            <a:r>
+              <a:rPr lang="en-US" dirty="0"/>
+              <a:t>Master 2 – Computer Science – Authors : </a:t>
+            </a:r>
+            <a:r>
+              <a:rPr lang="en-US" dirty="0" err="1"/>
+              <a:t>Castagnet</a:t>
+            </a:r>
+            <a:r>
+              <a:rPr lang="en-US" dirty="0"/>
+              <a:t>, </a:t>
+            </a:r>
+            <a:r>
+              <a:rPr lang="en-US" dirty="0" err="1"/>
+              <a:t>Etcheverry</a:t>
+            </a:r>
+            <a:r>
+              <a:rPr lang="en-US" dirty="0"/>
+              <a:t>, </a:t>
+            </a:r>
+            <a:r>
+              <a:rPr lang="en-US" dirty="0" err="1"/>
+              <a:t>Paziewski</a:t>
+            </a:r>
+            <a:r>
+              <a:rPr lang="en-US" dirty="0"/>
+              <a:t>, </a:t>
+            </a:r>
+            <a:r>
+              <a:rPr lang="en-US" dirty="0" err="1"/>
+              <a:t>Tessier</a:t>
+            </a:r>
+            <a:r>
+              <a:rPr lang="en-US" dirty="0"/>
+              <a:t>, </a:t>
+            </a:r>
+            <a:r>
+              <a:rPr lang="en-US" dirty="0" err="1"/>
+              <a:t>Testa</a:t>
+            </a:r>
+            <a:endParaRPr lang="en-US" dirty="0"/>
+          </a:p>
+        </p:txBody>
+      </p:sp>
+      <p:sp>
+        <p:nvSpPr>
+          <p:cNvPr id="11" name="ZoneTexte 10"/>
+          <p:cNvSpPr txBox="1"/>
+          <p:nvPr/>
+        </p:nvSpPr>
+        <p:spPr>
+          <a:xfrm>
+            <a:off x="90987" y="0"/>
+            <a:ext cx="2225824" cy="646331"/>
+          </a:xfrm>
+          <a:prstGeom prst="rect">
+            <a:avLst/>
+          </a:prstGeom>
+          <a:noFill/>
+        </p:spPr>
+        <p:txBody>
+          <a:bodyPr wrap="square" rtlCol="0">
+            <a:spAutoFit/>
+          </a:bodyPr>
+          <a:lstStyle/>
+          <a:p>
+            <a:r>
+              <a:rPr lang="fr-FR" dirty="0" err="1" smtClean="0"/>
+              <a:t>Experiments</a:t>
+            </a:r>
+            <a:r>
+              <a:rPr lang="fr-FR" dirty="0" smtClean="0"/>
+              <a:t> </a:t>
+            </a:r>
+            <a:r>
+              <a:rPr lang="fr-FR" dirty="0" err="1" smtClean="0"/>
+              <a:t>from</a:t>
+            </a:r>
+            <a:r>
+              <a:rPr lang="fr-FR" dirty="0" smtClean="0"/>
+              <a:t> the article</a:t>
+            </a:r>
+            <a:endParaRPr lang="fr-FR" dirty="0"/>
           </a:p>
         </p:txBody>
       </p:sp>
@@ -11015,29 +11281,6 @@
               <a:t>Experiments</a:t>
             </a:r>
             <a:endParaRPr lang="fr-FR" dirty="0"/>
-          </a:p>
-        </p:txBody>
-      </p:sp>
-      <p:sp>
-        <p:nvSpPr>
-          <p:cNvPr id="3" name="Espace réservé du pied de page 2"/>
-          <p:cNvSpPr>
-            <a:spLocks noGrp="1"/>
-          </p:cNvSpPr>
-          <p:nvPr>
-            <p:ph type="ftr" sz="quarter" idx="11"/>
-          </p:nvPr>
-        </p:nvSpPr>
-        <p:spPr/>
-        <p:txBody>
-          <a:bodyPr/>
-          <a:lstStyle/>
-          <a:p>
-            <a:r>
-              <a:rPr kumimoji="0" lang="fr-FR" smtClean="0"/>
-              <a:t>Master 2 – Computer Science – Authors : fcastagn, jetcheve, hpaziews, altessie &amp; mtesta</a:t>
-            </a:r>
-            <a:endParaRPr kumimoji="0" lang="fr-FR" dirty="0"/>
           </a:p>
         </p:txBody>
       </p:sp>
@@ -11599,6 +11842,112 @@
           </a:fontRef>
         </p:style>
       </p:cxnSp>
+      <p:sp>
+        <p:nvSpPr>
+          <p:cNvPr id="12" name="Espace réservé du pied de page 5"/>
+          <p:cNvSpPr>
+            <a:spLocks noGrp="1"/>
+          </p:cNvSpPr>
+          <p:nvPr>
+            <p:ph type="ftr" sz="quarter" idx="11"/>
+          </p:nvPr>
+        </p:nvSpPr>
+        <p:spPr>
+          <a:xfrm>
+            <a:off x="3352800" y="6356350"/>
+            <a:ext cx="3235424" cy="365125"/>
+          </a:xfrm>
+        </p:spPr>
+        <p:txBody>
+          <a:bodyPr/>
+          <a:lstStyle/>
+          <a:p>
+            <a:r>
+              <a:rPr lang="en-US" dirty="0"/>
+              <a:t>Master 2 – Computer Science – Authors : </a:t>
+            </a:r>
+            <a:r>
+              <a:rPr lang="en-US" dirty="0" err="1"/>
+              <a:t>Castagnet</a:t>
+            </a:r>
+            <a:r>
+              <a:rPr lang="en-US" dirty="0"/>
+              <a:t>, </a:t>
+            </a:r>
+            <a:r>
+              <a:rPr lang="en-US" dirty="0" err="1"/>
+              <a:t>Etcheverry</a:t>
+            </a:r>
+            <a:r>
+              <a:rPr lang="en-US" dirty="0"/>
+              <a:t>, </a:t>
+            </a:r>
+            <a:r>
+              <a:rPr lang="en-US" dirty="0" err="1"/>
+              <a:t>Paziewski</a:t>
+            </a:r>
+            <a:r>
+              <a:rPr lang="en-US" dirty="0"/>
+              <a:t>, </a:t>
+            </a:r>
+            <a:r>
+              <a:rPr lang="en-US" dirty="0" err="1"/>
+              <a:t>Tessier</a:t>
+            </a:r>
+            <a:r>
+              <a:rPr lang="en-US" dirty="0"/>
+              <a:t>, </a:t>
+            </a:r>
+            <a:r>
+              <a:rPr lang="en-US" dirty="0" err="1"/>
+              <a:t>Testa</a:t>
+            </a:r>
+            <a:endParaRPr lang="en-US" dirty="0"/>
+          </a:p>
+        </p:txBody>
+      </p:sp>
+      <p:sp>
+        <p:nvSpPr>
+          <p:cNvPr id="14" name="ZoneTexte 13"/>
+          <p:cNvSpPr txBox="1"/>
+          <p:nvPr/>
+        </p:nvSpPr>
+        <p:spPr>
+          <a:xfrm>
+            <a:off x="90987" y="0"/>
+            <a:ext cx="2225824" cy="646331"/>
+          </a:xfrm>
+          <a:prstGeom prst="rect">
+            <a:avLst/>
+          </a:prstGeom>
+          <a:noFill/>
+        </p:spPr>
+        <p:txBody>
+          <a:bodyPr wrap="square" rtlCol="0">
+            <a:spAutoFit/>
+          </a:bodyPr>
+          <a:lstStyle/>
+          <a:p>
+            <a:r>
+              <a:rPr lang="fr-FR" dirty="0" err="1" smtClean="0"/>
+              <a:t>Experiments</a:t>
+            </a:r>
+            <a:r>
+              <a:rPr lang="fr-FR" dirty="0" smtClean="0"/>
+              <a:t> </a:t>
+            </a:r>
+            <a:r>
+              <a:rPr lang="fr-FR" dirty="0" err="1" smtClean="0"/>
+              <a:t>from</a:t>
+            </a:r>
+            <a:r>
+              <a:rPr lang="fr-FR" dirty="0" smtClean="0"/>
+              <a:t> the article</a:t>
+            </a:r>
+            <a:endParaRPr lang="fr-FR" dirty="0"/>
+          </a:p>
+        </p:txBody>
+      </p:sp>
     </p:spTree>
     <p:extLst>
       <p:ext uri="{BB962C8B-B14F-4D97-AF65-F5344CB8AC3E}">
@@ -11791,8 +12140,8 @@
         </p:nvSpPr>
         <p:spPr>
           <a:xfrm>
-            <a:off x="2483768" y="1322936"/>
-            <a:ext cx="6355432" cy="4770360"/>
+            <a:off x="2352807" y="1380062"/>
+            <a:ext cx="6355432" cy="4122288"/>
           </a:xfrm>
           <a:prstGeom prst="rect">
             <a:avLst/>
@@ -11800,7 +12149,7 @@
         </p:spPr>
         <p:txBody>
           <a:bodyPr>
-            <a:normAutofit fontScale="92500"/>
+            <a:normAutofit fontScale="92500" lnSpcReduction="10000"/>
           </a:bodyPr>
           <a:lstStyle>
             <a:lvl1pPr marL="342900" indent="-342900" algn="l" defTabSz="914400" rtl="0" eaLnBrk="1" latinLnBrk="0" hangingPunct="1">
@@ -11953,15 +12302,7 @@
             </a:r>
             <a:r>
               <a:rPr lang="fr-FR" sz="3200" dirty="0" smtClean="0"/>
-              <a:t> </a:t>
-            </a:r>
-            <a:r>
-              <a:rPr lang="fr-FR" sz="3200" dirty="0" smtClean="0"/>
-              <a:t>about l</a:t>
-            </a:r>
-            <a:r>
-              <a:rPr lang="fr-FR" sz="3200" dirty="0" smtClean="0"/>
-              <a:t>imitations</a:t>
+              <a:t> about limitations</a:t>
             </a:r>
           </a:p>
           <a:p>
@@ -11976,12 +12317,8 @@
               <a:buChar char="•"/>
             </a:pPr>
             <a:r>
-              <a:rPr lang="en-US" sz="2800" dirty="0"/>
-              <a:t>Speed and </a:t>
-            </a:r>
-            <a:r>
               <a:rPr lang="en-US" sz="2800" dirty="0" smtClean="0"/>
-              <a:t>shift (direction)</a:t>
+              <a:t>Speed and shift (direction)</a:t>
             </a:r>
           </a:p>
           <a:p>
@@ -11995,39 +12332,31 @@
             </a:r>
             <a:r>
               <a:rPr lang="fr-FR" sz="2800" dirty="0" smtClean="0"/>
+              <a:t> and </a:t>
+            </a:r>
+            <a:r>
+              <a:rPr lang="fr-FR" sz="2800" dirty="0" err="1" smtClean="0"/>
+              <a:t>connectivity</a:t>
+            </a:r>
+            <a:r>
+              <a:rPr lang="fr-FR" sz="2800" dirty="0" smtClean="0"/>
+              <a:t> of communications are </a:t>
+            </a:r>
+            <a:r>
+              <a:rPr lang="fr-FR" sz="2800" dirty="0" err="1" smtClean="0"/>
+              <a:t>two</a:t>
+            </a:r>
+            <a:r>
+              <a:rPr lang="fr-FR" sz="2800" dirty="0" smtClean="0"/>
               <a:t> </a:t>
             </a:r>
             <a:r>
-              <a:rPr lang="fr-FR" sz="2800" dirty="0"/>
-              <a:t>and </a:t>
-            </a:r>
-            <a:r>
-              <a:rPr lang="fr-FR" sz="2800" dirty="0" err="1"/>
-              <a:t>connectivity</a:t>
-            </a:r>
-            <a:r>
-              <a:rPr lang="fr-FR" sz="2800" dirty="0"/>
-              <a:t> of communications are </a:t>
-            </a:r>
-            <a:r>
-              <a:rPr lang="fr-FR" sz="2800" dirty="0" err="1"/>
-              <a:t>two</a:t>
-            </a:r>
-            <a:r>
-              <a:rPr lang="fr-FR" sz="2800" dirty="0"/>
-              <a:t> </a:t>
-            </a:r>
-            <a:r>
-              <a:rPr lang="fr-FR" sz="2800" dirty="0" err="1"/>
+              <a:rPr lang="fr-FR" sz="2800" dirty="0" err="1" smtClean="0"/>
               <a:t>conflicting</a:t>
             </a:r>
             <a:r>
-              <a:rPr lang="fr-FR" sz="2800" dirty="0"/>
-              <a:t> objectives</a:t>
-            </a:r>
-            <a:r>
               <a:rPr lang="fr-FR" sz="2800" dirty="0" smtClean="0"/>
-              <a:t>.</a:t>
+              <a:t> objectives.</a:t>
             </a:r>
           </a:p>
           <a:p>
@@ -12116,7 +12445,7 @@
               <a:buFont typeface="Arial" panose="020B0604020202020204" pitchFamily="34" charset="0"/>
               <a:buChar char="•"/>
             </a:pPr>
-            <a:endParaRPr lang="fr-FR" sz="2800" dirty="0"/>
+            <a:endParaRPr lang="fr-FR" sz="2800" dirty="0" smtClean="0"/>
           </a:p>
           <a:p>
             <a:pPr lvl="1">
@@ -12135,7 +12464,7 @@
       </p:sp>
       <p:sp>
         <p:nvSpPr>
-          <p:cNvPr id="3" name="Espace réservé du pied de page 2"/>
+          <p:cNvPr id="11" name="Espace réservé du pied de page 5"/>
           <p:cNvSpPr>
             <a:spLocks noGrp="1"/>
           </p:cNvSpPr>
@@ -12143,16 +12472,99 @@
             <p:ph type="ftr" sz="quarter" idx="11"/>
           </p:nvPr>
         </p:nvSpPr>
-        <p:spPr/>
+        <p:spPr>
+          <a:xfrm>
+            <a:off x="3352800" y="6356350"/>
+            <a:ext cx="3235424" cy="365125"/>
+          </a:xfrm>
+        </p:spPr>
         <p:txBody>
           <a:bodyPr/>
           <a:lstStyle/>
           <a:p>
             <a:r>
-              <a:rPr kumimoji="0" lang="fr-FR" smtClean="0"/>
-              <a:t>Master 2 – Computer Science – Authors : fcastagn, jetcheve, hpaziews, altessie &amp; mtesta</a:t>
-            </a:r>
-            <a:endParaRPr kumimoji="0" lang="fr-FR"/>
+              <a:rPr lang="en-US" dirty="0"/>
+              <a:t>Master 2 – Computer Science – Authors : </a:t>
+            </a:r>
+            <a:r>
+              <a:rPr lang="en-US" dirty="0" err="1"/>
+              <a:t>Castagnet</a:t>
+            </a:r>
+            <a:r>
+              <a:rPr lang="en-US" dirty="0"/>
+              <a:t>, </a:t>
+            </a:r>
+            <a:r>
+              <a:rPr lang="en-US" dirty="0" err="1"/>
+              <a:t>Etcheverry</a:t>
+            </a:r>
+            <a:r>
+              <a:rPr lang="en-US" dirty="0"/>
+              <a:t>, </a:t>
+            </a:r>
+            <a:r>
+              <a:rPr lang="en-US" dirty="0" err="1"/>
+              <a:t>Paziewski</a:t>
+            </a:r>
+            <a:r>
+              <a:rPr lang="en-US" dirty="0"/>
+              <a:t>, </a:t>
+            </a:r>
+            <a:r>
+              <a:rPr lang="en-US" dirty="0" err="1"/>
+              <a:t>Tessier</a:t>
+            </a:r>
+            <a:r>
+              <a:rPr lang="en-US" dirty="0"/>
+              <a:t>, </a:t>
+            </a:r>
+            <a:r>
+              <a:rPr lang="en-US" dirty="0" err="1"/>
+              <a:t>Testa</a:t>
+            </a:r>
+            <a:endParaRPr lang="en-US" dirty="0"/>
+          </a:p>
+        </p:txBody>
+      </p:sp>
+      <p:sp>
+        <p:nvSpPr>
+          <p:cNvPr id="12" name="ZoneTexte 11"/>
+          <p:cNvSpPr txBox="1"/>
+          <p:nvPr/>
+        </p:nvSpPr>
+        <p:spPr>
+          <a:xfrm>
+            <a:off x="90987" y="0"/>
+            <a:ext cx="2225824" cy="646331"/>
+          </a:xfrm>
+          <a:prstGeom prst="rect">
+            <a:avLst/>
+          </a:prstGeom>
+          <a:noFill/>
+        </p:spPr>
+        <p:txBody>
+          <a:bodyPr wrap="square" rtlCol="0">
+            <a:spAutoFit/>
+          </a:bodyPr>
+          <a:lstStyle/>
+          <a:p>
+            <a:r>
+              <a:rPr lang="fr-FR" dirty="0" err="1" smtClean="0"/>
+              <a:t>Experiments</a:t>
+            </a:r>
+            <a:r>
+              <a:rPr lang="fr-FR" dirty="0" smtClean="0"/>
+              <a:t> </a:t>
+            </a:r>
+            <a:r>
+              <a:rPr lang="fr-FR" dirty="0" err="1" smtClean="0"/>
+              <a:t>from</a:t>
+            </a:r>
+            <a:r>
+              <a:rPr lang="fr-FR" dirty="0" smtClean="0"/>
+              <a:t> the article</a:t>
+            </a:r>
+            <a:endParaRPr lang="fr-FR" dirty="0"/>
           </a:p>
         </p:txBody>
       </p:sp>
@@ -12342,80 +12754,6 @@
           </a:p>
         </p:txBody>
       </p:sp>
-      <p:sp>
-        <p:nvSpPr>
-          <p:cNvPr id="3" name="Espace réservé du pied de page 2"/>
-          <p:cNvSpPr>
-            <a:spLocks noGrp="1"/>
-          </p:cNvSpPr>
-          <p:nvPr>
-            <p:ph type="ftr" sz="quarter" idx="11"/>
-          </p:nvPr>
-        </p:nvSpPr>
-        <p:spPr>
-          <a:xfrm>
-            <a:off x="2699792" y="6448251"/>
-            <a:ext cx="5256584" cy="365125"/>
-          </a:xfrm>
-        </p:spPr>
-        <p:txBody>
-          <a:bodyPr/>
-          <a:lstStyle/>
-          <a:p>
-            <a:r>
-              <a:rPr kumimoji="0" lang="fr-FR" dirty="0" smtClean="0"/>
-              <a:t>Master 2 – Computer Science – </a:t>
-            </a:r>
-            <a:r>
-              <a:rPr kumimoji="0" lang="fr-FR" dirty="0" err="1" smtClean="0"/>
-              <a:t>Authors</a:t>
-            </a:r>
-            <a:r>
-              <a:rPr kumimoji="0" lang="fr-FR" dirty="0" smtClean="0"/>
-              <a:t> : </a:t>
-            </a:r>
-          </a:p>
-          <a:p>
-            <a:r>
-              <a:rPr kumimoji="0" lang="fr-FR" dirty="0" err="1" smtClean="0"/>
-              <a:t>fcastagn</a:t>
-            </a:r>
-            <a:r>
-              <a:rPr kumimoji="0" lang="fr-FR" dirty="0" smtClean="0"/>
-              <a:t>, </a:t>
-            </a:r>
-            <a:r>
-              <a:rPr kumimoji="0" lang="fr-FR" dirty="0" err="1" smtClean="0"/>
-              <a:t>jetcheve</a:t>
-            </a:r>
-            <a:r>
-              <a:rPr kumimoji="0" lang="fr-FR" dirty="0" smtClean="0"/>
-              <a:t>, </a:t>
-            </a:r>
-            <a:r>
-              <a:rPr kumimoji="0" lang="fr-FR" dirty="0" err="1" smtClean="0"/>
-              <a:t>hpaziews</a:t>
-            </a:r>
-            <a:r>
-              <a:rPr kumimoji="0" lang="fr-FR" dirty="0" smtClean="0"/>
-              <a:t>, </a:t>
-            </a:r>
-            <a:r>
-              <a:rPr kumimoji="0" lang="fr-FR" dirty="0" err="1" smtClean="0"/>
-              <a:t>altessie</a:t>
-            </a:r>
-            <a:r>
-              <a:rPr kumimoji="0" lang="fr-FR" dirty="0" smtClean="0"/>
-              <a:t> &amp; </a:t>
-            </a:r>
-            <a:r>
-              <a:rPr kumimoji="0" lang="fr-FR" dirty="0" err="1" smtClean="0"/>
-              <a:t>mtesta</a:t>
-            </a:r>
-            <a:endParaRPr kumimoji="0" lang="fr-FR" dirty="0"/>
-          </a:p>
-        </p:txBody>
-      </p:sp>
       <p:pic>
         <p:nvPicPr>
           <p:cNvPr id="10" name="Picture 3"/>
@@ -12682,6 +13020,112 @@
             <a:endParaRPr dirty="0">
               <a:latin typeface="Calibri (Corps)"/>
             </a:endParaRPr>
+          </a:p>
+        </p:txBody>
+      </p:sp>
+      <p:sp>
+        <p:nvSpPr>
+          <p:cNvPr id="12" name="Espace réservé du pied de page 5"/>
+          <p:cNvSpPr>
+            <a:spLocks noGrp="1"/>
+          </p:cNvSpPr>
+          <p:nvPr>
+            <p:ph type="ftr" sz="quarter" idx="11"/>
+          </p:nvPr>
+        </p:nvSpPr>
+        <p:spPr>
+          <a:xfrm>
+            <a:off x="3352800" y="6356350"/>
+            <a:ext cx="3235424" cy="365125"/>
+          </a:xfrm>
+        </p:spPr>
+        <p:txBody>
+          <a:bodyPr/>
+          <a:lstStyle/>
+          <a:p>
+            <a:r>
+              <a:rPr lang="en-US" dirty="0"/>
+              <a:t>Master 2 – Computer Science – Authors : </a:t>
+            </a:r>
+            <a:r>
+              <a:rPr lang="en-US" dirty="0" err="1"/>
+              <a:t>Castagnet</a:t>
+            </a:r>
+            <a:r>
+              <a:rPr lang="en-US" dirty="0"/>
+              <a:t>, </a:t>
+            </a:r>
+            <a:r>
+              <a:rPr lang="en-US" dirty="0" err="1"/>
+              <a:t>Etcheverry</a:t>
+            </a:r>
+            <a:r>
+              <a:rPr lang="en-US" dirty="0"/>
+              <a:t>, </a:t>
+            </a:r>
+            <a:r>
+              <a:rPr lang="en-US" dirty="0" err="1"/>
+              <a:t>Paziewski</a:t>
+            </a:r>
+            <a:r>
+              <a:rPr lang="en-US" dirty="0"/>
+              <a:t>, </a:t>
+            </a:r>
+            <a:r>
+              <a:rPr lang="en-US" dirty="0" err="1"/>
+              <a:t>Tessier</a:t>
+            </a:r>
+            <a:r>
+              <a:rPr lang="en-US" dirty="0"/>
+              <a:t>, </a:t>
+            </a:r>
+            <a:r>
+              <a:rPr lang="en-US" dirty="0" err="1"/>
+              <a:t>Testa</a:t>
+            </a:r>
+            <a:endParaRPr lang="en-US" dirty="0"/>
+          </a:p>
+        </p:txBody>
+      </p:sp>
+      <p:sp>
+        <p:nvSpPr>
+          <p:cNvPr id="14" name="ZoneTexte 13"/>
+          <p:cNvSpPr txBox="1"/>
+          <p:nvPr/>
+        </p:nvSpPr>
+        <p:spPr>
+          <a:xfrm>
+            <a:off x="90987" y="0"/>
+            <a:ext cx="2225824" cy="646331"/>
+          </a:xfrm>
+          <a:prstGeom prst="rect">
+            <a:avLst/>
+          </a:prstGeom>
+          <a:noFill/>
+        </p:spPr>
+        <p:txBody>
+          <a:bodyPr wrap="square" rtlCol="0">
+            <a:spAutoFit/>
+          </a:bodyPr>
+          <a:lstStyle/>
+          <a:p>
+            <a:r>
+              <a:rPr lang="fr-FR" dirty="0" err="1" smtClean="0"/>
+              <a:t>Experiments</a:t>
+            </a:r>
+            <a:r>
+              <a:rPr lang="fr-FR" dirty="0" smtClean="0"/>
+              <a:t> </a:t>
+            </a:r>
+            <a:r>
+              <a:rPr lang="fr-FR" dirty="0" err="1" smtClean="0"/>
+              <a:t>from</a:t>
+            </a:r>
+            <a:r>
+              <a:rPr lang="fr-FR" dirty="0" smtClean="0"/>
+              <a:t> the article</a:t>
+            </a:r>
+            <a:endParaRPr lang="fr-FR" dirty="0"/>
           </a:p>
         </p:txBody>
       </p:sp>
@@ -12869,78 +13313,6 @@
       </p:sp>
       <p:sp>
         <p:nvSpPr>
-          <p:cNvPr id="9" name="Espace réservé du pied de page 8"/>
-          <p:cNvSpPr>
-            <a:spLocks noGrp="1"/>
-          </p:cNvSpPr>
-          <p:nvPr>
-            <p:ph type="ftr" sz="quarter" idx="11"/>
-          </p:nvPr>
-        </p:nvSpPr>
-        <p:spPr>
-          <a:xfrm>
-            <a:off x="3203848" y="6356350"/>
-            <a:ext cx="2895600" cy="365125"/>
-          </a:xfrm>
-        </p:spPr>
-        <p:txBody>
-          <a:bodyPr/>
-          <a:lstStyle/>
-          <a:p>
-            <a:r>
-              <a:rPr kumimoji="0" lang="fr-FR" dirty="0" smtClean="0"/>
-              <a:t>Master 2 – Computer Science – </a:t>
-            </a:r>
-            <a:r>
-              <a:rPr kumimoji="0" lang="fr-FR" dirty="0" err="1" smtClean="0"/>
-              <a:t>Authors</a:t>
-            </a:r>
-            <a:r>
-              <a:rPr kumimoji="0" lang="fr-FR" dirty="0" smtClean="0"/>
-              <a:t> : </a:t>
-            </a:r>
-            <a:r>
-              <a:rPr kumimoji="0" lang="fr-FR" dirty="0" err="1" smtClean="0"/>
-              <a:t>fcastagn</a:t>
-            </a:r>
-            <a:r>
-              <a:rPr kumimoji="0" lang="fr-FR" dirty="0" smtClean="0"/>
-              <a:t>, </a:t>
-            </a:r>
-            <a:r>
-              <a:rPr kumimoji="0" lang="fr-FR" dirty="0" err="1" smtClean="0"/>
-              <a:t>jetcheve</a:t>
-            </a:r>
-            <a:r>
-              <a:rPr kumimoji="0" lang="fr-FR" dirty="0" smtClean="0"/>
-              <a:t>, </a:t>
-            </a:r>
-            <a:r>
-              <a:rPr kumimoji="0" lang="fr-FR" dirty="0" err="1" smtClean="0"/>
-              <a:t>hpaziews</a:t>
-            </a:r>
-            <a:r>
-              <a:rPr kumimoji="0" lang="fr-FR" dirty="0" smtClean="0"/>
-              <a:t>, </a:t>
-            </a:r>
-            <a:r>
-              <a:rPr kumimoji="0" lang="fr-FR" dirty="0" err="1" smtClean="0"/>
-              <a:t>altessie</a:t>
-            </a:r>
-            <a:r>
-              <a:rPr kumimoji="0" lang="fr-FR" dirty="0" smtClean="0"/>
-              <a:t> &amp; </a:t>
-            </a:r>
-            <a:r>
-              <a:rPr kumimoji="0" lang="fr-FR" dirty="0" err="1" smtClean="0"/>
-              <a:t>mtesta</a:t>
-            </a:r>
-            <a:endParaRPr kumimoji="0" lang="fr-FR" dirty="0"/>
-          </a:p>
-        </p:txBody>
-      </p:sp>
-      <p:sp>
-        <p:nvSpPr>
           <p:cNvPr id="3" name="ZoneTexte 2"/>
           <p:cNvSpPr txBox="1"/>
           <p:nvPr/>
@@ -13017,7 +13389,7 @@
             </a:pPr>
             <a:r>
               <a:rPr lang="fr-FR" sz="2400" dirty="0" err="1" smtClean="0"/>
-              <a:t>Margin</a:t>
+              <a:t>Rebound</a:t>
             </a:r>
             <a:r>
               <a:rPr lang="fr-FR" sz="2400" dirty="0" smtClean="0"/>
@@ -13025,7 +13397,7 @@
             </a:r>
             <a:r>
               <a:rPr lang="fr-FR" sz="2400" dirty="0" err="1" smtClean="0"/>
-              <a:t>calculation</a:t>
+              <a:t>method</a:t>
             </a:r>
             <a:endParaRPr lang="fr-FR" sz="2400" dirty="0" smtClean="0"/>
           </a:p>
@@ -13261,6 +13633,104 @@
           </a:fontRef>
         </p:style>
       </p:cxnSp>
+      <p:sp>
+        <p:nvSpPr>
+          <p:cNvPr id="12" name="Espace réservé du pied de page 5"/>
+          <p:cNvSpPr>
+            <a:spLocks noGrp="1"/>
+          </p:cNvSpPr>
+          <p:nvPr>
+            <p:ph type="ftr" sz="quarter" idx="11"/>
+          </p:nvPr>
+        </p:nvSpPr>
+        <p:spPr>
+          <a:xfrm>
+            <a:off x="3352800" y="6356350"/>
+            <a:ext cx="3235424" cy="365125"/>
+          </a:xfrm>
+        </p:spPr>
+        <p:txBody>
+          <a:bodyPr/>
+          <a:lstStyle/>
+          <a:p>
+            <a:r>
+              <a:rPr lang="en-US" dirty="0"/>
+              <a:t>Master 2 – Computer Science – Authors : </a:t>
+            </a:r>
+            <a:r>
+              <a:rPr lang="en-US" dirty="0" err="1"/>
+              <a:t>Castagnet</a:t>
+            </a:r>
+            <a:r>
+              <a:rPr lang="en-US" dirty="0"/>
+              <a:t>, </a:t>
+            </a:r>
+            <a:r>
+              <a:rPr lang="en-US" dirty="0" err="1"/>
+              <a:t>Etcheverry</a:t>
+            </a:r>
+            <a:r>
+              <a:rPr lang="en-US" dirty="0"/>
+              <a:t>, </a:t>
+            </a:r>
+            <a:r>
+              <a:rPr lang="en-US" dirty="0" err="1"/>
+              <a:t>Paziewski</a:t>
+            </a:r>
+            <a:r>
+              <a:rPr lang="en-US" dirty="0"/>
+              <a:t>, </a:t>
+            </a:r>
+            <a:r>
+              <a:rPr lang="en-US" dirty="0" err="1"/>
+              <a:t>Tessier</a:t>
+            </a:r>
+            <a:r>
+              <a:rPr lang="en-US" dirty="0"/>
+              <a:t>, </a:t>
+            </a:r>
+            <a:r>
+              <a:rPr lang="en-US" dirty="0" err="1"/>
+              <a:t>Testa</a:t>
+            </a:r>
+            <a:endParaRPr lang="en-US" dirty="0"/>
+          </a:p>
+        </p:txBody>
+      </p:sp>
+      <p:sp>
+        <p:nvSpPr>
+          <p:cNvPr id="15" name="ZoneTexte 14"/>
+          <p:cNvSpPr txBox="1"/>
+          <p:nvPr/>
+        </p:nvSpPr>
+        <p:spPr>
+          <a:xfrm>
+            <a:off x="90987" y="0"/>
+            <a:ext cx="2225824" cy="369332"/>
+          </a:xfrm>
+          <a:prstGeom prst="rect">
+            <a:avLst/>
+          </a:prstGeom>
+          <a:noFill/>
+        </p:spPr>
+        <p:txBody>
+          <a:bodyPr wrap="square" rtlCol="0">
+            <a:spAutoFit/>
+          </a:bodyPr>
+          <a:lstStyle/>
+          <a:p>
+            <a:r>
+              <a:rPr lang="fr-FR" dirty="0" smtClean="0"/>
+              <a:t>Our </a:t>
+            </a:r>
+            <a:r>
+              <a:rPr lang="fr-FR" dirty="0" err="1" smtClean="0"/>
+              <a:t>Work</a:t>
+            </a:r>
+            <a:endParaRPr lang="fr-FR" dirty="0"/>
+          </a:p>
+        </p:txBody>
+      </p:sp>
     </p:spTree>
     <p:extLst>
       <p:ext uri="{BB962C8B-B14F-4D97-AF65-F5344CB8AC3E}">
@@ -13445,78 +13915,6 @@
       </p:sp>
       <p:sp>
         <p:nvSpPr>
-          <p:cNvPr id="9" name="Espace réservé du pied de page 8"/>
-          <p:cNvSpPr>
-            <a:spLocks noGrp="1"/>
-          </p:cNvSpPr>
-          <p:nvPr>
-            <p:ph type="ftr" sz="quarter" idx="11"/>
-          </p:nvPr>
-        </p:nvSpPr>
-        <p:spPr>
-          <a:xfrm>
-            <a:off x="3203848" y="6356350"/>
-            <a:ext cx="2895600" cy="365125"/>
-          </a:xfrm>
-        </p:spPr>
-        <p:txBody>
-          <a:bodyPr/>
-          <a:lstStyle/>
-          <a:p>
-            <a:r>
-              <a:rPr kumimoji="0" lang="fr-FR" dirty="0" smtClean="0"/>
-              <a:t>Master 2 – Computer Science – </a:t>
-            </a:r>
-            <a:r>
-              <a:rPr kumimoji="0" lang="fr-FR" dirty="0" err="1" smtClean="0"/>
-              <a:t>Authors</a:t>
-            </a:r>
-            <a:r>
-              <a:rPr kumimoji="0" lang="fr-FR" dirty="0" smtClean="0"/>
-              <a:t> : </a:t>
-            </a:r>
-            <a:r>
-              <a:rPr kumimoji="0" lang="fr-FR" dirty="0" err="1" smtClean="0"/>
-              <a:t>fcastagn</a:t>
-            </a:r>
-            <a:r>
-              <a:rPr kumimoji="0" lang="fr-FR" dirty="0" smtClean="0"/>
-              <a:t>, </a:t>
-            </a:r>
-            <a:r>
-              <a:rPr kumimoji="0" lang="fr-FR" dirty="0" err="1" smtClean="0"/>
-              <a:t>jetcheve</a:t>
-            </a:r>
-            <a:r>
-              <a:rPr kumimoji="0" lang="fr-FR" dirty="0" smtClean="0"/>
-              <a:t>, </a:t>
-            </a:r>
-            <a:r>
-              <a:rPr kumimoji="0" lang="fr-FR" dirty="0" err="1" smtClean="0"/>
-              <a:t>hpaziews</a:t>
-            </a:r>
-            <a:r>
-              <a:rPr kumimoji="0" lang="fr-FR" dirty="0" smtClean="0"/>
-              <a:t>, </a:t>
-            </a:r>
-            <a:r>
-              <a:rPr kumimoji="0" lang="fr-FR" dirty="0" err="1" smtClean="0"/>
-              <a:t>altessie</a:t>
-            </a:r>
-            <a:r>
-              <a:rPr kumimoji="0" lang="fr-FR" dirty="0" smtClean="0"/>
-              <a:t> &amp; </a:t>
-            </a:r>
-            <a:r>
-              <a:rPr kumimoji="0" lang="fr-FR" dirty="0" err="1" smtClean="0"/>
-              <a:t>mtesta</a:t>
-            </a:r>
-            <a:endParaRPr kumimoji="0" lang="fr-FR" dirty="0"/>
-          </a:p>
-        </p:txBody>
-      </p:sp>
-      <p:sp>
-        <p:nvSpPr>
           <p:cNvPr id="4" name="ZoneTexte 3"/>
           <p:cNvSpPr txBox="1"/>
           <p:nvPr/>
@@ -13627,6 +14025,104 @@
           </a:prstGeom>
         </p:spPr>
       </p:pic>
+      <p:sp>
+        <p:nvSpPr>
+          <p:cNvPr id="11" name="Espace réservé du pied de page 5"/>
+          <p:cNvSpPr>
+            <a:spLocks noGrp="1"/>
+          </p:cNvSpPr>
+          <p:nvPr>
+            <p:ph type="ftr" sz="quarter" idx="11"/>
+          </p:nvPr>
+        </p:nvSpPr>
+        <p:spPr>
+          <a:xfrm>
+            <a:off x="3352800" y="6356350"/>
+            <a:ext cx="3235424" cy="365125"/>
+          </a:xfrm>
+        </p:spPr>
+        <p:txBody>
+          <a:bodyPr/>
+          <a:lstStyle/>
+          <a:p>
+            <a:r>
+              <a:rPr lang="en-US" dirty="0"/>
+              <a:t>Master 2 – Computer Science – Authors : </a:t>
+            </a:r>
+            <a:r>
+              <a:rPr lang="en-US" dirty="0" err="1"/>
+              <a:t>Castagnet</a:t>
+            </a:r>
+            <a:r>
+              <a:rPr lang="en-US" dirty="0"/>
+              <a:t>, </a:t>
+            </a:r>
+            <a:r>
+              <a:rPr lang="en-US" dirty="0" err="1"/>
+              <a:t>Etcheverry</a:t>
+            </a:r>
+            <a:r>
+              <a:rPr lang="en-US" dirty="0"/>
+              <a:t>, </a:t>
+            </a:r>
+            <a:r>
+              <a:rPr lang="en-US" dirty="0" err="1"/>
+              <a:t>Paziewski</a:t>
+            </a:r>
+            <a:r>
+              <a:rPr lang="en-US" dirty="0"/>
+              <a:t>, </a:t>
+            </a:r>
+            <a:r>
+              <a:rPr lang="en-US" dirty="0" err="1"/>
+              <a:t>Tessier</a:t>
+            </a:r>
+            <a:r>
+              <a:rPr lang="en-US" dirty="0"/>
+              <a:t>, </a:t>
+            </a:r>
+            <a:r>
+              <a:rPr lang="en-US" dirty="0" err="1"/>
+              <a:t>Testa</a:t>
+            </a:r>
+            <a:endParaRPr lang="en-US" dirty="0"/>
+          </a:p>
+        </p:txBody>
+      </p:sp>
+      <p:sp>
+        <p:nvSpPr>
+          <p:cNvPr id="15" name="ZoneTexte 14"/>
+          <p:cNvSpPr txBox="1"/>
+          <p:nvPr/>
+        </p:nvSpPr>
+        <p:spPr>
+          <a:xfrm>
+            <a:off x="90987" y="0"/>
+            <a:ext cx="2225824" cy="369332"/>
+          </a:xfrm>
+          <a:prstGeom prst="rect">
+            <a:avLst/>
+          </a:prstGeom>
+          <a:noFill/>
+        </p:spPr>
+        <p:txBody>
+          <a:bodyPr wrap="square" rtlCol="0">
+            <a:spAutoFit/>
+          </a:bodyPr>
+          <a:lstStyle/>
+          <a:p>
+            <a:r>
+              <a:rPr lang="fr-FR" dirty="0" smtClean="0"/>
+              <a:t>Our </a:t>
+            </a:r>
+            <a:r>
+              <a:rPr lang="fr-FR" dirty="0" err="1" smtClean="0"/>
+              <a:t>Work</a:t>
+            </a:r>
+            <a:endParaRPr lang="fr-FR" dirty="0"/>
+          </a:p>
+        </p:txBody>
+      </p:sp>
     </p:spTree>
     <p:extLst>
       <p:ext uri="{BB962C8B-B14F-4D97-AF65-F5344CB8AC3E}">
@@ -13811,78 +14307,6 @@
       </p:sp>
       <p:sp>
         <p:nvSpPr>
-          <p:cNvPr id="9" name="Espace réservé du pied de page 8"/>
-          <p:cNvSpPr>
-            <a:spLocks noGrp="1"/>
-          </p:cNvSpPr>
-          <p:nvPr>
-            <p:ph type="ftr" sz="quarter" idx="11"/>
-          </p:nvPr>
-        </p:nvSpPr>
-        <p:spPr>
-          <a:xfrm>
-            <a:off x="3203848" y="6356350"/>
-            <a:ext cx="2895600" cy="365125"/>
-          </a:xfrm>
-        </p:spPr>
-        <p:txBody>
-          <a:bodyPr/>
-          <a:lstStyle/>
-          <a:p>
-            <a:r>
-              <a:rPr kumimoji="0" lang="fr-FR" dirty="0" smtClean="0"/>
-              <a:t>Master 2 – Computer Science – </a:t>
-            </a:r>
-            <a:r>
-              <a:rPr kumimoji="0" lang="fr-FR" dirty="0" err="1" smtClean="0"/>
-              <a:t>Authors</a:t>
-            </a:r>
-            <a:r>
-              <a:rPr kumimoji="0" lang="fr-FR" dirty="0" smtClean="0"/>
-              <a:t> : </a:t>
-            </a:r>
-            <a:r>
-              <a:rPr kumimoji="0" lang="fr-FR" dirty="0" err="1" smtClean="0"/>
-              <a:t>fcastagn</a:t>
-            </a:r>
-            <a:r>
-              <a:rPr kumimoji="0" lang="fr-FR" dirty="0" smtClean="0"/>
-              <a:t>, </a:t>
-            </a:r>
-            <a:r>
-              <a:rPr kumimoji="0" lang="fr-FR" dirty="0" err="1" smtClean="0"/>
-              <a:t>jetcheve</a:t>
-            </a:r>
-            <a:r>
-              <a:rPr kumimoji="0" lang="fr-FR" dirty="0" smtClean="0"/>
-              <a:t>, </a:t>
-            </a:r>
-            <a:r>
-              <a:rPr kumimoji="0" lang="fr-FR" dirty="0" err="1" smtClean="0"/>
-              <a:t>hpaziews</a:t>
-            </a:r>
-            <a:r>
-              <a:rPr kumimoji="0" lang="fr-FR" dirty="0" smtClean="0"/>
-              <a:t>, </a:t>
-            </a:r>
-            <a:r>
-              <a:rPr kumimoji="0" lang="fr-FR" dirty="0" err="1" smtClean="0"/>
-              <a:t>altessie</a:t>
-            </a:r>
-            <a:r>
-              <a:rPr kumimoji="0" lang="fr-FR" dirty="0" smtClean="0"/>
-              <a:t> &amp; </a:t>
-            </a:r>
-            <a:r>
-              <a:rPr kumimoji="0" lang="fr-FR" dirty="0" err="1" smtClean="0"/>
-              <a:t>mtesta</a:t>
-            </a:r>
-            <a:endParaRPr kumimoji="0" lang="fr-FR" dirty="0"/>
-          </a:p>
-        </p:txBody>
-      </p:sp>
-      <p:sp>
-        <p:nvSpPr>
           <p:cNvPr id="4" name="ZoneTexte 3"/>
           <p:cNvSpPr txBox="1"/>
           <p:nvPr/>
@@ -14001,6 +14425,104 @@
           </a:prstGeom>
         </p:spPr>
       </p:pic>
+      <p:sp>
+        <p:nvSpPr>
+          <p:cNvPr id="11" name="Espace réservé du pied de page 5"/>
+          <p:cNvSpPr>
+            <a:spLocks noGrp="1"/>
+          </p:cNvSpPr>
+          <p:nvPr>
+            <p:ph type="ftr" sz="quarter" idx="11"/>
+          </p:nvPr>
+        </p:nvSpPr>
+        <p:spPr>
+          <a:xfrm>
+            <a:off x="3352800" y="6356350"/>
+            <a:ext cx="3235424" cy="365125"/>
+          </a:xfrm>
+        </p:spPr>
+        <p:txBody>
+          <a:bodyPr/>
+          <a:lstStyle/>
+          <a:p>
+            <a:r>
+              <a:rPr lang="en-US" dirty="0"/>
+              <a:t>Master 2 – Computer Science – Authors : </a:t>
+            </a:r>
+            <a:r>
+              <a:rPr lang="en-US" dirty="0" err="1"/>
+              <a:t>Castagnet</a:t>
+            </a:r>
+            <a:r>
+              <a:rPr lang="en-US" dirty="0"/>
+              <a:t>, </a:t>
+            </a:r>
+            <a:r>
+              <a:rPr lang="en-US" dirty="0" err="1"/>
+              <a:t>Etcheverry</a:t>
+            </a:r>
+            <a:r>
+              <a:rPr lang="en-US" dirty="0"/>
+              <a:t>, </a:t>
+            </a:r>
+            <a:r>
+              <a:rPr lang="en-US" dirty="0" err="1"/>
+              <a:t>Paziewski</a:t>
+            </a:r>
+            <a:r>
+              <a:rPr lang="en-US" dirty="0"/>
+              <a:t>, </a:t>
+            </a:r>
+            <a:r>
+              <a:rPr lang="en-US" dirty="0" err="1"/>
+              <a:t>Tessier</a:t>
+            </a:r>
+            <a:r>
+              <a:rPr lang="en-US" dirty="0"/>
+              <a:t>, </a:t>
+            </a:r>
+            <a:r>
+              <a:rPr lang="en-US" dirty="0" err="1"/>
+              <a:t>Testa</a:t>
+            </a:r>
+            <a:endParaRPr lang="en-US" dirty="0"/>
+          </a:p>
+        </p:txBody>
+      </p:sp>
+      <p:sp>
+        <p:nvSpPr>
+          <p:cNvPr id="14" name="ZoneTexte 13"/>
+          <p:cNvSpPr txBox="1"/>
+          <p:nvPr/>
+        </p:nvSpPr>
+        <p:spPr>
+          <a:xfrm>
+            <a:off x="90987" y="0"/>
+            <a:ext cx="2225824" cy="369332"/>
+          </a:xfrm>
+          <a:prstGeom prst="rect">
+            <a:avLst/>
+          </a:prstGeom>
+          <a:noFill/>
+        </p:spPr>
+        <p:txBody>
+          <a:bodyPr wrap="square" rtlCol="0">
+            <a:spAutoFit/>
+          </a:bodyPr>
+          <a:lstStyle/>
+          <a:p>
+            <a:r>
+              <a:rPr lang="fr-FR" dirty="0" smtClean="0"/>
+              <a:t>Our </a:t>
+            </a:r>
+            <a:r>
+              <a:rPr lang="fr-FR" dirty="0" err="1" smtClean="0"/>
+              <a:t>Work</a:t>
+            </a:r>
+            <a:endParaRPr lang="fr-FR" dirty="0"/>
+          </a:p>
+        </p:txBody>
+      </p:sp>
     </p:spTree>
     <p:extLst>
       <p:ext uri="{BB962C8B-B14F-4D97-AF65-F5344CB8AC3E}">
@@ -14043,6 +14565,70 @@
       </p:grpSpPr>
       <p:sp>
         <p:nvSpPr>
+          <p:cNvPr id="6" name="Espace réservé du pied de page 5"/>
+          <p:cNvSpPr>
+            <a:spLocks noGrp="1"/>
+          </p:cNvSpPr>
+          <p:nvPr>
+            <p:ph type="ftr" sz="quarter" idx="11"/>
+          </p:nvPr>
+        </p:nvSpPr>
+        <p:spPr>
+          <a:xfrm>
+            <a:off x="3352800" y="6356350"/>
+            <a:ext cx="3235424" cy="365125"/>
+          </a:xfrm>
+        </p:spPr>
+        <p:txBody>
+          <a:bodyPr/>
+          <a:lstStyle/>
+          <a:p>
+            <a:r>
+              <a:rPr lang="en-US" dirty="0"/>
+              <a:t>Master 2 – Computer Science – Authors : </a:t>
+            </a:r>
+            <a:r>
+              <a:rPr lang="en-US" dirty="0" err="1"/>
+              <a:t>Castagnet</a:t>
+            </a:r>
+            <a:r>
+              <a:rPr lang="en-US" dirty="0"/>
+              <a:t>, </a:t>
+            </a:r>
+            <a:r>
+              <a:rPr lang="en-US" dirty="0" err="1"/>
+              <a:t>Etcheverry</a:t>
+            </a:r>
+            <a:r>
+              <a:rPr lang="en-US" dirty="0"/>
+              <a:t>, </a:t>
+            </a:r>
+            <a:r>
+              <a:rPr lang="en-US" dirty="0" err="1"/>
+              <a:t>Paziewski</a:t>
+            </a:r>
+            <a:r>
+              <a:rPr lang="en-US" dirty="0"/>
+              <a:t>, </a:t>
+            </a:r>
+            <a:r>
+              <a:rPr lang="en-US" dirty="0" err="1" smtClean="0"/>
+              <a:t>Tessier</a:t>
+            </a:r>
+            <a:r>
+              <a:rPr lang="en-US" dirty="0" smtClean="0"/>
+              <a:t>, </a:t>
+            </a:r>
+            <a:r>
+              <a:rPr lang="en-US" dirty="0" err="1" smtClean="0"/>
+              <a:t>Testa</a:t>
+            </a:r>
+            <a:endParaRPr lang="en-US" dirty="0"/>
+          </a:p>
+        </p:txBody>
+      </p:sp>
+      <p:sp>
+        <p:nvSpPr>
           <p:cNvPr id="3" name="Espace réservé du numéro de diapositive 2"/>
           <p:cNvSpPr>
             <a:spLocks noGrp="1"/>
@@ -14051,7 +14637,12 @@
             <p:ph type="sldNum" sz="quarter" idx="12"/>
           </p:nvPr>
         </p:nvSpPr>
-        <p:spPr/>
+        <p:spPr>
+          <a:xfrm>
+            <a:off x="6705600" y="6356350"/>
+            <a:ext cx="2133600" cy="365125"/>
+          </a:xfrm>
+        </p:spPr>
         <p:txBody>
           <a:bodyPr/>
           <a:lstStyle/>
@@ -14064,78 +14655,6 @@
             <a:r>
               <a:rPr lang="fr-FR" dirty="0" smtClean="0"/>
               <a:t>/26</a:t>
-            </a:r>
-            <a:endParaRPr kumimoji="0" lang="fr-FR" dirty="0"/>
-          </a:p>
-        </p:txBody>
-      </p:sp>
-      <p:sp>
-        <p:nvSpPr>
-          <p:cNvPr id="6" name="Espace réservé du pied de page 5"/>
-          <p:cNvSpPr>
-            <a:spLocks noGrp="1"/>
-          </p:cNvSpPr>
-          <p:nvPr>
-            <p:ph type="ftr" sz="quarter" idx="11"/>
-          </p:nvPr>
-        </p:nvSpPr>
-        <p:spPr>
-          <a:xfrm>
-            <a:off x="3352800" y="6356350"/>
-            <a:ext cx="3235424" cy="365125"/>
-          </a:xfrm>
-        </p:spPr>
-        <p:txBody>
-          <a:bodyPr/>
-          <a:lstStyle/>
-          <a:p>
-            <a:r>
-              <a:rPr kumimoji="0" lang="fr-FR" dirty="0" smtClean="0"/>
-              <a:t>Master 2 – Computer Science – </a:t>
-            </a:r>
-            <a:r>
-              <a:rPr kumimoji="0" lang="fr-FR" dirty="0" err="1" smtClean="0"/>
-              <a:t>Authors</a:t>
-            </a:r>
-            <a:r>
-              <a:rPr kumimoji="0" lang="fr-FR" dirty="0" smtClean="0"/>
-              <a:t> : </a:t>
-            </a:r>
-            <a:r>
-              <a:rPr kumimoji="0" lang="fr-FR" dirty="0" err="1" smtClean="0"/>
-              <a:t>fcastagn</a:t>
-            </a:r>
-            <a:r>
-              <a:rPr kumimoji="0" lang="fr-FR" dirty="0" smtClean="0"/>
-              <a:t>, </a:t>
-            </a:r>
-            <a:r>
-              <a:rPr kumimoji="0" lang="fr-FR" dirty="0" err="1" smtClean="0"/>
-              <a:t>jetcheve</a:t>
-            </a:r>
-            <a:r>
-              <a:rPr kumimoji="0" lang="fr-FR" dirty="0" smtClean="0"/>
-              <a:t>, </a:t>
-            </a:r>
-            <a:r>
-              <a:rPr kumimoji="0" lang="fr-FR" dirty="0" err="1" smtClean="0"/>
-              <a:t>hpaziews</a:t>
-            </a:r>
-            <a:r>
-              <a:rPr kumimoji="0" lang="fr-FR" dirty="0" smtClean="0"/>
-              <a:t>, </a:t>
-            </a:r>
-            <a:r>
-              <a:rPr kumimoji="0" lang="fr-FR" dirty="0" err="1" smtClean="0"/>
-              <a:t>altessie</a:t>
-            </a:r>
-            <a:r>
-              <a:rPr kumimoji="0" lang="fr-FR" dirty="0" smtClean="0"/>
-              <a:t> &amp; </a:t>
-            </a:r>
-            <a:r>
-              <a:rPr kumimoji="0" lang="fr-FR" dirty="0" err="1" smtClean="0"/>
-              <a:t>mtesta</a:t>
             </a:r>
             <a:endParaRPr kumimoji="0" lang="fr-FR" dirty="0"/>
           </a:p>
@@ -14593,11 +15112,7 @@
           <a:p>
             <a:r>
               <a:rPr lang="fr-FR" dirty="0" smtClean="0"/>
-              <a:t>Our </a:t>
-            </a:r>
-            <a:r>
-              <a:rPr lang="fr-FR" dirty="0" smtClean="0"/>
-              <a:t>article </a:t>
+              <a:t>Our article </a:t>
             </a:r>
             <a:r>
               <a:rPr lang="fr-FR" dirty="0" err="1" smtClean="0"/>
@@ -14881,78 +15396,6 @@
       </p:sp>
       <p:sp>
         <p:nvSpPr>
-          <p:cNvPr id="9" name="Espace réservé du pied de page 8"/>
-          <p:cNvSpPr>
-            <a:spLocks noGrp="1"/>
-          </p:cNvSpPr>
-          <p:nvPr>
-            <p:ph type="ftr" sz="quarter" idx="11"/>
-          </p:nvPr>
-        </p:nvSpPr>
-        <p:spPr>
-          <a:xfrm>
-            <a:off x="3203848" y="6356350"/>
-            <a:ext cx="2895600" cy="365125"/>
-          </a:xfrm>
-        </p:spPr>
-        <p:txBody>
-          <a:bodyPr/>
-          <a:lstStyle/>
-          <a:p>
-            <a:r>
-              <a:rPr kumimoji="0" lang="fr-FR" dirty="0" smtClean="0"/>
-              <a:t>Master 2 – Computer Science – </a:t>
-            </a:r>
-            <a:r>
-              <a:rPr kumimoji="0" lang="fr-FR" dirty="0" err="1" smtClean="0"/>
-              <a:t>Authors</a:t>
-            </a:r>
-            <a:r>
-              <a:rPr kumimoji="0" lang="fr-FR" dirty="0" smtClean="0"/>
-              <a:t> : </a:t>
-            </a:r>
-            <a:r>
-              <a:rPr kumimoji="0" lang="fr-FR" dirty="0" err="1" smtClean="0"/>
-              <a:t>fcastagn</a:t>
-            </a:r>
-            <a:r>
-              <a:rPr kumimoji="0" lang="fr-FR" dirty="0" smtClean="0"/>
-              <a:t>, </a:t>
-            </a:r>
-            <a:r>
-              <a:rPr kumimoji="0" lang="fr-FR" dirty="0" err="1" smtClean="0"/>
-              <a:t>jetcheve</a:t>
-            </a:r>
-            <a:r>
-              <a:rPr kumimoji="0" lang="fr-FR" dirty="0" smtClean="0"/>
-              <a:t>, </a:t>
-            </a:r>
-            <a:r>
-              <a:rPr kumimoji="0" lang="fr-FR" dirty="0" err="1" smtClean="0"/>
-              <a:t>hpaziews</a:t>
-            </a:r>
-            <a:r>
-              <a:rPr kumimoji="0" lang="fr-FR" dirty="0" smtClean="0"/>
-              <a:t>, </a:t>
-            </a:r>
-            <a:r>
-              <a:rPr kumimoji="0" lang="fr-FR" dirty="0" err="1" smtClean="0"/>
-              <a:t>altessie</a:t>
-            </a:r>
-            <a:r>
-              <a:rPr kumimoji="0" lang="fr-FR" dirty="0" smtClean="0"/>
-              <a:t> &amp; </a:t>
-            </a:r>
-            <a:r>
-              <a:rPr kumimoji="0" lang="fr-FR" dirty="0" err="1" smtClean="0"/>
-              <a:t>mtesta</a:t>
-            </a:r>
-            <a:endParaRPr kumimoji="0" lang="fr-FR" dirty="0"/>
-          </a:p>
-        </p:txBody>
-      </p:sp>
-      <p:sp>
-        <p:nvSpPr>
           <p:cNvPr id="4" name="ZoneTexte 3"/>
           <p:cNvSpPr txBox="1"/>
           <p:nvPr/>
@@ -15071,6 +15514,104 @@
           </a:prstGeom>
         </p:spPr>
       </p:pic>
+      <p:sp>
+        <p:nvSpPr>
+          <p:cNvPr id="11" name="Espace réservé du pied de page 5"/>
+          <p:cNvSpPr>
+            <a:spLocks noGrp="1"/>
+          </p:cNvSpPr>
+          <p:nvPr>
+            <p:ph type="ftr" sz="quarter" idx="11"/>
+          </p:nvPr>
+        </p:nvSpPr>
+        <p:spPr>
+          <a:xfrm>
+            <a:off x="3352800" y="6356350"/>
+            <a:ext cx="3235424" cy="365125"/>
+          </a:xfrm>
+        </p:spPr>
+        <p:txBody>
+          <a:bodyPr/>
+          <a:lstStyle/>
+          <a:p>
+            <a:r>
+              <a:rPr lang="en-US" dirty="0"/>
+              <a:t>Master 2 – Computer Science – Authors : </a:t>
+            </a:r>
+            <a:r>
+              <a:rPr lang="en-US" dirty="0" err="1"/>
+              <a:t>Castagnet</a:t>
+            </a:r>
+            <a:r>
+              <a:rPr lang="en-US" dirty="0"/>
+              <a:t>, </a:t>
+            </a:r>
+            <a:r>
+              <a:rPr lang="en-US" dirty="0" err="1"/>
+              <a:t>Etcheverry</a:t>
+            </a:r>
+            <a:r>
+              <a:rPr lang="en-US" dirty="0"/>
+              <a:t>, </a:t>
+            </a:r>
+            <a:r>
+              <a:rPr lang="en-US" dirty="0" err="1"/>
+              <a:t>Paziewski</a:t>
+            </a:r>
+            <a:r>
+              <a:rPr lang="en-US" dirty="0"/>
+              <a:t>, </a:t>
+            </a:r>
+            <a:r>
+              <a:rPr lang="en-US" dirty="0" err="1"/>
+              <a:t>Tessier</a:t>
+            </a:r>
+            <a:r>
+              <a:rPr lang="en-US" dirty="0"/>
+              <a:t>, </a:t>
+            </a:r>
+            <a:r>
+              <a:rPr lang="en-US" dirty="0" err="1"/>
+              <a:t>Testa</a:t>
+            </a:r>
+            <a:endParaRPr lang="en-US" dirty="0"/>
+          </a:p>
+        </p:txBody>
+      </p:sp>
+      <p:sp>
+        <p:nvSpPr>
+          <p:cNvPr id="12" name="ZoneTexte 11"/>
+          <p:cNvSpPr txBox="1"/>
+          <p:nvPr/>
+        </p:nvSpPr>
+        <p:spPr>
+          <a:xfrm>
+            <a:off x="90987" y="0"/>
+            <a:ext cx="2225824" cy="369332"/>
+          </a:xfrm>
+          <a:prstGeom prst="rect">
+            <a:avLst/>
+          </a:prstGeom>
+          <a:noFill/>
+        </p:spPr>
+        <p:txBody>
+          <a:bodyPr wrap="square" rtlCol="0">
+            <a:spAutoFit/>
+          </a:bodyPr>
+          <a:lstStyle/>
+          <a:p>
+            <a:r>
+              <a:rPr lang="fr-FR" dirty="0" smtClean="0"/>
+              <a:t>Our </a:t>
+            </a:r>
+            <a:r>
+              <a:rPr lang="fr-FR" dirty="0" err="1" smtClean="0"/>
+              <a:t>Work</a:t>
+            </a:r>
+            <a:endParaRPr lang="fr-FR" dirty="0"/>
+          </a:p>
+        </p:txBody>
+      </p:sp>
     </p:spTree>
     <p:extLst>
       <p:ext uri="{BB962C8B-B14F-4D97-AF65-F5344CB8AC3E}">
@@ -15255,78 +15796,6 @@
       </p:sp>
       <p:sp>
         <p:nvSpPr>
-          <p:cNvPr id="9" name="Espace réservé du pied de page 8"/>
-          <p:cNvSpPr>
-            <a:spLocks noGrp="1"/>
-          </p:cNvSpPr>
-          <p:nvPr>
-            <p:ph type="ftr" sz="quarter" idx="11"/>
-          </p:nvPr>
-        </p:nvSpPr>
-        <p:spPr>
-          <a:xfrm>
-            <a:off x="3203848" y="6356350"/>
-            <a:ext cx="2895600" cy="365125"/>
-          </a:xfrm>
-        </p:spPr>
-        <p:txBody>
-          <a:bodyPr/>
-          <a:lstStyle/>
-          <a:p>
-            <a:r>
-              <a:rPr kumimoji="0" lang="fr-FR" dirty="0" smtClean="0"/>
-              <a:t>Master 2 – Computer Science – </a:t>
-            </a:r>
-            <a:r>
-              <a:rPr kumimoji="0" lang="fr-FR" dirty="0" err="1" smtClean="0"/>
-              <a:t>Authors</a:t>
-            </a:r>
-            <a:r>
-              <a:rPr kumimoji="0" lang="fr-FR" dirty="0" smtClean="0"/>
-              <a:t> : </a:t>
-            </a:r>
-            <a:r>
-              <a:rPr kumimoji="0" lang="fr-FR" dirty="0" err="1" smtClean="0"/>
-              <a:t>fcastagn</a:t>
-            </a:r>
-            <a:r>
-              <a:rPr kumimoji="0" lang="fr-FR" dirty="0" smtClean="0"/>
-              <a:t>, </a:t>
-            </a:r>
-            <a:r>
-              <a:rPr kumimoji="0" lang="fr-FR" dirty="0" err="1" smtClean="0"/>
-              <a:t>jetcheve</a:t>
-            </a:r>
-            <a:r>
-              <a:rPr kumimoji="0" lang="fr-FR" dirty="0" smtClean="0"/>
-              <a:t>, </a:t>
-            </a:r>
-            <a:r>
-              <a:rPr kumimoji="0" lang="fr-FR" dirty="0" err="1" smtClean="0"/>
-              <a:t>hpaziews</a:t>
-            </a:r>
-            <a:r>
-              <a:rPr kumimoji="0" lang="fr-FR" dirty="0" smtClean="0"/>
-              <a:t>, </a:t>
-            </a:r>
-            <a:r>
-              <a:rPr kumimoji="0" lang="fr-FR" dirty="0" err="1" smtClean="0"/>
-              <a:t>altessie</a:t>
-            </a:r>
-            <a:r>
-              <a:rPr kumimoji="0" lang="fr-FR" dirty="0" smtClean="0"/>
-              <a:t> &amp; </a:t>
-            </a:r>
-            <a:r>
-              <a:rPr kumimoji="0" lang="fr-FR" dirty="0" err="1" smtClean="0"/>
-              <a:t>mtesta</a:t>
-            </a:r>
-            <a:endParaRPr kumimoji="0" lang="fr-FR" dirty="0"/>
-          </a:p>
-        </p:txBody>
-      </p:sp>
-      <p:sp>
-        <p:nvSpPr>
           <p:cNvPr id="4" name="ZoneTexte 3"/>
           <p:cNvSpPr txBox="1"/>
           <p:nvPr/>
@@ -15399,11 +15868,7 @@
             </a:r>
             <a:r>
               <a:rPr lang="fr-FR" sz="2400" dirty="0" smtClean="0"/>
-              <a:t>, </a:t>
-            </a:r>
-            <a:r>
-              <a:rPr lang="fr-FR" sz="2400" dirty="0" smtClean="0"/>
-              <a:t>the </a:t>
+              <a:t>, the </a:t>
             </a:r>
             <a:r>
               <a:rPr lang="fr-FR" sz="2400" dirty="0" err="1" smtClean="0"/>
@@ -15434,11 +15899,7 @@
             </a:r>
             <a:r>
               <a:rPr lang="fr-FR" sz="2400" dirty="0" smtClean="0"/>
-              <a:t> </a:t>
-            </a:r>
-            <a:r>
-              <a:rPr lang="fr-FR" sz="2400" dirty="0" smtClean="0"/>
-              <a:t>the end, </a:t>
+              <a:t> the end, </a:t>
             </a:r>
             <a:r>
               <a:rPr lang="fr-FR" sz="2400" dirty="0" err="1" smtClean="0"/>
@@ -15484,11 +15945,7 @@
             </a:r>
             <a:r>
               <a:rPr lang="fr-FR" sz="2400" dirty="0" smtClean="0"/>
-              <a:t> </a:t>
-            </a:r>
-            <a:r>
-              <a:rPr lang="fr-FR" sz="2400" dirty="0" smtClean="0"/>
-              <a:t>the </a:t>
+              <a:t> the </a:t>
             </a:r>
             <a:r>
               <a:rPr lang="fr-FR" sz="2400" dirty="0" err="1" smtClean="0"/>
@@ -15529,6 +15986,104 @@
               <a:buChar char="•"/>
             </a:pPr>
             <a:endParaRPr lang="fr-FR" sz="2400" dirty="0"/>
+          </a:p>
+        </p:txBody>
+      </p:sp>
+      <p:sp>
+        <p:nvSpPr>
+          <p:cNvPr id="10" name="Espace réservé du pied de page 5"/>
+          <p:cNvSpPr>
+            <a:spLocks noGrp="1"/>
+          </p:cNvSpPr>
+          <p:nvPr>
+            <p:ph type="ftr" sz="quarter" idx="11"/>
+          </p:nvPr>
+        </p:nvSpPr>
+        <p:spPr>
+          <a:xfrm>
+            <a:off x="3352800" y="6356350"/>
+            <a:ext cx="3235424" cy="365125"/>
+          </a:xfrm>
+        </p:spPr>
+        <p:txBody>
+          <a:bodyPr/>
+          <a:lstStyle/>
+          <a:p>
+            <a:r>
+              <a:rPr lang="en-US" dirty="0"/>
+              <a:t>Master 2 – Computer Science – Authors : </a:t>
+            </a:r>
+            <a:r>
+              <a:rPr lang="en-US" dirty="0" err="1"/>
+              <a:t>Castagnet</a:t>
+            </a:r>
+            <a:r>
+              <a:rPr lang="en-US" dirty="0"/>
+              <a:t>, </a:t>
+            </a:r>
+            <a:r>
+              <a:rPr lang="en-US" dirty="0" err="1"/>
+              <a:t>Etcheverry</a:t>
+            </a:r>
+            <a:r>
+              <a:rPr lang="en-US" dirty="0"/>
+              <a:t>, </a:t>
+            </a:r>
+            <a:r>
+              <a:rPr lang="en-US" dirty="0" err="1"/>
+              <a:t>Paziewski</a:t>
+            </a:r>
+            <a:r>
+              <a:rPr lang="en-US" dirty="0"/>
+              <a:t>, </a:t>
+            </a:r>
+            <a:r>
+              <a:rPr lang="en-US" dirty="0" err="1"/>
+              <a:t>Tessier</a:t>
+            </a:r>
+            <a:r>
+              <a:rPr lang="en-US" dirty="0"/>
+              <a:t>, </a:t>
+            </a:r>
+            <a:r>
+              <a:rPr lang="en-US" dirty="0" err="1"/>
+              <a:t>Testa</a:t>
+            </a:r>
+            <a:endParaRPr lang="en-US" dirty="0"/>
+          </a:p>
+        </p:txBody>
+      </p:sp>
+      <p:sp>
+        <p:nvSpPr>
+          <p:cNvPr id="11" name="ZoneTexte 10"/>
+          <p:cNvSpPr txBox="1"/>
+          <p:nvPr/>
+        </p:nvSpPr>
+        <p:spPr>
+          <a:xfrm>
+            <a:off x="90987" y="0"/>
+            <a:ext cx="2225824" cy="369332"/>
+          </a:xfrm>
+          <a:prstGeom prst="rect">
+            <a:avLst/>
+          </a:prstGeom>
+          <a:noFill/>
+        </p:spPr>
+        <p:txBody>
+          <a:bodyPr wrap="square" rtlCol="0">
+            <a:spAutoFit/>
+          </a:bodyPr>
+          <a:lstStyle/>
+          <a:p>
+            <a:r>
+              <a:rPr lang="fr-FR" dirty="0" smtClean="0"/>
+              <a:t>Our </a:t>
+            </a:r>
+            <a:r>
+              <a:rPr lang="fr-FR" dirty="0" err="1" smtClean="0"/>
+              <a:t>Work</a:t>
+            </a:r>
+            <a:endParaRPr lang="fr-FR" dirty="0"/>
           </a:p>
         </p:txBody>
       </p:sp>
@@ -15716,78 +16271,6 @@
       </p:sp>
       <p:sp>
         <p:nvSpPr>
-          <p:cNvPr id="9" name="Espace réservé du pied de page 8"/>
-          <p:cNvSpPr>
-            <a:spLocks noGrp="1"/>
-          </p:cNvSpPr>
-          <p:nvPr>
-            <p:ph type="ftr" sz="quarter" idx="11"/>
-          </p:nvPr>
-        </p:nvSpPr>
-        <p:spPr>
-          <a:xfrm>
-            <a:off x="3203848" y="6356350"/>
-            <a:ext cx="2895600" cy="365125"/>
-          </a:xfrm>
-        </p:spPr>
-        <p:txBody>
-          <a:bodyPr/>
-          <a:lstStyle/>
-          <a:p>
-            <a:r>
-              <a:rPr kumimoji="0" lang="fr-FR" dirty="0" smtClean="0"/>
-              <a:t>Master 2 – Computer Science – </a:t>
-            </a:r>
-            <a:r>
-              <a:rPr kumimoji="0" lang="fr-FR" dirty="0" err="1" smtClean="0"/>
-              <a:t>Authors</a:t>
-            </a:r>
-            <a:r>
-              <a:rPr kumimoji="0" lang="fr-FR" dirty="0" smtClean="0"/>
-              <a:t> : </a:t>
-            </a:r>
-            <a:r>
-              <a:rPr kumimoji="0" lang="fr-FR" dirty="0" err="1" smtClean="0"/>
-              <a:t>fcastagn</a:t>
-            </a:r>
-            <a:r>
-              <a:rPr kumimoji="0" lang="fr-FR" dirty="0" smtClean="0"/>
-              <a:t>, </a:t>
-            </a:r>
-            <a:r>
-              <a:rPr kumimoji="0" lang="fr-FR" dirty="0" err="1" smtClean="0"/>
-              <a:t>jetcheve</a:t>
-            </a:r>
-            <a:r>
-              <a:rPr kumimoji="0" lang="fr-FR" dirty="0" smtClean="0"/>
-              <a:t>, </a:t>
-            </a:r>
-            <a:r>
-              <a:rPr kumimoji="0" lang="fr-FR" dirty="0" err="1" smtClean="0"/>
-              <a:t>hpaziews</a:t>
-            </a:r>
-            <a:r>
-              <a:rPr kumimoji="0" lang="fr-FR" dirty="0" smtClean="0"/>
-              <a:t>, </a:t>
-            </a:r>
-            <a:r>
-              <a:rPr kumimoji="0" lang="fr-FR" dirty="0" err="1" smtClean="0"/>
-              <a:t>altessie</a:t>
-            </a:r>
-            <a:r>
-              <a:rPr kumimoji="0" lang="fr-FR" dirty="0" smtClean="0"/>
-              <a:t> &amp; </a:t>
-            </a:r>
-            <a:r>
-              <a:rPr kumimoji="0" lang="fr-FR" dirty="0" err="1" smtClean="0"/>
-              <a:t>mtesta</a:t>
-            </a:r>
-            <a:endParaRPr kumimoji="0" lang="fr-FR" dirty="0"/>
-          </a:p>
-        </p:txBody>
-      </p:sp>
-      <p:sp>
-        <p:nvSpPr>
           <p:cNvPr id="4" name="ZoneTexte 3"/>
           <p:cNvSpPr txBox="1"/>
           <p:nvPr/>
@@ -15876,6 +16359,104 @@
           </a:prstGeom>
         </p:spPr>
       </p:pic>
+      <p:sp>
+        <p:nvSpPr>
+          <p:cNvPr id="10" name="Espace réservé du pied de page 5"/>
+          <p:cNvSpPr>
+            <a:spLocks noGrp="1"/>
+          </p:cNvSpPr>
+          <p:nvPr>
+            <p:ph type="ftr" sz="quarter" idx="11"/>
+          </p:nvPr>
+        </p:nvSpPr>
+        <p:spPr>
+          <a:xfrm>
+            <a:off x="3352800" y="6356350"/>
+            <a:ext cx="3235424" cy="365125"/>
+          </a:xfrm>
+        </p:spPr>
+        <p:txBody>
+          <a:bodyPr/>
+          <a:lstStyle/>
+          <a:p>
+            <a:r>
+              <a:rPr lang="en-US" dirty="0"/>
+              <a:t>Master 2 – Computer Science – Authors : </a:t>
+            </a:r>
+            <a:r>
+              <a:rPr lang="en-US" dirty="0" err="1"/>
+              <a:t>Castagnet</a:t>
+            </a:r>
+            <a:r>
+              <a:rPr lang="en-US" dirty="0"/>
+              <a:t>, </a:t>
+            </a:r>
+            <a:r>
+              <a:rPr lang="en-US" dirty="0" err="1"/>
+              <a:t>Etcheverry</a:t>
+            </a:r>
+            <a:r>
+              <a:rPr lang="en-US" dirty="0"/>
+              <a:t>, </a:t>
+            </a:r>
+            <a:r>
+              <a:rPr lang="en-US" dirty="0" err="1"/>
+              <a:t>Paziewski</a:t>
+            </a:r>
+            <a:r>
+              <a:rPr lang="en-US" dirty="0"/>
+              <a:t>, </a:t>
+            </a:r>
+            <a:r>
+              <a:rPr lang="en-US" dirty="0" err="1"/>
+              <a:t>Tessier</a:t>
+            </a:r>
+            <a:r>
+              <a:rPr lang="en-US" dirty="0"/>
+              <a:t>, </a:t>
+            </a:r>
+            <a:r>
+              <a:rPr lang="en-US" dirty="0" err="1"/>
+              <a:t>Testa</a:t>
+            </a:r>
+            <a:endParaRPr lang="en-US" dirty="0"/>
+          </a:p>
+        </p:txBody>
+      </p:sp>
+      <p:sp>
+        <p:nvSpPr>
+          <p:cNvPr id="12" name="ZoneTexte 11"/>
+          <p:cNvSpPr txBox="1"/>
+          <p:nvPr/>
+        </p:nvSpPr>
+        <p:spPr>
+          <a:xfrm>
+            <a:off x="90987" y="0"/>
+            <a:ext cx="2225824" cy="369332"/>
+          </a:xfrm>
+          <a:prstGeom prst="rect">
+            <a:avLst/>
+          </a:prstGeom>
+          <a:noFill/>
+        </p:spPr>
+        <p:txBody>
+          <a:bodyPr wrap="square" rtlCol="0">
+            <a:spAutoFit/>
+          </a:bodyPr>
+          <a:lstStyle/>
+          <a:p>
+            <a:r>
+              <a:rPr lang="fr-FR" dirty="0" smtClean="0"/>
+              <a:t>Our </a:t>
+            </a:r>
+            <a:r>
+              <a:rPr lang="fr-FR" dirty="0" err="1" smtClean="0"/>
+              <a:t>Work</a:t>
+            </a:r>
+            <a:endParaRPr lang="fr-FR" dirty="0"/>
+          </a:p>
+        </p:txBody>
+      </p:sp>
     </p:spTree>
     <p:extLst>
       <p:ext uri="{BB962C8B-B14F-4D97-AF65-F5344CB8AC3E}">
@@ -15970,78 +16551,6 @@
               <a:t>/26</a:t>
             </a:r>
             <a:endParaRPr lang="fr-FR" dirty="0"/>
-          </a:p>
-        </p:txBody>
-      </p:sp>
-      <p:sp>
-        <p:nvSpPr>
-          <p:cNvPr id="9" name="Espace réservé du pied de page 8"/>
-          <p:cNvSpPr>
-            <a:spLocks noGrp="1"/>
-          </p:cNvSpPr>
-          <p:nvPr>
-            <p:ph type="ftr" sz="quarter" idx="11"/>
-          </p:nvPr>
-        </p:nvSpPr>
-        <p:spPr>
-          <a:xfrm>
-            <a:off x="3203848" y="6356350"/>
-            <a:ext cx="2895600" cy="365125"/>
-          </a:xfrm>
-        </p:spPr>
-        <p:txBody>
-          <a:bodyPr/>
-          <a:lstStyle/>
-          <a:p>
-            <a:r>
-              <a:rPr kumimoji="0" lang="fr-FR" dirty="0" smtClean="0"/>
-              <a:t>Master 2 – Computer Science – </a:t>
-            </a:r>
-            <a:r>
-              <a:rPr kumimoji="0" lang="fr-FR" dirty="0" err="1" smtClean="0"/>
-              <a:t>Authors</a:t>
-            </a:r>
-            <a:r>
-              <a:rPr kumimoji="0" lang="fr-FR" dirty="0" smtClean="0"/>
-              <a:t> : </a:t>
-            </a:r>
-            <a:r>
-              <a:rPr kumimoji="0" lang="fr-FR" dirty="0" err="1" smtClean="0"/>
-              <a:t>fcastagn</a:t>
-            </a:r>
-            <a:r>
-              <a:rPr kumimoji="0" lang="fr-FR" dirty="0" smtClean="0"/>
-              <a:t>, </a:t>
-            </a:r>
-            <a:r>
-              <a:rPr kumimoji="0" lang="fr-FR" dirty="0" err="1" smtClean="0"/>
-              <a:t>jetcheve</a:t>
-            </a:r>
-            <a:r>
-              <a:rPr kumimoji="0" lang="fr-FR" dirty="0" smtClean="0"/>
-              <a:t>, </a:t>
-            </a:r>
-            <a:r>
-              <a:rPr kumimoji="0" lang="fr-FR" dirty="0" err="1" smtClean="0"/>
-              <a:t>hpaziews</a:t>
-            </a:r>
-            <a:r>
-              <a:rPr kumimoji="0" lang="fr-FR" dirty="0" smtClean="0"/>
-              <a:t>, </a:t>
-            </a:r>
-            <a:r>
-              <a:rPr kumimoji="0" lang="fr-FR" dirty="0" err="1" smtClean="0"/>
-              <a:t>altessie</a:t>
-            </a:r>
-            <a:r>
-              <a:rPr kumimoji="0" lang="fr-FR" dirty="0" smtClean="0"/>
-              <a:t> &amp; </a:t>
-            </a:r>
-            <a:r>
-              <a:rPr kumimoji="0" lang="fr-FR" dirty="0" err="1" smtClean="0"/>
-              <a:t>mtesta</a:t>
-            </a:r>
-            <a:endParaRPr kumimoji="0" lang="fr-FR" dirty="0"/>
           </a:p>
         </p:txBody>
       </p:sp>
@@ -16568,6 +17077,104 @@
           </a:p>
         </p:txBody>
       </p:sp>
+      <p:sp>
+        <p:nvSpPr>
+          <p:cNvPr id="14" name="Espace réservé du pied de page 5"/>
+          <p:cNvSpPr>
+            <a:spLocks noGrp="1"/>
+          </p:cNvSpPr>
+          <p:nvPr>
+            <p:ph type="ftr" sz="quarter" idx="11"/>
+          </p:nvPr>
+        </p:nvSpPr>
+        <p:spPr>
+          <a:xfrm>
+            <a:off x="3352800" y="6356350"/>
+            <a:ext cx="3235424" cy="365125"/>
+          </a:xfrm>
+        </p:spPr>
+        <p:txBody>
+          <a:bodyPr/>
+          <a:lstStyle/>
+          <a:p>
+            <a:r>
+              <a:rPr lang="en-US" dirty="0"/>
+              <a:t>Master 2 – Computer Science – Authors : </a:t>
+            </a:r>
+            <a:r>
+              <a:rPr lang="en-US" dirty="0" err="1"/>
+              <a:t>Castagnet</a:t>
+            </a:r>
+            <a:r>
+              <a:rPr lang="en-US" dirty="0"/>
+              <a:t>, </a:t>
+            </a:r>
+            <a:r>
+              <a:rPr lang="en-US" dirty="0" err="1"/>
+              <a:t>Etcheverry</a:t>
+            </a:r>
+            <a:r>
+              <a:rPr lang="en-US" dirty="0"/>
+              <a:t>, </a:t>
+            </a:r>
+            <a:r>
+              <a:rPr lang="en-US" dirty="0" err="1"/>
+              <a:t>Paziewski</a:t>
+            </a:r>
+            <a:r>
+              <a:rPr lang="en-US" dirty="0"/>
+              <a:t>, </a:t>
+            </a:r>
+            <a:r>
+              <a:rPr lang="en-US" dirty="0" err="1"/>
+              <a:t>Tessier</a:t>
+            </a:r>
+            <a:r>
+              <a:rPr lang="en-US" dirty="0"/>
+              <a:t>, </a:t>
+            </a:r>
+            <a:r>
+              <a:rPr lang="en-US" dirty="0" err="1"/>
+              <a:t>Testa</a:t>
+            </a:r>
+            <a:endParaRPr lang="en-US" dirty="0"/>
+          </a:p>
+        </p:txBody>
+      </p:sp>
+      <p:sp>
+        <p:nvSpPr>
+          <p:cNvPr id="15" name="ZoneTexte 14"/>
+          <p:cNvSpPr txBox="1"/>
+          <p:nvPr/>
+        </p:nvSpPr>
+        <p:spPr>
+          <a:xfrm>
+            <a:off x="90987" y="0"/>
+            <a:ext cx="2225824" cy="369332"/>
+          </a:xfrm>
+          <a:prstGeom prst="rect">
+            <a:avLst/>
+          </a:prstGeom>
+          <a:noFill/>
+        </p:spPr>
+        <p:txBody>
+          <a:bodyPr wrap="square" rtlCol="0">
+            <a:spAutoFit/>
+          </a:bodyPr>
+          <a:lstStyle/>
+          <a:p>
+            <a:r>
+              <a:rPr lang="fr-FR" dirty="0" smtClean="0"/>
+              <a:t>Our </a:t>
+            </a:r>
+            <a:r>
+              <a:rPr lang="fr-FR" dirty="0" err="1" smtClean="0"/>
+              <a:t>Work</a:t>
+            </a:r>
+            <a:endParaRPr lang="fr-FR" dirty="0"/>
+          </a:p>
+        </p:txBody>
+      </p:sp>
     </p:spTree>
     <p:extLst>
       <p:ext uri="{BB962C8B-B14F-4D97-AF65-F5344CB8AC3E}">
@@ -16689,78 +17296,6 @@
       </p:sp>
       <p:sp>
         <p:nvSpPr>
-          <p:cNvPr id="9" name="Espace réservé du pied de page 8"/>
-          <p:cNvSpPr>
-            <a:spLocks noGrp="1"/>
-          </p:cNvSpPr>
-          <p:nvPr>
-            <p:ph type="ftr" sz="quarter" idx="11"/>
-          </p:nvPr>
-        </p:nvSpPr>
-        <p:spPr>
-          <a:xfrm>
-            <a:off x="3203848" y="6356350"/>
-            <a:ext cx="2895600" cy="365125"/>
-          </a:xfrm>
-        </p:spPr>
-        <p:txBody>
-          <a:bodyPr/>
-          <a:lstStyle/>
-          <a:p>
-            <a:r>
-              <a:rPr kumimoji="0" lang="fr-FR" dirty="0" smtClean="0"/>
-              <a:t>Master 2 – Computer Science – </a:t>
-            </a:r>
-            <a:r>
-              <a:rPr kumimoji="0" lang="fr-FR" dirty="0" err="1" smtClean="0"/>
-              <a:t>Authors</a:t>
-            </a:r>
-            <a:r>
-              <a:rPr kumimoji="0" lang="fr-FR" dirty="0" smtClean="0"/>
-              <a:t> : </a:t>
-            </a:r>
-            <a:r>
-              <a:rPr kumimoji="0" lang="fr-FR" dirty="0" err="1" smtClean="0"/>
-              <a:t>fcastagn</a:t>
-            </a:r>
-            <a:r>
-              <a:rPr kumimoji="0" lang="fr-FR" dirty="0" smtClean="0"/>
-              <a:t>, </a:t>
-            </a:r>
-            <a:r>
-              <a:rPr kumimoji="0" lang="fr-FR" dirty="0" err="1" smtClean="0"/>
-              <a:t>jetcheve</a:t>
-            </a:r>
-            <a:r>
-              <a:rPr kumimoji="0" lang="fr-FR" dirty="0" smtClean="0"/>
-              <a:t>, </a:t>
-            </a:r>
-            <a:r>
-              <a:rPr kumimoji="0" lang="fr-FR" dirty="0" err="1" smtClean="0"/>
-              <a:t>hpaziews</a:t>
-            </a:r>
-            <a:r>
-              <a:rPr kumimoji="0" lang="fr-FR" dirty="0" smtClean="0"/>
-              <a:t>, </a:t>
-            </a:r>
-            <a:r>
-              <a:rPr kumimoji="0" lang="fr-FR" dirty="0" err="1" smtClean="0"/>
-              <a:t>altessie</a:t>
-            </a:r>
-            <a:r>
-              <a:rPr kumimoji="0" lang="fr-FR" dirty="0" smtClean="0"/>
-              <a:t> &amp; </a:t>
-            </a:r>
-            <a:r>
-              <a:rPr kumimoji="0" lang="fr-FR" dirty="0" err="1" smtClean="0"/>
-              <a:t>mtesta</a:t>
-            </a:r>
-            <a:endParaRPr kumimoji="0" lang="fr-FR" dirty="0"/>
-          </a:p>
-        </p:txBody>
-      </p:sp>
-      <p:sp>
-        <p:nvSpPr>
           <p:cNvPr id="5" name="ZoneTexte 4"/>
           <p:cNvSpPr txBox="1"/>
           <p:nvPr/>
@@ -17023,11 +17558,7 @@
             </a:r>
             <a:r>
               <a:rPr lang="fr-FR" sz="1400" dirty="0" smtClean="0"/>
-              <a:t> </a:t>
-            </a:r>
-            <a:r>
-              <a:rPr lang="fr-FR" sz="1400" dirty="0" smtClean="0"/>
-              <a:t>Source : </a:t>
+              <a:t> Source : </a:t>
             </a:r>
             <a:r>
               <a:rPr lang="fr-FR" sz="1400" dirty="0"/>
@@ -17102,6 +17633,70 @@
               <a:rPr lang="fr-FR" sz="1400" dirty="0"/>
               <a:t> "</a:t>
             </a:r>
+          </a:p>
+        </p:txBody>
+      </p:sp>
+      <p:sp>
+        <p:nvSpPr>
+          <p:cNvPr id="13" name="Espace réservé du pied de page 5"/>
+          <p:cNvSpPr>
+            <a:spLocks noGrp="1"/>
+          </p:cNvSpPr>
+          <p:nvPr>
+            <p:ph type="ftr" sz="quarter" idx="11"/>
+          </p:nvPr>
+        </p:nvSpPr>
+        <p:spPr>
+          <a:xfrm>
+            <a:off x="3352800" y="6356350"/>
+            <a:ext cx="3235424" cy="365125"/>
+          </a:xfrm>
+        </p:spPr>
+        <p:txBody>
+          <a:bodyPr/>
+          <a:lstStyle/>
+          <a:p>
+            <a:r>
+              <a:rPr lang="en-US" dirty="0"/>
+              <a:t>Master 2 – Computer Science – Authors : </a:t>
+            </a:r>
+            <a:r>
+              <a:rPr lang="en-US" dirty="0" err="1"/>
+              <a:t>Castagnet</a:t>
+            </a:r>
+            <a:r>
+              <a:rPr lang="en-US" dirty="0"/>
+              <a:t>, </a:t>
+            </a:r>
+            <a:r>
+              <a:rPr lang="en-US" dirty="0" err="1"/>
+              <a:t>Etcheverry</a:t>
+            </a:r>
+            <a:r>
+              <a:rPr lang="en-US" dirty="0"/>
+              <a:t>, </a:t>
+            </a:r>
+            <a:r>
+              <a:rPr lang="en-US" dirty="0" err="1"/>
+              <a:t>Paziewski</a:t>
+            </a:r>
+            <a:r>
+              <a:rPr lang="en-US" dirty="0"/>
+              <a:t>, </a:t>
+            </a:r>
+            <a:r>
+              <a:rPr lang="en-US" dirty="0" err="1"/>
+              <a:t>Tessier</a:t>
+            </a:r>
+            <a:r>
+              <a:rPr lang="en-US" dirty="0"/>
+              <a:t>, </a:t>
+            </a:r>
+            <a:r>
+              <a:rPr lang="en-US" dirty="0" err="1"/>
+              <a:t>Testa</a:t>
+            </a:r>
+            <a:endParaRPr lang="en-US" dirty="0"/>
           </a:p>
         </p:txBody>
       </p:sp>
@@ -17228,29 +17823,6 @@
           </a:p>
         </p:txBody>
       </p:sp>
-      <p:sp>
-        <p:nvSpPr>
-          <p:cNvPr id="3" name="Espace réservé du pied de page 2"/>
-          <p:cNvSpPr>
-            <a:spLocks noGrp="1"/>
-          </p:cNvSpPr>
-          <p:nvPr>
-            <p:ph type="ftr" sz="quarter" idx="11"/>
-          </p:nvPr>
-        </p:nvSpPr>
-        <p:spPr/>
-        <p:txBody>
-          <a:bodyPr/>
-          <a:lstStyle/>
-          <a:p>
-            <a:r>
-              <a:rPr kumimoji="0" lang="fr-FR" smtClean="0"/>
-              <a:t>Master 2 – Computer Science – Authors : fcastagn, jetcheve, hpaziews, altessie &amp; mtesta</a:t>
-            </a:r>
-            <a:endParaRPr kumimoji="0" lang="fr-FR"/>
-          </a:p>
-        </p:txBody>
-      </p:sp>
       <p:pic>
         <p:nvPicPr>
           <p:cNvPr id="2050" name="Picture 2"/>
@@ -17329,11 +17901,7 @@
           <a:p>
             <a:r>
               <a:rPr lang="fr-FR" sz="1400" b="1" dirty="0" smtClean="0"/>
-              <a:t>Figure </a:t>
-            </a:r>
-            <a:r>
-              <a:rPr lang="fr-FR" sz="1400" b="1" dirty="0" smtClean="0"/>
-              <a:t>6. </a:t>
+              <a:t>Figure 6. </a:t>
             </a:r>
             <a:r>
               <a:rPr lang="fr-FR" sz="1400" dirty="0" smtClean="0"/>
@@ -17359,6 +17927,70 @@
               <a:rPr lang="fr-FR" sz="1400" dirty="0"/>
               <a:t> "</a:t>
             </a:r>
+          </a:p>
+        </p:txBody>
+      </p:sp>
+      <p:sp>
+        <p:nvSpPr>
+          <p:cNvPr id="7" name="Espace réservé du pied de page 5"/>
+          <p:cNvSpPr>
+            <a:spLocks noGrp="1"/>
+          </p:cNvSpPr>
+          <p:nvPr>
+            <p:ph type="ftr" sz="quarter" idx="11"/>
+          </p:nvPr>
+        </p:nvSpPr>
+        <p:spPr>
+          <a:xfrm>
+            <a:off x="3352800" y="6356350"/>
+            <a:ext cx="3235424" cy="365125"/>
+          </a:xfrm>
+        </p:spPr>
+        <p:txBody>
+          <a:bodyPr/>
+          <a:lstStyle/>
+          <a:p>
+            <a:r>
+              <a:rPr lang="en-US" dirty="0"/>
+              <a:t>Master 2 – Computer Science – Authors : </a:t>
+            </a:r>
+            <a:r>
+              <a:rPr lang="en-US" dirty="0" err="1"/>
+              <a:t>Castagnet</a:t>
+            </a:r>
+            <a:r>
+              <a:rPr lang="en-US" dirty="0"/>
+              <a:t>, </a:t>
+            </a:r>
+            <a:r>
+              <a:rPr lang="en-US" dirty="0" err="1"/>
+              <a:t>Etcheverry</a:t>
+            </a:r>
+            <a:r>
+              <a:rPr lang="en-US" dirty="0"/>
+              <a:t>, </a:t>
+            </a:r>
+            <a:r>
+              <a:rPr lang="en-US" dirty="0" err="1"/>
+              <a:t>Paziewski</a:t>
+            </a:r>
+            <a:r>
+              <a:rPr lang="en-US" dirty="0"/>
+              <a:t>, </a:t>
+            </a:r>
+            <a:r>
+              <a:rPr lang="en-US" dirty="0" err="1"/>
+              <a:t>Tessier</a:t>
+            </a:r>
+            <a:r>
+              <a:rPr lang="en-US" dirty="0"/>
+              <a:t>, </a:t>
+            </a:r>
+            <a:r>
+              <a:rPr lang="en-US" dirty="0" err="1"/>
+              <a:t>Testa</a:t>
+            </a:r>
+            <a:endParaRPr lang="en-US" dirty="0"/>
           </a:p>
         </p:txBody>
       </p:sp>
@@ -17418,7 +18050,12 @@
             </p:custDataLst>
           </p:nvPr>
         </p:nvSpPr>
-        <p:spPr/>
+        <p:spPr>
+          <a:xfrm>
+            <a:off x="762000" y="269632"/>
+            <a:ext cx="8077200" cy="1143000"/>
+          </a:xfrm>
+        </p:spPr>
         <p:txBody>
           <a:bodyPr/>
           <a:lstStyle/>
@@ -17441,7 +18078,7 @@
             <a:spLocks noGrp="1" noChangeArrowheads="1"/>
           </p:cNvSpPr>
           <p:nvPr>
-            <p:ph type="body" idx="1"/>
+            <p:ph idx="1"/>
             <p:custDataLst>
               <p:tags r:id="rId3"/>
             </p:custDataLst>
@@ -17813,7 +18450,12 @@
             <p:ph type="sldNum" sz="quarter" idx="12"/>
           </p:nvPr>
         </p:nvSpPr>
-        <p:spPr/>
+        <p:spPr>
+          <a:xfrm>
+            <a:off x="6705600" y="6356350"/>
+            <a:ext cx="2133600" cy="365125"/>
+          </a:xfrm>
+        </p:spPr>
         <p:txBody>
           <a:bodyPr/>
           <a:lstStyle/>
@@ -17833,7 +18475,7 @@
       </p:sp>
       <p:sp>
         <p:nvSpPr>
-          <p:cNvPr id="3" name="Espace réservé du pied de page 2"/>
+          <p:cNvPr id="6" name="Espace réservé du pied de page 5"/>
           <p:cNvSpPr>
             <a:spLocks noGrp="1"/>
           </p:cNvSpPr>
@@ -17841,16 +18483,57 @@
             <p:ph type="ftr" sz="quarter" idx="11"/>
           </p:nvPr>
         </p:nvSpPr>
-        <p:spPr/>
+        <p:spPr>
+          <a:xfrm>
+            <a:off x="3352800" y="6356350"/>
+            <a:ext cx="3235424" cy="365125"/>
+          </a:xfrm>
+        </p:spPr>
         <p:txBody>
           <a:bodyPr/>
           <a:lstStyle/>
           <a:p>
             <a:r>
-              <a:rPr kumimoji="0" lang="fr-FR" smtClean="0"/>
-              <a:t>Master 2 – Computer Science – Authors : fcastagn, jetcheve, hpaziews, altessie &amp; mtesta</a:t>
-            </a:r>
-            <a:endParaRPr kumimoji="0" lang="fr-FR"/>
+              <a:rPr lang="en-US" dirty="0"/>
+              <a:t>Master 2 – Computer Science – Authors : </a:t>
+            </a:r>
+            <a:r>
+              <a:rPr lang="en-US" dirty="0" err="1"/>
+              <a:t>Castagnet</a:t>
+            </a:r>
+            <a:r>
+              <a:rPr lang="en-US" dirty="0"/>
+              <a:t>, </a:t>
+            </a:r>
+            <a:r>
+              <a:rPr lang="en-US" dirty="0" err="1"/>
+              <a:t>Etcheverry</a:t>
+            </a:r>
+            <a:r>
+              <a:rPr lang="en-US" dirty="0"/>
+              <a:t>, </a:t>
+            </a:r>
+            <a:r>
+              <a:rPr lang="en-US" dirty="0" err="1"/>
+              <a:t>Paziewski</a:t>
+            </a:r>
+            <a:r>
+              <a:rPr lang="en-US" dirty="0"/>
+              <a:t>, </a:t>
+            </a:r>
+            <a:r>
+              <a:rPr lang="en-US" dirty="0" err="1"/>
+              <a:t>Tessier</a:t>
+            </a:r>
+            <a:r>
+              <a:rPr lang="en-US" dirty="0"/>
+              <a:t>, </a:t>
+            </a:r>
+            <a:r>
+              <a:rPr lang="en-US" dirty="0" err="1"/>
+              <a:t>Testa</a:t>
+            </a:r>
+            <a:endParaRPr lang="en-US" dirty="0"/>
           </a:p>
         </p:txBody>
       </p:sp>
@@ -17902,7 +18585,12 @@
             <p:ph type="sldNum" sz="quarter" idx="12"/>
           </p:nvPr>
         </p:nvSpPr>
-        <p:spPr/>
+        <p:spPr>
+          <a:xfrm>
+            <a:off x="6705600" y="6356350"/>
+            <a:ext cx="2133600" cy="365125"/>
+          </a:xfrm>
+        </p:spPr>
         <p:txBody>
           <a:bodyPr/>
           <a:lstStyle/>
@@ -17917,80 +18605,6 @@
               <a:t>/26</a:t>
             </a:r>
             <a:endParaRPr lang="fr-FR" dirty="0"/>
-          </a:p>
-        </p:txBody>
-      </p:sp>
-      <p:sp>
-        <p:nvSpPr>
-          <p:cNvPr id="6" name="Espace réservé du pied de page 5"/>
-          <p:cNvSpPr>
-            <a:spLocks noGrp="1"/>
-          </p:cNvSpPr>
-          <p:nvPr>
-            <p:ph type="ftr" sz="quarter" idx="11"/>
-          </p:nvPr>
-        </p:nvSpPr>
-        <p:spPr>
-          <a:xfrm>
-            <a:off x="3352800" y="6356350"/>
-            <a:ext cx="3379440" cy="365125"/>
-          </a:xfrm>
-        </p:spPr>
-        <p:txBody>
-          <a:bodyPr/>
-          <a:lstStyle/>
-          <a:p>
-            <a:r>
-              <a:rPr kumimoji="0" lang="fr-FR" dirty="0" smtClean="0"/>
-              <a:t>Master 2 – Computer Science – </a:t>
-            </a:r>
-            <a:r>
-              <a:rPr kumimoji="0" lang="fr-FR" dirty="0" err="1" smtClean="0"/>
-              <a:t>Authors</a:t>
-            </a:r>
-            <a:r>
-              <a:rPr kumimoji="0" lang="fr-FR" dirty="0" smtClean="0"/>
-              <a:t> : </a:t>
-            </a:r>
-          </a:p>
-          <a:p>
-            <a:r>
-              <a:rPr kumimoji="0" lang="fr-FR" dirty="0" err="1" smtClean="0"/>
-              <a:t>fcastagn</a:t>
-            </a:r>
-            <a:r>
-              <a:rPr kumimoji="0" lang="fr-FR" dirty="0" smtClean="0"/>
-              <a:t>, </a:t>
-            </a:r>
-            <a:r>
-              <a:rPr kumimoji="0" lang="fr-FR" dirty="0" err="1" smtClean="0"/>
-              <a:t>jetcheve</a:t>
-            </a:r>
-            <a:r>
-              <a:rPr kumimoji="0" lang="fr-FR" dirty="0" smtClean="0"/>
-              <a:t>, </a:t>
-            </a:r>
-            <a:r>
-              <a:rPr kumimoji="0" lang="fr-FR" dirty="0" err="1" smtClean="0"/>
-              <a:t>hpaziews</a:t>
-            </a:r>
-            <a:r>
-              <a:rPr kumimoji="0" lang="fr-FR" dirty="0" smtClean="0"/>
-              <a:t>, </a:t>
-            </a:r>
-            <a:r>
-              <a:rPr kumimoji="0" lang="fr-FR" dirty="0" err="1" smtClean="0"/>
-              <a:t>altessie</a:t>
-            </a:r>
-            <a:r>
-              <a:rPr kumimoji="0" lang="fr-FR" dirty="0" smtClean="0"/>
-              <a:t> &amp; </a:t>
-            </a:r>
-            <a:r>
-              <a:rPr kumimoji="0" lang="fr-FR" dirty="0" err="1" smtClean="0"/>
-              <a:t>mtesta</a:t>
-            </a:r>
-            <a:endParaRPr kumimoji="0" lang="fr-FR" dirty="0"/>
           </a:p>
         </p:txBody>
       </p:sp>
@@ -18521,25 +19135,80 @@
           <a:p>
             <a:r>
               <a:rPr lang="fr-FR" sz="1400" b="1" dirty="0" smtClean="0"/>
-              <a:t>Figure </a:t>
-            </a:r>
-            <a:r>
-              <a:rPr lang="fr-FR" sz="1400" b="1" dirty="0" smtClean="0"/>
-              <a:t>1.</a:t>
+              <a:t>Figure 1.</a:t>
             </a:r>
             <a:r>
               <a:rPr lang="fr-FR" sz="1400" dirty="0" smtClean="0"/>
-              <a:t> </a:t>
-            </a:r>
-            <a:r>
-              <a:rPr lang="fr-FR" sz="1400" dirty="0" smtClean="0"/>
-              <a:t>Source : </a:t>
+              <a:t> Source : </a:t>
             </a:r>
             <a:r>
               <a:rPr lang="fr-FR" sz="1400" dirty="0"/>
               <a:t>http://rain.aa.washington.edu"</a:t>
             </a:r>
-            <a:endParaRPr lang="fr-FR" sz="1400" dirty="0"/>
+          </a:p>
+        </p:txBody>
+      </p:sp>
+      <p:sp>
+        <p:nvSpPr>
+          <p:cNvPr id="16" name="Espace réservé du pied de page 5"/>
+          <p:cNvSpPr>
+            <a:spLocks noGrp="1"/>
+          </p:cNvSpPr>
+          <p:nvPr>
+            <p:ph type="ftr" sz="quarter" idx="11"/>
+          </p:nvPr>
+        </p:nvSpPr>
+        <p:spPr>
+          <a:xfrm>
+            <a:off x="3352800" y="6356350"/>
+            <a:ext cx="3235424" cy="365125"/>
+          </a:xfrm>
+        </p:spPr>
+        <p:txBody>
+          <a:bodyPr/>
+          <a:lstStyle/>
+          <a:p>
+            <a:r>
+              <a:rPr lang="en-US" dirty="0"/>
+              <a:t>Master 2 – Computer Science – Authors : </a:t>
+            </a:r>
+            <a:r>
+              <a:rPr lang="en-US" dirty="0" err="1"/>
+              <a:t>Castagnet</a:t>
+            </a:r>
+            <a:r>
+              <a:rPr lang="en-US" dirty="0"/>
+              <a:t>, </a:t>
+            </a:r>
+            <a:r>
+              <a:rPr lang="en-US" dirty="0" err="1"/>
+              <a:t>Etcheverry</a:t>
+            </a:r>
+            <a:r>
+              <a:rPr lang="en-US" dirty="0"/>
+              <a:t>, </a:t>
+            </a:r>
+            <a:r>
+              <a:rPr lang="en-US" dirty="0" err="1"/>
+              <a:t>Paziewski</a:t>
+            </a:r>
+            <a:r>
+              <a:rPr lang="en-US" dirty="0"/>
+              <a:t>, </a:t>
+            </a:r>
+            <a:r>
+              <a:rPr lang="en-US" dirty="0" err="1"/>
+              <a:t>Tessier</a:t>
+            </a:r>
+            <a:r>
+              <a:rPr lang="en-US" dirty="0"/>
+              <a:t>, </a:t>
+            </a:r>
+            <a:r>
+              <a:rPr lang="en-US" dirty="0" err="1"/>
+              <a:t>Testa</a:t>
+            </a:r>
+            <a:endParaRPr lang="en-US" dirty="0"/>
           </a:p>
         </p:txBody>
       </p:sp>
@@ -18596,7 +19265,12 @@
             <p:ph type="sldNum" sz="quarter" idx="12"/>
           </p:nvPr>
         </p:nvSpPr>
-        <p:spPr/>
+        <p:spPr>
+          <a:xfrm>
+            <a:off x="6705600" y="6356350"/>
+            <a:ext cx="2133600" cy="365125"/>
+          </a:xfrm>
+        </p:spPr>
         <p:txBody>
           <a:bodyPr/>
           <a:lstStyle/>
@@ -18607,84 +19281,10 @@
               <a:t>4</a:t>
             </a:fld>
             <a:r>
-              <a:rPr lang="fr-FR" dirty="0" smtClean="0"/>
+              <a:rPr lang="fr-FR" smtClean="0"/>
               <a:t>/26</a:t>
             </a:r>
             <a:endParaRPr lang="fr-FR" dirty="0"/>
-          </a:p>
-        </p:txBody>
-      </p:sp>
-      <p:sp>
-        <p:nvSpPr>
-          <p:cNvPr id="6" name="Espace réservé du pied de page 5"/>
-          <p:cNvSpPr>
-            <a:spLocks noGrp="1"/>
-          </p:cNvSpPr>
-          <p:nvPr>
-            <p:ph type="ftr" sz="quarter" idx="11"/>
-          </p:nvPr>
-        </p:nvSpPr>
-        <p:spPr>
-          <a:xfrm>
-            <a:off x="3352800" y="6356350"/>
-            <a:ext cx="3451448" cy="365125"/>
-          </a:xfrm>
-        </p:spPr>
-        <p:txBody>
-          <a:bodyPr/>
-          <a:lstStyle/>
-          <a:p>
-            <a:r>
-              <a:rPr kumimoji="0" lang="fr-FR" dirty="0" smtClean="0"/>
-              <a:t>Master 2 – Computer Science – </a:t>
-            </a:r>
-            <a:r>
-              <a:rPr kumimoji="0" lang="fr-FR" dirty="0" err="1" smtClean="0"/>
-              <a:t>Authors</a:t>
-            </a:r>
-            <a:r>
-              <a:rPr kumimoji="0" lang="fr-FR" dirty="0" smtClean="0"/>
-              <a:t> : </a:t>
-            </a:r>
-          </a:p>
-          <a:p>
-            <a:r>
-              <a:rPr kumimoji="0" lang="fr-FR" dirty="0" err="1" smtClean="0"/>
-              <a:t>fcastagn</a:t>
-            </a:r>
-            <a:r>
-              <a:rPr kumimoji="0" lang="fr-FR" dirty="0" smtClean="0"/>
-              <a:t>, </a:t>
-            </a:r>
-            <a:r>
-              <a:rPr kumimoji="0" lang="fr-FR" dirty="0" err="1" smtClean="0"/>
-              <a:t>jetcheve</a:t>
-            </a:r>
-            <a:r>
-              <a:rPr kumimoji="0" lang="fr-FR" dirty="0" smtClean="0"/>
-              <a:t>, </a:t>
-            </a:r>
-            <a:r>
-              <a:rPr kumimoji="0" lang="fr-FR" dirty="0" err="1" smtClean="0"/>
-              <a:t>hpaziews</a:t>
-            </a:r>
-            <a:r>
-              <a:rPr kumimoji="0" lang="fr-FR" dirty="0" smtClean="0"/>
-              <a:t>, </a:t>
-            </a:r>
-            <a:r>
-              <a:rPr kumimoji="0" lang="fr-FR" dirty="0" err="1" smtClean="0"/>
-              <a:t>altessie</a:t>
-            </a:r>
-            <a:r>
-              <a:rPr kumimoji="0" lang="fr-FR" dirty="0" smtClean="0"/>
-              <a:t> &amp; </a:t>
-            </a:r>
-            <a:r>
-              <a:rPr kumimoji="0" lang="fr-FR" dirty="0" err="1" smtClean="0"/>
-              <a:t>mtesta</a:t>
-            </a:r>
-            <a:endParaRPr kumimoji="0" lang="fr-FR" dirty="0"/>
           </a:p>
         </p:txBody>
       </p:sp>
@@ -18976,7 +19576,7 @@
         </p:blipFill>
         <p:spPr bwMode="auto">
           <a:xfrm>
-            <a:off x="971600" y="610596"/>
+            <a:off x="6803504" y="462840"/>
             <a:ext cx="1937792" cy="1234156"/>
           </a:xfrm>
           <a:prstGeom prst="rect">
@@ -19043,8 +19643,8 @@
         </p:nvSpPr>
         <p:spPr>
           <a:xfrm>
-            <a:off x="943000" y="1789739"/>
-            <a:ext cx="6221288" cy="307777"/>
+            <a:off x="5173688" y="1736315"/>
+            <a:ext cx="3665512" cy="307777"/>
           </a:xfrm>
           <a:prstGeom prst="rect">
             <a:avLst/>
@@ -19059,15 +19659,7 @@
           <a:p>
             <a:r>
               <a:rPr lang="fr-FR" sz="1400" b="1" dirty="0" smtClean="0"/>
-              <a:t>Figure </a:t>
-            </a:r>
-            <a:r>
-              <a:rPr lang="fr-FR" sz="1400" b="1" dirty="0" smtClean="0"/>
-              <a:t>2 </a:t>
-            </a:r>
-            <a:r>
-              <a:rPr lang="fr-FR" sz="1400" b="1" dirty="0" smtClean="0"/>
-              <a:t>. </a:t>
+              <a:t>Figure 2 . </a:t>
             </a:r>
             <a:r>
               <a:rPr lang="fr-FR" sz="1400" dirty="0" smtClean="0"/>
@@ -19112,19 +19704,11 @@
           <a:p>
             <a:r>
               <a:rPr lang="fr-FR" sz="1400" b="1" dirty="0" smtClean="0"/>
-              <a:t>Figure </a:t>
-            </a:r>
-            <a:r>
-              <a:rPr lang="fr-FR" sz="1400" b="1" dirty="0" smtClean="0"/>
-              <a:t>3.</a:t>
+              <a:t>Figure 3.</a:t>
             </a:r>
             <a:r>
               <a:rPr lang="fr-FR" sz="1400" dirty="0" smtClean="0"/>
-              <a:t> </a:t>
-            </a:r>
-            <a:r>
-              <a:rPr lang="fr-FR" sz="1400" dirty="0" smtClean="0"/>
-              <a:t>Source : </a:t>
+              <a:t> Source : </a:t>
             </a:r>
             <a:r>
               <a:rPr lang="fr-FR" sz="1400" dirty="0"/>
@@ -19146,6 +19730,70 @@
               <a:rPr lang="fr-FR" sz="1400" dirty="0"/>
               <a:t> "</a:t>
             </a:r>
+          </a:p>
+        </p:txBody>
+      </p:sp>
+      <p:sp>
+        <p:nvSpPr>
+          <p:cNvPr id="15" name="Espace réservé du pied de page 5"/>
+          <p:cNvSpPr>
+            <a:spLocks noGrp="1"/>
+          </p:cNvSpPr>
+          <p:nvPr>
+            <p:ph type="ftr" sz="quarter" idx="11"/>
+          </p:nvPr>
+        </p:nvSpPr>
+        <p:spPr>
+          <a:xfrm>
+            <a:off x="3352800" y="6356350"/>
+            <a:ext cx="3235424" cy="365125"/>
+          </a:xfrm>
+        </p:spPr>
+        <p:txBody>
+          <a:bodyPr/>
+          <a:lstStyle/>
+          <a:p>
+            <a:r>
+              <a:rPr lang="en-US" dirty="0"/>
+              <a:t>Master 2 – Computer Science – Authors : </a:t>
+            </a:r>
+            <a:r>
+              <a:rPr lang="en-US" dirty="0" err="1"/>
+              <a:t>Castagnet</a:t>
+            </a:r>
+            <a:r>
+              <a:rPr lang="en-US" dirty="0"/>
+              <a:t>, </a:t>
+            </a:r>
+            <a:r>
+              <a:rPr lang="en-US" dirty="0" err="1"/>
+              <a:t>Etcheverry</a:t>
+            </a:r>
+            <a:r>
+              <a:rPr lang="en-US" dirty="0"/>
+              <a:t>, </a:t>
+            </a:r>
+            <a:r>
+              <a:rPr lang="en-US" dirty="0" err="1"/>
+              <a:t>Paziewski</a:t>
+            </a:r>
+            <a:r>
+              <a:rPr lang="en-US" dirty="0"/>
+              <a:t>, </a:t>
+            </a:r>
+            <a:r>
+              <a:rPr lang="en-US" dirty="0" err="1"/>
+              <a:t>Tessier</a:t>
+            </a:r>
+            <a:r>
+              <a:rPr lang="en-US" dirty="0"/>
+              <a:t>, </a:t>
+            </a:r>
+            <a:r>
+              <a:rPr lang="en-US" dirty="0" err="1"/>
+              <a:t>Testa</a:t>
+            </a:r>
+            <a:endParaRPr lang="en-US" dirty="0"/>
           </a:p>
         </p:txBody>
       </p:sp>
@@ -19219,112 +19867,6 @@
       </p:pic>
       <p:sp>
         <p:nvSpPr>
-          <p:cNvPr id="2" name="Espace réservé du numéro de diapositive 1"/>
-          <p:cNvSpPr>
-            <a:spLocks noGrp="1"/>
-          </p:cNvSpPr>
-          <p:nvPr>
-            <p:ph type="sldNum" sz="quarter" idx="12"/>
-          </p:nvPr>
-        </p:nvSpPr>
-        <p:spPr/>
-        <p:txBody>
-          <a:bodyPr/>
-          <a:lstStyle/>
-          <a:p>
-            <a:fld id="{33D6E5A2-EC83-451F-A719-9AC1370DD5CF}" type="slidenum">
-              <a:rPr lang="fr-FR" smtClean="0"/>
-              <a:pPr/>
-              <a:t>5</a:t>
-            </a:fld>
-            <a:r>
-              <a:rPr lang="fr-FR" dirty="0" smtClean="0"/>
-              <a:t>/26</a:t>
-            </a:r>
-            <a:endParaRPr lang="fr-FR" dirty="0"/>
-          </a:p>
-        </p:txBody>
-      </p:sp>
-      <p:sp>
-        <p:nvSpPr>
-          <p:cNvPr id="3" name="Espace réservé du pied de page 2"/>
-          <p:cNvSpPr>
-            <a:spLocks noGrp="1"/>
-          </p:cNvSpPr>
-          <p:nvPr>
-            <p:ph type="ftr" sz="quarter" idx="11"/>
-          </p:nvPr>
-        </p:nvSpPr>
-        <p:spPr>
-          <a:xfrm>
-            <a:off x="3352800" y="6356350"/>
-            <a:ext cx="3379440" cy="365125"/>
-          </a:xfrm>
-        </p:spPr>
-        <p:txBody>
-          <a:bodyPr/>
-          <a:lstStyle/>
-          <a:p>
-            <a:r>
-              <a:rPr kumimoji="0" lang="fr-FR" dirty="0" smtClean="0"/>
-              <a:t>Master 2 – Computer Science – </a:t>
-            </a:r>
-            <a:r>
-              <a:rPr kumimoji="0" lang="fr-FR" dirty="0" err="1" smtClean="0"/>
-              <a:t>Authors</a:t>
-            </a:r>
-            <a:r>
-              <a:rPr kumimoji="0" lang="fr-FR" dirty="0" smtClean="0"/>
-              <a:t> :</a:t>
-            </a:r>
-          </a:p>
-          <a:p>
-            <a:r>
-              <a:rPr kumimoji="0" lang="fr-FR" dirty="0" smtClean="0"/>
-              <a:t> </a:t>
-            </a:r>
-            <a:r>
-              <a:rPr kumimoji="0" lang="fr-FR" dirty="0" err="1" smtClean="0"/>
-              <a:t>fcastagn</a:t>
-            </a:r>
-            <a:r>
-              <a:rPr kumimoji="0" lang="fr-FR" dirty="0" smtClean="0"/>
-              <a:t>, </a:t>
-            </a:r>
-            <a:r>
-              <a:rPr kumimoji="0" lang="fr-FR" dirty="0" err="1" smtClean="0"/>
-              <a:t>jetcheve</a:t>
-            </a:r>
-            <a:r>
-              <a:rPr kumimoji="0" lang="fr-FR" dirty="0" smtClean="0"/>
-              <a:t>, </a:t>
-            </a:r>
-            <a:r>
-              <a:rPr kumimoji="0" lang="fr-FR" dirty="0" err="1" smtClean="0"/>
-              <a:t>hpaziews</a:t>
-            </a:r>
-            <a:r>
-              <a:rPr kumimoji="0" lang="fr-FR" dirty="0" smtClean="0"/>
-              <a:t>, </a:t>
-            </a:r>
-            <a:r>
-              <a:rPr kumimoji="0" lang="fr-FR" dirty="0" err="1" smtClean="0"/>
-              <a:t>altessie</a:t>
-            </a:r>
-            <a:r>
-              <a:rPr kumimoji="0" lang="fr-FR" dirty="0" smtClean="0"/>
-              <a:t> &amp; </a:t>
-            </a:r>
-            <a:r>
-              <a:rPr kumimoji="0" lang="fr-FR" dirty="0" err="1" smtClean="0"/>
-              <a:t>mtesta</a:t>
-            </a:r>
-            <a:endParaRPr kumimoji="0" lang="fr-FR" dirty="0"/>
-          </a:p>
-        </p:txBody>
-      </p:sp>
-      <p:sp>
-        <p:nvSpPr>
           <p:cNvPr id="8" name="CustomShape 3"/>
           <p:cNvSpPr/>
           <p:nvPr/>
@@ -19644,6 +20186,102 @@
               <a:t>Waypoint</a:t>
             </a:r>
             <a:endParaRPr lang="fr-FR" sz="1200" dirty="0"/>
+          </a:p>
+        </p:txBody>
+      </p:sp>
+      <p:sp>
+        <p:nvSpPr>
+          <p:cNvPr id="14" name="Espace réservé du pied de page 5"/>
+          <p:cNvSpPr>
+            <a:spLocks noGrp="1"/>
+          </p:cNvSpPr>
+          <p:nvPr>
+            <p:ph type="ftr" sz="quarter" idx="11"/>
+          </p:nvPr>
+        </p:nvSpPr>
+        <p:spPr>
+          <a:xfrm>
+            <a:off x="3352800" y="6356350"/>
+            <a:ext cx="3235424" cy="365125"/>
+          </a:xfrm>
+        </p:spPr>
+        <p:txBody>
+          <a:bodyPr/>
+          <a:lstStyle/>
+          <a:p>
+            <a:r>
+              <a:rPr lang="en-US" dirty="0"/>
+              <a:t>Master 2 – Computer Science – Authors : </a:t>
+            </a:r>
+            <a:r>
+              <a:rPr lang="en-US" dirty="0" err="1"/>
+              <a:t>Castagnet</a:t>
+            </a:r>
+            <a:r>
+              <a:rPr lang="en-US" dirty="0"/>
+              <a:t>, </a:t>
+            </a:r>
+            <a:r>
+              <a:rPr lang="en-US" dirty="0" err="1"/>
+              <a:t>Etcheverry</a:t>
+            </a:r>
+            <a:r>
+              <a:rPr lang="en-US" dirty="0"/>
+              <a:t>, </a:t>
+            </a:r>
+            <a:r>
+              <a:rPr lang="en-US" dirty="0" err="1"/>
+              <a:t>Paziewski</a:t>
+            </a:r>
+            <a:r>
+              <a:rPr lang="en-US" dirty="0"/>
+              <a:t>, </a:t>
+            </a:r>
+            <a:r>
+              <a:rPr lang="en-US" dirty="0" err="1"/>
+              <a:t>Tessier</a:t>
+            </a:r>
+            <a:r>
+              <a:rPr lang="en-US" dirty="0"/>
+              <a:t>, </a:t>
+            </a:r>
+            <a:r>
+              <a:rPr lang="en-US" dirty="0" err="1"/>
+              <a:t>Testa</a:t>
+            </a:r>
+            <a:endParaRPr lang="en-US" dirty="0"/>
+          </a:p>
+        </p:txBody>
+      </p:sp>
+      <p:sp>
+        <p:nvSpPr>
+          <p:cNvPr id="15" name="Espace réservé du numéro de diapositive 2"/>
+          <p:cNvSpPr>
+            <a:spLocks noGrp="1"/>
+          </p:cNvSpPr>
+          <p:nvPr>
+            <p:ph type="sldNum" sz="quarter" idx="12"/>
+          </p:nvPr>
+        </p:nvSpPr>
+        <p:spPr>
+          <a:xfrm>
+            <a:off x="6705600" y="6356350"/>
+            <a:ext cx="2133600" cy="365125"/>
+          </a:xfrm>
+        </p:spPr>
+        <p:txBody>
+          <a:bodyPr/>
+          <a:lstStyle/>
+          <a:p>
+            <a:r>
+              <a:rPr lang="fr-FR" dirty="0"/>
+              <a:t>5</a:t>
+            </a:r>
+            <a:r>
+              <a:rPr lang="fr-FR" dirty="0" smtClean="0"/>
+              <a:t>/26</a:t>
+            </a:r>
+            <a:endParaRPr lang="fr-FR" dirty="0"/>
           </a:p>
         </p:txBody>
       </p:sp>
@@ -19742,84 +20380,6 @@
       </p:sp>
       <p:sp>
         <p:nvSpPr>
-          <p:cNvPr id="3" name="Espace réservé du pied de page 2"/>
-          <p:cNvSpPr>
-            <a:spLocks noGrp="1"/>
-          </p:cNvSpPr>
-          <p:nvPr>
-            <p:ph type="ftr" sz="quarter" idx="11"/>
-          </p:nvPr>
-        </p:nvSpPr>
-        <p:spPr>
-          <a:xfrm>
-            <a:off x="3352800" y="6356350"/>
-            <a:ext cx="3379440" cy="365125"/>
-          </a:xfrm>
-        </p:spPr>
-        <p:txBody>
-          <a:bodyPr/>
-          <a:lstStyle/>
-          <a:p>
-            <a:r>
-              <a:rPr kumimoji="0" lang="fr-FR" dirty="0" smtClean="0"/>
-              <a:t>Master 2 – Computer Science – </a:t>
-            </a:r>
-            <a:r>
-              <a:rPr kumimoji="0" lang="fr-FR" dirty="0" err="1" smtClean="0"/>
-              <a:t>Authors</a:t>
-            </a:r>
-            <a:r>
-              <a:rPr kumimoji="0" lang="fr-FR" dirty="0" smtClean="0"/>
-              <a:t> :</a:t>
-            </a:r>
-          </a:p>
-          <a:p>
-            <a:r>
-              <a:rPr kumimoji="0" lang="fr-FR" dirty="0" smtClean="0"/>
-              <a:t> </a:t>
-            </a:r>
-            <a:r>
-              <a:rPr kumimoji="0" lang="fr-FR" dirty="0" err="1" smtClean="0"/>
-              <a:t>fcastagn</a:t>
-            </a:r>
-            <a:r>
-              <a:rPr kumimoji="0" lang="fr-FR" dirty="0" smtClean="0"/>
-              <a:t>, </a:t>
-            </a:r>
-            <a:r>
-              <a:rPr kumimoji="0" lang="fr-FR" dirty="0" err="1" smtClean="0"/>
-              <a:t>jetcheve</a:t>
-            </a:r>
-            <a:r>
-              <a:rPr kumimoji="0" lang="fr-FR" dirty="0" smtClean="0"/>
-              <a:t>, </a:t>
-            </a:r>
-            <a:r>
-              <a:rPr kumimoji="0" lang="fr-FR" dirty="0" err="1" smtClean="0"/>
-              <a:t>hpaziews</a:t>
-            </a:r>
-            <a:r>
-              <a:rPr kumimoji="0" lang="fr-FR" dirty="0" smtClean="0"/>
-              <a:t>, </a:t>
-            </a:r>
-            <a:r>
-              <a:rPr kumimoji="0" lang="fr-FR" dirty="0" err="1" smtClean="0"/>
-              <a:t>altessie</a:t>
-            </a:r>
-            <a:r>
-              <a:rPr kumimoji="0" lang="fr-FR" dirty="0" smtClean="0"/>
-              <a:t> &amp; </a:t>
-            </a:r>
-            <a:r>
-              <a:rPr kumimoji="0" lang="fr-FR" dirty="0" err="1" smtClean="0"/>
-              <a:t>mtesta</a:t>
-            </a:r>
-            <a:endParaRPr kumimoji="0" lang="fr-FR" dirty="0"/>
-          </a:p>
-        </p:txBody>
-      </p:sp>
-      <p:sp>
-        <p:nvSpPr>
           <p:cNvPr id="8" name="CustomShape 3"/>
           <p:cNvSpPr/>
           <p:nvPr/>
@@ -20065,11 +20625,7 @@
           <a:p>
             <a:r>
               <a:rPr lang="fr-FR" sz="1200" dirty="0" smtClean="0"/>
-              <a:t>[3] </a:t>
-            </a:r>
-            <a:r>
-              <a:rPr lang="fr-FR" sz="1200" dirty="0" smtClean="0"/>
-              <a:t>: Street scenario </a:t>
+              <a:t>[3] : Street scenario </a:t>
             </a:r>
             <a:r>
               <a:rPr lang="fr-FR" sz="1200" dirty="0" err="1" smtClean="0"/>
@@ -20153,6 +20709,70 @@
           </a:prstGeom>
         </p:spPr>
       </p:pic>
+      <p:sp>
+        <p:nvSpPr>
+          <p:cNvPr id="14" name="Espace réservé du pied de page 5"/>
+          <p:cNvSpPr>
+            <a:spLocks noGrp="1"/>
+          </p:cNvSpPr>
+          <p:nvPr>
+            <p:ph type="ftr" sz="quarter" idx="11"/>
+          </p:nvPr>
+        </p:nvSpPr>
+        <p:spPr>
+          <a:xfrm>
+            <a:off x="3352800" y="6356350"/>
+            <a:ext cx="3235424" cy="365125"/>
+          </a:xfrm>
+        </p:spPr>
+        <p:txBody>
+          <a:bodyPr/>
+          <a:lstStyle/>
+          <a:p>
+            <a:r>
+              <a:rPr lang="en-US" dirty="0"/>
+              <a:t>Master 2 – Computer Science – Authors : </a:t>
+            </a:r>
+            <a:r>
+              <a:rPr lang="en-US" dirty="0" err="1"/>
+              <a:t>Castagnet</a:t>
+            </a:r>
+            <a:r>
+              <a:rPr lang="en-US" dirty="0"/>
+              <a:t>, </a:t>
+            </a:r>
+            <a:r>
+              <a:rPr lang="en-US" dirty="0" err="1"/>
+              <a:t>Etcheverry</a:t>
+            </a:r>
+            <a:r>
+              <a:rPr lang="en-US" dirty="0"/>
+              <a:t>, </a:t>
+            </a:r>
+            <a:r>
+              <a:rPr lang="en-US" dirty="0" err="1"/>
+              <a:t>Paziewski</a:t>
+            </a:r>
+            <a:r>
+              <a:rPr lang="en-US" dirty="0"/>
+              <a:t>, </a:t>
+            </a:r>
+            <a:r>
+              <a:rPr lang="en-US" dirty="0" err="1"/>
+              <a:t>Tessier</a:t>
+            </a:r>
+            <a:r>
+              <a:rPr lang="en-US" dirty="0"/>
+              <a:t>, </a:t>
+            </a:r>
+            <a:r>
+              <a:rPr lang="en-US" dirty="0" err="1"/>
+              <a:t>Testa</a:t>
+            </a:r>
+            <a:endParaRPr lang="en-US" dirty="0"/>
+          </a:p>
+        </p:txBody>
+      </p:sp>
     </p:spTree>
     <p:extLst>
       <p:ext uri="{BB962C8B-B14F-4D97-AF65-F5344CB8AC3E}">
@@ -20253,80 +20873,6 @@
       </p:sp>
       <p:sp>
         <p:nvSpPr>
-          <p:cNvPr id="3" name="Espace réservé du pied de page 2"/>
-          <p:cNvSpPr>
-            <a:spLocks noGrp="1"/>
-          </p:cNvSpPr>
-          <p:nvPr>
-            <p:ph type="ftr" sz="quarter" idx="11"/>
-          </p:nvPr>
-        </p:nvSpPr>
-        <p:spPr>
-          <a:xfrm>
-            <a:off x="3352800" y="6356350"/>
-            <a:ext cx="3451448" cy="365125"/>
-          </a:xfrm>
-        </p:spPr>
-        <p:txBody>
-          <a:bodyPr/>
-          <a:lstStyle/>
-          <a:p>
-            <a:r>
-              <a:rPr kumimoji="0" lang="fr-FR" dirty="0" smtClean="0"/>
-              <a:t>Master 2 – Computer Science – </a:t>
-            </a:r>
-            <a:r>
-              <a:rPr kumimoji="0" lang="fr-FR" dirty="0" err="1" smtClean="0"/>
-              <a:t>Authors</a:t>
-            </a:r>
-            <a:r>
-              <a:rPr kumimoji="0" lang="fr-FR" dirty="0" smtClean="0"/>
-              <a:t> : </a:t>
-            </a:r>
-          </a:p>
-          <a:p>
-            <a:r>
-              <a:rPr kumimoji="0" lang="fr-FR" dirty="0" err="1" smtClean="0"/>
-              <a:t>fcastagn</a:t>
-            </a:r>
-            <a:r>
-              <a:rPr kumimoji="0" lang="fr-FR" dirty="0" smtClean="0"/>
-              <a:t>, </a:t>
-            </a:r>
-            <a:r>
-              <a:rPr kumimoji="0" lang="fr-FR" dirty="0" err="1" smtClean="0"/>
-              <a:t>jetcheve</a:t>
-            </a:r>
-            <a:r>
-              <a:rPr kumimoji="0" lang="fr-FR" dirty="0" smtClean="0"/>
-              <a:t>, </a:t>
-            </a:r>
-            <a:r>
-              <a:rPr kumimoji="0" lang="fr-FR" dirty="0" err="1" smtClean="0"/>
-              <a:t>hpaziews</a:t>
-            </a:r>
-            <a:r>
-              <a:rPr kumimoji="0" lang="fr-FR" dirty="0" smtClean="0"/>
-              <a:t>, </a:t>
-            </a:r>
-            <a:r>
-              <a:rPr kumimoji="0" lang="fr-FR" dirty="0" err="1" smtClean="0"/>
-              <a:t>altessie</a:t>
-            </a:r>
-            <a:r>
-              <a:rPr kumimoji="0" lang="fr-FR" dirty="0" smtClean="0"/>
-              <a:t> &amp; </a:t>
-            </a:r>
-            <a:r>
-              <a:rPr kumimoji="0" lang="fr-FR" dirty="0" err="1" smtClean="0"/>
-              <a:t>mtesta</a:t>
-            </a:r>
-            <a:endParaRPr kumimoji="0" lang="fr-FR" dirty="0"/>
-          </a:p>
-        </p:txBody>
-      </p:sp>
-      <p:sp>
-        <p:nvSpPr>
           <p:cNvPr id="7" name="Title 1"/>
           <p:cNvSpPr txBox="1">
             <a:spLocks/>
@@ -20370,19 +20916,7 @@
             <a:pPr algn="ctr"/>
             <a:r>
               <a:rPr lang="fr-FR" dirty="0" smtClean="0"/>
-              <a:t>Our </a:t>
-            </a:r>
-            <a:r>
-              <a:rPr lang="fr-FR" dirty="0"/>
-              <a:t>a</a:t>
-            </a:r>
-            <a:r>
-              <a:rPr lang="fr-FR" dirty="0" smtClean="0"/>
-              <a:t>rticle </a:t>
-            </a:r>
-            <a:r>
-              <a:rPr lang="fr-FR" dirty="0" err="1" smtClean="0"/>
-              <a:t>studied</a:t>
+              <a:t>About the article</a:t>
             </a:r>
             <a:endParaRPr lang="fr-FR" dirty="0"/>
           </a:p>
@@ -20816,6 +21350,70 @@
           </a:extLst>
         </p:spPr>
       </p:pic>
+      <p:sp>
+        <p:nvSpPr>
+          <p:cNvPr id="8" name="Espace réservé du pied de page 5"/>
+          <p:cNvSpPr>
+            <a:spLocks noGrp="1"/>
+          </p:cNvSpPr>
+          <p:nvPr>
+            <p:ph type="ftr" sz="quarter" idx="11"/>
+          </p:nvPr>
+        </p:nvSpPr>
+        <p:spPr>
+          <a:xfrm>
+            <a:off x="3352800" y="6309320"/>
+            <a:ext cx="3235424" cy="365125"/>
+          </a:xfrm>
+        </p:spPr>
+        <p:txBody>
+          <a:bodyPr/>
+          <a:lstStyle/>
+          <a:p>
+            <a:r>
+              <a:rPr lang="en-US" dirty="0"/>
+              <a:t>Master 2 – Computer Science – Authors : </a:t>
+            </a:r>
+            <a:r>
+              <a:rPr lang="en-US" dirty="0" err="1"/>
+              <a:t>Castagnet</a:t>
+            </a:r>
+            <a:r>
+              <a:rPr lang="en-US" dirty="0"/>
+              <a:t>, </a:t>
+            </a:r>
+            <a:r>
+              <a:rPr lang="en-US" dirty="0" err="1"/>
+              <a:t>Etcheverry</a:t>
+            </a:r>
+            <a:r>
+              <a:rPr lang="en-US" dirty="0"/>
+              <a:t>, </a:t>
+            </a:r>
+            <a:r>
+              <a:rPr lang="en-US" dirty="0" err="1"/>
+              <a:t>Paziewski</a:t>
+            </a:r>
+            <a:r>
+              <a:rPr lang="en-US" dirty="0"/>
+              <a:t>, </a:t>
+            </a:r>
+            <a:r>
+              <a:rPr lang="en-US" dirty="0" err="1"/>
+              <a:t>Tessier</a:t>
+            </a:r>
+            <a:r>
+              <a:rPr lang="en-US" dirty="0"/>
+              <a:t>, </a:t>
+            </a:r>
+            <a:r>
+              <a:rPr lang="en-US" dirty="0" err="1"/>
+              <a:t>Testa</a:t>
+            </a:r>
+            <a:endParaRPr lang="en-US" dirty="0"/>
+          </a:p>
+        </p:txBody>
+      </p:sp>
     </p:spTree>
     <p:extLst>
       <p:ext uri="{BB962C8B-B14F-4D97-AF65-F5344CB8AC3E}">
@@ -20940,84 +21538,6 @@
               <a:t>/26</a:t>
             </a:r>
             <a:endParaRPr lang="fr-FR" dirty="0"/>
-          </a:p>
-        </p:txBody>
-      </p:sp>
-      <p:sp>
-        <p:nvSpPr>
-          <p:cNvPr id="3" name="Espace réservé du pied de page 2"/>
-          <p:cNvSpPr>
-            <a:spLocks noGrp="1"/>
-          </p:cNvSpPr>
-          <p:nvPr>
-            <p:ph type="ftr" sz="quarter" idx="11"/>
-          </p:nvPr>
-        </p:nvSpPr>
-        <p:spPr>
-          <a:xfrm>
-            <a:off x="3352800" y="6356350"/>
-            <a:ext cx="3739480" cy="365125"/>
-          </a:xfrm>
-        </p:spPr>
-        <p:txBody>
-          <a:bodyPr/>
-          <a:lstStyle/>
-          <a:p>
-            <a:r>
-              <a:rPr kumimoji="0" lang="fr-FR" dirty="0" smtClean="0"/>
-              <a:t>Master 2 – Computer Science – </a:t>
-            </a:r>
-            <a:r>
-              <a:rPr kumimoji="0" lang="fr-FR" dirty="0" err="1" smtClean="0"/>
-              <a:t>Authors</a:t>
-            </a:r>
-            <a:r>
-              <a:rPr kumimoji="0" lang="fr-FR" dirty="0" smtClean="0"/>
-              <a:t> :</a:t>
-            </a:r>
-          </a:p>
-          <a:p>
-            <a:r>
-              <a:rPr kumimoji="0" lang="fr-FR" dirty="0" smtClean="0"/>
-              <a:t> </a:t>
-            </a:r>
-            <a:r>
-              <a:rPr kumimoji="0" lang="fr-FR" dirty="0" err="1" smtClean="0"/>
-              <a:t>fcastagn</a:t>
-            </a:r>
-            <a:r>
-              <a:rPr kumimoji="0" lang="fr-FR" dirty="0" smtClean="0"/>
-              <a:t>, </a:t>
-            </a:r>
-            <a:r>
-              <a:rPr kumimoji="0" lang="fr-FR" dirty="0" err="1" smtClean="0"/>
-              <a:t>jetcheve</a:t>
-            </a:r>
-            <a:r>
-              <a:rPr kumimoji="0" lang="fr-FR" dirty="0" smtClean="0"/>
-              <a:t>, </a:t>
-            </a:r>
-            <a:r>
-              <a:rPr kumimoji="0" lang="fr-FR" dirty="0" err="1" smtClean="0"/>
-              <a:t>hpaziews</a:t>
-            </a:r>
-            <a:r>
-              <a:rPr kumimoji="0" lang="fr-FR" dirty="0" smtClean="0"/>
-              <a:t>, </a:t>
-            </a:r>
-            <a:r>
-              <a:rPr kumimoji="0" lang="fr-FR" dirty="0" err="1" smtClean="0"/>
-              <a:t>altessie</a:t>
-            </a:r>
-            <a:r>
-              <a:rPr kumimoji="0" lang="fr-FR" dirty="0" smtClean="0"/>
-              <a:t> &amp; </a:t>
-            </a:r>
-            <a:r>
-              <a:rPr kumimoji="0" lang="fr-FR" dirty="0" err="1" smtClean="0"/>
-              <a:t>mtesta</a:t>
-            </a:r>
-            <a:endParaRPr kumimoji="0" lang="fr-FR" dirty="0"/>
           </a:p>
         </p:txBody>
       </p:sp>
@@ -21282,11 +21802,7 @@
             </a:r>
             <a:r>
               <a:rPr lang="fr-FR" sz="2800" dirty="0" smtClean="0"/>
-              <a:t> </a:t>
-            </a:r>
-            <a:r>
-              <a:rPr lang="fr-FR" sz="2800" dirty="0" smtClean="0"/>
-              <a:t>drone </a:t>
+              <a:t> drone </a:t>
             </a:r>
             <a:r>
               <a:rPr lang="fr-FR" sz="2800" dirty="0" err="1" smtClean="0"/>
@@ -21330,6 +21846,112 @@
               <a:t>target</a:t>
             </a:r>
             <a:endParaRPr lang="fr-FR" sz="2800" dirty="0"/>
+          </a:p>
+        </p:txBody>
+      </p:sp>
+      <p:sp>
+        <p:nvSpPr>
+          <p:cNvPr id="8" name="Espace réservé du pied de page 5"/>
+          <p:cNvSpPr>
+            <a:spLocks noGrp="1"/>
+          </p:cNvSpPr>
+          <p:nvPr>
+            <p:ph type="ftr" sz="quarter" idx="11"/>
+          </p:nvPr>
+        </p:nvSpPr>
+        <p:spPr>
+          <a:xfrm>
+            <a:off x="3352800" y="6356350"/>
+            <a:ext cx="3235424" cy="365125"/>
+          </a:xfrm>
+        </p:spPr>
+        <p:txBody>
+          <a:bodyPr/>
+          <a:lstStyle/>
+          <a:p>
+            <a:r>
+              <a:rPr lang="en-US" dirty="0"/>
+              <a:t>Master 2 – Computer Science – Authors : </a:t>
+            </a:r>
+            <a:r>
+              <a:rPr lang="en-US" dirty="0" err="1"/>
+              <a:t>Castagnet</a:t>
+            </a:r>
+            <a:r>
+              <a:rPr lang="en-US" dirty="0"/>
+              <a:t>, </a:t>
+            </a:r>
+            <a:r>
+              <a:rPr lang="en-US" dirty="0" err="1"/>
+              <a:t>Etcheverry</a:t>
+            </a:r>
+            <a:r>
+              <a:rPr lang="en-US" dirty="0"/>
+              <a:t>, </a:t>
+            </a:r>
+            <a:r>
+              <a:rPr lang="en-US" dirty="0" err="1"/>
+              <a:t>Paziewski</a:t>
+            </a:r>
+            <a:r>
+              <a:rPr lang="en-US" dirty="0"/>
+              <a:t>, </a:t>
+            </a:r>
+            <a:r>
+              <a:rPr lang="en-US" dirty="0" err="1"/>
+              <a:t>Tessier</a:t>
+            </a:r>
+            <a:r>
+              <a:rPr lang="en-US" dirty="0"/>
+              <a:t>, </a:t>
+            </a:r>
+            <a:r>
+              <a:rPr lang="en-US" dirty="0" err="1"/>
+              <a:t>Testa</a:t>
+            </a:r>
+            <a:endParaRPr lang="en-US" dirty="0"/>
+          </a:p>
+        </p:txBody>
+      </p:sp>
+      <p:sp>
+        <p:nvSpPr>
+          <p:cNvPr id="9" name="ZoneTexte 8"/>
+          <p:cNvSpPr txBox="1"/>
+          <p:nvPr/>
+        </p:nvSpPr>
+        <p:spPr>
+          <a:xfrm>
+            <a:off x="90987" y="0"/>
+            <a:ext cx="2225824" cy="646331"/>
+          </a:xfrm>
+          <a:prstGeom prst="rect">
+            <a:avLst/>
+          </a:prstGeom>
+          <a:noFill/>
+        </p:spPr>
+        <p:txBody>
+          <a:bodyPr wrap="square" rtlCol="0">
+            <a:spAutoFit/>
+          </a:bodyPr>
+          <a:lstStyle/>
+          <a:p>
+            <a:r>
+              <a:rPr lang="fr-FR" dirty="0" err="1" smtClean="0"/>
+              <a:t>Models</a:t>
+            </a:r>
+            <a:r>
+              <a:rPr lang="fr-FR" dirty="0" smtClean="0"/>
+              <a:t> </a:t>
+            </a:r>
+            <a:r>
+              <a:rPr lang="fr-FR" dirty="0" err="1" smtClean="0"/>
+              <a:t>from</a:t>
+            </a:r>
+            <a:r>
+              <a:rPr lang="fr-FR" dirty="0" smtClean="0"/>
+              <a:t> the article</a:t>
+            </a:r>
+            <a:endParaRPr lang="fr-FR" dirty="0"/>
           </a:p>
         </p:txBody>
       </p:sp>
@@ -21527,80 +22149,6 @@
           </a:p>
         </p:txBody>
       </p:sp>
-      <p:sp>
-        <p:nvSpPr>
-          <p:cNvPr id="3" name="Espace réservé du pied de page 2"/>
-          <p:cNvSpPr>
-            <a:spLocks noGrp="1"/>
-          </p:cNvSpPr>
-          <p:nvPr>
-            <p:ph type="ftr" sz="quarter" idx="11"/>
-          </p:nvPr>
-        </p:nvSpPr>
-        <p:spPr>
-          <a:xfrm>
-            <a:off x="3352800" y="6356350"/>
-            <a:ext cx="3451448" cy="365125"/>
-          </a:xfrm>
-        </p:spPr>
-        <p:txBody>
-          <a:bodyPr/>
-          <a:lstStyle/>
-          <a:p>
-            <a:r>
-              <a:rPr kumimoji="0" lang="fr-FR" dirty="0" smtClean="0"/>
-              <a:t>Master 2 – Computer Science – </a:t>
-            </a:r>
-            <a:r>
-              <a:rPr kumimoji="0" lang="fr-FR" dirty="0" err="1" smtClean="0"/>
-              <a:t>Authors</a:t>
-            </a:r>
-            <a:r>
-              <a:rPr kumimoji="0" lang="fr-FR" dirty="0" smtClean="0"/>
-              <a:t> : </a:t>
-            </a:r>
-          </a:p>
-          <a:p>
-            <a:r>
-              <a:rPr kumimoji="0" lang="fr-FR" dirty="0" err="1" smtClean="0"/>
-              <a:t>fcastagn</a:t>
-            </a:r>
-            <a:r>
-              <a:rPr kumimoji="0" lang="fr-FR" dirty="0" smtClean="0"/>
-              <a:t>, </a:t>
-            </a:r>
-            <a:r>
-              <a:rPr kumimoji="0" lang="fr-FR" dirty="0" err="1" smtClean="0"/>
-              <a:t>jetcheve</a:t>
-            </a:r>
-            <a:r>
-              <a:rPr kumimoji="0" lang="fr-FR" dirty="0" smtClean="0"/>
-              <a:t>, </a:t>
-            </a:r>
-            <a:r>
-              <a:rPr kumimoji="0" lang="fr-FR" dirty="0" err="1" smtClean="0"/>
-              <a:t>hpaziews</a:t>
-            </a:r>
-            <a:r>
-              <a:rPr kumimoji="0" lang="fr-FR" dirty="0" smtClean="0"/>
-              <a:t>, </a:t>
-            </a:r>
-            <a:r>
-              <a:rPr kumimoji="0" lang="fr-FR" dirty="0" err="1" smtClean="0"/>
-              <a:t>altessie</a:t>
-            </a:r>
-            <a:r>
-              <a:rPr kumimoji="0" lang="fr-FR" dirty="0" smtClean="0"/>
-              <a:t> &amp; </a:t>
-            </a:r>
-            <a:r>
-              <a:rPr kumimoji="0" lang="fr-FR" dirty="0" err="1" smtClean="0"/>
-              <a:t>mtesta</a:t>
-            </a:r>
-            <a:endParaRPr kumimoji="0" lang="fr-FR" dirty="0"/>
-          </a:p>
-        </p:txBody>
-      </p:sp>
       <p:pic>
         <p:nvPicPr>
           <p:cNvPr id="10" name="Picture 2"/>
@@ -21776,6 +22324,112 @@
               <a:rPr lang="fr-FR" sz="3200" dirty="0"/>
               <a:t> model</a:t>
             </a:r>
+          </a:p>
+        </p:txBody>
+      </p:sp>
+      <p:sp>
+        <p:nvSpPr>
+          <p:cNvPr id="14" name="Espace réservé du pied de page 5"/>
+          <p:cNvSpPr>
+            <a:spLocks noGrp="1"/>
+          </p:cNvSpPr>
+          <p:nvPr>
+            <p:ph type="ftr" sz="quarter" idx="11"/>
+          </p:nvPr>
+        </p:nvSpPr>
+        <p:spPr>
+          <a:xfrm>
+            <a:off x="3352800" y="6356350"/>
+            <a:ext cx="3235424" cy="365125"/>
+          </a:xfrm>
+        </p:spPr>
+        <p:txBody>
+          <a:bodyPr/>
+          <a:lstStyle/>
+          <a:p>
+            <a:r>
+              <a:rPr lang="en-US" dirty="0"/>
+              <a:t>Master 2 – Computer Science – Authors : </a:t>
+            </a:r>
+            <a:r>
+              <a:rPr lang="en-US" dirty="0" err="1"/>
+              <a:t>Castagnet</a:t>
+            </a:r>
+            <a:r>
+              <a:rPr lang="en-US" dirty="0"/>
+              <a:t>, </a:t>
+            </a:r>
+            <a:r>
+              <a:rPr lang="en-US" dirty="0" err="1"/>
+              <a:t>Etcheverry</a:t>
+            </a:r>
+            <a:r>
+              <a:rPr lang="en-US" dirty="0"/>
+              <a:t>, </a:t>
+            </a:r>
+            <a:r>
+              <a:rPr lang="en-US" dirty="0" err="1"/>
+              <a:t>Paziewski</a:t>
+            </a:r>
+            <a:r>
+              <a:rPr lang="en-US" dirty="0"/>
+              <a:t>, </a:t>
+            </a:r>
+            <a:r>
+              <a:rPr lang="en-US" dirty="0" err="1"/>
+              <a:t>Tessier</a:t>
+            </a:r>
+            <a:r>
+              <a:rPr lang="en-US" dirty="0"/>
+              <a:t>, </a:t>
+            </a:r>
+            <a:r>
+              <a:rPr lang="en-US" dirty="0" err="1"/>
+              <a:t>Testa</a:t>
+            </a:r>
+            <a:endParaRPr lang="en-US" dirty="0"/>
+          </a:p>
+        </p:txBody>
+      </p:sp>
+      <p:sp>
+        <p:nvSpPr>
+          <p:cNvPr id="15" name="ZoneTexte 14"/>
+          <p:cNvSpPr txBox="1"/>
+          <p:nvPr/>
+        </p:nvSpPr>
+        <p:spPr>
+          <a:xfrm>
+            <a:off x="90987" y="0"/>
+            <a:ext cx="2225824" cy="646331"/>
+          </a:xfrm>
+          <a:prstGeom prst="rect">
+            <a:avLst/>
+          </a:prstGeom>
+          <a:noFill/>
+        </p:spPr>
+        <p:txBody>
+          <a:bodyPr wrap="square" rtlCol="0">
+            <a:spAutoFit/>
+          </a:bodyPr>
+          <a:lstStyle/>
+          <a:p>
+            <a:r>
+              <a:rPr lang="fr-FR" dirty="0" err="1" smtClean="0"/>
+              <a:t>Models</a:t>
+            </a:r>
+            <a:r>
+              <a:rPr lang="fr-FR" dirty="0" smtClean="0"/>
+              <a:t> </a:t>
+            </a:r>
+            <a:r>
+              <a:rPr lang="fr-FR" dirty="0" err="1" smtClean="0"/>
+              <a:t>from</a:t>
+            </a:r>
+            <a:r>
+              <a:rPr lang="fr-FR" dirty="0" smtClean="0"/>
+              <a:t> the article</a:t>
+            </a:r>
+            <a:endParaRPr lang="fr-FR" dirty="0"/>
           </a:p>
         </p:txBody>
       </p:sp>

--- a/ressources/presentation/PresentationPER_Desbarats_V3.pptx
+++ b/ressources/presentation/PresentationPER_Desbarats_V3.pptx
@@ -255,13 +255,19 @@
           <a:lstStyle/>
           <a:p>
             <a:pPr>
-              <a:defRPr sz="1400" b="0" i="0" u="none" strike="noStrike" kern="1200" spc="0" baseline="0">
+              <a:defRPr sz="1600" b="1" i="0" u="none" strike="noStrike" kern="1200" spc="100" baseline="0">
                 <a:solidFill>
-                  <a:schemeClr val="tx1">
-                    <a:lumMod val="65000"/>
-                    <a:lumOff val="35000"/>
+                  <a:schemeClr val="lt1">
+                    <a:lumMod val="95000"/>
                   </a:schemeClr>
                 </a:solidFill>
+                <a:effectLst>
+                  <a:outerShdw blurRad="50800" dist="38100" dir="5400000" algn="t" rotWithShape="0">
+                    <a:prstClr val="black">
+                      <a:alpha val="40000"/>
+                    </a:prstClr>
+                  </a:outerShdw>
+                </a:effectLst>
                 <a:latin typeface="+mn-lt"/>
                 <a:ea typeface="+mn-ea"/>
                 <a:cs typeface="+mn-cs"/>
@@ -269,8 +275,13 @@
             </a:pPr>
             <a:r>
               <a:rPr lang="fr-FR"/>
-              <a:t>Scan coverage</a:t>
-            </a:r>
+              <a:t>Scan</a:t>
+            </a:r>
+            <a:r>
+              <a:rPr lang="fr-FR" baseline="0"/>
+              <a:t> coverage</a:t>
+            </a:r>
+            <a:endParaRPr lang="fr-FR"/>
           </a:p>
         </c:rich>
       </c:tx>
@@ -288,13 +299,19 @@
         <a:lstStyle/>
         <a:p>
           <a:pPr>
-            <a:defRPr sz="1400" b="0" i="0" u="none" strike="noStrike" kern="1200" spc="0" baseline="0">
+            <a:defRPr sz="1600" b="1" i="0" u="none" strike="noStrike" kern="1200" spc="100" baseline="0">
               <a:solidFill>
-                <a:schemeClr val="tx1">
-                  <a:lumMod val="65000"/>
-                  <a:lumOff val="35000"/>
+                <a:schemeClr val="lt1">
+                  <a:lumMod val="95000"/>
                 </a:schemeClr>
               </a:solidFill>
+              <a:effectLst>
+                <a:outerShdw blurRad="50800" dist="38100" dir="5400000" algn="t" rotWithShape="0">
+                  <a:prstClr val="black">
+                    <a:alpha val="40000"/>
+                  </a:prstClr>
+                </a:outerShdw>
+              </a:effectLst>
               <a:latin typeface="+mn-lt"/>
               <a:ea typeface="+mn-ea"/>
               <a:cs typeface="+mn-cs"/>
@@ -306,109 +323,142 @@
     </c:title>
     <c:autoTitleDeleted val="0"/>
     <c:plotArea>
-      <c:layout/>
+      <c:layout>
+        <c:manualLayout>
+          <c:layoutTarget val="inner"/>
+          <c:xMode val="edge"/>
+          <c:yMode val="edge"/>
+          <c:x val="7.9247594050743664E-2"/>
+          <c:y val="0.15060185185185185"/>
+          <c:w val="0.89019685039370078"/>
+          <c:h val="0.63609543598716822"/>
+        </c:manualLayout>
+      </c:layout>
       <c:lineChart>
         <c:grouping val="standard"/>
         <c:varyColors val="0"/>
         <c:ser>
           <c:idx val="1"/>
-          <c:order val="1"/>
+          <c:order val="0"/>
           <c:tx>
-            <c:strRef>
-              <c:f>Feuil1!$D$4</c:f>
-              <c:strCache>
-                <c:ptCount val="1"/>
-                <c:pt idx="0">
-                  <c:v>Walk</c:v>
-                </c:pt>
-              </c:strCache>
-            </c:strRef>
+            <c:v>Pheromone</c:v>
           </c:tx>
           <c:spPr>
-            <a:ln w="28575" cap="rnd">
+            <a:ln w="34925" cap="rnd">
               <a:solidFill>
-                <a:srgbClr val="FF0000"/>
+                <a:schemeClr val="accent2"/>
               </a:solidFill>
               <a:round/>
             </a:ln>
-            <a:effectLst/>
+            <a:effectLst>
+              <a:outerShdw blurRad="57150" dist="19050" dir="5400000" algn="ctr" rotWithShape="0">
+                <a:srgbClr val="000000">
+                  <a:alpha val="63000"/>
+                </a:srgbClr>
+              </a:outerShdw>
+            </a:effectLst>
           </c:spPr>
           <c:marker>
             <c:symbol val="none"/>
           </c:marker>
-          <c:cat>
+          <c:val>
             <c:numRef>
-              <c:f>Feuil1!$C$5:$C$25</c:f>
+              <c:f>Feuil1!$B$1:$B$20</c:f>
               <c:numCache>
                 <c:formatCode>General</c:formatCode>
                 <c:ptCount val="20"/>
                 <c:pt idx="0">
-                  <c:v>1</c:v>
+                  <c:v>16</c:v>
                 </c:pt>
                 <c:pt idx="1">
-                  <c:v>2</c:v>
+                  <c:v>26.6</c:v>
                 </c:pt>
                 <c:pt idx="2">
-                  <c:v>3</c:v>
+                  <c:v>37.700000000000003</c:v>
                 </c:pt>
                 <c:pt idx="3">
-                  <c:v>4</c:v>
+                  <c:v>47.1</c:v>
                 </c:pt>
                 <c:pt idx="4">
-                  <c:v>5</c:v>
+                  <c:v>54.8</c:v>
                 </c:pt>
                 <c:pt idx="5">
-                  <c:v>6</c:v>
+                  <c:v>62.3</c:v>
                 </c:pt>
                 <c:pt idx="6">
-                  <c:v>7</c:v>
+                  <c:v>67</c:v>
                 </c:pt>
                 <c:pt idx="7">
-                  <c:v>8</c:v>
+                  <c:v>73.5</c:v>
                 </c:pt>
                 <c:pt idx="8">
-                  <c:v>9</c:v>
+                  <c:v>78.7</c:v>
                 </c:pt>
                 <c:pt idx="9">
-                  <c:v>10</c:v>
+                  <c:v>83.4</c:v>
                 </c:pt>
                 <c:pt idx="10">
-                  <c:v>11</c:v>
+                  <c:v>86.4</c:v>
                 </c:pt>
                 <c:pt idx="11">
-                  <c:v>12</c:v>
+                  <c:v>88.7</c:v>
                 </c:pt>
                 <c:pt idx="12">
-                  <c:v>13</c:v>
+                  <c:v>90.6</c:v>
                 </c:pt>
                 <c:pt idx="13">
-                  <c:v>14</c:v>
+                  <c:v>92.1</c:v>
                 </c:pt>
                 <c:pt idx="14">
-                  <c:v>15</c:v>
+                  <c:v>93.5</c:v>
                 </c:pt>
                 <c:pt idx="15">
-                  <c:v>17</c:v>
+                  <c:v>94.6</c:v>
                 </c:pt>
                 <c:pt idx="16">
-                  <c:v>19</c:v>
+                  <c:v>95.7</c:v>
                 </c:pt>
                 <c:pt idx="17">
-                  <c:v>20</c:v>
+                  <c:v>96.4</c:v>
                 </c:pt>
                 <c:pt idx="18">
-                  <c:v>21</c:v>
+                  <c:v>97</c:v>
                 </c:pt>
                 <c:pt idx="19">
-                  <c:v>22</c:v>
+                  <c:v>97.5</c:v>
                 </c:pt>
               </c:numCache>
-              <c:extLst/>
             </c:numRef>
-          </c:cat>
+          </c:val>
+          <c:smooth val="0"/>
+        </c:ser>
+        <c:ser>
+          <c:idx val="2"/>
+          <c:order val="1"/>
+          <c:tx>
+            <c:v>Walk</c:v>
+          </c:tx>
+          <c:spPr>
+            <a:ln w="34925" cap="rnd">
+              <a:solidFill>
+                <a:schemeClr val="accent3"/>
+              </a:solidFill>
+              <a:round/>
+            </a:ln>
+            <a:effectLst>
+              <a:outerShdw blurRad="57150" dist="19050" dir="5400000" algn="ctr" rotWithShape="0">
+                <a:srgbClr val="000000">
+                  <a:alpha val="63000"/>
+                </a:srgbClr>
+              </a:outerShdw>
+            </a:effectLst>
+          </c:spPr>
+          <c:marker>
+            <c:symbol val="none"/>
+          </c:marker>
           <c:val>
             <c:numRef>
-              <c:f>Feuil1!$D$5:$D$25</c:f>
+              <c:f>Feuil1!$C$1:$C$20</c:f>
               <c:numCache>
                 <c:formatCode>General</c:formatCode>
                 <c:ptCount val="20"/>
@@ -473,110 +523,37 @@
                   <c:v>96.3</c:v>
                 </c:pt>
               </c:numCache>
-              <c:extLst/>
             </c:numRef>
           </c:val>
           <c:smooth val="0"/>
         </c:ser>
         <c:ser>
-          <c:idx val="2"/>
+          <c:idx val="3"/>
           <c:order val="2"/>
           <c:tx>
-            <c:strRef>
-              <c:f>Feuil1!$E$4</c:f>
-              <c:strCache>
-                <c:ptCount val="1"/>
-                <c:pt idx="0">
-                  <c:v>Waypoint</c:v>
-                </c:pt>
-              </c:strCache>
-            </c:strRef>
+            <c:v>Waypoint</c:v>
           </c:tx>
           <c:spPr>
-            <a:ln w="28575" cap="rnd">
+            <a:ln w="34925" cap="rnd">
               <a:solidFill>
-                <a:srgbClr val="0DFF01"/>
+                <a:schemeClr val="accent4"/>
               </a:solidFill>
               <a:round/>
             </a:ln>
-            <a:effectLst/>
+            <a:effectLst>
+              <a:outerShdw blurRad="57150" dist="19050" dir="5400000" algn="ctr" rotWithShape="0">
+                <a:srgbClr val="000000">
+                  <a:alpha val="63000"/>
+                </a:srgbClr>
+              </a:outerShdw>
+            </a:effectLst>
           </c:spPr>
           <c:marker>
             <c:symbol val="none"/>
           </c:marker>
-          <c:cat>
-            <c:numRef>
-              <c:f>Feuil1!$C$5:$C$25</c:f>
-              <c:numCache>
-                <c:formatCode>General</c:formatCode>
-                <c:ptCount val="20"/>
-                <c:pt idx="0">
-                  <c:v>1</c:v>
-                </c:pt>
-                <c:pt idx="1">
-                  <c:v>2</c:v>
-                </c:pt>
-                <c:pt idx="2">
-                  <c:v>3</c:v>
-                </c:pt>
-                <c:pt idx="3">
-                  <c:v>4</c:v>
-                </c:pt>
-                <c:pt idx="4">
-                  <c:v>5</c:v>
-                </c:pt>
-                <c:pt idx="5">
-                  <c:v>6</c:v>
-                </c:pt>
-                <c:pt idx="6">
-                  <c:v>7</c:v>
-                </c:pt>
-                <c:pt idx="7">
-                  <c:v>8</c:v>
-                </c:pt>
-                <c:pt idx="8">
-                  <c:v>9</c:v>
-                </c:pt>
-                <c:pt idx="9">
-                  <c:v>10</c:v>
-                </c:pt>
-                <c:pt idx="10">
-                  <c:v>11</c:v>
-                </c:pt>
-                <c:pt idx="11">
-                  <c:v>12</c:v>
-                </c:pt>
-                <c:pt idx="12">
-                  <c:v>13</c:v>
-                </c:pt>
-                <c:pt idx="13">
-                  <c:v>14</c:v>
-                </c:pt>
-                <c:pt idx="14">
-                  <c:v>15</c:v>
-                </c:pt>
-                <c:pt idx="15">
-                  <c:v>17</c:v>
-                </c:pt>
-                <c:pt idx="16">
-                  <c:v>19</c:v>
-                </c:pt>
-                <c:pt idx="17">
-                  <c:v>20</c:v>
-                </c:pt>
-                <c:pt idx="18">
-                  <c:v>21</c:v>
-                </c:pt>
-                <c:pt idx="19">
-                  <c:v>22</c:v>
-                </c:pt>
-              </c:numCache>
-              <c:extLst/>
-            </c:numRef>
-          </c:cat>
           <c:val>
             <c:numRef>
-              <c:f>Feuil1!$E$5:$E$25</c:f>
+              <c:f>Feuil1!$D$1:$D$20</c:f>
               <c:numCache>
                 <c:formatCode>General</c:formatCode>
                 <c:ptCount val="20"/>
@@ -641,175 +618,6 @@
                   <c:v>90</c:v>
                 </c:pt>
               </c:numCache>
-              <c:extLst/>
-            </c:numRef>
-          </c:val>
-          <c:smooth val="0"/>
-        </c:ser>
-        <c:ser>
-          <c:idx val="3"/>
-          <c:order val="3"/>
-          <c:tx>
-            <c:strRef>
-              <c:f>Feuil1!$F$4</c:f>
-              <c:strCache>
-                <c:ptCount val="1"/>
-                <c:pt idx="0">
-                  <c:v>Pheromone</c:v>
-                </c:pt>
-              </c:strCache>
-            </c:strRef>
-          </c:tx>
-          <c:spPr>
-            <a:ln w="28575" cap="rnd">
-              <a:solidFill>
-                <a:schemeClr val="tx2"/>
-              </a:solidFill>
-              <a:round/>
-            </a:ln>
-            <a:effectLst/>
-          </c:spPr>
-          <c:marker>
-            <c:symbol val="none"/>
-          </c:marker>
-          <c:cat>
-            <c:numRef>
-              <c:f>Feuil1!$C$5:$C$25</c:f>
-              <c:numCache>
-                <c:formatCode>General</c:formatCode>
-                <c:ptCount val="20"/>
-                <c:pt idx="0">
-                  <c:v>1</c:v>
-                </c:pt>
-                <c:pt idx="1">
-                  <c:v>2</c:v>
-                </c:pt>
-                <c:pt idx="2">
-                  <c:v>3</c:v>
-                </c:pt>
-                <c:pt idx="3">
-                  <c:v>4</c:v>
-                </c:pt>
-                <c:pt idx="4">
-                  <c:v>5</c:v>
-                </c:pt>
-                <c:pt idx="5">
-                  <c:v>6</c:v>
-                </c:pt>
-                <c:pt idx="6">
-                  <c:v>7</c:v>
-                </c:pt>
-                <c:pt idx="7">
-                  <c:v>8</c:v>
-                </c:pt>
-                <c:pt idx="8">
-                  <c:v>9</c:v>
-                </c:pt>
-                <c:pt idx="9">
-                  <c:v>10</c:v>
-                </c:pt>
-                <c:pt idx="10">
-                  <c:v>11</c:v>
-                </c:pt>
-                <c:pt idx="11">
-                  <c:v>12</c:v>
-                </c:pt>
-                <c:pt idx="12">
-                  <c:v>13</c:v>
-                </c:pt>
-                <c:pt idx="13">
-                  <c:v>14</c:v>
-                </c:pt>
-                <c:pt idx="14">
-                  <c:v>15</c:v>
-                </c:pt>
-                <c:pt idx="15">
-                  <c:v>17</c:v>
-                </c:pt>
-                <c:pt idx="16">
-                  <c:v>19</c:v>
-                </c:pt>
-                <c:pt idx="17">
-                  <c:v>20</c:v>
-                </c:pt>
-                <c:pt idx="18">
-                  <c:v>21</c:v>
-                </c:pt>
-                <c:pt idx="19">
-                  <c:v>22</c:v>
-                </c:pt>
-              </c:numCache>
-              <c:extLst/>
-            </c:numRef>
-          </c:cat>
-          <c:val>
-            <c:numRef>
-              <c:f>Feuil1!$F$5:$F$25</c:f>
-              <c:numCache>
-                <c:formatCode>General</c:formatCode>
-                <c:ptCount val="20"/>
-                <c:pt idx="0">
-                  <c:v>10.75</c:v>
-                </c:pt>
-                <c:pt idx="1">
-                  <c:v>20</c:v>
-                </c:pt>
-                <c:pt idx="2">
-                  <c:v>25.4</c:v>
-                </c:pt>
-                <c:pt idx="3">
-                  <c:v>30.8</c:v>
-                </c:pt>
-                <c:pt idx="4">
-                  <c:v>38</c:v>
-                </c:pt>
-                <c:pt idx="5">
-                  <c:v>51.5</c:v>
-                </c:pt>
-                <c:pt idx="6">
-                  <c:v>68.5</c:v>
-                </c:pt>
-                <c:pt idx="7">
-                  <c:v>71.400000000000006</c:v>
-                </c:pt>
-                <c:pt idx="8">
-                  <c:v>73</c:v>
-                </c:pt>
-                <c:pt idx="9">
-                  <c:v>80</c:v>
-                </c:pt>
-                <c:pt idx="10">
-                  <c:v>81.2</c:v>
-                </c:pt>
-                <c:pt idx="11">
-                  <c:v>82</c:v>
-                </c:pt>
-                <c:pt idx="12">
-                  <c:v>84</c:v>
-                </c:pt>
-                <c:pt idx="13">
-                  <c:v>84.8</c:v>
-                </c:pt>
-                <c:pt idx="14">
-                  <c:v>86.4</c:v>
-                </c:pt>
-                <c:pt idx="15">
-                  <c:v>88.3</c:v>
-                </c:pt>
-                <c:pt idx="16">
-                  <c:v>90</c:v>
-                </c:pt>
-                <c:pt idx="17">
-                  <c:v>95</c:v>
-                </c:pt>
-                <c:pt idx="18">
-                  <c:v>96.6</c:v>
-                </c:pt>
-                <c:pt idx="19">
-                  <c:v>98</c:v>
-                </c:pt>
-              </c:numCache>
-              <c:extLst/>
             </c:numRef>
           </c:val>
           <c:smooth val="0"/>
@@ -823,207 +631,70 @@
           <c:showBubbleSize val="0"/>
         </c:dLbls>
         <c:smooth val="0"/>
-        <c:axId val="182740656"/>
-        <c:axId val="182747320"/>
-        <c:extLst>
-          <c:ext xmlns:c15="http://schemas.microsoft.com/office/drawing/2012/chart" uri="{02D57815-91ED-43cb-92C2-25804820EDAC}">
-            <c15:filteredLineSeries>
-              <c15:ser>
-                <c:idx val="0"/>
-                <c:order val="0"/>
-                <c:tx>
-                  <c:strRef>
-                    <c:extLst>
-                      <c:ext uri="{02D57815-91ED-43cb-92C2-25804820EDAC}">
-                        <c15:formulaRef>
-                          <c15:sqref>Feuil1!$C$4</c15:sqref>
-                        </c15:formulaRef>
-                      </c:ext>
-                    </c:extLst>
-                    <c:strCache>
-                      <c:ptCount val="1"/>
-                      <c:pt idx="0">
-                        <c:v>minutes</c:v>
-                      </c:pt>
-                    </c:strCache>
-                  </c:strRef>
-                </c:tx>
-                <c:spPr>
-                  <a:ln w="28575" cap="rnd">
-                    <a:solidFill>
-                      <a:schemeClr val="accent1"/>
-                    </a:solidFill>
-                    <a:round/>
-                  </a:ln>
-                  <a:effectLst/>
-                </c:spPr>
-                <c:marker>
-                  <c:symbol val="none"/>
-                </c:marker>
-                <c:cat>
-                  <c:numRef>
-                    <c:extLst>
-                      <c:ext uri="{02D57815-91ED-43cb-92C2-25804820EDAC}">
-                        <c15:formulaRef>
-                          <c15:sqref>Feuil1!$C$5:$C$25</c15:sqref>
-                        </c15:formulaRef>
-                      </c:ext>
-                    </c:extLst>
-                    <c:numCache>
-                      <c:formatCode>General</c:formatCode>
-                      <c:ptCount val="20"/>
-                      <c:pt idx="0">
-                        <c:v>1</c:v>
-                      </c:pt>
-                      <c:pt idx="1">
-                        <c:v>2</c:v>
-                      </c:pt>
-                      <c:pt idx="2">
-                        <c:v>3</c:v>
-                      </c:pt>
-                      <c:pt idx="3">
-                        <c:v>4</c:v>
-                      </c:pt>
-                      <c:pt idx="4">
-                        <c:v>5</c:v>
-                      </c:pt>
-                      <c:pt idx="5">
-                        <c:v>6</c:v>
-                      </c:pt>
-                      <c:pt idx="6">
-                        <c:v>7</c:v>
-                      </c:pt>
-                      <c:pt idx="7">
-                        <c:v>8</c:v>
-                      </c:pt>
-                      <c:pt idx="8">
-                        <c:v>9</c:v>
-                      </c:pt>
-                      <c:pt idx="9">
-                        <c:v>10</c:v>
-                      </c:pt>
-                      <c:pt idx="10">
-                        <c:v>11</c:v>
-                      </c:pt>
-                      <c:pt idx="11">
-                        <c:v>12</c:v>
-                      </c:pt>
-                      <c:pt idx="12">
-                        <c:v>13</c:v>
-                      </c:pt>
-                      <c:pt idx="13">
-                        <c:v>14</c:v>
-                      </c:pt>
-                      <c:pt idx="14">
-                        <c:v>15</c:v>
-                      </c:pt>
-                      <c:pt idx="15">
-                        <c:v>17</c:v>
-                      </c:pt>
-                      <c:pt idx="16">
-                        <c:v>19</c:v>
-                      </c:pt>
-                      <c:pt idx="17">
-                        <c:v>20</c:v>
-                      </c:pt>
-                      <c:pt idx="18">
-                        <c:v>21</c:v>
-                      </c:pt>
-                      <c:pt idx="19">
-                        <c:v>22</c:v>
-                      </c:pt>
-                    </c:numCache>
-                  </c:numRef>
-                </c:cat>
-                <c:val>
-                  <c:numRef>
-                    <c:extLst>
-                      <c:ext uri="{02D57815-91ED-43cb-92C2-25804820EDAC}">
-                        <c15:formulaRef>
-                          <c15:sqref>Feuil1!$C$5:$C$25</c15:sqref>
-                        </c15:formulaRef>
-                      </c:ext>
-                    </c:extLst>
-                    <c:numCache>
-                      <c:formatCode>General</c:formatCode>
-                      <c:ptCount val="20"/>
-                      <c:pt idx="0">
-                        <c:v>1</c:v>
-                      </c:pt>
-                      <c:pt idx="1">
-                        <c:v>2</c:v>
-                      </c:pt>
-                      <c:pt idx="2">
-                        <c:v>3</c:v>
-                      </c:pt>
-                      <c:pt idx="3">
-                        <c:v>4</c:v>
-                      </c:pt>
-                      <c:pt idx="4">
-                        <c:v>5</c:v>
-                      </c:pt>
-                      <c:pt idx="5">
-                        <c:v>6</c:v>
-                      </c:pt>
-                      <c:pt idx="6">
-                        <c:v>7</c:v>
-                      </c:pt>
-                      <c:pt idx="7">
-                        <c:v>8</c:v>
-                      </c:pt>
-                      <c:pt idx="8">
-                        <c:v>9</c:v>
-                      </c:pt>
-                      <c:pt idx="9">
-                        <c:v>10</c:v>
-                      </c:pt>
-                      <c:pt idx="10">
-                        <c:v>11</c:v>
-                      </c:pt>
-                      <c:pt idx="11">
-                        <c:v>12</c:v>
-                      </c:pt>
-                      <c:pt idx="12">
-                        <c:v>13</c:v>
-                      </c:pt>
-                      <c:pt idx="13">
-                        <c:v>14</c:v>
-                      </c:pt>
-                      <c:pt idx="14">
-                        <c:v>15</c:v>
-                      </c:pt>
-                      <c:pt idx="15">
-                        <c:v>17</c:v>
-                      </c:pt>
-                      <c:pt idx="16">
-                        <c:v>19</c:v>
-                      </c:pt>
-                      <c:pt idx="17">
-                        <c:v>20</c:v>
-                      </c:pt>
-                      <c:pt idx="18">
-                        <c:v>21</c:v>
-                      </c:pt>
-                      <c:pt idx="19">
-                        <c:v>22</c:v>
-                      </c:pt>
-                    </c:numCache>
-                  </c:numRef>
-                </c:val>
-                <c:smooth val="0"/>
-              </c15:ser>
-            </c15:filteredLineSeries>
-          </c:ext>
-        </c:extLst>
+        <c:axId val="522350088"/>
+        <c:axId val="522356752"/>
       </c:lineChart>
       <c:catAx>
-        <c:axId val="182740656"/>
+        <c:axId val="522350088"/>
         <c:scaling>
           <c:orientation val="minMax"/>
         </c:scaling>
         <c:delete val="0"/>
         <c:axPos val="b"/>
-        <c:numFmt formatCode="General" sourceLinked="1"/>
+        <c:title>
+          <c:tx>
+            <c:rich>
+              <a:bodyPr rot="0" spcFirstLastPara="1" vertOverflow="ellipsis" vert="horz" wrap="square" anchor="ctr" anchorCtr="1"/>
+              <a:lstStyle/>
+              <a:p>
+                <a:pPr>
+                  <a:defRPr sz="900" b="1" i="0" u="none" strike="noStrike" kern="1200" cap="all" baseline="0">
+                    <a:solidFill>
+                      <a:schemeClr val="lt1">
+                        <a:lumMod val="85000"/>
+                      </a:schemeClr>
+                    </a:solidFill>
+                    <a:latin typeface="+mn-lt"/>
+                    <a:ea typeface="+mn-ea"/>
+                    <a:cs typeface="+mn-cs"/>
+                  </a:defRPr>
+                </a:pPr>
+                <a:r>
+                  <a:rPr lang="fr-FR"/>
+                  <a:t>Time(MINUTE)</a:t>
+                </a:r>
+              </a:p>
+            </c:rich>
+          </c:tx>
+          <c:layout/>
+          <c:overlay val="0"/>
+          <c:spPr>
+            <a:noFill/>
+            <a:ln>
+              <a:noFill/>
+            </a:ln>
+            <a:effectLst/>
+          </c:spPr>
+          <c:txPr>
+            <a:bodyPr rot="0" spcFirstLastPara="1" vertOverflow="ellipsis" vert="horz" wrap="square" anchor="ctr" anchorCtr="1"/>
+            <a:lstStyle/>
+            <a:p>
+              <a:pPr>
+                <a:defRPr sz="900" b="1" i="0" u="none" strike="noStrike" kern="1200" cap="all" baseline="0">
+                  <a:solidFill>
+                    <a:schemeClr val="lt1">
+                      <a:lumMod val="85000"/>
+                    </a:schemeClr>
+                  </a:solidFill>
+                  <a:latin typeface="+mn-lt"/>
+                  <a:ea typeface="+mn-ea"/>
+                  <a:cs typeface="+mn-cs"/>
+                </a:defRPr>
+              </a:pPr>
+              <a:endParaRPr lang="fr-FR"/>
+            </a:p>
+          </c:txPr>
+        </c:title>
         <c:majorTickMark val="none"/>
         <c:minorTickMark val="none"/>
         <c:tickLblPos val="nextTo"/>
@@ -1031,9 +702,9 @@
           <a:noFill/>
           <a:ln w="9525" cap="flat" cmpd="sng" algn="ctr">
             <a:solidFill>
-              <a:schemeClr val="tx1">
-                <a:lumMod val="15000"/>
-                <a:lumOff val="85000"/>
+              <a:schemeClr val="lt1">
+                <a:lumMod val="95000"/>
+                <a:alpha val="10000"/>
               </a:schemeClr>
             </a:solidFill>
             <a:round/>
@@ -1047,9 +718,8 @@
             <a:pPr>
               <a:defRPr sz="900" b="0" i="0" u="none" strike="noStrike" kern="1200" baseline="0">
                 <a:solidFill>
-                  <a:schemeClr val="tx1">
-                    <a:lumMod val="65000"/>
-                    <a:lumOff val="35000"/>
+                  <a:schemeClr val="lt1">
+                    <a:lumMod val="85000"/>
                   </a:schemeClr>
                 </a:solidFill>
                 <a:latin typeface="+mn-lt"/>
@@ -1060,7 +730,7 @@
             <a:endParaRPr lang="fr-FR"/>
           </a:p>
         </c:txPr>
-        <c:crossAx val="182747320"/>
+        <c:crossAx val="522356752"/>
         <c:crosses val="autoZero"/>
         <c:auto val="1"/>
         <c:lblAlgn val="ctr"/>
@@ -1068,7 +738,7 @@
         <c:noMultiLvlLbl val="0"/>
       </c:catAx>
       <c:valAx>
-        <c:axId val="182747320"/>
+        <c:axId val="522356752"/>
         <c:scaling>
           <c:orientation val="minMax"/>
           <c:max val="100"/>
@@ -1079,9 +749,9 @@
           <c:spPr>
             <a:ln w="9525" cap="flat" cmpd="sng" algn="ctr">
               <a:solidFill>
-                <a:schemeClr val="tx1">
-                  <a:lumMod val="15000"/>
-                  <a:lumOff val="85000"/>
+                <a:schemeClr val="lt1">
+                  <a:lumMod val="95000"/>
+                  <a:alpha val="10000"/>
                 </a:schemeClr>
               </a:solidFill>
               <a:round/>
@@ -1089,6 +759,65 @@
             <a:effectLst/>
           </c:spPr>
         </c:majorGridlines>
+        <c:title>
+          <c:tx>
+            <c:rich>
+              <a:bodyPr rot="-5400000" spcFirstLastPara="1" vertOverflow="ellipsis" vert="horz" wrap="square" anchor="ctr" anchorCtr="1"/>
+              <a:lstStyle/>
+              <a:p>
+                <a:pPr>
+                  <a:defRPr sz="900" b="1" i="0" u="none" strike="noStrike" kern="1200" cap="all" baseline="0">
+                    <a:solidFill>
+                      <a:schemeClr val="lt1">
+                        <a:lumMod val="85000"/>
+                      </a:schemeClr>
+                    </a:solidFill>
+                    <a:latin typeface="+mn-lt"/>
+                    <a:ea typeface="+mn-ea"/>
+                    <a:cs typeface="+mn-cs"/>
+                  </a:defRPr>
+                </a:pPr>
+                <a:r>
+                  <a:rPr lang="fr-FR"/>
+                  <a:t>coverage</a:t>
+                </a:r>
+                <a:r>
+                  <a:rPr lang="fr-FR" baseline="0"/>
+                  <a:t> area (%)</a:t>
+                </a:r>
+                <a:endParaRPr lang="fr-FR"/>
+              </a:p>
+            </c:rich>
+          </c:tx>
+          <c:layout/>
+          <c:overlay val="0"/>
+          <c:spPr>
+            <a:noFill/>
+            <a:ln>
+              <a:noFill/>
+            </a:ln>
+            <a:effectLst/>
+          </c:spPr>
+          <c:txPr>
+            <a:bodyPr rot="-5400000" spcFirstLastPara="1" vertOverflow="ellipsis" vert="horz" wrap="square" anchor="ctr" anchorCtr="1"/>
+            <a:lstStyle/>
+            <a:p>
+              <a:pPr>
+                <a:defRPr sz="900" b="1" i="0" u="none" strike="noStrike" kern="1200" cap="all" baseline="0">
+                  <a:solidFill>
+                    <a:schemeClr val="lt1">
+                      <a:lumMod val="85000"/>
+                    </a:schemeClr>
+                  </a:solidFill>
+                  <a:latin typeface="+mn-lt"/>
+                  <a:ea typeface="+mn-ea"/>
+                  <a:cs typeface="+mn-cs"/>
+                </a:defRPr>
+              </a:pPr>
+              <a:endParaRPr lang="fr-FR"/>
+            </a:p>
+          </c:txPr>
+        </c:title>
         <c:numFmt formatCode="General" sourceLinked="1"/>
         <c:majorTickMark val="none"/>
         <c:minorTickMark val="none"/>
@@ -1107,9 +836,8 @@
             <a:pPr>
               <a:defRPr sz="900" b="0" i="0" u="none" strike="noStrike" kern="1200" baseline="0">
                 <a:solidFill>
-                  <a:schemeClr val="tx1">
-                    <a:lumMod val="65000"/>
-                    <a:lumOff val="35000"/>
+                  <a:schemeClr val="lt1">
+                    <a:lumMod val="85000"/>
                   </a:schemeClr>
                 </a:solidFill>
                 <a:latin typeface="+mn-lt"/>
@@ -1120,7 +848,7 @@
             <a:endParaRPr lang="fr-FR"/>
           </a:p>
         </c:txPr>
-        <c:crossAx val="182740656"/>
+        <c:crossAx val="522350088"/>
         <c:crosses val="autoZero"/>
         <c:crossBetween val="between"/>
       </c:valAx>
@@ -1134,7 +862,16 @@
     </c:plotArea>
     <c:legend>
       <c:legendPos val="b"/>
-      <c:layout/>
+      <c:layout>
+        <c:manualLayout>
+          <c:xMode val="edge"/>
+          <c:yMode val="edge"/>
+          <c:x val="0.21827449693788278"/>
+          <c:y val="0.91724482356372106"/>
+          <c:w val="0.50742304491488277"/>
+          <c:h val="7.8125546806649182E-2"/>
+        </c:manualLayout>
+      </c:layout>
       <c:overlay val="0"/>
       <c:spPr>
         <a:noFill/>
@@ -1150,9 +887,8 @@
           <a:pPr>
             <a:defRPr sz="900" b="0" i="0" u="none" strike="noStrike" kern="1200" baseline="0">
               <a:solidFill>
-                <a:schemeClr val="tx1">
-                  <a:lumMod val="65000"/>
-                  <a:lumOff val="35000"/>
+                <a:schemeClr val="lt1">
+                  <a:lumMod val="85000"/>
                 </a:schemeClr>
               </a:solidFill>
               <a:latin typeface="+mn-lt"/>
@@ -1169,7 +905,26 @@
     <c:showDLblsOverMax val="0"/>
   </c:chart>
   <c:spPr>
-    <a:noFill/>
+    <a:gradFill flip="none" rotWithShape="1">
+      <a:gsLst>
+        <a:gs pos="0">
+          <a:schemeClr val="dk1">
+            <a:lumMod val="65000"/>
+            <a:lumOff val="35000"/>
+          </a:schemeClr>
+        </a:gs>
+        <a:gs pos="100000">
+          <a:schemeClr val="dk1">
+            <a:lumMod val="85000"/>
+            <a:lumOff val="15000"/>
+          </a:schemeClr>
+        </a:gs>
+      </a:gsLst>
+      <a:path path="circle">
+        <a:fillToRect l="50000" t="50000" r="50000" b="50000"/>
+      </a:path>
+      <a:tileRect/>
+    </a:gradFill>
     <a:ln>
       <a:noFill/>
     </a:ln>
@@ -1188,7 +943,6 @@
   <c:externalData r:id="rId3">
     <c:autoUpdate val="0"/>
   </c:externalData>
-  <c:userShapes r:id="rId4"/>
 </c:chartSpace>
 </file>
 
@@ -1233,35 +987,33 @@
 </file>
 
 <file path=ppt/charts/style1.xml><?xml version="1.0" encoding="utf-8"?>
-<cs:chartStyle xmlns:cs="http://schemas.microsoft.com/office/drawing/2012/chartStyle" xmlns:a="http://schemas.openxmlformats.org/drawingml/2006/main" id="227">
+<cs:chartStyle xmlns:cs="http://schemas.microsoft.com/office/drawing/2012/chartStyle" xmlns:a="http://schemas.openxmlformats.org/drawingml/2006/main" id="233">
   <cs:axisTitle>
     <cs:lnRef idx="0"/>
     <cs:fillRef idx="0"/>
     <cs:effectRef idx="0"/>
     <cs:fontRef idx="minor">
-      <a:schemeClr val="tx1">
-        <a:lumMod val="65000"/>
-        <a:lumOff val="35000"/>
+      <a:schemeClr val="lt1">
+        <a:lumMod val="85000"/>
       </a:schemeClr>
     </cs:fontRef>
-    <cs:defRPr sz="1000" kern="1200"/>
+    <cs:defRPr sz="900" b="1" kern="1200" cap="all"/>
   </cs:axisTitle>
   <cs:categoryAxis>
     <cs:lnRef idx="0"/>
     <cs:fillRef idx="0"/>
     <cs:effectRef idx="0"/>
     <cs:fontRef idx="minor">
-      <a:schemeClr val="tx1">
-        <a:lumMod val="65000"/>
-        <a:lumOff val="35000"/>
+      <a:schemeClr val="lt1">
+        <a:lumMod val="85000"/>
       </a:schemeClr>
     </cs:fontRef>
     <cs:spPr>
       <a:ln w="9525" cap="flat" cmpd="sng" algn="ctr">
         <a:solidFill>
-          <a:schemeClr val="tx1">
-            <a:lumMod val="15000"/>
-            <a:lumOff val="85000"/>
+          <a:schemeClr val="lt1">
+            <a:lumMod val="95000"/>
+            <a:alpha val="10000"/>
           </a:schemeClr>
         </a:solidFill>
         <a:round/>
@@ -1269,26 +1021,34 @@
     </cs:spPr>
     <cs:defRPr sz="900" kern="1200"/>
   </cs:categoryAxis>
-  <cs:chartArea mods="allowNoFillOverride allowNoLineOverride">
+  <cs:chartArea>
     <cs:lnRef idx="0"/>
     <cs:fillRef idx="0"/>
     <cs:effectRef idx="0"/>
     <cs:fontRef idx="minor">
-      <a:schemeClr val="tx1"/>
+      <a:schemeClr val="dk1"/>
     </cs:fontRef>
     <cs:spPr>
-      <a:solidFill>
-        <a:schemeClr val="bg1"/>
-      </a:solidFill>
-      <a:ln w="9525" cap="flat" cmpd="sng" algn="ctr">
-        <a:solidFill>
-          <a:schemeClr val="tx1">
-            <a:lumMod val="15000"/>
-            <a:lumOff val="85000"/>
-          </a:schemeClr>
-        </a:solidFill>
-        <a:round/>
-      </a:ln>
+      <a:gradFill flip="none" rotWithShape="1">
+        <a:gsLst>
+          <a:gs pos="0">
+            <a:schemeClr val="dk1">
+              <a:lumMod val="65000"/>
+              <a:lumOff val="35000"/>
+            </a:schemeClr>
+          </a:gs>
+          <a:gs pos="100000">
+            <a:schemeClr val="dk1">
+              <a:lumMod val="85000"/>
+              <a:lumOff val="15000"/>
+            </a:schemeClr>
+          </a:gs>
+        </a:gsLst>
+        <a:path path="circle">
+          <a:fillToRect l="50000" t="50000" r="50000" b="50000"/>
+        </a:path>
+        <a:tileRect/>
+      </a:gradFill>
     </cs:spPr>
     <cs:defRPr sz="1000" kern="1200"/>
   </cs:chartArea>
@@ -1297,9 +1057,8 @@
     <cs:fillRef idx="0"/>
     <cs:effectRef idx="0"/>
     <cs:fontRef idx="minor">
-      <a:schemeClr val="tx1">
-        <a:lumMod val="75000"/>
-        <a:lumOff val="25000"/>
+      <a:schemeClr val="lt1">
+        <a:lumMod val="85000"/>
       </a:schemeClr>
     </cs:fontRef>
     <cs:defRPr sz="900" kern="1200"/>
@@ -1318,14 +1077,6 @@
       <a:solidFill>
         <a:schemeClr val="lt1"/>
       </a:solidFill>
-      <a:ln>
-        <a:solidFill>
-          <a:schemeClr val="dk1">
-            <a:lumMod val="25000"/>
-            <a:lumOff val="75000"/>
-          </a:schemeClr>
-        </a:solidFill>
-      </a:ln>
     </cs:spPr>
     <cs:defRPr sz="900" kern="1200"/>
     <cs:bodyPr rot="0" spcFirstLastPara="1" vertOverflow="clip" horzOverflow="clip" vert="horz" wrap="square" lIns="36576" tIns="18288" rIns="36576" bIns="18288" anchor="ctr" anchorCtr="1">
@@ -1334,45 +1085,35 @@
   </cs:dataLabelCallout>
   <cs:dataPoint>
     <cs:lnRef idx="0"/>
-    <cs:fillRef idx="1">
+    <cs:fillRef idx="3">
       <cs:styleClr val="auto"/>
     </cs:fillRef>
-    <cs:effectRef idx="0"/>
+    <cs:effectRef idx="3"/>
     <cs:fontRef idx="minor">
       <a:schemeClr val="tx1"/>
     </cs:fontRef>
-    <cs:spPr>
-      <a:solidFill>
-        <a:schemeClr val="phClr"/>
-      </a:solidFill>
-    </cs:spPr>
   </cs:dataPoint>
   <cs:dataPoint3D>
     <cs:lnRef idx="0"/>
-    <cs:fillRef idx="1">
+    <cs:fillRef idx="3">
       <cs:styleClr val="auto"/>
     </cs:fillRef>
-    <cs:effectRef idx="0"/>
+    <cs:effectRef idx="3"/>
     <cs:fontRef idx="minor">
       <a:schemeClr val="tx1"/>
     </cs:fontRef>
-    <cs:spPr>
-      <a:solidFill>
-        <a:schemeClr val="phClr"/>
-      </a:solidFill>
-    </cs:spPr>
   </cs:dataPoint3D>
   <cs:dataPointLine>
     <cs:lnRef idx="0">
       <cs:styleClr val="auto"/>
     </cs:lnRef>
-    <cs:fillRef idx="1"/>
-    <cs:effectRef idx="0"/>
+    <cs:fillRef idx="3"/>
+    <cs:effectRef idx="3"/>
     <cs:fontRef idx="minor">
       <a:schemeClr val="tx1"/>
     </cs:fontRef>
     <cs:spPr>
-      <a:ln w="28575" cap="rnd">
+      <a:ln w="34925" cap="rnd">
         <a:solidFill>
           <a:schemeClr val="phClr"/>
         </a:solidFill>
@@ -1384,31 +1125,29 @@
     <cs:lnRef idx="0">
       <cs:styleClr val="auto"/>
     </cs:lnRef>
-    <cs:fillRef idx="1">
+    <cs:fillRef idx="3">
       <cs:styleClr val="auto"/>
     </cs:fillRef>
-    <cs:effectRef idx="0"/>
+    <cs:effectRef idx="3"/>
     <cs:fontRef idx="minor">
       <a:schemeClr val="tx1"/>
     </cs:fontRef>
     <cs:spPr>
-      <a:solidFill>
-        <a:schemeClr val="phClr"/>
-      </a:solidFill>
       <a:ln w="9525">
         <a:solidFill>
           <a:schemeClr val="phClr"/>
         </a:solidFill>
+        <a:round/>
       </a:ln>
     </cs:spPr>
   </cs:dataPointMarker>
-  <cs:dataPointMarkerLayout symbol="circle" size="5"/>
+  <cs:dataPointMarkerLayout symbol="circle" size="6"/>
   <cs:dataPointWireframe>
     <cs:lnRef idx="0">
       <cs:styleClr val="auto"/>
     </cs:lnRef>
-    <cs:fillRef idx="1"/>
-    <cs:effectRef idx="0"/>
+    <cs:fillRef idx="3"/>
+    <cs:effectRef idx="3"/>
     <cs:fontRef idx="minor">
       <a:schemeClr val="tx1"/>
     </cs:fontRef>
@@ -1426,21 +1165,18 @@
     <cs:fillRef idx="0"/>
     <cs:effectRef idx="0"/>
     <cs:fontRef idx="minor">
-      <a:schemeClr val="tx1">
-        <a:lumMod val="65000"/>
-        <a:lumOff val="35000"/>
+      <a:schemeClr val="lt1">
+        <a:lumMod val="85000"/>
       </a:schemeClr>
     </cs:fontRef>
     <cs:spPr>
-      <a:noFill/>
-      <a:ln w="9525" cap="flat" cmpd="sng" algn="ctr">
+      <a:ln w="9525">
         <a:solidFill>
-          <a:schemeClr val="tx1">
-            <a:lumMod val="15000"/>
-            <a:lumOff val="85000"/>
+          <a:schemeClr val="lt1">
+            <a:lumMod val="95000"/>
+            <a:alpha val="54000"/>
           </a:schemeClr>
         </a:solidFill>
-        <a:round/>
       </a:ln>
     </cs:spPr>
     <cs:defRPr sz="900" kern="1200"/>
@@ -1450,20 +1186,20 @@
     <cs:fillRef idx="0"/>
     <cs:effectRef idx="0"/>
     <cs:fontRef idx="minor">
-      <a:schemeClr val="dk1"/>
+      <a:schemeClr val="tx1"/>
     </cs:fontRef>
     <cs:spPr>
       <a:solidFill>
         <a:schemeClr val="dk1">
-          <a:lumMod val="65000"/>
-          <a:lumOff val="35000"/>
+          <a:lumMod val="75000"/>
+          <a:lumOff val="25000"/>
         </a:schemeClr>
       </a:solidFill>
       <a:ln w="9525">
         <a:solidFill>
-          <a:schemeClr val="tx1">
-            <a:lumMod val="65000"/>
-            <a:lumOff val="35000"/>
+          <a:schemeClr val="lt1">
+            <a:lumMod val="95000"/>
+            <a:alpha val="54000"/>
           </a:schemeClr>
         </a:solidFill>
       </a:ln>
@@ -1477,14 +1213,14 @@
       <a:schemeClr val="tx1"/>
     </cs:fontRef>
     <cs:spPr>
-      <a:ln w="9525" cap="flat" cmpd="sng" algn="ctr">
+      <a:ln w="9525">
         <a:solidFill>
-          <a:schemeClr val="tx1">
-            <a:lumMod val="35000"/>
-            <a:lumOff val="65000"/>
+          <a:schemeClr val="lt1">
+            <a:lumMod val="95000"/>
+            <a:alpha val="54000"/>
           </a:schemeClr>
         </a:solidFill>
-        <a:round/>
+        <a:prstDash val="dash"/>
       </a:ln>
     </cs:spPr>
   </cs:dropLine>
@@ -1498,9 +1234,8 @@
     <cs:spPr>
       <a:ln w="9525" cap="flat" cmpd="sng" algn="ctr">
         <a:solidFill>
-          <a:schemeClr val="tx1">
-            <a:lumMod val="65000"/>
-            <a:lumOff val="35000"/>
+          <a:schemeClr val="lt1">
+            <a:lumMod val="95000"/>
           </a:schemeClr>
         </a:solidFill>
         <a:round/>
@@ -1514,12 +1249,6 @@
     <cs:fontRef idx="minor">
       <a:schemeClr val="tx1"/>
     </cs:fontRef>
-    <cs:spPr>
-      <a:noFill/>
-      <a:ln>
-        <a:noFill/>
-      </a:ln>
-    </cs:spPr>
   </cs:floor>
   <cs:gridlineMajor>
     <cs:lnRef idx="0"/>
@@ -1531,9 +1260,9 @@
     <cs:spPr>
       <a:ln w="9525" cap="flat" cmpd="sng" algn="ctr">
         <a:solidFill>
-          <a:schemeClr val="tx1">
-            <a:lumMod val="15000"/>
-            <a:lumOff val="85000"/>
+          <a:schemeClr val="lt1">
+            <a:lumMod val="95000"/>
+            <a:alpha val="10000"/>
           </a:schemeClr>
         </a:solidFill>
         <a:round/>
@@ -1548,14 +1277,13 @@
       <a:schemeClr val="tx1"/>
     </cs:fontRef>
     <cs:spPr>
-      <a:ln w="9525" cap="flat" cmpd="sng" algn="ctr">
+      <a:ln>
         <a:solidFill>
-          <a:schemeClr val="tx1">
-            <a:lumMod val="5000"/>
-            <a:lumOff val="95000"/>
+          <a:schemeClr val="lt1">
+            <a:lumMod val="95000"/>
+            <a:alpha val="5000"/>
           </a:schemeClr>
         </a:solidFill>
-        <a:round/>
       </a:ln>
     </cs:spPr>
   </cs:gridlineMinor>
@@ -1567,14 +1295,14 @@
       <a:schemeClr val="tx1"/>
     </cs:fontRef>
     <cs:spPr>
-      <a:ln w="9525" cap="flat" cmpd="sng" algn="ctr">
+      <a:ln w="9525">
         <a:solidFill>
-          <a:schemeClr val="tx1">
-            <a:lumMod val="75000"/>
-            <a:lumOff val="25000"/>
+          <a:schemeClr val="lt1">
+            <a:lumMod val="95000"/>
+            <a:alpha val="54000"/>
           </a:schemeClr>
         </a:solidFill>
-        <a:round/>
+        <a:prstDash val="dash"/>
       </a:ln>
     </cs:spPr>
   </cs:hiLoLine>
@@ -1586,14 +1314,13 @@
       <a:schemeClr val="tx1"/>
     </cs:fontRef>
     <cs:spPr>
-      <a:ln w="9525" cap="flat" cmpd="sng" algn="ctr">
+      <a:ln w="9525">
         <a:solidFill>
-          <a:schemeClr val="tx1">
-            <a:lumMod val="35000"/>
-            <a:lumOff val="65000"/>
+          <a:schemeClr val="lt1">
+            <a:lumMod val="95000"/>
+            <a:alpha val="54000"/>
           </a:schemeClr>
         </a:solidFill>
-        <a:round/>
       </a:ln>
     </cs:spPr>
   </cs:leaderLine>
@@ -1602,14 +1329,13 @@
     <cs:fillRef idx="0"/>
     <cs:effectRef idx="0"/>
     <cs:fontRef idx="minor">
-      <a:schemeClr val="tx1">
-        <a:lumMod val="65000"/>
-        <a:lumOff val="35000"/>
+      <a:schemeClr val="lt1">
+        <a:lumMod val="85000"/>
       </a:schemeClr>
     </cs:fontRef>
     <cs:defRPr sz="900" kern="1200"/>
   </cs:legend>
-  <cs:plotArea mods="allowNoFillOverride allowNoLineOverride">
+  <cs:plotArea>
     <cs:lnRef idx="0"/>
     <cs:fillRef idx="0"/>
     <cs:effectRef idx="0"/>
@@ -1617,7 +1343,7 @@
       <a:schemeClr val="tx1"/>
     </cs:fontRef>
   </cs:plotArea>
-  <cs:plotArea3D mods="allowNoFillOverride allowNoLineOverride">
+  <cs:plotArea3D>
     <cs:lnRef idx="0"/>
     <cs:fillRef idx="0"/>
     <cs:effectRef idx="0"/>
@@ -1630,11 +1356,21 @@
     <cs:fillRef idx="0"/>
     <cs:effectRef idx="0"/>
     <cs:fontRef idx="minor">
-      <a:schemeClr val="tx1">
-        <a:lumMod val="65000"/>
-        <a:lumOff val="35000"/>
+      <a:schemeClr val="lt1">
+        <a:lumMod val="85000"/>
       </a:schemeClr>
     </cs:fontRef>
+    <cs:spPr>
+      <a:ln w="12700" cap="flat" cmpd="sng" algn="ctr">
+        <a:solidFill>
+          <a:schemeClr val="lt1">
+            <a:lumMod val="95000"/>
+            <a:alpha val="54000"/>
+          </a:schemeClr>
+        </a:solidFill>
+        <a:round/>
+      </a:ln>
+    </cs:spPr>
     <cs:defRPr sz="900" kern="1200"/>
   </cs:seriesAxis>
   <cs:seriesLine>
@@ -1642,14 +1378,14 @@
     <cs:fillRef idx="0"/>
     <cs:effectRef idx="0"/>
     <cs:fontRef idx="minor">
-      <a:schemeClr val="tx1"/>
+      <a:schemeClr val="lt1"/>
     </cs:fontRef>
     <cs:spPr>
       <a:ln w="9525" cap="flat" cmpd="sng" algn="ctr">
         <a:solidFill>
-          <a:schemeClr val="tx1">
-            <a:lumMod val="35000"/>
-            <a:lumOff val="65000"/>
+          <a:schemeClr val="lt1">
+            <a:lumMod val="95000"/>
+            <a:alpha val="54000"/>
           </a:schemeClr>
         </a:solidFill>
         <a:round/>
@@ -1661,12 +1397,19 @@
     <cs:fillRef idx="0"/>
     <cs:effectRef idx="0"/>
     <cs:fontRef idx="minor">
-      <a:schemeClr val="tx1">
-        <a:lumMod val="65000"/>
-        <a:lumOff val="35000"/>
+      <a:schemeClr val="lt1">
+        <a:lumMod val="95000"/>
       </a:schemeClr>
     </cs:fontRef>
-    <cs:defRPr sz="1400" b="0" kern="1200" spc="0" baseline="0"/>
+    <cs:defRPr sz="1600" b="1" kern="1200" spc="100" baseline="0">
+      <a:effectLst>
+        <a:outerShdw blurRad="50800" dist="38100" dir="5400000" algn="t" rotWithShape="0">
+          <a:prstClr val="black">
+            <a:alpha val="40000"/>
+          </a:prstClr>
+        </a:outerShdw>
+      </a:effectLst>
+    </cs:defRPr>
   </cs:title>
   <cs:trendline>
     <cs:lnRef idx="0">
@@ -1682,7 +1425,6 @@
         <a:solidFill>
           <a:schemeClr val="phClr"/>
         </a:solidFill>
-        <a:prstDash val="sysDot"/>
       </a:ln>
     </cs:spPr>
   </cs:trendline>
@@ -1691,9 +1433,8 @@
     <cs:fillRef idx="0"/>
     <cs:effectRef idx="0"/>
     <cs:fontRef idx="minor">
-      <a:schemeClr val="tx1">
-        <a:lumMod val="65000"/>
-        <a:lumOff val="35000"/>
+      <a:schemeClr val="lt1">
+        <a:lumMod val="85000"/>
       </a:schemeClr>
     </cs:fontRef>
     <cs:defRPr sz="900" kern="1200"/>
@@ -1703,7 +1444,7 @@
     <cs:fillRef idx="0"/>
     <cs:effectRef idx="0"/>
     <cs:fontRef idx="minor">
-      <a:schemeClr val="dk1"/>
+      <a:schemeClr val="tx1"/>
     </cs:fontRef>
     <cs:spPr>
       <a:solidFill>
@@ -1711,9 +1452,9 @@
       </a:solidFill>
       <a:ln w="9525">
         <a:solidFill>
-          <a:schemeClr val="tx1">
-            <a:lumMod val="15000"/>
-            <a:lumOff val="85000"/>
+          <a:schemeClr val="lt1">
+            <a:lumMod val="95000"/>
+            <a:alpha val="54000"/>
           </a:schemeClr>
         </a:solidFill>
       </a:ln>
@@ -1724,9 +1465,8 @@
     <cs:fillRef idx="0"/>
     <cs:effectRef idx="0"/>
     <cs:fontRef idx="minor">
-      <a:schemeClr val="tx1">
-        <a:lumMod val="65000"/>
-        <a:lumOff val="35000"/>
+      <a:schemeClr val="lt1">
+        <a:lumMod val="85000"/>
       </a:schemeClr>
     </cs:fontRef>
     <cs:defRPr sz="900" kern="1200"/>
@@ -1738,134 +1478,8 @@
     <cs:fontRef idx="minor">
       <a:schemeClr val="tx1"/>
     </cs:fontRef>
-    <cs:spPr>
-      <a:noFill/>
-      <a:ln>
-        <a:noFill/>
-      </a:ln>
-    </cs:spPr>
   </cs:wall>
 </cs:chartStyle>
-</file>
-
-<file path=ppt/drawings/drawing1.xml><?xml version="1.0" encoding="utf-8"?>
-<c:userShapes xmlns:c="http://schemas.openxmlformats.org/drawingml/2006/chart">
-  <cdr:relSizeAnchor xmlns:cdr="http://schemas.openxmlformats.org/drawingml/2006/chartDrawing">
-    <cdr:from>
-      <cdr:x>0.04479</cdr:x>
-      <cdr:y>0.05729</cdr:y>
-    </cdr:from>
-    <cdr:to>
-      <cdr:x>0.24063</cdr:x>
-      <cdr:y>0.15799</cdr:y>
-    </cdr:to>
-    <cdr:sp macro="" textlink="">
-      <cdr:nvSpPr>
-        <cdr:cNvPr id="2" name="ZoneTexte 1"/>
-        <cdr:cNvSpPr txBox="1"/>
-      </cdr:nvSpPr>
-      <cdr:spPr>
-        <a:xfrm xmlns:a="http://schemas.openxmlformats.org/drawingml/2006/main">
-          <a:off x="204788" y="157163"/>
-          <a:ext cx="895350" cy="276225"/>
-        </a:xfrm>
-        <a:prstGeom xmlns:a="http://schemas.openxmlformats.org/drawingml/2006/main" prst="rect">
-          <a:avLst/>
-        </a:prstGeom>
-      </cdr:spPr>
-      <cdr:txBody>
-        <a:bodyPr xmlns:a="http://schemas.openxmlformats.org/drawingml/2006/main" vertOverflow="clip" wrap="none" rtlCol="0"/>
-        <a:lstStyle xmlns:a="http://schemas.openxmlformats.org/drawingml/2006/main"/>
-        <a:p xmlns:a="http://schemas.openxmlformats.org/drawingml/2006/main">
-          <a:endParaRPr lang="fr-FR" sz="1100"/>
-        </a:p>
-      </cdr:txBody>
-    </cdr:sp>
-  </cdr:relSizeAnchor>
-  <cdr:relSizeAnchor xmlns:cdr="http://schemas.openxmlformats.org/drawingml/2006/chartDrawing">
-    <cdr:from>
-      <cdr:x>0.01146</cdr:x>
-      <cdr:y>0.02951</cdr:y>
-    </cdr:from>
-    <cdr:to>
-      <cdr:x>0.06563</cdr:x>
-      <cdr:y>0.11285</cdr:y>
-    </cdr:to>
-    <cdr:sp macro="" textlink="">
-      <cdr:nvSpPr>
-        <cdr:cNvPr id="3" name="ZoneTexte 2"/>
-        <cdr:cNvSpPr txBox="1"/>
-      </cdr:nvSpPr>
-      <cdr:spPr>
-        <a:xfrm xmlns:a="http://schemas.openxmlformats.org/drawingml/2006/main">
-          <a:off x="52388" y="80963"/>
-          <a:ext cx="247650" cy="228600"/>
-        </a:xfrm>
-        <a:prstGeom xmlns:a="http://schemas.openxmlformats.org/drawingml/2006/main" prst="rect">
-          <a:avLst/>
-        </a:prstGeom>
-      </cdr:spPr>
-      <cdr:txBody>
-        <a:bodyPr xmlns:a="http://schemas.openxmlformats.org/drawingml/2006/main" vertOverflow="clip" wrap="none" rtlCol="0"/>
-        <a:lstStyle xmlns:a="http://schemas.openxmlformats.org/drawingml/2006/main"/>
-        <a:p xmlns:a="http://schemas.openxmlformats.org/drawingml/2006/main">
-          <a:r>
-            <a:rPr lang="fr-FR" sz="1100"/>
-            <a:t>% scanned</a:t>
-          </a:r>
-          <a:r>
-            <a:rPr lang="fr-FR" sz="1100" baseline="0"/>
-            <a:t> zone</a:t>
-          </a:r>
-          <a:endParaRPr lang="fr-FR" sz="1100"/>
-        </a:p>
-        <a:p xmlns:a="http://schemas.openxmlformats.org/drawingml/2006/main">
-          <a:endParaRPr lang="fr-FR" sz="1100"/>
-        </a:p>
-      </cdr:txBody>
-    </cdr:sp>
-  </cdr:relSizeAnchor>
-  <cdr:relSizeAnchor xmlns:cdr="http://schemas.openxmlformats.org/drawingml/2006/chartDrawing">
-    <cdr:from>
-      <cdr:x>0.8</cdr:x>
-      <cdr:y>0.8559</cdr:y>
-    </cdr:from>
-    <cdr:to>
-      <cdr:x>1</cdr:x>
-      <cdr:y>0.96875</cdr:y>
-    </cdr:to>
-    <cdr:sp macro="" textlink="">
-      <cdr:nvSpPr>
-        <cdr:cNvPr id="4" name="ZoneTexte 3"/>
-        <cdr:cNvSpPr txBox="1"/>
-      </cdr:nvSpPr>
-      <cdr:spPr>
-        <a:xfrm xmlns:a="http://schemas.openxmlformats.org/drawingml/2006/main">
-          <a:off x="3657600" y="2347913"/>
-          <a:ext cx="914400" cy="309562"/>
-        </a:xfrm>
-        <a:prstGeom xmlns:a="http://schemas.openxmlformats.org/drawingml/2006/main" prst="rect">
-          <a:avLst/>
-        </a:prstGeom>
-      </cdr:spPr>
-      <cdr:txBody>
-        <a:bodyPr xmlns:a="http://schemas.openxmlformats.org/drawingml/2006/main" vertOverflow="clip" wrap="none" rtlCol="0"/>
-        <a:lstStyle xmlns:a="http://schemas.openxmlformats.org/drawingml/2006/main"/>
-        <a:p xmlns:a="http://schemas.openxmlformats.org/drawingml/2006/main">
-          <a:r>
-            <a:rPr lang="fr-FR" sz="1100"/>
-            <a:t>time</a:t>
-          </a:r>
-          <a:r>
-            <a:rPr lang="fr-FR" sz="1100" baseline="0"/>
-            <a:t> (min)</a:t>
-          </a:r>
-          <a:endParaRPr lang="fr-FR" sz="1100"/>
-        </a:p>
-      </cdr:txBody>
-    </cdr:sp>
-  </cdr:relSizeAnchor>
-</c:userShapes>
 </file>
 
 <file path=ppt/handoutMasters/handoutMaster1.xml><?xml version="1.0" encoding="utf-8"?>
@@ -8574,7 +8188,7 @@
         <p:spPr>
           <a:xfrm>
             <a:off x="106842" y="6135107"/>
-            <a:ext cx="2808312" cy="584775"/>
+            <a:ext cx="3097006" cy="584775"/>
           </a:xfrm>
           <a:prstGeom prst="rect">
             <a:avLst/>
@@ -8589,7 +8203,23 @@
           <a:p>
             <a:r>
               <a:rPr lang="fr-FR" sz="1600" b="1" dirty="0" smtClean="0"/>
-              <a:t>Master 2 Computer Science, Network, System and </a:t>
+              <a:t>Master 2 Computer Science, </a:t>
+            </a:r>
+            <a:r>
+              <a:rPr lang="fr-FR" sz="1600" b="1" dirty="0" smtClean="0"/>
+              <a:t>Networks, </a:t>
+            </a:r>
+            <a:r>
+              <a:rPr lang="fr-FR" sz="1600" b="1" dirty="0" err="1" smtClean="0"/>
+              <a:t>Systems</a:t>
+            </a:r>
+            <a:r>
+              <a:rPr lang="fr-FR" sz="1600" b="1" dirty="0" smtClean="0"/>
+              <a:t> </a:t>
+            </a:r>
+            <a:r>
+              <a:rPr lang="fr-FR" sz="1600" b="1" dirty="0" smtClean="0"/>
+              <a:t>and </a:t>
             </a:r>
             <a:r>
               <a:rPr lang="fr-FR" sz="1600" b="1" dirty="0" err="1" smtClean="0"/>
@@ -8830,7 +8460,7 @@
           <a:p>
             <a:r>
               <a:rPr lang="fr-FR" sz="1600" i="1" dirty="0" smtClean="0"/>
-              <a:t>ICWM 2006</a:t>
+              <a:t>ICWMC 2006</a:t>
             </a:r>
             <a:endParaRPr lang="fr-FR" sz="1600" i="1" dirty="0"/>
           </a:p>
@@ -9102,19 +8732,15 @@
             </a:r>
             <a:r>
               <a:rPr lang="fr-FR" dirty="0"/>
-              <a:t> of </a:t>
+              <a:t> </a:t>
             </a:r>
             <a:r>
               <a:rPr lang="fr-FR" dirty="0" err="1"/>
-              <a:t>our</a:t>
+              <a:t>studied</a:t>
             </a:r>
             <a:r>
               <a:rPr lang="fr-FR" dirty="0"/>
-              <a:t> </a:t>
-            </a:r>
-            <a:r>
-              <a:rPr lang="fr-FR" dirty="0" err="1"/>
-              <a:t>study</a:t>
+              <a:t> in the article</a:t>
             </a:r>
             <a:endParaRPr lang="fr-FR" dirty="0"/>
           </a:p>
@@ -9342,95 +8968,11 @@
               <a:rPr lang="fr-FR" sz="2800" dirty="0" smtClean="0"/>
               <a:t>Adaptative </a:t>
             </a:r>
-          </a:p>
-          <a:p>
-            <a:pPr marL="457200" lvl="1" indent="0">
-              <a:buNone/>
-            </a:pPr>
             <a:r>
               <a:rPr lang="fr-FR" sz="2800" dirty="0" smtClean="0"/>
-              <a:t>                     UAV</a:t>
-            </a:r>
-          </a:p>
-        </p:txBody>
-      </p:sp>
-      <p:pic>
-        <p:nvPicPr>
-          <p:cNvPr id="10" name="Image 9"/>
-          <p:cNvPicPr>
-            <a:picLocks noChangeAspect="1"/>
-          </p:cNvPicPr>
-          <p:nvPr/>
-        </p:nvPicPr>
-        <p:blipFill>
-          <a:blip r:embed="rId7" cstate="email">
-            <a:extLst>
-              <a:ext uri="{28A0092B-C50C-407E-A947-70E740481C1C}">
-                <a14:useLocalDpi xmlns:a14="http://schemas.microsoft.com/office/drawing/2010/main" val="0"/>
-              </a:ext>
-            </a:extLst>
-          </a:blip>
-          <a:stretch>
-            <a:fillRect/>
-          </a:stretch>
-        </p:blipFill>
-        <p:spPr>
-          <a:xfrm>
-            <a:off x="4980484" y="2996952"/>
-            <a:ext cx="4143465" cy="2678965"/>
-          </a:xfrm>
-          <a:prstGeom prst="rect">
-            <a:avLst/>
-          </a:prstGeom>
-        </p:spPr>
-      </p:pic>
-      <p:sp>
-        <p:nvSpPr>
-          <p:cNvPr id="11" name="ZoneTexte 10"/>
-          <p:cNvSpPr txBox="1"/>
-          <p:nvPr/>
-        </p:nvSpPr>
-        <p:spPr>
-          <a:xfrm>
-            <a:off x="5268609" y="5675917"/>
-            <a:ext cx="2704651" cy="276999"/>
-          </a:xfrm>
-          <a:prstGeom prst="rect">
-            <a:avLst/>
-          </a:prstGeom>
-          <a:noFill/>
-        </p:spPr>
-        <p:txBody>
-          <a:bodyPr wrap="none" rtlCol="0">
-            <a:spAutoFit/>
-          </a:bodyPr>
-          <a:lstStyle/>
-          <a:p>
-            <a:r>
-              <a:rPr lang="fr-FR" sz="1200" dirty="0" smtClean="0"/>
-              <a:t>[2] : </a:t>
-            </a:r>
-            <a:r>
-              <a:rPr lang="fr-FR" sz="1200" dirty="0" err="1" smtClean="0"/>
-              <a:t>Result</a:t>
-            </a:r>
-            <a:r>
-              <a:rPr lang="fr-FR" sz="1200" dirty="0" smtClean="0"/>
-              <a:t> pattern of </a:t>
-            </a:r>
-            <a:r>
-              <a:rPr lang="fr-FR" sz="1200" dirty="0" err="1" smtClean="0"/>
-              <a:t>Random</a:t>
-            </a:r>
-            <a:r>
-              <a:rPr lang="fr-FR" sz="1200" dirty="0" smtClean="0"/>
-              <a:t> </a:t>
-            </a:r>
-            <a:r>
-              <a:rPr lang="fr-FR" sz="1200" dirty="0" err="1" smtClean="0"/>
-              <a:t>Waypoint</a:t>
-            </a:r>
-            <a:endParaRPr lang="fr-FR" sz="1200" dirty="0"/>
+              <a:t>UAV</a:t>
+            </a:r>
+            <a:endParaRPr lang="fr-FR" sz="2800" dirty="0" smtClean="0"/>
           </a:p>
         </p:txBody>
       </p:sp>
@@ -9495,48 +9037,6 @@
               <a:t>Testa</a:t>
             </a:r>
             <a:endParaRPr lang="en-US" dirty="0"/>
-          </a:p>
-        </p:txBody>
-      </p:sp>
-      <p:sp>
-        <p:nvSpPr>
-          <p:cNvPr id="15" name="ZoneTexte 14"/>
-          <p:cNvSpPr txBox="1"/>
-          <p:nvPr/>
-        </p:nvSpPr>
-        <p:spPr>
-          <a:xfrm>
-            <a:off x="90987" y="0"/>
-            <a:ext cx="2225824" cy="646331"/>
-          </a:xfrm>
-          <a:prstGeom prst="rect">
-            <a:avLst/>
-          </a:prstGeom>
-          <a:noFill/>
-        </p:spPr>
-        <p:txBody>
-          <a:bodyPr wrap="square" rtlCol="0">
-            <a:spAutoFit/>
-          </a:bodyPr>
-          <a:lstStyle/>
-          <a:p>
-            <a:r>
-              <a:rPr lang="fr-FR" dirty="0" err="1" smtClean="0"/>
-              <a:t>Models</a:t>
-            </a:r>
-            <a:r>
-              <a:rPr lang="fr-FR" dirty="0" smtClean="0"/>
-              <a:t> </a:t>
-            </a:r>
-            <a:r>
-              <a:rPr lang="fr-FR" dirty="0" err="1" smtClean="0"/>
-              <a:t>from</a:t>
-            </a:r>
-            <a:r>
-              <a:rPr lang="fr-FR" dirty="0" smtClean="0"/>
-              <a:t> the article</a:t>
-            </a:r>
-            <a:endParaRPr lang="fr-FR" dirty="0"/>
           </a:p>
         </p:txBody>
       </p:sp>
@@ -9716,19 +9216,15 @@
             </a:r>
             <a:r>
               <a:rPr lang="fr-FR" dirty="0"/>
-              <a:t> of </a:t>
+              <a:t> </a:t>
             </a:r>
             <a:r>
               <a:rPr lang="fr-FR" dirty="0" err="1"/>
-              <a:t>our</a:t>
+              <a:t>studied</a:t>
             </a:r>
             <a:r>
               <a:rPr lang="fr-FR" dirty="0"/>
-              <a:t> </a:t>
-            </a:r>
-            <a:r>
-              <a:rPr lang="fr-FR" dirty="0" err="1"/>
-              <a:t>study</a:t>
+              <a:t> in the article</a:t>
             </a:r>
             <a:endParaRPr lang="fr-FR" dirty="0"/>
           </a:p>
@@ -9953,48 +9449,6 @@
               <a:t>Testa</a:t>
             </a:r>
             <a:endParaRPr lang="en-US" dirty="0"/>
-          </a:p>
-        </p:txBody>
-      </p:sp>
-      <p:sp>
-        <p:nvSpPr>
-          <p:cNvPr id="10" name="ZoneTexte 9"/>
-          <p:cNvSpPr txBox="1"/>
-          <p:nvPr/>
-        </p:nvSpPr>
-        <p:spPr>
-          <a:xfrm>
-            <a:off x="90987" y="0"/>
-            <a:ext cx="2225824" cy="646331"/>
-          </a:xfrm>
-          <a:prstGeom prst="rect">
-            <a:avLst/>
-          </a:prstGeom>
-          <a:noFill/>
-        </p:spPr>
-        <p:txBody>
-          <a:bodyPr wrap="square" rtlCol="0">
-            <a:spAutoFit/>
-          </a:bodyPr>
-          <a:lstStyle/>
-          <a:p>
-            <a:r>
-              <a:rPr lang="fr-FR" dirty="0" err="1" smtClean="0"/>
-              <a:t>Models</a:t>
-            </a:r>
-            <a:r>
-              <a:rPr lang="fr-FR" dirty="0" smtClean="0"/>
-              <a:t> </a:t>
-            </a:r>
-            <a:r>
-              <a:rPr lang="fr-FR" dirty="0" err="1" smtClean="0"/>
-              <a:t>from</a:t>
-            </a:r>
-            <a:r>
-              <a:rPr lang="fr-FR" dirty="0" smtClean="0"/>
-              <a:t> the article</a:t>
-            </a:r>
-            <a:endParaRPr lang="fr-FR" dirty="0"/>
           </a:p>
         </p:txBody>
       </p:sp>
@@ -10174,19 +9628,15 @@
             </a:r>
             <a:r>
               <a:rPr lang="fr-FR" dirty="0"/>
-              <a:t> of </a:t>
+              <a:t> </a:t>
             </a:r>
             <a:r>
               <a:rPr lang="fr-FR" dirty="0" err="1"/>
-              <a:t>our</a:t>
+              <a:t>studied</a:t>
             </a:r>
             <a:r>
               <a:rPr lang="fr-FR" dirty="0"/>
-              <a:t> </a:t>
-            </a:r>
-            <a:r>
-              <a:rPr lang="fr-FR" dirty="0" err="1"/>
-              <a:t>study</a:t>
+              <a:t> in the article</a:t>
             </a:r>
             <a:endParaRPr lang="fr-FR" dirty="0"/>
           </a:p>
@@ -10444,48 +9894,6 @@
               <a:t>Testa</a:t>
             </a:r>
             <a:endParaRPr lang="en-US" dirty="0"/>
-          </a:p>
-        </p:txBody>
-      </p:sp>
-      <p:sp>
-        <p:nvSpPr>
-          <p:cNvPr id="15" name="ZoneTexte 14"/>
-          <p:cNvSpPr txBox="1"/>
-          <p:nvPr/>
-        </p:nvSpPr>
-        <p:spPr>
-          <a:xfrm>
-            <a:off x="90987" y="0"/>
-            <a:ext cx="2225824" cy="646331"/>
-          </a:xfrm>
-          <a:prstGeom prst="rect">
-            <a:avLst/>
-          </a:prstGeom>
-          <a:noFill/>
-        </p:spPr>
-        <p:txBody>
-          <a:bodyPr wrap="square" rtlCol="0">
-            <a:spAutoFit/>
-          </a:bodyPr>
-          <a:lstStyle/>
-          <a:p>
-            <a:r>
-              <a:rPr lang="fr-FR" dirty="0" err="1" smtClean="0"/>
-              <a:t>Models</a:t>
-            </a:r>
-            <a:r>
-              <a:rPr lang="fr-FR" dirty="0" smtClean="0"/>
-              <a:t> </a:t>
-            </a:r>
-            <a:r>
-              <a:rPr lang="fr-FR" dirty="0" err="1" smtClean="0"/>
-              <a:t>from</a:t>
-            </a:r>
-            <a:r>
-              <a:rPr lang="fr-FR" dirty="0" smtClean="0"/>
-              <a:t> the article</a:t>
-            </a:r>
-            <a:endParaRPr lang="fr-FR" dirty="0"/>
           </a:p>
         </p:txBody>
       </p:sp>
@@ -12356,8 +11764,13 @@
             </a:r>
             <a:r>
               <a:rPr lang="fr-FR" sz="2800" dirty="0" smtClean="0"/>
-              <a:t> objectives.</a:t>
-            </a:r>
+              <a:t> </a:t>
+            </a:r>
+            <a:r>
+              <a:rPr lang="fr-FR" sz="2800" dirty="0" smtClean="0"/>
+              <a:t>objectives</a:t>
+            </a:r>
+            <a:endParaRPr lang="fr-FR" sz="2800" dirty="0" smtClean="0"/>
           </a:p>
           <a:p>
             <a:pPr lvl="1">
@@ -12394,7 +11807,15 @@
             </a:r>
             <a:r>
               <a:rPr lang="fr-FR" sz="2800" dirty="0" smtClean="0"/>
-              <a:t> model not </a:t>
+              <a:t> model </a:t>
+            </a:r>
+            <a:r>
+              <a:rPr lang="fr-FR" sz="2800" dirty="0" err="1" smtClean="0"/>
+              <a:t>is</a:t>
+            </a:r>
+            <a:r>
+              <a:rPr lang="fr-FR" sz="2800" dirty="0" smtClean="0"/>
+              <a:t> not </a:t>
             </a:r>
             <a:r>
               <a:rPr lang="fr-FR" sz="2800" dirty="0" err="1" smtClean="0"/>
@@ -12906,8 +12327,13 @@
             </a:r>
             <a:r>
               <a:rPr lang="fr-FR" sz="2000" dirty="0" smtClean="0"/>
-              <a:t> area.</a:t>
-            </a:r>
+              <a:t> </a:t>
+            </a:r>
+            <a:r>
+              <a:rPr lang="fr-FR" sz="2000" dirty="0" smtClean="0"/>
+              <a:t>area</a:t>
+            </a:r>
+            <a:endParaRPr lang="fr-FR" sz="2000" dirty="0" smtClean="0"/>
           </a:p>
         </p:txBody>
       </p:sp>
@@ -13516,7 +12942,7 @@
         <p:spPr>
           <a:xfrm>
             <a:off x="5846178" y="2560836"/>
-            <a:ext cx="2993022" cy="2308324"/>
+            <a:ext cx="2993022" cy="1938992"/>
           </a:xfrm>
           <a:prstGeom prst="rect">
             <a:avLst/>
@@ -13534,55 +12960,26 @@
               <a:buChar char="•"/>
             </a:pPr>
             <a:r>
-              <a:rPr lang="fr-FR" sz="2400" dirty="0" err="1">
-                <a:solidFill>
-                  <a:srgbClr val="FF0000"/>
-                </a:solidFill>
-              </a:rPr>
-              <a:t>Presence</a:t>
-            </a:r>
-            <a:r>
-              <a:rPr lang="fr-FR" sz="2400" dirty="0">
-                <a:solidFill>
-                  <a:srgbClr val="FF0000"/>
-                </a:solidFill>
-              </a:rPr>
-              <a:t> of C&amp;C </a:t>
-            </a:r>
-            <a:r>
-              <a:rPr lang="fr-FR" sz="2400" dirty="0" err="1">
-                <a:solidFill>
-                  <a:srgbClr val="FF0000"/>
-                </a:solidFill>
-              </a:rPr>
-              <a:t>does</a:t>
-            </a:r>
-            <a:r>
-              <a:rPr lang="fr-FR" sz="2400" dirty="0">
-                <a:solidFill>
-                  <a:srgbClr val="FF0000"/>
-                </a:solidFill>
-              </a:rPr>
-              <a:t> not </a:t>
-            </a:r>
-            <a:r>
-              <a:rPr lang="fr-FR" sz="2400" dirty="0" smtClean="0">
-                <a:solidFill>
-                  <a:srgbClr val="FF0000"/>
-                </a:solidFill>
-              </a:rPr>
-              <a:t>move</a:t>
-            </a:r>
-          </a:p>
-          <a:p>
-            <a:pPr marL="342900" indent="-342900">
-              <a:buFont typeface="Arial" panose="020B0604020202020204" pitchFamily="34" charset="0"/>
-              <a:buChar char="•"/>
-            </a:pPr>
-            <a:r>
-              <a:rPr lang="fr-FR" sz="2400" dirty="0"/>
+              <a:rPr lang="fr-FR" sz="2400" dirty="0" smtClean="0"/>
               <a:t>Communication </a:t>
             </a:r>
+            <a:r>
+              <a:rPr lang="fr-FR" sz="2400" dirty="0" err="1" smtClean="0"/>
+              <a:t>between</a:t>
+            </a:r>
+            <a:r>
+              <a:rPr lang="fr-FR" sz="2400" dirty="0" smtClean="0"/>
+              <a:t> </a:t>
+            </a:r>
+            <a:r>
+              <a:rPr lang="fr-FR" sz="2400" dirty="0" err="1" smtClean="0"/>
+              <a:t>UAVs</a:t>
+            </a:r>
+            <a:r>
+              <a:rPr lang="fr-FR" sz="2400" dirty="0" smtClean="0"/>
+              <a:t> </a:t>
+            </a:r>
+            <a:endParaRPr lang="fr-FR" sz="2400" dirty="0"/>
           </a:p>
           <a:p>
             <a:pPr marL="342900" indent="-342900">
@@ -13921,7 +13318,7 @@
         </p:nvSpPr>
         <p:spPr>
           <a:xfrm>
-            <a:off x="2339752" y="1285073"/>
+            <a:off x="2207073" y="1340345"/>
             <a:ext cx="1337226" cy="523220"/>
           </a:xfrm>
           <a:prstGeom prst="rect">
@@ -13943,9 +13340,141 @@
           </a:p>
         </p:txBody>
       </p:sp>
+      <p:sp>
+        <p:nvSpPr>
+          <p:cNvPr id="12" name="ZoneTexte 11"/>
+          <p:cNvSpPr txBox="1"/>
+          <p:nvPr/>
+        </p:nvSpPr>
+        <p:spPr>
+          <a:xfrm>
+            <a:off x="4722168" y="1346628"/>
+            <a:ext cx="3018184" cy="523220"/>
+          </a:xfrm>
+          <a:prstGeom prst="rect">
+            <a:avLst/>
+          </a:prstGeom>
+          <a:noFill/>
+        </p:spPr>
+        <p:txBody>
+          <a:bodyPr wrap="square" rtlCol="0">
+            <a:spAutoFit/>
+          </a:bodyPr>
+          <a:lstStyle/>
+          <a:p>
+            <a:r>
+              <a:rPr lang="fr-FR" sz="2800" dirty="0" err="1" smtClean="0"/>
+              <a:t>Pheromone</a:t>
+            </a:r>
+            <a:r>
+              <a:rPr lang="fr-FR" sz="2800" dirty="0" smtClean="0"/>
+              <a:t> model</a:t>
+            </a:r>
+            <a:endParaRPr lang="fr-FR" sz="2800" dirty="0"/>
+          </a:p>
+        </p:txBody>
+      </p:sp>
+      <p:sp>
+        <p:nvSpPr>
+          <p:cNvPr id="11" name="Espace réservé du pied de page 5"/>
+          <p:cNvSpPr>
+            <a:spLocks noGrp="1"/>
+          </p:cNvSpPr>
+          <p:nvPr>
+            <p:ph type="ftr" sz="quarter" idx="11"/>
+          </p:nvPr>
+        </p:nvSpPr>
+        <p:spPr>
+          <a:xfrm>
+            <a:off x="3352800" y="6356350"/>
+            <a:ext cx="3235424" cy="365125"/>
+          </a:xfrm>
+        </p:spPr>
+        <p:txBody>
+          <a:bodyPr/>
+          <a:lstStyle/>
+          <a:p>
+            <a:r>
+              <a:rPr lang="en-US" dirty="0"/>
+              <a:t>Master 2 – Computer Science – Authors : </a:t>
+            </a:r>
+            <a:r>
+              <a:rPr lang="en-US" dirty="0" err="1"/>
+              <a:t>Castagnet</a:t>
+            </a:r>
+            <a:r>
+              <a:rPr lang="en-US" dirty="0"/>
+              <a:t>, </a:t>
+            </a:r>
+            <a:r>
+              <a:rPr lang="en-US" dirty="0" err="1"/>
+              <a:t>Etcheverry</a:t>
+            </a:r>
+            <a:r>
+              <a:rPr lang="en-US" dirty="0"/>
+              <a:t>, </a:t>
+            </a:r>
+            <a:r>
+              <a:rPr lang="en-US" dirty="0" err="1"/>
+              <a:t>Paziewski</a:t>
+            </a:r>
+            <a:r>
+              <a:rPr lang="en-US" dirty="0"/>
+              <a:t>, </a:t>
+            </a:r>
+            <a:r>
+              <a:rPr lang="en-US" dirty="0" err="1"/>
+              <a:t>Tessier</a:t>
+            </a:r>
+            <a:r>
+              <a:rPr lang="en-US" dirty="0"/>
+              <a:t>, </a:t>
+            </a:r>
+            <a:r>
+              <a:rPr lang="en-US" dirty="0" err="1"/>
+              <a:t>Testa</a:t>
+            </a:r>
+            <a:endParaRPr lang="en-US" dirty="0"/>
+          </a:p>
+        </p:txBody>
+      </p:sp>
+      <p:sp>
+        <p:nvSpPr>
+          <p:cNvPr id="15" name="ZoneTexte 14"/>
+          <p:cNvSpPr txBox="1"/>
+          <p:nvPr/>
+        </p:nvSpPr>
+        <p:spPr>
+          <a:xfrm>
+            <a:off x="90987" y="0"/>
+            <a:ext cx="2225824" cy="369332"/>
+          </a:xfrm>
+          <a:prstGeom prst="rect">
+            <a:avLst/>
+          </a:prstGeom>
+          <a:noFill/>
+        </p:spPr>
+        <p:txBody>
+          <a:bodyPr wrap="square" rtlCol="0">
+            <a:spAutoFit/>
+          </a:bodyPr>
+          <a:lstStyle/>
+          <a:p>
+            <a:r>
+              <a:rPr lang="fr-FR" dirty="0" smtClean="0"/>
+              <a:t>Our </a:t>
+            </a:r>
+            <a:r>
+              <a:rPr lang="fr-FR" dirty="0" err="1" smtClean="0"/>
+              <a:t>Work</a:t>
+            </a:r>
+            <a:endParaRPr lang="fr-FR" dirty="0"/>
+          </a:p>
+        </p:txBody>
+      </p:sp>
       <p:pic>
         <p:nvPicPr>
-          <p:cNvPr id="7" name="Image 6"/>
+          <p:cNvPr id="3" name="Image 2"/>
           <p:cNvPicPr>
             <a:picLocks noChangeAspect="1"/>
           </p:cNvPicPr>
@@ -13959,51 +13488,17 @@
         </p:blipFill>
         <p:spPr>
           <a:xfrm>
-            <a:off x="1192219" y="2157399"/>
-            <a:ext cx="3768452" cy="3910517"/>
+            <a:off x="925202" y="1932014"/>
+            <a:ext cx="3754255" cy="3948698"/>
           </a:xfrm>
           <a:prstGeom prst="rect">
             <a:avLst/>
           </a:prstGeom>
         </p:spPr>
       </p:pic>
-      <p:sp>
-        <p:nvSpPr>
-          <p:cNvPr id="12" name="ZoneTexte 11"/>
-          <p:cNvSpPr txBox="1"/>
-          <p:nvPr/>
-        </p:nvSpPr>
-        <p:spPr>
-          <a:xfrm>
-            <a:off x="4722168" y="1346628"/>
-            <a:ext cx="3018184" cy="523220"/>
-          </a:xfrm>
-          <a:prstGeom prst="rect">
-            <a:avLst/>
-          </a:prstGeom>
-          <a:noFill/>
-        </p:spPr>
-        <p:txBody>
-          <a:bodyPr wrap="square" rtlCol="0">
-            <a:spAutoFit/>
-          </a:bodyPr>
-          <a:lstStyle/>
-          <a:p>
-            <a:r>
-              <a:rPr lang="fr-FR" sz="2800" dirty="0" err="1" smtClean="0"/>
-              <a:t>Pheromone</a:t>
-            </a:r>
-            <a:r>
-              <a:rPr lang="fr-FR" sz="2800" dirty="0" smtClean="0"/>
-              <a:t> model</a:t>
-            </a:r>
-            <a:endParaRPr lang="fr-FR" sz="2800" dirty="0"/>
-          </a:p>
-        </p:txBody>
-      </p:sp>
       <p:pic>
         <p:nvPicPr>
-          <p:cNvPr id="14" name="Image 13"/>
+          <p:cNvPr id="5" name="Image 4"/>
           <p:cNvPicPr>
             <a:picLocks noChangeAspect="1"/>
           </p:cNvPicPr>
@@ -14017,112 +13512,14 @@
         </p:blipFill>
         <p:spPr>
           <a:xfrm>
-            <a:off x="5041606" y="2492896"/>
-            <a:ext cx="3916275" cy="3202316"/>
+            <a:off x="4740832" y="2996952"/>
+            <a:ext cx="4294188" cy="1791158"/>
           </a:xfrm>
           <a:prstGeom prst="rect">
             <a:avLst/>
           </a:prstGeom>
         </p:spPr>
       </p:pic>
-      <p:sp>
-        <p:nvSpPr>
-          <p:cNvPr id="11" name="Espace réservé du pied de page 5"/>
-          <p:cNvSpPr>
-            <a:spLocks noGrp="1"/>
-          </p:cNvSpPr>
-          <p:nvPr>
-            <p:ph type="ftr" sz="quarter" idx="11"/>
-          </p:nvPr>
-        </p:nvSpPr>
-        <p:spPr>
-          <a:xfrm>
-            <a:off x="3352800" y="6356350"/>
-            <a:ext cx="3235424" cy="365125"/>
-          </a:xfrm>
-        </p:spPr>
-        <p:txBody>
-          <a:bodyPr/>
-          <a:lstStyle/>
-          <a:p>
-            <a:r>
-              <a:rPr lang="en-US" dirty="0"/>
-              <a:t>Master 2 – Computer Science – Authors : </a:t>
-            </a:r>
-            <a:r>
-              <a:rPr lang="en-US" dirty="0" err="1"/>
-              <a:t>Castagnet</a:t>
-            </a:r>
-            <a:r>
-              <a:rPr lang="en-US" dirty="0"/>
-              <a:t>, </a:t>
-            </a:r>
-            <a:r>
-              <a:rPr lang="en-US" dirty="0" err="1"/>
-              <a:t>Etcheverry</a:t>
-            </a:r>
-            <a:r>
-              <a:rPr lang="en-US" dirty="0"/>
-              <a:t>, </a:t>
-            </a:r>
-            <a:r>
-              <a:rPr lang="en-US" dirty="0" err="1"/>
-              <a:t>Paziewski</a:t>
-            </a:r>
-            <a:r>
-              <a:rPr lang="en-US" dirty="0"/>
-              <a:t>, </a:t>
-            </a:r>
-            <a:r>
-              <a:rPr lang="en-US" dirty="0" err="1"/>
-              <a:t>Tessier</a:t>
-            </a:r>
-            <a:r>
-              <a:rPr lang="en-US" dirty="0"/>
-              <a:t>, </a:t>
-            </a:r>
-            <a:r>
-              <a:rPr lang="en-US" dirty="0" err="1"/>
-              <a:t>Testa</a:t>
-            </a:r>
-            <a:endParaRPr lang="en-US" dirty="0"/>
-          </a:p>
-        </p:txBody>
-      </p:sp>
-      <p:sp>
-        <p:nvSpPr>
-          <p:cNvPr id="15" name="ZoneTexte 14"/>
-          <p:cNvSpPr txBox="1"/>
-          <p:nvPr/>
-        </p:nvSpPr>
-        <p:spPr>
-          <a:xfrm>
-            <a:off x="90987" y="0"/>
-            <a:ext cx="2225824" cy="369332"/>
-          </a:xfrm>
-          <a:prstGeom prst="rect">
-            <a:avLst/>
-          </a:prstGeom>
-          <a:noFill/>
-        </p:spPr>
-        <p:txBody>
-          <a:bodyPr wrap="square" rtlCol="0">
-            <a:spAutoFit/>
-          </a:bodyPr>
-          <a:lstStyle/>
-          <a:p>
-            <a:r>
-              <a:rPr lang="fr-FR" dirty="0" smtClean="0"/>
-              <a:t>Our </a:t>
-            </a:r>
-            <a:r>
-              <a:rPr lang="fr-FR" dirty="0" err="1" smtClean="0"/>
-              <a:t>Work</a:t>
-            </a:r>
-            <a:endParaRPr lang="fr-FR" dirty="0"/>
-          </a:p>
-        </p:txBody>
-      </p:sp>
     </p:spTree>
     <p:extLst>
       <p:ext uri="{BB962C8B-B14F-4D97-AF65-F5344CB8AC3E}">
@@ -14897,7 +14294,7 @@
         <p:spPr>
           <a:xfrm>
             <a:off x="965448" y="1052737"/>
-            <a:ext cx="4038600" cy="5400599"/>
+            <a:ext cx="4758680" cy="5400599"/>
           </a:xfrm>
           <a:prstGeom prst="rect">
             <a:avLst/>
@@ -15112,40 +14509,15 @@
           <a:p>
             <a:r>
               <a:rPr lang="fr-FR" dirty="0" smtClean="0"/>
-              <a:t>Our article </a:t>
-            </a:r>
-            <a:r>
-              <a:rPr lang="fr-FR" dirty="0" err="1" smtClean="0"/>
-              <a:t>studied</a:t>
+              <a:t>About the article</a:t>
             </a:r>
             <a:endParaRPr lang="fr-FR" dirty="0" smtClean="0"/>
           </a:p>
           <a:p>
             <a:r>
-              <a:rPr lang="fr-FR" dirty="0" err="1" smtClean="0"/>
-              <a:t>Models</a:t>
-            </a:r>
-            <a:r>
-              <a:rPr lang="fr-FR" dirty="0" smtClean="0"/>
-              <a:t> </a:t>
-            </a:r>
-            <a:r>
-              <a:rPr lang="fr-FR" dirty="0"/>
-              <a:t>of </a:t>
-            </a:r>
-            <a:r>
-              <a:rPr lang="fr-FR" dirty="0" err="1"/>
-              <a:t>our</a:t>
-            </a:r>
-            <a:r>
-              <a:rPr lang="fr-FR" dirty="0"/>
-              <a:t> </a:t>
-            </a:r>
-            <a:r>
-              <a:rPr lang="fr-FR" dirty="0" err="1"/>
-              <a:t>study</a:t>
-            </a:r>
-            <a:endParaRPr lang="fr-FR" dirty="0"/>
+              <a:rPr lang="en-US" dirty="0"/>
+              <a:t>Models studied in the article</a:t>
+            </a:r>
           </a:p>
           <a:p>
             <a:r>
@@ -15460,7 +14832,11 @@
             </a:r>
             <a:r>
               <a:rPr lang="fr-FR" sz="2800" dirty="0" smtClean="0"/>
-              <a:t> model</a:t>
+              <a:t> </a:t>
+            </a:r>
+            <a:r>
+              <a:rPr lang="fr-FR" sz="2800" dirty="0" smtClean="0"/>
+              <a:t>model</a:t>
             </a:r>
             <a:endParaRPr lang="fr-FR" sz="2800" dirty="0"/>
           </a:p>
@@ -15969,7 +15345,11 @@
             </a:r>
             <a:r>
               <a:rPr lang="fr-FR" sz="2400" dirty="0" smtClean="0"/>
-              <a:t> 100% of scan.</a:t>
+              <a:t> 100% of </a:t>
+            </a:r>
+            <a:r>
+              <a:rPr lang="fr-FR" sz="2400" dirty="0" smtClean="0"/>
+              <a:t>scan</a:t>
             </a:r>
             <a:endParaRPr lang="fr-FR" sz="2400" dirty="0"/>
           </a:p>
@@ -16311,30 +15691,6 @@
           </a:p>
         </p:txBody>
       </p:sp>
-      <p:graphicFrame>
-        <p:nvGraphicFramePr>
-          <p:cNvPr id="11" name="Graphique 10"/>
-          <p:cNvGraphicFramePr>
-            <a:graphicFrameLocks/>
-          </p:cNvGraphicFramePr>
-          <p:nvPr>
-            <p:extLst>
-              <p:ext uri="{D42A27DB-BD31-4B8C-83A1-F6EECF244321}">
-                <p14:modId xmlns:p14="http://schemas.microsoft.com/office/powerpoint/2010/main" val="1988099908"/>
-              </p:ext>
-            </p:extLst>
-          </p:nvPr>
-        </p:nvGraphicFramePr>
-        <p:xfrm>
-          <a:off x="1763688" y="2343260"/>
-          <a:ext cx="3857744" cy="2885940"/>
-        </p:xfrm>
-        <a:graphic>
-          <a:graphicData uri="http://schemas.openxmlformats.org/drawingml/2006/chart">
-            <c:chart xmlns:c="http://schemas.openxmlformats.org/drawingml/2006/chart" xmlns:r="http://schemas.openxmlformats.org/officeDocument/2006/relationships" r:id="rId6"/>
-          </a:graphicData>
-        </a:graphic>
-      </p:graphicFrame>
       <p:pic>
         <p:nvPicPr>
           <p:cNvPr id="3" name="Image 2"/>
@@ -16344,14 +15700,14 @@
           <p:nvPr/>
         </p:nvPicPr>
         <p:blipFill>
-          <a:blip r:embed="rId7"/>
+          <a:blip r:embed="rId6"/>
           <a:stretch>
             <a:fillRect/>
           </a:stretch>
         </p:blipFill>
         <p:spPr>
           <a:xfrm>
-            <a:off x="6005656" y="1808293"/>
+            <a:off x="6005656" y="1872794"/>
             <a:ext cx="2520280" cy="4436526"/>
           </a:xfrm>
           <a:prstGeom prst="rect">
@@ -16457,6 +15813,30 @@
           </a:p>
         </p:txBody>
       </p:sp>
+      <p:graphicFrame>
+        <p:nvGraphicFramePr>
+          <p:cNvPr id="14" name="Graphique 13"/>
+          <p:cNvGraphicFramePr>
+            <a:graphicFrameLocks/>
+          </p:cNvGraphicFramePr>
+          <p:nvPr>
+            <p:extLst>
+              <p:ext uri="{D42A27DB-BD31-4B8C-83A1-F6EECF244321}">
+                <p14:modId xmlns:p14="http://schemas.microsoft.com/office/powerpoint/2010/main" val="3688278065"/>
+              </p:ext>
+            </p:extLst>
+          </p:nvPr>
+        </p:nvGraphicFramePr>
+        <p:xfrm>
+          <a:off x="814387" y="1872794"/>
+          <a:ext cx="5076825" cy="4004478"/>
+        </p:xfrm>
+        <a:graphic>
+          <a:graphicData uri="http://schemas.openxmlformats.org/drawingml/2006/chart">
+            <c:chart xmlns:c="http://schemas.openxmlformats.org/drawingml/2006/chart" xmlns:r="http://schemas.openxmlformats.org/officeDocument/2006/relationships" r:id="rId7"/>
+          </a:graphicData>
+        </a:graphic>
+      </p:graphicFrame>
     </p:spTree>
     <p:extLst>
       <p:ext uri="{BB962C8B-B14F-4D97-AF65-F5344CB8AC3E}">
@@ -17334,8 +16714,9 @@
             </a:r>
             <a:r>
               <a:rPr lang="fr-FR" sz="2800" dirty="0" smtClean="0"/>
-              <a:t>scenario.</a:t>
-            </a:r>
+              <a:t>scenario</a:t>
+            </a:r>
+            <a:endParaRPr lang="fr-FR" sz="2800" dirty="0" smtClean="0"/>
           </a:p>
           <a:p>
             <a:pPr marL="457200" indent="-457200">
@@ -17438,10 +16819,6 @@
             <a:r>
               <a:rPr lang="fr-FR" sz="2800" dirty="0" err="1" smtClean="0"/>
               <a:t>bandwidth</a:t>
-            </a:r>
-            <a:r>
-              <a:rPr lang="fr-FR" sz="2800" dirty="0" smtClean="0"/>
-              <a:t>.</a:t>
             </a:r>
             <a:endParaRPr lang="fr-FR" sz="2800" dirty="0"/>
           </a:p>
@@ -19547,7 +18924,13 @@
               <a:rPr lang="en-US" sz="2400" i="1" dirty="0">
                 <a:latin typeface="Times New Roman"/>
               </a:rPr>
-              <a:t>once every hour.</a:t>
+              <a:t>once every </a:t>
+            </a:r>
+            <a:r>
+              <a:rPr lang="en-US" sz="2400" i="1" dirty="0" smtClean="0">
+                <a:latin typeface="Times New Roman"/>
+              </a:rPr>
+              <a:t>hour</a:t>
             </a:r>
             <a:endParaRPr lang="en-US" sz="2400" dirty="0"/>
           </a:p>
@@ -19576,7 +18959,7 @@
         </p:blipFill>
         <p:spPr bwMode="auto">
           <a:xfrm>
-            <a:off x="6803504" y="462840"/>
+            <a:off x="762000" y="178476"/>
             <a:ext cx="1937792" cy="1234156"/>
           </a:xfrm>
           <a:prstGeom prst="rect">
@@ -19643,7 +19026,7 @@
         </p:nvSpPr>
         <p:spPr>
           <a:xfrm>
-            <a:off x="5173688" y="1736315"/>
+            <a:off x="762000" y="1536974"/>
             <a:ext cx="3665512" cy="307777"/>
           </a:xfrm>
           <a:prstGeom prst="rect">
@@ -21266,7 +20649,7 @@
             </a:r>
             <a:r>
               <a:rPr lang="fr-FR" dirty="0" err="1" smtClean="0"/>
-              <a:t>Waypoint</a:t>
+              <a:t>Walk</a:t>
             </a:r>
             <a:endParaRPr lang="fr-FR" dirty="0" smtClean="0"/>
           </a:p>
@@ -21590,19 +20973,15 @@
             </a:r>
             <a:r>
               <a:rPr lang="fr-FR" dirty="0" smtClean="0"/>
-              <a:t> of </a:t>
+              <a:t> </a:t>
             </a:r>
             <a:r>
               <a:rPr lang="fr-FR" dirty="0" err="1" smtClean="0"/>
-              <a:t>our</a:t>
+              <a:t>studied</a:t>
             </a:r>
             <a:r>
               <a:rPr lang="fr-FR" dirty="0" smtClean="0"/>
-              <a:t> </a:t>
-            </a:r>
-            <a:r>
-              <a:rPr lang="fr-FR" dirty="0" err="1" smtClean="0"/>
-              <a:t>study</a:t>
+              <a:t> in the article</a:t>
             </a:r>
             <a:endParaRPr lang="fr-FR" dirty="0"/>
           </a:p>
@@ -21622,7 +21001,7 @@
         </p:nvSpPr>
         <p:spPr>
           <a:xfrm>
-            <a:off x="2339752" y="1844824"/>
+            <a:off x="1792796" y="1322936"/>
             <a:ext cx="6355432" cy="2408651"/>
           </a:xfrm>
           <a:prstGeom prst="rect">
@@ -21784,11 +21163,15 @@
             </a:r>
             <a:r>
               <a:rPr lang="fr-FR" sz="3200" dirty="0" err="1" smtClean="0"/>
-              <a:t>Waypoint</a:t>
+              <a:t>Walk</a:t>
             </a:r>
             <a:r>
               <a:rPr lang="fr-FR" sz="3200" dirty="0" smtClean="0"/>
-              <a:t> model</a:t>
+              <a:t> </a:t>
+            </a:r>
+            <a:r>
+              <a:rPr lang="fr-FR" sz="3200" dirty="0" smtClean="0"/>
+              <a:t>model</a:t>
             </a:r>
           </a:p>
           <a:p>
@@ -21913,16 +21296,46 @@
           </a:p>
         </p:txBody>
       </p:sp>
-      <p:sp>
-        <p:nvSpPr>
-          <p:cNvPr id="9" name="ZoneTexte 8"/>
+      <p:pic>
+        <p:nvPicPr>
+          <p:cNvPr id="10" name="Image 9"/>
+          <p:cNvPicPr>
+            <a:picLocks noChangeAspect="1"/>
+          </p:cNvPicPr>
+          <p:nvPr/>
+        </p:nvPicPr>
+        <p:blipFill>
+          <a:blip r:embed="rId7" cstate="email">
+            <a:extLst>
+              <a:ext uri="{28A0092B-C50C-407E-A947-70E740481C1C}">
+                <a14:useLocalDpi xmlns:a14="http://schemas.microsoft.com/office/drawing/2010/main" val="0"/>
+              </a:ext>
+            </a:extLst>
+          </a:blip>
+          <a:stretch>
+            <a:fillRect/>
+          </a:stretch>
+        </p:blipFill>
+        <p:spPr>
+          <a:xfrm>
+            <a:off x="4695318" y="3390222"/>
+            <a:ext cx="4769088" cy="2789338"/>
+          </a:xfrm>
+          <a:prstGeom prst="rect">
+            <a:avLst/>
+          </a:prstGeom>
+        </p:spPr>
+      </p:pic>
+      <p:sp>
+        <p:nvSpPr>
+          <p:cNvPr id="11" name="ZoneTexte 10"/>
           <p:cNvSpPr txBox="1"/>
           <p:nvPr/>
         </p:nvSpPr>
         <p:spPr>
           <a:xfrm>
-            <a:off x="90987" y="0"/>
-            <a:ext cx="2225824" cy="646331"/>
+            <a:off x="5835996" y="6041060"/>
+            <a:ext cx="2487732" cy="276999"/>
           </a:xfrm>
           <a:prstGeom prst="rect">
             <a:avLst/>
@@ -21930,28 +21343,36 @@
           <a:noFill/>
         </p:spPr>
         <p:txBody>
-          <a:bodyPr wrap="square" rtlCol="0">
+          <a:bodyPr wrap="none" rtlCol="0">
             <a:spAutoFit/>
           </a:bodyPr>
           <a:lstStyle/>
           <a:p>
             <a:r>
-              <a:rPr lang="fr-FR" dirty="0" err="1" smtClean="0"/>
-              <a:t>Models</a:t>
-            </a:r>
-            <a:r>
-              <a:rPr lang="fr-FR" dirty="0" smtClean="0"/>
+              <a:rPr lang="fr-FR" sz="1200" dirty="0" smtClean="0"/>
+              <a:t>[1] : </a:t>
+            </a:r>
+            <a:r>
+              <a:rPr lang="fr-FR" sz="1200" dirty="0" err="1" smtClean="0"/>
+              <a:t>Result</a:t>
+            </a:r>
+            <a:r>
+              <a:rPr lang="fr-FR" sz="1200" dirty="0" smtClean="0"/>
+              <a:t> pattern of </a:t>
+            </a:r>
+            <a:r>
+              <a:rPr lang="fr-FR" sz="1200" dirty="0" err="1" smtClean="0"/>
+              <a:t>Random</a:t>
+            </a:r>
+            <a:r>
+              <a:rPr lang="fr-FR" sz="1200" dirty="0" smtClean="0"/>
               <a:t> </a:t>
             </a:r>
             <a:r>
-              <a:rPr lang="fr-FR" dirty="0" err="1" smtClean="0"/>
-              <a:t>from</a:t>
-            </a:r>
-            <a:r>
-              <a:rPr lang="fr-FR" dirty="0" smtClean="0"/>
-              <a:t> the article</a:t>
-            </a:r>
-            <a:endParaRPr lang="fr-FR" dirty="0"/>
+              <a:rPr lang="fr-FR" sz="1200" dirty="0" err="1" smtClean="0"/>
+              <a:t>Walk</a:t>
+            </a:r>
+            <a:endParaRPr lang="fr-FR" sz="1200" dirty="0"/>
           </a:p>
         </p:txBody>
       </p:sp>
@@ -22131,19 +21552,15 @@
             </a:r>
             <a:r>
               <a:rPr lang="fr-FR" dirty="0"/>
-              <a:t> of </a:t>
+              <a:t> </a:t>
             </a:r>
             <a:r>
               <a:rPr lang="fr-FR" dirty="0" err="1"/>
-              <a:t>our</a:t>
+              <a:t>studied</a:t>
             </a:r>
             <a:r>
               <a:rPr lang="fr-FR" dirty="0"/>
-              <a:t> </a:t>
-            </a:r>
-            <a:r>
-              <a:rPr lang="fr-FR" dirty="0" err="1"/>
-              <a:t>study</a:t>
+              <a:t> in the article</a:t>
             </a:r>
             <a:endParaRPr lang="fr-FR" dirty="0"/>
           </a:p>
@@ -22317,12 +21734,16 @@
               <a:t> </a:t>
             </a:r>
             <a:r>
-              <a:rPr lang="fr-FR" sz="3200" dirty="0" err="1"/>
-              <a:t>Waypoint</a:t>
+              <a:rPr lang="fr-FR" sz="3200" dirty="0" err="1" smtClean="0"/>
+              <a:t>Walk</a:t>
+            </a:r>
+            <a:r>
+              <a:rPr lang="fr-FR" sz="3200" dirty="0" smtClean="0"/>
+              <a:t> </a:t>
             </a:r>
             <a:r>
               <a:rPr lang="fr-FR" sz="3200" dirty="0"/>
-              <a:t> model</a:t>
+              <a:t>model</a:t>
             </a:r>
           </a:p>
         </p:txBody>
@@ -22388,48 +21809,6 @@
               <a:t>Testa</a:t>
             </a:r>
             <a:endParaRPr lang="en-US" dirty="0"/>
-          </a:p>
-        </p:txBody>
-      </p:sp>
-      <p:sp>
-        <p:nvSpPr>
-          <p:cNvPr id="15" name="ZoneTexte 14"/>
-          <p:cNvSpPr txBox="1"/>
-          <p:nvPr/>
-        </p:nvSpPr>
-        <p:spPr>
-          <a:xfrm>
-            <a:off x="90987" y="0"/>
-            <a:ext cx="2225824" cy="646331"/>
-          </a:xfrm>
-          <a:prstGeom prst="rect">
-            <a:avLst/>
-          </a:prstGeom>
-          <a:noFill/>
-        </p:spPr>
-        <p:txBody>
-          <a:bodyPr wrap="square" rtlCol="0">
-            <a:spAutoFit/>
-          </a:bodyPr>
-          <a:lstStyle/>
-          <a:p>
-            <a:r>
-              <a:rPr lang="fr-FR" dirty="0" err="1" smtClean="0"/>
-              <a:t>Models</a:t>
-            </a:r>
-            <a:r>
-              <a:rPr lang="fr-FR" dirty="0" smtClean="0"/>
-              <a:t> </a:t>
-            </a:r>
-            <a:r>
-              <a:rPr lang="fr-FR" dirty="0" err="1" smtClean="0"/>
-              <a:t>from</a:t>
-            </a:r>
-            <a:r>
-              <a:rPr lang="fr-FR" dirty="0" smtClean="0"/>
-              <a:t> the article</a:t>
-            </a:r>
-            <a:endParaRPr lang="fr-FR" dirty="0"/>
           </a:p>
         </p:txBody>
       </p:sp>

--- a/ressources/presentation/PresentationPER_Desbarats_V3.pptx
+++ b/ressources/presentation/PresentationPER_Desbarats_V3.pptx
@@ -16,8 +16,8 @@
     <p:sldId id="307" r:id="rId4"/>
     <p:sldId id="261" r:id="rId5"/>
     <p:sldId id="281" r:id="rId6"/>
-    <p:sldId id="318" r:id="rId7"/>
-    <p:sldId id="298" r:id="rId8"/>
+    <p:sldId id="329" r:id="rId7"/>
+    <p:sldId id="330" r:id="rId8"/>
     <p:sldId id="299" r:id="rId9"/>
     <p:sldId id="312" r:id="rId10"/>
     <p:sldId id="311" r:id="rId11"/>
@@ -157,12 +157,12 @@
         <p14:section name="Study of existing models" id="{5A54BE42-E97D-454F-B0A5-BBC552549795}">
           <p14:sldIdLst>
             <p14:sldId id="281"/>
-            <p14:sldId id="318"/>
+            <p14:sldId id="329"/>
           </p14:sldIdLst>
         </p14:section>
         <p14:section name="About the article" id="{41126324-10AB-438F-9DF3-F959160C102D}">
           <p14:sldIdLst>
-            <p14:sldId id="298"/>
+            <p14:sldId id="330"/>
           </p14:sldIdLst>
         </p14:section>
         <p14:section name="Models from the article" id="{E7F2C077-0AF6-4938-9EA9-EB27897D7CD6}">
@@ -631,11 +631,11 @@
           <c:showBubbleSize val="0"/>
         </c:dLbls>
         <c:smooth val="0"/>
-        <c:axId val="522350088"/>
-        <c:axId val="522356752"/>
+        <c:axId val="226269200"/>
+        <c:axId val="226270768"/>
       </c:lineChart>
       <c:catAx>
-        <c:axId val="522350088"/>
+        <c:axId val="226269200"/>
         <c:scaling>
           <c:orientation val="minMax"/>
         </c:scaling>
@@ -730,7 +730,7 @@
             <a:endParaRPr lang="fr-FR"/>
           </a:p>
         </c:txPr>
-        <c:crossAx val="522356752"/>
+        <c:crossAx val="226270768"/>
         <c:crosses val="autoZero"/>
         <c:auto val="1"/>
         <c:lblAlgn val="ctr"/>
@@ -738,7 +738,7 @@
         <c:noMultiLvlLbl val="0"/>
       </c:catAx>
       <c:valAx>
-        <c:axId val="522356752"/>
+        <c:axId val="226270768"/>
         <c:scaling>
           <c:orientation val="minMax"/>
           <c:max val="100"/>
@@ -848,7 +848,7 @@
             <a:endParaRPr lang="fr-FR"/>
           </a:p>
         </c:txPr>
-        <c:crossAx val="522350088"/>
+        <c:crossAx val="226269200"/>
         <c:crosses val="autoZero"/>
         <c:crossBetween val="between"/>
       </c:valAx>
@@ -1565,7 +1565,7 @@
             <a:fld id="{D83FDC75-7F73-4A4A-A77C-09AADF00E0EA}" type="datetimeFigureOut">
               <a:rPr lang="fr-FR" smtClean="0"/>
               <a:pPr/>
-              <a:t>17/01/2014</a:t>
+              <a:t>20/01/2014</a:t>
             </a:fld>
             <a:endParaRPr lang="fr-FR" dirty="0"/>
           </a:p>
@@ -1732,7 +1732,7 @@
           <a:p>
             <a:fld id="{48AEF76B-3757-4A0B-AF93-28494465C1DD}" type="datetimeFigureOut">
               <a:pPr/>
-              <a:t>17/01/2014</a:t>
+              <a:t>20/01/2014</a:t>
             </a:fld>
             <a:endParaRPr lang="fr-FR"/>
           </a:p>
@@ -4112,7 +4112,7 @@
     </p:spTree>
     <p:extLst>
       <p:ext uri="{BB962C8B-B14F-4D97-AF65-F5344CB8AC3E}">
-        <p14:creationId xmlns:p14="http://schemas.microsoft.com/office/powerpoint/2010/main" val="1488988904"/>
+        <p14:creationId xmlns:p14="http://schemas.microsoft.com/office/powerpoint/2010/main" val="3434068154"/>
       </p:ext>
     </p:extLst>
   </p:cSld>
@@ -4197,7 +4197,7 @@
     </p:spTree>
     <p:extLst>
       <p:ext uri="{BB962C8B-B14F-4D97-AF65-F5344CB8AC3E}">
-        <p14:creationId xmlns:p14="http://schemas.microsoft.com/office/powerpoint/2010/main" val="324753604"/>
+        <p14:creationId xmlns:p14="http://schemas.microsoft.com/office/powerpoint/2010/main" val="2356883247"/>
       </p:ext>
     </p:extLst>
   </p:cSld>
@@ -8203,11 +8203,7 @@
           <a:p>
             <a:r>
               <a:rPr lang="fr-FR" sz="1600" b="1" dirty="0" smtClean="0"/>
-              <a:t>Master 2 Computer Science, </a:t>
-            </a:r>
-            <a:r>
-              <a:rPr lang="fr-FR" sz="1600" b="1" dirty="0" smtClean="0"/>
-              <a:t>Networks, </a:t>
+              <a:t>Master 2 Computer Science, Networks, </a:t>
             </a:r>
             <a:r>
               <a:rPr lang="fr-FR" sz="1600" b="1" dirty="0" err="1" smtClean="0"/>
@@ -8215,11 +8211,7 @@
             </a:r>
             <a:r>
               <a:rPr lang="fr-FR" sz="1600" b="1" dirty="0" smtClean="0"/>
-              <a:t> </a:t>
-            </a:r>
-            <a:r>
-              <a:rPr lang="fr-FR" sz="1600" b="1" dirty="0" smtClean="0"/>
-              <a:t>and </a:t>
+              <a:t> and </a:t>
             </a:r>
             <a:r>
               <a:rPr lang="fr-FR" sz="1600" b="1" dirty="0" err="1" smtClean="0"/>
@@ -8685,76 +8677,13 @@
       </p:sp>
       <p:sp>
         <p:nvSpPr>
-          <p:cNvPr id="8" name="Title 1"/>
+          <p:cNvPr id="9" name="Content Placeholder 4"/>
           <p:cNvSpPr txBox="1">
             <a:spLocks/>
           </p:cNvSpPr>
           <p:nvPr>
             <p:custDataLst>
               <p:tags r:id="rId1"/>
-            </p:custDataLst>
-          </p:nvPr>
-        </p:nvSpPr>
-        <p:spPr>
-          <a:xfrm>
-            <a:off x="762000" y="269632"/>
-            <a:ext cx="8077200" cy="1143000"/>
-          </a:xfrm>
-          <a:prstGeom prst="rect">
-            <a:avLst/>
-          </a:prstGeom>
-        </p:spPr>
-        <p:txBody>
-          <a:bodyPr>
-            <a:normAutofit/>
-          </a:bodyPr>
-          <a:lstStyle>
-            <a:lvl1pPr algn="l" defTabSz="914400" rtl="0" eaLnBrk="1" latinLnBrk="0" hangingPunct="1">
-              <a:spcBef>
-                <a:spcPct val="0"/>
-              </a:spcBef>
-              <a:buNone/>
-              <a:defRPr kumimoji="0" lang="fr-FR" sz="4400" kern="1200">
-                <a:solidFill>
-                  <a:schemeClr val="tx1"/>
-                </a:solidFill>
-                <a:latin typeface="+mj-lt"/>
-                <a:ea typeface="+mj-ea"/>
-                <a:cs typeface="+mj-cs"/>
-              </a:defRPr>
-            </a:lvl1pPr>
-          </a:lstStyle>
-          <a:p>
-            <a:pPr algn="ctr"/>
-            <a:r>
-              <a:rPr lang="fr-FR" dirty="0" err="1"/>
-              <a:t>Models</a:t>
-            </a:r>
-            <a:r>
-              <a:rPr lang="fr-FR" dirty="0"/>
-              <a:t> </a:t>
-            </a:r>
-            <a:r>
-              <a:rPr lang="fr-FR" dirty="0" err="1"/>
-              <a:t>studied</a:t>
-            </a:r>
-            <a:r>
-              <a:rPr lang="fr-FR" dirty="0"/>
-              <a:t> in the article</a:t>
-            </a:r>
-            <a:endParaRPr lang="fr-FR" dirty="0"/>
-          </a:p>
-        </p:txBody>
-      </p:sp>
-      <p:sp>
-        <p:nvSpPr>
-          <p:cNvPr id="9" name="Content Placeholder 4"/>
-          <p:cNvSpPr txBox="1">
-            <a:spLocks/>
-          </p:cNvSpPr>
-          <p:nvPr>
-            <p:custDataLst>
-              <p:tags r:id="rId2"/>
             </p:custDataLst>
           </p:nvPr>
         </p:nvSpPr>
@@ -8938,7 +8867,7 @@
             </a:r>
           </a:p>
           <a:p>
-            <a:pPr lvl="1">
+            <a:pPr marL="627063" lvl="1" indent="269875">
               <a:buFont typeface="Arial" panose="020B0604020202020204" pitchFamily="34" charset="0"/>
               <a:buChar char="•"/>
             </a:pPr>
@@ -8960,19 +8889,14 @@
             </a:r>
           </a:p>
           <a:p>
-            <a:pPr lvl="1">
+            <a:pPr marL="627063" lvl="1" indent="269875">
               <a:buFont typeface="Arial" panose="020B0604020202020204" pitchFamily="34" charset="0"/>
               <a:buChar char="•"/>
             </a:pPr>
             <a:r>
               <a:rPr lang="fr-FR" sz="2800" dirty="0" smtClean="0"/>
-              <a:t>Adaptative </a:t>
-            </a:r>
-            <a:r>
-              <a:rPr lang="fr-FR" sz="2800" dirty="0" smtClean="0"/>
-              <a:t>UAV</a:t>
-            </a:r>
-            <a:endParaRPr lang="fr-FR" sz="2800" dirty="0" smtClean="0"/>
+              <a:t>Adaptative UAV</a:t>
+            </a:r>
           </a:p>
         </p:txBody>
       </p:sp>
@@ -9037,6 +8961,155 @@
               <a:t>Testa</a:t>
             </a:r>
             <a:endParaRPr lang="en-US" dirty="0"/>
+          </a:p>
+        </p:txBody>
+      </p:sp>
+      <p:sp>
+        <p:nvSpPr>
+          <p:cNvPr id="11" name="Title 1"/>
+          <p:cNvSpPr txBox="1">
+            <a:spLocks/>
+          </p:cNvSpPr>
+          <p:nvPr>
+            <p:custDataLst>
+              <p:tags r:id="rId2"/>
+            </p:custDataLst>
+          </p:nvPr>
+        </p:nvSpPr>
+        <p:spPr>
+          <a:xfrm>
+            <a:off x="-36512" y="269632"/>
+            <a:ext cx="8077200" cy="1143000"/>
+          </a:xfrm>
+          <a:prstGeom prst="rect">
+            <a:avLst/>
+          </a:prstGeom>
+        </p:spPr>
+        <p:txBody>
+          <a:bodyPr>
+            <a:normAutofit/>
+          </a:bodyPr>
+          <a:lstStyle>
+            <a:lvl1pPr algn="l" defTabSz="914400" rtl="0" eaLnBrk="1" latinLnBrk="0" hangingPunct="1">
+              <a:spcBef>
+                <a:spcPct val="0"/>
+              </a:spcBef>
+              <a:buNone/>
+              <a:defRPr kumimoji="0" lang="fr-FR" sz="4400" kern="1200">
+                <a:solidFill>
+                  <a:schemeClr val="tx1"/>
+                </a:solidFill>
+                <a:latin typeface="+mj-lt"/>
+                <a:ea typeface="+mj-ea"/>
+                <a:cs typeface="+mj-cs"/>
+              </a:defRPr>
+            </a:lvl1pPr>
+          </a:lstStyle>
+          <a:p>
+            <a:pPr algn="ctr"/>
+            <a:r>
+              <a:rPr lang="fr-FR" dirty="0" err="1"/>
+              <a:t>Models</a:t>
+            </a:r>
+            <a:r>
+              <a:rPr lang="fr-FR" dirty="0"/>
+              <a:t> </a:t>
+            </a:r>
+            <a:r>
+              <a:rPr lang="fr-FR" dirty="0" err="1"/>
+              <a:t>studied</a:t>
+            </a:r>
+            <a:r>
+              <a:rPr lang="fr-FR" dirty="0"/>
+              <a:t> in the article</a:t>
+            </a:r>
+          </a:p>
+        </p:txBody>
+      </p:sp>
+      <p:sp>
+        <p:nvSpPr>
+          <p:cNvPr id="12" name="ZoneTexte 11"/>
+          <p:cNvSpPr txBox="1"/>
+          <p:nvPr/>
+        </p:nvSpPr>
+        <p:spPr>
+          <a:xfrm>
+            <a:off x="7380312" y="68431"/>
+            <a:ext cx="1721768" cy="1200329"/>
+          </a:xfrm>
+          <a:prstGeom prst="rect">
+            <a:avLst/>
+          </a:prstGeom>
+          <a:noFill/>
+        </p:spPr>
+        <p:style>
+          <a:lnRef idx="2">
+            <a:schemeClr val="accent1"/>
+          </a:lnRef>
+          <a:fillRef idx="1">
+            <a:schemeClr val="lt1"/>
+          </a:fillRef>
+          <a:effectRef idx="0">
+            <a:schemeClr val="accent1"/>
+          </a:effectRef>
+          <a:fontRef idx="minor">
+            <a:schemeClr val="dk1"/>
+          </a:fontRef>
+        </p:style>
+        <p:txBody>
+          <a:bodyPr wrap="square" rtlCol="0">
+            <a:spAutoFit/>
+          </a:bodyPr>
+          <a:lstStyle/>
+          <a:p>
+            <a:r>
+              <a:rPr lang="fr-FR" dirty="0"/>
+              <a:t>Domain</a:t>
+            </a:r>
+          </a:p>
+          <a:p>
+            <a:r>
+              <a:rPr lang="fr-FR" b="1" dirty="0">
+                <a:ln w="0"/>
+                <a:gradFill>
+                  <a:gsLst>
+                    <a:gs pos="0">
+                      <a:schemeClr val="accent5">
+                        <a:lumMod val="50000"/>
+                      </a:schemeClr>
+                    </a:gs>
+                    <a:gs pos="50000">
+                      <a:schemeClr val="accent5"/>
+                    </a:gs>
+                    <a:gs pos="100000">
+                      <a:schemeClr val="accent5">
+                        <a:lumMod val="60000"/>
+                        <a:lumOff val="40000"/>
+                      </a:schemeClr>
+                    </a:gs>
+                  </a:gsLst>
+                  <a:lin ang="5400000"/>
+                </a:gradFill>
+                <a:effectLst>
+                  <a:reflection blurRad="6350" stA="53000" endA="300" endPos="35500" dir="5400000" sy="-90000" algn="bl" rotWithShape="0"/>
+                </a:effectLst>
+              </a:rPr>
+              <a:t>Article</a:t>
+            </a:r>
+          </a:p>
+          <a:p>
+            <a:r>
+              <a:rPr lang="fr-FR" dirty="0" err="1" smtClean="0"/>
+              <a:t>Implementation</a:t>
+            </a:r>
+            <a:endParaRPr lang="fr-FR" dirty="0" smtClean="0"/>
+          </a:p>
+          <a:p>
+            <a:r>
+              <a:rPr lang="fr-FR" dirty="0" smtClean="0"/>
+              <a:t>Conclusion</a:t>
+            </a:r>
+            <a:endParaRPr lang="fr-FR" dirty="0"/>
           </a:p>
         </p:txBody>
       </p:sp>
@@ -9169,7 +9242,229 @@
       </p:sp>
       <p:sp>
         <p:nvSpPr>
-          <p:cNvPr id="8" name="Title 1"/>
+          <p:cNvPr id="4" name="Rectangle 3"/>
+          <p:cNvSpPr/>
+          <p:nvPr/>
+        </p:nvSpPr>
+        <p:spPr>
+          <a:xfrm>
+            <a:off x="2411760" y="1841917"/>
+            <a:ext cx="6624736" cy="3170099"/>
+          </a:xfrm>
+          <a:prstGeom prst="rect">
+            <a:avLst/>
+          </a:prstGeom>
+        </p:spPr>
+        <p:txBody>
+          <a:bodyPr wrap="square">
+            <a:spAutoFit/>
+          </a:bodyPr>
+          <a:lstStyle/>
+          <a:p>
+            <a:pPr marL="0" lvl="1"/>
+            <a:r>
+              <a:rPr lang="fr-FR" sz="3200" dirty="0" err="1" smtClean="0"/>
+              <a:t>Distributed</a:t>
+            </a:r>
+            <a:r>
+              <a:rPr lang="fr-FR" sz="3200" dirty="0" smtClean="0"/>
+              <a:t> </a:t>
+            </a:r>
+            <a:r>
+              <a:rPr lang="fr-FR" sz="3200" dirty="0" err="1"/>
+              <a:t>Pheromone</a:t>
+            </a:r>
+            <a:r>
+              <a:rPr lang="fr-FR" sz="3200" dirty="0"/>
+              <a:t> </a:t>
+            </a:r>
+            <a:r>
+              <a:rPr lang="fr-FR" sz="3200" dirty="0" err="1"/>
+              <a:t>Repel</a:t>
+            </a:r>
+            <a:r>
+              <a:rPr lang="fr-FR" sz="3200" dirty="0"/>
+              <a:t> </a:t>
+            </a:r>
+            <a:r>
+              <a:rPr lang="fr-FR" sz="3200" dirty="0" smtClean="0"/>
+              <a:t>model</a:t>
+            </a:r>
+            <a:endParaRPr lang="en-US" sz="2800" dirty="0" smtClean="0">
+              <a:solidFill>
+                <a:srgbClr val="000000"/>
+              </a:solidFill>
+            </a:endParaRPr>
+          </a:p>
+          <a:p>
+            <a:pPr marL="627063" indent="-355600">
+              <a:lnSpc>
+                <a:spcPct val="100000"/>
+              </a:lnSpc>
+              <a:buFont typeface="Arial" panose="020B0604020202020204" pitchFamily="34" charset="0"/>
+              <a:buChar char="•"/>
+            </a:pPr>
+            <a:r>
+              <a:rPr lang="en-US" sz="2800" dirty="0" smtClean="0">
+                <a:solidFill>
+                  <a:srgbClr val="000000"/>
+                </a:solidFill>
+              </a:rPr>
+              <a:t>One </a:t>
+            </a:r>
+            <a:r>
+              <a:rPr lang="en-US" sz="2800" dirty="0">
+                <a:solidFill>
+                  <a:srgbClr val="000000"/>
+                </a:solidFill>
+              </a:rPr>
+              <a:t>pheromone map per </a:t>
+            </a:r>
+            <a:r>
+              <a:rPr lang="en-US" sz="2800" dirty="0" smtClean="0">
+                <a:solidFill>
+                  <a:srgbClr val="000000"/>
+                </a:solidFill>
+              </a:rPr>
+              <a:t>UAV</a:t>
+            </a:r>
+          </a:p>
+          <a:p>
+            <a:pPr marL="627063" indent="-355600">
+              <a:lnSpc>
+                <a:spcPct val="100000"/>
+              </a:lnSpc>
+              <a:buFont typeface="Arial" panose="020B0604020202020204" pitchFamily="34" charset="0"/>
+              <a:buChar char="•"/>
+            </a:pPr>
+            <a:r>
+              <a:rPr lang="en-US" sz="2800" dirty="0" smtClean="0">
+                <a:solidFill>
+                  <a:srgbClr val="000000"/>
+                </a:solidFill>
+              </a:rPr>
+              <a:t>Marks </a:t>
+            </a:r>
+            <a:r>
+              <a:rPr lang="en-US" sz="2800" dirty="0">
+                <a:solidFill>
+                  <a:srgbClr val="000000"/>
+                </a:solidFill>
+              </a:rPr>
+              <a:t>the areas when they have been </a:t>
+            </a:r>
+            <a:r>
+              <a:rPr lang="en-US" sz="2800" dirty="0" smtClean="0">
+                <a:solidFill>
+                  <a:srgbClr val="000000"/>
+                </a:solidFill>
+              </a:rPr>
+              <a:t>scanned</a:t>
+            </a:r>
+          </a:p>
+          <a:p>
+            <a:pPr marL="627063" indent="-355600">
+              <a:lnSpc>
+                <a:spcPct val="100000"/>
+              </a:lnSpc>
+              <a:buFont typeface="Arial" panose="020B0604020202020204" pitchFamily="34" charset="0"/>
+              <a:buChar char="•"/>
+            </a:pPr>
+            <a:r>
+              <a:rPr lang="en-US" sz="2800" dirty="0" smtClean="0">
+                <a:solidFill>
+                  <a:srgbClr val="000000"/>
+                </a:solidFill>
+              </a:rPr>
+              <a:t>Regularly broadcast a </a:t>
+            </a:r>
+            <a:r>
+              <a:rPr lang="en-US" sz="2800" dirty="0">
+                <a:solidFill>
+                  <a:srgbClr val="000000"/>
+                </a:solidFill>
+              </a:rPr>
+              <a:t>local area pheromone </a:t>
+            </a:r>
+            <a:r>
+              <a:rPr lang="en-US" sz="2800" dirty="0" smtClean="0">
+                <a:solidFill>
+                  <a:srgbClr val="000000"/>
+                </a:solidFill>
+              </a:rPr>
+              <a:t>map (when a distance is inferior to 8 km between two UAVs)</a:t>
+            </a:r>
+            <a:endParaRPr lang="en-US" sz="2800" dirty="0"/>
+          </a:p>
+        </p:txBody>
+      </p:sp>
+      <p:sp>
+        <p:nvSpPr>
+          <p:cNvPr id="9" name="Espace réservé du pied de page 5"/>
+          <p:cNvSpPr>
+            <a:spLocks noGrp="1"/>
+          </p:cNvSpPr>
+          <p:nvPr>
+            <p:ph type="ftr" sz="quarter" idx="11"/>
+          </p:nvPr>
+        </p:nvSpPr>
+        <p:spPr>
+          <a:xfrm>
+            <a:off x="3352800" y="6356350"/>
+            <a:ext cx="3235424" cy="365125"/>
+          </a:xfrm>
+        </p:spPr>
+        <p:txBody>
+          <a:bodyPr/>
+          <a:lstStyle/>
+          <a:p>
+            <a:r>
+              <a:rPr lang="en-US" dirty="0"/>
+              <a:t>Master 2 – Computer Science – Authors : </a:t>
+            </a:r>
+            <a:r>
+              <a:rPr lang="en-US" dirty="0" err="1"/>
+              <a:t>Castagnet</a:t>
+            </a:r>
+            <a:r>
+              <a:rPr lang="en-US" dirty="0"/>
+              <a:t>, </a:t>
+            </a:r>
+            <a:r>
+              <a:rPr lang="en-US" dirty="0" err="1"/>
+              <a:t>Etcheverry</a:t>
+            </a:r>
+            <a:r>
+              <a:rPr lang="en-US" dirty="0"/>
+              <a:t>, </a:t>
+            </a:r>
+            <a:r>
+              <a:rPr lang="en-US" dirty="0" err="1"/>
+              <a:t>Paziewski</a:t>
+            </a:r>
+            <a:r>
+              <a:rPr lang="en-US" dirty="0"/>
+              <a:t>, </a:t>
+            </a:r>
+            <a:r>
+              <a:rPr lang="en-US" dirty="0" err="1"/>
+              <a:t>Tessier</a:t>
+            </a:r>
+            <a:r>
+              <a:rPr lang="en-US" dirty="0"/>
+              <a:t>, </a:t>
+            </a:r>
+            <a:r>
+              <a:rPr lang="en-US" dirty="0" err="1"/>
+              <a:t>Testa</a:t>
+            </a:r>
+            <a:endParaRPr lang="en-US" dirty="0"/>
+          </a:p>
+        </p:txBody>
+      </p:sp>
+      <p:sp>
+        <p:nvSpPr>
+          <p:cNvPr id="10" name="Title 1"/>
           <p:cNvSpPr txBox="1">
             <a:spLocks/>
           </p:cNvSpPr>
@@ -9181,7 +9476,7 @@
         </p:nvSpPr>
         <p:spPr>
           <a:xfrm>
-            <a:off x="762000" y="269632"/>
+            <a:off x="-36512" y="269632"/>
             <a:ext cx="8077200" cy="1143000"/>
           </a:xfrm>
           <a:prstGeom prst="rect">
@@ -9226,229 +9521,93 @@
               <a:rPr lang="fr-FR" dirty="0"/>
               <a:t> in the article</a:t>
             </a:r>
-            <a:endParaRPr lang="fr-FR" dirty="0"/>
-          </a:p>
-        </p:txBody>
-      </p:sp>
-      <p:sp>
-        <p:nvSpPr>
-          <p:cNvPr id="4" name="Rectangle 3"/>
-          <p:cNvSpPr/>
+          </a:p>
+        </p:txBody>
+      </p:sp>
+      <p:sp>
+        <p:nvSpPr>
+          <p:cNvPr id="11" name="ZoneTexte 10"/>
+          <p:cNvSpPr txBox="1"/>
           <p:nvPr/>
         </p:nvSpPr>
         <p:spPr>
           <a:xfrm>
-            <a:off x="2411760" y="1841917"/>
-            <a:ext cx="6624736" cy="3170099"/>
+            <a:off x="7380312" y="68431"/>
+            <a:ext cx="1721768" cy="1200329"/>
           </a:xfrm>
           <a:prstGeom prst="rect">
             <a:avLst/>
           </a:prstGeom>
-        </p:spPr>
-        <p:txBody>
-          <a:bodyPr wrap="square">
+          <a:noFill/>
+        </p:spPr>
+        <p:style>
+          <a:lnRef idx="2">
+            <a:schemeClr val="accent1"/>
+          </a:lnRef>
+          <a:fillRef idx="1">
+            <a:schemeClr val="lt1"/>
+          </a:fillRef>
+          <a:effectRef idx="0">
+            <a:schemeClr val="accent1"/>
+          </a:effectRef>
+          <a:fontRef idx="minor">
+            <a:schemeClr val="dk1"/>
+          </a:fontRef>
+        </p:style>
+        <p:txBody>
+          <a:bodyPr wrap="square" rtlCol="0">
             <a:spAutoFit/>
           </a:bodyPr>
           <a:lstStyle/>
           <a:p>
-            <a:pPr marL="0" lvl="1"/>
-            <a:r>
-              <a:rPr lang="fr-FR" sz="3200" dirty="0" err="1" smtClean="0"/>
-              <a:t>Distributed</a:t>
-            </a:r>
-            <a:r>
-              <a:rPr lang="fr-FR" sz="3200" dirty="0" smtClean="0"/>
-              <a:t> </a:t>
-            </a:r>
-            <a:r>
-              <a:rPr lang="fr-FR" sz="3200" dirty="0" err="1"/>
-              <a:t>Pheromone</a:t>
-            </a:r>
-            <a:r>
-              <a:rPr lang="fr-FR" sz="3200" dirty="0"/>
-              <a:t> </a:t>
-            </a:r>
-            <a:r>
-              <a:rPr lang="fr-FR" sz="3200" dirty="0" err="1"/>
-              <a:t>Repel</a:t>
-            </a:r>
-            <a:r>
-              <a:rPr lang="fr-FR" sz="3200" dirty="0"/>
-              <a:t> </a:t>
-            </a:r>
-            <a:r>
-              <a:rPr lang="fr-FR" sz="3200" dirty="0" smtClean="0"/>
-              <a:t>model</a:t>
-            </a:r>
-            <a:endParaRPr lang="en-US" sz="2800" dirty="0" smtClean="0">
-              <a:solidFill>
-                <a:srgbClr val="000000"/>
-              </a:solidFill>
-            </a:endParaRPr>
-          </a:p>
-          <a:p>
-            <a:pPr marL="457200" indent="-457200">
-              <a:lnSpc>
-                <a:spcPct val="100000"/>
-              </a:lnSpc>
-              <a:buFont typeface="Arial" panose="020B0604020202020204" pitchFamily="34" charset="0"/>
-              <a:buChar char="•"/>
-            </a:pPr>
-            <a:r>
-              <a:rPr lang="en-US" sz="2800" dirty="0" smtClean="0">
-                <a:solidFill>
-                  <a:srgbClr val="000000"/>
-                </a:solidFill>
+            <a:r>
+              <a:rPr lang="fr-FR" dirty="0"/>
+              <a:t>Domain</a:t>
+            </a:r>
+          </a:p>
+          <a:p>
+            <a:r>
+              <a:rPr lang="fr-FR" b="1" dirty="0">
+                <a:ln w="0"/>
+                <a:gradFill>
+                  <a:gsLst>
+                    <a:gs pos="0">
+                      <a:schemeClr val="accent5">
+                        <a:lumMod val="50000"/>
+                      </a:schemeClr>
+                    </a:gs>
+                    <a:gs pos="50000">
+                      <a:schemeClr val="accent5"/>
+                    </a:gs>
+                    <a:gs pos="100000">
+                      <a:schemeClr val="accent5">
+                        <a:lumMod val="60000"/>
+                        <a:lumOff val="40000"/>
+                      </a:schemeClr>
+                    </a:gs>
+                  </a:gsLst>
+                  <a:lin ang="5400000"/>
+                </a:gradFill>
+                <a:effectLst>
+                  <a:reflection blurRad="6350" stA="53000" endA="300" endPos="35500" dir="5400000" sy="-90000" algn="bl" rotWithShape="0"/>
+                </a:effectLst>
               </a:rPr>
-              <a:t>One </a:t>
-            </a:r>
-            <a:r>
-              <a:rPr lang="en-US" sz="2800" dirty="0">
-                <a:solidFill>
-                  <a:srgbClr val="000000"/>
-                </a:solidFill>
-              </a:rPr>
-              <a:t>pheromone map per </a:t>
-            </a:r>
-            <a:r>
-              <a:rPr lang="en-US" sz="2800" dirty="0" smtClean="0">
-                <a:solidFill>
-                  <a:srgbClr val="000000"/>
-                </a:solidFill>
-              </a:rPr>
-              <a:t>UAV</a:t>
-            </a:r>
-          </a:p>
-          <a:p>
-            <a:pPr marL="457200" indent="-457200">
-              <a:lnSpc>
-                <a:spcPct val="100000"/>
-              </a:lnSpc>
-              <a:buFont typeface="Arial" panose="020B0604020202020204" pitchFamily="34" charset="0"/>
-              <a:buChar char="•"/>
-            </a:pPr>
-            <a:r>
-              <a:rPr lang="en-US" sz="2800" dirty="0" smtClean="0">
-                <a:solidFill>
-                  <a:srgbClr val="000000"/>
-                </a:solidFill>
-              </a:rPr>
-              <a:t>Marks </a:t>
-            </a:r>
-            <a:r>
-              <a:rPr lang="en-US" sz="2800" dirty="0">
-                <a:solidFill>
-                  <a:srgbClr val="000000"/>
-                </a:solidFill>
-              </a:rPr>
-              <a:t>the areas when they have been </a:t>
-            </a:r>
-            <a:r>
-              <a:rPr lang="en-US" sz="2800" dirty="0" smtClean="0">
-                <a:solidFill>
-                  <a:srgbClr val="000000"/>
-                </a:solidFill>
-              </a:rPr>
-              <a:t>scanned</a:t>
-            </a:r>
-          </a:p>
-          <a:p>
-            <a:pPr marL="457200" indent="-457200">
-              <a:lnSpc>
-                <a:spcPct val="100000"/>
-              </a:lnSpc>
-              <a:buFont typeface="Arial" panose="020B0604020202020204" pitchFamily="34" charset="0"/>
-              <a:buChar char="•"/>
-            </a:pPr>
-            <a:r>
-              <a:rPr lang="en-US" sz="2800" dirty="0" smtClean="0">
-                <a:solidFill>
-                  <a:srgbClr val="000000"/>
-                </a:solidFill>
-              </a:rPr>
-              <a:t>Regularly broadcast a </a:t>
-            </a:r>
-            <a:r>
-              <a:rPr lang="en-US" sz="2800" dirty="0">
-                <a:solidFill>
-                  <a:srgbClr val="000000"/>
-                </a:solidFill>
-              </a:rPr>
-              <a:t>local area pheromone </a:t>
-            </a:r>
-            <a:r>
-              <a:rPr lang="en-US" sz="2800" dirty="0" smtClean="0">
-                <a:solidFill>
-                  <a:srgbClr val="000000"/>
-                </a:solidFill>
-              </a:rPr>
-              <a:t>map (when a distance is inferior to 8 km between two UAVs)</a:t>
-            </a:r>
-            <a:endParaRPr lang="en-US" sz="2800" dirty="0"/>
-          </a:p>
-        </p:txBody>
-      </p:sp>
-      <p:sp>
-        <p:nvSpPr>
-          <p:cNvPr id="9" name="Espace réservé du pied de page 5"/>
-          <p:cNvSpPr>
-            <a:spLocks noGrp="1"/>
-          </p:cNvSpPr>
-          <p:nvPr>
-            <p:ph type="ftr" sz="quarter" idx="11"/>
-          </p:nvPr>
-        </p:nvSpPr>
-        <p:spPr>
-          <a:xfrm>
-            <a:off x="3352800" y="6356350"/>
-            <a:ext cx="3235424" cy="365125"/>
-          </a:xfrm>
-        </p:spPr>
-        <p:txBody>
-          <a:bodyPr/>
-          <a:lstStyle/>
-          <a:p>
-            <a:r>
-              <a:rPr lang="en-US" dirty="0"/>
-              <a:t>Master 2 – Computer Science – Authors : </a:t>
-            </a:r>
-            <a:r>
-              <a:rPr lang="en-US" dirty="0" err="1"/>
-              <a:t>Castagnet</a:t>
-            </a:r>
-            <a:r>
-              <a:rPr lang="en-US" dirty="0"/>
-              <a:t>, </a:t>
-            </a:r>
-            <a:r>
-              <a:rPr lang="en-US" dirty="0" err="1"/>
-              <a:t>Etcheverry</a:t>
-            </a:r>
-            <a:r>
-              <a:rPr lang="en-US" dirty="0"/>
-              <a:t>, </a:t>
-            </a:r>
-            <a:r>
-              <a:rPr lang="en-US" dirty="0" err="1"/>
-              <a:t>Paziewski</a:t>
-            </a:r>
-            <a:r>
-              <a:rPr lang="en-US" dirty="0"/>
-              <a:t>, </a:t>
-            </a:r>
-            <a:r>
-              <a:rPr lang="en-US" dirty="0" err="1"/>
-              <a:t>Tessier</a:t>
-            </a:r>
-            <a:r>
-              <a:rPr lang="en-US" dirty="0"/>
-              <a:t>, </a:t>
-            </a:r>
-            <a:r>
-              <a:rPr lang="en-US" dirty="0" err="1"/>
-              <a:t>Testa</a:t>
-            </a:r>
-            <a:endParaRPr lang="en-US" dirty="0"/>
+              <a:t>Article</a:t>
+            </a:r>
+          </a:p>
+          <a:p>
+            <a:r>
+              <a:rPr lang="fr-FR" dirty="0" err="1" smtClean="0"/>
+              <a:t>Implementation</a:t>
+            </a:r>
+            <a:endParaRPr lang="fr-FR" dirty="0" smtClean="0"/>
+          </a:p>
+          <a:p>
+            <a:r>
+              <a:rPr lang="fr-FR" dirty="0" smtClean="0"/>
+              <a:t>Conclusion</a:t>
+            </a:r>
+            <a:endParaRPr lang="fr-FR" dirty="0"/>
           </a:p>
         </p:txBody>
       </p:sp>
@@ -9494,6 +9653,30 @@
       </p:grpSpPr>
       <p:pic>
         <p:nvPicPr>
+          <p:cNvPr id="7" name="Image 6"/>
+          <p:cNvPicPr>
+            <a:picLocks noChangeAspect="1"/>
+          </p:cNvPicPr>
+          <p:nvPr/>
+        </p:nvPicPr>
+        <p:blipFill>
+          <a:blip r:embed="rId4"/>
+          <a:stretch>
+            <a:fillRect/>
+          </a:stretch>
+        </p:blipFill>
+        <p:spPr>
+          <a:xfrm>
+            <a:off x="2733675" y="1556792"/>
+            <a:ext cx="3676650" cy="3810000"/>
+          </a:xfrm>
+          <a:prstGeom prst="rect">
+            <a:avLst/>
+          </a:prstGeom>
+        </p:spPr>
+      </p:pic>
+      <p:pic>
+        <p:nvPicPr>
           <p:cNvPr id="6" name="Picture 5"/>
           <p:cNvPicPr>
             <a:picLocks noChangeAspect="1"/>
@@ -9501,7 +9684,7 @@
           <p:nvPr/>
         </p:nvPicPr>
         <p:blipFill>
-          <a:blip r:embed="rId4" cstate="email">
+          <a:blip r:embed="rId5" cstate="email">
             <a:extLst>
               <a:ext uri="{28A0092B-C50C-407E-A947-70E740481C1C}">
                 <a14:useLocalDpi xmlns:a14="http://schemas.microsoft.com/office/drawing/2010/main"/>
@@ -9531,7 +9714,7 @@
           <p:nvPr/>
         </p:nvPicPr>
         <p:blipFill rotWithShape="1">
-          <a:blip r:embed="rId5" cstate="email">
+          <a:blip r:embed="rId6" cstate="email">
             <a:extLst>
               <a:ext uri="{28A0092B-C50C-407E-A947-70E740481C1C}">
                 <a14:useLocalDpi xmlns:a14="http://schemas.microsoft.com/office/drawing/2010/main"/>
@@ -9581,7 +9764,127 @@
       </p:sp>
       <p:sp>
         <p:nvSpPr>
-          <p:cNvPr id="8" name="Title 1"/>
+          <p:cNvPr id="12" name="CustomShape 2"/>
+          <p:cNvSpPr/>
+          <p:nvPr/>
+        </p:nvSpPr>
+        <p:spPr>
+          <a:xfrm>
+            <a:off x="1979712" y="1075581"/>
+            <a:ext cx="6787480" cy="710592"/>
+          </a:xfrm>
+          <a:prstGeom prst="rect">
+            <a:avLst/>
+          </a:prstGeom>
+          <a:noFill/>
+          <a:ln>
+            <a:noFill/>
+          </a:ln>
+        </p:spPr>
+        <p:txBody>
+          <a:bodyPr lIns="90000" tIns="45000" rIns="90000" bIns="45000"/>
+          <a:lstStyle/>
+          <a:p>
+            <a:pPr marL="0" lvl="1"/>
+            <a:r>
+              <a:rPr lang="fr-FR" sz="2800" dirty="0" err="1"/>
+              <a:t>Distributed</a:t>
+            </a:r>
+            <a:r>
+              <a:rPr lang="fr-FR" sz="2800" dirty="0"/>
+              <a:t> </a:t>
+            </a:r>
+            <a:r>
+              <a:rPr lang="fr-FR" sz="2800" dirty="0" err="1"/>
+              <a:t>Pheromone</a:t>
+            </a:r>
+            <a:r>
+              <a:rPr lang="fr-FR" sz="2800" dirty="0"/>
+              <a:t> </a:t>
+            </a:r>
+            <a:r>
+              <a:rPr lang="fr-FR" sz="2800" dirty="0" err="1"/>
+              <a:t>Repel</a:t>
+            </a:r>
+            <a:r>
+              <a:rPr lang="fr-FR" sz="2800" dirty="0"/>
+              <a:t> model</a:t>
+            </a:r>
+            <a:endParaRPr lang="en-US" sz="2800" dirty="0">
+              <a:solidFill>
+                <a:srgbClr val="000000"/>
+              </a:solidFill>
+            </a:endParaRPr>
+          </a:p>
+        </p:txBody>
+      </p:sp>
+      <p:sp>
+        <p:nvSpPr>
+          <p:cNvPr id="14" name="Espace réservé du pied de page 5"/>
+          <p:cNvSpPr>
+            <a:spLocks noGrp="1"/>
+          </p:cNvSpPr>
+          <p:nvPr>
+            <p:ph type="ftr" sz="quarter" idx="11"/>
+          </p:nvPr>
+        </p:nvSpPr>
+        <p:spPr>
+          <a:xfrm>
+            <a:off x="3352800" y="6356350"/>
+            <a:ext cx="3235424" cy="365125"/>
+          </a:xfrm>
+        </p:spPr>
+        <p:txBody>
+          <a:bodyPr/>
+          <a:lstStyle/>
+          <a:p>
+            <a:r>
+              <a:rPr lang="en-US" dirty="0"/>
+              <a:t>Master 2 – Computer Science – Authors : </a:t>
+            </a:r>
+            <a:r>
+              <a:rPr lang="en-US" dirty="0" err="1"/>
+              <a:t>Castagnet</a:t>
+            </a:r>
+            <a:r>
+              <a:rPr lang="en-US" dirty="0"/>
+              <a:t>, </a:t>
+            </a:r>
+            <a:r>
+              <a:rPr lang="en-US" dirty="0" err="1"/>
+              <a:t>Etcheverry</a:t>
+            </a:r>
+            <a:r>
+              <a:rPr lang="en-US" dirty="0"/>
+              <a:t>, </a:t>
+            </a:r>
+            <a:r>
+              <a:rPr lang="en-US" dirty="0" err="1"/>
+              <a:t>Paziewski</a:t>
+            </a:r>
+            <a:r>
+              <a:rPr lang="en-US" dirty="0"/>
+              <a:t>, </a:t>
+            </a:r>
+            <a:r>
+              <a:rPr lang="en-US" dirty="0" err="1"/>
+              <a:t>Tessier</a:t>
+            </a:r>
+            <a:r>
+              <a:rPr lang="en-US" dirty="0"/>
+              <a:t>, </a:t>
+            </a:r>
+            <a:r>
+              <a:rPr lang="en-US" dirty="0" err="1"/>
+              <a:t>Testa</a:t>
+            </a:r>
+            <a:endParaRPr lang="en-US" dirty="0"/>
+          </a:p>
+        </p:txBody>
+      </p:sp>
+      <p:sp>
+        <p:nvSpPr>
+          <p:cNvPr id="15" name="Title 1"/>
           <p:cNvSpPr txBox="1">
             <a:spLocks/>
           </p:cNvSpPr>
@@ -9593,7 +9896,7 @@
         </p:nvSpPr>
         <p:spPr>
           <a:xfrm>
-            <a:off x="762000" y="269632"/>
+            <a:off x="-36512" y="269632"/>
             <a:ext cx="8077200" cy="1143000"/>
           </a:xfrm>
           <a:prstGeom prst="rect">
@@ -9638,262 +9941,173 @@
               <a:rPr lang="fr-FR" dirty="0"/>
               <a:t> in the article</a:t>
             </a:r>
-            <a:endParaRPr lang="fr-FR" dirty="0"/>
-          </a:p>
-        </p:txBody>
-      </p:sp>
-      <p:pic>
-        <p:nvPicPr>
-          <p:cNvPr id="10" name="Picture 2"/>
-          <p:cNvPicPr/>
-          <p:nvPr/>
-        </p:nvPicPr>
-        <p:blipFill>
-          <a:blip r:embed="rId6"/>
-          <a:stretch>
-            <a:fillRect/>
-          </a:stretch>
-        </p:blipFill>
-        <p:spPr>
-          <a:xfrm>
-            <a:off x="2964600" y="1654530"/>
-            <a:ext cx="3672000" cy="3816000"/>
-          </a:xfrm>
-          <a:prstGeom prst="rect">
-            <a:avLst/>
-          </a:prstGeom>
-          <a:ln>
-            <a:noFill/>
-          </a:ln>
-        </p:spPr>
-      </p:pic>
-      <p:sp>
-        <p:nvSpPr>
-          <p:cNvPr id="11" name="TextShape 5"/>
+          </a:p>
+        </p:txBody>
+      </p:sp>
+      <p:sp>
+        <p:nvSpPr>
+          <p:cNvPr id="16" name="ZoneTexte 15"/>
           <p:cNvSpPr txBox="1"/>
           <p:nvPr/>
         </p:nvSpPr>
         <p:spPr>
           <a:xfrm>
-            <a:off x="2988520" y="5573096"/>
-            <a:ext cx="5615928" cy="520200"/>
-          </a:xfrm>
-          <a:prstGeom prst="rect">
-            <a:avLst/>
-          </a:prstGeom>
-        </p:spPr>
-        <p:txBody>
-          <a:bodyPr wrap="none" lIns="90000" tIns="45000" rIns="90000" bIns="45000"/>
-          <a:lstStyle/>
-          <a:p>
-            <a:r>
-              <a:rPr lang="fr-FR" sz="1500" b="1" i="1" dirty="0" err="1"/>
-              <a:t>From</a:t>
-            </a:r>
-            <a:r>
-              <a:rPr lang="fr-FR" sz="1500" b="1" i="1" dirty="0"/>
-              <a:t> :</a:t>
-            </a:r>
-            <a:r>
-              <a:rPr lang="fr-FR" sz="1500" dirty="0"/>
-              <a:t> </a:t>
-            </a:r>
-            <a:r>
-              <a:rPr lang="fr-FR" sz="1500" dirty="0">
-                <a:latin typeface="Arial"/>
-                <a:ea typeface="Arial"/>
-              </a:rPr>
-              <a:t>“</a:t>
-            </a:r>
-            <a:r>
-              <a:rPr lang="fr-FR" sz="1500" i="1" dirty="0" err="1"/>
-              <a:t>Mobility</a:t>
-            </a:r>
-            <a:r>
-              <a:rPr lang="fr-FR" sz="1500" i="1" dirty="0"/>
-              <a:t> </a:t>
-            </a:r>
-            <a:r>
-              <a:rPr lang="fr-FR" sz="1500" i="1" dirty="0" err="1"/>
-              <a:t>Models</a:t>
-            </a:r>
-            <a:r>
-              <a:rPr lang="fr-FR" sz="1500" i="1" dirty="0"/>
-              <a:t> for UAV Group Reconnaissance Applications</a:t>
-            </a:r>
-            <a:r>
-              <a:rPr lang="fr-FR" sz="1500" i="1" dirty="0">
-                <a:latin typeface="Arial"/>
-                <a:ea typeface="Arial"/>
-              </a:rPr>
-              <a:t>”</a:t>
-            </a:r>
-            <a:endParaRPr dirty="0"/>
-          </a:p>
-          <a:p>
-            <a:r>
-              <a:rPr lang="fr-FR" sz="1500" b="1" i="1" dirty="0">
-                <a:latin typeface="Arial"/>
-                <a:ea typeface="Arial"/>
-              </a:rPr>
-              <a:t>By :</a:t>
-            </a:r>
-            <a:r>
-              <a:rPr lang="fr-FR" sz="1500" i="1" dirty="0">
-                <a:latin typeface="Arial"/>
-                <a:ea typeface="Arial"/>
-              </a:rPr>
-              <a:t> </a:t>
-            </a:r>
-            <a:r>
-              <a:rPr lang="fr-FR" sz="1500" i="1" dirty="0" smtClean="0">
-                <a:latin typeface="Arial"/>
-                <a:ea typeface="Arial"/>
-              </a:rPr>
-              <a:t>E</a:t>
-            </a:r>
-            <a:r>
-              <a:rPr lang="fr-FR" sz="1500" i="1" dirty="0">
-                <a:latin typeface="Arial"/>
-                <a:ea typeface="Arial"/>
-              </a:rPr>
-              <a:t>. Kuiper and S. </a:t>
-            </a:r>
-            <a:r>
-              <a:rPr lang="fr-FR" sz="1500" i="1" dirty="0" err="1">
-                <a:latin typeface="Arial"/>
-                <a:ea typeface="Arial"/>
-              </a:rPr>
-              <a:t>Nadjm</a:t>
-            </a:r>
-            <a:r>
-              <a:rPr lang="fr-FR" sz="1500" i="1" dirty="0">
-                <a:latin typeface="Arial"/>
-                <a:ea typeface="Arial"/>
-              </a:rPr>
-              <a:t>-Tehrani. </a:t>
-            </a:r>
-            <a:endParaRPr dirty="0"/>
-          </a:p>
-        </p:txBody>
-      </p:sp>
-      <p:sp>
-        <p:nvSpPr>
-          <p:cNvPr id="12" name="CustomShape 2"/>
-          <p:cNvSpPr/>
-          <p:nvPr/>
-        </p:nvSpPr>
-        <p:spPr>
-          <a:xfrm>
-            <a:off x="2356520" y="1075581"/>
-            <a:ext cx="6787480" cy="710592"/>
+            <a:off x="7380312" y="68431"/>
+            <a:ext cx="1721768" cy="1200329"/>
           </a:xfrm>
           <a:prstGeom prst="rect">
             <a:avLst/>
           </a:prstGeom>
           <a:noFill/>
-          <a:ln>
-            <a:noFill/>
-          </a:ln>
-        </p:spPr>
-        <p:txBody>
-          <a:bodyPr lIns="90000" tIns="45000" rIns="90000" bIns="45000"/>
+        </p:spPr>
+        <p:style>
+          <a:lnRef idx="2">
+            <a:schemeClr val="accent1"/>
+          </a:lnRef>
+          <a:fillRef idx="1">
+            <a:schemeClr val="lt1"/>
+          </a:fillRef>
+          <a:effectRef idx="0">
+            <a:schemeClr val="accent1"/>
+          </a:effectRef>
+          <a:fontRef idx="minor">
+            <a:schemeClr val="dk1"/>
+          </a:fontRef>
+        </p:style>
+        <p:txBody>
+          <a:bodyPr wrap="square" rtlCol="0">
+            <a:spAutoFit/>
+          </a:bodyPr>
           <a:lstStyle/>
           <a:p>
-            <a:pPr marL="0" lvl="1"/>
-            <a:r>
-              <a:rPr lang="fr-FR" sz="2800" dirty="0" err="1"/>
-              <a:t>Distributed</a:t>
-            </a:r>
-            <a:r>
-              <a:rPr lang="fr-FR" sz="2800" dirty="0"/>
+            <a:r>
+              <a:rPr lang="fr-FR" dirty="0"/>
+              <a:t>Domain</a:t>
+            </a:r>
+          </a:p>
+          <a:p>
+            <a:r>
+              <a:rPr lang="fr-FR" b="1" dirty="0">
+                <a:ln w="0"/>
+                <a:gradFill>
+                  <a:gsLst>
+                    <a:gs pos="0">
+                      <a:schemeClr val="accent5">
+                        <a:lumMod val="50000"/>
+                      </a:schemeClr>
+                    </a:gs>
+                    <a:gs pos="50000">
+                      <a:schemeClr val="accent5"/>
+                    </a:gs>
+                    <a:gs pos="100000">
+                      <a:schemeClr val="accent5">
+                        <a:lumMod val="60000"/>
+                        <a:lumOff val="40000"/>
+                      </a:schemeClr>
+                    </a:gs>
+                  </a:gsLst>
+                  <a:lin ang="5400000"/>
+                </a:gradFill>
+                <a:effectLst>
+                  <a:reflection blurRad="6350" stA="53000" endA="300" endPos="35500" dir="5400000" sy="-90000" algn="bl" rotWithShape="0"/>
+                </a:effectLst>
+              </a:rPr>
+              <a:t>Article</a:t>
+            </a:r>
+          </a:p>
+          <a:p>
+            <a:r>
+              <a:rPr lang="fr-FR" dirty="0" err="1" smtClean="0"/>
+              <a:t>Implementation</a:t>
+            </a:r>
+            <a:endParaRPr lang="fr-FR" dirty="0" smtClean="0"/>
+          </a:p>
+          <a:p>
+            <a:r>
+              <a:rPr lang="fr-FR" dirty="0" smtClean="0"/>
+              <a:t>Conclusion</a:t>
+            </a:r>
+            <a:endParaRPr lang="fr-FR" dirty="0"/>
+          </a:p>
+        </p:txBody>
+      </p:sp>
+      <p:sp>
+        <p:nvSpPr>
+          <p:cNvPr id="3" name="ZoneTexte 2"/>
+          <p:cNvSpPr txBox="1"/>
+          <p:nvPr/>
+        </p:nvSpPr>
+        <p:spPr>
+          <a:xfrm>
+            <a:off x="3419872" y="4067780"/>
+            <a:ext cx="3024336" cy="307777"/>
+          </a:xfrm>
+          <a:prstGeom prst="rect">
+            <a:avLst/>
+          </a:prstGeom>
+          <a:noFill/>
+        </p:spPr>
+        <p:txBody>
+          <a:bodyPr wrap="square" rtlCol="0">
+            <a:spAutoFit/>
+          </a:bodyPr>
+          <a:lstStyle/>
+          <a:p>
+            <a:r>
+              <a:rPr lang="fr-FR" sz="1400" dirty="0" err="1" smtClean="0"/>
+              <a:t>Pheromone</a:t>
+            </a:r>
+            <a:r>
+              <a:rPr lang="fr-FR" sz="1400" dirty="0" smtClean="0"/>
               <a:t> </a:t>
             </a:r>
             <a:r>
-              <a:rPr lang="fr-FR" sz="2800" dirty="0" err="1"/>
-              <a:t>Pheromone</a:t>
-            </a:r>
-            <a:r>
-              <a:rPr lang="fr-FR" sz="2800" dirty="0"/>
-              <a:t> </a:t>
-            </a:r>
-            <a:r>
-              <a:rPr lang="fr-FR" sz="2800" dirty="0" err="1"/>
-              <a:t>Repel</a:t>
-            </a:r>
-            <a:r>
-              <a:rPr lang="fr-FR" sz="2800" dirty="0"/>
-              <a:t> model</a:t>
-            </a:r>
-            <a:endParaRPr lang="en-US" sz="2800" dirty="0">
-              <a:solidFill>
-                <a:srgbClr val="000000"/>
-              </a:solidFill>
-            </a:endParaRPr>
-          </a:p>
-        </p:txBody>
-      </p:sp>
-      <p:sp>
-        <p:nvSpPr>
-          <p:cNvPr id="14" name="Espace réservé du pied de page 5"/>
-          <p:cNvSpPr>
-            <a:spLocks noGrp="1"/>
-          </p:cNvSpPr>
-          <p:nvPr>
-            <p:ph type="ftr" sz="quarter" idx="11"/>
-          </p:nvPr>
+              <a:rPr lang="fr-FR" sz="1400" dirty="0" err="1" smtClean="0"/>
+              <a:t>search</a:t>
+            </a:r>
+            <a:r>
+              <a:rPr lang="fr-FR" sz="1400" dirty="0" smtClean="0"/>
+              <a:t> pattern [1]</a:t>
+            </a:r>
+            <a:endParaRPr lang="fr-FR" sz="1400" dirty="0"/>
+          </a:p>
+        </p:txBody>
+      </p:sp>
+      <p:sp>
+        <p:nvSpPr>
+          <p:cNvPr id="4" name="ZoneTexte 3"/>
+          <p:cNvSpPr txBox="1"/>
+          <p:nvPr/>
         </p:nvSpPr>
         <p:spPr>
           <a:xfrm>
-            <a:off x="3352800" y="6356350"/>
-            <a:ext cx="3235424" cy="365125"/>
-          </a:xfrm>
-        </p:spPr>
-        <p:txBody>
-          <a:bodyPr/>
+            <a:off x="3275856" y="5435932"/>
+            <a:ext cx="3240360" cy="307777"/>
+          </a:xfrm>
+          <a:prstGeom prst="rect">
+            <a:avLst/>
+          </a:prstGeom>
+          <a:noFill/>
+        </p:spPr>
+        <p:txBody>
+          <a:bodyPr wrap="square" rtlCol="0">
+            <a:spAutoFit/>
+          </a:bodyPr>
           <a:lstStyle/>
           <a:p>
             <a:r>
-              <a:rPr lang="en-US" dirty="0"/>
-              <a:t>Master 2 – Computer Science – Authors : </a:t>
-            </a:r>
-            <a:r>
-              <a:rPr lang="en-US" dirty="0" err="1"/>
-              <a:t>Castagnet</a:t>
-            </a:r>
-            <a:r>
-              <a:rPr lang="en-US" dirty="0"/>
-              <a:t>, </a:t>
-            </a:r>
-            <a:r>
-              <a:rPr lang="en-US" dirty="0" err="1"/>
-              <a:t>Etcheverry</a:t>
-            </a:r>
-            <a:r>
-              <a:rPr lang="en-US" dirty="0"/>
-              <a:t>, </a:t>
-            </a:r>
-            <a:r>
-              <a:rPr lang="en-US" dirty="0" err="1"/>
-              <a:t>Paziewski</a:t>
-            </a:r>
-            <a:r>
-              <a:rPr lang="en-US" dirty="0"/>
-              <a:t>, </a:t>
-            </a:r>
-            <a:r>
-              <a:rPr lang="en-US" dirty="0" err="1"/>
-              <a:t>Tessier</a:t>
-            </a:r>
-            <a:r>
-              <a:rPr lang="en-US" dirty="0"/>
-              <a:t>, </a:t>
-            </a:r>
-            <a:r>
-              <a:rPr lang="en-US" dirty="0" err="1"/>
-              <a:t>Testa</a:t>
-            </a:r>
-            <a:endParaRPr lang="en-US" dirty="0"/>
+              <a:rPr lang="fr-FR" sz="1400" dirty="0" smtClean="0"/>
+              <a:t>UAV </a:t>
+            </a:r>
+            <a:r>
+              <a:rPr lang="fr-FR" sz="1400" dirty="0" err="1" smtClean="0"/>
+              <a:t>pheromone</a:t>
+            </a:r>
+            <a:r>
+              <a:rPr lang="fr-FR" sz="1400" dirty="0" smtClean="0"/>
+              <a:t> action table [1]</a:t>
+            </a:r>
+            <a:endParaRPr lang="fr-FR" sz="1400" dirty="0"/>
           </a:p>
         </p:txBody>
       </p:sp>
@@ -10474,20 +10688,34 @@
       </p:sp>
       <p:sp>
         <p:nvSpPr>
-          <p:cNvPr id="11" name="ZoneTexte 10"/>
+          <p:cNvPr id="12" name="ZoneTexte 11"/>
           <p:cNvSpPr txBox="1"/>
           <p:nvPr/>
         </p:nvSpPr>
         <p:spPr>
           <a:xfrm>
-            <a:off x="90987" y="0"/>
-            <a:ext cx="2225824" cy="646331"/>
+            <a:off x="7380312" y="68431"/>
+            <a:ext cx="1721768" cy="1200329"/>
           </a:xfrm>
           <a:prstGeom prst="rect">
             <a:avLst/>
           </a:prstGeom>
           <a:noFill/>
         </p:spPr>
+        <p:style>
+          <a:lnRef idx="2">
+            <a:schemeClr val="accent1"/>
+          </a:lnRef>
+          <a:fillRef idx="1">
+            <a:schemeClr val="lt1"/>
+          </a:fillRef>
+          <a:effectRef idx="0">
+            <a:schemeClr val="accent1"/>
+          </a:effectRef>
+          <a:fontRef idx="minor">
+            <a:schemeClr val="dk1"/>
+          </a:fontRef>
+        </p:style>
         <p:txBody>
           <a:bodyPr wrap="square" rtlCol="0">
             <a:spAutoFit/>
@@ -10495,20 +10723,51 @@
           <a:lstStyle/>
           <a:p>
             <a:r>
+              <a:rPr lang="fr-FR" dirty="0"/>
+              <a:t>Domain</a:t>
+            </a:r>
+          </a:p>
+          <a:p>
+            <a:r>
+              <a:rPr lang="fr-FR" b="1" dirty="0">
+                <a:ln w="0"/>
+                <a:gradFill>
+                  <a:gsLst>
+                    <a:gs pos="0">
+                      <a:schemeClr val="accent5">
+                        <a:lumMod val="50000"/>
+                      </a:schemeClr>
+                    </a:gs>
+                    <a:gs pos="50000">
+                      <a:schemeClr val="accent5"/>
+                    </a:gs>
+                    <a:gs pos="100000">
+                      <a:schemeClr val="accent5">
+                        <a:lumMod val="60000"/>
+                        <a:lumOff val="40000"/>
+                      </a:schemeClr>
+                    </a:gs>
+                  </a:gsLst>
+                  <a:lin ang="5400000"/>
+                </a:gradFill>
+                <a:effectLst>
+                  <a:reflection blurRad="6350" stA="53000" endA="300" endPos="35500" dir="5400000" sy="-90000" algn="bl" rotWithShape="0"/>
+                </a:effectLst>
+              </a:rPr>
+              <a:t>Article</a:t>
+            </a:r>
+          </a:p>
+          <a:p>
+            <a:r>
               <a:rPr lang="fr-FR" dirty="0" err="1" smtClean="0"/>
-              <a:t>Experiments</a:t>
-            </a:r>
+              <a:t>Implementation</a:t>
+            </a:r>
+            <a:endParaRPr lang="fr-FR" dirty="0" smtClean="0"/>
+          </a:p>
+          <a:p>
             <a:r>
               <a:rPr lang="fr-FR" dirty="0" smtClean="0"/>
-              <a:t> </a:t>
-            </a:r>
-            <a:r>
-              <a:rPr lang="fr-FR" dirty="0" err="1" smtClean="0"/>
-              <a:t>from</a:t>
-            </a:r>
-            <a:r>
-              <a:rPr lang="fr-FR" dirty="0" smtClean="0"/>
-              <a:t> the article</a:t>
+              <a:t>Conclusion</a:t>
             </a:r>
             <a:endParaRPr lang="fr-FR" dirty="0"/>
           </a:p>
@@ -11316,20 +11575,34 @@
       </p:sp>
       <p:sp>
         <p:nvSpPr>
-          <p:cNvPr id="14" name="ZoneTexte 13"/>
+          <p:cNvPr id="15" name="ZoneTexte 14"/>
           <p:cNvSpPr txBox="1"/>
           <p:nvPr/>
         </p:nvSpPr>
         <p:spPr>
           <a:xfrm>
-            <a:off x="90987" y="0"/>
-            <a:ext cx="2225824" cy="646331"/>
+            <a:off x="7380312" y="68431"/>
+            <a:ext cx="1721768" cy="1200329"/>
           </a:xfrm>
           <a:prstGeom prst="rect">
             <a:avLst/>
           </a:prstGeom>
           <a:noFill/>
         </p:spPr>
+        <p:style>
+          <a:lnRef idx="2">
+            <a:schemeClr val="accent1"/>
+          </a:lnRef>
+          <a:fillRef idx="1">
+            <a:schemeClr val="lt1"/>
+          </a:fillRef>
+          <a:effectRef idx="0">
+            <a:schemeClr val="accent1"/>
+          </a:effectRef>
+          <a:fontRef idx="minor">
+            <a:schemeClr val="dk1"/>
+          </a:fontRef>
+        </p:style>
         <p:txBody>
           <a:bodyPr wrap="square" rtlCol="0">
             <a:spAutoFit/>
@@ -11337,20 +11610,51 @@
           <a:lstStyle/>
           <a:p>
             <a:r>
+              <a:rPr lang="fr-FR" dirty="0"/>
+              <a:t>Domain</a:t>
+            </a:r>
+          </a:p>
+          <a:p>
+            <a:r>
+              <a:rPr lang="fr-FR" b="1" dirty="0">
+                <a:ln w="0"/>
+                <a:gradFill>
+                  <a:gsLst>
+                    <a:gs pos="0">
+                      <a:schemeClr val="accent5">
+                        <a:lumMod val="50000"/>
+                      </a:schemeClr>
+                    </a:gs>
+                    <a:gs pos="50000">
+                      <a:schemeClr val="accent5"/>
+                    </a:gs>
+                    <a:gs pos="100000">
+                      <a:schemeClr val="accent5">
+                        <a:lumMod val="60000"/>
+                        <a:lumOff val="40000"/>
+                      </a:schemeClr>
+                    </a:gs>
+                  </a:gsLst>
+                  <a:lin ang="5400000"/>
+                </a:gradFill>
+                <a:effectLst>
+                  <a:reflection blurRad="6350" stA="53000" endA="300" endPos="35500" dir="5400000" sy="-90000" algn="bl" rotWithShape="0"/>
+                </a:effectLst>
+              </a:rPr>
+              <a:t>Article</a:t>
+            </a:r>
+          </a:p>
+          <a:p>
+            <a:r>
               <a:rPr lang="fr-FR" dirty="0" err="1" smtClean="0"/>
-              <a:t>Experiments</a:t>
-            </a:r>
+              <a:t>Implementation</a:t>
+            </a:r>
+            <a:endParaRPr lang="fr-FR" dirty="0" smtClean="0"/>
+          </a:p>
+          <a:p>
             <a:r>
               <a:rPr lang="fr-FR" dirty="0" smtClean="0"/>
-              <a:t> </a:t>
-            </a:r>
-            <a:r>
-              <a:rPr lang="fr-FR" dirty="0" err="1" smtClean="0"/>
-              <a:t>from</a:t>
-            </a:r>
-            <a:r>
-              <a:rPr lang="fr-FR" dirty="0" smtClean="0"/>
-              <a:t> the article</a:t>
+              <a:t>Conclusion</a:t>
             </a:r>
             <a:endParaRPr lang="fr-FR" dirty="0"/>
           </a:p>
@@ -11764,13 +12068,8 @@
             </a:r>
             <a:r>
               <a:rPr lang="fr-FR" sz="2800" dirty="0" smtClean="0"/>
-              <a:t> </a:t>
-            </a:r>
-            <a:r>
-              <a:rPr lang="fr-FR" sz="2800" dirty="0" smtClean="0"/>
-              <a:t>objectives</a:t>
-            </a:r>
-            <a:endParaRPr lang="fr-FR" sz="2800" dirty="0" smtClean="0"/>
+              <a:t> objectives</a:t>
+            </a:r>
           </a:p>
           <a:p>
             <a:pPr lvl="1">
@@ -11949,20 +12248,34 @@
       </p:sp>
       <p:sp>
         <p:nvSpPr>
-          <p:cNvPr id="12" name="ZoneTexte 11"/>
+          <p:cNvPr id="10" name="ZoneTexte 9"/>
           <p:cNvSpPr txBox="1"/>
           <p:nvPr/>
         </p:nvSpPr>
         <p:spPr>
           <a:xfrm>
-            <a:off x="90987" y="0"/>
-            <a:ext cx="2225824" cy="646331"/>
+            <a:off x="7380312" y="68431"/>
+            <a:ext cx="1721768" cy="1200329"/>
           </a:xfrm>
           <a:prstGeom prst="rect">
             <a:avLst/>
           </a:prstGeom>
           <a:noFill/>
         </p:spPr>
+        <p:style>
+          <a:lnRef idx="2">
+            <a:schemeClr val="accent1"/>
+          </a:lnRef>
+          <a:fillRef idx="1">
+            <a:schemeClr val="lt1"/>
+          </a:fillRef>
+          <a:effectRef idx="0">
+            <a:schemeClr val="accent1"/>
+          </a:effectRef>
+          <a:fontRef idx="minor">
+            <a:schemeClr val="dk1"/>
+          </a:fontRef>
+        </p:style>
         <p:txBody>
           <a:bodyPr wrap="square" rtlCol="0">
             <a:spAutoFit/>
@@ -11970,20 +12283,51 @@
           <a:lstStyle/>
           <a:p>
             <a:r>
+              <a:rPr lang="fr-FR" dirty="0"/>
+              <a:t>Domain</a:t>
+            </a:r>
+          </a:p>
+          <a:p>
+            <a:r>
+              <a:rPr lang="fr-FR" b="1" dirty="0">
+                <a:ln w="0"/>
+                <a:gradFill>
+                  <a:gsLst>
+                    <a:gs pos="0">
+                      <a:schemeClr val="accent5">
+                        <a:lumMod val="50000"/>
+                      </a:schemeClr>
+                    </a:gs>
+                    <a:gs pos="50000">
+                      <a:schemeClr val="accent5"/>
+                    </a:gs>
+                    <a:gs pos="100000">
+                      <a:schemeClr val="accent5">
+                        <a:lumMod val="60000"/>
+                        <a:lumOff val="40000"/>
+                      </a:schemeClr>
+                    </a:gs>
+                  </a:gsLst>
+                  <a:lin ang="5400000"/>
+                </a:gradFill>
+                <a:effectLst>
+                  <a:reflection blurRad="6350" stA="53000" endA="300" endPos="35500" dir="5400000" sy="-90000" algn="bl" rotWithShape="0"/>
+                </a:effectLst>
+              </a:rPr>
+              <a:t>Article</a:t>
+            </a:r>
+          </a:p>
+          <a:p>
+            <a:r>
               <a:rPr lang="fr-FR" dirty="0" err="1" smtClean="0"/>
-              <a:t>Experiments</a:t>
-            </a:r>
+              <a:t>Implementation</a:t>
+            </a:r>
+            <a:endParaRPr lang="fr-FR" dirty="0" smtClean="0"/>
+          </a:p>
+          <a:p>
             <a:r>
               <a:rPr lang="fr-FR" dirty="0" smtClean="0"/>
-              <a:t> </a:t>
-            </a:r>
-            <a:r>
-              <a:rPr lang="fr-FR" dirty="0" err="1" smtClean="0"/>
-              <a:t>from</a:t>
-            </a:r>
-            <a:r>
-              <a:rPr lang="fr-FR" dirty="0" smtClean="0"/>
-              <a:t> the article</a:t>
+              <a:t>Conclusion</a:t>
             </a:r>
             <a:endParaRPr lang="fr-FR" dirty="0"/>
           </a:p>
@@ -12031,6 +12375,30 @@
       </p:grpSpPr>
       <p:pic>
         <p:nvPicPr>
+          <p:cNvPr id="3" name="Image 2"/>
+          <p:cNvPicPr>
+            <a:picLocks noChangeAspect="1"/>
+          </p:cNvPicPr>
+          <p:nvPr/>
+        </p:nvPicPr>
+        <p:blipFill>
+          <a:blip r:embed="rId4"/>
+          <a:stretch>
+            <a:fillRect/>
+          </a:stretch>
+        </p:blipFill>
+        <p:spPr>
+          <a:xfrm>
+            <a:off x="2555776" y="3284984"/>
+            <a:ext cx="5988604" cy="1303015"/>
+          </a:xfrm>
+          <a:prstGeom prst="rect">
+            <a:avLst/>
+          </a:prstGeom>
+        </p:spPr>
+      </p:pic>
+      <p:pic>
+        <p:nvPicPr>
           <p:cNvPr id="6" name="Picture 5"/>
           <p:cNvPicPr>
             <a:picLocks noChangeAspect="1"/>
@@ -12038,7 +12406,7 @@
           <p:nvPr/>
         </p:nvPicPr>
         <p:blipFill>
-          <a:blip r:embed="rId4" cstate="email">
+          <a:blip r:embed="rId5" cstate="email">
             <a:extLst>
               <a:ext uri="{28A0092B-C50C-407E-A947-70E740481C1C}">
                 <a14:useLocalDpi xmlns:a14="http://schemas.microsoft.com/office/drawing/2010/main"/>
@@ -12068,7 +12436,7 @@
           <p:nvPr/>
         </p:nvPicPr>
         <p:blipFill rotWithShape="1">
-          <a:blip r:embed="rId5" cstate="email">
+          <a:blip r:embed="rId6" cstate="email">
             <a:extLst>
               <a:ext uri="{28A0092B-C50C-407E-A947-70E740481C1C}">
                 <a14:useLocalDpi xmlns:a14="http://schemas.microsoft.com/office/drawing/2010/main"/>
@@ -12130,7 +12498,7 @@
         </p:nvSpPr>
         <p:spPr>
           <a:xfrm>
-            <a:off x="771663" y="152455"/>
+            <a:off x="467544" y="152455"/>
             <a:ext cx="8077200" cy="903535"/>
           </a:xfrm>
           <a:prstGeom prst="rect">
@@ -12175,75 +12543,21 @@
           </a:p>
         </p:txBody>
       </p:sp>
-      <p:pic>
-        <p:nvPicPr>
-          <p:cNvPr id="10" name="Picture 3"/>
-          <p:cNvPicPr>
-            <a:picLocks noChangeAspect="1" noChangeArrowheads="1"/>
-          </p:cNvPicPr>
+      <p:sp>
+        <p:nvSpPr>
+          <p:cNvPr id="15" name="ZoneTexte 14"/>
+          <p:cNvSpPr txBox="1"/>
           <p:nvPr/>
-        </p:nvPicPr>
-        <p:blipFill>
-          <a:blip r:embed="rId6" cstate="email">
-            <a:extLst>
-              <a:ext uri="{28A0092B-C50C-407E-A947-70E740481C1C}">
-                <a14:useLocalDpi xmlns:a14="http://schemas.microsoft.com/office/drawing/2010/main" val="0"/>
-              </a:ext>
-            </a:extLst>
-          </a:blip>
-          <a:srcRect/>
-          <a:stretch>
-            <a:fillRect/>
-          </a:stretch>
-        </p:blipFill>
-        <p:spPr bwMode="auto">
+        </p:nvSpPr>
+        <p:spPr>
           <a:xfrm>
-            <a:off x="2847729" y="3140968"/>
-            <a:ext cx="4329844" cy="946445"/>
+            <a:off x="2587346" y="1556792"/>
+            <a:ext cx="4752528" cy="1354217"/>
           </a:xfrm>
           <a:prstGeom prst="rect">
             <a:avLst/>
           </a:prstGeom>
           <a:noFill/>
-          <a:ln>
-            <a:noFill/>
-          </a:ln>
-          <a:extLst>
-            <a:ext uri="{909E8E84-426E-40DD-AFC4-6F175D3DCCD1}">
-              <a14:hiddenFill xmlns:a14="http://schemas.microsoft.com/office/drawing/2010/main">
-                <a:solidFill>
-                  <a:schemeClr val="accent1"/>
-                </a:solidFill>
-              </a14:hiddenFill>
-            </a:ext>
-            <a:ext uri="{91240B29-F687-4F45-9708-019B960494DF}">
-              <a14:hiddenLine xmlns:a14="http://schemas.microsoft.com/office/drawing/2010/main" w="9525">
-                <a:solidFill>
-                  <a:schemeClr val="tx1"/>
-                </a:solidFill>
-                <a:miter lim="800000"/>
-                <a:headEnd/>
-                <a:tailEnd/>
-              </a14:hiddenLine>
-            </a:ext>
-          </a:extLst>
-        </p:spPr>
-      </p:pic>
-      <p:sp>
-        <p:nvSpPr>
-          <p:cNvPr id="15" name="ZoneTexte 14"/>
-          <p:cNvSpPr txBox="1"/>
-          <p:nvPr/>
-        </p:nvSpPr>
-        <p:spPr>
-          <a:xfrm>
-            <a:off x="2587346" y="1556792"/>
-            <a:ext cx="4752528" cy="1354217"/>
-          </a:xfrm>
-          <a:prstGeom prst="rect">
-            <a:avLst/>
-          </a:prstGeom>
-          <a:noFill/>
         </p:spPr>
         <p:txBody>
           <a:bodyPr wrap="square" rtlCol="0">
@@ -12327,13 +12641,8 @@
             </a:r>
             <a:r>
               <a:rPr lang="fr-FR" sz="2000" dirty="0" smtClean="0"/>
-              <a:t> </a:t>
-            </a:r>
-            <a:r>
-              <a:rPr lang="fr-FR" sz="2000" dirty="0" smtClean="0"/>
-              <a:t>area</a:t>
-            </a:r>
-            <a:endParaRPr lang="fr-FR" sz="2000" dirty="0" smtClean="0"/>
+              <a:t> area</a:t>
+            </a:r>
           </a:p>
         </p:txBody>
       </p:sp>
@@ -12345,8 +12654,8 @@
         </p:nvSpPr>
         <p:spPr>
           <a:xfrm>
-            <a:off x="2802330" y="4365003"/>
-            <a:ext cx="5615928" cy="520200"/>
+            <a:off x="4607153" y="4581128"/>
+            <a:ext cx="1985694" cy="306942"/>
           </a:xfrm>
           <a:prstGeom prst="rect">
             <a:avLst/>
@@ -12357,93 +12666,18 @@
           <a:lstStyle/>
           <a:p>
             <a:r>
-              <a:rPr lang="fr-FR" sz="1500" b="1" i="1" dirty="0" err="1"/>
-              <a:t>From</a:t>
-            </a:r>
-            <a:r>
-              <a:rPr lang="fr-FR" sz="1500" b="1" i="1" dirty="0"/>
-              <a:t> :</a:t>
-            </a:r>
-            <a:r>
-              <a:rPr lang="fr-FR" sz="1500" dirty="0"/>
-              <a:t> </a:t>
-            </a:r>
-            <a:r>
-              <a:rPr lang="fr-FR" sz="1500" dirty="0">
-                <a:latin typeface="Arial"/>
-                <a:ea typeface="Arial"/>
-              </a:rPr>
-              <a:t>“</a:t>
-            </a:r>
-            <a:r>
-              <a:rPr lang="fr-FR" sz="1500" i="1" dirty="0" err="1"/>
-              <a:t>Mobility</a:t>
-            </a:r>
-            <a:r>
-              <a:rPr lang="fr-FR" sz="1500" i="1" dirty="0"/>
-              <a:t> </a:t>
-            </a:r>
-            <a:r>
-              <a:rPr lang="fr-FR" sz="1500" i="1" dirty="0" err="1"/>
-              <a:t>Models</a:t>
-            </a:r>
-            <a:r>
-              <a:rPr lang="fr-FR" sz="1500" i="1" dirty="0"/>
-              <a:t> for UAV Group Reconnaissance Applications</a:t>
-            </a:r>
-            <a:r>
-              <a:rPr lang="fr-FR" sz="1500" i="1" dirty="0">
-                <a:latin typeface="Arial"/>
-                <a:ea typeface="Arial"/>
-              </a:rPr>
-              <a:t>”</a:t>
-            </a:r>
-            <a:endParaRPr dirty="0"/>
-          </a:p>
-          <a:p>
-            <a:r>
-              <a:rPr lang="fr-FR" sz="1500" b="1" i="1" dirty="0">
-                <a:latin typeface="Calibri (Corps)"/>
-                <a:ea typeface="Arial"/>
-              </a:rPr>
-              <a:t>By :</a:t>
-            </a:r>
-            <a:r>
-              <a:rPr lang="fr-FR" sz="1500" i="1" dirty="0">
-                <a:latin typeface="Calibri (Corps)"/>
-                <a:ea typeface="Arial"/>
-              </a:rPr>
-              <a:t> </a:t>
-            </a:r>
-            <a:r>
-              <a:rPr lang="fr-FR" sz="1500" i="1" dirty="0" smtClean="0">
-                <a:latin typeface="Calibri (Corps)"/>
-                <a:ea typeface="Arial"/>
-              </a:rPr>
-              <a:t>E</a:t>
-            </a:r>
-            <a:r>
-              <a:rPr lang="fr-FR" sz="1500" i="1" dirty="0">
-                <a:latin typeface="Calibri (Corps)"/>
-                <a:ea typeface="Arial"/>
-              </a:rPr>
-              <a:t>. Kuiper and S. </a:t>
-            </a:r>
-            <a:r>
-              <a:rPr lang="fr-FR" sz="1500" i="1" dirty="0" err="1">
-                <a:latin typeface="Calibri (Corps)"/>
-                <a:ea typeface="Arial"/>
-              </a:rPr>
-              <a:t>Nadjm</a:t>
-            </a:r>
-            <a:r>
-              <a:rPr lang="fr-FR" sz="1500" i="1" dirty="0">
-                <a:latin typeface="Calibri (Corps)"/>
-                <a:ea typeface="Arial"/>
-              </a:rPr>
-              <a:t>-Tehrani. </a:t>
-            </a:r>
-            <a:endParaRPr dirty="0">
+              <a:rPr lang="fr-FR" sz="1400" dirty="0" smtClean="0"/>
+              <a:t>Never </a:t>
+            </a:r>
+            <a:r>
+              <a:rPr lang="fr-FR" sz="1400" dirty="0" err="1" smtClean="0"/>
+              <a:t>scanned</a:t>
+            </a:r>
+            <a:r>
+              <a:rPr lang="fr-FR" sz="1400" dirty="0" smtClean="0"/>
+              <a:t> area [1]</a:t>
+            </a:r>
+            <a:endParaRPr sz="1400" dirty="0">
               <a:latin typeface="Calibri (Corps)"/>
             </a:endParaRPr>
           </a:p>
@@ -12515,20 +12749,34 @@
       </p:sp>
       <p:sp>
         <p:nvSpPr>
-          <p:cNvPr id="14" name="ZoneTexte 13"/>
+          <p:cNvPr id="11" name="ZoneTexte 10"/>
           <p:cNvSpPr txBox="1"/>
           <p:nvPr/>
         </p:nvSpPr>
         <p:spPr>
           <a:xfrm>
-            <a:off x="90987" y="0"/>
-            <a:ext cx="2225824" cy="646331"/>
+            <a:off x="7380312" y="68431"/>
+            <a:ext cx="1721768" cy="1200329"/>
           </a:xfrm>
           <a:prstGeom prst="rect">
             <a:avLst/>
           </a:prstGeom>
           <a:noFill/>
         </p:spPr>
+        <p:style>
+          <a:lnRef idx="2">
+            <a:schemeClr val="accent1"/>
+          </a:lnRef>
+          <a:fillRef idx="1">
+            <a:schemeClr val="lt1"/>
+          </a:fillRef>
+          <a:effectRef idx="0">
+            <a:schemeClr val="accent1"/>
+          </a:effectRef>
+          <a:fontRef idx="minor">
+            <a:schemeClr val="dk1"/>
+          </a:fontRef>
+        </p:style>
         <p:txBody>
           <a:bodyPr wrap="square" rtlCol="0">
             <a:spAutoFit/>
@@ -12536,20 +12784,51 @@
           <a:lstStyle/>
           <a:p>
             <a:r>
+              <a:rPr lang="fr-FR" dirty="0"/>
+              <a:t>Domain</a:t>
+            </a:r>
+          </a:p>
+          <a:p>
+            <a:r>
+              <a:rPr lang="fr-FR" b="1" dirty="0">
+                <a:ln w="0"/>
+                <a:gradFill>
+                  <a:gsLst>
+                    <a:gs pos="0">
+                      <a:schemeClr val="accent5">
+                        <a:lumMod val="50000"/>
+                      </a:schemeClr>
+                    </a:gs>
+                    <a:gs pos="50000">
+                      <a:schemeClr val="accent5"/>
+                    </a:gs>
+                    <a:gs pos="100000">
+                      <a:schemeClr val="accent5">
+                        <a:lumMod val="60000"/>
+                        <a:lumOff val="40000"/>
+                      </a:schemeClr>
+                    </a:gs>
+                  </a:gsLst>
+                  <a:lin ang="5400000"/>
+                </a:gradFill>
+                <a:effectLst>
+                  <a:reflection blurRad="6350" stA="53000" endA="300" endPos="35500" dir="5400000" sy="-90000" algn="bl" rotWithShape="0"/>
+                </a:effectLst>
+              </a:rPr>
+              <a:t>Article</a:t>
+            </a:r>
+          </a:p>
+          <a:p>
+            <a:r>
               <a:rPr lang="fr-FR" dirty="0" err="1" smtClean="0"/>
-              <a:t>Experiments</a:t>
-            </a:r>
+              <a:t>Implementation</a:t>
+            </a:r>
+            <a:endParaRPr lang="fr-FR" dirty="0" smtClean="0"/>
+          </a:p>
+          <a:p>
             <a:r>
               <a:rPr lang="fr-FR" dirty="0" smtClean="0"/>
-              <a:t> </a:t>
-            </a:r>
-            <a:r>
-              <a:rPr lang="fr-FR" dirty="0" err="1" smtClean="0"/>
-              <a:t>from</a:t>
-            </a:r>
-            <a:r>
-              <a:rPr lang="fr-FR" dirty="0" smtClean="0"/>
-              <a:t> the article</a:t>
+              <a:t>Conclusion</a:t>
             </a:r>
             <a:endParaRPr lang="fr-FR" dirty="0"/>
           </a:p>
@@ -13096,20 +13375,34 @@
       </p:sp>
       <p:sp>
         <p:nvSpPr>
-          <p:cNvPr id="15" name="ZoneTexte 14"/>
+          <p:cNvPr id="16" name="ZoneTexte 15"/>
           <p:cNvSpPr txBox="1"/>
           <p:nvPr/>
         </p:nvSpPr>
         <p:spPr>
           <a:xfrm>
-            <a:off x="90987" y="0"/>
-            <a:ext cx="2225824" cy="369332"/>
+            <a:off x="7380312" y="68431"/>
+            <a:ext cx="1721768" cy="1200329"/>
           </a:xfrm>
           <a:prstGeom prst="rect">
             <a:avLst/>
           </a:prstGeom>
           <a:noFill/>
         </p:spPr>
+        <p:style>
+          <a:lnRef idx="2">
+            <a:schemeClr val="accent1"/>
+          </a:lnRef>
+          <a:fillRef idx="1">
+            <a:schemeClr val="lt1"/>
+          </a:fillRef>
+          <a:effectRef idx="0">
+            <a:schemeClr val="accent1"/>
+          </a:effectRef>
+          <a:fontRef idx="minor">
+            <a:schemeClr val="dk1"/>
+          </a:fontRef>
+        </p:style>
         <p:txBody>
           <a:bodyPr wrap="square" rtlCol="0">
             <a:spAutoFit/>
@@ -13117,12 +13410,75 @@
           <a:lstStyle/>
           <a:p>
             <a:r>
+              <a:rPr lang="fr-FR" dirty="0"/>
+              <a:t>Domain</a:t>
+            </a:r>
+          </a:p>
+          <a:p>
+            <a:r>
               <a:rPr lang="fr-FR" dirty="0" smtClean="0"/>
-              <a:t>Our </a:t>
-            </a:r>
-            <a:r>
-              <a:rPr lang="fr-FR" dirty="0" err="1" smtClean="0"/>
-              <a:t>Work</a:t>
+              <a:t>Article</a:t>
+            </a:r>
+          </a:p>
+          <a:p>
+            <a:r>
+              <a:rPr lang="fr-FR" b="1" dirty="0" err="1" smtClean="0">
+                <a:ln w="0"/>
+                <a:gradFill>
+                  <a:gsLst>
+                    <a:gs pos="0">
+                      <a:schemeClr val="accent5">
+                        <a:lumMod val="50000"/>
+                      </a:schemeClr>
+                    </a:gs>
+                    <a:gs pos="50000">
+                      <a:schemeClr val="accent5"/>
+                    </a:gs>
+                    <a:gs pos="100000">
+                      <a:schemeClr val="accent5">
+                        <a:lumMod val="60000"/>
+                        <a:lumOff val="40000"/>
+                      </a:schemeClr>
+                    </a:gs>
+                  </a:gsLst>
+                  <a:lin ang="5400000"/>
+                </a:gradFill>
+                <a:effectLst>
+                  <a:reflection blurRad="6350" stA="53000" endA="300" endPos="35500" dir="5400000" sy="-90000" algn="bl" rotWithShape="0"/>
+                </a:effectLst>
+              </a:rPr>
+              <a:t>Implementation</a:t>
+            </a:r>
+            <a:endParaRPr lang="fr-FR" b="1" dirty="0">
+              <a:ln w="0"/>
+              <a:gradFill>
+                <a:gsLst>
+                  <a:gs pos="0">
+                    <a:schemeClr val="accent5">
+                      <a:lumMod val="50000"/>
+                    </a:schemeClr>
+                  </a:gs>
+                  <a:gs pos="50000">
+                    <a:schemeClr val="accent5"/>
+                  </a:gs>
+                  <a:gs pos="100000">
+                    <a:schemeClr val="accent5">
+                      <a:lumMod val="60000"/>
+                      <a:lumOff val="40000"/>
+                    </a:schemeClr>
+                  </a:gs>
+                </a:gsLst>
+                <a:lin ang="5400000"/>
+              </a:gradFill>
+              <a:effectLst>
+                <a:reflection blurRad="6350" stA="53000" endA="300" endPos="35500" dir="5400000" sy="-90000" algn="bl" rotWithShape="0"/>
+              </a:effectLst>
+            </a:endParaRPr>
+          </a:p>
+          <a:p>
+            <a:r>
+              <a:rPr lang="fr-FR" dirty="0" smtClean="0"/>
+              <a:t>Conclusion</a:t>
             </a:r>
             <a:endParaRPr lang="fr-FR" dirty="0"/>
           </a:p>
@@ -13318,8 +13674,8 @@
         </p:nvSpPr>
         <p:spPr>
           <a:xfrm>
-            <a:off x="2207073" y="1340345"/>
-            <a:ext cx="1337226" cy="523220"/>
+            <a:off x="1907704" y="1340345"/>
+            <a:ext cx="2095317" cy="523220"/>
           </a:xfrm>
           <a:prstGeom prst="rect">
             <a:avLst/>
@@ -13335,6 +13691,14 @@
             <a:r>
               <a:rPr lang="fr-FR" sz="2800" dirty="0" err="1" smtClean="0"/>
               <a:t>JBotSim</a:t>
+            </a:r>
+            <a:r>
+              <a:rPr lang="fr-FR" sz="2800" dirty="0" smtClean="0"/>
+              <a:t> </a:t>
+            </a:r>
+            <a:r>
+              <a:rPr lang="fr-FR" sz="2800" dirty="0" err="1" smtClean="0"/>
+              <a:t>view</a:t>
             </a:r>
             <a:endParaRPr lang="fr-FR" sz="2800" dirty="0"/>
           </a:p>
@@ -13435,40 +13799,6 @@
               <a:t>Testa</a:t>
             </a:r>
             <a:endParaRPr lang="en-US" dirty="0"/>
-          </a:p>
-        </p:txBody>
-      </p:sp>
-      <p:sp>
-        <p:nvSpPr>
-          <p:cNvPr id="15" name="ZoneTexte 14"/>
-          <p:cNvSpPr txBox="1"/>
-          <p:nvPr/>
-        </p:nvSpPr>
-        <p:spPr>
-          <a:xfrm>
-            <a:off x="90987" y="0"/>
-            <a:ext cx="2225824" cy="369332"/>
-          </a:xfrm>
-          <a:prstGeom prst="rect">
-            <a:avLst/>
-          </a:prstGeom>
-          <a:noFill/>
-        </p:spPr>
-        <p:txBody>
-          <a:bodyPr wrap="square" rtlCol="0">
-            <a:spAutoFit/>
-          </a:bodyPr>
-          <a:lstStyle/>
-          <a:p>
-            <a:r>
-              <a:rPr lang="fr-FR" dirty="0" smtClean="0"/>
-              <a:t>Our </a:t>
-            </a:r>
-            <a:r>
-              <a:rPr lang="fr-FR" dirty="0" err="1" smtClean="0"/>
-              <a:t>Work</a:t>
-            </a:r>
-            <a:endParaRPr lang="fr-FR" dirty="0"/>
           </a:p>
         </p:txBody>
       </p:sp>
@@ -13520,6 +13850,117 @@
           </a:prstGeom>
         </p:spPr>
       </p:pic>
+      <p:sp>
+        <p:nvSpPr>
+          <p:cNvPr id="14" name="ZoneTexte 13"/>
+          <p:cNvSpPr txBox="1"/>
+          <p:nvPr/>
+        </p:nvSpPr>
+        <p:spPr>
+          <a:xfrm>
+            <a:off x="7380312" y="68431"/>
+            <a:ext cx="1721768" cy="1200329"/>
+          </a:xfrm>
+          <a:prstGeom prst="rect">
+            <a:avLst/>
+          </a:prstGeom>
+          <a:noFill/>
+        </p:spPr>
+        <p:style>
+          <a:lnRef idx="2">
+            <a:schemeClr val="accent1"/>
+          </a:lnRef>
+          <a:fillRef idx="1">
+            <a:schemeClr val="lt1"/>
+          </a:fillRef>
+          <a:effectRef idx="0">
+            <a:schemeClr val="accent1"/>
+          </a:effectRef>
+          <a:fontRef idx="minor">
+            <a:schemeClr val="dk1"/>
+          </a:fontRef>
+        </p:style>
+        <p:txBody>
+          <a:bodyPr wrap="square" rtlCol="0">
+            <a:spAutoFit/>
+          </a:bodyPr>
+          <a:lstStyle/>
+          <a:p>
+            <a:r>
+              <a:rPr lang="fr-FR" dirty="0"/>
+              <a:t>Domain</a:t>
+            </a:r>
+          </a:p>
+          <a:p>
+            <a:r>
+              <a:rPr lang="fr-FR" dirty="0"/>
+              <a:t>Article</a:t>
+            </a:r>
+          </a:p>
+          <a:p>
+            <a:r>
+              <a:rPr lang="fr-FR" b="1" dirty="0" err="1">
+                <a:ln w="0"/>
+                <a:gradFill>
+                  <a:gsLst>
+                    <a:gs pos="0">
+                      <a:schemeClr val="accent5">
+                        <a:lumMod val="50000"/>
+                      </a:schemeClr>
+                    </a:gs>
+                    <a:gs pos="50000">
+                      <a:schemeClr val="accent5"/>
+                    </a:gs>
+                    <a:gs pos="100000">
+                      <a:schemeClr val="accent5">
+                        <a:lumMod val="60000"/>
+                        <a:lumOff val="40000"/>
+                      </a:schemeClr>
+                    </a:gs>
+                  </a:gsLst>
+                  <a:lin ang="5400000"/>
+                </a:gradFill>
+                <a:effectLst>
+                  <a:reflection blurRad="6350" stA="53000" endA="300" endPos="35500" dir="5400000" sy="-90000" algn="bl" rotWithShape="0"/>
+                </a:effectLst>
+              </a:rPr>
+              <a:t>Implementation</a:t>
+            </a:r>
+            <a:endParaRPr lang="fr-FR" b="1" dirty="0">
+              <a:ln w="0"/>
+              <a:gradFill>
+                <a:gsLst>
+                  <a:gs pos="0">
+                    <a:schemeClr val="accent5">
+                      <a:lumMod val="50000"/>
+                    </a:schemeClr>
+                  </a:gs>
+                  <a:gs pos="50000">
+                    <a:schemeClr val="accent5"/>
+                  </a:gs>
+                  <a:gs pos="100000">
+                    <a:schemeClr val="accent5">
+                      <a:lumMod val="60000"/>
+                      <a:lumOff val="40000"/>
+                    </a:schemeClr>
+                  </a:gs>
+                </a:gsLst>
+                <a:lin ang="5400000"/>
+              </a:gradFill>
+              <a:effectLst>
+                <a:reflection blurRad="6350" stA="53000" endA="300" endPos="35500" dir="5400000" sy="-90000" algn="bl" rotWithShape="0"/>
+              </a:effectLst>
+            </a:endParaRPr>
+          </a:p>
+          <a:p>
+            <a:r>
+              <a:rPr lang="fr-FR" dirty="0" smtClean="0"/>
+              <a:t>Conclusion</a:t>
+            </a:r>
+            <a:endParaRPr lang="fr-FR" dirty="0"/>
+          </a:p>
+        </p:txBody>
+      </p:sp>
     </p:spTree>
     <p:extLst>
       <p:ext uri="{BB962C8B-B14F-4D97-AF65-F5344CB8AC3E}">
@@ -13704,14 +14145,14 @@
       </p:sp>
       <p:sp>
         <p:nvSpPr>
-          <p:cNvPr id="4" name="ZoneTexte 3"/>
+          <p:cNvPr id="10" name="ZoneTexte 9"/>
           <p:cNvSpPr txBox="1"/>
           <p:nvPr/>
         </p:nvSpPr>
         <p:spPr>
           <a:xfrm>
-            <a:off x="2339752" y="1285073"/>
-            <a:ext cx="1337226" cy="523220"/>
+            <a:off x="4722168" y="1346628"/>
+            <a:ext cx="3666256" cy="523220"/>
           </a:xfrm>
           <a:prstGeom prst="rect">
             <a:avLst/>
@@ -13719,36 +14160,6 @@
           <a:noFill/>
         </p:spPr>
         <p:txBody>
-          <a:bodyPr wrap="none" rtlCol="0">
-            <a:spAutoFit/>
-          </a:bodyPr>
-          <a:lstStyle/>
-          <a:p>
-            <a:r>
-              <a:rPr lang="fr-FR" sz="2800" dirty="0" err="1" smtClean="0"/>
-              <a:t>JBotSim</a:t>
-            </a:r>
-            <a:endParaRPr lang="fr-FR" sz="2800" dirty="0"/>
-          </a:p>
-        </p:txBody>
-      </p:sp>
-      <p:sp>
-        <p:nvSpPr>
-          <p:cNvPr id="10" name="ZoneTexte 9"/>
-          <p:cNvSpPr txBox="1"/>
-          <p:nvPr/>
-        </p:nvSpPr>
-        <p:spPr>
-          <a:xfrm>
-            <a:off x="4722168" y="1346628"/>
-            <a:ext cx="3666256" cy="523220"/>
-          </a:xfrm>
-          <a:prstGeom prst="rect">
-            <a:avLst/>
-          </a:prstGeom>
-          <a:noFill/>
-        </p:spPr>
-        <p:txBody>
           <a:bodyPr wrap="square" rtlCol="0">
             <a:spAutoFit/>
           </a:bodyPr>
@@ -13776,7 +14187,7 @@
       </p:sp>
       <p:pic>
         <p:nvPicPr>
-          <p:cNvPr id="3" name="Image 2"/>
+          <p:cNvPr id="12" name="Image 11"/>
           <p:cNvPicPr>
             <a:picLocks noChangeAspect="1"/>
           </p:cNvPicPr>
@@ -13790,17 +14201,192 @@
         </p:blipFill>
         <p:spPr>
           <a:xfrm>
-            <a:off x="705260" y="2025787"/>
-            <a:ext cx="4016908" cy="4112572"/>
+            <a:off x="4860032" y="2316740"/>
+            <a:ext cx="4051642" cy="3466645"/>
           </a:xfrm>
           <a:prstGeom prst="rect">
             <a:avLst/>
           </a:prstGeom>
         </p:spPr>
       </p:pic>
+      <p:sp>
+        <p:nvSpPr>
+          <p:cNvPr id="11" name="Espace réservé du pied de page 5"/>
+          <p:cNvSpPr>
+            <a:spLocks noGrp="1"/>
+          </p:cNvSpPr>
+          <p:nvPr>
+            <p:ph type="ftr" sz="quarter" idx="11"/>
+          </p:nvPr>
+        </p:nvSpPr>
+        <p:spPr>
+          <a:xfrm>
+            <a:off x="3352800" y="6356350"/>
+            <a:ext cx="3235424" cy="365125"/>
+          </a:xfrm>
+        </p:spPr>
+        <p:txBody>
+          <a:bodyPr/>
+          <a:lstStyle/>
+          <a:p>
+            <a:r>
+              <a:rPr lang="en-US" dirty="0"/>
+              <a:t>Master 2 – Computer Science – Authors : </a:t>
+            </a:r>
+            <a:r>
+              <a:rPr lang="en-US" dirty="0" err="1"/>
+              <a:t>Castagnet</a:t>
+            </a:r>
+            <a:r>
+              <a:rPr lang="en-US" dirty="0"/>
+              <a:t>, </a:t>
+            </a:r>
+            <a:r>
+              <a:rPr lang="en-US" dirty="0" err="1"/>
+              <a:t>Etcheverry</a:t>
+            </a:r>
+            <a:r>
+              <a:rPr lang="en-US" dirty="0"/>
+              <a:t>, </a:t>
+            </a:r>
+            <a:r>
+              <a:rPr lang="en-US" dirty="0" err="1"/>
+              <a:t>Paziewski</a:t>
+            </a:r>
+            <a:r>
+              <a:rPr lang="en-US" dirty="0"/>
+              <a:t>, </a:t>
+            </a:r>
+            <a:r>
+              <a:rPr lang="en-US" dirty="0" err="1"/>
+              <a:t>Tessier</a:t>
+            </a:r>
+            <a:r>
+              <a:rPr lang="en-US" dirty="0"/>
+              <a:t>, </a:t>
+            </a:r>
+            <a:r>
+              <a:rPr lang="en-US" dirty="0" err="1"/>
+              <a:t>Testa</a:t>
+            </a:r>
+            <a:endParaRPr lang="en-US" dirty="0"/>
+          </a:p>
+        </p:txBody>
+      </p:sp>
+      <p:sp>
+        <p:nvSpPr>
+          <p:cNvPr id="15" name="ZoneTexte 14"/>
+          <p:cNvSpPr txBox="1"/>
+          <p:nvPr/>
+        </p:nvSpPr>
+        <p:spPr>
+          <a:xfrm>
+            <a:off x="7380312" y="68431"/>
+            <a:ext cx="1721768" cy="1200329"/>
+          </a:xfrm>
+          <a:prstGeom prst="rect">
+            <a:avLst/>
+          </a:prstGeom>
+          <a:noFill/>
+        </p:spPr>
+        <p:style>
+          <a:lnRef idx="2">
+            <a:schemeClr val="accent1"/>
+          </a:lnRef>
+          <a:fillRef idx="1">
+            <a:schemeClr val="lt1"/>
+          </a:fillRef>
+          <a:effectRef idx="0">
+            <a:schemeClr val="accent1"/>
+          </a:effectRef>
+          <a:fontRef idx="minor">
+            <a:schemeClr val="dk1"/>
+          </a:fontRef>
+        </p:style>
+        <p:txBody>
+          <a:bodyPr wrap="square" rtlCol="0">
+            <a:spAutoFit/>
+          </a:bodyPr>
+          <a:lstStyle/>
+          <a:p>
+            <a:r>
+              <a:rPr lang="fr-FR" dirty="0"/>
+              <a:t>Domain</a:t>
+            </a:r>
+          </a:p>
+          <a:p>
+            <a:r>
+              <a:rPr lang="fr-FR" dirty="0"/>
+              <a:t>Article</a:t>
+            </a:r>
+          </a:p>
+          <a:p>
+            <a:r>
+              <a:rPr lang="fr-FR" b="1" dirty="0" err="1">
+                <a:ln w="0"/>
+                <a:gradFill>
+                  <a:gsLst>
+                    <a:gs pos="0">
+                      <a:schemeClr val="accent5">
+                        <a:lumMod val="50000"/>
+                      </a:schemeClr>
+                    </a:gs>
+                    <a:gs pos="50000">
+                      <a:schemeClr val="accent5"/>
+                    </a:gs>
+                    <a:gs pos="100000">
+                      <a:schemeClr val="accent5">
+                        <a:lumMod val="60000"/>
+                        <a:lumOff val="40000"/>
+                      </a:schemeClr>
+                    </a:gs>
+                  </a:gsLst>
+                  <a:lin ang="5400000"/>
+                </a:gradFill>
+                <a:effectLst>
+                  <a:reflection blurRad="6350" stA="53000" endA="300" endPos="35500" dir="5400000" sy="-90000" algn="bl" rotWithShape="0"/>
+                </a:effectLst>
+              </a:rPr>
+              <a:t>Implementation</a:t>
+            </a:r>
+            <a:endParaRPr lang="fr-FR" b="1" dirty="0">
+              <a:ln w="0"/>
+              <a:gradFill>
+                <a:gsLst>
+                  <a:gs pos="0">
+                    <a:schemeClr val="accent5">
+                      <a:lumMod val="50000"/>
+                    </a:schemeClr>
+                  </a:gs>
+                  <a:gs pos="50000">
+                    <a:schemeClr val="accent5"/>
+                  </a:gs>
+                  <a:gs pos="100000">
+                    <a:schemeClr val="accent5">
+                      <a:lumMod val="60000"/>
+                      <a:lumOff val="40000"/>
+                    </a:schemeClr>
+                  </a:gs>
+                </a:gsLst>
+                <a:lin ang="5400000"/>
+              </a:gradFill>
+              <a:effectLst>
+                <a:reflection blurRad="6350" stA="53000" endA="300" endPos="35500" dir="5400000" sy="-90000" algn="bl" rotWithShape="0"/>
+              </a:effectLst>
+            </a:endParaRPr>
+          </a:p>
+          <a:p>
+            <a:r>
+              <a:rPr lang="fr-FR" dirty="0" smtClean="0"/>
+              <a:t>Conclusion</a:t>
+            </a:r>
+            <a:endParaRPr lang="fr-FR" dirty="0"/>
+          </a:p>
+        </p:txBody>
+      </p:sp>
       <p:pic>
         <p:nvPicPr>
-          <p:cNvPr id="12" name="Image 11"/>
+          <p:cNvPr id="5" name="Image 4"/>
           <p:cNvPicPr>
             <a:picLocks noChangeAspect="1"/>
           </p:cNvPicPr>
@@ -13814,8 +14400,8 @@
         </p:blipFill>
         <p:spPr>
           <a:xfrm>
-            <a:off x="4860032" y="2316740"/>
-            <a:ext cx="4051642" cy="3466645"/>
+            <a:off x="725041" y="1935063"/>
+            <a:ext cx="3990975" cy="4086225"/>
           </a:xfrm>
           <a:prstGeom prst="rect">
             <a:avLst/>
@@ -13824,78 +14410,14 @@
       </p:pic>
       <p:sp>
         <p:nvSpPr>
-          <p:cNvPr id="11" name="Espace réservé du pied de page 5"/>
-          <p:cNvSpPr>
-            <a:spLocks noGrp="1"/>
-          </p:cNvSpPr>
-          <p:nvPr>
-            <p:ph type="ftr" sz="quarter" idx="11"/>
-          </p:nvPr>
-        </p:nvSpPr>
-        <p:spPr>
-          <a:xfrm>
-            <a:off x="3352800" y="6356350"/>
-            <a:ext cx="3235424" cy="365125"/>
-          </a:xfrm>
-        </p:spPr>
-        <p:txBody>
-          <a:bodyPr/>
-          <a:lstStyle/>
-          <a:p>
-            <a:r>
-              <a:rPr lang="en-US" dirty="0"/>
-              <a:t>Master 2 – Computer Science – Authors : </a:t>
-            </a:r>
-            <a:r>
-              <a:rPr lang="en-US" dirty="0" err="1"/>
-              <a:t>Castagnet</a:t>
-            </a:r>
-            <a:r>
-              <a:rPr lang="en-US" dirty="0"/>
-              <a:t>, </a:t>
-            </a:r>
-            <a:r>
-              <a:rPr lang="en-US" dirty="0" err="1"/>
-              <a:t>Etcheverry</a:t>
-            </a:r>
-            <a:r>
-              <a:rPr lang="en-US" dirty="0"/>
-              <a:t>, </a:t>
-            </a:r>
-            <a:r>
-              <a:rPr lang="en-US" dirty="0" err="1"/>
-              <a:t>Paziewski</a:t>
-            </a:r>
-            <a:r>
-              <a:rPr lang="en-US" dirty="0"/>
-              <a:t>, </a:t>
-            </a:r>
-            <a:r>
-              <a:rPr lang="en-US" dirty="0" err="1"/>
-              <a:t>Tessier</a:t>
-            </a:r>
-            <a:r>
-              <a:rPr lang="en-US" dirty="0"/>
-              <a:t>, </a:t>
-            </a:r>
-            <a:r>
-              <a:rPr lang="en-US" dirty="0" err="1"/>
-              <a:t>Testa</a:t>
-            </a:r>
-            <a:endParaRPr lang="en-US" dirty="0"/>
-          </a:p>
-        </p:txBody>
-      </p:sp>
-      <p:sp>
-        <p:nvSpPr>
-          <p:cNvPr id="14" name="ZoneTexte 13"/>
+          <p:cNvPr id="16" name="ZoneTexte 15"/>
           <p:cNvSpPr txBox="1"/>
           <p:nvPr/>
         </p:nvSpPr>
         <p:spPr>
           <a:xfrm>
-            <a:off x="90987" y="0"/>
-            <a:ext cx="2225824" cy="369332"/>
+            <a:off x="1907704" y="1340345"/>
+            <a:ext cx="2095317" cy="523220"/>
           </a:xfrm>
           <a:prstGeom prst="rect">
             <a:avLst/>
@@ -13903,20 +14425,24 @@
           <a:noFill/>
         </p:spPr>
         <p:txBody>
-          <a:bodyPr wrap="square" rtlCol="0">
+          <a:bodyPr wrap="none" rtlCol="0">
             <a:spAutoFit/>
           </a:bodyPr>
           <a:lstStyle/>
           <a:p>
             <a:r>
-              <a:rPr lang="fr-FR" dirty="0" smtClean="0"/>
-              <a:t>Our </a:t>
-            </a:r>
-            <a:r>
-              <a:rPr lang="fr-FR" dirty="0" err="1" smtClean="0"/>
-              <a:t>Work</a:t>
-            </a:r>
-            <a:endParaRPr lang="fr-FR" dirty="0"/>
+              <a:rPr lang="fr-FR" sz="2800" dirty="0" err="1" smtClean="0"/>
+              <a:t>JBotSim</a:t>
+            </a:r>
+            <a:r>
+              <a:rPr lang="fr-FR" sz="2800" dirty="0" smtClean="0"/>
+              <a:t> </a:t>
+            </a:r>
+            <a:r>
+              <a:rPr lang="fr-FR" sz="2800" dirty="0" err="1" smtClean="0"/>
+              <a:t>view</a:t>
+            </a:r>
+            <a:endParaRPr lang="fr-FR" sz="2800" dirty="0"/>
           </a:p>
         </p:txBody>
       </p:sp>
@@ -14122,8 +14648,8 @@
         </p:nvSpPr>
         <p:spPr>
           <a:xfrm>
-            <a:off x="762000" y="1596413"/>
-            <a:ext cx="8077200" cy="4297363"/>
+            <a:off x="762000" y="784599"/>
+            <a:ext cx="8077200" cy="5109178"/>
           </a:xfrm>
           <a:prstGeom prst="rect">
             <a:avLst/>
@@ -14271,10 +14797,11 @@
             </a:lvl9pPr>
           </a:lstStyle>
           <a:p>
+            <a:pPr algn="ctr"/>
             <a:endParaRPr lang="fr-FR" sz="2600" dirty="0" smtClean="0"/>
           </a:p>
           <a:p>
-            <a:pPr lvl="1"/>
+            <a:pPr lvl="1" algn="ctr"/>
             <a:endParaRPr lang="fr-FR" sz="2600" dirty="0" smtClean="0"/>
           </a:p>
         </p:txBody>
@@ -14293,8 +14820,8 @@
         </p:nvSpPr>
         <p:spPr>
           <a:xfrm>
-            <a:off x="965448" y="1052737"/>
-            <a:ext cx="4758680" cy="5400599"/>
+            <a:off x="965448" y="1052736"/>
+            <a:ext cx="7873752" cy="5400599"/>
           </a:xfrm>
           <a:prstGeom prst="rect">
             <a:avLst/>
@@ -14442,118 +14969,68 @@
             </a:lvl9pPr>
           </a:lstStyle>
           <a:p>
-            <a:r>
-              <a:rPr lang="fr-FR" dirty="0" err="1" smtClean="0"/>
-              <a:t>Context</a:t>
-            </a:r>
-            <a:endParaRPr lang="fr-FR" dirty="0" smtClean="0"/>
-          </a:p>
-          <a:p>
-            <a:r>
-              <a:rPr lang="fr-FR" dirty="0" err="1" smtClean="0"/>
-              <a:t>Problematics</a:t>
-            </a:r>
-            <a:endParaRPr lang="fr-FR" dirty="0"/>
-          </a:p>
-          <a:p>
+            <a:endParaRPr lang="fr-FR" dirty="0" smtClean="0">
+              <a:solidFill>
+                <a:prstClr val="black"/>
+              </a:solidFill>
+            </a:endParaRPr>
+          </a:p>
+          <a:p>
+            <a:endParaRPr lang="fr-FR" dirty="0">
+              <a:solidFill>
+                <a:prstClr val="black"/>
+              </a:solidFill>
+            </a:endParaRPr>
+          </a:p>
+          <a:p>
+            <a:r>
+              <a:rPr lang="fr-FR" dirty="0" smtClean="0">
+                <a:solidFill>
+                  <a:prstClr val="black"/>
+                </a:solidFill>
+              </a:rPr>
+              <a:t>Domain</a:t>
+            </a:r>
+            <a:endParaRPr lang="fr-FR" dirty="0">
+              <a:solidFill>
+                <a:prstClr val="black"/>
+              </a:solidFill>
+            </a:endParaRPr>
+          </a:p>
+          <a:p>
+            <a:r>
+              <a:rPr lang="fr-FR" dirty="0">
+                <a:solidFill>
+                  <a:prstClr val="black"/>
+                </a:solidFill>
+              </a:rPr>
+              <a:t>Article</a:t>
+            </a:r>
+          </a:p>
+          <a:p>
+            <a:r>
+              <a:rPr lang="fr-FR" dirty="0" smtClean="0">
+                <a:solidFill>
+                  <a:prstClr val="black"/>
+                </a:solidFill>
+              </a:rPr>
+              <a:t>Our </a:t>
+            </a:r>
             <a:r>
               <a:rPr lang="fr-FR" dirty="0" err="1" smtClean="0">
                 <a:solidFill>
-                  <a:srgbClr val="000000"/>
+                  <a:prstClr val="black"/>
                 </a:solidFill>
               </a:rPr>
-              <a:t>Study</a:t>
-            </a:r>
-            <a:r>
-              <a:rPr lang="fr-FR" dirty="0" smtClean="0">
-                <a:solidFill>
-                  <a:srgbClr val="000000"/>
-                </a:solidFill>
-              </a:rPr>
-              <a:t> </a:t>
-            </a:r>
-            <a:r>
-              <a:rPr lang="fr-FR" dirty="0">
-                <a:solidFill>
-                  <a:srgbClr val="000000"/>
-                </a:solidFill>
-              </a:rPr>
-              <a:t>of </a:t>
-            </a:r>
-            <a:r>
-              <a:rPr lang="fr-FR" dirty="0" err="1" smtClean="0">
-                <a:solidFill>
-                  <a:srgbClr val="000000"/>
-                </a:solidFill>
-              </a:rPr>
-              <a:t>existing</a:t>
-            </a:r>
-            <a:r>
-              <a:rPr lang="fr-FR" dirty="0" smtClean="0">
-                <a:solidFill>
-                  <a:srgbClr val="000000"/>
-                </a:solidFill>
-              </a:rPr>
-              <a:t> </a:t>
-            </a:r>
-            <a:r>
-              <a:rPr lang="fr-FR" dirty="0" err="1" smtClean="0">
-                <a:solidFill>
-                  <a:srgbClr val="000000"/>
-                </a:solidFill>
-              </a:rPr>
-              <a:t>models</a:t>
-            </a:r>
-            <a:endParaRPr lang="fr-FR" dirty="0"/>
-          </a:p>
-          <a:p>
-            <a:r>
-              <a:rPr lang="fr-FR" dirty="0" smtClean="0"/>
-              <a:t>About the article</a:t>
-            </a:r>
-            <a:endParaRPr lang="fr-FR" dirty="0" smtClean="0"/>
-          </a:p>
-          <a:p>
-            <a:r>
-              <a:rPr lang="en-US" dirty="0"/>
-              <a:t>Models studied in the article</a:t>
-            </a:r>
-          </a:p>
-          <a:p>
-            <a:r>
-              <a:rPr lang="fr-FR" dirty="0" err="1" smtClean="0"/>
-              <a:t>Experiments</a:t>
-            </a:r>
-            <a:endParaRPr lang="fr-FR" dirty="0" smtClean="0"/>
-          </a:p>
-          <a:p>
-            <a:r>
-              <a:rPr lang="fr-FR" dirty="0" err="1"/>
-              <a:t>Comparison</a:t>
-            </a:r>
-            <a:r>
-              <a:rPr lang="fr-FR" dirty="0"/>
-              <a:t> of 2 </a:t>
-            </a:r>
-            <a:r>
-              <a:rPr lang="fr-FR" dirty="0" err="1" smtClean="0"/>
-              <a:t>models</a:t>
-            </a:r>
-            <a:endParaRPr lang="fr-FR" dirty="0" smtClean="0"/>
-          </a:p>
-          <a:p>
-            <a:r>
-              <a:rPr lang="fr-FR" dirty="0" smtClean="0"/>
-              <a:t>Our </a:t>
-            </a:r>
-            <a:r>
-              <a:rPr lang="fr-FR" dirty="0" err="1" smtClean="0"/>
-              <a:t>Implementation</a:t>
-            </a:r>
-            <a:endParaRPr lang="fr-FR" dirty="0" smtClean="0"/>
-          </a:p>
-          <a:p>
-            <a:pPr lvl="0"/>
+              <a:t>implementation</a:t>
+            </a:r>
+            <a:endParaRPr lang="fr-FR" dirty="0">
+              <a:solidFill>
+                <a:prstClr val="black"/>
+              </a:solidFill>
+            </a:endParaRPr>
+          </a:p>
+          <a:p>
             <a:r>
               <a:rPr lang="fr-FR" dirty="0">
                 <a:solidFill>
@@ -14768,14 +15245,14 @@
       </p:sp>
       <p:sp>
         <p:nvSpPr>
-          <p:cNvPr id="4" name="ZoneTexte 3"/>
+          <p:cNvPr id="10" name="ZoneTexte 9"/>
           <p:cNvSpPr txBox="1"/>
           <p:nvPr/>
         </p:nvSpPr>
         <p:spPr>
           <a:xfrm>
-            <a:off x="2339752" y="1285073"/>
-            <a:ext cx="1337226" cy="523220"/>
+            <a:off x="4722168" y="1346628"/>
+            <a:ext cx="4038600" cy="523220"/>
           </a:xfrm>
           <a:prstGeom prst="rect">
             <a:avLst/>
@@ -14783,36 +15260,6 @@
           <a:noFill/>
         </p:spPr>
         <p:txBody>
-          <a:bodyPr wrap="none" rtlCol="0">
-            <a:spAutoFit/>
-          </a:bodyPr>
-          <a:lstStyle/>
-          <a:p>
-            <a:r>
-              <a:rPr lang="fr-FR" sz="2800" dirty="0" err="1" smtClean="0"/>
-              <a:t>JBotSim</a:t>
-            </a:r>
-            <a:endParaRPr lang="fr-FR" sz="2800" dirty="0"/>
-          </a:p>
-        </p:txBody>
-      </p:sp>
-      <p:sp>
-        <p:nvSpPr>
-          <p:cNvPr id="10" name="ZoneTexte 9"/>
-          <p:cNvSpPr txBox="1"/>
-          <p:nvPr/>
-        </p:nvSpPr>
-        <p:spPr>
-          <a:xfrm>
-            <a:off x="4722168" y="1346628"/>
-            <a:ext cx="4038600" cy="523220"/>
-          </a:xfrm>
-          <a:prstGeom prst="rect">
-            <a:avLst/>
-          </a:prstGeom>
-          <a:noFill/>
-        </p:spPr>
-        <p:txBody>
           <a:bodyPr wrap="square" rtlCol="0">
             <a:spAutoFit/>
           </a:bodyPr>
@@ -14832,11 +15279,7 @@
             </a:r>
             <a:r>
               <a:rPr lang="fr-FR" sz="2800" dirty="0" smtClean="0"/>
-              <a:t> </a:t>
-            </a:r>
-            <a:r>
-              <a:rPr lang="fr-FR" sz="2800" dirty="0" smtClean="0"/>
-              <a:t>model</a:t>
+              <a:t> model</a:t>
             </a:r>
             <a:endParaRPr lang="fr-FR" sz="2800" dirty="0"/>
           </a:p>
@@ -14956,20 +15399,34 @@
       </p:sp>
       <p:sp>
         <p:nvSpPr>
-          <p:cNvPr id="12" name="ZoneTexte 11"/>
+          <p:cNvPr id="14" name="ZoneTexte 13"/>
           <p:cNvSpPr txBox="1"/>
           <p:nvPr/>
         </p:nvSpPr>
         <p:spPr>
           <a:xfrm>
-            <a:off x="90987" y="0"/>
-            <a:ext cx="2225824" cy="369332"/>
+            <a:off x="7380312" y="68431"/>
+            <a:ext cx="1721768" cy="1200329"/>
           </a:xfrm>
           <a:prstGeom prst="rect">
             <a:avLst/>
           </a:prstGeom>
           <a:noFill/>
         </p:spPr>
+        <p:style>
+          <a:lnRef idx="2">
+            <a:schemeClr val="accent1"/>
+          </a:lnRef>
+          <a:fillRef idx="1">
+            <a:schemeClr val="lt1"/>
+          </a:fillRef>
+          <a:effectRef idx="0">
+            <a:schemeClr val="accent1"/>
+          </a:effectRef>
+          <a:fontRef idx="minor">
+            <a:schemeClr val="dk1"/>
+          </a:fontRef>
+        </p:style>
         <p:txBody>
           <a:bodyPr wrap="square" rtlCol="0">
             <a:spAutoFit/>
@@ -14977,14 +15434,115 @@
           <a:lstStyle/>
           <a:p>
             <a:r>
+              <a:rPr lang="fr-FR" dirty="0"/>
+              <a:t>Domain</a:t>
+            </a:r>
+          </a:p>
+          <a:p>
+            <a:r>
+              <a:rPr lang="fr-FR" dirty="0"/>
+              <a:t>Article</a:t>
+            </a:r>
+          </a:p>
+          <a:p>
+            <a:r>
+              <a:rPr lang="fr-FR" b="1" dirty="0" err="1">
+                <a:ln w="0"/>
+                <a:gradFill>
+                  <a:gsLst>
+                    <a:gs pos="0">
+                      <a:schemeClr val="accent5">
+                        <a:lumMod val="50000"/>
+                      </a:schemeClr>
+                    </a:gs>
+                    <a:gs pos="50000">
+                      <a:schemeClr val="accent5"/>
+                    </a:gs>
+                    <a:gs pos="100000">
+                      <a:schemeClr val="accent5">
+                        <a:lumMod val="60000"/>
+                        <a:lumOff val="40000"/>
+                      </a:schemeClr>
+                    </a:gs>
+                  </a:gsLst>
+                  <a:lin ang="5400000"/>
+                </a:gradFill>
+                <a:effectLst>
+                  <a:reflection blurRad="6350" stA="53000" endA="300" endPos="35500" dir="5400000" sy="-90000" algn="bl" rotWithShape="0"/>
+                </a:effectLst>
+              </a:rPr>
+              <a:t>Implementation</a:t>
+            </a:r>
+            <a:endParaRPr lang="fr-FR" b="1" dirty="0">
+              <a:ln w="0"/>
+              <a:gradFill>
+                <a:gsLst>
+                  <a:gs pos="0">
+                    <a:schemeClr val="accent5">
+                      <a:lumMod val="50000"/>
+                    </a:schemeClr>
+                  </a:gs>
+                  <a:gs pos="50000">
+                    <a:schemeClr val="accent5"/>
+                  </a:gs>
+                  <a:gs pos="100000">
+                    <a:schemeClr val="accent5">
+                      <a:lumMod val="60000"/>
+                      <a:lumOff val="40000"/>
+                    </a:schemeClr>
+                  </a:gs>
+                </a:gsLst>
+                <a:lin ang="5400000"/>
+              </a:gradFill>
+              <a:effectLst>
+                <a:reflection blurRad="6350" stA="53000" endA="300" endPos="35500" dir="5400000" sy="-90000" algn="bl" rotWithShape="0"/>
+              </a:effectLst>
+            </a:endParaRPr>
+          </a:p>
+          <a:p>
+            <a:r>
               <a:rPr lang="fr-FR" dirty="0" smtClean="0"/>
-              <a:t>Our </a:t>
-            </a:r>
-            <a:r>
-              <a:rPr lang="fr-FR" dirty="0" err="1" smtClean="0"/>
-              <a:t>Work</a:t>
+              <a:t>Conclusion</a:t>
             </a:r>
             <a:endParaRPr lang="fr-FR" dirty="0"/>
+          </a:p>
+        </p:txBody>
+      </p:sp>
+      <p:sp>
+        <p:nvSpPr>
+          <p:cNvPr id="15" name="ZoneTexte 14"/>
+          <p:cNvSpPr txBox="1"/>
+          <p:nvPr/>
+        </p:nvSpPr>
+        <p:spPr>
+          <a:xfrm>
+            <a:off x="1907704" y="1340345"/>
+            <a:ext cx="2095317" cy="523220"/>
+          </a:xfrm>
+          <a:prstGeom prst="rect">
+            <a:avLst/>
+          </a:prstGeom>
+          <a:noFill/>
+        </p:spPr>
+        <p:txBody>
+          <a:bodyPr wrap="none" rtlCol="0">
+            <a:spAutoFit/>
+          </a:bodyPr>
+          <a:lstStyle/>
+          <a:p>
+            <a:r>
+              <a:rPr lang="fr-FR" sz="2800" dirty="0" err="1" smtClean="0"/>
+              <a:t>JBotSim</a:t>
+            </a:r>
+            <a:r>
+              <a:rPr lang="fr-FR" sz="2800" dirty="0" smtClean="0"/>
+              <a:t> </a:t>
+            </a:r>
+            <a:r>
+              <a:rPr lang="fr-FR" sz="2800" dirty="0" err="1" smtClean="0"/>
+              <a:t>view</a:t>
+            </a:r>
+            <a:endParaRPr lang="fr-FR" sz="2800" dirty="0"/>
           </a:p>
         </p:txBody>
       </p:sp>
@@ -15345,11 +15903,7 @@
             </a:r>
             <a:r>
               <a:rPr lang="fr-FR" sz="2400" dirty="0" smtClean="0"/>
-              <a:t> 100% of </a:t>
-            </a:r>
-            <a:r>
-              <a:rPr lang="fr-FR" sz="2400" dirty="0" smtClean="0"/>
-              <a:t>scan</a:t>
+              <a:t> 100% of scan</a:t>
             </a:r>
             <a:endParaRPr lang="fr-FR" sz="2400" dirty="0"/>
           </a:p>
@@ -15435,20 +15989,34 @@
       </p:sp>
       <p:sp>
         <p:nvSpPr>
-          <p:cNvPr id="11" name="ZoneTexte 10"/>
+          <p:cNvPr id="12" name="ZoneTexte 11"/>
           <p:cNvSpPr txBox="1"/>
           <p:nvPr/>
         </p:nvSpPr>
         <p:spPr>
           <a:xfrm>
-            <a:off x="90987" y="0"/>
-            <a:ext cx="2225824" cy="369332"/>
+            <a:off x="7380312" y="68431"/>
+            <a:ext cx="1721768" cy="1200329"/>
           </a:xfrm>
           <a:prstGeom prst="rect">
             <a:avLst/>
           </a:prstGeom>
           <a:noFill/>
         </p:spPr>
+        <p:style>
+          <a:lnRef idx="2">
+            <a:schemeClr val="accent1"/>
+          </a:lnRef>
+          <a:fillRef idx="1">
+            <a:schemeClr val="lt1"/>
+          </a:fillRef>
+          <a:effectRef idx="0">
+            <a:schemeClr val="accent1"/>
+          </a:effectRef>
+          <a:fontRef idx="minor">
+            <a:schemeClr val="dk1"/>
+          </a:fontRef>
+        </p:style>
         <p:txBody>
           <a:bodyPr wrap="square" rtlCol="0">
             <a:spAutoFit/>
@@ -15456,12 +16024,75 @@
           <a:lstStyle/>
           <a:p>
             <a:r>
+              <a:rPr lang="fr-FR" dirty="0"/>
+              <a:t>Domain</a:t>
+            </a:r>
+          </a:p>
+          <a:p>
+            <a:r>
+              <a:rPr lang="fr-FR" dirty="0"/>
+              <a:t>Article</a:t>
+            </a:r>
+          </a:p>
+          <a:p>
+            <a:r>
+              <a:rPr lang="fr-FR" b="1" dirty="0" err="1">
+                <a:ln w="0"/>
+                <a:gradFill>
+                  <a:gsLst>
+                    <a:gs pos="0">
+                      <a:schemeClr val="accent5">
+                        <a:lumMod val="50000"/>
+                      </a:schemeClr>
+                    </a:gs>
+                    <a:gs pos="50000">
+                      <a:schemeClr val="accent5"/>
+                    </a:gs>
+                    <a:gs pos="100000">
+                      <a:schemeClr val="accent5">
+                        <a:lumMod val="60000"/>
+                        <a:lumOff val="40000"/>
+                      </a:schemeClr>
+                    </a:gs>
+                  </a:gsLst>
+                  <a:lin ang="5400000"/>
+                </a:gradFill>
+                <a:effectLst>
+                  <a:reflection blurRad="6350" stA="53000" endA="300" endPos="35500" dir="5400000" sy="-90000" algn="bl" rotWithShape="0"/>
+                </a:effectLst>
+              </a:rPr>
+              <a:t>Implementation</a:t>
+            </a:r>
+            <a:endParaRPr lang="fr-FR" b="1" dirty="0">
+              <a:ln w="0"/>
+              <a:gradFill>
+                <a:gsLst>
+                  <a:gs pos="0">
+                    <a:schemeClr val="accent5">
+                      <a:lumMod val="50000"/>
+                    </a:schemeClr>
+                  </a:gs>
+                  <a:gs pos="50000">
+                    <a:schemeClr val="accent5"/>
+                  </a:gs>
+                  <a:gs pos="100000">
+                    <a:schemeClr val="accent5">
+                      <a:lumMod val="60000"/>
+                      <a:lumOff val="40000"/>
+                    </a:schemeClr>
+                  </a:gs>
+                </a:gsLst>
+                <a:lin ang="5400000"/>
+              </a:gradFill>
+              <a:effectLst>
+                <a:reflection blurRad="6350" stA="53000" endA="300" endPos="35500" dir="5400000" sy="-90000" algn="bl" rotWithShape="0"/>
+              </a:effectLst>
+            </a:endParaRPr>
+          </a:p>
+          <a:p>
+            <a:r>
               <a:rPr lang="fr-FR" dirty="0" smtClean="0"/>
-              <a:t>Our </a:t>
-            </a:r>
-            <a:r>
-              <a:rPr lang="fr-FR" dirty="0" err="1" smtClean="0"/>
-              <a:t>Work</a:t>
+              <a:t>Conclusion</a:t>
             </a:r>
             <a:endParaRPr lang="fr-FR" dirty="0"/>
           </a:p>
@@ -15691,30 +16322,6 @@
           </a:p>
         </p:txBody>
       </p:sp>
-      <p:pic>
-        <p:nvPicPr>
-          <p:cNvPr id="3" name="Image 2"/>
-          <p:cNvPicPr>
-            <a:picLocks noChangeAspect="1"/>
-          </p:cNvPicPr>
-          <p:nvPr/>
-        </p:nvPicPr>
-        <p:blipFill>
-          <a:blip r:embed="rId6"/>
-          <a:stretch>
-            <a:fillRect/>
-          </a:stretch>
-        </p:blipFill>
-        <p:spPr>
-          <a:xfrm>
-            <a:off x="6005656" y="1872794"/>
-            <a:ext cx="2520280" cy="4436526"/>
-          </a:xfrm>
-          <a:prstGeom prst="rect">
-            <a:avLst/>
-          </a:prstGeom>
-        </p:spPr>
-      </p:pic>
       <p:sp>
         <p:nvSpPr>
           <p:cNvPr id="10" name="Espace réservé du pied de page 5"/>
@@ -15776,40 +16383,6 @@
               <a:t>Testa</a:t>
             </a:r>
             <a:endParaRPr lang="en-US" dirty="0"/>
-          </a:p>
-        </p:txBody>
-      </p:sp>
-      <p:sp>
-        <p:nvSpPr>
-          <p:cNvPr id="12" name="ZoneTexte 11"/>
-          <p:cNvSpPr txBox="1"/>
-          <p:nvPr/>
-        </p:nvSpPr>
-        <p:spPr>
-          <a:xfrm>
-            <a:off x="90987" y="0"/>
-            <a:ext cx="2225824" cy="369332"/>
-          </a:xfrm>
-          <a:prstGeom prst="rect">
-            <a:avLst/>
-          </a:prstGeom>
-          <a:noFill/>
-        </p:spPr>
-        <p:txBody>
-          <a:bodyPr wrap="square" rtlCol="0">
-            <a:spAutoFit/>
-          </a:bodyPr>
-          <a:lstStyle/>
-          <a:p>
-            <a:r>
-              <a:rPr lang="fr-FR" dirty="0" smtClean="0"/>
-              <a:t>Our </a:t>
-            </a:r>
-            <a:r>
-              <a:rPr lang="fr-FR" dirty="0" err="1" smtClean="0"/>
-              <a:t>Work</a:t>
-            </a:r>
-            <a:endParaRPr lang="fr-FR" dirty="0"/>
           </a:p>
         </p:txBody>
       </p:sp>
@@ -15833,10 +16406,245 @@
         </p:xfrm>
         <a:graphic>
           <a:graphicData uri="http://schemas.openxmlformats.org/drawingml/2006/chart">
-            <c:chart xmlns:c="http://schemas.openxmlformats.org/drawingml/2006/chart" xmlns:r="http://schemas.openxmlformats.org/officeDocument/2006/relationships" r:id="rId7"/>
+            <c:chart xmlns:c="http://schemas.openxmlformats.org/drawingml/2006/chart" xmlns:r="http://schemas.openxmlformats.org/officeDocument/2006/relationships" r:id="rId6"/>
           </a:graphicData>
         </a:graphic>
       </p:graphicFrame>
+      <p:sp>
+        <p:nvSpPr>
+          <p:cNvPr id="11" name="ZoneTexte 10"/>
+          <p:cNvSpPr txBox="1"/>
+          <p:nvPr/>
+        </p:nvSpPr>
+        <p:spPr>
+          <a:xfrm>
+            <a:off x="7380312" y="68431"/>
+            <a:ext cx="1721768" cy="1200329"/>
+          </a:xfrm>
+          <a:prstGeom prst="rect">
+            <a:avLst/>
+          </a:prstGeom>
+          <a:noFill/>
+        </p:spPr>
+        <p:style>
+          <a:lnRef idx="2">
+            <a:schemeClr val="accent1"/>
+          </a:lnRef>
+          <a:fillRef idx="1">
+            <a:schemeClr val="lt1"/>
+          </a:fillRef>
+          <a:effectRef idx="0">
+            <a:schemeClr val="accent1"/>
+          </a:effectRef>
+          <a:fontRef idx="minor">
+            <a:schemeClr val="dk1"/>
+          </a:fontRef>
+        </p:style>
+        <p:txBody>
+          <a:bodyPr wrap="square" rtlCol="0">
+            <a:spAutoFit/>
+          </a:bodyPr>
+          <a:lstStyle/>
+          <a:p>
+            <a:r>
+              <a:rPr lang="fr-FR" dirty="0"/>
+              <a:t>Domain</a:t>
+            </a:r>
+          </a:p>
+          <a:p>
+            <a:r>
+              <a:rPr lang="fr-FR" dirty="0"/>
+              <a:t>Article</a:t>
+            </a:r>
+          </a:p>
+          <a:p>
+            <a:r>
+              <a:rPr lang="fr-FR" b="1" dirty="0" err="1">
+                <a:ln w="0"/>
+                <a:gradFill>
+                  <a:gsLst>
+                    <a:gs pos="0">
+                      <a:schemeClr val="accent5">
+                        <a:lumMod val="50000"/>
+                      </a:schemeClr>
+                    </a:gs>
+                    <a:gs pos="50000">
+                      <a:schemeClr val="accent5"/>
+                    </a:gs>
+                    <a:gs pos="100000">
+                      <a:schemeClr val="accent5">
+                        <a:lumMod val="60000"/>
+                        <a:lumOff val="40000"/>
+                      </a:schemeClr>
+                    </a:gs>
+                  </a:gsLst>
+                  <a:lin ang="5400000"/>
+                </a:gradFill>
+                <a:effectLst>
+                  <a:reflection blurRad="6350" stA="53000" endA="300" endPos="35500" dir="5400000" sy="-90000" algn="bl" rotWithShape="0"/>
+                </a:effectLst>
+              </a:rPr>
+              <a:t>Implementation</a:t>
+            </a:r>
+            <a:endParaRPr lang="fr-FR" b="1" dirty="0">
+              <a:ln w="0"/>
+              <a:gradFill>
+                <a:gsLst>
+                  <a:gs pos="0">
+                    <a:schemeClr val="accent5">
+                      <a:lumMod val="50000"/>
+                    </a:schemeClr>
+                  </a:gs>
+                  <a:gs pos="50000">
+                    <a:schemeClr val="accent5"/>
+                  </a:gs>
+                  <a:gs pos="100000">
+                    <a:schemeClr val="accent5">
+                      <a:lumMod val="60000"/>
+                      <a:lumOff val="40000"/>
+                    </a:schemeClr>
+                  </a:gs>
+                </a:gsLst>
+                <a:lin ang="5400000"/>
+              </a:gradFill>
+              <a:effectLst>
+                <a:reflection blurRad="6350" stA="53000" endA="300" endPos="35500" dir="5400000" sy="-90000" algn="bl" rotWithShape="0"/>
+              </a:effectLst>
+            </a:endParaRPr>
+          </a:p>
+          <a:p>
+            <a:r>
+              <a:rPr lang="fr-FR" dirty="0" smtClean="0"/>
+              <a:t>Conclusion</a:t>
+            </a:r>
+            <a:endParaRPr lang="fr-FR" dirty="0"/>
+          </a:p>
+        </p:txBody>
+      </p:sp>
+      <p:pic>
+        <p:nvPicPr>
+          <p:cNvPr id="5" name="Image 4"/>
+          <p:cNvPicPr>
+            <a:picLocks noChangeAspect="1"/>
+          </p:cNvPicPr>
+          <p:nvPr/>
+        </p:nvPicPr>
+        <p:blipFill>
+          <a:blip r:embed="rId7"/>
+          <a:stretch>
+            <a:fillRect/>
+          </a:stretch>
+        </p:blipFill>
+        <p:spPr>
+          <a:xfrm>
+            <a:off x="6449888" y="1736179"/>
+            <a:ext cx="2514600" cy="4429125"/>
+          </a:xfrm>
+          <a:prstGeom prst="rect">
+            <a:avLst/>
+          </a:prstGeom>
+        </p:spPr>
+      </p:pic>
+      <p:sp>
+        <p:nvSpPr>
+          <p:cNvPr id="7" name="ZoneTexte 6"/>
+          <p:cNvSpPr txBox="1"/>
+          <p:nvPr/>
+        </p:nvSpPr>
+        <p:spPr>
+          <a:xfrm>
+            <a:off x="6665912" y="3645024"/>
+            <a:ext cx="3090664" cy="307777"/>
+          </a:xfrm>
+          <a:prstGeom prst="rect">
+            <a:avLst/>
+          </a:prstGeom>
+          <a:noFill/>
+        </p:spPr>
+        <p:txBody>
+          <a:bodyPr wrap="square" rtlCol="0">
+            <a:spAutoFit/>
+          </a:bodyPr>
+          <a:lstStyle/>
+          <a:p>
+            <a:r>
+              <a:rPr lang="fr-FR" sz="1400" dirty="0" err="1" smtClean="0"/>
+              <a:t>Random</a:t>
+            </a:r>
+            <a:r>
+              <a:rPr lang="fr-FR" sz="1400" dirty="0" smtClean="0"/>
+              <a:t> </a:t>
+            </a:r>
+            <a:r>
+              <a:rPr lang="fr-FR" sz="1400" dirty="0" err="1" smtClean="0"/>
+              <a:t>mobility</a:t>
+            </a:r>
+            <a:r>
+              <a:rPr lang="fr-FR" sz="1400" dirty="0" smtClean="0"/>
+              <a:t> </a:t>
+            </a:r>
+            <a:r>
+              <a:rPr lang="fr-FR" sz="1400" dirty="0" err="1" smtClean="0"/>
+              <a:t>coverage</a:t>
+            </a:r>
+            <a:r>
+              <a:rPr lang="fr-FR" sz="1400" dirty="0" smtClean="0"/>
+              <a:t> [1]</a:t>
+            </a:r>
+            <a:endParaRPr lang="fr-FR" sz="1400" dirty="0"/>
+          </a:p>
+        </p:txBody>
+      </p:sp>
+      <p:sp>
+        <p:nvSpPr>
+          <p:cNvPr id="15" name="ZoneTexte 14"/>
+          <p:cNvSpPr txBox="1"/>
+          <p:nvPr/>
+        </p:nvSpPr>
+        <p:spPr>
+          <a:xfrm>
+            <a:off x="6444208" y="5922273"/>
+            <a:ext cx="3090664" cy="307777"/>
+          </a:xfrm>
+          <a:prstGeom prst="rect">
+            <a:avLst/>
+          </a:prstGeom>
+          <a:noFill/>
+        </p:spPr>
+        <p:txBody>
+          <a:bodyPr wrap="square" rtlCol="0">
+            <a:spAutoFit/>
+          </a:bodyPr>
+          <a:lstStyle/>
+          <a:p>
+            <a:r>
+              <a:rPr lang="fr-FR" sz="1400" dirty="0" err="1" smtClean="0"/>
+              <a:t>Pheromone</a:t>
+            </a:r>
+            <a:r>
+              <a:rPr lang="fr-FR" sz="1400" dirty="0" smtClean="0"/>
+              <a:t> </a:t>
+            </a:r>
+            <a:r>
+              <a:rPr lang="fr-FR" sz="1400" dirty="0" err="1" smtClean="0"/>
+              <a:t>mobility</a:t>
+            </a:r>
+            <a:r>
+              <a:rPr lang="fr-FR" sz="1400" dirty="0" smtClean="0"/>
+              <a:t> </a:t>
+            </a:r>
+            <a:r>
+              <a:rPr lang="fr-FR" sz="1400" dirty="0" err="1" smtClean="0"/>
+              <a:t>coverage</a:t>
+            </a:r>
+            <a:r>
+              <a:rPr lang="fr-FR" sz="1400" dirty="0" smtClean="0"/>
+              <a:t> [1]</a:t>
+            </a:r>
+            <a:endParaRPr lang="fr-FR" sz="1400" dirty="0"/>
+          </a:p>
+        </p:txBody>
+      </p:sp>
     </p:spTree>
     <p:extLst>
       <p:ext uri="{BB962C8B-B14F-4D97-AF65-F5344CB8AC3E}">
@@ -15973,14 +16781,14 @@
           <p:nvPr>
             <p:extLst>
               <p:ext uri="{D42A27DB-BD31-4B8C-83A1-F6EECF244321}">
-                <p14:modId xmlns:p14="http://schemas.microsoft.com/office/powerpoint/2010/main" val="3068316738"/>
+                <p14:modId xmlns:p14="http://schemas.microsoft.com/office/powerpoint/2010/main" val="4249564253"/>
               </p:ext>
             </p:extLst>
           </p:nvPr>
         </p:nvGraphicFramePr>
         <p:xfrm>
           <a:off x="2339752" y="2060848"/>
-          <a:ext cx="6096000" cy="3139440"/>
+          <a:ext cx="6096000" cy="3291840"/>
         </p:xfrm>
         <a:graphic>
           <a:graphicData uri="http://schemas.openxmlformats.org/drawingml/2006/table">
@@ -16164,30 +16972,24 @@
                     <a:bodyPr/>
                     <a:lstStyle/>
                     <a:p>
-                      <a:pPr marL="0" marR="0" indent="0" algn="ctr" defTabSz="914400" rtl="0" eaLnBrk="1" fontAlgn="auto" latinLnBrk="0" hangingPunct="1">
-                        <a:lnSpc>
-                          <a:spcPct val="100000"/>
-                        </a:lnSpc>
-                        <a:spcBef>
-                          <a:spcPts val="0"/>
-                        </a:spcBef>
-                        <a:spcAft>
-                          <a:spcPts val="0"/>
-                        </a:spcAft>
-                        <a:buClrTx/>
-                        <a:buSzTx/>
-                        <a:buFontTx/>
+                      <a:pPr marL="0" indent="0" algn="ctr">
+                        <a:buFont typeface="Wingdings" panose="05000000000000000000" pitchFamily="2" charset="2"/>
                         <a:buNone/>
-                        <a:tabLst/>
-                        <a:defRPr/>
                       </a:pPr>
                       <a:r>
-                        <a:rPr lang="fr-FR" sz="4000" b="1" dirty="0" smtClean="0"/>
-                        <a:t>X</a:t>
+                        <a:rPr lang="fr-FR" sz="5400" b="1" dirty="0" smtClean="0">
+                          <a:solidFill>
+                            <a:schemeClr val="tx1"/>
+                          </a:solidFill>
+                          <a:sym typeface="Wingdings" panose="05000000000000000000" pitchFamily="2" charset="2"/>
+                        </a:rPr>
+                        <a:t></a:t>
                       </a:r>
-                    </a:p>
-                    <a:p>
-                      <a:endParaRPr lang="fr-FR" dirty="0"/>
+                      <a:endParaRPr lang="fr-FR" sz="5400" b="1" dirty="0">
+                        <a:solidFill>
+                          <a:schemeClr val="tx1"/>
+                        </a:solidFill>
+                      </a:endParaRPr>
                     </a:p>
                   </a:txBody>
                   <a:tcPr>
@@ -16204,12 +17006,24 @@
                     <a:bodyPr/>
                     <a:lstStyle/>
                     <a:p>
-                      <a:pPr algn="ctr"/>
+                      <a:pPr marL="0" indent="0" algn="ctr">
+                        <a:buFont typeface="Wingdings" panose="05000000000000000000" pitchFamily="2" charset="2"/>
+                        <a:buNone/>
+                      </a:pPr>
                       <a:r>
-                        <a:rPr lang="fr-FR" sz="4000" b="1" dirty="0" smtClean="0"/>
-                        <a:t>X</a:t>
+                        <a:rPr lang="fr-FR" sz="5400" b="1" dirty="0" smtClean="0">
+                          <a:solidFill>
+                            <a:schemeClr val="tx1"/>
+                          </a:solidFill>
+                          <a:sym typeface="Wingdings" panose="05000000000000000000" pitchFamily="2" charset="2"/>
+                        </a:rPr>
+                        <a:t></a:t>
                       </a:r>
-                      <a:endParaRPr lang="fr-FR" sz="4000" b="1" dirty="0"/>
+                      <a:endParaRPr lang="fr-FR" sz="5400" b="1" dirty="0">
+                        <a:solidFill>
+                          <a:schemeClr val="tx1"/>
+                        </a:solidFill>
+                      </a:endParaRPr>
                     </a:p>
                   </a:txBody>
                   <a:tcPr>
@@ -16313,12 +17127,24 @@
                     <a:bodyPr/>
                     <a:lstStyle/>
                     <a:p>
-                      <a:pPr algn="ctr"/>
+                      <a:pPr marL="0" indent="0" algn="ctr">
+                        <a:buFont typeface="Wingdings" panose="05000000000000000000" pitchFamily="2" charset="2"/>
+                        <a:buNone/>
+                      </a:pPr>
                       <a:r>
-                        <a:rPr lang="fr-FR" sz="4000" b="1" dirty="0" smtClean="0"/>
-                        <a:t>X</a:t>
+                        <a:rPr lang="fr-FR" sz="5400" b="1" dirty="0" smtClean="0">
+                          <a:solidFill>
+                            <a:schemeClr val="tx1"/>
+                          </a:solidFill>
+                          <a:sym typeface="Wingdings" panose="05000000000000000000" pitchFamily="2" charset="2"/>
+                        </a:rPr>
+                        <a:t></a:t>
                       </a:r>
-                      <a:endParaRPr lang="fr-FR" sz="4000" b="1" dirty="0"/>
+                      <a:endParaRPr lang="fr-FR" sz="5400" b="1" dirty="0">
+                        <a:solidFill>
+                          <a:schemeClr val="tx1"/>
+                        </a:solidFill>
+                      </a:endParaRPr>
                     </a:p>
                   </a:txBody>
                   <a:tcPr>
@@ -16523,20 +17349,34 @@
       </p:sp>
       <p:sp>
         <p:nvSpPr>
-          <p:cNvPr id="15" name="ZoneTexte 14"/>
+          <p:cNvPr id="16" name="ZoneTexte 15"/>
           <p:cNvSpPr txBox="1"/>
           <p:nvPr/>
         </p:nvSpPr>
         <p:spPr>
           <a:xfrm>
-            <a:off x="90987" y="0"/>
-            <a:ext cx="2225824" cy="369332"/>
+            <a:off x="7380312" y="68431"/>
+            <a:ext cx="1721768" cy="1200329"/>
           </a:xfrm>
           <a:prstGeom prst="rect">
             <a:avLst/>
           </a:prstGeom>
           <a:noFill/>
         </p:spPr>
+        <p:style>
+          <a:lnRef idx="2">
+            <a:schemeClr val="accent1"/>
+          </a:lnRef>
+          <a:fillRef idx="1">
+            <a:schemeClr val="lt1"/>
+          </a:fillRef>
+          <a:effectRef idx="0">
+            <a:schemeClr val="accent1"/>
+          </a:effectRef>
+          <a:fontRef idx="minor">
+            <a:schemeClr val="dk1"/>
+          </a:fontRef>
+        </p:style>
         <p:txBody>
           <a:bodyPr wrap="square" rtlCol="0">
             <a:spAutoFit/>
@@ -16544,12 +17384,75 @@
           <a:lstStyle/>
           <a:p>
             <a:r>
+              <a:rPr lang="fr-FR" dirty="0"/>
+              <a:t>Domain</a:t>
+            </a:r>
+          </a:p>
+          <a:p>
+            <a:r>
+              <a:rPr lang="fr-FR" dirty="0"/>
+              <a:t>Article</a:t>
+            </a:r>
+          </a:p>
+          <a:p>
+            <a:r>
+              <a:rPr lang="fr-FR" b="1" dirty="0" err="1">
+                <a:ln w="0"/>
+                <a:gradFill>
+                  <a:gsLst>
+                    <a:gs pos="0">
+                      <a:schemeClr val="accent5">
+                        <a:lumMod val="50000"/>
+                      </a:schemeClr>
+                    </a:gs>
+                    <a:gs pos="50000">
+                      <a:schemeClr val="accent5"/>
+                    </a:gs>
+                    <a:gs pos="100000">
+                      <a:schemeClr val="accent5">
+                        <a:lumMod val="60000"/>
+                        <a:lumOff val="40000"/>
+                      </a:schemeClr>
+                    </a:gs>
+                  </a:gsLst>
+                  <a:lin ang="5400000"/>
+                </a:gradFill>
+                <a:effectLst>
+                  <a:reflection blurRad="6350" stA="53000" endA="300" endPos="35500" dir="5400000" sy="-90000" algn="bl" rotWithShape="0"/>
+                </a:effectLst>
+              </a:rPr>
+              <a:t>Implementation</a:t>
+            </a:r>
+            <a:endParaRPr lang="fr-FR" b="1" dirty="0">
+              <a:ln w="0"/>
+              <a:gradFill>
+                <a:gsLst>
+                  <a:gs pos="0">
+                    <a:schemeClr val="accent5">
+                      <a:lumMod val="50000"/>
+                    </a:schemeClr>
+                  </a:gs>
+                  <a:gs pos="50000">
+                    <a:schemeClr val="accent5"/>
+                  </a:gs>
+                  <a:gs pos="100000">
+                    <a:schemeClr val="accent5">
+                      <a:lumMod val="60000"/>
+                      <a:lumOff val="40000"/>
+                    </a:schemeClr>
+                  </a:gs>
+                </a:gsLst>
+                <a:lin ang="5400000"/>
+              </a:gradFill>
+              <a:effectLst>
+                <a:reflection blurRad="6350" stA="53000" endA="300" endPos="35500" dir="5400000" sy="-90000" algn="bl" rotWithShape="0"/>
+              </a:effectLst>
+            </a:endParaRPr>
+          </a:p>
+          <a:p>
+            <a:r>
               <a:rPr lang="fr-FR" dirty="0" smtClean="0"/>
-              <a:t>Our </a:t>
-            </a:r>
-            <a:r>
-              <a:rPr lang="fr-FR" dirty="0" err="1" smtClean="0"/>
-              <a:t>Work</a:t>
+              <a:t>Conclusion</a:t>
             </a:r>
             <a:endParaRPr lang="fr-FR" dirty="0"/>
           </a:p>
@@ -16716,7 +17619,6 @@
               <a:rPr lang="fr-FR" sz="2800" dirty="0" smtClean="0"/>
               <a:t>scenario</a:t>
             </a:r>
-            <a:endParaRPr lang="fr-FR" sz="2800" dirty="0" smtClean="0"/>
           </a:p>
           <a:p>
             <a:pPr marL="457200" indent="-457200">
@@ -16907,7 +17809,7 @@
         </p:nvSpPr>
         <p:spPr>
           <a:xfrm>
-            <a:off x="5290750" y="5830494"/>
+            <a:off x="6191359" y="5857527"/>
             <a:ext cx="3853249" cy="307777"/>
           </a:xfrm>
           <a:prstGeom prst="rect">
@@ -16922,20 +17824,12 @@
           <a:lstStyle/>
           <a:p>
             <a:r>
-              <a:rPr lang="fr-FR" sz="1400" b="1" dirty="0" smtClean="0"/>
-              <a:t>Figure </a:t>
-            </a:r>
-            <a:r>
-              <a:rPr lang="fr-FR" sz="1400" b="1" dirty="0"/>
-              <a:t>5</a:t>
-            </a:r>
-            <a:r>
-              <a:rPr lang="fr-FR" sz="1400" b="1" dirty="0" smtClean="0"/>
-              <a:t>.</a:t>
-            </a:r>
-            <a:r>
               <a:rPr lang="fr-FR" sz="1400" dirty="0" smtClean="0"/>
-              <a:t> Source : </a:t>
+              <a:t>Source </a:t>
+            </a:r>
+            <a:r>
+              <a:rPr lang="fr-FR" sz="1400" dirty="0" smtClean="0"/>
+              <a:t>: </a:t>
             </a:r>
             <a:r>
               <a:rPr lang="fr-FR" sz="1400" dirty="0"/>
@@ -16968,7 +17862,7 @@
         </p:nvSpPr>
         <p:spPr>
           <a:xfrm>
-            <a:off x="0" y="5947941"/>
+            <a:off x="107504" y="6073551"/>
             <a:ext cx="3873532" cy="307777"/>
           </a:xfrm>
           <a:prstGeom prst="rect">
@@ -16983,12 +17877,12 @@
           <a:lstStyle/>
           <a:p>
             <a:r>
-              <a:rPr lang="fr-FR" sz="1400" b="1" dirty="0" smtClean="0"/>
-              <a:t>Figure 4.</a:t>
-            </a:r>
-            <a:r>
               <a:rPr lang="fr-FR" sz="1400" dirty="0" smtClean="0"/>
-              <a:t> Source : </a:t>
+              <a:t>Source </a:t>
+            </a:r>
+            <a:r>
+              <a:rPr lang="fr-FR" sz="1400" dirty="0" smtClean="0"/>
+              <a:t>: </a:t>
             </a:r>
             <a:r>
               <a:rPr lang="fr-FR" sz="1400" dirty="0"/>
@@ -17074,6 +17968,121 @@
               <a:t>Testa</a:t>
             </a:r>
             <a:endParaRPr lang="en-US" dirty="0"/>
+          </a:p>
+        </p:txBody>
+      </p:sp>
+      <p:sp>
+        <p:nvSpPr>
+          <p:cNvPr id="14" name="ZoneTexte 13"/>
+          <p:cNvSpPr txBox="1"/>
+          <p:nvPr/>
+        </p:nvSpPr>
+        <p:spPr>
+          <a:xfrm>
+            <a:off x="7380312" y="68431"/>
+            <a:ext cx="1721768" cy="1200329"/>
+          </a:xfrm>
+          <a:prstGeom prst="rect">
+            <a:avLst/>
+          </a:prstGeom>
+          <a:noFill/>
+        </p:spPr>
+        <p:style>
+          <a:lnRef idx="2">
+            <a:schemeClr val="accent1"/>
+          </a:lnRef>
+          <a:fillRef idx="1">
+            <a:schemeClr val="lt1"/>
+          </a:fillRef>
+          <a:effectRef idx="0">
+            <a:schemeClr val="accent1"/>
+          </a:effectRef>
+          <a:fontRef idx="minor">
+            <a:schemeClr val="dk1"/>
+          </a:fontRef>
+        </p:style>
+        <p:txBody>
+          <a:bodyPr wrap="square" rtlCol="0">
+            <a:spAutoFit/>
+          </a:bodyPr>
+          <a:lstStyle/>
+          <a:p>
+            <a:r>
+              <a:rPr lang="fr-FR" dirty="0"/>
+              <a:t>Domain</a:t>
+            </a:r>
+          </a:p>
+          <a:p>
+            <a:r>
+              <a:rPr lang="fr-FR" dirty="0" smtClean="0"/>
+              <a:t>Article</a:t>
+            </a:r>
+          </a:p>
+          <a:p>
+            <a:r>
+              <a:rPr lang="fr-FR" dirty="0" err="1" smtClean="0"/>
+              <a:t>Implementatio</a:t>
+            </a:r>
+            <a:r>
+              <a:rPr lang="fr-FR" dirty="0" err="1"/>
+              <a:t>n</a:t>
+            </a:r>
+            <a:endParaRPr lang="fr-FR" dirty="0"/>
+          </a:p>
+          <a:p>
+            <a:r>
+              <a:rPr lang="fr-FR" b="1" dirty="0" smtClean="0">
+                <a:ln w="0"/>
+                <a:gradFill>
+                  <a:gsLst>
+                    <a:gs pos="0">
+                      <a:schemeClr val="accent5">
+                        <a:lumMod val="50000"/>
+                      </a:schemeClr>
+                    </a:gs>
+                    <a:gs pos="50000">
+                      <a:schemeClr val="accent5"/>
+                    </a:gs>
+                    <a:gs pos="100000">
+                      <a:schemeClr val="accent5">
+                        <a:lumMod val="60000"/>
+                        <a:lumOff val="40000"/>
+                      </a:schemeClr>
+                    </a:gs>
+                  </a:gsLst>
+                  <a:lin ang="5400000"/>
+                </a:gradFill>
+                <a:effectLst>
+                  <a:reflection blurRad="6350" stA="53000" endA="300" endPos="35500" dir="5400000" sy="-90000" algn="bl" rotWithShape="0"/>
+                </a:effectLst>
+              </a:rPr>
+              <a:t>Conclusion</a:t>
+            </a:r>
+            <a:endParaRPr lang="fr-FR" b="1" dirty="0">
+              <a:ln w="0"/>
+              <a:gradFill>
+                <a:gsLst>
+                  <a:gs pos="0">
+                    <a:schemeClr val="accent5">
+                      <a:lumMod val="50000"/>
+                    </a:schemeClr>
+                  </a:gs>
+                  <a:gs pos="50000">
+                    <a:schemeClr val="accent5"/>
+                  </a:gs>
+                  <a:gs pos="100000">
+                    <a:schemeClr val="accent5">
+                      <a:lumMod val="60000"/>
+                      <a:lumOff val="40000"/>
+                    </a:schemeClr>
+                  </a:gs>
+                </a:gsLst>
+                <a:lin ang="5400000"/>
+              </a:gradFill>
+              <a:effectLst>
+                <a:reflection blurRad="6350" stA="53000" endA="300" endPos="35500" dir="5400000" sy="-90000" algn="bl" rotWithShape="0"/>
+              </a:effectLst>
+            </a:endParaRPr>
           </a:p>
         </p:txBody>
       </p:sp>
@@ -17277,12 +18286,12 @@
           <a:lstStyle/>
           <a:p>
             <a:r>
-              <a:rPr lang="fr-FR" sz="1400" b="1" dirty="0" smtClean="0"/>
-              <a:t>Figure 6. </a:t>
-            </a:r>
-            <a:r>
               <a:rPr lang="fr-FR" sz="1400" dirty="0" smtClean="0"/>
-              <a:t>Source : </a:t>
+              <a:t>Source </a:t>
+            </a:r>
+            <a:r>
+              <a:rPr lang="fr-FR" sz="1400" dirty="0" smtClean="0"/>
+              <a:t>: </a:t>
             </a:r>
             <a:r>
               <a:rPr lang="fr-FR" sz="1400" dirty="0"/>
@@ -17499,6 +18508,10 @@
               <a:buNone/>
             </a:pPr>
             <a:r>
+              <a:rPr lang="fr-FR" sz="1400" dirty="0" smtClean="0"/>
+              <a:t>[1] </a:t>
+            </a:r>
+            <a:r>
               <a:rPr lang="fr-FR" sz="1400" i="1" dirty="0" err="1" smtClean="0"/>
               <a:t>Mobility</a:t>
             </a:r>
@@ -17600,12 +18613,12 @@
               <a:buNone/>
             </a:pPr>
             <a:r>
-              <a:rPr lang="fr-FR" sz="1400" dirty="0"/>
-              <a:t>[1</a:t>
-            </a:r>
-            <a:r>
               <a:rPr lang="fr-FR" sz="1400" dirty="0" smtClean="0"/>
-              <a:t>] &amp;&amp; [2] : </a:t>
+              <a:t>[2]  </a:t>
+            </a:r>
+            <a:r>
+              <a:rPr lang="fr-FR" sz="1400" dirty="0" smtClean="0"/>
+              <a:t>: </a:t>
             </a:r>
             <a:r>
               <a:rPr lang="en-US" sz="1400" dirty="0"/>
@@ -18511,17 +19524,26 @@
           <a:lstStyle/>
           <a:p>
             <a:r>
-              <a:rPr lang="fr-FR" sz="1400" b="1" dirty="0" smtClean="0"/>
-              <a:t>Figure 1.</a:t>
-            </a:r>
-            <a:r>
               <a:rPr lang="fr-FR" sz="1400" dirty="0" smtClean="0"/>
-              <a:t> Source : </a:t>
+              <a:t>Source  </a:t>
+            </a:r>
+            <a:r>
+              <a:rPr lang="fr-FR" sz="1400" dirty="0" smtClean="0"/>
+              <a:t>: </a:t>
+            </a:r>
+            <a:r>
+              <a:rPr lang="fr-FR" sz="1400" dirty="0" smtClean="0"/>
+              <a:t>« http</a:t>
             </a:r>
             <a:r>
               <a:rPr lang="fr-FR" sz="1400" dirty="0"/>
-              <a:t>http://rain.aa.washington.edu"</a:t>
-            </a:r>
+              <a:t>://</a:t>
+            </a:r>
+            <a:r>
+              <a:rPr lang="fr-FR" sz="1400" dirty="0" smtClean="0"/>
+              <a:t>rain.aa.washington.edu »</a:t>
+            </a:r>
+            <a:endParaRPr lang="fr-FR" sz="1400" dirty="0"/>
           </a:p>
         </p:txBody>
       </p:sp>
@@ -18586,6 +19608,123 @@
               <a:t>Testa</a:t>
             </a:r>
             <a:endParaRPr lang="en-US" dirty="0"/>
+          </a:p>
+        </p:txBody>
+      </p:sp>
+      <p:sp>
+        <p:nvSpPr>
+          <p:cNvPr id="4" name="ZoneTexte 3"/>
+          <p:cNvSpPr txBox="1"/>
+          <p:nvPr/>
+        </p:nvSpPr>
+        <p:spPr>
+          <a:xfrm>
+            <a:off x="914400" y="84677"/>
+            <a:ext cx="6978352" cy="369332"/>
+          </a:xfrm>
+          <a:prstGeom prst="rect">
+            <a:avLst/>
+          </a:prstGeom>
+          <a:noFill/>
+        </p:spPr>
+        <p:txBody>
+          <a:bodyPr wrap="square" rtlCol="0">
+            <a:spAutoFit/>
+          </a:bodyPr>
+          <a:lstStyle/>
+          <a:p>
+            <a:endParaRPr lang="fr-FR" dirty="0"/>
+          </a:p>
+        </p:txBody>
+      </p:sp>
+      <p:sp>
+        <p:nvSpPr>
+          <p:cNvPr id="14" name="ZoneTexte 13"/>
+          <p:cNvSpPr txBox="1"/>
+          <p:nvPr/>
+        </p:nvSpPr>
+        <p:spPr>
+          <a:xfrm>
+            <a:off x="7380312" y="68431"/>
+            <a:ext cx="1721768" cy="1200329"/>
+          </a:xfrm>
+          <a:prstGeom prst="rect">
+            <a:avLst/>
+          </a:prstGeom>
+          <a:noFill/>
+        </p:spPr>
+        <p:style>
+          <a:lnRef idx="2">
+            <a:schemeClr val="accent1"/>
+          </a:lnRef>
+          <a:fillRef idx="1">
+            <a:schemeClr val="lt1"/>
+          </a:fillRef>
+          <a:effectRef idx="0">
+            <a:schemeClr val="accent1"/>
+          </a:effectRef>
+          <a:fontRef idx="minor">
+            <a:schemeClr val="dk1"/>
+          </a:fontRef>
+        </p:style>
+        <p:txBody>
+          <a:bodyPr wrap="square" rtlCol="0">
+            <a:spAutoFit/>
+          </a:bodyPr>
+          <a:lstStyle/>
+          <a:p>
+            <a:r>
+              <a:rPr lang="fr-FR" b="1" dirty="0" smtClean="0">
+                <a:ln w="0"/>
+                <a:gradFill>
+                  <a:gsLst>
+                    <a:gs pos="0">
+                      <a:schemeClr val="accent5">
+                        <a:lumMod val="50000"/>
+                      </a:schemeClr>
+                    </a:gs>
+                    <a:gs pos="50000">
+                      <a:schemeClr val="accent5"/>
+                    </a:gs>
+                    <a:gs pos="100000">
+                      <a:schemeClr val="accent5">
+                        <a:lumMod val="60000"/>
+                        <a:lumOff val="40000"/>
+                      </a:schemeClr>
+                    </a:gs>
+                  </a:gsLst>
+                  <a:lin ang="5400000"/>
+                </a:gradFill>
+                <a:effectLst>
+                  <a:reflection blurRad="6350" stA="53000" endA="300" endPos="35500" dir="5400000" sy="-90000" algn="bl" rotWithShape="0"/>
+                </a:effectLst>
+              </a:rPr>
+              <a:t>Domain</a:t>
+            </a:r>
+          </a:p>
+          <a:p>
+            <a:r>
+              <a:rPr lang="fr-FR" dirty="0" smtClean="0"/>
+              <a:t>Article</a:t>
+            </a:r>
+          </a:p>
+          <a:p>
+            <a:r>
+              <a:rPr lang="fr-FR" dirty="0" err="1"/>
+              <a:t>I</a:t>
+            </a:r>
+            <a:r>
+              <a:rPr lang="fr-FR" dirty="0" err="1" smtClean="0"/>
+              <a:t>mplementation</a:t>
+            </a:r>
+            <a:endParaRPr lang="fr-FR" dirty="0" smtClean="0"/>
+          </a:p>
+          <a:p>
+            <a:r>
+              <a:rPr lang="fr-FR" dirty="0" smtClean="0"/>
+              <a:t>Conclusion</a:t>
+            </a:r>
+            <a:endParaRPr lang="fr-FR" dirty="0"/>
           </a:p>
         </p:txBody>
       </p:sp>
@@ -18959,7 +20098,7 @@
         </p:blipFill>
         <p:spPr bwMode="auto">
           <a:xfrm>
-            <a:off x="762000" y="178476"/>
+            <a:off x="755435" y="28187"/>
             <a:ext cx="1937792" cy="1234156"/>
           </a:xfrm>
           <a:prstGeom prst="rect">
@@ -19026,7 +20165,7 @@
         </p:nvSpPr>
         <p:spPr>
           <a:xfrm>
-            <a:off x="762000" y="1536974"/>
+            <a:off x="611560" y="1258743"/>
             <a:ext cx="3665512" cy="307777"/>
           </a:xfrm>
           <a:prstGeom prst="rect">
@@ -19041,12 +20180,12 @@
           <a:lstStyle/>
           <a:p>
             <a:r>
-              <a:rPr lang="fr-FR" sz="1400" b="1" dirty="0" smtClean="0"/>
-              <a:t>Figure 2 . </a:t>
-            </a:r>
-            <a:r>
               <a:rPr lang="fr-FR" sz="1400" dirty="0" smtClean="0"/>
-              <a:t>Source : "http</a:t>
+              <a:t>Source </a:t>
+            </a:r>
+            <a:r>
+              <a:rPr lang="fr-FR" sz="1400" dirty="0" smtClean="0"/>
+              <a:t>: "http</a:t>
             </a:r>
             <a:r>
               <a:rPr lang="fr-FR" sz="1400" dirty="0"/>
@@ -19086,12 +20225,12 @@
           <a:lstStyle/>
           <a:p>
             <a:r>
-              <a:rPr lang="fr-FR" sz="1400" b="1" dirty="0" smtClean="0"/>
-              <a:t>Figure 3.</a:t>
-            </a:r>
-            <a:r>
               <a:rPr lang="fr-FR" sz="1400" dirty="0" smtClean="0"/>
-              <a:t> Source : </a:t>
+              <a:t>Source </a:t>
+            </a:r>
+            <a:r>
+              <a:rPr lang="fr-FR" sz="1400" dirty="0" smtClean="0"/>
+              <a:t>: </a:t>
             </a:r>
             <a:r>
               <a:rPr lang="fr-FR" sz="1400" dirty="0"/>
@@ -19177,6 +20316,97 @@
               <a:t>Testa</a:t>
             </a:r>
             <a:endParaRPr lang="en-US" dirty="0"/>
+          </a:p>
+        </p:txBody>
+      </p:sp>
+      <p:sp>
+        <p:nvSpPr>
+          <p:cNvPr id="17" name="ZoneTexte 16"/>
+          <p:cNvSpPr txBox="1"/>
+          <p:nvPr/>
+        </p:nvSpPr>
+        <p:spPr>
+          <a:xfrm>
+            <a:off x="7380312" y="68431"/>
+            <a:ext cx="1721768" cy="1200329"/>
+          </a:xfrm>
+          <a:prstGeom prst="rect">
+            <a:avLst/>
+          </a:prstGeom>
+          <a:noFill/>
+        </p:spPr>
+        <p:style>
+          <a:lnRef idx="2">
+            <a:schemeClr val="accent1"/>
+          </a:lnRef>
+          <a:fillRef idx="1">
+            <a:schemeClr val="lt1"/>
+          </a:fillRef>
+          <a:effectRef idx="0">
+            <a:schemeClr val="accent1"/>
+          </a:effectRef>
+          <a:fontRef idx="minor">
+            <a:schemeClr val="dk1"/>
+          </a:fontRef>
+        </p:style>
+        <p:txBody>
+          <a:bodyPr wrap="square" rtlCol="0">
+            <a:spAutoFit/>
+          </a:bodyPr>
+          <a:lstStyle/>
+          <a:p>
+            <a:r>
+              <a:rPr lang="fr-FR" b="1" dirty="0">
+                <a:ln w="0"/>
+                <a:gradFill>
+                  <a:gsLst>
+                    <a:gs pos="0">
+                      <a:schemeClr val="accent5">
+                        <a:lumMod val="50000"/>
+                      </a:schemeClr>
+                    </a:gs>
+                    <a:gs pos="50000">
+                      <a:schemeClr val="accent5"/>
+                    </a:gs>
+                    <a:gs pos="100000">
+                      <a:schemeClr val="accent5">
+                        <a:lumMod val="60000"/>
+                        <a:lumOff val="40000"/>
+                      </a:schemeClr>
+                    </a:gs>
+                  </a:gsLst>
+                  <a:lin ang="5400000"/>
+                </a:gradFill>
+                <a:effectLst>
+                  <a:reflection blurRad="6350" stA="53000" endA="300" endPos="35500" dir="5400000" sy="-90000" algn="bl" rotWithShape="0"/>
+                </a:effectLst>
+              </a:rPr>
+              <a:t>Domain</a:t>
+            </a:r>
+          </a:p>
+          <a:p>
+            <a:r>
+              <a:rPr lang="fr-FR" dirty="0" smtClean="0"/>
+              <a:t>Article</a:t>
+            </a:r>
+          </a:p>
+          <a:p>
+            <a:r>
+              <a:rPr lang="fr-FR" dirty="0" err="1"/>
+              <a:t>I</a:t>
+            </a:r>
+            <a:r>
+              <a:rPr lang="fr-FR" dirty="0" err="1" smtClean="0"/>
+              <a:t>mplementation</a:t>
+            </a:r>
+            <a:endParaRPr lang="fr-FR" dirty="0" smtClean="0"/>
+          </a:p>
+          <a:p>
+            <a:r>
+              <a:rPr lang="fr-FR" dirty="0" smtClean="0"/>
+              <a:t>Conclusion</a:t>
+            </a:r>
+            <a:endParaRPr lang="fr-FR" dirty="0"/>
           </a:p>
         </p:txBody>
       </p:sp>
@@ -19256,7 +20486,7 @@
         </p:nvSpPr>
         <p:spPr>
           <a:xfrm>
-            <a:off x="762120" y="269640"/>
+            <a:off x="467544" y="269640"/>
             <a:ext cx="8076960" cy="1142640"/>
           </a:xfrm>
           <a:prstGeom prst="rect">
@@ -19333,8 +20563,8 @@
         </p:nvSpPr>
         <p:spPr>
           <a:xfrm>
-            <a:off x="917282" y="1988840"/>
-            <a:ext cx="3510702" cy="1384995"/>
+            <a:off x="917282" y="1541110"/>
+            <a:ext cx="3510702" cy="1815882"/>
           </a:xfrm>
           <a:prstGeom prst="rect">
             <a:avLst/>
@@ -19348,13 +20578,12 @@
           <a:lstStyle/>
           <a:p>
             <a:r>
-              <a:rPr lang="en-US" sz="2800" dirty="0"/>
-              <a:t>Existing </a:t>
-            </a:r>
-            <a:r>
               <a:rPr lang="en-US" sz="2800" dirty="0" smtClean="0"/>
-              <a:t>Models</a:t>
-            </a:r>
+              <a:t>Existing Models</a:t>
+            </a:r>
+          </a:p>
+          <a:p>
+            <a:endParaRPr lang="en-US" sz="2800" dirty="0" smtClean="0"/>
           </a:p>
           <a:p>
             <a:pPr marL="457200" indent="-457200">
@@ -19481,7 +20710,7 @@
         <p:spPr>
           <a:xfrm>
             <a:off x="1203899" y="5707192"/>
-            <a:ext cx="2487732" cy="276999"/>
+            <a:ext cx="2319866" cy="276999"/>
           </a:xfrm>
           <a:prstGeom prst="rect">
             <a:avLst/>
@@ -19495,28 +20724,40 @@
           <a:lstStyle/>
           <a:p>
             <a:r>
-              <a:rPr lang="fr-FR" sz="1200" dirty="0" smtClean="0"/>
-              <a:t>[1] : </a:t>
-            </a:r>
-            <a:r>
               <a:rPr lang="fr-FR" sz="1200" dirty="0" err="1" smtClean="0"/>
               <a:t>Result</a:t>
             </a:r>
             <a:r>
               <a:rPr lang="fr-FR" sz="1200" dirty="0" smtClean="0"/>
-              <a:t> pattern of </a:t>
+              <a:t> </a:t>
+            </a:r>
+            <a:r>
+              <a:rPr lang="fr-FR" sz="1200" dirty="0" smtClean="0"/>
+              <a:t>pattern of </a:t>
+            </a:r>
+            <a:r>
+              <a:rPr lang="fr-FR" sz="1200" dirty="0" err="1"/>
+              <a:t>r</a:t>
             </a:r>
             <a:r>
               <a:rPr lang="fr-FR" sz="1200" dirty="0" err="1" smtClean="0"/>
-              <a:t>Random</a:t>
+              <a:t>andom</a:t>
             </a:r>
             <a:r>
               <a:rPr lang="fr-FR" sz="1200" dirty="0" smtClean="0"/>
               <a:t> </a:t>
             </a:r>
             <a:r>
+              <a:rPr lang="fr-FR" sz="1200" dirty="0" err="1"/>
+              <a:t>w</a:t>
+            </a:r>
+            <a:r>
               <a:rPr lang="fr-FR" sz="1200" dirty="0" err="1" smtClean="0"/>
-              <a:t>Walk</a:t>
+              <a:t>alk</a:t>
+            </a:r>
+            <a:r>
+              <a:rPr lang="fr-FR" sz="1200" dirty="0" smtClean="0"/>
+              <a:t> [2] </a:t>
             </a:r>
             <a:endParaRPr lang="fr-FR" sz="1200" dirty="0"/>
           </a:p>
@@ -19531,7 +20772,7 @@
         <p:spPr>
           <a:xfrm>
             <a:off x="5523640" y="5707192"/>
-            <a:ext cx="2704651" cy="276999"/>
+            <a:ext cx="2572051" cy="276999"/>
           </a:xfrm>
           <a:prstGeom prst="rect">
             <a:avLst/>
@@ -19545,20 +20786,24 @@
           <a:lstStyle/>
           <a:p>
             <a:r>
-              <a:rPr lang="fr-FR" sz="1200" dirty="0" smtClean="0"/>
-              <a:t>[2] : </a:t>
-            </a:r>
-            <a:r>
               <a:rPr lang="fr-FR" sz="1200" dirty="0" err="1" smtClean="0"/>
               <a:t>Result</a:t>
             </a:r>
             <a:r>
               <a:rPr lang="fr-FR" sz="1200" dirty="0" smtClean="0"/>
-              <a:t> pattern of </a:t>
+              <a:t> </a:t>
+            </a:r>
+            <a:r>
+              <a:rPr lang="fr-FR" sz="1200" dirty="0" smtClean="0"/>
+              <a:t>pattern of </a:t>
+            </a:r>
+            <a:r>
+              <a:rPr lang="fr-FR" sz="1200" dirty="0" err="1"/>
+              <a:t>r</a:t>
             </a:r>
             <a:r>
               <a:rPr lang="fr-FR" sz="1200" dirty="0" err="1" smtClean="0"/>
-              <a:t>Random</a:t>
+              <a:t>andom</a:t>
             </a:r>
             <a:r>
               <a:rPr lang="fr-FR" sz="1200" dirty="0" smtClean="0"/>
@@ -19566,7 +20811,15 @@
             </a:r>
             <a:r>
               <a:rPr lang="fr-FR" sz="1200" dirty="0" err="1" smtClean="0"/>
-              <a:t>Waypoint</a:t>
+              <a:t>w</a:t>
+            </a:r>
+            <a:r>
+              <a:rPr lang="fr-FR" sz="1200" dirty="0" err="1" smtClean="0"/>
+              <a:t>aypoint</a:t>
+            </a:r>
+            <a:r>
+              <a:rPr lang="fr-FR" sz="1200" dirty="0" smtClean="0"/>
+              <a:t> [2]</a:t>
             </a:r>
             <a:endParaRPr lang="fr-FR" sz="1200" dirty="0"/>
           </a:p>
@@ -19663,6 +20916,97 @@
             <a:r>
               <a:rPr lang="fr-FR" dirty="0" smtClean="0"/>
               <a:t>/26</a:t>
+            </a:r>
+            <a:endParaRPr lang="fr-FR" dirty="0"/>
+          </a:p>
+        </p:txBody>
+      </p:sp>
+      <p:sp>
+        <p:nvSpPr>
+          <p:cNvPr id="17" name="ZoneTexte 16"/>
+          <p:cNvSpPr txBox="1"/>
+          <p:nvPr/>
+        </p:nvSpPr>
+        <p:spPr>
+          <a:xfrm>
+            <a:off x="7380312" y="68431"/>
+            <a:ext cx="1721768" cy="1200329"/>
+          </a:xfrm>
+          <a:prstGeom prst="rect">
+            <a:avLst/>
+          </a:prstGeom>
+          <a:noFill/>
+        </p:spPr>
+        <p:style>
+          <a:lnRef idx="2">
+            <a:schemeClr val="accent1"/>
+          </a:lnRef>
+          <a:fillRef idx="1">
+            <a:schemeClr val="lt1"/>
+          </a:fillRef>
+          <a:effectRef idx="0">
+            <a:schemeClr val="accent1"/>
+          </a:effectRef>
+          <a:fontRef idx="minor">
+            <a:schemeClr val="dk1"/>
+          </a:fontRef>
+        </p:style>
+        <p:txBody>
+          <a:bodyPr wrap="square" rtlCol="0">
+            <a:spAutoFit/>
+          </a:bodyPr>
+          <a:lstStyle/>
+          <a:p>
+            <a:r>
+              <a:rPr lang="fr-FR" b="1" dirty="0">
+                <a:ln w="0"/>
+                <a:gradFill>
+                  <a:gsLst>
+                    <a:gs pos="0">
+                      <a:schemeClr val="accent5">
+                        <a:lumMod val="50000"/>
+                      </a:schemeClr>
+                    </a:gs>
+                    <a:gs pos="50000">
+                      <a:schemeClr val="accent5"/>
+                    </a:gs>
+                    <a:gs pos="100000">
+                      <a:schemeClr val="accent5">
+                        <a:lumMod val="60000"/>
+                        <a:lumOff val="40000"/>
+                      </a:schemeClr>
+                    </a:gs>
+                  </a:gsLst>
+                  <a:lin ang="5400000"/>
+                </a:gradFill>
+                <a:effectLst>
+                  <a:reflection blurRad="6350" stA="53000" endA="300" endPos="35500" dir="5400000" sy="-90000" algn="bl" rotWithShape="0"/>
+                </a:effectLst>
+              </a:rPr>
+              <a:t>Domain</a:t>
+            </a:r>
+          </a:p>
+          <a:p>
+            <a:r>
+              <a:rPr lang="fr-FR" dirty="0" smtClean="0"/>
+              <a:t>Article</a:t>
+            </a:r>
+          </a:p>
+          <a:p>
+            <a:r>
+              <a:rPr lang="fr-FR" dirty="0" err="1"/>
+              <a:t>I</a:t>
+            </a:r>
+            <a:r>
+              <a:rPr lang="fr-FR" dirty="0" err="1" smtClean="0"/>
+              <a:t>mplementation</a:t>
+            </a:r>
+            <a:endParaRPr lang="fr-FR" dirty="0" smtClean="0"/>
+          </a:p>
+          <a:p>
+            <a:r>
+              <a:rPr lang="fr-FR" dirty="0" smtClean="0"/>
+              <a:t>Conclusion</a:t>
             </a:r>
             <a:endParaRPr lang="fr-FR" dirty="0"/>
           </a:p>
@@ -19705,7 +21049,7 @@
       </p:grpSpPr>
       <p:pic>
         <p:nvPicPr>
-          <p:cNvPr id="12" name="Picture 11"/>
+          <p:cNvPr id="9" name="Picture 8"/>
           <p:cNvPicPr>
             <a:picLocks noChangeAspect="1"/>
           </p:cNvPicPr>
@@ -19725,7 +21069,7 @@
         </p:blipFill>
         <p:spPr>
           <a:xfrm>
-            <a:off x="4191000" y="0"/>
+            <a:off x="-4953000" y="0"/>
             <a:ext cx="7765662" cy="16476125"/>
           </a:xfrm>
           <a:prstGeom prst="rect">
@@ -19735,7 +21079,7 @@
       </p:pic>
       <p:sp>
         <p:nvSpPr>
-          <p:cNvPr id="2" name="Espace réservé du numéro de diapositive 1"/>
+          <p:cNvPr id="12" name="Espace réservé du numéro de diapositive 1"/>
           <p:cNvSpPr>
             <a:spLocks noGrp="1"/>
           </p:cNvSpPr>
@@ -19743,7 +21087,12 @@
             <p:ph type="sldNum" sz="quarter" idx="12"/>
           </p:nvPr>
         </p:nvSpPr>
-        <p:spPr/>
+        <p:spPr>
+          <a:xfrm>
+            <a:off x="6705600" y="6356350"/>
+            <a:ext cx="2133600" cy="365125"/>
+          </a:xfrm>
+        </p:spPr>
         <p:txBody>
           <a:bodyPr/>
           <a:lstStyle/>
@@ -19763,13 +21112,13 @@
       </p:sp>
       <p:sp>
         <p:nvSpPr>
-          <p:cNvPr id="8" name="CustomShape 3"/>
+          <p:cNvPr id="14" name="CustomShape 3"/>
           <p:cNvSpPr/>
           <p:nvPr/>
         </p:nvSpPr>
         <p:spPr>
           <a:xfrm>
-            <a:off x="762120" y="269640"/>
+            <a:off x="467544" y="269640"/>
             <a:ext cx="8076960" cy="1142640"/>
           </a:xfrm>
           <a:prstGeom prst="rect">
@@ -19835,7 +21184,7 @@
       </p:sp>
       <p:sp>
         <p:nvSpPr>
-          <p:cNvPr id="4" name="ZoneTexte 3"/>
+          <p:cNvPr id="15" name="ZoneTexte 14"/>
           <p:cNvSpPr txBox="1"/>
           <p:nvPr/>
         </p:nvSpPr>
@@ -19874,7 +21223,7 @@
       </p:sp>
       <p:sp>
         <p:nvSpPr>
-          <p:cNvPr id="5" name="ZoneTexte 4"/>
+          <p:cNvPr id="16" name="ZoneTexte 15"/>
           <p:cNvSpPr txBox="1"/>
           <p:nvPr/>
         </p:nvSpPr>
@@ -19915,7 +21264,7 @@
       </p:sp>
       <p:pic>
         <p:nvPicPr>
-          <p:cNvPr id="7" name="Image 6"/>
+          <p:cNvPr id="17" name="Image 16"/>
           <p:cNvPicPr>
             <a:picLocks noChangeAspect="1"/>
           </p:cNvPicPr>
@@ -19945,7 +21294,7 @@
       </p:pic>
       <p:sp>
         <p:nvSpPr>
-          <p:cNvPr id="9" name="ZoneTexte 8"/>
+          <p:cNvPr id="18" name="ZoneTexte 17"/>
           <p:cNvSpPr txBox="1"/>
           <p:nvPr/>
         </p:nvSpPr>
@@ -19986,7 +21335,7 @@
       </p:sp>
       <p:sp>
         <p:nvSpPr>
-          <p:cNvPr id="10" name="ZoneTexte 9"/>
+          <p:cNvPr id="19" name="ZoneTexte 18"/>
           <p:cNvSpPr txBox="1"/>
           <p:nvPr/>
         </p:nvSpPr>
@@ -20008,7 +21357,11 @@
           <a:p>
             <a:r>
               <a:rPr lang="fr-FR" sz="1200" dirty="0" smtClean="0"/>
-              <a:t>[3] : Street scenario </a:t>
+              <a:t>Street </a:t>
+            </a:r>
+            <a:r>
+              <a:rPr lang="fr-FR" sz="1200" dirty="0" smtClean="0"/>
+              <a:t>scenario </a:t>
             </a:r>
             <a:r>
               <a:rPr lang="fr-FR" sz="1200" dirty="0" err="1" smtClean="0"/>
@@ -20016,7 +21369,11 @@
             </a:r>
             <a:r>
               <a:rPr lang="fr-FR" sz="1200" dirty="0" smtClean="0"/>
-              <a:t> to a square area size 1900x1900</a:t>
+              <a:t> to a square area size </a:t>
+            </a:r>
+            <a:r>
+              <a:rPr lang="fr-FR" sz="1200" dirty="0" smtClean="0"/>
+              <a:t>1900x1900 [3]</a:t>
             </a:r>
             <a:endParaRPr lang="fr-FR" sz="1200" dirty="0"/>
           </a:p>
@@ -20024,14 +21381,14 @@
       </p:sp>
       <p:sp>
         <p:nvSpPr>
-          <p:cNvPr id="13" name="ZoneTexte 12"/>
+          <p:cNvPr id="20" name="ZoneTexte 19"/>
           <p:cNvSpPr txBox="1"/>
           <p:nvPr/>
         </p:nvSpPr>
         <p:spPr>
           <a:xfrm>
             <a:off x="4777238" y="5013124"/>
-            <a:ext cx="3826368" cy="276999"/>
+            <a:ext cx="3684855" cy="276999"/>
           </a:xfrm>
           <a:prstGeom prst="rect">
             <a:avLst/>
@@ -20046,23 +21403,47 @@
           <a:p>
             <a:r>
               <a:rPr lang="fr-FR" sz="1200" dirty="0" smtClean="0"/>
-              <a:t>[4] : Attractive and </a:t>
+              <a:t>Attractive </a:t>
+            </a:r>
+            <a:r>
+              <a:rPr lang="fr-FR" sz="1200" dirty="0" smtClean="0"/>
+              <a:t>and </a:t>
             </a:r>
             <a:r>
               <a:rPr lang="fr-FR" sz="1200" dirty="0" err="1" smtClean="0"/>
-              <a:t>Repulsive</a:t>
+              <a:t>repulsive</a:t>
             </a:r>
             <a:r>
               <a:rPr lang="fr-FR" sz="1200" dirty="0" smtClean="0"/>
               <a:t> </a:t>
             </a:r>
             <a:r>
+              <a:rPr lang="fr-FR" sz="1200" dirty="0" err="1"/>
+              <a:t>p</a:t>
+            </a:r>
+            <a:r>
               <a:rPr lang="fr-FR" sz="1200" dirty="0" err="1" smtClean="0"/>
-              <a:t>Pheromones</a:t>
+              <a:t>heromones</a:t>
             </a:r>
             <a:r>
               <a:rPr lang="fr-FR" sz="1200" dirty="0" smtClean="0"/>
-              <a:t> For Surveillance</a:t>
+              <a:t> </a:t>
+            </a:r>
+            <a:r>
+              <a:rPr lang="fr-FR" sz="1200" dirty="0"/>
+              <a:t>f</a:t>
+            </a:r>
+            <a:r>
+              <a:rPr lang="fr-FR" sz="1200" dirty="0" smtClean="0"/>
+              <a:t>or </a:t>
+            </a:r>
+            <a:r>
+              <a:rPr lang="fr-FR" sz="1200" dirty="0" smtClean="0"/>
+              <a:t>s</a:t>
+            </a:r>
+            <a:r>
+              <a:rPr lang="fr-FR" sz="1200" dirty="0" smtClean="0"/>
+              <a:t>urveillance [4]</a:t>
             </a:r>
             <a:endParaRPr lang="fr-FR" sz="1200" dirty="0"/>
           </a:p>
@@ -20070,7 +21451,7 @@
       </p:sp>
       <p:pic>
         <p:nvPicPr>
-          <p:cNvPr id="11" name="Image 10"/>
+          <p:cNvPr id="21" name="Image 20"/>
           <p:cNvPicPr>
             <a:picLocks noChangeAspect="1"/>
           </p:cNvPicPr>
@@ -20094,7 +21475,7 @@
       </p:pic>
       <p:sp>
         <p:nvSpPr>
-          <p:cNvPr id="14" name="Espace réservé du pied de page 5"/>
+          <p:cNvPr id="22" name="Espace réservé du pied de page 5"/>
           <p:cNvSpPr>
             <a:spLocks noGrp="1"/>
           </p:cNvSpPr>
@@ -20156,10 +21537,101 @@
           </a:p>
         </p:txBody>
       </p:sp>
+      <p:sp>
+        <p:nvSpPr>
+          <p:cNvPr id="23" name="ZoneTexte 22"/>
+          <p:cNvSpPr txBox="1"/>
+          <p:nvPr/>
+        </p:nvSpPr>
+        <p:spPr>
+          <a:xfrm>
+            <a:off x="7380312" y="68431"/>
+            <a:ext cx="1721768" cy="1200329"/>
+          </a:xfrm>
+          <a:prstGeom prst="rect">
+            <a:avLst/>
+          </a:prstGeom>
+          <a:noFill/>
+        </p:spPr>
+        <p:style>
+          <a:lnRef idx="2">
+            <a:schemeClr val="accent1"/>
+          </a:lnRef>
+          <a:fillRef idx="1">
+            <a:schemeClr val="lt1"/>
+          </a:fillRef>
+          <a:effectRef idx="0">
+            <a:schemeClr val="accent1"/>
+          </a:effectRef>
+          <a:fontRef idx="minor">
+            <a:schemeClr val="dk1"/>
+          </a:fontRef>
+        </p:style>
+        <p:txBody>
+          <a:bodyPr wrap="square" rtlCol="0">
+            <a:spAutoFit/>
+          </a:bodyPr>
+          <a:lstStyle/>
+          <a:p>
+            <a:r>
+              <a:rPr lang="fr-FR" b="1" dirty="0">
+                <a:ln w="0"/>
+                <a:gradFill>
+                  <a:gsLst>
+                    <a:gs pos="0">
+                      <a:schemeClr val="accent5">
+                        <a:lumMod val="50000"/>
+                      </a:schemeClr>
+                    </a:gs>
+                    <a:gs pos="50000">
+                      <a:schemeClr val="accent5"/>
+                    </a:gs>
+                    <a:gs pos="100000">
+                      <a:schemeClr val="accent5">
+                        <a:lumMod val="60000"/>
+                        <a:lumOff val="40000"/>
+                      </a:schemeClr>
+                    </a:gs>
+                  </a:gsLst>
+                  <a:lin ang="5400000"/>
+                </a:gradFill>
+                <a:effectLst>
+                  <a:reflection blurRad="6350" stA="53000" endA="300" endPos="35500" dir="5400000" sy="-90000" algn="bl" rotWithShape="0"/>
+                </a:effectLst>
+              </a:rPr>
+              <a:t>Domain</a:t>
+            </a:r>
+          </a:p>
+          <a:p>
+            <a:r>
+              <a:rPr lang="fr-FR" dirty="0" smtClean="0"/>
+              <a:t>Article</a:t>
+            </a:r>
+          </a:p>
+          <a:p>
+            <a:r>
+              <a:rPr lang="fr-FR" dirty="0" err="1"/>
+              <a:t>I</a:t>
+            </a:r>
+            <a:r>
+              <a:rPr lang="fr-FR" dirty="0" err="1" smtClean="0"/>
+              <a:t>mplementation</a:t>
+            </a:r>
+            <a:endParaRPr lang="fr-FR" dirty="0" smtClean="0"/>
+          </a:p>
+          <a:p>
+            <a:r>
+              <a:rPr lang="fr-FR" dirty="0" smtClean="0"/>
+              <a:t>Conclusion</a:t>
+            </a:r>
+            <a:endParaRPr lang="fr-FR" dirty="0"/>
+          </a:p>
+        </p:txBody>
+      </p:sp>
     </p:spTree>
     <p:extLst>
       <p:ext uri="{BB962C8B-B14F-4D97-AF65-F5344CB8AC3E}">
-        <p14:creationId xmlns:p14="http://schemas.microsoft.com/office/powerpoint/2010/main" val="1009503885"/>
+        <p14:creationId xmlns:p14="http://schemas.microsoft.com/office/powerpoint/2010/main" val="784741057"/>
       </p:ext>
     </p:extLst>
   </p:cSld>
@@ -20167,7 +21639,7 @@
     <a:masterClrMapping/>
   </p:clrMapOvr>
   <p:transition spd="slow">
-    <p:fade/>
+    <p:push/>
   </p:transition>
   <p:timing>
     <p:tnLst>
@@ -20198,7 +21670,7 @@
       </p:grpSpPr>
       <p:pic>
         <p:nvPicPr>
-          <p:cNvPr id="9" name="Picture 8"/>
+          <p:cNvPr id="6" name="Picture 5"/>
           <p:cNvPicPr>
             <a:picLocks noChangeAspect="1"/>
           </p:cNvPicPr>
@@ -20218,7 +21690,7 @@
         </p:blipFill>
         <p:spPr>
           <a:xfrm>
-            <a:off x="-4953000" y="0"/>
+            <a:off x="-4963332" y="-6858000"/>
             <a:ext cx="7765662" cy="16476125"/>
           </a:xfrm>
           <a:prstGeom prst="rect">
@@ -20226,9 +21698,38 @@
           </a:prstGeom>
         </p:spPr>
       </p:pic>
-      <p:sp>
-        <p:nvSpPr>
-          <p:cNvPr id="2" name="Espace réservé du numéro de diapositive 1"/>
+      <p:pic>
+        <p:nvPicPr>
+          <p:cNvPr id="13" name="Picture 12"/>
+          <p:cNvPicPr>
+            <a:picLocks noChangeAspect="1"/>
+          </p:cNvPicPr>
+          <p:nvPr/>
+        </p:nvPicPr>
+        <p:blipFill rotWithShape="1">
+          <a:blip r:embed="rId6" cstate="email">
+            <a:extLst>
+              <a:ext uri="{28A0092B-C50C-407E-A947-70E740481C1C}">
+                <a14:useLocalDpi xmlns:a14="http://schemas.microsoft.com/office/drawing/2010/main"/>
+              </a:ext>
+            </a:extLst>
+          </a:blip>
+          <a:srcRect/>
+          <a:stretch/>
+        </p:blipFill>
+        <p:spPr>
+          <a:xfrm rot="20753331" flipH="1">
+            <a:off x="-316180" y="3775286"/>
+            <a:ext cx="2895600" cy="3390489"/>
+          </a:xfrm>
+          <a:prstGeom prst="rect">
+            <a:avLst/>
+          </a:prstGeom>
+        </p:spPr>
+      </p:pic>
+      <p:sp>
+        <p:nvSpPr>
+          <p:cNvPr id="15" name="Espace réservé du numéro de diapositive 1"/>
           <p:cNvSpPr>
             <a:spLocks noGrp="1"/>
           </p:cNvSpPr>
@@ -20236,7 +21737,12 @@
             <p:ph type="sldNum" sz="quarter" idx="12"/>
           </p:nvPr>
         </p:nvSpPr>
-        <p:spPr/>
+        <p:spPr>
+          <a:xfrm>
+            <a:off x="6705600" y="6356350"/>
+            <a:ext cx="2133600" cy="365125"/>
+          </a:xfrm>
+        </p:spPr>
         <p:txBody>
           <a:bodyPr/>
           <a:lstStyle/>
@@ -20256,7 +21762,7 @@
       </p:sp>
       <p:sp>
         <p:nvSpPr>
-          <p:cNvPr id="7" name="Title 1"/>
+          <p:cNvPr id="17" name="Title 1"/>
           <p:cNvSpPr txBox="1">
             <a:spLocks/>
           </p:cNvSpPr>
@@ -20307,7 +21813,7 @@
       </p:sp>
       <p:sp>
         <p:nvSpPr>
-          <p:cNvPr id="10" name="Content Placeholder 4"/>
+          <p:cNvPr id="18" name="Content Placeholder 4"/>
           <p:cNvSpPr txBox="1">
             <a:spLocks/>
           </p:cNvSpPr>
@@ -20681,14 +22187,14 @@
       </p:sp>
       <p:pic>
         <p:nvPicPr>
-          <p:cNvPr id="11" name="Picture 2"/>
+          <p:cNvPr id="19" name="Picture 2"/>
           <p:cNvPicPr>
             <a:picLocks noChangeAspect="1" noChangeArrowheads="1"/>
           </p:cNvPicPr>
           <p:nvPr/>
         </p:nvPicPr>
         <p:blipFill>
-          <a:blip r:embed="rId6">
+          <a:blip r:embed="rId7">
             <a:extLst>
               <a:ext uri="{28A0092B-C50C-407E-A947-70E740481C1C}">
                 <a14:useLocalDpi xmlns:a14="http://schemas.microsoft.com/office/drawing/2010/main" val="0"/>
@@ -20735,7 +22241,7 @@
       </p:pic>
       <p:sp>
         <p:nvSpPr>
-          <p:cNvPr id="8" name="Espace réservé du pied de page 5"/>
+          <p:cNvPr id="20" name="Espace réservé du pied de page 5"/>
           <p:cNvSpPr>
             <a:spLocks noGrp="1"/>
           </p:cNvSpPr>
@@ -20797,10 +22303,125 @@
           </a:p>
         </p:txBody>
       </p:sp>
+      <p:sp>
+        <p:nvSpPr>
+          <p:cNvPr id="21" name="ZoneTexte 20"/>
+          <p:cNvSpPr txBox="1"/>
+          <p:nvPr/>
+        </p:nvSpPr>
+        <p:spPr>
+          <a:xfrm>
+            <a:off x="7380312" y="68431"/>
+            <a:ext cx="1721768" cy="1200329"/>
+          </a:xfrm>
+          <a:prstGeom prst="rect">
+            <a:avLst/>
+          </a:prstGeom>
+          <a:noFill/>
+          <a:ln>
+            <a:noFill/>
+          </a:ln>
+        </p:spPr>
+        <p:style>
+          <a:lnRef idx="2">
+            <a:schemeClr val="accent1"/>
+          </a:lnRef>
+          <a:fillRef idx="1">
+            <a:schemeClr val="lt1"/>
+          </a:fillRef>
+          <a:effectRef idx="0">
+            <a:schemeClr val="accent1"/>
+          </a:effectRef>
+          <a:fontRef idx="minor">
+            <a:schemeClr val="dk1"/>
+          </a:fontRef>
+        </p:style>
+        <p:txBody>
+          <a:bodyPr wrap="square" rtlCol="0">
+            <a:spAutoFit/>
+          </a:bodyPr>
+          <a:lstStyle/>
+          <a:p>
+            <a:r>
+              <a:rPr lang="fr-FR" dirty="0"/>
+              <a:t>Domain</a:t>
+            </a:r>
+          </a:p>
+          <a:p>
+            <a:r>
+              <a:rPr lang="fr-FR" b="1" dirty="0" smtClean="0">
+                <a:ln w="0"/>
+                <a:gradFill>
+                  <a:gsLst>
+                    <a:gs pos="0">
+                      <a:schemeClr val="accent5">
+                        <a:lumMod val="50000"/>
+                      </a:schemeClr>
+                    </a:gs>
+                    <a:gs pos="50000">
+                      <a:schemeClr val="accent5"/>
+                    </a:gs>
+                    <a:gs pos="100000">
+                      <a:schemeClr val="accent5">
+                        <a:lumMod val="60000"/>
+                        <a:lumOff val="40000"/>
+                      </a:schemeClr>
+                    </a:gs>
+                  </a:gsLst>
+                  <a:lin ang="5400000"/>
+                </a:gradFill>
+                <a:effectLst>
+                  <a:reflection blurRad="6350" stA="53000" endA="300" endPos="35500" dir="5400000" sy="-90000" algn="bl" rotWithShape="0"/>
+                </a:effectLst>
+              </a:rPr>
+              <a:t>Article</a:t>
+            </a:r>
+            <a:endParaRPr lang="fr-FR" b="1" dirty="0">
+              <a:ln w="0"/>
+              <a:gradFill>
+                <a:gsLst>
+                  <a:gs pos="0">
+                    <a:schemeClr val="accent5">
+                      <a:lumMod val="50000"/>
+                    </a:schemeClr>
+                  </a:gs>
+                  <a:gs pos="50000">
+                    <a:schemeClr val="accent5"/>
+                  </a:gs>
+                  <a:gs pos="100000">
+                    <a:schemeClr val="accent5">
+                      <a:lumMod val="60000"/>
+                      <a:lumOff val="40000"/>
+                    </a:schemeClr>
+                  </a:gs>
+                </a:gsLst>
+                <a:lin ang="5400000"/>
+              </a:gradFill>
+              <a:effectLst>
+                <a:reflection blurRad="6350" stA="53000" endA="300" endPos="35500" dir="5400000" sy="-90000" algn="bl" rotWithShape="0"/>
+              </a:effectLst>
+            </a:endParaRPr>
+          </a:p>
+          <a:p>
+            <a:r>
+              <a:rPr lang="fr-FR" dirty="0" err="1" smtClean="0"/>
+              <a:t>Implementation</a:t>
+            </a:r>
+            <a:endParaRPr lang="fr-FR" dirty="0" smtClean="0"/>
+          </a:p>
+          <a:p>
+            <a:r>
+              <a:rPr lang="fr-FR" dirty="0" smtClean="0"/>
+              <a:t>Conclusion</a:t>
+            </a:r>
+            <a:endParaRPr lang="fr-FR" dirty="0"/>
+          </a:p>
+        </p:txBody>
+      </p:sp>
     </p:spTree>
     <p:extLst>
       <p:ext uri="{BB962C8B-B14F-4D97-AF65-F5344CB8AC3E}">
-        <p14:creationId xmlns:p14="http://schemas.microsoft.com/office/powerpoint/2010/main" val="1662548305"/>
+        <p14:creationId xmlns:p14="http://schemas.microsoft.com/office/powerpoint/2010/main" val="1004461830"/>
       </p:ext>
     </p:extLst>
   </p:cSld>
@@ -20808,7 +22429,7 @@
     <a:masterClrMapping/>
   </p:clrMapOvr>
   <p:transition spd="slow">
-    <p:push/>
+    <p:push dir="u"/>
   </p:transition>
   <p:timing>
     <p:tnLst>
@@ -20938,7 +22559,7 @@
         </p:nvSpPr>
         <p:spPr>
           <a:xfrm>
-            <a:off x="755576" y="269632"/>
+            <a:off x="-36512" y="269632"/>
             <a:ext cx="8077200" cy="1143000"/>
           </a:xfrm>
           <a:prstGeom prst="rect">
@@ -21167,11 +22788,7 @@
             </a:r>
             <a:r>
               <a:rPr lang="fr-FR" sz="3200" dirty="0" smtClean="0"/>
-              <a:t> </a:t>
-            </a:r>
-            <a:r>
-              <a:rPr lang="fr-FR" sz="3200" dirty="0" smtClean="0"/>
-              <a:t>model</a:t>
+              <a:t> model</a:t>
             </a:r>
           </a:p>
           <a:p>
@@ -21335,7 +22952,7 @@
         <p:spPr>
           <a:xfrm>
             <a:off x="5835996" y="6041060"/>
-            <a:ext cx="2487732" cy="276999"/>
+            <a:ext cx="2638351" cy="307777"/>
           </a:xfrm>
           <a:prstGeom prst="rect">
             <a:avLst/>
@@ -21349,30 +22966,129 @@
           <a:lstStyle/>
           <a:p>
             <a:r>
-              <a:rPr lang="fr-FR" sz="1200" dirty="0" smtClean="0"/>
-              <a:t>[1] : </a:t>
-            </a:r>
-            <a:r>
-              <a:rPr lang="fr-FR" sz="1200" dirty="0" err="1" smtClean="0"/>
+              <a:rPr lang="fr-FR" sz="1400" dirty="0" err="1" smtClean="0"/>
               <a:t>Result</a:t>
             </a:r>
             <a:r>
-              <a:rPr lang="fr-FR" sz="1200" dirty="0" smtClean="0"/>
-              <a:t> pattern of </a:t>
-            </a:r>
-            <a:r>
-              <a:rPr lang="fr-FR" sz="1200" dirty="0" err="1" smtClean="0"/>
-              <a:t>Random</a:t>
-            </a:r>
-            <a:r>
-              <a:rPr lang="fr-FR" sz="1200" dirty="0" smtClean="0"/>
+              <a:rPr lang="fr-FR" sz="1400" dirty="0" smtClean="0"/>
               <a:t> </a:t>
             </a:r>
             <a:r>
-              <a:rPr lang="fr-FR" sz="1200" dirty="0" err="1" smtClean="0"/>
-              <a:t>Walk</a:t>
-            </a:r>
-            <a:endParaRPr lang="fr-FR" sz="1200" dirty="0"/>
+              <a:rPr lang="fr-FR" sz="1400" dirty="0" smtClean="0"/>
+              <a:t>pattern of </a:t>
+            </a:r>
+            <a:r>
+              <a:rPr lang="fr-FR" sz="1400" dirty="0" err="1"/>
+              <a:t>r</a:t>
+            </a:r>
+            <a:r>
+              <a:rPr lang="fr-FR" sz="1400" dirty="0" err="1" smtClean="0"/>
+              <a:t>andom</a:t>
+            </a:r>
+            <a:r>
+              <a:rPr lang="fr-FR" sz="1400" dirty="0" smtClean="0"/>
+              <a:t> </a:t>
+            </a:r>
+            <a:r>
+              <a:rPr lang="fr-FR" sz="1400" dirty="0" err="1" smtClean="0"/>
+              <a:t>w</a:t>
+            </a:r>
+            <a:r>
+              <a:rPr lang="fr-FR" sz="1400" dirty="0" err="1" smtClean="0"/>
+              <a:t>alk</a:t>
+            </a:r>
+            <a:r>
+              <a:rPr lang="fr-FR" sz="1400" dirty="0" smtClean="0"/>
+              <a:t> [2]</a:t>
+            </a:r>
+            <a:endParaRPr lang="fr-FR" sz="1400" dirty="0"/>
+          </a:p>
+        </p:txBody>
+      </p:sp>
+      <p:sp>
+        <p:nvSpPr>
+          <p:cNvPr id="16" name="ZoneTexte 15"/>
+          <p:cNvSpPr txBox="1"/>
+          <p:nvPr/>
+        </p:nvSpPr>
+        <p:spPr>
+          <a:xfrm>
+            <a:off x="7380312" y="68431"/>
+            <a:ext cx="1721768" cy="1200329"/>
+          </a:xfrm>
+          <a:prstGeom prst="rect">
+            <a:avLst/>
+          </a:prstGeom>
+          <a:noFill/>
+        </p:spPr>
+        <p:style>
+          <a:lnRef idx="2">
+            <a:schemeClr val="accent1"/>
+          </a:lnRef>
+          <a:fillRef idx="1">
+            <a:schemeClr val="lt1"/>
+          </a:fillRef>
+          <a:effectRef idx="0">
+            <a:schemeClr val="accent1"/>
+          </a:effectRef>
+          <a:fontRef idx="minor">
+            <a:schemeClr val="dk1"/>
+          </a:fontRef>
+        </p:style>
+        <p:txBody>
+          <a:bodyPr wrap="square" rtlCol="0">
+            <a:spAutoFit/>
+          </a:bodyPr>
+          <a:lstStyle/>
+          <a:p>
+            <a:r>
+              <a:rPr lang="fr-FR" dirty="0"/>
+              <a:t>Domain</a:t>
+            </a:r>
+          </a:p>
+          <a:p>
+            <a:r>
+              <a:rPr lang="fr-FR" b="1" dirty="0">
+                <a:ln w="0"/>
+                <a:gradFill>
+                  <a:gsLst>
+                    <a:gs pos="0">
+                      <a:schemeClr val="accent5">
+                        <a:lumMod val="50000"/>
+                      </a:schemeClr>
+                    </a:gs>
+                    <a:gs pos="50000">
+                      <a:schemeClr val="accent5"/>
+                    </a:gs>
+                    <a:gs pos="100000">
+                      <a:schemeClr val="accent5">
+                        <a:lumMod val="60000"/>
+                        <a:lumOff val="40000"/>
+                      </a:schemeClr>
+                    </a:gs>
+                  </a:gsLst>
+                  <a:lin ang="5400000"/>
+                </a:gradFill>
+                <a:effectLst>
+                  <a:reflection blurRad="6350" stA="53000" endA="300" endPos="35500" dir="5400000" sy="-90000" algn="bl" rotWithShape="0"/>
+                </a:effectLst>
+              </a:rPr>
+              <a:t>Article</a:t>
+            </a:r>
+          </a:p>
+          <a:p>
+            <a:r>
+              <a:rPr lang="fr-FR" dirty="0" err="1" smtClean="0"/>
+              <a:t>Implementation</a:t>
+            </a:r>
+            <a:endParaRPr lang="fr-FR" dirty="0" smtClean="0"/>
+          </a:p>
+          <a:p>
+            <a:r>
+              <a:rPr lang="fr-FR" dirty="0" smtClean="0"/>
+              <a:t>Conclusion</a:t>
+            </a:r>
+            <a:endParaRPr lang="fr-FR" dirty="0"/>
           </a:p>
         </p:txBody>
       </p:sp>
@@ -21517,7 +23233,7 @@
         </p:nvSpPr>
         <p:spPr>
           <a:xfrm>
-            <a:off x="762000" y="269632"/>
+            <a:off x="-36512" y="269632"/>
             <a:ext cx="8077200" cy="1143000"/>
           </a:xfrm>
           <a:prstGeom prst="rect">
@@ -21562,14 +23278,248 @@
               <a:rPr lang="fr-FR" dirty="0"/>
               <a:t> in the article</a:t>
             </a:r>
+          </a:p>
+        </p:txBody>
+      </p:sp>
+      <p:sp>
+        <p:nvSpPr>
+          <p:cNvPr id="11" name="TextShape 4"/>
+          <p:cNvSpPr txBox="1"/>
+          <p:nvPr/>
+        </p:nvSpPr>
+        <p:spPr>
+          <a:xfrm>
+            <a:off x="3503843" y="4094018"/>
+            <a:ext cx="2303560" cy="520200"/>
+          </a:xfrm>
+          <a:prstGeom prst="rect">
+            <a:avLst/>
+          </a:prstGeom>
+        </p:spPr>
+        <p:txBody>
+          <a:bodyPr wrap="none" lIns="90000" tIns="45000" rIns="90000" bIns="45000"/>
+          <a:lstStyle/>
+          <a:p>
+            <a:r>
+              <a:rPr lang="fr-FR" sz="1400" dirty="0" smtClean="0"/>
+              <a:t>UAV </a:t>
+            </a:r>
+            <a:r>
+              <a:rPr lang="fr-FR" sz="1400" dirty="0" err="1" smtClean="0"/>
+              <a:t>random</a:t>
+            </a:r>
+            <a:r>
+              <a:rPr lang="fr-FR" sz="1400" dirty="0" smtClean="0"/>
+              <a:t> action table [2]</a:t>
+            </a:r>
+            <a:endParaRPr sz="1400" dirty="0"/>
+          </a:p>
+        </p:txBody>
+      </p:sp>
+      <p:sp>
+        <p:nvSpPr>
+          <p:cNvPr id="12" name="CustomShape 2"/>
+          <p:cNvSpPr/>
+          <p:nvPr/>
+        </p:nvSpPr>
+        <p:spPr>
+          <a:xfrm>
+            <a:off x="2490312" y="1350256"/>
+            <a:ext cx="5178032" cy="710592"/>
+          </a:xfrm>
+          <a:prstGeom prst="rect">
+            <a:avLst/>
+          </a:prstGeom>
+          <a:noFill/>
+          <a:ln>
+            <a:noFill/>
+          </a:ln>
+        </p:spPr>
+        <p:txBody>
+          <a:bodyPr lIns="90000" tIns="45000" rIns="90000" bIns="45000"/>
+          <a:lstStyle/>
+          <a:p>
+            <a:pPr lvl="1"/>
+            <a:r>
+              <a:rPr lang="fr-FR" sz="3200" dirty="0" err="1"/>
+              <a:t>Random</a:t>
+            </a:r>
+            <a:r>
+              <a:rPr lang="fr-FR" sz="3200" dirty="0"/>
+              <a:t> </a:t>
+            </a:r>
+            <a:r>
+              <a:rPr lang="fr-FR" sz="3200" dirty="0" err="1" smtClean="0"/>
+              <a:t>Walk</a:t>
+            </a:r>
+            <a:r>
+              <a:rPr lang="fr-FR" sz="3200" dirty="0" smtClean="0"/>
+              <a:t> </a:t>
+            </a:r>
+            <a:r>
+              <a:rPr lang="fr-FR" sz="3200" dirty="0"/>
+              <a:t>model</a:t>
+            </a:r>
+          </a:p>
+        </p:txBody>
+      </p:sp>
+      <p:sp>
+        <p:nvSpPr>
+          <p:cNvPr id="14" name="Espace réservé du pied de page 5"/>
+          <p:cNvSpPr>
+            <a:spLocks noGrp="1"/>
+          </p:cNvSpPr>
+          <p:nvPr>
+            <p:ph type="ftr" sz="quarter" idx="11"/>
+          </p:nvPr>
+        </p:nvSpPr>
+        <p:spPr>
+          <a:xfrm>
+            <a:off x="3352800" y="6356350"/>
+            <a:ext cx="3235424" cy="365125"/>
+          </a:xfrm>
+        </p:spPr>
+        <p:txBody>
+          <a:bodyPr/>
+          <a:lstStyle/>
+          <a:p>
+            <a:r>
+              <a:rPr lang="en-US" dirty="0"/>
+              <a:t>Master 2 – Computer Science – Authors : </a:t>
+            </a:r>
+            <a:r>
+              <a:rPr lang="en-US" dirty="0" err="1"/>
+              <a:t>Castagnet</a:t>
+            </a:r>
+            <a:r>
+              <a:rPr lang="en-US" dirty="0"/>
+              <a:t>, </a:t>
+            </a:r>
+            <a:r>
+              <a:rPr lang="en-US" dirty="0" err="1"/>
+              <a:t>Etcheverry</a:t>
+            </a:r>
+            <a:r>
+              <a:rPr lang="en-US" dirty="0"/>
+              <a:t>, </a:t>
+            </a:r>
+            <a:r>
+              <a:rPr lang="en-US" dirty="0" err="1"/>
+              <a:t>Paziewski</a:t>
+            </a:r>
+            <a:r>
+              <a:rPr lang="en-US" dirty="0"/>
+              <a:t>, </a:t>
+            </a:r>
+            <a:r>
+              <a:rPr lang="en-US" dirty="0" err="1"/>
+              <a:t>Tessier</a:t>
+            </a:r>
+            <a:r>
+              <a:rPr lang="en-US" dirty="0"/>
+              <a:t>, </a:t>
+            </a:r>
+            <a:r>
+              <a:rPr lang="en-US" dirty="0" err="1"/>
+              <a:t>Testa</a:t>
+            </a:r>
+            <a:endParaRPr lang="en-US" dirty="0"/>
+          </a:p>
+        </p:txBody>
+      </p:sp>
+      <p:sp>
+        <p:nvSpPr>
+          <p:cNvPr id="16" name="ZoneTexte 15"/>
+          <p:cNvSpPr txBox="1"/>
+          <p:nvPr/>
+        </p:nvSpPr>
+        <p:spPr>
+          <a:xfrm>
+            <a:off x="7380312" y="68431"/>
+            <a:ext cx="1721768" cy="1200329"/>
+          </a:xfrm>
+          <a:prstGeom prst="rect">
+            <a:avLst/>
+          </a:prstGeom>
+          <a:noFill/>
+        </p:spPr>
+        <p:style>
+          <a:lnRef idx="2">
+            <a:schemeClr val="accent1"/>
+          </a:lnRef>
+          <a:fillRef idx="1">
+            <a:schemeClr val="lt1"/>
+          </a:fillRef>
+          <a:effectRef idx="0">
+            <a:schemeClr val="accent1"/>
+          </a:effectRef>
+          <a:fontRef idx="minor">
+            <a:schemeClr val="dk1"/>
+          </a:fontRef>
+        </p:style>
+        <p:txBody>
+          <a:bodyPr wrap="square" rtlCol="0">
+            <a:spAutoFit/>
+          </a:bodyPr>
+          <a:lstStyle/>
+          <a:p>
+            <a:r>
+              <a:rPr lang="fr-FR" dirty="0"/>
+              <a:t>Domain</a:t>
+            </a:r>
+          </a:p>
+          <a:p>
+            <a:r>
+              <a:rPr lang="fr-FR" b="1" dirty="0">
+                <a:ln w="0"/>
+                <a:gradFill>
+                  <a:gsLst>
+                    <a:gs pos="0">
+                      <a:schemeClr val="accent5">
+                        <a:lumMod val="50000"/>
+                      </a:schemeClr>
+                    </a:gs>
+                    <a:gs pos="50000">
+                      <a:schemeClr val="accent5"/>
+                    </a:gs>
+                    <a:gs pos="100000">
+                      <a:schemeClr val="accent5">
+                        <a:lumMod val="60000"/>
+                        <a:lumOff val="40000"/>
+                      </a:schemeClr>
+                    </a:gs>
+                  </a:gsLst>
+                  <a:lin ang="5400000"/>
+                </a:gradFill>
+                <a:effectLst>
+                  <a:reflection blurRad="6350" stA="53000" endA="300" endPos="35500" dir="5400000" sy="-90000" algn="bl" rotWithShape="0"/>
+                </a:effectLst>
+              </a:rPr>
+              <a:t>Article</a:t>
+            </a:r>
+          </a:p>
+          <a:p>
+            <a:r>
+              <a:rPr lang="fr-FR" dirty="0" err="1" smtClean="0"/>
+              <a:t>Implementation</a:t>
+            </a:r>
+            <a:endParaRPr lang="fr-FR" dirty="0" smtClean="0"/>
+          </a:p>
+          <a:p>
+            <a:r>
+              <a:rPr lang="fr-FR" dirty="0" smtClean="0"/>
+              <a:t>Conclusion</a:t>
+            </a:r>
             <a:endParaRPr lang="fr-FR" dirty="0"/>
           </a:p>
         </p:txBody>
       </p:sp>
       <p:pic>
         <p:nvPicPr>
-          <p:cNvPr id="10" name="Picture 2"/>
-          <p:cNvPicPr/>
+          <p:cNvPr id="3" name="Image 2"/>
+          <p:cNvPicPr>
+            <a:picLocks noChangeAspect="1"/>
+          </p:cNvPicPr>
           <p:nvPr/>
         </p:nvPicPr>
         <p:blipFill>
@@ -21580,238 +23530,14 @@
         </p:blipFill>
         <p:spPr>
           <a:xfrm>
-            <a:off x="2088000" y="2016000"/>
-            <a:ext cx="6402240" cy="2145600"/>
+            <a:off x="1480210" y="1942840"/>
+            <a:ext cx="6400800" cy="2151178"/>
           </a:xfrm>
           <a:prstGeom prst="rect">
             <a:avLst/>
           </a:prstGeom>
-          <a:ln>
-            <a:noFill/>
-          </a:ln>
         </p:spPr>
       </p:pic>
-      <p:sp>
-        <p:nvSpPr>
-          <p:cNvPr id="11" name="TextShape 4"/>
-          <p:cNvSpPr txBox="1"/>
-          <p:nvPr/>
-        </p:nvSpPr>
-        <p:spPr>
-          <a:xfrm>
-            <a:off x="2340448" y="4437720"/>
-            <a:ext cx="6264000" cy="520200"/>
-          </a:xfrm>
-          <a:prstGeom prst="rect">
-            <a:avLst/>
-          </a:prstGeom>
-        </p:spPr>
-        <p:txBody>
-          <a:bodyPr wrap="none" lIns="90000" tIns="45000" rIns="90000" bIns="45000"/>
-          <a:lstStyle/>
-          <a:p>
-            <a:r>
-              <a:rPr lang="fr-FR" sz="1500" b="1" i="1" dirty="0" err="1"/>
-              <a:t>From</a:t>
-            </a:r>
-            <a:r>
-              <a:rPr lang="fr-FR" sz="1500" b="1" i="1" dirty="0"/>
-              <a:t> :</a:t>
-            </a:r>
-            <a:r>
-              <a:rPr lang="fr-FR" sz="1500" dirty="0"/>
-              <a:t> </a:t>
-            </a:r>
-            <a:r>
-              <a:rPr lang="fr-FR" sz="1500" dirty="0">
-                <a:latin typeface="Arial"/>
-                <a:ea typeface="Arial"/>
-              </a:rPr>
-              <a:t>“</a:t>
-            </a:r>
-            <a:r>
-              <a:rPr lang="fr-FR" sz="1500" i="1" dirty="0" err="1"/>
-              <a:t>Mobility</a:t>
-            </a:r>
-            <a:r>
-              <a:rPr lang="fr-FR" sz="1500" i="1" dirty="0"/>
-              <a:t> </a:t>
-            </a:r>
-            <a:r>
-              <a:rPr lang="fr-FR" sz="1500" i="1" dirty="0" err="1"/>
-              <a:t>Models</a:t>
-            </a:r>
-            <a:r>
-              <a:rPr lang="fr-FR" sz="1500" i="1" dirty="0"/>
-              <a:t> for UAV Group Reconnaissance Applications</a:t>
-            </a:r>
-            <a:r>
-              <a:rPr lang="fr-FR" sz="1500" i="1" dirty="0">
-                <a:latin typeface="Arial"/>
-                <a:ea typeface="Arial"/>
-              </a:rPr>
-              <a:t>”</a:t>
-            </a:r>
-            <a:endParaRPr dirty="0"/>
-          </a:p>
-          <a:p>
-            <a:r>
-              <a:rPr lang="fr-FR" sz="1500" b="1" i="1" dirty="0">
-                <a:latin typeface="Arial"/>
-                <a:ea typeface="Arial"/>
-              </a:rPr>
-              <a:t>By :</a:t>
-            </a:r>
-            <a:r>
-              <a:rPr lang="fr-FR" sz="1500" i="1" dirty="0">
-                <a:latin typeface="Arial"/>
-                <a:ea typeface="Arial"/>
-              </a:rPr>
-              <a:t> </a:t>
-            </a:r>
-            <a:r>
-              <a:rPr lang="fr-FR" sz="1500" i="1" dirty="0" smtClean="0">
-                <a:latin typeface="Arial"/>
-                <a:ea typeface="Arial"/>
-              </a:rPr>
-              <a:t>E</a:t>
-            </a:r>
-            <a:r>
-              <a:rPr lang="fr-FR" sz="1500" i="1" dirty="0">
-                <a:latin typeface="Arial"/>
-                <a:ea typeface="Arial"/>
-              </a:rPr>
-              <a:t>. Kuiper and S. </a:t>
-            </a:r>
-            <a:r>
-              <a:rPr lang="fr-FR" sz="1500" i="1" dirty="0" err="1">
-                <a:latin typeface="Arial"/>
-                <a:ea typeface="Arial"/>
-              </a:rPr>
-              <a:t>Nadjm</a:t>
-            </a:r>
-            <a:r>
-              <a:rPr lang="fr-FR" sz="1500" i="1" dirty="0">
-                <a:latin typeface="Arial"/>
-                <a:ea typeface="Arial"/>
-              </a:rPr>
-              <a:t>-Tehrani. </a:t>
-            </a:r>
-            <a:endParaRPr dirty="0"/>
-          </a:p>
-        </p:txBody>
-      </p:sp>
-      <p:sp>
-        <p:nvSpPr>
-          <p:cNvPr id="12" name="CustomShape 2"/>
-          <p:cNvSpPr/>
-          <p:nvPr/>
-        </p:nvSpPr>
-        <p:spPr>
-          <a:xfrm>
-            <a:off x="2490312" y="1350256"/>
-            <a:ext cx="5178032" cy="710592"/>
-          </a:xfrm>
-          <a:prstGeom prst="rect">
-            <a:avLst/>
-          </a:prstGeom>
-          <a:noFill/>
-          <a:ln>
-            <a:noFill/>
-          </a:ln>
-        </p:spPr>
-        <p:txBody>
-          <a:bodyPr lIns="90000" tIns="45000" rIns="90000" bIns="45000"/>
-          <a:lstStyle/>
-          <a:p>
-            <a:pPr lvl="1"/>
-            <a:r>
-              <a:rPr lang="fr-FR" sz="3200" dirty="0" err="1"/>
-              <a:t>Random</a:t>
-            </a:r>
-            <a:r>
-              <a:rPr lang="fr-FR" sz="3200" dirty="0"/>
-              <a:t> </a:t>
-            </a:r>
-            <a:r>
-              <a:rPr lang="fr-FR" sz="3200" dirty="0" err="1" smtClean="0"/>
-              <a:t>Walk</a:t>
-            </a:r>
-            <a:r>
-              <a:rPr lang="fr-FR" sz="3200" dirty="0" smtClean="0"/>
-              <a:t> </a:t>
-            </a:r>
-            <a:r>
-              <a:rPr lang="fr-FR" sz="3200" dirty="0"/>
-              <a:t>model</a:t>
-            </a:r>
-          </a:p>
-        </p:txBody>
-      </p:sp>
-      <p:sp>
-        <p:nvSpPr>
-          <p:cNvPr id="14" name="Espace réservé du pied de page 5"/>
-          <p:cNvSpPr>
-            <a:spLocks noGrp="1"/>
-          </p:cNvSpPr>
-          <p:nvPr>
-            <p:ph type="ftr" sz="quarter" idx="11"/>
-          </p:nvPr>
-        </p:nvSpPr>
-        <p:spPr>
-          <a:xfrm>
-            <a:off x="3352800" y="6356350"/>
-            <a:ext cx="3235424" cy="365125"/>
-          </a:xfrm>
-        </p:spPr>
-        <p:txBody>
-          <a:bodyPr/>
-          <a:lstStyle/>
-          <a:p>
-            <a:r>
-              <a:rPr lang="en-US" dirty="0"/>
-              <a:t>Master 2 – Computer Science – Authors : </a:t>
-            </a:r>
-            <a:r>
-              <a:rPr lang="en-US" dirty="0" err="1"/>
-              <a:t>Castagnet</a:t>
-            </a:r>
-            <a:r>
-              <a:rPr lang="en-US" dirty="0"/>
-              <a:t>, </a:t>
-            </a:r>
-            <a:r>
-              <a:rPr lang="en-US" dirty="0" err="1"/>
-              <a:t>Etcheverry</a:t>
-            </a:r>
-            <a:r>
-              <a:rPr lang="en-US" dirty="0"/>
-              <a:t>, </a:t>
-            </a:r>
-            <a:r>
-              <a:rPr lang="en-US" dirty="0" err="1"/>
-              <a:t>Paziewski</a:t>
-            </a:r>
-            <a:r>
-              <a:rPr lang="en-US" dirty="0"/>
-              <a:t>, </a:t>
-            </a:r>
-            <a:r>
-              <a:rPr lang="en-US" dirty="0" err="1"/>
-              <a:t>Tessier</a:t>
-            </a:r>
-            <a:r>
-              <a:rPr lang="en-US" dirty="0"/>
-              <a:t>, </a:t>
-            </a:r>
-            <a:r>
-              <a:rPr lang="en-US" dirty="0" err="1"/>
-              <a:t>Testa</a:t>
-            </a:r>
-            <a:endParaRPr lang="en-US" dirty="0"/>
-          </a:p>
-        </p:txBody>
-      </p:sp>
     </p:spTree>
     <p:extLst>
       <p:ext uri="{BB962C8B-B14F-4D97-AF65-F5344CB8AC3E}">
@@ -21909,13 +23635,13 @@
 
 <file path=ppt/tags/tag20.xml><?xml version="1.0" encoding="utf-8"?>
 <p:tagLst xmlns:a="http://schemas.openxmlformats.org/drawingml/2006/main" xmlns:r="http://schemas.openxmlformats.org/officeDocument/2006/relationships" xmlns:p="http://schemas.openxmlformats.org/presentationml/2006/main">
-  <p:tag name="DVSHAPEID" val="InkrlxYPS4jAzciXk8ToAM"/>
+  <p:tag name="DVSHAPEID" val="retnMj4SFfqbVIhVK0Rf83"/>
 </p:tagLst>
 </file>
 
 <file path=ppt/tags/tag21.xml><?xml version="1.0" encoding="utf-8"?>
 <p:tagLst xmlns:a="http://schemas.openxmlformats.org/drawingml/2006/main" xmlns:r="http://schemas.openxmlformats.org/officeDocument/2006/relationships" xmlns:p="http://schemas.openxmlformats.org/presentationml/2006/main">
-  <p:tag name="DVSHAPEID" val="retnMj4SFfqbVIhVK0Rf83"/>
+  <p:tag name="DVSHAPEID" val="InkrlxYPS4jAzciXk8ToAM"/>
 </p:tagLst>
 </file>
 

--- a/ressources/presentation/PresentationPER_Desbarats_V3.pptx
+++ b/ressources/presentation/PresentationPER_Desbarats_V3.pptx
@@ -285,7 +285,6 @@
           </a:p>
         </c:rich>
       </c:tx>
-      <c:layout/>
       <c:overlay val="0"/>
       <c:spPr>
         <a:noFill/>
@@ -631,11 +630,11 @@
           <c:showBubbleSize val="0"/>
         </c:dLbls>
         <c:smooth val="0"/>
-        <c:axId val="226269200"/>
-        <c:axId val="226270768"/>
+        <c:axId val="1380922144"/>
+        <c:axId val="1380915072"/>
       </c:lineChart>
       <c:catAx>
-        <c:axId val="226269200"/>
+        <c:axId val="1380922144"/>
         <c:scaling>
           <c:orientation val="minMax"/>
         </c:scaling>
@@ -666,7 +665,6 @@
               </a:p>
             </c:rich>
           </c:tx>
-          <c:layout/>
           <c:overlay val="0"/>
           <c:spPr>
             <a:noFill/>
@@ -730,7 +728,7 @@
             <a:endParaRPr lang="fr-FR"/>
           </a:p>
         </c:txPr>
-        <c:crossAx val="226270768"/>
+        <c:crossAx val="1380915072"/>
         <c:crosses val="autoZero"/>
         <c:auto val="1"/>
         <c:lblAlgn val="ctr"/>
@@ -738,7 +736,7 @@
         <c:noMultiLvlLbl val="0"/>
       </c:catAx>
       <c:valAx>
-        <c:axId val="226270768"/>
+        <c:axId val="1380915072"/>
         <c:scaling>
           <c:orientation val="minMax"/>
           <c:max val="100"/>
@@ -789,7 +787,6 @@
               </a:p>
             </c:rich>
           </c:tx>
-          <c:layout/>
           <c:overlay val="0"/>
           <c:spPr>
             <a:noFill/>
@@ -848,7 +845,7 @@
             <a:endParaRPr lang="fr-FR"/>
           </a:p>
         </c:txPr>
-        <c:crossAx val="226269200"/>
+        <c:crossAx val="1380922144"/>
         <c:crosses val="autoZero"/>
         <c:crossBetween val="between"/>
       </c:valAx>
@@ -17825,11 +17822,7 @@
           <a:p>
             <a:r>
               <a:rPr lang="fr-FR" sz="1400" dirty="0" smtClean="0"/>
-              <a:t>Source </a:t>
-            </a:r>
-            <a:r>
-              <a:rPr lang="fr-FR" sz="1400" dirty="0" smtClean="0"/>
-              <a:t>: </a:t>
+              <a:t>Source : </a:t>
             </a:r>
             <a:r>
               <a:rPr lang="fr-FR" sz="1400" dirty="0"/>
@@ -17878,11 +17871,7 @@
           <a:p>
             <a:r>
               <a:rPr lang="fr-FR" sz="1400" dirty="0" smtClean="0"/>
-              <a:t>Source </a:t>
-            </a:r>
-            <a:r>
-              <a:rPr lang="fr-FR" sz="1400" dirty="0" smtClean="0"/>
-              <a:t>: </a:t>
+              <a:t>Source : </a:t>
             </a:r>
             <a:r>
               <a:rPr lang="fr-FR" sz="1400" dirty="0"/>
@@ -18287,11 +18276,7 @@
           <a:p>
             <a:r>
               <a:rPr lang="fr-FR" sz="1400" dirty="0" smtClean="0"/>
-              <a:t>Source </a:t>
-            </a:r>
-            <a:r>
-              <a:rPr lang="fr-FR" sz="1400" dirty="0" smtClean="0"/>
-              <a:t>: </a:t>
+              <a:t>Source : </a:t>
             </a:r>
             <a:r>
               <a:rPr lang="fr-FR" sz="1400" dirty="0"/>
@@ -18614,11 +18599,7 @@
             </a:pPr>
             <a:r>
               <a:rPr lang="fr-FR" sz="1400" dirty="0" smtClean="0"/>
-              <a:t>[2]  </a:t>
-            </a:r>
-            <a:r>
-              <a:rPr lang="fr-FR" sz="1400" dirty="0" smtClean="0"/>
-              <a:t>: </a:t>
+              <a:t>[2]  : </a:t>
             </a:r>
             <a:r>
               <a:rPr lang="en-US" sz="1400" dirty="0"/>
@@ -19525,15 +19506,7 @@
           <a:p>
             <a:r>
               <a:rPr lang="fr-FR" sz="1400" dirty="0" smtClean="0"/>
-              <a:t>Source  </a:t>
-            </a:r>
-            <a:r>
-              <a:rPr lang="fr-FR" sz="1400" dirty="0" smtClean="0"/>
-              <a:t>: </a:t>
-            </a:r>
-            <a:r>
-              <a:rPr lang="fr-FR" sz="1400" dirty="0" smtClean="0"/>
-              <a:t>« http</a:t>
+              <a:t>Source  : « http</a:t>
             </a:r>
             <a:r>
               <a:rPr lang="fr-FR" sz="1400" dirty="0"/>
@@ -20181,11 +20154,7 @@
           <a:p>
             <a:r>
               <a:rPr lang="fr-FR" sz="1400" dirty="0" smtClean="0"/>
-              <a:t>Source </a:t>
-            </a:r>
-            <a:r>
-              <a:rPr lang="fr-FR" sz="1400" dirty="0" smtClean="0"/>
-              <a:t>: "http</a:t>
+              <a:t>Source : "http</a:t>
             </a:r>
             <a:r>
               <a:rPr lang="fr-FR" sz="1400" dirty="0"/>
@@ -20226,11 +20195,7 @@
           <a:p>
             <a:r>
               <a:rPr lang="fr-FR" sz="1400" dirty="0" smtClean="0"/>
-              <a:t>Source </a:t>
-            </a:r>
-            <a:r>
-              <a:rPr lang="fr-FR" sz="1400" dirty="0" smtClean="0"/>
-              <a:t>: </a:t>
+              <a:t>Source : </a:t>
             </a:r>
             <a:r>
               <a:rPr lang="fr-FR" sz="1400" dirty="0"/>
@@ -20729,11 +20694,7 @@
             </a:r>
             <a:r>
               <a:rPr lang="fr-FR" sz="1200" dirty="0" smtClean="0"/>
-              <a:t> </a:t>
-            </a:r>
-            <a:r>
-              <a:rPr lang="fr-FR" sz="1200" dirty="0" smtClean="0"/>
-              <a:t>pattern of </a:t>
+              <a:t> pattern of </a:t>
             </a:r>
             <a:r>
               <a:rPr lang="fr-FR" sz="1200" dirty="0" err="1"/>
@@ -20791,11 +20752,7 @@
             </a:r>
             <a:r>
               <a:rPr lang="fr-FR" sz="1200" dirty="0" smtClean="0"/>
-              <a:t> </a:t>
-            </a:r>
-            <a:r>
-              <a:rPr lang="fr-FR" sz="1200" dirty="0" smtClean="0"/>
-              <a:t>pattern of </a:t>
+              <a:t> pattern of </a:t>
             </a:r>
             <a:r>
               <a:rPr lang="fr-FR" sz="1200" dirty="0" err="1"/>
@@ -20811,11 +20768,7 @@
             </a:r>
             <a:r>
               <a:rPr lang="fr-FR" sz="1200" dirty="0" err="1" smtClean="0"/>
-              <a:t>w</a:t>
-            </a:r>
-            <a:r>
-              <a:rPr lang="fr-FR" sz="1200" dirty="0" err="1" smtClean="0"/>
-              <a:t>aypoint</a:t>
+              <a:t>waypoint</a:t>
             </a:r>
             <a:r>
               <a:rPr lang="fr-FR" sz="1200" dirty="0" smtClean="0"/>
@@ -21357,11 +21310,7 @@
           <a:p>
             <a:r>
               <a:rPr lang="fr-FR" sz="1200" dirty="0" smtClean="0"/>
-              <a:t>Street </a:t>
-            </a:r>
-            <a:r>
-              <a:rPr lang="fr-FR" sz="1200" dirty="0" smtClean="0"/>
-              <a:t>scenario </a:t>
+              <a:t>Street scenario </a:t>
             </a:r>
             <a:r>
               <a:rPr lang="fr-FR" sz="1200" dirty="0" err="1" smtClean="0"/>
@@ -21369,11 +21318,7 @@
             </a:r>
             <a:r>
               <a:rPr lang="fr-FR" sz="1200" dirty="0" smtClean="0"/>
-              <a:t> to a square area size </a:t>
-            </a:r>
-            <a:r>
-              <a:rPr lang="fr-FR" sz="1200" dirty="0" smtClean="0"/>
-              <a:t>1900x1900 [3]</a:t>
+              <a:t> to a square area size 1900x1900 [3]</a:t>
             </a:r>
             <a:endParaRPr lang="fr-FR" sz="1200" dirty="0"/>
           </a:p>
@@ -21403,11 +21348,7 @@
           <a:p>
             <a:r>
               <a:rPr lang="fr-FR" sz="1200" dirty="0" smtClean="0"/>
-              <a:t>Attractive </a:t>
-            </a:r>
-            <a:r>
-              <a:rPr lang="fr-FR" sz="1200" dirty="0" smtClean="0"/>
-              <a:t>and </a:t>
+              <a:t>Attractive and </a:t>
             </a:r>
             <a:r>
               <a:rPr lang="fr-FR" sz="1200" dirty="0" err="1" smtClean="0"/>
@@ -21435,15 +21376,7 @@
             </a:r>
             <a:r>
               <a:rPr lang="fr-FR" sz="1200" dirty="0" smtClean="0"/>
-              <a:t>or </a:t>
-            </a:r>
-            <a:r>
-              <a:rPr lang="fr-FR" sz="1200" dirty="0" smtClean="0"/>
-              <a:t>s</a:t>
-            </a:r>
-            <a:r>
-              <a:rPr lang="fr-FR" sz="1200" dirty="0" smtClean="0"/>
-              <a:t>urveillance [4]</a:t>
+              <a:t>or surveillance [4]</a:t>
             </a:r>
             <a:endParaRPr lang="fr-FR" sz="1200" dirty="0"/>
           </a:p>
@@ -22319,7 +22252,9 @@
           </a:prstGeom>
           <a:noFill/>
           <a:ln>
-            <a:noFill/>
+            <a:solidFill>
+              <a:schemeClr val="accent1"/>
+            </a:solidFill>
           </a:ln>
         </p:spPr>
         <p:style>
@@ -22971,11 +22906,7 @@
             </a:r>
             <a:r>
               <a:rPr lang="fr-FR" sz="1400" dirty="0" smtClean="0"/>
-              <a:t> </a:t>
-            </a:r>
-            <a:r>
-              <a:rPr lang="fr-FR" sz="1400" dirty="0" smtClean="0"/>
-              <a:t>pattern of </a:t>
+              <a:t> pattern of </a:t>
             </a:r>
             <a:r>
               <a:rPr lang="fr-FR" sz="1400" dirty="0" err="1"/>
@@ -22991,11 +22922,7 @@
             </a:r>
             <a:r>
               <a:rPr lang="fr-FR" sz="1400" dirty="0" err="1" smtClean="0"/>
-              <a:t>w</a:t>
-            </a:r>
-            <a:r>
-              <a:rPr lang="fr-FR" sz="1400" dirty="0" err="1" smtClean="0"/>
-              <a:t>alk</a:t>
+              <a:t>walk</a:t>
             </a:r>
             <a:r>
               <a:rPr lang="fr-FR" sz="1400" dirty="0" smtClean="0"/>
